--- a/docs/assets/TitaniumFlows.pptx
+++ b/docs/assets/TitaniumFlows.pptx
@@ -213,7 +213,7 @@
           <a:graphicData uri="http://schemas.openxmlformats.org/presentationml/2006/ole">
             <mc:AlternateContent xmlns:mc="http://schemas.openxmlformats.org/markup-compatibility/2006">
               <mc:Choice xmlns:v="urn:schemas-microsoft-com:vml" Requires="v">
-                <p:oleObj spid="_x0000_s2131" name="think-cell Slide" r:id="rId5" imgW="270" imgH="270" progId="TCLayout.ActiveDocument.1">
+                <p:oleObj spid="_x0000_s2138" name="think-cell Slide" r:id="rId5" imgW="270" imgH="270" progId="TCLayout.ActiveDocument.1">
                   <p:embed/>
                 </p:oleObj>
               </mc:Choice>
@@ -395,7 +395,7 @@
           <a:p>
             <a:fld id="{B56E8790-EF43-4195-82DA-4A26D543E504}" type="datetimeFigureOut">
               <a:rPr lang="en-GB" smtClean="0"/>
-              <a:t>03/12/2019</a:t>
+              <a:t>25/03/2020</a:t>
             </a:fld>
             <a:endParaRPr lang="en-GB" dirty="0"/>
           </a:p>
@@ -493,7 +493,7 @@
           <a:graphicData uri="http://schemas.openxmlformats.org/presentationml/2006/ole">
             <mc:AlternateContent xmlns:mc="http://schemas.openxmlformats.org/markup-compatibility/2006">
               <mc:Choice xmlns:v="urn:schemas-microsoft-com:vml" Requires="v">
-                <p:oleObj spid="_x0000_s9380" name="think-cell Slide" r:id="rId5" imgW="270" imgH="270" progId="TCLayout.ActiveDocument.1">
+                <p:oleObj spid="_x0000_s9394" name="think-cell Slide" r:id="rId5" imgW="270" imgH="270" progId="TCLayout.ActiveDocument.1">
                   <p:embed/>
                 </p:oleObj>
               </mc:Choice>
@@ -607,7 +607,7 @@
           <a:p>
             <a:fld id="{B56E8790-EF43-4195-82DA-4A26D543E504}" type="datetimeFigureOut">
               <a:rPr lang="en-GB" smtClean="0"/>
-              <a:t>03/12/2019</a:t>
+              <a:t>25/03/2020</a:t>
             </a:fld>
             <a:endParaRPr lang="en-GB" dirty="0"/>
           </a:p>
@@ -1201,7 +1201,7 @@
           <a:graphicData uri="http://schemas.openxmlformats.org/presentationml/2006/ole">
             <mc:AlternateContent xmlns:mc="http://schemas.openxmlformats.org/markup-compatibility/2006">
               <mc:Choice xmlns:v="urn:schemas-microsoft-com:vml" Requires="v">
-                <p:oleObj spid="_x0000_s9381" name="think-cell Slide" r:id="rId7" imgW="270" imgH="270" progId="TCLayout.ActiveDocument.1">
+                <p:oleObj spid="_x0000_s9395" name="think-cell Slide" r:id="rId7" imgW="270" imgH="270" progId="TCLayout.ActiveDocument.1">
                   <p:embed/>
                 </p:oleObj>
               </mc:Choice>
@@ -1506,7 +1506,7 @@
           <a:graphicData uri="http://schemas.openxmlformats.org/presentationml/2006/ole">
             <mc:AlternateContent xmlns:mc="http://schemas.openxmlformats.org/markup-compatibility/2006">
               <mc:Choice xmlns:v="urn:schemas-microsoft-com:vml" Requires="v">
-                <p:oleObj spid="_x0000_s10404" name="think-cell Slide" r:id="rId5" imgW="270" imgH="270" progId="TCLayout.ActiveDocument.1">
+                <p:oleObj spid="_x0000_s10418" name="think-cell Slide" r:id="rId5" imgW="270" imgH="270" progId="TCLayout.ActiveDocument.1">
                   <p:embed/>
                 </p:oleObj>
               </mc:Choice>
@@ -1571,7 +1571,7 @@
           <a:p>
             <a:fld id="{B56E8790-EF43-4195-82DA-4A26D543E504}" type="datetimeFigureOut">
               <a:rPr lang="en-GB" smtClean="0"/>
-              <a:t>03/12/2019</a:t>
+              <a:t>25/03/2020</a:t>
             </a:fld>
             <a:endParaRPr lang="en-GB" dirty="0"/>
           </a:p>
@@ -1957,7 +1957,7 @@
           <a:graphicData uri="http://schemas.openxmlformats.org/presentationml/2006/ole">
             <mc:AlternateContent xmlns:mc="http://schemas.openxmlformats.org/markup-compatibility/2006">
               <mc:Choice xmlns:v="urn:schemas-microsoft-com:vml" Requires="v">
-                <p:oleObj spid="_x0000_s10405" name="think-cell Slide" r:id="rId8" imgW="270" imgH="270" progId="TCLayout.ActiveDocument.1">
+                <p:oleObj spid="_x0000_s10419" name="think-cell Slide" r:id="rId8" imgW="270" imgH="270" progId="TCLayout.ActiveDocument.1">
                   <p:embed/>
                 </p:oleObj>
               </mc:Choice>
@@ -2224,7 +2224,7 @@
           <a:graphicData uri="http://schemas.openxmlformats.org/presentationml/2006/ole">
             <mc:AlternateContent xmlns:mc="http://schemas.openxmlformats.org/markup-compatibility/2006">
               <mc:Choice xmlns:v="urn:schemas-microsoft-com:vml" Requires="v">
-                <p:oleObj spid="_x0000_s11347" name="think-cell Slide" r:id="rId4" imgW="270" imgH="270" progId="TCLayout.ActiveDocument.1">
+                <p:oleObj spid="_x0000_s11354" name="think-cell Slide" r:id="rId4" imgW="270" imgH="270" progId="TCLayout.ActiveDocument.1">
                   <p:embed/>
                 </p:oleObj>
               </mc:Choice>
@@ -2281,7 +2281,7 @@
           <a:p>
             <a:fld id="{B56E8790-EF43-4195-82DA-4A26D543E504}" type="datetimeFigureOut">
               <a:rPr lang="en-GB" smtClean="0"/>
-              <a:t>03/12/2019</a:t>
+              <a:t>25/03/2020</a:t>
             </a:fld>
             <a:endParaRPr lang="en-GB" dirty="0"/>
           </a:p>
@@ -2671,7 +2671,7 @@
           <a:graphicData uri="http://schemas.openxmlformats.org/presentationml/2006/ole">
             <mc:AlternateContent xmlns:mc="http://schemas.openxmlformats.org/markup-compatibility/2006">
               <mc:Choice xmlns:v="urn:schemas-microsoft-com:vml" Requires="v">
-                <p:oleObj spid="_x0000_s12371" name="think-cell Slide" r:id="rId4" imgW="270" imgH="270" progId="TCLayout.ActiveDocument.1">
+                <p:oleObj spid="_x0000_s12378" name="think-cell Slide" r:id="rId4" imgW="270" imgH="270" progId="TCLayout.ActiveDocument.1">
                   <p:embed/>
                 </p:oleObj>
               </mc:Choice>
@@ -2728,7 +2728,7 @@
           <a:p>
             <a:fld id="{B56E8790-EF43-4195-82DA-4A26D543E504}" type="datetimeFigureOut">
               <a:rPr lang="en-GB" smtClean="0"/>
-              <a:t>03/12/2019</a:t>
+              <a:t>25/03/2020</a:t>
             </a:fld>
             <a:endParaRPr lang="en-GB" dirty="0"/>
           </a:p>
@@ -3280,7 +3280,7 @@
           <a:graphicData uri="http://schemas.openxmlformats.org/presentationml/2006/ole">
             <mc:AlternateContent xmlns:mc="http://schemas.openxmlformats.org/markup-compatibility/2006">
               <mc:Choice xmlns:v="urn:schemas-microsoft-com:vml" Requires="v">
-                <p:oleObj spid="_x0000_s13395" name="think-cell Slide" r:id="rId4" imgW="270" imgH="270" progId="TCLayout.ActiveDocument.1">
+                <p:oleObj spid="_x0000_s13402" name="think-cell Slide" r:id="rId4" imgW="270" imgH="270" progId="TCLayout.ActiveDocument.1">
                   <p:embed/>
                 </p:oleObj>
               </mc:Choice>
@@ -3337,7 +3337,7 @@
           <a:p>
             <a:fld id="{B56E8790-EF43-4195-82DA-4A26D543E504}" type="datetimeFigureOut">
               <a:rPr lang="en-GB" smtClean="0"/>
-              <a:t>03/12/2019</a:t>
+              <a:t>25/03/2020</a:t>
             </a:fld>
             <a:endParaRPr lang="en-GB" dirty="0"/>
           </a:p>
@@ -3889,7 +3889,7 @@
           <a:graphicData uri="http://schemas.openxmlformats.org/presentationml/2006/ole">
             <mc:AlternateContent xmlns:mc="http://schemas.openxmlformats.org/markup-compatibility/2006">
               <mc:Choice xmlns:v="urn:schemas-microsoft-com:vml" Requires="v">
-                <p:oleObj spid="_x0000_s14419" name="think-cell Slide" r:id="rId4" imgW="270" imgH="270" progId="TCLayout.ActiveDocument.1">
+                <p:oleObj spid="_x0000_s14426" name="think-cell Slide" r:id="rId4" imgW="270" imgH="270" progId="TCLayout.ActiveDocument.1">
                   <p:embed/>
                 </p:oleObj>
               </mc:Choice>
@@ -3946,7 +3946,7 @@
           <a:p>
             <a:fld id="{B56E8790-EF43-4195-82DA-4A26D543E504}" type="datetimeFigureOut">
               <a:rPr lang="en-GB" smtClean="0"/>
-              <a:t>03/12/2019</a:t>
+              <a:t>25/03/2020</a:t>
             </a:fld>
             <a:endParaRPr lang="en-GB" dirty="0"/>
           </a:p>
@@ -4498,7 +4498,7 @@
           <a:graphicData uri="http://schemas.openxmlformats.org/presentationml/2006/ole">
             <mc:AlternateContent xmlns:mc="http://schemas.openxmlformats.org/markup-compatibility/2006">
               <mc:Choice xmlns:v="urn:schemas-microsoft-com:vml" Requires="v">
-                <p:oleObj spid="_x0000_s15443" name="think-cell Slide" r:id="rId4" imgW="270" imgH="270" progId="TCLayout.ActiveDocument.1">
+                <p:oleObj spid="_x0000_s15450" name="think-cell Slide" r:id="rId4" imgW="270" imgH="270" progId="TCLayout.ActiveDocument.1">
                   <p:embed/>
                 </p:oleObj>
               </mc:Choice>
@@ -4555,7 +4555,7 @@
           <a:p>
             <a:fld id="{B56E8790-EF43-4195-82DA-4A26D543E504}" type="datetimeFigureOut">
               <a:rPr lang="en-GB" smtClean="0"/>
-              <a:t>03/12/2019</a:t>
+              <a:t>25/03/2020</a:t>
             </a:fld>
             <a:endParaRPr lang="en-GB" dirty="0"/>
           </a:p>
@@ -5107,7 +5107,7 @@
           <a:graphicData uri="http://schemas.openxmlformats.org/presentationml/2006/ole">
             <mc:AlternateContent xmlns:mc="http://schemas.openxmlformats.org/markup-compatibility/2006">
               <mc:Choice xmlns:v="urn:schemas-microsoft-com:vml" Requires="v">
-                <p:oleObj spid="_x0000_s16467" name="think-cell Slide" r:id="rId4" imgW="270" imgH="270" progId="TCLayout.ActiveDocument.1">
+                <p:oleObj spid="_x0000_s16474" name="think-cell Slide" r:id="rId4" imgW="270" imgH="270" progId="TCLayout.ActiveDocument.1">
                   <p:embed/>
                 </p:oleObj>
               </mc:Choice>
@@ -5164,7 +5164,7 @@
           <a:p>
             <a:fld id="{B56E8790-EF43-4195-82DA-4A26D543E504}" type="datetimeFigureOut">
               <a:rPr lang="en-GB" smtClean="0"/>
-              <a:t>03/12/2019</a:t>
+              <a:t>25/03/2020</a:t>
             </a:fld>
             <a:endParaRPr lang="en-GB" dirty="0"/>
           </a:p>
@@ -5716,7 +5716,7 @@
           <a:graphicData uri="http://schemas.openxmlformats.org/presentationml/2006/ole">
             <mc:AlternateContent xmlns:mc="http://schemas.openxmlformats.org/markup-compatibility/2006">
               <mc:Choice xmlns:v="urn:schemas-microsoft-com:vml" Requires="v">
-                <p:oleObj spid="_x0000_s17491" name="think-cell Slide" r:id="rId4" imgW="270" imgH="270" progId="TCLayout.ActiveDocument.1">
+                <p:oleObj spid="_x0000_s17498" name="think-cell Slide" r:id="rId4" imgW="270" imgH="270" progId="TCLayout.ActiveDocument.1">
                   <p:embed/>
                 </p:oleObj>
               </mc:Choice>
@@ -5773,7 +5773,7 @@
           <a:p>
             <a:fld id="{B56E8790-EF43-4195-82DA-4A26D543E504}" type="datetimeFigureOut">
               <a:rPr lang="en-GB" smtClean="0"/>
-              <a:t>03/12/2019</a:t>
+              <a:t>25/03/2020</a:t>
             </a:fld>
             <a:endParaRPr lang="en-GB" dirty="0"/>
           </a:p>
@@ -6418,7 +6418,7 @@
           <a:p>
             <a:fld id="{B56E8790-EF43-4195-82DA-4A26D543E504}" type="datetimeFigureOut">
               <a:rPr lang="en-GB" smtClean="0"/>
-              <a:t>03/12/2019</a:t>
+              <a:t>25/03/2020</a:t>
             </a:fld>
             <a:endParaRPr lang="en-GB" dirty="0"/>
           </a:p>
@@ -6529,7 +6529,7 @@
           <a:graphicData uri="http://schemas.openxmlformats.org/presentationml/2006/ole">
             <mc:AlternateContent xmlns:mc="http://schemas.openxmlformats.org/markup-compatibility/2006">
               <mc:Choice xmlns:v="urn:schemas-microsoft-com:vml" Requires="v">
-                <p:oleObj spid="_x0000_s3155" name="think-cell Slide" r:id="rId4" imgW="270" imgH="270" progId="TCLayout.ActiveDocument.1">
+                <p:oleObj spid="_x0000_s3162" name="think-cell Slide" r:id="rId4" imgW="270" imgH="270" progId="TCLayout.ActiveDocument.1">
                   <p:embed/>
                 </p:oleObj>
               </mc:Choice>
@@ -6678,7 +6678,7 @@
           <a:p>
             <a:fld id="{B56E8790-EF43-4195-82DA-4A26D543E504}" type="datetimeFigureOut">
               <a:rPr lang="en-GB" smtClean="0"/>
-              <a:t>03/12/2019</a:t>
+              <a:t>25/03/2020</a:t>
             </a:fld>
             <a:endParaRPr lang="en-GB" dirty="0"/>
           </a:p>
@@ -6843,7 +6843,7 @@
           <a:graphicData uri="http://schemas.openxmlformats.org/presentationml/2006/ole">
             <mc:AlternateContent xmlns:mc="http://schemas.openxmlformats.org/markup-compatibility/2006">
               <mc:Choice xmlns:v="urn:schemas-microsoft-com:vml" Requires="v">
-                <p:oleObj spid="_x0000_s19539" name="think-cell Slide" r:id="rId5" imgW="270" imgH="270" progId="TCLayout.ActiveDocument.1">
+                <p:oleObj spid="_x0000_s19546" name="think-cell Slide" r:id="rId5" imgW="270" imgH="270" progId="TCLayout.ActiveDocument.1">
                   <p:embed/>
                 </p:oleObj>
               </mc:Choice>
@@ -7026,7 +7026,7 @@
             <a:fld id="{FD5A4159-1C9D-4C23-8DBB-0FD5BF49F859}" type="datetime1">
               <a:rPr lang="en-GB" smtClean="0"/>
               <a:pPr/>
-              <a:t>03/12/2019</a:t>
+              <a:t>25/03/2020</a:t>
             </a:fld>
             <a:endParaRPr lang="en-GB" dirty="0"/>
           </a:p>
@@ -7120,7 +7120,7 @@
           <a:graphicData uri="http://schemas.openxmlformats.org/presentationml/2006/ole">
             <mc:AlternateContent xmlns:mc="http://schemas.openxmlformats.org/markup-compatibility/2006">
               <mc:Choice xmlns:v="urn:schemas-microsoft-com:vml" Requires="v">
-                <p:oleObj spid="_x0000_s20563" name="think-cell Slide" r:id="rId4" imgW="270" imgH="270" progId="TCLayout.ActiveDocument.1">
+                <p:oleObj spid="_x0000_s20570" name="think-cell Slide" r:id="rId4" imgW="270" imgH="270" progId="TCLayout.ActiveDocument.1">
                   <p:embed/>
                 </p:oleObj>
               </mc:Choice>
@@ -7270,7 +7270,7 @@
             <a:fld id="{461D2423-DC7C-4239-9F6A-F74AADFD9F8E}" type="datetime1">
               <a:rPr lang="en-GB" smtClean="0"/>
               <a:pPr/>
-              <a:t>03/12/2019</a:t>
+              <a:t>25/03/2020</a:t>
             </a:fld>
             <a:endParaRPr lang="en-GB" dirty="0"/>
           </a:p>
@@ -7444,7 +7444,7 @@
             <a:fld id="{84F482FB-B023-4CBB-8046-4D830E895C90}" type="datetime1">
               <a:rPr lang="en-GB" smtClean="0"/>
               <a:pPr/>
-              <a:t>03/12/2019</a:t>
+              <a:t>25/03/2020</a:t>
             </a:fld>
             <a:endParaRPr lang="en-GB" dirty="0"/>
           </a:p>
@@ -7718,7 +7718,7 @@
           <a:graphicData uri="http://schemas.openxmlformats.org/presentationml/2006/ole">
             <mc:AlternateContent xmlns:mc="http://schemas.openxmlformats.org/markup-compatibility/2006">
               <mc:Choice xmlns:v="urn:schemas-microsoft-com:vml" Requires="v">
-                <p:oleObj spid="_x0000_s21587" name="think-cell Slide" r:id="rId4" imgW="270" imgH="270" progId="TCLayout.ActiveDocument.1">
+                <p:oleObj spid="_x0000_s21594" name="think-cell Slide" r:id="rId4" imgW="270" imgH="270" progId="TCLayout.ActiveDocument.1">
                   <p:embed/>
                 </p:oleObj>
               </mc:Choice>
@@ -7877,7 +7877,7 @@
             <a:fld id="{F26DF438-9CC2-4A49-A657-78DE437E5C5C}" type="datetime1">
               <a:rPr lang="en-GB" smtClean="0"/>
               <a:pPr/>
-              <a:t>03/12/2019</a:t>
+              <a:t>25/03/2020</a:t>
             </a:fld>
             <a:endParaRPr lang="en-GB" dirty="0"/>
           </a:p>
@@ -8272,7 +8272,7 @@
           <a:graphicData uri="http://schemas.openxmlformats.org/presentationml/2006/ole">
             <mc:AlternateContent xmlns:mc="http://schemas.openxmlformats.org/markup-compatibility/2006">
               <mc:Choice xmlns:v="urn:schemas-microsoft-com:vml" Requires="v">
-                <p:oleObj spid="_x0000_s22611" name="think-cell Slide" r:id="rId4" imgW="270" imgH="270" progId="TCLayout.ActiveDocument.1">
+                <p:oleObj spid="_x0000_s22618" name="think-cell Slide" r:id="rId4" imgW="270" imgH="270" progId="TCLayout.ActiveDocument.1">
                   <p:embed/>
                 </p:oleObj>
               </mc:Choice>
@@ -8338,7 +8338,7 @@
             <a:fld id="{A960169C-9E24-485A-B7A8-19D9A23B43F5}" type="datetime1">
               <a:rPr lang="en-GB" smtClean="0"/>
               <a:pPr/>
-              <a:t>03/12/2019</a:t>
+              <a:t>25/03/2020</a:t>
             </a:fld>
             <a:endParaRPr lang="en-GB" dirty="0"/>
           </a:p>
@@ -8880,7 +8880,7 @@
           <a:graphicData uri="http://schemas.openxmlformats.org/presentationml/2006/ole">
             <mc:AlternateContent xmlns:mc="http://schemas.openxmlformats.org/markup-compatibility/2006">
               <mc:Choice xmlns:v="urn:schemas-microsoft-com:vml" Requires="v">
-                <p:oleObj spid="_x0000_s23716" name="think-cell Slide" r:id="rId5" imgW="270" imgH="270" progId="TCLayout.ActiveDocument.1">
+                <p:oleObj spid="_x0000_s23730" name="think-cell Slide" r:id="rId5" imgW="270" imgH="270" progId="TCLayout.ActiveDocument.1">
                   <p:embed/>
                 </p:oleObj>
               </mc:Choice>
@@ -9132,7 +9132,7 @@
             <a:fld id="{0DD20B1F-20AE-4F8D-832A-F732FDE213D5}" type="datetime1">
               <a:rPr lang="en-GB" smtClean="0"/>
               <a:pPr/>
-              <a:t>03/12/2019</a:t>
+              <a:t>25/03/2020</a:t>
             </a:fld>
             <a:endParaRPr lang="en-GB" dirty="0"/>
           </a:p>
@@ -9203,7 +9203,7 @@
           <a:graphicData uri="http://schemas.openxmlformats.org/presentationml/2006/ole">
             <mc:AlternateContent xmlns:mc="http://schemas.openxmlformats.org/markup-compatibility/2006">
               <mc:Choice xmlns:v="urn:schemas-microsoft-com:vml" Requires="v">
-                <p:oleObj spid="_x0000_s23717" name="think-cell Slide" r:id="rId7" imgW="270" imgH="270" progId="TCLayout.ActiveDocument.1">
+                <p:oleObj spid="_x0000_s23731" name="think-cell Slide" r:id="rId7" imgW="270" imgH="270" progId="TCLayout.ActiveDocument.1">
                   <p:embed/>
                 </p:oleObj>
               </mc:Choice>
@@ -9501,7 +9501,7 @@
             <a:fld id="{0DD20B1F-20AE-4F8D-832A-F732FDE213D5}" type="datetime1">
               <a:rPr lang="en-GB" smtClean="0"/>
               <a:pPr/>
-              <a:t>03/12/2019</a:t>
+              <a:t>25/03/2020</a:t>
             </a:fld>
             <a:endParaRPr lang="en-GB" dirty="0"/>
           </a:p>
@@ -9990,7 +9990,7 @@
           <a:graphicData uri="http://schemas.openxmlformats.org/presentationml/2006/ole">
             <mc:AlternateContent xmlns:mc="http://schemas.openxmlformats.org/markup-compatibility/2006">
               <mc:Choice xmlns:v="urn:schemas-microsoft-com:vml" Requires="v">
-                <p:oleObj spid="_x0000_s24740" name="think-cell Slide" r:id="rId5" imgW="270" imgH="270" progId="TCLayout.ActiveDocument.1">
+                <p:oleObj spid="_x0000_s24754" name="think-cell Slide" r:id="rId5" imgW="270" imgH="270" progId="TCLayout.ActiveDocument.1">
                   <p:embed/>
                 </p:oleObj>
               </mc:Choice>
@@ -10056,7 +10056,7 @@
             <a:fld id="{D07952D7-4E08-421B-9537-2EE112E32DE3}" type="datetime1">
               <a:rPr lang="en-GB" smtClean="0"/>
               <a:pPr/>
-              <a:t>03/12/2019</a:t>
+              <a:t>25/03/2020</a:t>
             </a:fld>
             <a:endParaRPr lang="en-GB" dirty="0"/>
           </a:p>
@@ -10411,7 +10411,7 @@
           <a:graphicData uri="http://schemas.openxmlformats.org/presentationml/2006/ole">
             <mc:AlternateContent xmlns:mc="http://schemas.openxmlformats.org/markup-compatibility/2006">
               <mc:Choice xmlns:v="urn:schemas-microsoft-com:vml" Requires="v">
-                <p:oleObj spid="_x0000_s24741" name="think-cell Slide" r:id="rId7" imgW="270" imgH="270" progId="TCLayout.ActiveDocument.1">
+                <p:oleObj spid="_x0000_s24755" name="think-cell Slide" r:id="rId7" imgW="270" imgH="270" progId="TCLayout.ActiveDocument.1">
                   <p:embed/>
                 </p:oleObj>
               </mc:Choice>
@@ -10699,7 +10699,7 @@
           <a:graphicData uri="http://schemas.openxmlformats.org/presentationml/2006/ole">
             <mc:AlternateContent xmlns:mc="http://schemas.openxmlformats.org/markup-compatibility/2006">
               <mc:Choice xmlns:v="urn:schemas-microsoft-com:vml" Requires="v">
-                <p:oleObj spid="_x0000_s25764" name="think-cell Slide" r:id="rId5" imgW="270" imgH="270" progId="TCLayout.ActiveDocument.1">
+                <p:oleObj spid="_x0000_s25778" name="think-cell Slide" r:id="rId5" imgW="270" imgH="270" progId="TCLayout.ActiveDocument.1">
                   <p:embed/>
                 </p:oleObj>
               </mc:Choice>
@@ -10765,7 +10765,7 @@
             <a:fld id="{D07952D7-4E08-421B-9537-2EE112E32DE3}" type="datetime1">
               <a:rPr lang="en-GB" smtClean="0"/>
               <a:pPr/>
-              <a:t>03/12/2019</a:t>
+              <a:t>25/03/2020</a:t>
             </a:fld>
             <a:endParaRPr lang="en-GB" dirty="0"/>
           </a:p>
@@ -11120,7 +11120,7 @@
           <a:graphicData uri="http://schemas.openxmlformats.org/presentationml/2006/ole">
             <mc:AlternateContent xmlns:mc="http://schemas.openxmlformats.org/markup-compatibility/2006">
               <mc:Choice xmlns:v="urn:schemas-microsoft-com:vml" Requires="v">
-                <p:oleObj spid="_x0000_s25765" name="think-cell Slide" r:id="rId7" imgW="270" imgH="270" progId="TCLayout.ActiveDocument.1">
+                <p:oleObj spid="_x0000_s25779" name="think-cell Slide" r:id="rId7" imgW="270" imgH="270" progId="TCLayout.ActiveDocument.1">
                   <p:embed/>
                 </p:oleObj>
               </mc:Choice>
@@ -11413,7 +11413,7 @@
           <a:graphicData uri="http://schemas.openxmlformats.org/presentationml/2006/ole">
             <mc:AlternateContent xmlns:mc="http://schemas.openxmlformats.org/markup-compatibility/2006">
               <mc:Choice xmlns:v="urn:schemas-microsoft-com:vml" Requires="v">
-                <p:oleObj spid="_x0000_s26788" name="think-cell Slide" r:id="rId5" imgW="270" imgH="270" progId="TCLayout.ActiveDocument.1">
+                <p:oleObj spid="_x0000_s26802" name="think-cell Slide" r:id="rId5" imgW="270" imgH="270" progId="TCLayout.ActiveDocument.1">
                   <p:embed/>
                 </p:oleObj>
               </mc:Choice>
@@ -11528,7 +11528,7 @@
             <a:fld id="{D07952D7-4E08-421B-9537-2EE112E32DE3}" type="datetime1">
               <a:rPr lang="en-GB" smtClean="0"/>
               <a:pPr/>
-              <a:t>03/12/2019</a:t>
+              <a:t>25/03/2020</a:t>
             </a:fld>
             <a:endParaRPr lang="en-GB" dirty="0"/>
           </a:p>
@@ -12118,7 +12118,7 @@
           <a:graphicData uri="http://schemas.openxmlformats.org/presentationml/2006/ole">
             <mc:AlternateContent xmlns:mc="http://schemas.openxmlformats.org/markup-compatibility/2006">
               <mc:Choice xmlns:v="urn:schemas-microsoft-com:vml" Requires="v">
-                <p:oleObj spid="_x0000_s26789" name="think-cell Slide" r:id="rId7" imgW="270" imgH="270" progId="TCLayout.ActiveDocument.1">
+                <p:oleObj spid="_x0000_s26803" name="think-cell Slide" r:id="rId7" imgW="270" imgH="270" progId="TCLayout.ActiveDocument.1">
                   <p:embed/>
                 </p:oleObj>
               </mc:Choice>
@@ -12449,7 +12449,7 @@
           <a:p>
             <a:fld id="{B56E8790-EF43-4195-82DA-4A26D543E504}" type="datetimeFigureOut">
               <a:rPr lang="en-GB" smtClean="0"/>
-              <a:t>03/12/2019</a:t>
+              <a:t>25/03/2020</a:t>
             </a:fld>
             <a:endParaRPr lang="en-GB" dirty="0"/>
           </a:p>
@@ -12731,7 +12731,7 @@
           <a:graphicData uri="http://schemas.openxmlformats.org/presentationml/2006/ole">
             <mc:AlternateContent xmlns:mc="http://schemas.openxmlformats.org/markup-compatibility/2006">
               <mc:Choice xmlns:v="urn:schemas-microsoft-com:vml" Requires="v">
-                <p:oleObj spid="_x0000_s27812" name="think-cell Slide" r:id="rId5" imgW="270" imgH="270" progId="TCLayout.ActiveDocument.1">
+                <p:oleObj spid="_x0000_s27826" name="think-cell Slide" r:id="rId5" imgW="270" imgH="270" progId="TCLayout.ActiveDocument.1">
                   <p:embed/>
                 </p:oleObj>
               </mc:Choice>
@@ -12797,7 +12797,7 @@
             <a:fld id="{10E7BC8F-BFD3-4858-915D-99D9576C8415}" type="datetime1">
               <a:rPr lang="en-GB" smtClean="0"/>
               <a:pPr/>
-              <a:t>03/12/2019</a:t>
+              <a:t>25/03/2020</a:t>
             </a:fld>
             <a:endParaRPr lang="en-GB" dirty="0"/>
           </a:p>
@@ -13179,7 +13179,7 @@
           <a:graphicData uri="http://schemas.openxmlformats.org/presentationml/2006/ole">
             <mc:AlternateContent xmlns:mc="http://schemas.openxmlformats.org/markup-compatibility/2006">
               <mc:Choice xmlns:v="urn:schemas-microsoft-com:vml" Requires="v">
-                <p:oleObj spid="_x0000_s27813" name="think-cell Slide" r:id="rId8" imgW="270" imgH="270" progId="TCLayout.ActiveDocument.1">
+                <p:oleObj spid="_x0000_s27827" name="think-cell Slide" r:id="rId8" imgW="270" imgH="270" progId="TCLayout.ActiveDocument.1">
                   <p:embed/>
                 </p:oleObj>
               </mc:Choice>
@@ -13468,7 +13468,7 @@
           <a:graphicData uri="http://schemas.openxmlformats.org/presentationml/2006/ole">
             <mc:AlternateContent xmlns:mc="http://schemas.openxmlformats.org/markup-compatibility/2006">
               <mc:Choice xmlns:v="urn:schemas-microsoft-com:vml" Requires="v">
-                <p:oleObj spid="_x0000_s29779" name="think-cell Slide" r:id="rId5" imgW="270" imgH="270" progId="TCLayout.ActiveDocument.1">
+                <p:oleObj spid="_x0000_s29786" name="think-cell Slide" r:id="rId5" imgW="270" imgH="270" progId="TCLayout.ActiveDocument.1">
                   <p:embed/>
                 </p:oleObj>
               </mc:Choice>
@@ -13655,7 +13655,7 @@
                 </a:solidFill>
               </a:rPr>
               <a:pPr/>
-              <a:t>03/12/2019</a:t>
+              <a:t>25/03/2020</a:t>
             </a:fld>
             <a:endParaRPr lang="en-GB" dirty="0">
               <a:solidFill>
@@ -13757,7 +13757,7 @@
           <a:graphicData uri="http://schemas.openxmlformats.org/presentationml/2006/ole">
             <mc:AlternateContent xmlns:mc="http://schemas.openxmlformats.org/markup-compatibility/2006">
               <mc:Choice xmlns:v="urn:schemas-microsoft-com:vml" Requires="v">
-                <p:oleObj spid="_x0000_s30803" name="think-cell Slide" r:id="rId4" imgW="270" imgH="270" progId="TCLayout.ActiveDocument.1">
+                <p:oleObj spid="_x0000_s30810" name="think-cell Slide" r:id="rId4" imgW="270" imgH="270" progId="TCLayout.ActiveDocument.1">
                   <p:embed/>
                 </p:oleObj>
               </mc:Choice>
@@ -13911,7 +13911,7 @@
                 </a:solidFill>
               </a:rPr>
               <a:pPr/>
-              <a:t>03/12/2019</a:t>
+              <a:t>25/03/2020</a:t>
             </a:fld>
             <a:endParaRPr lang="en-GB" dirty="0">
               <a:solidFill>
@@ -14097,7 +14097,7 @@
                 </a:solidFill>
               </a:rPr>
               <a:pPr/>
-              <a:t>03/12/2019</a:t>
+              <a:t>25/03/2020</a:t>
             </a:fld>
             <a:endParaRPr lang="en-GB" dirty="0">
               <a:solidFill>
@@ -14379,7 +14379,7 @@
           <a:graphicData uri="http://schemas.openxmlformats.org/presentationml/2006/ole">
             <mc:AlternateContent xmlns:mc="http://schemas.openxmlformats.org/markup-compatibility/2006">
               <mc:Choice xmlns:v="urn:schemas-microsoft-com:vml" Requires="v">
-                <p:oleObj spid="_x0000_s31827" name="think-cell Slide" r:id="rId4" imgW="270" imgH="270" progId="TCLayout.ActiveDocument.1">
+                <p:oleObj spid="_x0000_s31834" name="think-cell Slide" r:id="rId4" imgW="270" imgH="270" progId="TCLayout.ActiveDocument.1">
                   <p:embed/>
                 </p:oleObj>
               </mc:Choice>
@@ -14542,7 +14542,7 @@
                 </a:solidFill>
               </a:rPr>
               <a:pPr/>
-              <a:t>03/12/2019</a:t>
+              <a:t>25/03/2020</a:t>
             </a:fld>
             <a:endParaRPr lang="en-GB" dirty="0">
               <a:solidFill>
@@ -14945,7 +14945,7 @@
           <a:graphicData uri="http://schemas.openxmlformats.org/presentationml/2006/ole">
             <mc:AlternateContent xmlns:mc="http://schemas.openxmlformats.org/markup-compatibility/2006">
               <mc:Choice xmlns:v="urn:schemas-microsoft-com:vml" Requires="v">
-                <p:oleObj spid="_x0000_s32851" name="think-cell Slide" r:id="rId4" imgW="270" imgH="270" progId="TCLayout.ActiveDocument.1">
+                <p:oleObj spid="_x0000_s32858" name="think-cell Slide" r:id="rId4" imgW="270" imgH="270" progId="TCLayout.ActiveDocument.1">
                   <p:embed/>
                 </p:oleObj>
               </mc:Choice>
@@ -15015,7 +15015,7 @@
                 </a:solidFill>
               </a:rPr>
               <a:pPr/>
-              <a:t>03/12/2019</a:t>
+              <a:t>25/03/2020</a:t>
             </a:fld>
             <a:endParaRPr lang="en-GB" dirty="0">
               <a:solidFill>
@@ -15565,7 +15565,7 @@
           <a:graphicData uri="http://schemas.openxmlformats.org/presentationml/2006/ole">
             <mc:AlternateContent xmlns:mc="http://schemas.openxmlformats.org/markup-compatibility/2006">
               <mc:Choice xmlns:v="urn:schemas-microsoft-com:vml" Requires="v">
-                <p:oleObj spid="_x0000_s33956" name="think-cell Slide" r:id="rId5" imgW="270" imgH="270" progId="TCLayout.ActiveDocument.1">
+                <p:oleObj spid="_x0000_s33970" name="think-cell Slide" r:id="rId5" imgW="270" imgH="270" progId="TCLayout.ActiveDocument.1">
                   <p:embed/>
                 </p:oleObj>
               </mc:Choice>
@@ -15821,7 +15821,7 @@
                 </a:solidFill>
               </a:rPr>
               <a:pPr/>
-              <a:t>03/12/2019</a:t>
+              <a:t>25/03/2020</a:t>
             </a:fld>
             <a:endParaRPr lang="en-GB" dirty="0">
               <a:solidFill>
@@ -15896,7 +15896,7 @@
           <a:graphicData uri="http://schemas.openxmlformats.org/presentationml/2006/ole">
             <mc:AlternateContent xmlns:mc="http://schemas.openxmlformats.org/markup-compatibility/2006">
               <mc:Choice xmlns:v="urn:schemas-microsoft-com:vml" Requires="v">
-                <p:oleObj spid="_x0000_s33957" name="think-cell Slide" r:id="rId7" imgW="270" imgH="270" progId="TCLayout.ActiveDocument.1">
+                <p:oleObj spid="_x0000_s33971" name="think-cell Slide" r:id="rId7" imgW="270" imgH="270" progId="TCLayout.ActiveDocument.1">
                   <p:embed/>
                 </p:oleObj>
               </mc:Choice>
@@ -16202,7 +16202,7 @@
                 </a:solidFill>
               </a:rPr>
               <a:pPr/>
-              <a:t>03/12/2019</a:t>
+              <a:t>25/03/2020</a:t>
             </a:fld>
             <a:endParaRPr lang="en-GB" dirty="0">
               <a:solidFill>
@@ -16699,7 +16699,7 @@
           <a:graphicData uri="http://schemas.openxmlformats.org/presentationml/2006/ole">
             <mc:AlternateContent xmlns:mc="http://schemas.openxmlformats.org/markup-compatibility/2006">
               <mc:Choice xmlns:v="urn:schemas-microsoft-com:vml" Requires="v">
-                <p:oleObj spid="_x0000_s34980" name="think-cell Slide" r:id="rId5" imgW="270" imgH="270" progId="TCLayout.ActiveDocument.1">
+                <p:oleObj spid="_x0000_s34994" name="think-cell Slide" r:id="rId5" imgW="270" imgH="270" progId="TCLayout.ActiveDocument.1">
                   <p:embed/>
                 </p:oleObj>
               </mc:Choice>
@@ -16769,7 +16769,7 @@
                 </a:solidFill>
               </a:rPr>
               <a:pPr/>
-              <a:t>03/12/2019</a:t>
+              <a:t>25/03/2020</a:t>
             </a:fld>
             <a:endParaRPr lang="en-GB" dirty="0">
               <a:solidFill>
@@ -17128,7 +17128,7 @@
           <a:graphicData uri="http://schemas.openxmlformats.org/presentationml/2006/ole">
             <mc:AlternateContent xmlns:mc="http://schemas.openxmlformats.org/markup-compatibility/2006">
               <mc:Choice xmlns:v="urn:schemas-microsoft-com:vml" Requires="v">
-                <p:oleObj spid="_x0000_s34981" name="think-cell Slide" r:id="rId7" imgW="270" imgH="270" progId="TCLayout.ActiveDocument.1">
+                <p:oleObj spid="_x0000_s34995" name="think-cell Slide" r:id="rId7" imgW="270" imgH="270" progId="TCLayout.ActiveDocument.1">
                   <p:embed/>
                 </p:oleObj>
               </mc:Choice>
@@ -17420,7 +17420,7 @@
           <a:graphicData uri="http://schemas.openxmlformats.org/presentationml/2006/ole">
             <mc:AlternateContent xmlns:mc="http://schemas.openxmlformats.org/markup-compatibility/2006">
               <mc:Choice xmlns:v="urn:schemas-microsoft-com:vml" Requires="v">
-                <p:oleObj spid="_x0000_s36004" name="think-cell Slide" r:id="rId5" imgW="270" imgH="270" progId="TCLayout.ActiveDocument.1">
+                <p:oleObj spid="_x0000_s36018" name="think-cell Slide" r:id="rId5" imgW="270" imgH="270" progId="TCLayout.ActiveDocument.1">
                   <p:embed/>
                 </p:oleObj>
               </mc:Choice>
@@ -17490,7 +17490,7 @@
                 </a:solidFill>
               </a:rPr>
               <a:pPr/>
-              <a:t>03/12/2019</a:t>
+              <a:t>25/03/2020</a:t>
             </a:fld>
             <a:endParaRPr lang="en-GB" dirty="0">
               <a:solidFill>
@@ -17849,7 +17849,7 @@
           <a:graphicData uri="http://schemas.openxmlformats.org/presentationml/2006/ole">
             <mc:AlternateContent xmlns:mc="http://schemas.openxmlformats.org/markup-compatibility/2006">
               <mc:Choice xmlns:v="urn:schemas-microsoft-com:vml" Requires="v">
-                <p:oleObj spid="_x0000_s36005" name="think-cell Slide" r:id="rId7" imgW="270" imgH="270" progId="TCLayout.ActiveDocument.1">
+                <p:oleObj spid="_x0000_s36019" name="think-cell Slide" r:id="rId7" imgW="270" imgH="270" progId="TCLayout.ActiveDocument.1">
                   <p:embed/>
                 </p:oleObj>
               </mc:Choice>
@@ -18150,7 +18150,7 @@
           <a:graphicData uri="http://schemas.openxmlformats.org/presentationml/2006/ole">
             <mc:AlternateContent xmlns:mc="http://schemas.openxmlformats.org/markup-compatibility/2006">
               <mc:Choice xmlns:v="urn:schemas-microsoft-com:vml" Requires="v">
-                <p:oleObj spid="_x0000_s4179" name="think-cell Slide" r:id="rId4" imgW="270" imgH="270" progId="TCLayout.ActiveDocument.1">
+                <p:oleObj spid="_x0000_s4186" name="think-cell Slide" r:id="rId4" imgW="270" imgH="270" progId="TCLayout.ActiveDocument.1">
                   <p:embed/>
                 </p:oleObj>
               </mc:Choice>
@@ -18308,7 +18308,7 @@
           <a:p>
             <a:fld id="{B56E8790-EF43-4195-82DA-4A26D543E504}" type="datetimeFigureOut">
               <a:rPr lang="en-GB" smtClean="0"/>
-              <a:t>03/12/2019</a:t>
+              <a:t>25/03/2020</a:t>
             </a:fld>
             <a:endParaRPr lang="en-GB" dirty="0"/>
           </a:p>
@@ -18703,7 +18703,7 @@
           <a:graphicData uri="http://schemas.openxmlformats.org/presentationml/2006/ole">
             <mc:AlternateContent xmlns:mc="http://schemas.openxmlformats.org/markup-compatibility/2006">
               <mc:Choice xmlns:v="urn:schemas-microsoft-com:vml" Requires="v">
-                <p:oleObj spid="_x0000_s37028" name="think-cell Slide" r:id="rId5" imgW="270" imgH="270" progId="TCLayout.ActiveDocument.1">
+                <p:oleObj spid="_x0000_s37042" name="think-cell Slide" r:id="rId5" imgW="270" imgH="270" progId="TCLayout.ActiveDocument.1">
                   <p:embed/>
                 </p:oleObj>
               </mc:Choice>
@@ -18822,7 +18822,7 @@
                 </a:solidFill>
               </a:rPr>
               <a:pPr/>
-              <a:t>03/12/2019</a:t>
+              <a:t>25/03/2020</a:t>
             </a:fld>
             <a:endParaRPr lang="en-GB" dirty="0">
               <a:solidFill>
@@ -19416,7 +19416,7 @@
           <a:graphicData uri="http://schemas.openxmlformats.org/presentationml/2006/ole">
             <mc:AlternateContent xmlns:mc="http://schemas.openxmlformats.org/markup-compatibility/2006">
               <mc:Choice xmlns:v="urn:schemas-microsoft-com:vml" Requires="v">
-                <p:oleObj spid="_x0000_s37029" name="think-cell Slide" r:id="rId7" imgW="270" imgH="270" progId="TCLayout.ActiveDocument.1">
+                <p:oleObj spid="_x0000_s37043" name="think-cell Slide" r:id="rId7" imgW="270" imgH="270" progId="TCLayout.ActiveDocument.1">
                   <p:embed/>
                 </p:oleObj>
               </mc:Choice>
@@ -19721,7 +19721,7 @@
           <a:graphicData uri="http://schemas.openxmlformats.org/presentationml/2006/ole">
             <mc:AlternateContent xmlns:mc="http://schemas.openxmlformats.org/markup-compatibility/2006">
               <mc:Choice xmlns:v="urn:schemas-microsoft-com:vml" Requires="v">
-                <p:oleObj spid="_x0000_s38052" name="think-cell Slide" r:id="rId5" imgW="270" imgH="270" progId="TCLayout.ActiveDocument.1">
+                <p:oleObj spid="_x0000_s38066" name="think-cell Slide" r:id="rId5" imgW="270" imgH="270" progId="TCLayout.ActiveDocument.1">
                   <p:embed/>
                 </p:oleObj>
               </mc:Choice>
@@ -19791,7 +19791,7 @@
                 </a:solidFill>
               </a:rPr>
               <a:pPr/>
-              <a:t>03/12/2019</a:t>
+              <a:t>25/03/2020</a:t>
             </a:fld>
             <a:endParaRPr lang="en-GB" dirty="0">
               <a:solidFill>
@@ -20177,7 +20177,7 @@
           <a:graphicData uri="http://schemas.openxmlformats.org/presentationml/2006/ole">
             <mc:AlternateContent xmlns:mc="http://schemas.openxmlformats.org/markup-compatibility/2006">
               <mc:Choice xmlns:v="urn:schemas-microsoft-com:vml" Requires="v">
-                <p:oleObj spid="_x0000_s38053" name="think-cell Slide" r:id="rId8" imgW="270" imgH="270" progId="TCLayout.ActiveDocument.1">
+                <p:oleObj spid="_x0000_s38067" name="think-cell Slide" r:id="rId8" imgW="270" imgH="270" progId="TCLayout.ActiveDocument.1">
                   <p:embed/>
                 </p:oleObj>
               </mc:Choice>
@@ -20448,7 +20448,7 @@
           <a:graphicData uri="http://schemas.openxmlformats.org/presentationml/2006/ole">
             <mc:AlternateContent xmlns:mc="http://schemas.openxmlformats.org/markup-compatibility/2006">
               <mc:Choice xmlns:v="urn:schemas-microsoft-com:vml" Requires="v">
-                <p:oleObj spid="_x0000_s38995" name="think-cell Slide" r:id="rId4" imgW="270" imgH="270" progId="TCLayout.ActiveDocument.1">
+                <p:oleObj spid="_x0000_s39002" name="think-cell Slide" r:id="rId4" imgW="270" imgH="270" progId="TCLayout.ActiveDocument.1">
                   <p:embed/>
                 </p:oleObj>
               </mc:Choice>
@@ -20510,7 +20510,7 @@
                 </a:solidFill>
               </a:rPr>
               <a:pPr/>
-              <a:t>03/12/2019</a:t>
+              <a:t>25/03/2020</a:t>
             </a:fld>
             <a:endParaRPr lang="en-GB" dirty="0">
               <a:solidFill>
@@ -20912,7 +20912,7 @@
           <a:graphicData uri="http://schemas.openxmlformats.org/presentationml/2006/ole">
             <mc:AlternateContent xmlns:mc="http://schemas.openxmlformats.org/markup-compatibility/2006">
               <mc:Choice xmlns:v="urn:schemas-microsoft-com:vml" Requires="v">
-                <p:oleObj spid="_x0000_s5203" name="think-cell Slide" r:id="rId4" imgW="270" imgH="270" progId="TCLayout.ActiveDocument.1">
+                <p:oleObj spid="_x0000_s5210" name="think-cell Slide" r:id="rId4" imgW="270" imgH="270" progId="TCLayout.ActiveDocument.1">
                   <p:embed/>
                 </p:oleObj>
               </mc:Choice>
@@ -20977,7 +20977,7 @@
           <a:p>
             <a:fld id="{B56E8790-EF43-4195-82DA-4A26D543E504}" type="datetimeFigureOut">
               <a:rPr lang="en-GB" smtClean="0"/>
-              <a:t>03/12/2019</a:t>
+              <a:t>25/03/2020</a:t>
             </a:fld>
             <a:endParaRPr lang="en-GB" dirty="0"/>
           </a:p>
@@ -21523,7 +21523,7 @@
           <a:graphicData uri="http://schemas.openxmlformats.org/presentationml/2006/ole">
             <mc:AlternateContent xmlns:mc="http://schemas.openxmlformats.org/markup-compatibility/2006">
               <mc:Choice xmlns:v="urn:schemas-microsoft-com:vml" Requires="v">
-                <p:oleObj spid="_x0000_s6308" name="think-cell Slide" r:id="rId5" imgW="270" imgH="270" progId="TCLayout.ActiveDocument.1">
+                <p:oleObj spid="_x0000_s6322" name="think-cell Slide" r:id="rId5" imgW="270" imgH="270" progId="TCLayout.ActiveDocument.1">
                   <p:embed/>
                 </p:oleObj>
               </mc:Choice>
@@ -21774,7 +21774,7 @@
           <a:p>
             <a:fld id="{B56E8790-EF43-4195-82DA-4A26D543E504}" type="datetimeFigureOut">
               <a:rPr lang="en-GB" smtClean="0"/>
-              <a:t>03/12/2019</a:t>
+              <a:t>25/03/2020</a:t>
             </a:fld>
             <a:endParaRPr lang="en-GB" dirty="0"/>
           </a:p>
@@ -21849,7 +21849,7 @@
           <a:graphicData uri="http://schemas.openxmlformats.org/presentationml/2006/ole">
             <mc:AlternateContent xmlns:mc="http://schemas.openxmlformats.org/markup-compatibility/2006">
               <mc:Choice xmlns:v="urn:schemas-microsoft-com:vml" Requires="v">
-                <p:oleObj spid="_x0000_s6309" name="think-cell Slide" r:id="rId7" imgW="270" imgH="270" progId="TCLayout.ActiveDocument.1">
+                <p:oleObj spid="_x0000_s6323" name="think-cell Slide" r:id="rId7" imgW="270" imgH="270" progId="TCLayout.ActiveDocument.1">
                   <p:embed/>
                 </p:oleObj>
               </mc:Choice>
@@ -22146,7 +22146,7 @@
           <a:p>
             <a:fld id="{B56E8790-EF43-4195-82DA-4A26D543E504}" type="datetimeFigureOut">
               <a:rPr lang="en-GB" smtClean="0"/>
-              <a:t>03/12/2019</a:t>
+              <a:t>25/03/2020</a:t>
             </a:fld>
             <a:endParaRPr lang="en-GB" dirty="0"/>
           </a:p>
@@ -22639,7 +22639,7 @@
           <a:graphicData uri="http://schemas.openxmlformats.org/presentationml/2006/ole">
             <mc:AlternateContent xmlns:mc="http://schemas.openxmlformats.org/markup-compatibility/2006">
               <mc:Choice xmlns:v="urn:schemas-microsoft-com:vml" Requires="v">
-                <p:oleObj spid="_x0000_s7332" name="think-cell Slide" r:id="rId5" imgW="270" imgH="270" progId="TCLayout.ActiveDocument.1">
+                <p:oleObj spid="_x0000_s7346" name="think-cell Slide" r:id="rId5" imgW="270" imgH="270" progId="TCLayout.ActiveDocument.1">
                   <p:embed/>
                 </p:oleObj>
               </mc:Choice>
@@ -22704,7 +22704,7 @@
           <a:p>
             <a:fld id="{B56E8790-EF43-4195-82DA-4A26D543E504}" type="datetimeFigureOut">
               <a:rPr lang="en-GB" smtClean="0"/>
-              <a:t>03/12/2019</a:t>
+              <a:t>25/03/2020</a:t>
             </a:fld>
             <a:endParaRPr lang="en-GB" dirty="0"/>
           </a:p>
@@ -23063,7 +23063,7 @@
           <a:graphicData uri="http://schemas.openxmlformats.org/presentationml/2006/ole">
             <mc:AlternateContent xmlns:mc="http://schemas.openxmlformats.org/markup-compatibility/2006">
               <mc:Choice xmlns:v="urn:schemas-microsoft-com:vml" Requires="v">
-                <p:oleObj spid="_x0000_s7333" name="think-cell Slide" r:id="rId7" imgW="270" imgH="270" progId="TCLayout.ActiveDocument.1">
+                <p:oleObj spid="_x0000_s7347" name="think-cell Slide" r:id="rId7" imgW="270" imgH="270" progId="TCLayout.ActiveDocument.1">
                   <p:embed/>
                 </p:oleObj>
               </mc:Choice>
@@ -23355,7 +23355,7 @@
           <a:graphicData uri="http://schemas.openxmlformats.org/presentationml/2006/ole">
             <mc:AlternateContent xmlns:mc="http://schemas.openxmlformats.org/markup-compatibility/2006">
               <mc:Choice xmlns:v="urn:schemas-microsoft-com:vml" Requires="v">
-                <p:oleObj spid="_x0000_s8356" name="think-cell Slide" r:id="rId5" imgW="270" imgH="270" progId="TCLayout.ActiveDocument.1">
+                <p:oleObj spid="_x0000_s8370" name="think-cell Slide" r:id="rId5" imgW="270" imgH="270" progId="TCLayout.ActiveDocument.1">
                   <p:embed/>
                 </p:oleObj>
               </mc:Choice>
@@ -23420,7 +23420,7 @@
           <a:p>
             <a:fld id="{B56E8790-EF43-4195-82DA-4A26D543E504}" type="datetimeFigureOut">
               <a:rPr lang="en-GB" smtClean="0"/>
-              <a:t>03/12/2019</a:t>
+              <a:t>25/03/2020</a:t>
             </a:fld>
             <a:endParaRPr lang="en-GB" dirty="0"/>
           </a:p>
@@ -23779,7 +23779,7 @@
           <a:graphicData uri="http://schemas.openxmlformats.org/presentationml/2006/ole">
             <mc:AlternateContent xmlns:mc="http://schemas.openxmlformats.org/markup-compatibility/2006">
               <mc:Choice xmlns:v="urn:schemas-microsoft-com:vml" Requires="v">
-                <p:oleObj spid="_x0000_s8357" name="think-cell Slide" r:id="rId7" imgW="270" imgH="270" progId="TCLayout.ActiveDocument.1">
+                <p:oleObj spid="_x0000_s8371" name="think-cell Slide" r:id="rId7" imgW="270" imgH="270" progId="TCLayout.ActiveDocument.1">
                   <p:embed/>
                 </p:oleObj>
               </mc:Choice>
@@ -24084,7 +24084,7 @@
           <a:graphicData uri="http://schemas.openxmlformats.org/presentationml/2006/ole">
             <mc:AlternateContent xmlns:mc="http://schemas.openxmlformats.org/markup-compatibility/2006">
               <mc:Choice xmlns:v="urn:schemas-microsoft-com:vml" Requires="v">
-                <p:oleObj spid="_x0000_s1107" name="think-cell Slide" r:id="rId24" imgW="270" imgH="270" progId="TCLayout.ActiveDocument.1">
+                <p:oleObj spid="_x0000_s1114" name="think-cell Slide" r:id="rId24" imgW="270" imgH="270" progId="TCLayout.ActiveDocument.1">
                   <p:embed/>
                 </p:oleObj>
               </mc:Choice>
@@ -24216,7 +24216,7 @@
           <a:p>
             <a:fld id="{B56E8790-EF43-4195-82DA-4A26D543E504}" type="datetimeFigureOut">
               <a:rPr lang="en-GB" smtClean="0"/>
-              <a:t>03/12/2019</a:t>
+              <a:t>25/03/2020</a:t>
             </a:fld>
             <a:endParaRPr lang="en-GB" dirty="0"/>
           </a:p>
@@ -24778,7 +24778,7 @@
           <a:graphicData uri="http://schemas.openxmlformats.org/presentationml/2006/ole">
             <mc:AlternateContent xmlns:mc="http://schemas.openxmlformats.org/markup-compatibility/2006">
               <mc:Choice xmlns:v="urn:schemas-microsoft-com:vml" Requires="v">
-                <p:oleObj spid="_x0000_s18515" name="think-cell Slide" r:id="rId16" imgW="270" imgH="270" progId="TCLayout.ActiveDocument.1">
+                <p:oleObj spid="_x0000_s18522" name="think-cell Slide" r:id="rId16" imgW="270" imgH="270" progId="TCLayout.ActiveDocument.1">
                   <p:embed/>
                 </p:oleObj>
               </mc:Choice>
@@ -24911,7 +24911,7 @@
             <a:fld id="{10E7BC8F-BFD3-4858-915D-99D9576C8415}" type="datetime1">
               <a:rPr lang="en-GB" smtClean="0"/>
               <a:pPr/>
-              <a:t>03/12/2019</a:t>
+              <a:t>25/03/2020</a:t>
             </a:fld>
             <a:endParaRPr lang="en-GB" dirty="0"/>
           </a:p>
@@ -25466,7 +25466,7 @@
           <a:graphicData uri="http://schemas.openxmlformats.org/presentationml/2006/ole">
             <mc:AlternateContent xmlns:mc="http://schemas.openxmlformats.org/markup-compatibility/2006">
               <mc:Choice xmlns:v="urn:schemas-microsoft-com:vml" Requires="v">
-                <p:oleObj spid="_x0000_s28755" name="think-cell Slide" r:id="rId17" imgW="270" imgH="270" progId="TCLayout.ActiveDocument.1">
+                <p:oleObj spid="_x0000_s28762" name="think-cell Slide" r:id="rId17" imgW="270" imgH="270" progId="TCLayout.ActiveDocument.1">
                   <p:embed/>
                 </p:oleObj>
               </mc:Choice>
@@ -25603,7 +25603,7 @@
                 </a:solidFill>
               </a:rPr>
               <a:pPr/>
-              <a:t>03/12/2019</a:t>
+              <a:t>25/03/2020</a:t>
             </a:fld>
             <a:endParaRPr lang="en-GB" dirty="0">
               <a:solidFill>
@@ -46569,16 +46569,16 @@
       </p:grpSpPr>
       <p:grpSp>
         <p:nvGrpSpPr>
-          <p:cNvPr id="13" name="Group 12"/>
+          <p:cNvPr id="11" name="Group 10"/>
           <p:cNvGrpSpPr/>
           <p:nvPr/>
         </p:nvGrpSpPr>
         <p:grpSpPr>
           <a:xfrm>
             <a:off x="313296" y="245096"/>
-            <a:ext cx="8146244" cy="7917573"/>
+            <a:ext cx="8146244" cy="8782976"/>
             <a:chOff x="313296" y="245096"/>
-            <a:chExt cx="8146244" cy="7917573"/>
+            <a:chExt cx="8146244" cy="8782976"/>
           </a:xfrm>
         </p:grpSpPr>
         <p:sp>
@@ -46724,7 +46724,7 @@
           </p:nvSpPr>
           <p:spPr>
             <a:xfrm>
-              <a:off x="2586418" y="4708072"/>
+              <a:off x="2586418" y="5573475"/>
               <a:ext cx="1440000" cy="1440000"/>
             </a:xfrm>
             <a:prstGeom prst="ellipse">
@@ -46820,7 +46820,7 @@
           <p:spPr>
             <a:xfrm>
               <a:off x="3306418" y="4133475"/>
-              <a:ext cx="0" cy="574597"/>
+              <a:ext cx="0" cy="1440000"/>
             </a:xfrm>
             <a:prstGeom prst="straightConnector1">
               <a:avLst/>
@@ -47304,7 +47304,7 @@
           </p:nvSpPr>
           <p:spPr>
             <a:xfrm>
-              <a:off x="2586418" y="6722669"/>
+              <a:off x="2586418" y="7588072"/>
               <a:ext cx="1440000" cy="1440000"/>
             </a:xfrm>
             <a:prstGeom prst="ellipse">
@@ -47363,7 +47363,7 @@
           </p:nvCxnSpPr>
           <p:spPr>
             <a:xfrm>
-              <a:off x="3306418" y="6148072"/>
+              <a:off x="3306418" y="7013475"/>
               <a:ext cx="0" cy="574597"/>
             </a:xfrm>
             <a:prstGeom prst="straightConnector1">
@@ -47400,7 +47400,7 @@
           <p:spPr>
             <a:xfrm flipV="1">
               <a:off x="4026418" y="2395302"/>
-              <a:ext cx="4433122" cy="3032770"/>
+              <a:ext cx="4433122" cy="3898173"/>
             </a:xfrm>
             <a:prstGeom prst="bentConnector3">
               <a:avLst>
@@ -47434,7 +47434,7 @@
           </p:nvSpPr>
           <p:spPr>
             <a:xfrm>
-              <a:off x="313296" y="4708072"/>
+              <a:off x="313296" y="5573475"/>
               <a:ext cx="1440000" cy="1440000"/>
             </a:xfrm>
             <a:prstGeom prst="ellipse">
@@ -47516,10 +47516,171 @@
           </p:nvCxnSpPr>
           <p:spPr>
             <a:xfrm flipH="1">
-              <a:off x="1753296" y="5428072"/>
+              <a:off x="1753296" y="6293475"/>
               <a:ext cx="833122" cy="0"/>
             </a:xfrm>
             <a:prstGeom prst="straightConnector1">
+              <a:avLst/>
+            </a:prstGeom>
+            <a:ln w="38100">
+              <a:tailEnd type="triangle"/>
+            </a:ln>
+          </p:spPr>
+          <p:style>
+            <a:lnRef idx="1">
+              <a:schemeClr val="accent5"/>
+            </a:lnRef>
+            <a:fillRef idx="0">
+              <a:schemeClr val="accent5"/>
+            </a:fillRef>
+            <a:effectRef idx="0">
+              <a:schemeClr val="accent5"/>
+            </a:effectRef>
+            <a:fontRef idx="minor">
+              <a:schemeClr val="tx1"/>
+            </a:fontRef>
+          </p:style>
+        </p:cxnSp>
+        <p:sp>
+          <p:nvSpPr>
+            <p:cNvPr id="23" name="Oval 22"/>
+            <p:cNvSpPr/>
+            <p:nvPr/>
+          </p:nvSpPr>
+          <p:spPr>
+            <a:xfrm>
+              <a:off x="4859540" y="4111813"/>
+              <a:ext cx="1440000" cy="1440000"/>
+            </a:xfrm>
+            <a:prstGeom prst="ellipse">
+              <a:avLst/>
+            </a:prstGeom>
+            <a:ln w="38100"/>
+          </p:spPr>
+          <p:style>
+            <a:lnRef idx="2">
+              <a:schemeClr val="accent5"/>
+            </a:lnRef>
+            <a:fillRef idx="1">
+              <a:schemeClr val="lt1"/>
+            </a:fillRef>
+            <a:effectRef idx="0">
+              <a:schemeClr val="accent5"/>
+            </a:effectRef>
+            <a:fontRef idx="minor">
+              <a:schemeClr val="dk1"/>
+            </a:fontRef>
+          </p:style>
+          <p:txBody>
+            <a:bodyPr rot="0" spcFirstLastPara="0" vertOverflow="overflow" horzOverflow="overflow" vert="horz" wrap="square" lIns="0" tIns="0" rIns="0" bIns="0" numCol="1" spcCol="0" rtlCol="0" fromWordArt="0" anchor="ctr" anchorCtr="0" forceAA="0" compatLnSpc="1">
+              <a:prstTxWarp prst="textNoShape">
+                <a:avLst/>
+              </a:prstTxWarp>
+              <a:noAutofit/>
+            </a:bodyPr>
+            <a:lstStyle/>
+            <a:p>
+              <a:pPr algn="ctr"/>
+              <a:r>
+                <a:rPr lang="da-DK" sz="1200" b="1" dirty="0" err="1" smtClean="0">
+                  <a:solidFill>
+                    <a:schemeClr val="tx1"/>
+                  </a:solidFill>
+                </a:rPr>
+                <a:t>Rejected</a:t>
+              </a:r>
+              <a:r>
+                <a:rPr lang="da-DK" sz="1200" b="1" dirty="0" smtClean="0">
+                  <a:solidFill>
+                    <a:schemeClr val="tx1"/>
+                  </a:solidFill>
+                </a:rPr>
+                <a:t/>
+              </a:r>
+              <a:br>
+                <a:rPr lang="da-DK" sz="1200" b="1" dirty="0" smtClean="0">
+                  <a:solidFill>
+                    <a:schemeClr val="tx1"/>
+                  </a:solidFill>
+                </a:rPr>
+              </a:br>
+              <a:r>
+                <a:rPr lang="da-DK" sz="1200" b="1" dirty="0" err="1" smtClean="0">
+                  <a:solidFill>
+                    <a:schemeClr val="tx1"/>
+                  </a:solidFill>
+                </a:rPr>
+                <a:t>ByMobilePay</a:t>
+              </a:r>
+              <a:r>
+                <a:rPr lang="da-DK" sz="1200" b="1" dirty="0" smtClean="0">
+                  <a:solidFill>
+                    <a:schemeClr val="tx1"/>
+                  </a:solidFill>
+                </a:rPr>
+                <a:t/>
+              </a:r>
+              <a:br>
+                <a:rPr lang="da-DK" sz="1200" b="1" dirty="0" smtClean="0">
+                  <a:solidFill>
+                    <a:schemeClr val="tx1"/>
+                  </a:solidFill>
+                </a:rPr>
+              </a:br>
+              <a:r>
+                <a:rPr lang="da-DK" sz="1200" b="1" dirty="0" err="1" smtClean="0">
+                  <a:solidFill>
+                    <a:schemeClr val="tx1"/>
+                  </a:solidFill>
+                </a:rPr>
+                <a:t>DueToAge</a:t>
+              </a:r>
+              <a:r>
+                <a:rPr lang="da-DK" sz="1200" b="1" dirty="0" smtClean="0">
+                  <a:solidFill>
+                    <a:schemeClr val="tx1"/>
+                  </a:solidFill>
+                </a:rPr>
+                <a:t/>
+              </a:r>
+              <a:br>
+                <a:rPr lang="da-DK" sz="1200" b="1" dirty="0" smtClean="0">
+                  <a:solidFill>
+                    <a:schemeClr val="tx1"/>
+                  </a:solidFill>
+                </a:rPr>
+              </a:br>
+              <a:r>
+                <a:rPr lang="da-DK" sz="1200" b="1" dirty="0" err="1" smtClean="0">
+                  <a:solidFill>
+                    <a:schemeClr val="tx1"/>
+                  </a:solidFill>
+                </a:rPr>
+                <a:t>Restrictions</a:t>
+              </a:r>
+              <a:endParaRPr lang="en-GB" sz="1200" b="1" dirty="0" err="1" smtClean="0">
+                <a:solidFill>
+                  <a:schemeClr val="tx1"/>
+                </a:solidFill>
+              </a:endParaRPr>
+            </a:p>
+          </p:txBody>
+        </p:sp>
+        <p:cxnSp>
+          <p:nvCxnSpPr>
+            <p:cNvPr id="25" name="Elbow Connector 24"/>
+            <p:cNvCxnSpPr>
+              <a:stCxn id="8" idx="4"/>
+              <a:endCxn id="23" idx="2"/>
+            </p:cNvCxnSpPr>
+            <p:nvPr/>
+          </p:nvCxnSpPr>
+          <p:spPr>
+            <a:xfrm rot="16200000" flipH="1">
+              <a:off x="3733810" y="3706083"/>
+              <a:ext cx="698338" cy="1553122"/>
+            </a:xfrm>
+            <a:prstGeom prst="bentConnector2">
               <a:avLst/>
             </a:prstGeom>
             <a:ln w="38100">
@@ -47581,16 +47742,16 @@
       </p:grpSpPr>
       <p:grpSp>
         <p:nvGrpSpPr>
-          <p:cNvPr id="68" name="Group 67"/>
+          <p:cNvPr id="10" name="Group 9"/>
           <p:cNvGrpSpPr/>
           <p:nvPr/>
         </p:nvGrpSpPr>
         <p:grpSpPr>
           <a:xfrm>
-            <a:off x="303671" y="181355"/>
-            <a:ext cx="9381573" cy="10705265"/>
-            <a:chOff x="303671" y="181355"/>
-            <a:chExt cx="9381573" cy="10705265"/>
+            <a:off x="303671" y="81965"/>
+            <a:ext cx="9381573" cy="11311295"/>
+            <a:chOff x="303671" y="81965"/>
+            <a:chExt cx="9381573" cy="11311295"/>
           </a:xfrm>
         </p:grpSpPr>
         <p:sp>
@@ -47601,7 +47762,7 @@
           </p:nvSpPr>
           <p:spPr>
             <a:xfrm>
-              <a:off x="2576793" y="615137"/>
+              <a:off x="2576793" y="515747"/>
               <a:ext cx="1440000" cy="1440000"/>
             </a:xfrm>
             <a:prstGeom prst="ellipse">
@@ -47657,7 +47818,7 @@
           </p:nvSpPr>
           <p:spPr>
             <a:xfrm>
-              <a:off x="2576793" y="5417426"/>
+              <a:off x="2576793" y="5318036"/>
               <a:ext cx="1440000" cy="1440000"/>
             </a:xfrm>
             <a:prstGeom prst="ellipse">
@@ -47736,7 +47897,7 @@
           </p:nvSpPr>
           <p:spPr>
             <a:xfrm>
-              <a:off x="2576793" y="7432023"/>
+              <a:off x="2576793" y="7938663"/>
               <a:ext cx="1440000" cy="1440000"/>
             </a:xfrm>
             <a:prstGeom prst="ellipse">
@@ -47795,8 +47956,8 @@
           </p:nvCxnSpPr>
           <p:spPr>
             <a:xfrm>
-              <a:off x="3296793" y="6857426"/>
-              <a:ext cx="0" cy="574597"/>
+              <a:off x="3296793" y="6758036"/>
+              <a:ext cx="0" cy="1180627"/>
             </a:xfrm>
             <a:prstGeom prst="straightConnector1">
               <a:avLst/>
@@ -47830,7 +47991,7 @@
           </p:nvCxnSpPr>
           <p:spPr>
             <a:xfrm>
-              <a:off x="3296793" y="181355"/>
+              <a:off x="3296793" y="81965"/>
               <a:ext cx="0" cy="433782"/>
             </a:xfrm>
             <a:prstGeom prst="straightConnector1">
@@ -47863,7 +48024,7 @@
           </p:nvSpPr>
           <p:spPr>
             <a:xfrm>
-              <a:off x="6085244" y="2775137"/>
+              <a:off x="6085244" y="2675747"/>
               <a:ext cx="1440000" cy="1440000"/>
             </a:xfrm>
             <a:prstGeom prst="ellipse">
@@ -47945,7 +48106,7 @@
           </p:nvCxnSpPr>
           <p:spPr>
             <a:xfrm flipV="1">
-              <a:off x="4016793" y="4215137"/>
+              <a:off x="4016793" y="4115747"/>
               <a:ext cx="2788451" cy="1922289"/>
             </a:xfrm>
             <a:prstGeom prst="bentConnector2">
@@ -47981,7 +48142,7 @@
           </p:nvCxnSpPr>
           <p:spPr>
             <a:xfrm>
-              <a:off x="4016793" y="1335137"/>
+              <a:off x="4016793" y="1235747"/>
               <a:ext cx="2788451" cy="1440000"/>
             </a:xfrm>
             <a:prstGeom prst="bentConnector2">
@@ -48014,7 +48175,7 @@
           </p:nvSpPr>
           <p:spPr>
             <a:xfrm>
-              <a:off x="303671" y="5417426"/>
+              <a:off x="303671" y="5318036"/>
               <a:ext cx="1440000" cy="1440000"/>
             </a:xfrm>
             <a:prstGeom prst="ellipse">
@@ -48096,7 +48257,7 @@
           </p:nvCxnSpPr>
           <p:spPr>
             <a:xfrm flipH="1">
-              <a:off x="1743671" y="6137426"/>
+              <a:off x="1743671" y="6038036"/>
               <a:ext cx="833122" cy="0"/>
             </a:xfrm>
             <a:prstGeom prst="straightConnector1">
@@ -48129,7 +48290,7 @@
           </p:nvSpPr>
           <p:spPr>
             <a:xfrm>
-              <a:off x="8245244" y="2796799"/>
+              <a:off x="8245244" y="2697409"/>
               <a:ext cx="1440000" cy="1440000"/>
             </a:xfrm>
             <a:prstGeom prst="ellipse">
@@ -48211,7 +48372,7 @@
           </p:nvCxnSpPr>
           <p:spPr>
             <a:xfrm>
-              <a:off x="4016793" y="1335137"/>
+              <a:off x="4016793" y="1235747"/>
               <a:ext cx="4948451" cy="1461662"/>
             </a:xfrm>
             <a:prstGeom prst="bentConnector2">
@@ -48247,7 +48408,7 @@
           </p:nvCxnSpPr>
           <p:spPr>
             <a:xfrm flipV="1">
-              <a:off x="4016793" y="4236799"/>
+              <a:off x="4016793" y="4137409"/>
               <a:ext cx="4948451" cy="1900627"/>
             </a:xfrm>
             <a:prstGeom prst="bentConnector2">
@@ -48280,7 +48441,7 @@
           </p:nvSpPr>
           <p:spPr>
             <a:xfrm>
-              <a:off x="2576793" y="9446620"/>
+              <a:off x="2576793" y="9953260"/>
               <a:ext cx="1440000" cy="1440000"/>
             </a:xfrm>
             <a:prstGeom prst="ellipse">
@@ -48339,7 +48500,7 @@
           </p:nvCxnSpPr>
           <p:spPr>
             <a:xfrm>
-              <a:off x="3296793" y="8872023"/>
+              <a:off x="3296793" y="9378663"/>
               <a:ext cx="0" cy="574597"/>
             </a:xfrm>
             <a:prstGeom prst="straightConnector1">
@@ -48375,8 +48536,8 @@
           </p:nvCxnSpPr>
           <p:spPr>
             <a:xfrm flipV="1">
-              <a:off x="4016793" y="3516799"/>
-              <a:ext cx="5668451" cy="4635224"/>
+              <a:off x="4016793" y="3417409"/>
+              <a:ext cx="5668451" cy="5241254"/>
             </a:xfrm>
             <a:prstGeom prst="bentConnector3">
               <a:avLst>
@@ -48410,7 +48571,7 @@
           </p:nvSpPr>
           <p:spPr>
             <a:xfrm>
-              <a:off x="303671" y="7432023"/>
+              <a:off x="303671" y="7938663"/>
               <a:ext cx="1440000" cy="1440000"/>
             </a:xfrm>
             <a:prstGeom prst="ellipse">
@@ -48492,7 +48653,7 @@
           </p:nvCxnSpPr>
           <p:spPr>
             <a:xfrm flipH="1">
-              <a:off x="1743671" y="8152023"/>
+              <a:off x="1743671" y="8658663"/>
               <a:ext cx="833122" cy="0"/>
             </a:xfrm>
             <a:prstGeom prst="straightConnector1">
@@ -48525,7 +48686,7 @@
           </p:nvSpPr>
           <p:spPr>
             <a:xfrm>
-              <a:off x="3812121" y="2775137"/>
+              <a:off x="3812121" y="2675747"/>
               <a:ext cx="1440000" cy="1440000"/>
             </a:xfrm>
             <a:prstGeom prst="ellipse">
@@ -48581,7 +48742,7 @@
           </p:nvSpPr>
           <p:spPr>
             <a:xfrm>
-              <a:off x="1331841" y="2775137"/>
+              <a:off x="1331841" y="2675747"/>
               <a:ext cx="1440000" cy="1440000"/>
             </a:xfrm>
             <a:prstGeom prst="ellipse">
@@ -48640,7 +48801,7 @@
           </p:nvCxnSpPr>
           <p:spPr>
             <a:xfrm rot="5400000">
-              <a:off x="2314317" y="1792661"/>
+              <a:off x="2314317" y="1693271"/>
               <a:ext cx="720000" cy="1244952"/>
             </a:xfrm>
             <a:prstGeom prst="bentConnector3">
@@ -48678,7 +48839,7 @@
           </p:nvCxnSpPr>
           <p:spPr>
             <a:xfrm rot="16200000" flipH="1">
-              <a:off x="3554457" y="1797473"/>
+              <a:off x="3554457" y="1698083"/>
               <a:ext cx="720000" cy="1235328"/>
             </a:xfrm>
             <a:prstGeom prst="bentConnector3">
@@ -48716,7 +48877,7 @@
           </p:nvCxnSpPr>
           <p:spPr>
             <a:xfrm rot="16200000" flipH="1">
-              <a:off x="2073173" y="4193805"/>
+              <a:off x="2073173" y="4094415"/>
               <a:ext cx="1202289" cy="1244952"/>
             </a:xfrm>
             <a:prstGeom prst="bentConnector3">
@@ -48754,7 +48915,7 @@
           </p:nvCxnSpPr>
           <p:spPr>
             <a:xfrm rot="5400000">
-              <a:off x="3313313" y="4198617"/>
+              <a:off x="3313313" y="4099227"/>
               <a:ext cx="1202289" cy="1235328"/>
             </a:xfrm>
             <a:prstGeom prst="bentConnector3">
@@ -48792,7 +48953,7 @@
           </p:nvCxnSpPr>
           <p:spPr>
             <a:xfrm rot="10800000" flipV="1">
-              <a:off x="1023671" y="3495136"/>
+              <a:off x="1023671" y="3395746"/>
               <a:ext cx="308170" cy="1922289"/>
             </a:xfrm>
             <a:prstGeom prst="bentConnector2">
@@ -48828,7 +48989,7 @@
           </p:nvCxnSpPr>
           <p:spPr>
             <a:xfrm>
-              <a:off x="5252121" y="3495137"/>
+              <a:off x="5252121" y="3395747"/>
               <a:ext cx="833123" cy="0"/>
             </a:xfrm>
             <a:prstGeom prst="straightConnector1">
@@ -48864,7 +49025,7 @@
           </p:nvCxnSpPr>
           <p:spPr>
             <a:xfrm flipV="1">
-              <a:off x="5252121" y="2796799"/>
+              <a:off x="5252121" y="2697409"/>
               <a:ext cx="3713123" cy="698338"/>
             </a:xfrm>
             <a:prstGeom prst="bentConnector4">
@@ -48872,6 +49033,167 @@
                 <a:gd name="adj1" fmla="val 11531"/>
                 <a:gd name="adj2" fmla="val 184078"/>
               </a:avLst>
+            </a:prstGeom>
+            <a:ln w="38100">
+              <a:tailEnd type="triangle"/>
+            </a:ln>
+          </p:spPr>
+          <p:style>
+            <a:lnRef idx="1">
+              <a:schemeClr val="accent5"/>
+            </a:lnRef>
+            <a:fillRef idx="0">
+              <a:schemeClr val="accent5"/>
+            </a:fillRef>
+            <a:effectRef idx="0">
+              <a:schemeClr val="accent5"/>
+            </a:effectRef>
+            <a:fontRef idx="minor">
+              <a:schemeClr val="tx1"/>
+            </a:fontRef>
+          </p:style>
+        </p:cxnSp>
+        <p:sp>
+          <p:nvSpPr>
+            <p:cNvPr id="31" name="Oval 30"/>
+            <p:cNvSpPr/>
+            <p:nvPr/>
+          </p:nvSpPr>
+          <p:spPr>
+            <a:xfrm>
+              <a:off x="6085244" y="6628349"/>
+              <a:ext cx="1440000" cy="1440000"/>
+            </a:xfrm>
+            <a:prstGeom prst="ellipse">
+              <a:avLst/>
+            </a:prstGeom>
+            <a:ln w="38100"/>
+          </p:spPr>
+          <p:style>
+            <a:lnRef idx="2">
+              <a:schemeClr val="accent5"/>
+            </a:lnRef>
+            <a:fillRef idx="1">
+              <a:schemeClr val="lt1"/>
+            </a:fillRef>
+            <a:effectRef idx="0">
+              <a:schemeClr val="accent5"/>
+            </a:effectRef>
+            <a:fontRef idx="minor">
+              <a:schemeClr val="dk1"/>
+            </a:fontRef>
+          </p:style>
+          <p:txBody>
+            <a:bodyPr rot="0" spcFirstLastPara="0" vertOverflow="overflow" horzOverflow="overflow" vert="horz" wrap="square" lIns="0" tIns="0" rIns="0" bIns="0" numCol="1" spcCol="0" rtlCol="0" fromWordArt="0" anchor="ctr" anchorCtr="0" forceAA="0" compatLnSpc="1">
+              <a:prstTxWarp prst="textNoShape">
+                <a:avLst/>
+              </a:prstTxWarp>
+              <a:noAutofit/>
+            </a:bodyPr>
+            <a:lstStyle/>
+            <a:p>
+              <a:pPr algn="ctr"/>
+              <a:r>
+                <a:rPr lang="da-DK" sz="1200" b="1" dirty="0" err="1" smtClean="0">
+                  <a:solidFill>
+                    <a:schemeClr val="tx1"/>
+                  </a:solidFill>
+                </a:rPr>
+                <a:t>Rejected</a:t>
+              </a:r>
+              <a:r>
+                <a:rPr lang="da-DK" sz="1200" b="1" dirty="0" smtClean="0">
+                  <a:solidFill>
+                    <a:schemeClr val="tx1"/>
+                  </a:solidFill>
+                </a:rPr>
+                <a:t/>
+              </a:r>
+              <a:br>
+                <a:rPr lang="da-DK" sz="1200" b="1" dirty="0" smtClean="0">
+                  <a:solidFill>
+                    <a:schemeClr val="tx1"/>
+                  </a:solidFill>
+                </a:rPr>
+              </a:br>
+              <a:r>
+                <a:rPr lang="da-DK" sz="1200" b="1" dirty="0" err="1" smtClean="0">
+                  <a:solidFill>
+                    <a:schemeClr val="tx1"/>
+                  </a:solidFill>
+                </a:rPr>
+                <a:t>ByMobilePay</a:t>
+              </a:r>
+              <a:r>
+                <a:rPr lang="da-DK" sz="1200" b="1" dirty="0" smtClean="0">
+                  <a:solidFill>
+                    <a:schemeClr val="tx1"/>
+                  </a:solidFill>
+                </a:rPr>
+                <a:t/>
+              </a:r>
+              <a:br>
+                <a:rPr lang="da-DK" sz="1200" b="1" dirty="0" smtClean="0">
+                  <a:solidFill>
+                    <a:schemeClr val="tx1"/>
+                  </a:solidFill>
+                </a:rPr>
+              </a:br>
+              <a:r>
+                <a:rPr lang="da-DK" sz="1200" b="1" dirty="0" err="1" smtClean="0">
+                  <a:solidFill>
+                    <a:schemeClr val="tx1"/>
+                  </a:solidFill>
+                </a:rPr>
+                <a:t>DueToAge</a:t>
+              </a:r>
+              <a:r>
+                <a:rPr lang="da-DK" sz="1200" b="1" dirty="0" smtClean="0">
+                  <a:solidFill>
+                    <a:schemeClr val="tx1"/>
+                  </a:solidFill>
+                </a:rPr>
+                <a:t/>
+              </a:r>
+              <a:br>
+                <a:rPr lang="da-DK" sz="1200" b="1" dirty="0" smtClean="0">
+                  <a:solidFill>
+                    <a:schemeClr val="tx1"/>
+                  </a:solidFill>
+                </a:rPr>
+              </a:br>
+              <a:r>
+                <a:rPr lang="da-DK" sz="1200" b="1" dirty="0" err="1" smtClean="0">
+                  <a:solidFill>
+                    <a:schemeClr val="tx1"/>
+                  </a:solidFill>
+                </a:rPr>
+                <a:t>Restrictions</a:t>
+              </a:r>
+              <a:endParaRPr lang="en-GB" sz="1200" b="1" dirty="0" err="1" smtClean="0">
+                <a:solidFill>
+                  <a:schemeClr val="tx1"/>
+                </a:solidFill>
+              </a:endParaRPr>
+            </a:p>
+          </p:txBody>
+        </p:sp>
+        <p:cxnSp>
+          <p:nvCxnSpPr>
+            <p:cNvPr id="33" name="Elbow Connector 32"/>
+            <p:cNvCxnSpPr>
+              <a:stCxn id="8" idx="4"/>
+              <a:endCxn id="31" idx="2"/>
+            </p:cNvCxnSpPr>
+            <p:nvPr/>
+          </p:nvCxnSpPr>
+          <p:spPr>
+            <a:xfrm rot="16200000" flipH="1">
+              <a:off x="4395862" y="5658966"/>
+              <a:ext cx="590313" cy="2788451"/>
+            </a:xfrm>
+            <a:prstGeom prst="bentConnector2">
+              <a:avLst/>
             </a:prstGeom>
             <a:ln w="38100">
               <a:tailEnd type="triangle"/>

--- a/docs/assets/TitaniumFlows.pptx
+++ b/docs/assets/TitaniumFlows.pptx
@@ -215,7 +215,7 @@
           <a:graphicData uri="http://schemas.openxmlformats.org/presentationml/2006/ole">
             <mc:AlternateContent xmlns:mc="http://schemas.openxmlformats.org/markup-compatibility/2006">
               <mc:Choice xmlns:v="urn:schemas-microsoft-com:vml" Requires="v">
-                <p:oleObj spid="_x0000_s2140" name="think-cell Slide" r:id="rId5" imgW="270" imgH="270" progId="TCLayout.ActiveDocument.1">
+                <p:oleObj spid="_x0000_s2142" name="think-cell Slide" r:id="rId5" imgW="270" imgH="270" progId="TCLayout.ActiveDocument.1">
                   <p:embed/>
                 </p:oleObj>
               </mc:Choice>
@@ -397,7 +397,7 @@
           <a:p>
             <a:fld id="{B56E8790-EF43-4195-82DA-4A26D543E504}" type="datetimeFigureOut">
               <a:rPr lang="en-GB" smtClean="0"/>
-              <a:t>07/08/2020</a:t>
+              <a:t>07/10/2020</a:t>
             </a:fld>
             <a:endParaRPr lang="en-GB" dirty="0"/>
           </a:p>
@@ -495,7 +495,7 @@
           <a:graphicData uri="http://schemas.openxmlformats.org/presentationml/2006/ole">
             <mc:AlternateContent xmlns:mc="http://schemas.openxmlformats.org/markup-compatibility/2006">
               <mc:Choice xmlns:v="urn:schemas-microsoft-com:vml" Requires="v">
-                <p:oleObj spid="_x0000_s9398" name="think-cell Slide" r:id="rId5" imgW="270" imgH="270" progId="TCLayout.ActiveDocument.1">
+                <p:oleObj spid="_x0000_s9402" name="think-cell Slide" r:id="rId5" imgW="270" imgH="270" progId="TCLayout.ActiveDocument.1">
                   <p:embed/>
                 </p:oleObj>
               </mc:Choice>
@@ -609,7 +609,7 @@
           <a:p>
             <a:fld id="{B56E8790-EF43-4195-82DA-4A26D543E504}" type="datetimeFigureOut">
               <a:rPr lang="en-GB" smtClean="0"/>
-              <a:t>07/08/2020</a:t>
+              <a:t>07/10/2020</a:t>
             </a:fld>
             <a:endParaRPr lang="en-GB" dirty="0"/>
           </a:p>
@@ -1203,7 +1203,7 @@
           <a:graphicData uri="http://schemas.openxmlformats.org/presentationml/2006/ole">
             <mc:AlternateContent xmlns:mc="http://schemas.openxmlformats.org/markup-compatibility/2006">
               <mc:Choice xmlns:v="urn:schemas-microsoft-com:vml" Requires="v">
-                <p:oleObj spid="_x0000_s9399" name="think-cell Slide" r:id="rId7" imgW="270" imgH="270" progId="TCLayout.ActiveDocument.1">
+                <p:oleObj spid="_x0000_s9403" name="think-cell Slide" r:id="rId7" imgW="270" imgH="270" progId="TCLayout.ActiveDocument.1">
                   <p:embed/>
                 </p:oleObj>
               </mc:Choice>
@@ -1508,7 +1508,7 @@
           <a:graphicData uri="http://schemas.openxmlformats.org/presentationml/2006/ole">
             <mc:AlternateContent xmlns:mc="http://schemas.openxmlformats.org/markup-compatibility/2006">
               <mc:Choice xmlns:v="urn:schemas-microsoft-com:vml" Requires="v">
-                <p:oleObj spid="_x0000_s10422" name="think-cell Slide" r:id="rId5" imgW="270" imgH="270" progId="TCLayout.ActiveDocument.1">
+                <p:oleObj spid="_x0000_s10426" name="think-cell Slide" r:id="rId5" imgW="270" imgH="270" progId="TCLayout.ActiveDocument.1">
                   <p:embed/>
                 </p:oleObj>
               </mc:Choice>
@@ -1573,7 +1573,7 @@
           <a:p>
             <a:fld id="{B56E8790-EF43-4195-82DA-4A26D543E504}" type="datetimeFigureOut">
               <a:rPr lang="en-GB" smtClean="0"/>
-              <a:t>07/08/2020</a:t>
+              <a:t>07/10/2020</a:t>
             </a:fld>
             <a:endParaRPr lang="en-GB" dirty="0"/>
           </a:p>
@@ -1959,7 +1959,7 @@
           <a:graphicData uri="http://schemas.openxmlformats.org/presentationml/2006/ole">
             <mc:AlternateContent xmlns:mc="http://schemas.openxmlformats.org/markup-compatibility/2006">
               <mc:Choice xmlns:v="urn:schemas-microsoft-com:vml" Requires="v">
-                <p:oleObj spid="_x0000_s10423" name="think-cell Slide" r:id="rId8" imgW="270" imgH="270" progId="TCLayout.ActiveDocument.1">
+                <p:oleObj spid="_x0000_s10427" name="think-cell Slide" r:id="rId8" imgW="270" imgH="270" progId="TCLayout.ActiveDocument.1">
                   <p:embed/>
                 </p:oleObj>
               </mc:Choice>
@@ -2226,7 +2226,7 @@
           <a:graphicData uri="http://schemas.openxmlformats.org/presentationml/2006/ole">
             <mc:AlternateContent xmlns:mc="http://schemas.openxmlformats.org/markup-compatibility/2006">
               <mc:Choice xmlns:v="urn:schemas-microsoft-com:vml" Requires="v">
-                <p:oleObj spid="_x0000_s11356" name="think-cell Slide" r:id="rId4" imgW="270" imgH="270" progId="TCLayout.ActiveDocument.1">
+                <p:oleObj spid="_x0000_s11358" name="think-cell Slide" r:id="rId4" imgW="270" imgH="270" progId="TCLayout.ActiveDocument.1">
                   <p:embed/>
                 </p:oleObj>
               </mc:Choice>
@@ -2283,7 +2283,7 @@
           <a:p>
             <a:fld id="{B56E8790-EF43-4195-82DA-4A26D543E504}" type="datetimeFigureOut">
               <a:rPr lang="en-GB" smtClean="0"/>
-              <a:t>07/08/2020</a:t>
+              <a:t>07/10/2020</a:t>
             </a:fld>
             <a:endParaRPr lang="en-GB" dirty="0"/>
           </a:p>
@@ -2673,7 +2673,7 @@
           <a:graphicData uri="http://schemas.openxmlformats.org/presentationml/2006/ole">
             <mc:AlternateContent xmlns:mc="http://schemas.openxmlformats.org/markup-compatibility/2006">
               <mc:Choice xmlns:v="urn:schemas-microsoft-com:vml" Requires="v">
-                <p:oleObj spid="_x0000_s12380" name="think-cell Slide" r:id="rId4" imgW="270" imgH="270" progId="TCLayout.ActiveDocument.1">
+                <p:oleObj spid="_x0000_s12382" name="think-cell Slide" r:id="rId4" imgW="270" imgH="270" progId="TCLayout.ActiveDocument.1">
                   <p:embed/>
                 </p:oleObj>
               </mc:Choice>
@@ -2730,7 +2730,7 @@
           <a:p>
             <a:fld id="{B56E8790-EF43-4195-82DA-4A26D543E504}" type="datetimeFigureOut">
               <a:rPr lang="en-GB" smtClean="0"/>
-              <a:t>07/08/2020</a:t>
+              <a:t>07/10/2020</a:t>
             </a:fld>
             <a:endParaRPr lang="en-GB" dirty="0"/>
           </a:p>
@@ -3282,7 +3282,7 @@
           <a:graphicData uri="http://schemas.openxmlformats.org/presentationml/2006/ole">
             <mc:AlternateContent xmlns:mc="http://schemas.openxmlformats.org/markup-compatibility/2006">
               <mc:Choice xmlns:v="urn:schemas-microsoft-com:vml" Requires="v">
-                <p:oleObj spid="_x0000_s13404" name="think-cell Slide" r:id="rId4" imgW="270" imgH="270" progId="TCLayout.ActiveDocument.1">
+                <p:oleObj spid="_x0000_s13406" name="think-cell Slide" r:id="rId4" imgW="270" imgH="270" progId="TCLayout.ActiveDocument.1">
                   <p:embed/>
                 </p:oleObj>
               </mc:Choice>
@@ -3339,7 +3339,7 @@
           <a:p>
             <a:fld id="{B56E8790-EF43-4195-82DA-4A26D543E504}" type="datetimeFigureOut">
               <a:rPr lang="en-GB" smtClean="0"/>
-              <a:t>07/08/2020</a:t>
+              <a:t>07/10/2020</a:t>
             </a:fld>
             <a:endParaRPr lang="en-GB" dirty="0"/>
           </a:p>
@@ -3891,7 +3891,7 @@
           <a:graphicData uri="http://schemas.openxmlformats.org/presentationml/2006/ole">
             <mc:AlternateContent xmlns:mc="http://schemas.openxmlformats.org/markup-compatibility/2006">
               <mc:Choice xmlns:v="urn:schemas-microsoft-com:vml" Requires="v">
-                <p:oleObj spid="_x0000_s14428" name="think-cell Slide" r:id="rId4" imgW="270" imgH="270" progId="TCLayout.ActiveDocument.1">
+                <p:oleObj spid="_x0000_s14430" name="think-cell Slide" r:id="rId4" imgW="270" imgH="270" progId="TCLayout.ActiveDocument.1">
                   <p:embed/>
                 </p:oleObj>
               </mc:Choice>
@@ -3948,7 +3948,7 @@
           <a:p>
             <a:fld id="{B56E8790-EF43-4195-82DA-4A26D543E504}" type="datetimeFigureOut">
               <a:rPr lang="en-GB" smtClean="0"/>
-              <a:t>07/08/2020</a:t>
+              <a:t>07/10/2020</a:t>
             </a:fld>
             <a:endParaRPr lang="en-GB" dirty="0"/>
           </a:p>
@@ -4500,7 +4500,7 @@
           <a:graphicData uri="http://schemas.openxmlformats.org/presentationml/2006/ole">
             <mc:AlternateContent xmlns:mc="http://schemas.openxmlformats.org/markup-compatibility/2006">
               <mc:Choice xmlns:v="urn:schemas-microsoft-com:vml" Requires="v">
-                <p:oleObj spid="_x0000_s15452" name="think-cell Slide" r:id="rId4" imgW="270" imgH="270" progId="TCLayout.ActiveDocument.1">
+                <p:oleObj spid="_x0000_s15454" name="think-cell Slide" r:id="rId4" imgW="270" imgH="270" progId="TCLayout.ActiveDocument.1">
                   <p:embed/>
                 </p:oleObj>
               </mc:Choice>
@@ -4557,7 +4557,7 @@
           <a:p>
             <a:fld id="{B56E8790-EF43-4195-82DA-4A26D543E504}" type="datetimeFigureOut">
               <a:rPr lang="en-GB" smtClean="0"/>
-              <a:t>07/08/2020</a:t>
+              <a:t>07/10/2020</a:t>
             </a:fld>
             <a:endParaRPr lang="en-GB" dirty="0"/>
           </a:p>
@@ -5109,7 +5109,7 @@
           <a:graphicData uri="http://schemas.openxmlformats.org/presentationml/2006/ole">
             <mc:AlternateContent xmlns:mc="http://schemas.openxmlformats.org/markup-compatibility/2006">
               <mc:Choice xmlns:v="urn:schemas-microsoft-com:vml" Requires="v">
-                <p:oleObj spid="_x0000_s16476" name="think-cell Slide" r:id="rId4" imgW="270" imgH="270" progId="TCLayout.ActiveDocument.1">
+                <p:oleObj spid="_x0000_s16478" name="think-cell Slide" r:id="rId4" imgW="270" imgH="270" progId="TCLayout.ActiveDocument.1">
                   <p:embed/>
                 </p:oleObj>
               </mc:Choice>
@@ -5166,7 +5166,7 @@
           <a:p>
             <a:fld id="{B56E8790-EF43-4195-82DA-4A26D543E504}" type="datetimeFigureOut">
               <a:rPr lang="en-GB" smtClean="0"/>
-              <a:t>07/08/2020</a:t>
+              <a:t>07/10/2020</a:t>
             </a:fld>
             <a:endParaRPr lang="en-GB" dirty="0"/>
           </a:p>
@@ -5718,7 +5718,7 @@
           <a:graphicData uri="http://schemas.openxmlformats.org/presentationml/2006/ole">
             <mc:AlternateContent xmlns:mc="http://schemas.openxmlformats.org/markup-compatibility/2006">
               <mc:Choice xmlns:v="urn:schemas-microsoft-com:vml" Requires="v">
-                <p:oleObj spid="_x0000_s17500" name="think-cell Slide" r:id="rId4" imgW="270" imgH="270" progId="TCLayout.ActiveDocument.1">
+                <p:oleObj spid="_x0000_s17502" name="think-cell Slide" r:id="rId4" imgW="270" imgH="270" progId="TCLayout.ActiveDocument.1">
                   <p:embed/>
                 </p:oleObj>
               </mc:Choice>
@@ -5775,7 +5775,7 @@
           <a:p>
             <a:fld id="{B56E8790-EF43-4195-82DA-4A26D543E504}" type="datetimeFigureOut">
               <a:rPr lang="en-GB" smtClean="0"/>
-              <a:t>07/08/2020</a:t>
+              <a:t>07/10/2020</a:t>
             </a:fld>
             <a:endParaRPr lang="en-GB" dirty="0"/>
           </a:p>
@@ -6420,7 +6420,7 @@
           <a:p>
             <a:fld id="{B56E8790-EF43-4195-82DA-4A26D543E504}" type="datetimeFigureOut">
               <a:rPr lang="en-GB" smtClean="0"/>
-              <a:t>07/08/2020</a:t>
+              <a:t>07/10/2020</a:t>
             </a:fld>
             <a:endParaRPr lang="en-GB" dirty="0"/>
           </a:p>
@@ -6531,7 +6531,7 @@
           <a:graphicData uri="http://schemas.openxmlformats.org/presentationml/2006/ole">
             <mc:AlternateContent xmlns:mc="http://schemas.openxmlformats.org/markup-compatibility/2006">
               <mc:Choice xmlns:v="urn:schemas-microsoft-com:vml" Requires="v">
-                <p:oleObj spid="_x0000_s3164" name="think-cell Slide" r:id="rId4" imgW="270" imgH="270" progId="TCLayout.ActiveDocument.1">
+                <p:oleObj spid="_x0000_s3166" name="think-cell Slide" r:id="rId4" imgW="270" imgH="270" progId="TCLayout.ActiveDocument.1">
                   <p:embed/>
                 </p:oleObj>
               </mc:Choice>
@@ -6680,7 +6680,7 @@
           <a:p>
             <a:fld id="{B56E8790-EF43-4195-82DA-4A26D543E504}" type="datetimeFigureOut">
               <a:rPr lang="en-GB" smtClean="0"/>
-              <a:t>07/08/2020</a:t>
+              <a:t>07/10/2020</a:t>
             </a:fld>
             <a:endParaRPr lang="en-GB" dirty="0"/>
           </a:p>
@@ -6845,7 +6845,7 @@
           <a:graphicData uri="http://schemas.openxmlformats.org/presentationml/2006/ole">
             <mc:AlternateContent xmlns:mc="http://schemas.openxmlformats.org/markup-compatibility/2006">
               <mc:Choice xmlns:v="urn:schemas-microsoft-com:vml" Requires="v">
-                <p:oleObj spid="_x0000_s19548" name="think-cell Slide" r:id="rId5" imgW="270" imgH="270" progId="TCLayout.ActiveDocument.1">
+                <p:oleObj spid="_x0000_s19550" name="think-cell Slide" r:id="rId5" imgW="270" imgH="270" progId="TCLayout.ActiveDocument.1">
                   <p:embed/>
                 </p:oleObj>
               </mc:Choice>
@@ -7028,7 +7028,7 @@
             <a:fld id="{FD5A4159-1C9D-4C23-8DBB-0FD5BF49F859}" type="datetime1">
               <a:rPr lang="en-GB" smtClean="0"/>
               <a:pPr/>
-              <a:t>07/08/2020</a:t>
+              <a:t>07/10/2020</a:t>
             </a:fld>
             <a:endParaRPr lang="en-GB" dirty="0"/>
           </a:p>
@@ -7122,7 +7122,7 @@
           <a:graphicData uri="http://schemas.openxmlformats.org/presentationml/2006/ole">
             <mc:AlternateContent xmlns:mc="http://schemas.openxmlformats.org/markup-compatibility/2006">
               <mc:Choice xmlns:v="urn:schemas-microsoft-com:vml" Requires="v">
-                <p:oleObj spid="_x0000_s20572" name="think-cell Slide" r:id="rId4" imgW="270" imgH="270" progId="TCLayout.ActiveDocument.1">
+                <p:oleObj spid="_x0000_s20574" name="think-cell Slide" r:id="rId4" imgW="270" imgH="270" progId="TCLayout.ActiveDocument.1">
                   <p:embed/>
                 </p:oleObj>
               </mc:Choice>
@@ -7272,7 +7272,7 @@
             <a:fld id="{461D2423-DC7C-4239-9F6A-F74AADFD9F8E}" type="datetime1">
               <a:rPr lang="en-GB" smtClean="0"/>
               <a:pPr/>
-              <a:t>07/08/2020</a:t>
+              <a:t>07/10/2020</a:t>
             </a:fld>
             <a:endParaRPr lang="en-GB" dirty="0"/>
           </a:p>
@@ -7446,7 +7446,7 @@
             <a:fld id="{84F482FB-B023-4CBB-8046-4D830E895C90}" type="datetime1">
               <a:rPr lang="en-GB" smtClean="0"/>
               <a:pPr/>
-              <a:t>07/08/2020</a:t>
+              <a:t>07/10/2020</a:t>
             </a:fld>
             <a:endParaRPr lang="en-GB" dirty="0"/>
           </a:p>
@@ -7720,7 +7720,7 @@
           <a:graphicData uri="http://schemas.openxmlformats.org/presentationml/2006/ole">
             <mc:AlternateContent xmlns:mc="http://schemas.openxmlformats.org/markup-compatibility/2006">
               <mc:Choice xmlns:v="urn:schemas-microsoft-com:vml" Requires="v">
-                <p:oleObj spid="_x0000_s21596" name="think-cell Slide" r:id="rId4" imgW="270" imgH="270" progId="TCLayout.ActiveDocument.1">
+                <p:oleObj spid="_x0000_s21598" name="think-cell Slide" r:id="rId4" imgW="270" imgH="270" progId="TCLayout.ActiveDocument.1">
                   <p:embed/>
                 </p:oleObj>
               </mc:Choice>
@@ -7879,7 +7879,7 @@
             <a:fld id="{F26DF438-9CC2-4A49-A657-78DE437E5C5C}" type="datetime1">
               <a:rPr lang="en-GB" smtClean="0"/>
               <a:pPr/>
-              <a:t>07/08/2020</a:t>
+              <a:t>07/10/2020</a:t>
             </a:fld>
             <a:endParaRPr lang="en-GB" dirty="0"/>
           </a:p>
@@ -8274,7 +8274,7 @@
           <a:graphicData uri="http://schemas.openxmlformats.org/presentationml/2006/ole">
             <mc:AlternateContent xmlns:mc="http://schemas.openxmlformats.org/markup-compatibility/2006">
               <mc:Choice xmlns:v="urn:schemas-microsoft-com:vml" Requires="v">
-                <p:oleObj spid="_x0000_s22620" name="think-cell Slide" r:id="rId4" imgW="270" imgH="270" progId="TCLayout.ActiveDocument.1">
+                <p:oleObj spid="_x0000_s22622" name="think-cell Slide" r:id="rId4" imgW="270" imgH="270" progId="TCLayout.ActiveDocument.1">
                   <p:embed/>
                 </p:oleObj>
               </mc:Choice>
@@ -8340,7 +8340,7 @@
             <a:fld id="{A960169C-9E24-485A-B7A8-19D9A23B43F5}" type="datetime1">
               <a:rPr lang="en-GB" smtClean="0"/>
               <a:pPr/>
-              <a:t>07/08/2020</a:t>
+              <a:t>07/10/2020</a:t>
             </a:fld>
             <a:endParaRPr lang="en-GB" dirty="0"/>
           </a:p>
@@ -8882,7 +8882,7 @@
           <a:graphicData uri="http://schemas.openxmlformats.org/presentationml/2006/ole">
             <mc:AlternateContent xmlns:mc="http://schemas.openxmlformats.org/markup-compatibility/2006">
               <mc:Choice xmlns:v="urn:schemas-microsoft-com:vml" Requires="v">
-                <p:oleObj spid="_x0000_s23734" name="think-cell Slide" r:id="rId5" imgW="270" imgH="270" progId="TCLayout.ActiveDocument.1">
+                <p:oleObj spid="_x0000_s23738" name="think-cell Slide" r:id="rId5" imgW="270" imgH="270" progId="TCLayout.ActiveDocument.1">
                   <p:embed/>
                 </p:oleObj>
               </mc:Choice>
@@ -9134,7 +9134,7 @@
             <a:fld id="{0DD20B1F-20AE-4F8D-832A-F732FDE213D5}" type="datetime1">
               <a:rPr lang="en-GB" smtClean="0"/>
               <a:pPr/>
-              <a:t>07/08/2020</a:t>
+              <a:t>07/10/2020</a:t>
             </a:fld>
             <a:endParaRPr lang="en-GB" dirty="0"/>
           </a:p>
@@ -9205,7 +9205,7 @@
           <a:graphicData uri="http://schemas.openxmlformats.org/presentationml/2006/ole">
             <mc:AlternateContent xmlns:mc="http://schemas.openxmlformats.org/markup-compatibility/2006">
               <mc:Choice xmlns:v="urn:schemas-microsoft-com:vml" Requires="v">
-                <p:oleObj spid="_x0000_s23735" name="think-cell Slide" r:id="rId7" imgW="270" imgH="270" progId="TCLayout.ActiveDocument.1">
+                <p:oleObj spid="_x0000_s23739" name="think-cell Slide" r:id="rId7" imgW="270" imgH="270" progId="TCLayout.ActiveDocument.1">
                   <p:embed/>
                 </p:oleObj>
               </mc:Choice>
@@ -9503,7 +9503,7 @@
             <a:fld id="{0DD20B1F-20AE-4F8D-832A-F732FDE213D5}" type="datetime1">
               <a:rPr lang="en-GB" smtClean="0"/>
               <a:pPr/>
-              <a:t>07/08/2020</a:t>
+              <a:t>07/10/2020</a:t>
             </a:fld>
             <a:endParaRPr lang="en-GB" dirty="0"/>
           </a:p>
@@ -9992,7 +9992,7 @@
           <a:graphicData uri="http://schemas.openxmlformats.org/presentationml/2006/ole">
             <mc:AlternateContent xmlns:mc="http://schemas.openxmlformats.org/markup-compatibility/2006">
               <mc:Choice xmlns:v="urn:schemas-microsoft-com:vml" Requires="v">
-                <p:oleObj spid="_x0000_s24758" name="think-cell Slide" r:id="rId5" imgW="270" imgH="270" progId="TCLayout.ActiveDocument.1">
+                <p:oleObj spid="_x0000_s24762" name="think-cell Slide" r:id="rId5" imgW="270" imgH="270" progId="TCLayout.ActiveDocument.1">
                   <p:embed/>
                 </p:oleObj>
               </mc:Choice>
@@ -10058,7 +10058,7 @@
             <a:fld id="{D07952D7-4E08-421B-9537-2EE112E32DE3}" type="datetime1">
               <a:rPr lang="en-GB" smtClean="0"/>
               <a:pPr/>
-              <a:t>07/08/2020</a:t>
+              <a:t>07/10/2020</a:t>
             </a:fld>
             <a:endParaRPr lang="en-GB" dirty="0"/>
           </a:p>
@@ -10413,7 +10413,7 @@
           <a:graphicData uri="http://schemas.openxmlformats.org/presentationml/2006/ole">
             <mc:AlternateContent xmlns:mc="http://schemas.openxmlformats.org/markup-compatibility/2006">
               <mc:Choice xmlns:v="urn:schemas-microsoft-com:vml" Requires="v">
-                <p:oleObj spid="_x0000_s24759" name="think-cell Slide" r:id="rId7" imgW="270" imgH="270" progId="TCLayout.ActiveDocument.1">
+                <p:oleObj spid="_x0000_s24763" name="think-cell Slide" r:id="rId7" imgW="270" imgH="270" progId="TCLayout.ActiveDocument.1">
                   <p:embed/>
                 </p:oleObj>
               </mc:Choice>
@@ -10701,7 +10701,7 @@
           <a:graphicData uri="http://schemas.openxmlformats.org/presentationml/2006/ole">
             <mc:AlternateContent xmlns:mc="http://schemas.openxmlformats.org/markup-compatibility/2006">
               <mc:Choice xmlns:v="urn:schemas-microsoft-com:vml" Requires="v">
-                <p:oleObj spid="_x0000_s25782" name="think-cell Slide" r:id="rId5" imgW="270" imgH="270" progId="TCLayout.ActiveDocument.1">
+                <p:oleObj spid="_x0000_s25786" name="think-cell Slide" r:id="rId5" imgW="270" imgH="270" progId="TCLayout.ActiveDocument.1">
                   <p:embed/>
                 </p:oleObj>
               </mc:Choice>
@@ -10767,7 +10767,7 @@
             <a:fld id="{D07952D7-4E08-421B-9537-2EE112E32DE3}" type="datetime1">
               <a:rPr lang="en-GB" smtClean="0"/>
               <a:pPr/>
-              <a:t>07/08/2020</a:t>
+              <a:t>07/10/2020</a:t>
             </a:fld>
             <a:endParaRPr lang="en-GB" dirty="0"/>
           </a:p>
@@ -11122,7 +11122,7 @@
           <a:graphicData uri="http://schemas.openxmlformats.org/presentationml/2006/ole">
             <mc:AlternateContent xmlns:mc="http://schemas.openxmlformats.org/markup-compatibility/2006">
               <mc:Choice xmlns:v="urn:schemas-microsoft-com:vml" Requires="v">
-                <p:oleObj spid="_x0000_s25783" name="think-cell Slide" r:id="rId7" imgW="270" imgH="270" progId="TCLayout.ActiveDocument.1">
+                <p:oleObj spid="_x0000_s25787" name="think-cell Slide" r:id="rId7" imgW="270" imgH="270" progId="TCLayout.ActiveDocument.1">
                   <p:embed/>
                 </p:oleObj>
               </mc:Choice>
@@ -11415,7 +11415,7 @@
           <a:graphicData uri="http://schemas.openxmlformats.org/presentationml/2006/ole">
             <mc:AlternateContent xmlns:mc="http://schemas.openxmlformats.org/markup-compatibility/2006">
               <mc:Choice xmlns:v="urn:schemas-microsoft-com:vml" Requires="v">
-                <p:oleObj spid="_x0000_s26806" name="think-cell Slide" r:id="rId5" imgW="270" imgH="270" progId="TCLayout.ActiveDocument.1">
+                <p:oleObj spid="_x0000_s26810" name="think-cell Slide" r:id="rId5" imgW="270" imgH="270" progId="TCLayout.ActiveDocument.1">
                   <p:embed/>
                 </p:oleObj>
               </mc:Choice>
@@ -11530,7 +11530,7 @@
             <a:fld id="{D07952D7-4E08-421B-9537-2EE112E32DE3}" type="datetime1">
               <a:rPr lang="en-GB" smtClean="0"/>
               <a:pPr/>
-              <a:t>07/08/2020</a:t>
+              <a:t>07/10/2020</a:t>
             </a:fld>
             <a:endParaRPr lang="en-GB" dirty="0"/>
           </a:p>
@@ -12120,7 +12120,7 @@
           <a:graphicData uri="http://schemas.openxmlformats.org/presentationml/2006/ole">
             <mc:AlternateContent xmlns:mc="http://schemas.openxmlformats.org/markup-compatibility/2006">
               <mc:Choice xmlns:v="urn:schemas-microsoft-com:vml" Requires="v">
-                <p:oleObj spid="_x0000_s26807" name="think-cell Slide" r:id="rId7" imgW="270" imgH="270" progId="TCLayout.ActiveDocument.1">
+                <p:oleObj spid="_x0000_s26811" name="think-cell Slide" r:id="rId7" imgW="270" imgH="270" progId="TCLayout.ActiveDocument.1">
                   <p:embed/>
                 </p:oleObj>
               </mc:Choice>
@@ -12451,7 +12451,7 @@
           <a:p>
             <a:fld id="{B56E8790-EF43-4195-82DA-4A26D543E504}" type="datetimeFigureOut">
               <a:rPr lang="en-GB" smtClean="0"/>
-              <a:t>07/08/2020</a:t>
+              <a:t>07/10/2020</a:t>
             </a:fld>
             <a:endParaRPr lang="en-GB" dirty="0"/>
           </a:p>
@@ -12733,7 +12733,7 @@
           <a:graphicData uri="http://schemas.openxmlformats.org/presentationml/2006/ole">
             <mc:AlternateContent xmlns:mc="http://schemas.openxmlformats.org/markup-compatibility/2006">
               <mc:Choice xmlns:v="urn:schemas-microsoft-com:vml" Requires="v">
-                <p:oleObj spid="_x0000_s27830" name="think-cell Slide" r:id="rId5" imgW="270" imgH="270" progId="TCLayout.ActiveDocument.1">
+                <p:oleObj spid="_x0000_s27834" name="think-cell Slide" r:id="rId5" imgW="270" imgH="270" progId="TCLayout.ActiveDocument.1">
                   <p:embed/>
                 </p:oleObj>
               </mc:Choice>
@@ -12799,7 +12799,7 @@
             <a:fld id="{10E7BC8F-BFD3-4858-915D-99D9576C8415}" type="datetime1">
               <a:rPr lang="en-GB" smtClean="0"/>
               <a:pPr/>
-              <a:t>07/08/2020</a:t>
+              <a:t>07/10/2020</a:t>
             </a:fld>
             <a:endParaRPr lang="en-GB" dirty="0"/>
           </a:p>
@@ -13181,7 +13181,7 @@
           <a:graphicData uri="http://schemas.openxmlformats.org/presentationml/2006/ole">
             <mc:AlternateContent xmlns:mc="http://schemas.openxmlformats.org/markup-compatibility/2006">
               <mc:Choice xmlns:v="urn:schemas-microsoft-com:vml" Requires="v">
-                <p:oleObj spid="_x0000_s27831" name="think-cell Slide" r:id="rId8" imgW="270" imgH="270" progId="TCLayout.ActiveDocument.1">
+                <p:oleObj spid="_x0000_s27835" name="think-cell Slide" r:id="rId8" imgW="270" imgH="270" progId="TCLayout.ActiveDocument.1">
                   <p:embed/>
                 </p:oleObj>
               </mc:Choice>
@@ -13470,7 +13470,7 @@
           <a:graphicData uri="http://schemas.openxmlformats.org/presentationml/2006/ole">
             <mc:AlternateContent xmlns:mc="http://schemas.openxmlformats.org/markup-compatibility/2006">
               <mc:Choice xmlns:v="urn:schemas-microsoft-com:vml" Requires="v">
-                <p:oleObj spid="_x0000_s29788" name="think-cell Slide" r:id="rId5" imgW="270" imgH="270" progId="TCLayout.ActiveDocument.1">
+                <p:oleObj spid="_x0000_s29790" name="think-cell Slide" r:id="rId5" imgW="270" imgH="270" progId="TCLayout.ActiveDocument.1">
                   <p:embed/>
                 </p:oleObj>
               </mc:Choice>
@@ -13657,7 +13657,7 @@
                 </a:solidFill>
               </a:rPr>
               <a:pPr/>
-              <a:t>07/08/2020</a:t>
+              <a:t>07/10/2020</a:t>
             </a:fld>
             <a:endParaRPr lang="en-GB" dirty="0">
               <a:solidFill>
@@ -13759,7 +13759,7 @@
           <a:graphicData uri="http://schemas.openxmlformats.org/presentationml/2006/ole">
             <mc:AlternateContent xmlns:mc="http://schemas.openxmlformats.org/markup-compatibility/2006">
               <mc:Choice xmlns:v="urn:schemas-microsoft-com:vml" Requires="v">
-                <p:oleObj spid="_x0000_s30812" name="think-cell Slide" r:id="rId4" imgW="270" imgH="270" progId="TCLayout.ActiveDocument.1">
+                <p:oleObj spid="_x0000_s30814" name="think-cell Slide" r:id="rId4" imgW="270" imgH="270" progId="TCLayout.ActiveDocument.1">
                   <p:embed/>
                 </p:oleObj>
               </mc:Choice>
@@ -13913,7 +13913,7 @@
                 </a:solidFill>
               </a:rPr>
               <a:pPr/>
-              <a:t>07/08/2020</a:t>
+              <a:t>07/10/2020</a:t>
             </a:fld>
             <a:endParaRPr lang="en-GB" dirty="0">
               <a:solidFill>
@@ -14099,7 +14099,7 @@
                 </a:solidFill>
               </a:rPr>
               <a:pPr/>
-              <a:t>07/08/2020</a:t>
+              <a:t>07/10/2020</a:t>
             </a:fld>
             <a:endParaRPr lang="en-GB" dirty="0">
               <a:solidFill>
@@ -14381,7 +14381,7 @@
           <a:graphicData uri="http://schemas.openxmlformats.org/presentationml/2006/ole">
             <mc:AlternateContent xmlns:mc="http://schemas.openxmlformats.org/markup-compatibility/2006">
               <mc:Choice xmlns:v="urn:schemas-microsoft-com:vml" Requires="v">
-                <p:oleObj spid="_x0000_s31836" name="think-cell Slide" r:id="rId4" imgW="270" imgH="270" progId="TCLayout.ActiveDocument.1">
+                <p:oleObj spid="_x0000_s31838" name="think-cell Slide" r:id="rId4" imgW="270" imgH="270" progId="TCLayout.ActiveDocument.1">
                   <p:embed/>
                 </p:oleObj>
               </mc:Choice>
@@ -14544,7 +14544,7 @@
                 </a:solidFill>
               </a:rPr>
               <a:pPr/>
-              <a:t>07/08/2020</a:t>
+              <a:t>07/10/2020</a:t>
             </a:fld>
             <a:endParaRPr lang="en-GB" dirty="0">
               <a:solidFill>
@@ -14947,7 +14947,7 @@
           <a:graphicData uri="http://schemas.openxmlformats.org/presentationml/2006/ole">
             <mc:AlternateContent xmlns:mc="http://schemas.openxmlformats.org/markup-compatibility/2006">
               <mc:Choice xmlns:v="urn:schemas-microsoft-com:vml" Requires="v">
-                <p:oleObj spid="_x0000_s32860" name="think-cell Slide" r:id="rId4" imgW="270" imgH="270" progId="TCLayout.ActiveDocument.1">
+                <p:oleObj spid="_x0000_s32862" name="think-cell Slide" r:id="rId4" imgW="270" imgH="270" progId="TCLayout.ActiveDocument.1">
                   <p:embed/>
                 </p:oleObj>
               </mc:Choice>
@@ -15017,7 +15017,7 @@
                 </a:solidFill>
               </a:rPr>
               <a:pPr/>
-              <a:t>07/08/2020</a:t>
+              <a:t>07/10/2020</a:t>
             </a:fld>
             <a:endParaRPr lang="en-GB" dirty="0">
               <a:solidFill>
@@ -15567,7 +15567,7 @@
           <a:graphicData uri="http://schemas.openxmlformats.org/presentationml/2006/ole">
             <mc:AlternateContent xmlns:mc="http://schemas.openxmlformats.org/markup-compatibility/2006">
               <mc:Choice xmlns:v="urn:schemas-microsoft-com:vml" Requires="v">
-                <p:oleObj spid="_x0000_s33974" name="think-cell Slide" r:id="rId5" imgW="270" imgH="270" progId="TCLayout.ActiveDocument.1">
+                <p:oleObj spid="_x0000_s33978" name="think-cell Slide" r:id="rId5" imgW="270" imgH="270" progId="TCLayout.ActiveDocument.1">
                   <p:embed/>
                 </p:oleObj>
               </mc:Choice>
@@ -15823,7 +15823,7 @@
                 </a:solidFill>
               </a:rPr>
               <a:pPr/>
-              <a:t>07/08/2020</a:t>
+              <a:t>07/10/2020</a:t>
             </a:fld>
             <a:endParaRPr lang="en-GB" dirty="0">
               <a:solidFill>
@@ -15898,7 +15898,7 @@
           <a:graphicData uri="http://schemas.openxmlformats.org/presentationml/2006/ole">
             <mc:AlternateContent xmlns:mc="http://schemas.openxmlformats.org/markup-compatibility/2006">
               <mc:Choice xmlns:v="urn:schemas-microsoft-com:vml" Requires="v">
-                <p:oleObj spid="_x0000_s33975" name="think-cell Slide" r:id="rId7" imgW="270" imgH="270" progId="TCLayout.ActiveDocument.1">
+                <p:oleObj spid="_x0000_s33979" name="think-cell Slide" r:id="rId7" imgW="270" imgH="270" progId="TCLayout.ActiveDocument.1">
                   <p:embed/>
                 </p:oleObj>
               </mc:Choice>
@@ -16204,7 +16204,7 @@
                 </a:solidFill>
               </a:rPr>
               <a:pPr/>
-              <a:t>07/08/2020</a:t>
+              <a:t>07/10/2020</a:t>
             </a:fld>
             <a:endParaRPr lang="en-GB" dirty="0">
               <a:solidFill>
@@ -16701,7 +16701,7 @@
           <a:graphicData uri="http://schemas.openxmlformats.org/presentationml/2006/ole">
             <mc:AlternateContent xmlns:mc="http://schemas.openxmlformats.org/markup-compatibility/2006">
               <mc:Choice xmlns:v="urn:schemas-microsoft-com:vml" Requires="v">
-                <p:oleObj spid="_x0000_s34998" name="think-cell Slide" r:id="rId5" imgW="270" imgH="270" progId="TCLayout.ActiveDocument.1">
+                <p:oleObj spid="_x0000_s35002" name="think-cell Slide" r:id="rId5" imgW="270" imgH="270" progId="TCLayout.ActiveDocument.1">
                   <p:embed/>
                 </p:oleObj>
               </mc:Choice>
@@ -16771,7 +16771,7 @@
                 </a:solidFill>
               </a:rPr>
               <a:pPr/>
-              <a:t>07/08/2020</a:t>
+              <a:t>07/10/2020</a:t>
             </a:fld>
             <a:endParaRPr lang="en-GB" dirty="0">
               <a:solidFill>
@@ -17130,7 +17130,7 @@
           <a:graphicData uri="http://schemas.openxmlformats.org/presentationml/2006/ole">
             <mc:AlternateContent xmlns:mc="http://schemas.openxmlformats.org/markup-compatibility/2006">
               <mc:Choice xmlns:v="urn:schemas-microsoft-com:vml" Requires="v">
-                <p:oleObj spid="_x0000_s34999" name="think-cell Slide" r:id="rId7" imgW="270" imgH="270" progId="TCLayout.ActiveDocument.1">
+                <p:oleObj spid="_x0000_s35003" name="think-cell Slide" r:id="rId7" imgW="270" imgH="270" progId="TCLayout.ActiveDocument.1">
                   <p:embed/>
                 </p:oleObj>
               </mc:Choice>
@@ -17422,7 +17422,7 @@
           <a:graphicData uri="http://schemas.openxmlformats.org/presentationml/2006/ole">
             <mc:AlternateContent xmlns:mc="http://schemas.openxmlformats.org/markup-compatibility/2006">
               <mc:Choice xmlns:v="urn:schemas-microsoft-com:vml" Requires="v">
-                <p:oleObj spid="_x0000_s36022" name="think-cell Slide" r:id="rId5" imgW="270" imgH="270" progId="TCLayout.ActiveDocument.1">
+                <p:oleObj spid="_x0000_s36026" name="think-cell Slide" r:id="rId5" imgW="270" imgH="270" progId="TCLayout.ActiveDocument.1">
                   <p:embed/>
                 </p:oleObj>
               </mc:Choice>
@@ -17492,7 +17492,7 @@
                 </a:solidFill>
               </a:rPr>
               <a:pPr/>
-              <a:t>07/08/2020</a:t>
+              <a:t>07/10/2020</a:t>
             </a:fld>
             <a:endParaRPr lang="en-GB" dirty="0">
               <a:solidFill>
@@ -17851,7 +17851,7 @@
           <a:graphicData uri="http://schemas.openxmlformats.org/presentationml/2006/ole">
             <mc:AlternateContent xmlns:mc="http://schemas.openxmlformats.org/markup-compatibility/2006">
               <mc:Choice xmlns:v="urn:schemas-microsoft-com:vml" Requires="v">
-                <p:oleObj spid="_x0000_s36023" name="think-cell Slide" r:id="rId7" imgW="270" imgH="270" progId="TCLayout.ActiveDocument.1">
+                <p:oleObj spid="_x0000_s36027" name="think-cell Slide" r:id="rId7" imgW="270" imgH="270" progId="TCLayout.ActiveDocument.1">
                   <p:embed/>
                 </p:oleObj>
               </mc:Choice>
@@ -18152,7 +18152,7 @@
           <a:graphicData uri="http://schemas.openxmlformats.org/presentationml/2006/ole">
             <mc:AlternateContent xmlns:mc="http://schemas.openxmlformats.org/markup-compatibility/2006">
               <mc:Choice xmlns:v="urn:schemas-microsoft-com:vml" Requires="v">
-                <p:oleObj spid="_x0000_s4188" name="think-cell Slide" r:id="rId4" imgW="270" imgH="270" progId="TCLayout.ActiveDocument.1">
+                <p:oleObj spid="_x0000_s4190" name="think-cell Slide" r:id="rId4" imgW="270" imgH="270" progId="TCLayout.ActiveDocument.1">
                   <p:embed/>
                 </p:oleObj>
               </mc:Choice>
@@ -18310,7 +18310,7 @@
           <a:p>
             <a:fld id="{B56E8790-EF43-4195-82DA-4A26D543E504}" type="datetimeFigureOut">
               <a:rPr lang="en-GB" smtClean="0"/>
-              <a:t>07/08/2020</a:t>
+              <a:t>07/10/2020</a:t>
             </a:fld>
             <a:endParaRPr lang="en-GB" dirty="0"/>
           </a:p>
@@ -18705,7 +18705,7 @@
           <a:graphicData uri="http://schemas.openxmlformats.org/presentationml/2006/ole">
             <mc:AlternateContent xmlns:mc="http://schemas.openxmlformats.org/markup-compatibility/2006">
               <mc:Choice xmlns:v="urn:schemas-microsoft-com:vml" Requires="v">
-                <p:oleObj spid="_x0000_s37046" name="think-cell Slide" r:id="rId5" imgW="270" imgH="270" progId="TCLayout.ActiveDocument.1">
+                <p:oleObj spid="_x0000_s37050" name="think-cell Slide" r:id="rId5" imgW="270" imgH="270" progId="TCLayout.ActiveDocument.1">
                   <p:embed/>
                 </p:oleObj>
               </mc:Choice>
@@ -18824,7 +18824,7 @@
                 </a:solidFill>
               </a:rPr>
               <a:pPr/>
-              <a:t>07/08/2020</a:t>
+              <a:t>07/10/2020</a:t>
             </a:fld>
             <a:endParaRPr lang="en-GB" dirty="0">
               <a:solidFill>
@@ -19418,7 +19418,7 @@
           <a:graphicData uri="http://schemas.openxmlformats.org/presentationml/2006/ole">
             <mc:AlternateContent xmlns:mc="http://schemas.openxmlformats.org/markup-compatibility/2006">
               <mc:Choice xmlns:v="urn:schemas-microsoft-com:vml" Requires="v">
-                <p:oleObj spid="_x0000_s37047" name="think-cell Slide" r:id="rId7" imgW="270" imgH="270" progId="TCLayout.ActiveDocument.1">
+                <p:oleObj spid="_x0000_s37051" name="think-cell Slide" r:id="rId7" imgW="270" imgH="270" progId="TCLayout.ActiveDocument.1">
                   <p:embed/>
                 </p:oleObj>
               </mc:Choice>
@@ -19723,7 +19723,7 @@
           <a:graphicData uri="http://schemas.openxmlformats.org/presentationml/2006/ole">
             <mc:AlternateContent xmlns:mc="http://schemas.openxmlformats.org/markup-compatibility/2006">
               <mc:Choice xmlns:v="urn:schemas-microsoft-com:vml" Requires="v">
-                <p:oleObj spid="_x0000_s38070" name="think-cell Slide" r:id="rId5" imgW="270" imgH="270" progId="TCLayout.ActiveDocument.1">
+                <p:oleObj spid="_x0000_s38074" name="think-cell Slide" r:id="rId5" imgW="270" imgH="270" progId="TCLayout.ActiveDocument.1">
                   <p:embed/>
                 </p:oleObj>
               </mc:Choice>
@@ -19793,7 +19793,7 @@
                 </a:solidFill>
               </a:rPr>
               <a:pPr/>
-              <a:t>07/08/2020</a:t>
+              <a:t>07/10/2020</a:t>
             </a:fld>
             <a:endParaRPr lang="en-GB" dirty="0">
               <a:solidFill>
@@ -20179,7 +20179,7 @@
           <a:graphicData uri="http://schemas.openxmlformats.org/presentationml/2006/ole">
             <mc:AlternateContent xmlns:mc="http://schemas.openxmlformats.org/markup-compatibility/2006">
               <mc:Choice xmlns:v="urn:schemas-microsoft-com:vml" Requires="v">
-                <p:oleObj spid="_x0000_s38071" name="think-cell Slide" r:id="rId8" imgW="270" imgH="270" progId="TCLayout.ActiveDocument.1">
+                <p:oleObj spid="_x0000_s38075" name="think-cell Slide" r:id="rId8" imgW="270" imgH="270" progId="TCLayout.ActiveDocument.1">
                   <p:embed/>
                 </p:oleObj>
               </mc:Choice>
@@ -20450,7 +20450,7 @@
           <a:graphicData uri="http://schemas.openxmlformats.org/presentationml/2006/ole">
             <mc:AlternateContent xmlns:mc="http://schemas.openxmlformats.org/markup-compatibility/2006">
               <mc:Choice xmlns:v="urn:schemas-microsoft-com:vml" Requires="v">
-                <p:oleObj spid="_x0000_s39004" name="think-cell Slide" r:id="rId4" imgW="270" imgH="270" progId="TCLayout.ActiveDocument.1">
+                <p:oleObj spid="_x0000_s39006" name="think-cell Slide" r:id="rId4" imgW="270" imgH="270" progId="TCLayout.ActiveDocument.1">
                   <p:embed/>
                 </p:oleObj>
               </mc:Choice>
@@ -20512,7 +20512,7 @@
                 </a:solidFill>
               </a:rPr>
               <a:pPr/>
-              <a:t>07/08/2020</a:t>
+              <a:t>07/10/2020</a:t>
             </a:fld>
             <a:endParaRPr lang="en-GB" dirty="0">
               <a:solidFill>
@@ -20914,7 +20914,7 @@
           <a:graphicData uri="http://schemas.openxmlformats.org/presentationml/2006/ole">
             <mc:AlternateContent xmlns:mc="http://schemas.openxmlformats.org/markup-compatibility/2006">
               <mc:Choice xmlns:v="urn:schemas-microsoft-com:vml" Requires="v">
-                <p:oleObj spid="_x0000_s5212" name="think-cell Slide" r:id="rId4" imgW="270" imgH="270" progId="TCLayout.ActiveDocument.1">
+                <p:oleObj spid="_x0000_s5214" name="think-cell Slide" r:id="rId4" imgW="270" imgH="270" progId="TCLayout.ActiveDocument.1">
                   <p:embed/>
                 </p:oleObj>
               </mc:Choice>
@@ -20979,7 +20979,7 @@
           <a:p>
             <a:fld id="{B56E8790-EF43-4195-82DA-4A26D543E504}" type="datetimeFigureOut">
               <a:rPr lang="en-GB" smtClean="0"/>
-              <a:t>07/08/2020</a:t>
+              <a:t>07/10/2020</a:t>
             </a:fld>
             <a:endParaRPr lang="en-GB" dirty="0"/>
           </a:p>
@@ -21525,7 +21525,7 @@
           <a:graphicData uri="http://schemas.openxmlformats.org/presentationml/2006/ole">
             <mc:AlternateContent xmlns:mc="http://schemas.openxmlformats.org/markup-compatibility/2006">
               <mc:Choice xmlns:v="urn:schemas-microsoft-com:vml" Requires="v">
-                <p:oleObj spid="_x0000_s6326" name="think-cell Slide" r:id="rId5" imgW="270" imgH="270" progId="TCLayout.ActiveDocument.1">
+                <p:oleObj spid="_x0000_s6330" name="think-cell Slide" r:id="rId5" imgW="270" imgH="270" progId="TCLayout.ActiveDocument.1">
                   <p:embed/>
                 </p:oleObj>
               </mc:Choice>
@@ -21776,7 +21776,7 @@
           <a:p>
             <a:fld id="{B56E8790-EF43-4195-82DA-4A26D543E504}" type="datetimeFigureOut">
               <a:rPr lang="en-GB" smtClean="0"/>
-              <a:t>07/08/2020</a:t>
+              <a:t>07/10/2020</a:t>
             </a:fld>
             <a:endParaRPr lang="en-GB" dirty="0"/>
           </a:p>
@@ -21851,7 +21851,7 @@
           <a:graphicData uri="http://schemas.openxmlformats.org/presentationml/2006/ole">
             <mc:AlternateContent xmlns:mc="http://schemas.openxmlformats.org/markup-compatibility/2006">
               <mc:Choice xmlns:v="urn:schemas-microsoft-com:vml" Requires="v">
-                <p:oleObj spid="_x0000_s6327" name="think-cell Slide" r:id="rId7" imgW="270" imgH="270" progId="TCLayout.ActiveDocument.1">
+                <p:oleObj spid="_x0000_s6331" name="think-cell Slide" r:id="rId7" imgW="270" imgH="270" progId="TCLayout.ActiveDocument.1">
                   <p:embed/>
                 </p:oleObj>
               </mc:Choice>
@@ -22148,7 +22148,7 @@
           <a:p>
             <a:fld id="{B56E8790-EF43-4195-82DA-4A26D543E504}" type="datetimeFigureOut">
               <a:rPr lang="en-GB" smtClean="0"/>
-              <a:t>07/08/2020</a:t>
+              <a:t>07/10/2020</a:t>
             </a:fld>
             <a:endParaRPr lang="en-GB" dirty="0"/>
           </a:p>
@@ -22641,7 +22641,7 @@
           <a:graphicData uri="http://schemas.openxmlformats.org/presentationml/2006/ole">
             <mc:AlternateContent xmlns:mc="http://schemas.openxmlformats.org/markup-compatibility/2006">
               <mc:Choice xmlns:v="urn:schemas-microsoft-com:vml" Requires="v">
-                <p:oleObj spid="_x0000_s7350" name="think-cell Slide" r:id="rId5" imgW="270" imgH="270" progId="TCLayout.ActiveDocument.1">
+                <p:oleObj spid="_x0000_s7354" name="think-cell Slide" r:id="rId5" imgW="270" imgH="270" progId="TCLayout.ActiveDocument.1">
                   <p:embed/>
                 </p:oleObj>
               </mc:Choice>
@@ -22706,7 +22706,7 @@
           <a:p>
             <a:fld id="{B56E8790-EF43-4195-82DA-4A26D543E504}" type="datetimeFigureOut">
               <a:rPr lang="en-GB" smtClean="0"/>
-              <a:t>07/08/2020</a:t>
+              <a:t>07/10/2020</a:t>
             </a:fld>
             <a:endParaRPr lang="en-GB" dirty="0"/>
           </a:p>
@@ -23065,7 +23065,7 @@
           <a:graphicData uri="http://schemas.openxmlformats.org/presentationml/2006/ole">
             <mc:AlternateContent xmlns:mc="http://schemas.openxmlformats.org/markup-compatibility/2006">
               <mc:Choice xmlns:v="urn:schemas-microsoft-com:vml" Requires="v">
-                <p:oleObj spid="_x0000_s7351" name="think-cell Slide" r:id="rId7" imgW="270" imgH="270" progId="TCLayout.ActiveDocument.1">
+                <p:oleObj spid="_x0000_s7355" name="think-cell Slide" r:id="rId7" imgW="270" imgH="270" progId="TCLayout.ActiveDocument.1">
                   <p:embed/>
                 </p:oleObj>
               </mc:Choice>
@@ -23357,7 +23357,7 @@
           <a:graphicData uri="http://schemas.openxmlformats.org/presentationml/2006/ole">
             <mc:AlternateContent xmlns:mc="http://schemas.openxmlformats.org/markup-compatibility/2006">
               <mc:Choice xmlns:v="urn:schemas-microsoft-com:vml" Requires="v">
-                <p:oleObj spid="_x0000_s8374" name="think-cell Slide" r:id="rId5" imgW="270" imgH="270" progId="TCLayout.ActiveDocument.1">
+                <p:oleObj spid="_x0000_s8378" name="think-cell Slide" r:id="rId5" imgW="270" imgH="270" progId="TCLayout.ActiveDocument.1">
                   <p:embed/>
                 </p:oleObj>
               </mc:Choice>
@@ -23422,7 +23422,7 @@
           <a:p>
             <a:fld id="{B56E8790-EF43-4195-82DA-4A26D543E504}" type="datetimeFigureOut">
               <a:rPr lang="en-GB" smtClean="0"/>
-              <a:t>07/08/2020</a:t>
+              <a:t>07/10/2020</a:t>
             </a:fld>
             <a:endParaRPr lang="en-GB" dirty="0"/>
           </a:p>
@@ -23781,7 +23781,7 @@
           <a:graphicData uri="http://schemas.openxmlformats.org/presentationml/2006/ole">
             <mc:AlternateContent xmlns:mc="http://schemas.openxmlformats.org/markup-compatibility/2006">
               <mc:Choice xmlns:v="urn:schemas-microsoft-com:vml" Requires="v">
-                <p:oleObj spid="_x0000_s8375" name="think-cell Slide" r:id="rId7" imgW="270" imgH="270" progId="TCLayout.ActiveDocument.1">
+                <p:oleObj spid="_x0000_s8379" name="think-cell Slide" r:id="rId7" imgW="270" imgH="270" progId="TCLayout.ActiveDocument.1">
                   <p:embed/>
                 </p:oleObj>
               </mc:Choice>
@@ -24086,7 +24086,7 @@
           <a:graphicData uri="http://schemas.openxmlformats.org/presentationml/2006/ole">
             <mc:AlternateContent xmlns:mc="http://schemas.openxmlformats.org/markup-compatibility/2006">
               <mc:Choice xmlns:v="urn:schemas-microsoft-com:vml" Requires="v">
-                <p:oleObj spid="_x0000_s1116" name="think-cell Slide" r:id="rId24" imgW="270" imgH="270" progId="TCLayout.ActiveDocument.1">
+                <p:oleObj spid="_x0000_s1118" name="think-cell Slide" r:id="rId24" imgW="270" imgH="270" progId="TCLayout.ActiveDocument.1">
                   <p:embed/>
                 </p:oleObj>
               </mc:Choice>
@@ -24218,7 +24218,7 @@
           <a:p>
             <a:fld id="{B56E8790-EF43-4195-82DA-4A26D543E504}" type="datetimeFigureOut">
               <a:rPr lang="en-GB" smtClean="0"/>
-              <a:t>07/08/2020</a:t>
+              <a:t>07/10/2020</a:t>
             </a:fld>
             <a:endParaRPr lang="en-GB" dirty="0"/>
           </a:p>
@@ -24780,7 +24780,7 @@
           <a:graphicData uri="http://schemas.openxmlformats.org/presentationml/2006/ole">
             <mc:AlternateContent xmlns:mc="http://schemas.openxmlformats.org/markup-compatibility/2006">
               <mc:Choice xmlns:v="urn:schemas-microsoft-com:vml" Requires="v">
-                <p:oleObj spid="_x0000_s18524" name="think-cell Slide" r:id="rId16" imgW="270" imgH="270" progId="TCLayout.ActiveDocument.1">
+                <p:oleObj spid="_x0000_s18526" name="think-cell Slide" r:id="rId16" imgW="270" imgH="270" progId="TCLayout.ActiveDocument.1">
                   <p:embed/>
                 </p:oleObj>
               </mc:Choice>
@@ -24913,7 +24913,7 @@
             <a:fld id="{10E7BC8F-BFD3-4858-915D-99D9576C8415}" type="datetime1">
               <a:rPr lang="en-GB" smtClean="0"/>
               <a:pPr/>
-              <a:t>07/08/2020</a:t>
+              <a:t>07/10/2020</a:t>
             </a:fld>
             <a:endParaRPr lang="en-GB" dirty="0"/>
           </a:p>
@@ -25468,7 +25468,7 @@
           <a:graphicData uri="http://schemas.openxmlformats.org/presentationml/2006/ole">
             <mc:AlternateContent xmlns:mc="http://schemas.openxmlformats.org/markup-compatibility/2006">
               <mc:Choice xmlns:v="urn:schemas-microsoft-com:vml" Requires="v">
-                <p:oleObj spid="_x0000_s28764" name="think-cell Slide" r:id="rId17" imgW="270" imgH="270" progId="TCLayout.ActiveDocument.1">
+                <p:oleObj spid="_x0000_s28766" name="think-cell Slide" r:id="rId17" imgW="270" imgH="270" progId="TCLayout.ActiveDocument.1">
                   <p:embed/>
                 </p:oleObj>
               </mc:Choice>
@@ -25605,7 +25605,7 @@
                 </a:solidFill>
               </a:rPr>
               <a:pPr/>
-              <a:t>07/08/2020</a:t>
+              <a:t>07/10/2020</a:t>
             </a:fld>
             <a:endParaRPr lang="en-GB" dirty="0">
               <a:solidFill>
@@ -45806,875 +45806,890 @@
           <a:chExt cx="0" cy="0"/>
         </a:xfrm>
       </p:grpSpPr>
-      <p:pic>
-        <p:nvPicPr>
-          <p:cNvPr id="5" name="Picture 4"/>
-          <p:cNvPicPr>
-            <a:picLocks noChangeAspect="1"/>
-          </p:cNvPicPr>
+      <p:grpSp>
+        <p:nvGrpSpPr>
+          <p:cNvPr id="2" name="Group 1"/>
+          <p:cNvGrpSpPr/>
           <p:nvPr/>
-        </p:nvPicPr>
-        <p:blipFill rotWithShape="1">
-          <a:blip r:embed="rId3" cstate="print">
+        </p:nvGrpSpPr>
+        <p:grpSpPr>
+          <a:xfrm>
+            <a:off x="3079178" y="646706"/>
+            <a:ext cx="6021881" cy="5095344"/>
+            <a:chOff x="3079178" y="646706"/>
+            <a:chExt cx="6021881" cy="5095344"/>
+          </a:xfrm>
+        </p:grpSpPr>
+        <p:pic>
+          <p:nvPicPr>
+            <p:cNvPr id="5" name="Picture 4"/>
+            <p:cNvPicPr>
+              <a:picLocks noChangeAspect="1"/>
+            </p:cNvPicPr>
+            <p:nvPr/>
+          </p:nvPicPr>
+          <p:blipFill rotWithShape="1">
+            <a:blip r:embed="rId3" cstate="print">
+              <a:extLst>
+                <a:ext uri="{28A0092B-C50C-407E-A947-70E740481C1C}">
+                  <a14:useLocalDpi xmlns:a14="http://schemas.microsoft.com/office/drawing/2010/main" val="0"/>
+                </a:ext>
+              </a:extLst>
+            </a:blip>
+            <a:srcRect l="954" t="17150" r="55824" b="17177"/>
+            <a:stretch/>
+          </p:blipFill>
+          <p:spPr>
+            <a:xfrm>
+              <a:off x="3079178" y="681170"/>
+              <a:ext cx="780517" cy="1080000"/>
+            </a:xfrm>
+            <a:prstGeom prst="rect">
+              <a:avLst/>
+            </a:prstGeom>
+          </p:spPr>
+        </p:pic>
+        <p:pic>
+          <p:nvPicPr>
+            <p:cNvPr id="6" name="icon_computer_colour"/>
+            <p:cNvPicPr>
+              <a:picLocks noChangeAspect="1"/>
+            </p:cNvPicPr>
+            <p:nvPr>
+              <p:custDataLst>
+                <p:tags r:id="rId1"/>
+              </p:custDataLst>
+            </p:nvPr>
+          </p:nvPicPr>
+          <p:blipFill rotWithShape="1">
+            <a:blip r:embed="rId4" cstate="print">
+              <a:extLst>
+                <a:ext uri="{28A0092B-C50C-407E-A947-70E740481C1C}">
+                  <a14:useLocalDpi xmlns:a14="http://schemas.microsoft.com/office/drawing/2010/main" val="0"/>
+                </a:ext>
+              </a:extLst>
+            </a:blip>
+            <a:srcRect t="12353" b="14097"/>
+            <a:stretch/>
+          </p:blipFill>
+          <p:spPr>
+            <a:xfrm>
+              <a:off x="7389045" y="646706"/>
+              <a:ext cx="1712014" cy="1146721"/>
+            </a:xfrm>
+            <a:prstGeom prst="rect">
+              <a:avLst/>
+            </a:prstGeom>
+          </p:spPr>
+        </p:pic>
+        <p:pic>
+          <p:nvPicPr>
+            <p:cNvPr id="7" name="Picture 2" descr="Billedresultat for mobilepay logo"/>
+            <p:cNvPicPr>
+              <a:picLocks noChangeAspect="1" noChangeArrowheads="1"/>
+            </p:cNvPicPr>
+            <p:nvPr/>
+          </p:nvPicPr>
+          <p:blipFill rotWithShape="1">
+            <a:blip r:embed="rId5" cstate="print">
+              <a:extLst>
+                <a:ext uri="{28A0092B-C50C-407E-A947-70E740481C1C}">
+                  <a14:useLocalDpi xmlns:a14="http://schemas.microsoft.com/office/drawing/2010/main" val="0"/>
+                </a:ext>
+              </a:extLst>
+            </a:blip>
+            <a:srcRect l="40451" t="39819" r="24722" b="40276"/>
+            <a:stretch/>
+          </p:blipFill>
+          <p:spPr bwMode="auto">
+            <a:xfrm>
+              <a:off x="7707634" y="1037064"/>
+              <a:ext cx="1094082" cy="259494"/>
+            </a:xfrm>
+            <a:prstGeom prst="rect">
+              <a:avLst/>
+            </a:prstGeom>
+            <a:noFill/>
             <a:extLst>
-              <a:ext uri="{28A0092B-C50C-407E-A947-70E740481C1C}">
-                <a14:useLocalDpi xmlns:a14="http://schemas.microsoft.com/office/drawing/2010/main" val="0"/>
+              <a:ext uri="{909E8E84-426E-40DD-AFC4-6F175D3DCCD1}">
+                <a14:hiddenFill xmlns:a14="http://schemas.microsoft.com/office/drawing/2010/main">
+                  <a:solidFill>
+                    <a:srgbClr val="FFFFFF"/>
+                  </a:solidFill>
+                </a14:hiddenFill>
               </a:ext>
             </a:extLst>
-          </a:blip>
-          <a:srcRect l="954" t="17150" r="55824" b="17177"/>
-          <a:stretch/>
-        </p:blipFill>
-        <p:spPr>
-          <a:xfrm>
-            <a:off x="3079178" y="681170"/>
-            <a:ext cx="780517" cy="1080000"/>
-          </a:xfrm>
-          <a:prstGeom prst="rect">
-            <a:avLst/>
-          </a:prstGeom>
-        </p:spPr>
-      </p:pic>
-      <p:pic>
-        <p:nvPicPr>
-          <p:cNvPr id="6" name="icon_computer_colour"/>
-          <p:cNvPicPr>
-            <a:picLocks noChangeAspect="1"/>
-          </p:cNvPicPr>
-          <p:nvPr>
-            <p:custDataLst>
-              <p:tags r:id="rId1"/>
-            </p:custDataLst>
-          </p:nvPr>
-        </p:nvPicPr>
-        <p:blipFill rotWithShape="1">
-          <a:blip r:embed="rId4" cstate="print">
-            <a:extLst>
-              <a:ext uri="{28A0092B-C50C-407E-A947-70E740481C1C}">
-                <a14:useLocalDpi xmlns:a14="http://schemas.microsoft.com/office/drawing/2010/main" val="0"/>
-              </a:ext>
-            </a:extLst>
-          </a:blip>
-          <a:srcRect t="12353" b="14097"/>
-          <a:stretch/>
-        </p:blipFill>
-        <p:spPr>
-          <a:xfrm>
-            <a:off x="7389045" y="646706"/>
-            <a:ext cx="1712014" cy="1146721"/>
-          </a:xfrm>
-          <a:prstGeom prst="rect">
-            <a:avLst/>
-          </a:prstGeom>
-        </p:spPr>
-      </p:pic>
-      <p:pic>
-        <p:nvPicPr>
-          <p:cNvPr id="7" name="Picture 2" descr="Billedresultat for mobilepay logo"/>
-          <p:cNvPicPr>
-            <a:picLocks noChangeAspect="1" noChangeArrowheads="1"/>
-          </p:cNvPicPr>
-          <p:nvPr/>
-        </p:nvPicPr>
-        <p:blipFill rotWithShape="1">
-          <a:blip r:embed="rId5" cstate="print">
-            <a:extLst>
-              <a:ext uri="{28A0092B-C50C-407E-A947-70E740481C1C}">
-                <a14:useLocalDpi xmlns:a14="http://schemas.microsoft.com/office/drawing/2010/main" val="0"/>
-              </a:ext>
-            </a:extLst>
-          </a:blip>
-          <a:srcRect l="40451" t="39819" r="24722" b="40276"/>
-          <a:stretch/>
-        </p:blipFill>
-        <p:spPr bwMode="auto">
-          <a:xfrm>
-            <a:off x="7707634" y="1037064"/>
-            <a:ext cx="1094082" cy="259494"/>
-          </a:xfrm>
-          <a:prstGeom prst="rect">
-            <a:avLst/>
-          </a:prstGeom>
-          <a:noFill/>
-          <a:extLst>
-            <a:ext uri="{909E8E84-426E-40DD-AFC4-6F175D3DCCD1}">
-              <a14:hiddenFill xmlns:a14="http://schemas.microsoft.com/office/drawing/2010/main">
-                <a:solidFill>
-                  <a:srgbClr val="FFFFFF"/>
-                </a:solidFill>
-              </a14:hiddenFill>
-            </a:ext>
-          </a:extLst>
-        </p:spPr>
-      </p:pic>
-      <p:cxnSp>
-        <p:nvCxnSpPr>
-          <p:cNvPr id="9" name="Straight Arrow Connector 8"/>
-          <p:cNvCxnSpPr/>
-          <p:nvPr/>
-        </p:nvCxnSpPr>
-        <p:spPr>
-          <a:xfrm>
-            <a:off x="3552572" y="2403421"/>
-            <a:ext cx="4680000" cy="0"/>
-          </a:xfrm>
-          <a:prstGeom prst="straightConnector1">
-            <a:avLst/>
-          </a:prstGeom>
-          <a:ln w="28575">
-            <a:prstDash val="sysDash"/>
-            <a:headEnd type="triangle" w="med" len="med"/>
-            <a:tailEnd type="none" w="med" len="med"/>
-          </a:ln>
-        </p:spPr>
-        <p:style>
-          <a:lnRef idx="3">
-            <a:schemeClr val="accent2"/>
-          </a:lnRef>
-          <a:fillRef idx="0">
-            <a:schemeClr val="accent2"/>
-          </a:fillRef>
-          <a:effectRef idx="2">
-            <a:schemeClr val="accent2"/>
-          </a:effectRef>
-          <a:fontRef idx="minor">
-            <a:schemeClr val="tx1"/>
-          </a:fontRef>
-        </p:style>
-      </p:cxnSp>
-      <p:cxnSp>
-        <p:nvCxnSpPr>
-          <p:cNvPr id="10" name="Straight Arrow Connector 9"/>
-          <p:cNvCxnSpPr/>
-          <p:nvPr/>
-        </p:nvCxnSpPr>
-        <p:spPr>
-          <a:xfrm flipV="1">
-            <a:off x="3584568" y="2261937"/>
-            <a:ext cx="4644000" cy="8420"/>
-          </a:xfrm>
-          <a:prstGeom prst="straightConnector1">
-            <a:avLst/>
-          </a:prstGeom>
-          <a:ln w="28575">
-            <a:headEnd type="none" w="med" len="med"/>
-            <a:tailEnd type="triangle" w="med" len="med"/>
-          </a:ln>
-        </p:spPr>
-        <p:style>
-          <a:lnRef idx="3">
-            <a:schemeClr val="accent2"/>
-          </a:lnRef>
-          <a:fillRef idx="0">
-            <a:schemeClr val="accent2"/>
-          </a:fillRef>
-          <a:effectRef idx="2">
-            <a:schemeClr val="accent2"/>
-          </a:effectRef>
-          <a:fontRef idx="minor">
-            <a:schemeClr val="tx1"/>
-          </a:fontRef>
-        </p:style>
-      </p:cxnSp>
-      <p:sp>
-        <p:nvSpPr>
-          <p:cNvPr id="11" name="TextBox 10"/>
-          <p:cNvSpPr txBox="1"/>
-          <p:nvPr/>
-        </p:nvSpPr>
-        <p:spPr>
-          <a:xfrm>
-            <a:off x="4418831" y="2009868"/>
-            <a:ext cx="3244294" cy="169277"/>
-          </a:xfrm>
-          <a:prstGeom prst="rect">
-            <a:avLst/>
-          </a:prstGeom>
-          <a:noFill/>
-        </p:spPr>
-        <p:txBody>
-          <a:bodyPr wrap="square" lIns="0" tIns="0" rIns="0" bIns="0" rtlCol="0">
-            <a:spAutoFit/>
-          </a:bodyPr>
-          <a:lstStyle/>
-          <a:p>
-            <a:pPr algn="ctr"/>
-            <a:r>
-              <a:rPr lang="da-DK" sz="1100" b="1" dirty="0" smtClean="0">
+          </p:spPr>
+        </p:pic>
+        <p:cxnSp>
+          <p:nvCxnSpPr>
+            <p:cNvPr id="9" name="Straight Arrow Connector 8"/>
+            <p:cNvCxnSpPr/>
+            <p:nvPr/>
+          </p:nvCxnSpPr>
+          <p:spPr>
+            <a:xfrm>
+              <a:off x="3552572" y="2403421"/>
+              <a:ext cx="4680000" cy="0"/>
+            </a:xfrm>
+            <a:prstGeom prst="straightConnector1">
+              <a:avLst/>
+            </a:prstGeom>
+            <a:ln w="28575">
+              <a:prstDash val="sysDash"/>
+              <a:headEnd type="triangle" w="med" len="med"/>
+              <a:tailEnd type="none" w="med" len="med"/>
+            </a:ln>
+          </p:spPr>
+          <p:style>
+            <a:lnRef idx="3">
+              <a:schemeClr val="accent2"/>
+            </a:lnRef>
+            <a:fillRef idx="0">
+              <a:schemeClr val="accent2"/>
+            </a:fillRef>
+            <a:effectRef idx="2">
+              <a:schemeClr val="accent2"/>
+            </a:effectRef>
+            <a:fontRef idx="minor">
+              <a:schemeClr val="tx1"/>
+            </a:fontRef>
+          </p:style>
+        </p:cxnSp>
+        <p:cxnSp>
+          <p:nvCxnSpPr>
+            <p:cNvPr id="10" name="Straight Arrow Connector 9"/>
+            <p:cNvCxnSpPr/>
+            <p:nvPr/>
+          </p:nvCxnSpPr>
+          <p:spPr>
+            <a:xfrm flipV="1">
+              <a:off x="3584568" y="2261937"/>
+              <a:ext cx="4644000" cy="8420"/>
+            </a:xfrm>
+            <a:prstGeom prst="straightConnector1">
+              <a:avLst/>
+            </a:prstGeom>
+            <a:ln w="28575">
+              <a:headEnd type="none" w="med" len="med"/>
+              <a:tailEnd type="triangle" w="med" len="med"/>
+            </a:ln>
+          </p:spPr>
+          <p:style>
+            <a:lnRef idx="3">
+              <a:schemeClr val="accent2"/>
+            </a:lnRef>
+            <a:fillRef idx="0">
+              <a:schemeClr val="accent2"/>
+            </a:fillRef>
+            <a:effectRef idx="2">
+              <a:schemeClr val="accent2"/>
+            </a:effectRef>
+            <a:fontRef idx="minor">
+              <a:schemeClr val="tx1"/>
+            </a:fontRef>
+          </p:style>
+        </p:cxnSp>
+        <p:sp>
+          <p:nvSpPr>
+            <p:cNvPr id="11" name="TextBox 10"/>
+            <p:cNvSpPr txBox="1"/>
+            <p:nvPr/>
+          </p:nvSpPr>
+          <p:spPr>
+            <a:xfrm>
+              <a:off x="4418831" y="2009868"/>
+              <a:ext cx="3244294" cy="169277"/>
+            </a:xfrm>
+            <a:prstGeom prst="rect">
+              <a:avLst/>
+            </a:prstGeom>
+            <a:noFill/>
+          </p:spPr>
+          <p:txBody>
+            <a:bodyPr wrap="square" lIns="0" tIns="0" rIns="0" bIns="0" rtlCol="0">
+              <a:spAutoFit/>
+            </a:bodyPr>
+            <a:lstStyle/>
+            <a:p>
+              <a:pPr algn="ctr"/>
+              <a:r>
+                <a:rPr lang="da-DK" sz="1100" b="1" dirty="0" smtClean="0">
+                  <a:solidFill>
+                    <a:schemeClr val="accent4"/>
+                  </a:solidFill>
+                </a:rPr>
+                <a:t>POST /</a:t>
+              </a:r>
+              <a:r>
+                <a:rPr lang="en-GB" sz="1100" b="1" dirty="0" smtClean="0">
+                  <a:solidFill>
+                    <a:schemeClr val="accent4"/>
+                  </a:solidFill>
+                </a:rPr>
+                <a:t>payments</a:t>
+              </a:r>
+              <a:endParaRPr lang="en-GB" sz="1100" b="1" dirty="0">
                 <a:solidFill>
                   <a:schemeClr val="accent4"/>
                 </a:solidFill>
-              </a:rPr>
-              <a:t>POST /</a:t>
-            </a:r>
-            <a:r>
-              <a:rPr lang="en-GB" sz="1100" b="1" dirty="0" smtClean="0">
+              </a:endParaRPr>
+            </a:p>
+          </p:txBody>
+        </p:sp>
+        <p:sp>
+          <p:nvSpPr>
+            <p:cNvPr id="12" name="TextBox 11"/>
+            <p:cNvSpPr txBox="1"/>
+            <p:nvPr/>
+          </p:nvSpPr>
+          <p:spPr>
+            <a:xfrm>
+              <a:off x="4315606" y="2490947"/>
+              <a:ext cx="3240025" cy="169277"/>
+            </a:xfrm>
+            <a:prstGeom prst="rect">
+              <a:avLst/>
+            </a:prstGeom>
+            <a:noFill/>
+          </p:spPr>
+          <p:txBody>
+            <a:bodyPr wrap="square" lIns="0" tIns="0" rIns="0" bIns="0" rtlCol="0">
+              <a:spAutoFit/>
+            </a:bodyPr>
+            <a:lstStyle/>
+            <a:p>
+              <a:pPr algn="ctr"/>
+              <a:r>
+                <a:rPr lang="da-DK" sz="1100" b="1" dirty="0" smtClean="0">
+                  <a:solidFill>
+                    <a:schemeClr val="accent4"/>
+                  </a:solidFill>
+                </a:rPr>
+                <a:t>HTTP 409 – Payment </a:t>
+              </a:r>
+              <a:r>
+                <a:rPr lang="da-DK" sz="1100" b="1" dirty="0" err="1" smtClean="0">
+                  <a:solidFill>
+                    <a:schemeClr val="accent4"/>
+                  </a:solidFill>
+                </a:rPr>
+                <a:t>already</a:t>
+              </a:r>
+              <a:r>
+                <a:rPr lang="da-DK" sz="1100" b="1" dirty="0" smtClean="0">
+                  <a:solidFill>
+                    <a:schemeClr val="accent4"/>
+                  </a:solidFill>
+                </a:rPr>
+                <a:t> </a:t>
+              </a:r>
+              <a:r>
+                <a:rPr lang="da-DK" sz="1100" b="1" dirty="0" err="1" smtClean="0">
+                  <a:solidFill>
+                    <a:schemeClr val="accent4"/>
+                  </a:solidFill>
+                </a:rPr>
+                <a:t>active</a:t>
+              </a:r>
+              <a:endParaRPr lang="en-GB" sz="1100" b="1" dirty="0">
                 <a:solidFill>
                   <a:schemeClr val="accent4"/>
                 </a:solidFill>
-              </a:rPr>
-              <a:t>payments</a:t>
-            </a:r>
-            <a:endParaRPr lang="en-GB" sz="1100" b="1" dirty="0">
-              <a:solidFill>
-                <a:schemeClr val="accent4"/>
-              </a:solidFill>
-            </a:endParaRPr>
-          </a:p>
-        </p:txBody>
-      </p:sp>
-      <p:sp>
-        <p:nvSpPr>
-          <p:cNvPr id="12" name="TextBox 11"/>
-          <p:cNvSpPr txBox="1"/>
-          <p:nvPr/>
-        </p:nvSpPr>
-        <p:spPr>
-          <a:xfrm>
-            <a:off x="4315606" y="2490947"/>
-            <a:ext cx="3240025" cy="169277"/>
-          </a:xfrm>
-          <a:prstGeom prst="rect">
-            <a:avLst/>
-          </a:prstGeom>
-          <a:noFill/>
-        </p:spPr>
-        <p:txBody>
-          <a:bodyPr wrap="square" lIns="0" tIns="0" rIns="0" bIns="0" rtlCol="0">
-            <a:spAutoFit/>
-          </a:bodyPr>
-          <a:lstStyle/>
-          <a:p>
-            <a:pPr algn="ctr"/>
-            <a:r>
-              <a:rPr lang="da-DK" sz="1100" b="1" dirty="0" smtClean="0">
+              </a:endParaRPr>
+            </a:p>
+          </p:txBody>
+        </p:sp>
+        <p:cxnSp>
+          <p:nvCxnSpPr>
+            <p:cNvPr id="17" name="Straight Arrow Connector 16"/>
+            <p:cNvCxnSpPr/>
+            <p:nvPr/>
+          </p:nvCxnSpPr>
+          <p:spPr>
+            <a:xfrm>
+              <a:off x="8255971" y="1782050"/>
+              <a:ext cx="0" cy="3960000"/>
+            </a:xfrm>
+            <a:prstGeom prst="straightConnector1">
+              <a:avLst/>
+            </a:prstGeom>
+            <a:ln w="76200">
+              <a:headEnd type="none" w="med" len="med"/>
+              <a:tailEnd type="none" w="med" len="med"/>
+            </a:ln>
+          </p:spPr>
+          <p:style>
+            <a:lnRef idx="3">
+              <a:schemeClr val="dk1"/>
+            </a:lnRef>
+            <a:fillRef idx="0">
+              <a:schemeClr val="dk1"/>
+            </a:fillRef>
+            <a:effectRef idx="2">
+              <a:schemeClr val="dk1"/>
+            </a:effectRef>
+            <a:fontRef idx="minor">
+              <a:schemeClr val="tx1"/>
+            </a:fontRef>
+          </p:style>
+        </p:cxnSp>
+        <p:cxnSp>
+          <p:nvCxnSpPr>
+            <p:cNvPr id="21" name="Straight Arrow Connector 20"/>
+            <p:cNvCxnSpPr/>
+            <p:nvPr/>
+          </p:nvCxnSpPr>
+          <p:spPr>
+            <a:xfrm>
+              <a:off x="3551904" y="1782050"/>
+              <a:ext cx="0" cy="3960000"/>
+            </a:xfrm>
+            <a:prstGeom prst="straightConnector1">
+              <a:avLst/>
+            </a:prstGeom>
+            <a:ln w="76200">
+              <a:headEnd type="none" w="med" len="med"/>
+              <a:tailEnd type="none" w="med" len="med"/>
+            </a:ln>
+          </p:spPr>
+          <p:style>
+            <a:lnRef idx="3">
+              <a:schemeClr val="dk1"/>
+            </a:lnRef>
+            <a:fillRef idx="0">
+              <a:schemeClr val="dk1"/>
+            </a:fillRef>
+            <a:effectRef idx="2">
+              <a:schemeClr val="dk1"/>
+            </a:effectRef>
+            <a:fontRef idx="minor">
+              <a:schemeClr val="tx1"/>
+            </a:fontRef>
+          </p:style>
+        </p:cxnSp>
+        <p:cxnSp>
+          <p:nvCxnSpPr>
+            <p:cNvPr id="13" name="Straight Arrow Connector 12"/>
+            <p:cNvCxnSpPr/>
+            <p:nvPr/>
+          </p:nvCxnSpPr>
+          <p:spPr>
+            <a:xfrm>
+              <a:off x="3559040" y="3292034"/>
+              <a:ext cx="4680000" cy="0"/>
+            </a:xfrm>
+            <a:prstGeom prst="straightConnector1">
+              <a:avLst/>
+            </a:prstGeom>
+            <a:ln w="28575">
+              <a:prstDash val="sysDash"/>
+              <a:headEnd type="triangle" w="med" len="med"/>
+              <a:tailEnd type="none" w="med" len="med"/>
+            </a:ln>
+          </p:spPr>
+          <p:style>
+            <a:lnRef idx="3">
+              <a:schemeClr val="accent2"/>
+            </a:lnRef>
+            <a:fillRef idx="0">
+              <a:schemeClr val="accent2"/>
+            </a:fillRef>
+            <a:effectRef idx="2">
+              <a:schemeClr val="accent2"/>
+            </a:effectRef>
+            <a:fontRef idx="minor">
+              <a:schemeClr val="tx1"/>
+            </a:fontRef>
+          </p:style>
+        </p:cxnSp>
+        <p:cxnSp>
+          <p:nvCxnSpPr>
+            <p:cNvPr id="14" name="Straight Arrow Connector 13"/>
+            <p:cNvCxnSpPr/>
+            <p:nvPr/>
+          </p:nvCxnSpPr>
+          <p:spPr>
+            <a:xfrm flipV="1">
+              <a:off x="3591036" y="3155283"/>
+              <a:ext cx="4644000" cy="3687"/>
+            </a:xfrm>
+            <a:prstGeom prst="straightConnector1">
+              <a:avLst/>
+            </a:prstGeom>
+            <a:ln w="28575">
+              <a:headEnd type="none" w="med" len="med"/>
+              <a:tailEnd type="triangle" w="med" len="med"/>
+            </a:ln>
+          </p:spPr>
+          <p:style>
+            <a:lnRef idx="3">
+              <a:schemeClr val="accent2"/>
+            </a:lnRef>
+            <a:fillRef idx="0">
+              <a:schemeClr val="accent2"/>
+            </a:fillRef>
+            <a:effectRef idx="2">
+              <a:schemeClr val="accent2"/>
+            </a:effectRef>
+            <a:fontRef idx="minor">
+              <a:schemeClr val="tx1"/>
+            </a:fontRef>
+          </p:style>
+        </p:cxnSp>
+        <p:sp>
+          <p:nvSpPr>
+            <p:cNvPr id="15" name="TextBox 14"/>
+            <p:cNvSpPr txBox="1"/>
+            <p:nvPr/>
+          </p:nvSpPr>
+          <p:spPr>
+            <a:xfrm>
+              <a:off x="4425299" y="2898481"/>
+              <a:ext cx="3244294" cy="169277"/>
+            </a:xfrm>
+            <a:prstGeom prst="rect">
+              <a:avLst/>
+            </a:prstGeom>
+            <a:noFill/>
+          </p:spPr>
+          <p:txBody>
+            <a:bodyPr wrap="square" lIns="0" tIns="0" rIns="0" bIns="0" rtlCol="0">
+              <a:spAutoFit/>
+            </a:bodyPr>
+            <a:lstStyle/>
+            <a:p>
+              <a:pPr algn="ctr"/>
+              <a:r>
+                <a:rPr lang="da-DK" sz="1100" b="1" dirty="0" smtClean="0">
+                  <a:solidFill>
+                    <a:schemeClr val="accent4"/>
+                  </a:solidFill>
+                </a:rPr>
+                <a:t>GET /</a:t>
+              </a:r>
+              <a:r>
+                <a:rPr lang="en-GB" sz="1100" b="1" dirty="0" err="1" smtClean="0">
+                  <a:solidFill>
+                    <a:schemeClr val="accent4"/>
+                  </a:solidFill>
+                </a:rPr>
+                <a:t>payments?orderId</a:t>
+              </a:r>
+              <a:r>
+                <a:rPr lang="en-GB" sz="1100" b="1" dirty="0" smtClean="0">
+                  <a:solidFill>
+                    <a:schemeClr val="accent4"/>
+                  </a:solidFill>
+                </a:rPr>
+                <a:t>=…&amp;</a:t>
+              </a:r>
+              <a:r>
+                <a:rPr lang="en-GB" sz="1100" b="1" dirty="0" err="1" smtClean="0">
+                  <a:solidFill>
+                    <a:schemeClr val="accent4"/>
+                  </a:solidFill>
+                </a:rPr>
+                <a:t>posId</a:t>
+              </a:r>
+              <a:r>
+                <a:rPr lang="en-GB" sz="1100" b="1" dirty="0" smtClean="0">
+                  <a:solidFill>
+                    <a:schemeClr val="accent4"/>
+                  </a:solidFill>
+                </a:rPr>
+                <a:t>=…</a:t>
+              </a:r>
+              <a:endParaRPr lang="en-GB" sz="1100" b="1" dirty="0">
                 <a:solidFill>
                   <a:schemeClr val="accent4"/>
                 </a:solidFill>
-              </a:rPr>
-              <a:t>HTTP 409 – Payment </a:t>
-            </a:r>
-            <a:r>
-              <a:rPr lang="da-DK" sz="1100" b="1" dirty="0" err="1" smtClean="0">
+              </a:endParaRPr>
+            </a:p>
+          </p:txBody>
+        </p:sp>
+        <p:sp>
+          <p:nvSpPr>
+            <p:cNvPr id="16" name="TextBox 15"/>
+            <p:cNvSpPr txBox="1"/>
+            <p:nvPr/>
+          </p:nvSpPr>
+          <p:spPr>
+            <a:xfrm>
+              <a:off x="4322074" y="3379560"/>
+              <a:ext cx="3240025" cy="169277"/>
+            </a:xfrm>
+            <a:prstGeom prst="rect">
+              <a:avLst/>
+            </a:prstGeom>
+            <a:noFill/>
+          </p:spPr>
+          <p:txBody>
+            <a:bodyPr wrap="square" lIns="0" tIns="0" rIns="0" bIns="0" rtlCol="0">
+              <a:spAutoFit/>
+            </a:bodyPr>
+            <a:lstStyle/>
+            <a:p>
+              <a:pPr algn="ctr"/>
+              <a:r>
+                <a:rPr lang="en-GB" sz="1100" b="1" dirty="0" smtClean="0">
+                  <a:solidFill>
+                    <a:schemeClr val="accent4"/>
+                  </a:solidFill>
+                </a:rPr>
+                <a:t>[</a:t>
+              </a:r>
+              <a:r>
+                <a:rPr lang="en-GB" sz="1100" b="1" dirty="0" err="1" smtClean="0">
+                  <a:solidFill>
+                    <a:schemeClr val="accent4"/>
+                  </a:solidFill>
+                </a:rPr>
+                <a:t>paymentId</a:t>
+              </a:r>
+              <a:r>
+                <a:rPr lang="en-GB" sz="1100" b="1" dirty="0" smtClean="0">
+                  <a:solidFill>
+                    <a:schemeClr val="accent4"/>
+                  </a:solidFill>
+                </a:rPr>
+                <a:t>]</a:t>
+              </a:r>
+              <a:endParaRPr lang="en-GB" sz="1100" b="1" dirty="0">
                 <a:solidFill>
                   <a:schemeClr val="accent4"/>
                 </a:solidFill>
-              </a:rPr>
-              <a:t>already</a:t>
-            </a:r>
-            <a:r>
-              <a:rPr lang="da-DK" sz="1100" b="1" dirty="0" smtClean="0">
+              </a:endParaRPr>
+            </a:p>
+          </p:txBody>
+        </p:sp>
+        <p:cxnSp>
+          <p:nvCxnSpPr>
+            <p:cNvPr id="18" name="Straight Arrow Connector 17"/>
+            <p:cNvCxnSpPr/>
+            <p:nvPr/>
+          </p:nvCxnSpPr>
+          <p:spPr>
+            <a:xfrm>
+              <a:off x="3552572" y="4188636"/>
+              <a:ext cx="4680000" cy="0"/>
+            </a:xfrm>
+            <a:prstGeom prst="straightConnector1">
+              <a:avLst/>
+            </a:prstGeom>
+            <a:ln w="28575">
+              <a:prstDash val="sysDash"/>
+              <a:headEnd type="triangle" w="med" len="med"/>
+              <a:tailEnd type="none" w="med" len="med"/>
+            </a:ln>
+          </p:spPr>
+          <p:style>
+            <a:lnRef idx="3">
+              <a:schemeClr val="accent2"/>
+            </a:lnRef>
+            <a:fillRef idx="0">
+              <a:schemeClr val="accent2"/>
+            </a:fillRef>
+            <a:effectRef idx="2">
+              <a:schemeClr val="accent2"/>
+            </a:effectRef>
+            <a:fontRef idx="minor">
+              <a:schemeClr val="tx1"/>
+            </a:fontRef>
+          </p:style>
+        </p:cxnSp>
+        <p:cxnSp>
+          <p:nvCxnSpPr>
+            <p:cNvPr id="19" name="Straight Arrow Connector 18"/>
+            <p:cNvCxnSpPr/>
+            <p:nvPr/>
+          </p:nvCxnSpPr>
+          <p:spPr>
+            <a:xfrm flipV="1">
+              <a:off x="3584568" y="4051885"/>
+              <a:ext cx="4644000" cy="3687"/>
+            </a:xfrm>
+            <a:prstGeom prst="straightConnector1">
+              <a:avLst/>
+            </a:prstGeom>
+            <a:ln w="28575">
+              <a:headEnd type="none" w="med" len="med"/>
+              <a:tailEnd type="triangle" w="med" len="med"/>
+            </a:ln>
+          </p:spPr>
+          <p:style>
+            <a:lnRef idx="3">
+              <a:schemeClr val="accent2"/>
+            </a:lnRef>
+            <a:fillRef idx="0">
+              <a:schemeClr val="accent2"/>
+            </a:fillRef>
+            <a:effectRef idx="2">
+              <a:schemeClr val="accent2"/>
+            </a:effectRef>
+            <a:fontRef idx="minor">
+              <a:schemeClr val="tx1"/>
+            </a:fontRef>
+          </p:style>
+        </p:cxnSp>
+        <p:sp>
+          <p:nvSpPr>
+            <p:cNvPr id="20" name="TextBox 19"/>
+            <p:cNvSpPr txBox="1"/>
+            <p:nvPr/>
+          </p:nvSpPr>
+          <p:spPr>
+            <a:xfrm>
+              <a:off x="4418831" y="3795083"/>
+              <a:ext cx="3244294" cy="169277"/>
+            </a:xfrm>
+            <a:prstGeom prst="rect">
+              <a:avLst/>
+            </a:prstGeom>
+            <a:noFill/>
+          </p:spPr>
+          <p:txBody>
+            <a:bodyPr wrap="square" lIns="0" tIns="0" rIns="0" bIns="0" rtlCol="0">
+              <a:spAutoFit/>
+            </a:bodyPr>
+            <a:lstStyle/>
+            <a:p>
+              <a:pPr algn="ctr"/>
+              <a:r>
+                <a:rPr lang="da-DK" sz="1100" b="1" dirty="0" smtClean="0">
+                  <a:solidFill>
+                    <a:schemeClr val="accent4"/>
+                  </a:solidFill>
+                </a:rPr>
+                <a:t>POST /</a:t>
+              </a:r>
+              <a:r>
+                <a:rPr lang="en-GB" sz="1100" b="1" dirty="0" smtClean="0">
+                  <a:solidFill>
+                    <a:schemeClr val="accent4"/>
+                  </a:solidFill>
+                </a:rPr>
+                <a:t>payments/{</a:t>
+              </a:r>
+              <a:r>
+                <a:rPr lang="en-GB" sz="1100" b="1" dirty="0" err="1" smtClean="0">
+                  <a:solidFill>
+                    <a:schemeClr val="accent4"/>
+                  </a:solidFill>
+                </a:rPr>
+                <a:t>paymentId</a:t>
+              </a:r>
+              <a:r>
+                <a:rPr lang="en-GB" sz="1100" b="1" dirty="0" smtClean="0">
+                  <a:solidFill>
+                    <a:schemeClr val="accent4"/>
+                  </a:solidFill>
+                </a:rPr>
+                <a:t>}/cancel</a:t>
+              </a:r>
+              <a:endParaRPr lang="en-GB" sz="1100" b="1" dirty="0">
                 <a:solidFill>
                   <a:schemeClr val="accent4"/>
                 </a:solidFill>
-              </a:rPr>
-              <a:t> </a:t>
-            </a:r>
-            <a:r>
-              <a:rPr lang="da-DK" sz="1100" b="1" dirty="0" err="1" smtClean="0">
+              </a:endParaRPr>
+            </a:p>
+          </p:txBody>
+        </p:sp>
+        <p:sp>
+          <p:nvSpPr>
+            <p:cNvPr id="22" name="TextBox 21"/>
+            <p:cNvSpPr txBox="1"/>
+            <p:nvPr/>
+          </p:nvSpPr>
+          <p:spPr>
+            <a:xfrm>
+              <a:off x="4315606" y="4276162"/>
+              <a:ext cx="3240025" cy="169277"/>
+            </a:xfrm>
+            <a:prstGeom prst="rect">
+              <a:avLst/>
+            </a:prstGeom>
+            <a:noFill/>
+          </p:spPr>
+          <p:txBody>
+            <a:bodyPr wrap="square" lIns="0" tIns="0" rIns="0" bIns="0" rtlCol="0">
+              <a:spAutoFit/>
+            </a:bodyPr>
+            <a:lstStyle/>
+            <a:p>
+              <a:pPr algn="ctr"/>
+              <a:r>
+                <a:rPr lang="en-GB" sz="1100" b="1" dirty="0" smtClean="0">
+                  <a:solidFill>
+                    <a:schemeClr val="accent4"/>
+                  </a:solidFill>
+                </a:rPr>
+                <a:t>OK</a:t>
+              </a:r>
+              <a:endParaRPr lang="en-GB" sz="1100" b="1" dirty="0">
                 <a:solidFill>
                   <a:schemeClr val="accent4"/>
                 </a:solidFill>
-              </a:rPr>
-              <a:t>active</a:t>
-            </a:r>
-            <a:endParaRPr lang="en-GB" sz="1100" b="1" dirty="0">
-              <a:solidFill>
-                <a:schemeClr val="accent4"/>
-              </a:solidFill>
-            </a:endParaRPr>
-          </a:p>
-        </p:txBody>
-      </p:sp>
-      <p:cxnSp>
-        <p:nvCxnSpPr>
-          <p:cNvPr id="17" name="Straight Arrow Connector 16"/>
-          <p:cNvCxnSpPr/>
-          <p:nvPr/>
-        </p:nvCxnSpPr>
-        <p:spPr>
-          <a:xfrm>
-            <a:off x="8255971" y="1782050"/>
-            <a:ext cx="0" cy="3960000"/>
-          </a:xfrm>
-          <a:prstGeom prst="straightConnector1">
-            <a:avLst/>
-          </a:prstGeom>
-          <a:ln w="76200">
-            <a:headEnd type="none" w="med" len="med"/>
-            <a:tailEnd type="none" w="med" len="med"/>
-          </a:ln>
-        </p:spPr>
-        <p:style>
-          <a:lnRef idx="3">
-            <a:schemeClr val="dk1"/>
-          </a:lnRef>
-          <a:fillRef idx="0">
-            <a:schemeClr val="dk1"/>
-          </a:fillRef>
-          <a:effectRef idx="2">
-            <a:schemeClr val="dk1"/>
-          </a:effectRef>
-          <a:fontRef idx="minor">
-            <a:schemeClr val="tx1"/>
-          </a:fontRef>
-        </p:style>
-      </p:cxnSp>
-      <p:cxnSp>
-        <p:nvCxnSpPr>
-          <p:cNvPr id="21" name="Straight Arrow Connector 20"/>
-          <p:cNvCxnSpPr/>
-          <p:nvPr/>
-        </p:nvCxnSpPr>
-        <p:spPr>
-          <a:xfrm>
-            <a:off x="3551904" y="1782050"/>
-            <a:ext cx="0" cy="3960000"/>
-          </a:xfrm>
-          <a:prstGeom prst="straightConnector1">
-            <a:avLst/>
-          </a:prstGeom>
-          <a:ln w="76200">
-            <a:headEnd type="none" w="med" len="med"/>
-            <a:tailEnd type="none" w="med" len="med"/>
-          </a:ln>
-        </p:spPr>
-        <p:style>
-          <a:lnRef idx="3">
-            <a:schemeClr val="dk1"/>
-          </a:lnRef>
-          <a:fillRef idx="0">
-            <a:schemeClr val="dk1"/>
-          </a:fillRef>
-          <a:effectRef idx="2">
-            <a:schemeClr val="dk1"/>
-          </a:effectRef>
-          <a:fontRef idx="minor">
-            <a:schemeClr val="tx1"/>
-          </a:fontRef>
-        </p:style>
-      </p:cxnSp>
-      <p:cxnSp>
-        <p:nvCxnSpPr>
-          <p:cNvPr id="13" name="Straight Arrow Connector 12"/>
-          <p:cNvCxnSpPr/>
-          <p:nvPr/>
-        </p:nvCxnSpPr>
-        <p:spPr>
-          <a:xfrm>
-            <a:off x="3559040" y="3292034"/>
-            <a:ext cx="4680000" cy="0"/>
-          </a:xfrm>
-          <a:prstGeom prst="straightConnector1">
-            <a:avLst/>
-          </a:prstGeom>
-          <a:ln w="28575">
-            <a:prstDash val="sysDash"/>
-            <a:headEnd type="triangle" w="med" len="med"/>
-            <a:tailEnd type="none" w="med" len="med"/>
-          </a:ln>
-        </p:spPr>
-        <p:style>
-          <a:lnRef idx="3">
-            <a:schemeClr val="accent2"/>
-          </a:lnRef>
-          <a:fillRef idx="0">
-            <a:schemeClr val="accent2"/>
-          </a:fillRef>
-          <a:effectRef idx="2">
-            <a:schemeClr val="accent2"/>
-          </a:effectRef>
-          <a:fontRef idx="minor">
-            <a:schemeClr val="tx1"/>
-          </a:fontRef>
-        </p:style>
-      </p:cxnSp>
-      <p:cxnSp>
-        <p:nvCxnSpPr>
-          <p:cNvPr id="14" name="Straight Arrow Connector 13"/>
-          <p:cNvCxnSpPr/>
-          <p:nvPr/>
-        </p:nvCxnSpPr>
-        <p:spPr>
-          <a:xfrm flipV="1">
-            <a:off x="3591036" y="3155283"/>
-            <a:ext cx="4644000" cy="3687"/>
-          </a:xfrm>
-          <a:prstGeom prst="straightConnector1">
-            <a:avLst/>
-          </a:prstGeom>
-          <a:ln w="28575">
-            <a:headEnd type="none" w="med" len="med"/>
-            <a:tailEnd type="triangle" w="med" len="med"/>
-          </a:ln>
-        </p:spPr>
-        <p:style>
-          <a:lnRef idx="3">
-            <a:schemeClr val="accent2"/>
-          </a:lnRef>
-          <a:fillRef idx="0">
-            <a:schemeClr val="accent2"/>
-          </a:fillRef>
-          <a:effectRef idx="2">
-            <a:schemeClr val="accent2"/>
-          </a:effectRef>
-          <a:fontRef idx="minor">
-            <a:schemeClr val="tx1"/>
-          </a:fontRef>
-        </p:style>
-      </p:cxnSp>
-      <p:sp>
-        <p:nvSpPr>
-          <p:cNvPr id="15" name="TextBox 14"/>
-          <p:cNvSpPr txBox="1"/>
-          <p:nvPr/>
-        </p:nvSpPr>
-        <p:spPr>
-          <a:xfrm>
-            <a:off x="4425299" y="2898481"/>
-            <a:ext cx="3244294" cy="169277"/>
-          </a:xfrm>
-          <a:prstGeom prst="rect">
-            <a:avLst/>
-          </a:prstGeom>
-          <a:noFill/>
-        </p:spPr>
-        <p:txBody>
-          <a:bodyPr wrap="square" lIns="0" tIns="0" rIns="0" bIns="0" rtlCol="0">
-            <a:spAutoFit/>
-          </a:bodyPr>
-          <a:lstStyle/>
-          <a:p>
-            <a:pPr algn="ctr"/>
-            <a:r>
-              <a:rPr lang="da-DK" sz="1100" b="1" dirty="0" smtClean="0">
+              </a:endParaRPr>
+            </a:p>
+          </p:txBody>
+        </p:sp>
+        <p:cxnSp>
+          <p:nvCxnSpPr>
+            <p:cNvPr id="23" name="Straight Arrow Connector 22"/>
+            <p:cNvCxnSpPr/>
+            <p:nvPr/>
+          </p:nvCxnSpPr>
+          <p:spPr>
+            <a:xfrm>
+              <a:off x="3540844" y="5078534"/>
+              <a:ext cx="4680000" cy="0"/>
+            </a:xfrm>
+            <a:prstGeom prst="straightConnector1">
+              <a:avLst/>
+            </a:prstGeom>
+            <a:ln w="28575">
+              <a:prstDash val="sysDash"/>
+              <a:headEnd type="triangle" w="med" len="med"/>
+              <a:tailEnd type="none" w="med" len="med"/>
+            </a:ln>
+          </p:spPr>
+          <p:style>
+            <a:lnRef idx="3">
+              <a:schemeClr val="accent2"/>
+            </a:lnRef>
+            <a:fillRef idx="0">
+              <a:schemeClr val="accent2"/>
+            </a:fillRef>
+            <a:effectRef idx="2">
+              <a:schemeClr val="accent2"/>
+            </a:effectRef>
+            <a:fontRef idx="minor">
+              <a:schemeClr val="tx1"/>
+            </a:fontRef>
+          </p:style>
+        </p:cxnSp>
+        <p:cxnSp>
+          <p:nvCxnSpPr>
+            <p:cNvPr id="24" name="Straight Arrow Connector 23"/>
+            <p:cNvCxnSpPr/>
+            <p:nvPr/>
+          </p:nvCxnSpPr>
+          <p:spPr>
+            <a:xfrm flipV="1">
+              <a:off x="3572840" y="4941783"/>
+              <a:ext cx="4644000" cy="3687"/>
+            </a:xfrm>
+            <a:prstGeom prst="straightConnector1">
+              <a:avLst/>
+            </a:prstGeom>
+            <a:ln w="28575">
+              <a:headEnd type="none" w="med" len="med"/>
+              <a:tailEnd type="triangle" w="med" len="med"/>
+            </a:ln>
+          </p:spPr>
+          <p:style>
+            <a:lnRef idx="3">
+              <a:schemeClr val="accent2"/>
+            </a:lnRef>
+            <a:fillRef idx="0">
+              <a:schemeClr val="accent2"/>
+            </a:fillRef>
+            <a:effectRef idx="2">
+              <a:schemeClr val="accent2"/>
+            </a:effectRef>
+            <a:fontRef idx="minor">
+              <a:schemeClr val="tx1"/>
+            </a:fontRef>
+          </p:style>
+        </p:cxnSp>
+        <p:sp>
+          <p:nvSpPr>
+            <p:cNvPr id="25" name="TextBox 24"/>
+            <p:cNvSpPr txBox="1"/>
+            <p:nvPr/>
+          </p:nvSpPr>
+          <p:spPr>
+            <a:xfrm>
+              <a:off x="4407103" y="4684981"/>
+              <a:ext cx="3244294" cy="169277"/>
+            </a:xfrm>
+            <a:prstGeom prst="rect">
+              <a:avLst/>
+            </a:prstGeom>
+            <a:noFill/>
+          </p:spPr>
+          <p:txBody>
+            <a:bodyPr wrap="square" lIns="0" tIns="0" rIns="0" bIns="0" rtlCol="0">
+              <a:spAutoFit/>
+            </a:bodyPr>
+            <a:lstStyle/>
+            <a:p>
+              <a:pPr algn="ctr"/>
+              <a:r>
+                <a:rPr lang="da-DK" sz="1100" b="1" dirty="0" smtClean="0">
+                  <a:solidFill>
+                    <a:schemeClr val="accent4"/>
+                  </a:solidFill>
+                </a:rPr>
+                <a:t>POST /</a:t>
+              </a:r>
+              <a:r>
+                <a:rPr lang="en-GB" sz="1100" b="1" dirty="0" smtClean="0">
+                  <a:solidFill>
+                    <a:schemeClr val="accent4"/>
+                  </a:solidFill>
+                </a:rPr>
+                <a:t>payments</a:t>
+              </a:r>
+              <a:endParaRPr lang="en-GB" sz="1100" b="1" dirty="0">
                 <a:solidFill>
                   <a:schemeClr val="accent4"/>
                 </a:solidFill>
-              </a:rPr>
-              <a:t>GET /</a:t>
-            </a:r>
-            <a:r>
-              <a:rPr lang="en-GB" sz="1100" b="1" dirty="0" err="1" smtClean="0">
+              </a:endParaRPr>
+            </a:p>
+          </p:txBody>
+        </p:sp>
+        <p:sp>
+          <p:nvSpPr>
+            <p:cNvPr id="26" name="TextBox 25"/>
+            <p:cNvSpPr txBox="1"/>
+            <p:nvPr/>
+          </p:nvSpPr>
+          <p:spPr>
+            <a:xfrm>
+              <a:off x="4303878" y="5166060"/>
+              <a:ext cx="3240025" cy="169277"/>
+            </a:xfrm>
+            <a:prstGeom prst="rect">
+              <a:avLst/>
+            </a:prstGeom>
+            <a:noFill/>
+          </p:spPr>
+          <p:txBody>
+            <a:bodyPr wrap="square" lIns="0" tIns="0" rIns="0" bIns="0" rtlCol="0">
+              <a:spAutoFit/>
+            </a:bodyPr>
+            <a:lstStyle/>
+            <a:p>
+              <a:pPr algn="ctr"/>
+              <a:r>
+                <a:rPr lang="en-GB" sz="1100" b="1" dirty="0" err="1" smtClean="0">
+                  <a:solidFill>
+                    <a:schemeClr val="accent4"/>
+                  </a:solidFill>
+                </a:rPr>
+                <a:t>PaymentId</a:t>
+              </a:r>
+              <a:endParaRPr lang="en-GB" sz="1100" b="1" dirty="0">
                 <a:solidFill>
                   <a:schemeClr val="accent4"/>
                 </a:solidFill>
-              </a:rPr>
-              <a:t>payments?active</a:t>
-            </a:r>
-            <a:r>
-              <a:rPr lang="en-GB" sz="1100" b="1" dirty="0" smtClean="0">
-                <a:solidFill>
-                  <a:schemeClr val="accent4"/>
-                </a:solidFill>
-              </a:rPr>
-              <a:t>=</a:t>
-            </a:r>
-            <a:r>
-              <a:rPr lang="en-GB" sz="1100" b="1" dirty="0" err="1" smtClean="0">
-                <a:solidFill>
-                  <a:schemeClr val="accent4"/>
-                </a:solidFill>
-              </a:rPr>
-              <a:t>true&amp;posId</a:t>
-            </a:r>
-            <a:r>
-              <a:rPr lang="en-GB" sz="1100" b="1" dirty="0" smtClean="0">
-                <a:solidFill>
-                  <a:schemeClr val="accent4"/>
-                </a:solidFill>
-              </a:rPr>
-              <a:t>=…</a:t>
-            </a:r>
-            <a:endParaRPr lang="en-GB" sz="1100" b="1" dirty="0">
-              <a:solidFill>
-                <a:schemeClr val="accent4"/>
-              </a:solidFill>
-            </a:endParaRPr>
-          </a:p>
-        </p:txBody>
-      </p:sp>
-      <p:sp>
-        <p:nvSpPr>
-          <p:cNvPr id="16" name="TextBox 15"/>
-          <p:cNvSpPr txBox="1"/>
-          <p:nvPr/>
-        </p:nvSpPr>
-        <p:spPr>
-          <a:xfrm>
-            <a:off x="4322074" y="3379560"/>
-            <a:ext cx="3240025" cy="169277"/>
-          </a:xfrm>
-          <a:prstGeom prst="rect">
-            <a:avLst/>
-          </a:prstGeom>
-          <a:noFill/>
-        </p:spPr>
-        <p:txBody>
-          <a:bodyPr wrap="square" lIns="0" tIns="0" rIns="0" bIns="0" rtlCol="0">
-            <a:spAutoFit/>
-          </a:bodyPr>
-          <a:lstStyle/>
-          <a:p>
-            <a:pPr algn="ctr"/>
-            <a:r>
-              <a:rPr lang="en-GB" sz="1100" b="1" dirty="0" smtClean="0">
-                <a:solidFill>
-                  <a:schemeClr val="accent4"/>
-                </a:solidFill>
-              </a:rPr>
-              <a:t>[</a:t>
-            </a:r>
-            <a:r>
-              <a:rPr lang="en-GB" sz="1100" b="1" dirty="0" err="1" smtClean="0">
-                <a:solidFill>
-                  <a:schemeClr val="accent4"/>
-                </a:solidFill>
-              </a:rPr>
-              <a:t>paymentId</a:t>
-            </a:r>
-            <a:r>
-              <a:rPr lang="en-GB" sz="1100" b="1" dirty="0" smtClean="0">
-                <a:solidFill>
-                  <a:schemeClr val="accent4"/>
-                </a:solidFill>
-              </a:rPr>
-              <a:t>]</a:t>
-            </a:r>
-            <a:endParaRPr lang="en-GB" sz="1100" b="1" dirty="0">
-              <a:solidFill>
-                <a:schemeClr val="accent4"/>
-              </a:solidFill>
-            </a:endParaRPr>
-          </a:p>
-        </p:txBody>
-      </p:sp>
-      <p:cxnSp>
-        <p:nvCxnSpPr>
-          <p:cNvPr id="18" name="Straight Arrow Connector 17"/>
-          <p:cNvCxnSpPr/>
-          <p:nvPr/>
-        </p:nvCxnSpPr>
-        <p:spPr>
-          <a:xfrm>
-            <a:off x="3552572" y="4188636"/>
-            <a:ext cx="4680000" cy="0"/>
-          </a:xfrm>
-          <a:prstGeom prst="straightConnector1">
-            <a:avLst/>
-          </a:prstGeom>
-          <a:ln w="28575">
-            <a:prstDash val="sysDash"/>
-            <a:headEnd type="triangle" w="med" len="med"/>
-            <a:tailEnd type="none" w="med" len="med"/>
-          </a:ln>
-        </p:spPr>
-        <p:style>
-          <a:lnRef idx="3">
-            <a:schemeClr val="accent2"/>
-          </a:lnRef>
-          <a:fillRef idx="0">
-            <a:schemeClr val="accent2"/>
-          </a:fillRef>
-          <a:effectRef idx="2">
-            <a:schemeClr val="accent2"/>
-          </a:effectRef>
-          <a:fontRef idx="minor">
-            <a:schemeClr val="tx1"/>
-          </a:fontRef>
-        </p:style>
-      </p:cxnSp>
-      <p:cxnSp>
-        <p:nvCxnSpPr>
-          <p:cNvPr id="19" name="Straight Arrow Connector 18"/>
-          <p:cNvCxnSpPr/>
-          <p:nvPr/>
-        </p:nvCxnSpPr>
-        <p:spPr>
-          <a:xfrm flipV="1">
-            <a:off x="3584568" y="4051885"/>
-            <a:ext cx="4644000" cy="3687"/>
-          </a:xfrm>
-          <a:prstGeom prst="straightConnector1">
-            <a:avLst/>
-          </a:prstGeom>
-          <a:ln w="28575">
-            <a:headEnd type="none" w="med" len="med"/>
-            <a:tailEnd type="triangle" w="med" len="med"/>
-          </a:ln>
-        </p:spPr>
-        <p:style>
-          <a:lnRef idx="3">
-            <a:schemeClr val="accent2"/>
-          </a:lnRef>
-          <a:fillRef idx="0">
-            <a:schemeClr val="accent2"/>
-          </a:fillRef>
-          <a:effectRef idx="2">
-            <a:schemeClr val="accent2"/>
-          </a:effectRef>
-          <a:fontRef idx="minor">
-            <a:schemeClr val="tx1"/>
-          </a:fontRef>
-        </p:style>
-      </p:cxnSp>
-      <p:sp>
-        <p:nvSpPr>
-          <p:cNvPr id="20" name="TextBox 19"/>
-          <p:cNvSpPr txBox="1"/>
-          <p:nvPr/>
-        </p:nvSpPr>
-        <p:spPr>
-          <a:xfrm>
-            <a:off x="4418831" y="3795083"/>
-            <a:ext cx="3244294" cy="169277"/>
-          </a:xfrm>
-          <a:prstGeom prst="rect">
-            <a:avLst/>
-          </a:prstGeom>
-          <a:noFill/>
-        </p:spPr>
-        <p:txBody>
-          <a:bodyPr wrap="square" lIns="0" tIns="0" rIns="0" bIns="0" rtlCol="0">
-            <a:spAutoFit/>
-          </a:bodyPr>
-          <a:lstStyle/>
-          <a:p>
-            <a:pPr algn="ctr"/>
-            <a:r>
-              <a:rPr lang="da-DK" sz="1100" b="1" dirty="0" smtClean="0">
-                <a:solidFill>
-                  <a:schemeClr val="accent4"/>
-                </a:solidFill>
-              </a:rPr>
-              <a:t>POST /</a:t>
-            </a:r>
-            <a:r>
-              <a:rPr lang="en-GB" sz="1100" b="1" dirty="0" smtClean="0">
-                <a:solidFill>
-                  <a:schemeClr val="accent4"/>
-                </a:solidFill>
-              </a:rPr>
-              <a:t>payments/{</a:t>
-            </a:r>
-            <a:r>
-              <a:rPr lang="en-GB" sz="1100" b="1" dirty="0" err="1" smtClean="0">
-                <a:solidFill>
-                  <a:schemeClr val="accent4"/>
-                </a:solidFill>
-              </a:rPr>
-              <a:t>paymentId</a:t>
-            </a:r>
-            <a:r>
-              <a:rPr lang="en-GB" sz="1100" b="1" dirty="0" smtClean="0">
-                <a:solidFill>
-                  <a:schemeClr val="accent4"/>
-                </a:solidFill>
-              </a:rPr>
-              <a:t>}/cancel</a:t>
-            </a:r>
-            <a:endParaRPr lang="en-GB" sz="1100" b="1" dirty="0">
-              <a:solidFill>
-                <a:schemeClr val="accent4"/>
-              </a:solidFill>
-            </a:endParaRPr>
-          </a:p>
-        </p:txBody>
-      </p:sp>
-      <p:sp>
-        <p:nvSpPr>
-          <p:cNvPr id="22" name="TextBox 21"/>
-          <p:cNvSpPr txBox="1"/>
-          <p:nvPr/>
-        </p:nvSpPr>
-        <p:spPr>
-          <a:xfrm>
-            <a:off x="4315606" y="4276162"/>
-            <a:ext cx="3240025" cy="169277"/>
-          </a:xfrm>
-          <a:prstGeom prst="rect">
-            <a:avLst/>
-          </a:prstGeom>
-          <a:noFill/>
-        </p:spPr>
-        <p:txBody>
-          <a:bodyPr wrap="square" lIns="0" tIns="0" rIns="0" bIns="0" rtlCol="0">
-            <a:spAutoFit/>
-          </a:bodyPr>
-          <a:lstStyle/>
-          <a:p>
-            <a:pPr algn="ctr"/>
-            <a:r>
-              <a:rPr lang="en-GB" sz="1100" b="1" dirty="0" smtClean="0">
-                <a:solidFill>
-                  <a:schemeClr val="accent4"/>
-                </a:solidFill>
-              </a:rPr>
-              <a:t>OK</a:t>
-            </a:r>
-            <a:endParaRPr lang="en-GB" sz="1100" b="1" dirty="0">
-              <a:solidFill>
-                <a:schemeClr val="accent4"/>
-              </a:solidFill>
-            </a:endParaRPr>
-          </a:p>
-        </p:txBody>
-      </p:sp>
-      <p:cxnSp>
-        <p:nvCxnSpPr>
-          <p:cNvPr id="23" name="Straight Arrow Connector 22"/>
-          <p:cNvCxnSpPr/>
-          <p:nvPr/>
-        </p:nvCxnSpPr>
-        <p:spPr>
-          <a:xfrm>
-            <a:off x="3540844" y="5078534"/>
-            <a:ext cx="4680000" cy="0"/>
-          </a:xfrm>
-          <a:prstGeom prst="straightConnector1">
-            <a:avLst/>
-          </a:prstGeom>
-          <a:ln w="28575">
-            <a:prstDash val="sysDash"/>
-            <a:headEnd type="triangle" w="med" len="med"/>
-            <a:tailEnd type="none" w="med" len="med"/>
-          </a:ln>
-        </p:spPr>
-        <p:style>
-          <a:lnRef idx="3">
-            <a:schemeClr val="accent2"/>
-          </a:lnRef>
-          <a:fillRef idx="0">
-            <a:schemeClr val="accent2"/>
-          </a:fillRef>
-          <a:effectRef idx="2">
-            <a:schemeClr val="accent2"/>
-          </a:effectRef>
-          <a:fontRef idx="minor">
-            <a:schemeClr val="tx1"/>
-          </a:fontRef>
-        </p:style>
-      </p:cxnSp>
-      <p:cxnSp>
-        <p:nvCxnSpPr>
-          <p:cNvPr id="24" name="Straight Arrow Connector 23"/>
-          <p:cNvCxnSpPr/>
-          <p:nvPr/>
-        </p:nvCxnSpPr>
-        <p:spPr>
-          <a:xfrm flipV="1">
-            <a:off x="3572840" y="4941783"/>
-            <a:ext cx="4644000" cy="3687"/>
-          </a:xfrm>
-          <a:prstGeom prst="straightConnector1">
-            <a:avLst/>
-          </a:prstGeom>
-          <a:ln w="28575">
-            <a:headEnd type="none" w="med" len="med"/>
-            <a:tailEnd type="triangle" w="med" len="med"/>
-          </a:ln>
-        </p:spPr>
-        <p:style>
-          <a:lnRef idx="3">
-            <a:schemeClr val="accent2"/>
-          </a:lnRef>
-          <a:fillRef idx="0">
-            <a:schemeClr val="accent2"/>
-          </a:fillRef>
-          <a:effectRef idx="2">
-            <a:schemeClr val="accent2"/>
-          </a:effectRef>
-          <a:fontRef idx="minor">
-            <a:schemeClr val="tx1"/>
-          </a:fontRef>
-        </p:style>
-      </p:cxnSp>
-      <p:sp>
-        <p:nvSpPr>
-          <p:cNvPr id="25" name="TextBox 24"/>
-          <p:cNvSpPr txBox="1"/>
-          <p:nvPr/>
-        </p:nvSpPr>
-        <p:spPr>
-          <a:xfrm>
-            <a:off x="4407103" y="4684981"/>
-            <a:ext cx="3244294" cy="169277"/>
-          </a:xfrm>
-          <a:prstGeom prst="rect">
-            <a:avLst/>
-          </a:prstGeom>
-          <a:noFill/>
-        </p:spPr>
-        <p:txBody>
-          <a:bodyPr wrap="square" lIns="0" tIns="0" rIns="0" bIns="0" rtlCol="0">
-            <a:spAutoFit/>
-          </a:bodyPr>
-          <a:lstStyle/>
-          <a:p>
-            <a:pPr algn="ctr"/>
-            <a:r>
-              <a:rPr lang="da-DK" sz="1100" b="1" dirty="0" smtClean="0">
-                <a:solidFill>
-                  <a:schemeClr val="accent4"/>
-                </a:solidFill>
-              </a:rPr>
-              <a:t>POST /</a:t>
-            </a:r>
-            <a:r>
-              <a:rPr lang="en-GB" sz="1100" b="1" dirty="0" smtClean="0">
-                <a:solidFill>
-                  <a:schemeClr val="accent4"/>
-                </a:solidFill>
-              </a:rPr>
-              <a:t>payments</a:t>
-            </a:r>
-            <a:endParaRPr lang="en-GB" sz="1100" b="1" dirty="0">
-              <a:solidFill>
-                <a:schemeClr val="accent4"/>
-              </a:solidFill>
-            </a:endParaRPr>
-          </a:p>
-        </p:txBody>
-      </p:sp>
-      <p:sp>
-        <p:nvSpPr>
-          <p:cNvPr id="26" name="TextBox 25"/>
-          <p:cNvSpPr txBox="1"/>
-          <p:nvPr/>
-        </p:nvSpPr>
-        <p:spPr>
-          <a:xfrm>
-            <a:off x="4303878" y="5166060"/>
-            <a:ext cx="3240025" cy="169277"/>
-          </a:xfrm>
-          <a:prstGeom prst="rect">
-            <a:avLst/>
-          </a:prstGeom>
-          <a:noFill/>
-        </p:spPr>
-        <p:txBody>
-          <a:bodyPr wrap="square" lIns="0" tIns="0" rIns="0" bIns="0" rtlCol="0">
-            <a:spAutoFit/>
-          </a:bodyPr>
-          <a:lstStyle/>
-          <a:p>
-            <a:pPr algn="ctr"/>
-            <a:r>
-              <a:rPr lang="en-GB" sz="1100" b="1" dirty="0" err="1" smtClean="0">
-                <a:solidFill>
-                  <a:schemeClr val="accent4"/>
-                </a:solidFill>
-              </a:rPr>
-              <a:t>PaymentId</a:t>
-            </a:r>
-            <a:endParaRPr lang="en-GB" sz="1100" b="1" dirty="0">
-              <a:solidFill>
-                <a:schemeClr val="accent4"/>
-              </a:solidFill>
-            </a:endParaRPr>
-          </a:p>
-        </p:txBody>
-      </p:sp>
+              </a:endParaRPr>
+            </a:p>
+          </p:txBody>
+        </p:sp>
+      </p:grpSp>
     </p:spTree>
     <p:extLst>
       <p:ext uri="{BB962C8B-B14F-4D97-AF65-F5344CB8AC3E}">

--- a/docs/assets/TitaniumFlows.pptx
+++ b/docs/assets/TitaniumFlows.pptx
@@ -215,7 +215,7 @@
           <a:graphicData uri="http://schemas.openxmlformats.org/presentationml/2006/ole">
             <mc:AlternateContent xmlns:mc="http://schemas.openxmlformats.org/markup-compatibility/2006">
               <mc:Choice xmlns:v="urn:schemas-microsoft-com:vml" Requires="v">
-                <p:oleObj spid="_x0000_s2142" name="think-cell Slide" r:id="rId5" imgW="270" imgH="270" progId="TCLayout.ActiveDocument.1">
+                <p:oleObj spid="_x0000_s2146" name="think-cell Slide" r:id="rId5" imgW="270" imgH="270" progId="TCLayout.ActiveDocument.1">
                   <p:embed/>
                 </p:oleObj>
               </mc:Choice>
@@ -397,7 +397,7 @@
           <a:p>
             <a:fld id="{B56E8790-EF43-4195-82DA-4A26D543E504}" type="datetimeFigureOut">
               <a:rPr lang="en-GB" smtClean="0"/>
-              <a:t>07/10/2020</a:t>
+              <a:t>30/12/2020</a:t>
             </a:fld>
             <a:endParaRPr lang="en-GB" dirty="0"/>
           </a:p>
@@ -495,7 +495,7 @@
           <a:graphicData uri="http://schemas.openxmlformats.org/presentationml/2006/ole">
             <mc:AlternateContent xmlns:mc="http://schemas.openxmlformats.org/markup-compatibility/2006">
               <mc:Choice xmlns:v="urn:schemas-microsoft-com:vml" Requires="v">
-                <p:oleObj spid="_x0000_s9402" name="think-cell Slide" r:id="rId5" imgW="270" imgH="270" progId="TCLayout.ActiveDocument.1">
+                <p:oleObj spid="_x0000_s9410" name="think-cell Slide" r:id="rId5" imgW="270" imgH="270" progId="TCLayout.ActiveDocument.1">
                   <p:embed/>
                 </p:oleObj>
               </mc:Choice>
@@ -609,7 +609,7 @@
           <a:p>
             <a:fld id="{B56E8790-EF43-4195-82DA-4A26D543E504}" type="datetimeFigureOut">
               <a:rPr lang="en-GB" smtClean="0"/>
-              <a:t>07/10/2020</a:t>
+              <a:t>30/12/2020</a:t>
             </a:fld>
             <a:endParaRPr lang="en-GB" dirty="0"/>
           </a:p>
@@ -673,35 +673,35 @@
           <a:p>
             <a:pPr lvl="0"/>
             <a:r>
-              <a:rPr lang="en-US" smtClean="0"/>
+              <a:rPr lang="en-US"/>
               <a:t>Click to edit Master text styles</a:t>
             </a:r>
           </a:p>
           <a:p>
             <a:pPr lvl="1"/>
             <a:r>
-              <a:rPr lang="en-US" smtClean="0"/>
+              <a:rPr lang="en-US"/>
               <a:t>Second level</a:t>
             </a:r>
           </a:p>
           <a:p>
             <a:pPr lvl="2"/>
             <a:r>
-              <a:rPr lang="en-US" smtClean="0"/>
+              <a:rPr lang="en-US"/>
               <a:t>Third level</a:t>
             </a:r>
           </a:p>
           <a:p>
             <a:pPr lvl="3"/>
             <a:r>
-              <a:rPr lang="en-US" smtClean="0"/>
+              <a:rPr lang="en-US"/>
               <a:t>Fourth level</a:t>
             </a:r>
           </a:p>
           <a:p>
             <a:pPr lvl="4"/>
             <a:r>
-              <a:rPr lang="en-US" smtClean="0"/>
+              <a:rPr lang="en-US"/>
               <a:t>Fifth level</a:t>
             </a:r>
             <a:endParaRPr lang="en-GB" dirty="0"/>
@@ -766,35 +766,35 @@
           <a:p>
             <a:pPr lvl="0"/>
             <a:r>
-              <a:rPr lang="en-US" smtClean="0"/>
+              <a:rPr lang="en-US"/>
               <a:t>Click to edit Master text styles</a:t>
             </a:r>
           </a:p>
           <a:p>
             <a:pPr lvl="1"/>
             <a:r>
-              <a:rPr lang="en-US" smtClean="0"/>
+              <a:rPr lang="en-US"/>
               <a:t>Second level</a:t>
             </a:r>
           </a:p>
           <a:p>
             <a:pPr lvl="2"/>
             <a:r>
-              <a:rPr lang="en-US" smtClean="0"/>
+              <a:rPr lang="en-US"/>
               <a:t>Third level</a:t>
             </a:r>
           </a:p>
           <a:p>
             <a:pPr lvl="3"/>
             <a:r>
-              <a:rPr lang="en-US" smtClean="0"/>
+              <a:rPr lang="en-US"/>
               <a:t>Fourth level</a:t>
             </a:r>
           </a:p>
           <a:p>
             <a:pPr lvl="4"/>
             <a:r>
-              <a:rPr lang="en-US" smtClean="0"/>
+              <a:rPr lang="en-US"/>
               <a:t>Fifth level</a:t>
             </a:r>
             <a:endParaRPr lang="en-GB" dirty="0"/>
@@ -957,35 +957,35 @@
           <a:p>
             <a:pPr lvl="0"/>
             <a:r>
-              <a:rPr lang="en-US" smtClean="0"/>
+              <a:rPr lang="en-US"/>
               <a:t>Click to edit Master text styles</a:t>
             </a:r>
           </a:p>
           <a:p>
             <a:pPr lvl="1"/>
             <a:r>
-              <a:rPr lang="en-US" smtClean="0"/>
+              <a:rPr lang="en-US"/>
               <a:t>Second level</a:t>
             </a:r>
           </a:p>
           <a:p>
             <a:pPr lvl="2"/>
             <a:r>
-              <a:rPr lang="en-US" smtClean="0"/>
+              <a:rPr lang="en-US"/>
               <a:t>Third level</a:t>
             </a:r>
           </a:p>
           <a:p>
             <a:pPr lvl="3"/>
             <a:r>
-              <a:rPr lang="en-US" smtClean="0"/>
+              <a:rPr lang="en-US"/>
               <a:t>Fourth level</a:t>
             </a:r>
           </a:p>
           <a:p>
             <a:pPr lvl="4"/>
             <a:r>
-              <a:rPr lang="en-US" smtClean="0"/>
+              <a:rPr lang="en-US"/>
               <a:t>Fifth level</a:t>
             </a:r>
             <a:endParaRPr lang="en-GB" dirty="0"/>
@@ -1050,35 +1050,35 @@
           <a:p>
             <a:pPr lvl="0"/>
             <a:r>
-              <a:rPr lang="en-US" smtClean="0"/>
+              <a:rPr lang="en-US"/>
               <a:t>Click to edit Master text styles</a:t>
             </a:r>
           </a:p>
           <a:p>
             <a:pPr lvl="1"/>
             <a:r>
-              <a:rPr lang="en-US" smtClean="0"/>
+              <a:rPr lang="en-US"/>
               <a:t>Second level</a:t>
             </a:r>
           </a:p>
           <a:p>
             <a:pPr lvl="2"/>
             <a:r>
-              <a:rPr lang="en-US" smtClean="0"/>
+              <a:rPr lang="en-US"/>
               <a:t>Third level</a:t>
             </a:r>
           </a:p>
           <a:p>
             <a:pPr lvl="3"/>
             <a:r>
-              <a:rPr lang="en-US" smtClean="0"/>
+              <a:rPr lang="en-US"/>
               <a:t>Fourth level</a:t>
             </a:r>
           </a:p>
           <a:p>
             <a:pPr lvl="4"/>
             <a:r>
-              <a:rPr lang="en-US" smtClean="0"/>
+              <a:rPr lang="en-US"/>
               <a:t>Fifth level</a:t>
             </a:r>
             <a:endParaRPr lang="en-GB" dirty="0"/>
@@ -1203,7 +1203,7 @@
           <a:graphicData uri="http://schemas.openxmlformats.org/presentationml/2006/ole">
             <mc:AlternateContent xmlns:mc="http://schemas.openxmlformats.org/markup-compatibility/2006">
               <mc:Choice xmlns:v="urn:schemas-microsoft-com:vml" Requires="v">
-                <p:oleObj spid="_x0000_s9403" name="think-cell Slide" r:id="rId7" imgW="270" imgH="270" progId="TCLayout.ActiveDocument.1">
+                <p:oleObj spid="_x0000_s9411" name="think-cell Slide" r:id="rId7" imgW="270" imgH="270" progId="TCLayout.ActiveDocument.1">
                   <p:embed/>
                 </p:oleObj>
               </mc:Choice>
@@ -1450,7 +1450,7 @@
   <p:clrMapOvr>
     <a:masterClrMapping/>
   </p:clrMapOvr>
-  <p:extLst mod="1">
+  <p:extLst>
     <p:ext uri="{DCECCB84-F9BA-43D5-87BE-67443E8EF086}">
       <p15:sldGuideLst xmlns:p15="http://schemas.microsoft.com/office/powerpoint/2012/main"/>
     </p:ext>
@@ -1508,7 +1508,7 @@
           <a:graphicData uri="http://schemas.openxmlformats.org/presentationml/2006/ole">
             <mc:AlternateContent xmlns:mc="http://schemas.openxmlformats.org/markup-compatibility/2006">
               <mc:Choice xmlns:v="urn:schemas-microsoft-com:vml" Requires="v">
-                <p:oleObj spid="_x0000_s10426" name="think-cell Slide" r:id="rId5" imgW="270" imgH="270" progId="TCLayout.ActiveDocument.1">
+                <p:oleObj spid="_x0000_s10434" name="think-cell Slide" r:id="rId5" imgW="270" imgH="270" progId="TCLayout.ActiveDocument.1">
                   <p:embed/>
                 </p:oleObj>
               </mc:Choice>
@@ -1573,7 +1573,7 @@
           <a:p>
             <a:fld id="{B56E8790-EF43-4195-82DA-4A26D543E504}" type="datetimeFigureOut">
               <a:rPr lang="en-GB" smtClean="0"/>
-              <a:t>07/10/2020</a:t>
+              <a:t>30/12/2020</a:t>
             </a:fld>
             <a:endParaRPr lang="en-GB" dirty="0"/>
           </a:p>
@@ -1611,7 +1611,7 @@
           </a:lstStyle>
           <a:p>
             <a:r>
-              <a:rPr lang="en-US" dirty="0" smtClean="0"/>
+              <a:rPr lang="en-US" dirty="0"/>
               <a:t>Click icon to add picture</a:t>
             </a:r>
             <a:endParaRPr lang="en-GB" dirty="0"/>
@@ -1725,35 +1725,35 @@
           <a:p>
             <a:pPr lvl="0"/>
             <a:r>
-              <a:rPr lang="en-US" smtClean="0"/>
+              <a:rPr lang="en-US"/>
               <a:t>Click to edit Master text styles</a:t>
             </a:r>
           </a:p>
           <a:p>
             <a:pPr lvl="1"/>
             <a:r>
-              <a:rPr lang="en-US" smtClean="0"/>
+              <a:rPr lang="en-US"/>
               <a:t>Second level</a:t>
             </a:r>
           </a:p>
           <a:p>
             <a:pPr lvl="2"/>
             <a:r>
-              <a:rPr lang="en-US" smtClean="0"/>
+              <a:rPr lang="en-US"/>
               <a:t>Third level</a:t>
             </a:r>
           </a:p>
           <a:p>
             <a:pPr lvl="3"/>
             <a:r>
-              <a:rPr lang="en-US" smtClean="0"/>
+              <a:rPr lang="en-US"/>
               <a:t>Fourth level</a:t>
             </a:r>
           </a:p>
           <a:p>
             <a:pPr lvl="4"/>
             <a:r>
-              <a:rPr lang="en-US" smtClean="0"/>
+              <a:rPr lang="en-US"/>
               <a:t>Fifth level</a:t>
             </a:r>
             <a:endParaRPr lang="en-GB" dirty="0"/>
@@ -1927,7 +1927,7 @@
           </a:lstStyle>
           <a:p>
             <a:r>
-              <a:rPr lang="en-US" dirty="0" smtClean="0"/>
+              <a:rPr lang="en-US" dirty="0"/>
               <a:t>Click icon to add picture</a:t>
             </a:r>
             <a:endParaRPr lang="en-GB" dirty="0"/>
@@ -1959,7 +1959,7 @@
           <a:graphicData uri="http://schemas.openxmlformats.org/presentationml/2006/ole">
             <mc:AlternateContent xmlns:mc="http://schemas.openxmlformats.org/markup-compatibility/2006">
               <mc:Choice xmlns:v="urn:schemas-microsoft-com:vml" Requires="v">
-                <p:oleObj spid="_x0000_s10427" name="think-cell Slide" r:id="rId8" imgW="270" imgH="270" progId="TCLayout.ActiveDocument.1">
+                <p:oleObj spid="_x0000_s10435" name="think-cell Slide" r:id="rId8" imgW="270" imgH="270" progId="TCLayout.ActiveDocument.1">
                   <p:embed/>
                 </p:oleObj>
               </mc:Choice>
@@ -2215,7 +2215,6 @@
             <p:custDataLst>
               <p:tags r:id="rId2"/>
             </p:custDataLst>
-            <p:extLst/>
           </p:nvPr>
         </p:nvGraphicFramePr>
         <p:xfrm>
@@ -2226,7 +2225,7 @@
           <a:graphicData uri="http://schemas.openxmlformats.org/presentationml/2006/ole">
             <mc:AlternateContent xmlns:mc="http://schemas.openxmlformats.org/markup-compatibility/2006">
               <mc:Choice xmlns:v="urn:schemas-microsoft-com:vml" Requires="v">
-                <p:oleObj spid="_x0000_s11358" name="think-cell Slide" r:id="rId4" imgW="270" imgH="270" progId="TCLayout.ActiveDocument.1">
+                <p:oleObj spid="_x0000_s11362" name="think-cell Slide" r:id="rId4" imgW="270" imgH="270" progId="TCLayout.ActiveDocument.1">
                   <p:embed/>
                 </p:oleObj>
               </mc:Choice>
@@ -2283,7 +2282,7 @@
           <a:p>
             <a:fld id="{B56E8790-EF43-4195-82DA-4A26D543E504}" type="datetimeFigureOut">
               <a:rPr lang="en-GB" smtClean="0"/>
-              <a:t>07/10/2020</a:t>
+              <a:t>30/12/2020</a:t>
             </a:fld>
             <a:endParaRPr lang="en-GB" dirty="0"/>
           </a:p>
@@ -2662,7 +2661,6 @@
             <p:custDataLst>
               <p:tags r:id="rId2"/>
             </p:custDataLst>
-            <p:extLst/>
           </p:nvPr>
         </p:nvGraphicFramePr>
         <p:xfrm>
@@ -2673,7 +2671,7 @@
           <a:graphicData uri="http://schemas.openxmlformats.org/presentationml/2006/ole">
             <mc:AlternateContent xmlns:mc="http://schemas.openxmlformats.org/markup-compatibility/2006">
               <mc:Choice xmlns:v="urn:schemas-microsoft-com:vml" Requires="v">
-                <p:oleObj spid="_x0000_s12382" name="think-cell Slide" r:id="rId4" imgW="270" imgH="270" progId="TCLayout.ActiveDocument.1">
+                <p:oleObj spid="_x0000_s12386" name="think-cell Slide" r:id="rId4" imgW="270" imgH="270" progId="TCLayout.ActiveDocument.1">
                   <p:embed/>
                 </p:oleObj>
               </mc:Choice>
@@ -2730,7 +2728,7 @@
           <a:p>
             <a:fld id="{B56E8790-EF43-4195-82DA-4A26D543E504}" type="datetimeFigureOut">
               <a:rPr lang="en-GB" smtClean="0"/>
-              <a:t>07/10/2020</a:t>
+              <a:t>30/12/2020</a:t>
             </a:fld>
             <a:endParaRPr lang="en-GB" dirty="0"/>
           </a:p>
@@ -2837,35 +2835,35 @@
           <a:p>
             <a:pPr lvl="0"/>
             <a:r>
-              <a:rPr lang="en-US" smtClean="0"/>
+              <a:rPr lang="en-US"/>
               <a:t>Click to edit Master text styles</a:t>
             </a:r>
           </a:p>
           <a:p>
             <a:pPr lvl="1"/>
             <a:r>
-              <a:rPr lang="en-US" smtClean="0"/>
+              <a:rPr lang="en-US"/>
               <a:t>Second level</a:t>
             </a:r>
           </a:p>
           <a:p>
             <a:pPr lvl="2"/>
             <a:r>
-              <a:rPr lang="en-US" smtClean="0"/>
+              <a:rPr lang="en-US"/>
               <a:t>Third level</a:t>
             </a:r>
           </a:p>
           <a:p>
             <a:pPr lvl="3"/>
             <a:r>
-              <a:rPr lang="en-US" smtClean="0"/>
+              <a:rPr lang="en-US"/>
               <a:t>Fourth level</a:t>
             </a:r>
           </a:p>
           <a:p>
             <a:pPr lvl="4"/>
             <a:r>
-              <a:rPr lang="en-US" smtClean="0"/>
+              <a:rPr lang="en-US"/>
               <a:t>Fifth level</a:t>
             </a:r>
             <a:endParaRPr lang="en-GB" dirty="0"/>
@@ -3219,7 +3217,7 @@
           </a:lstStyle>
           <a:p>
             <a:r>
-              <a:rPr lang="en-US" dirty="0" smtClean="0"/>
+              <a:rPr lang="en-US" dirty="0"/>
               <a:t>Click icon to add picture</a:t>
             </a:r>
             <a:endParaRPr lang="en-GB" dirty="0"/>
@@ -3236,7 +3234,7 @@
   <p:clrMapOvr>
     <a:masterClrMapping/>
   </p:clrMapOvr>
-  <p:extLst mod="1">
+  <p:extLst>
     <p:ext uri="{DCECCB84-F9BA-43D5-87BE-67443E8EF086}">
       <p15:sldGuideLst xmlns:p15="http://schemas.microsoft.com/office/powerpoint/2012/main"/>
     </p:ext>
@@ -3271,7 +3269,6 @@
             <p:custDataLst>
               <p:tags r:id="rId2"/>
             </p:custDataLst>
-            <p:extLst/>
           </p:nvPr>
         </p:nvGraphicFramePr>
         <p:xfrm>
@@ -3282,7 +3279,7 @@
           <a:graphicData uri="http://schemas.openxmlformats.org/presentationml/2006/ole">
             <mc:AlternateContent xmlns:mc="http://schemas.openxmlformats.org/markup-compatibility/2006">
               <mc:Choice xmlns:v="urn:schemas-microsoft-com:vml" Requires="v">
-                <p:oleObj spid="_x0000_s13406" name="think-cell Slide" r:id="rId4" imgW="270" imgH="270" progId="TCLayout.ActiveDocument.1">
+                <p:oleObj spid="_x0000_s13410" name="think-cell Slide" r:id="rId4" imgW="270" imgH="270" progId="TCLayout.ActiveDocument.1">
                   <p:embed/>
                 </p:oleObj>
               </mc:Choice>
@@ -3339,7 +3336,7 @@
           <a:p>
             <a:fld id="{B56E8790-EF43-4195-82DA-4A26D543E504}" type="datetimeFigureOut">
               <a:rPr lang="en-GB" smtClean="0"/>
-              <a:t>07/10/2020</a:t>
+              <a:t>30/12/2020</a:t>
             </a:fld>
             <a:endParaRPr lang="en-GB" dirty="0"/>
           </a:p>
@@ -3446,35 +3443,35 @@
           <a:p>
             <a:pPr lvl="0"/>
             <a:r>
-              <a:rPr lang="en-US" smtClean="0"/>
+              <a:rPr lang="en-US"/>
               <a:t>Click to edit Master text styles</a:t>
             </a:r>
           </a:p>
           <a:p>
             <a:pPr lvl="1"/>
             <a:r>
-              <a:rPr lang="en-US" smtClean="0"/>
+              <a:rPr lang="en-US"/>
               <a:t>Second level</a:t>
             </a:r>
           </a:p>
           <a:p>
             <a:pPr lvl="2"/>
             <a:r>
-              <a:rPr lang="en-US" smtClean="0"/>
+              <a:rPr lang="en-US"/>
               <a:t>Third level</a:t>
             </a:r>
           </a:p>
           <a:p>
             <a:pPr lvl="3"/>
             <a:r>
-              <a:rPr lang="en-US" smtClean="0"/>
+              <a:rPr lang="en-US"/>
               <a:t>Fourth level</a:t>
             </a:r>
           </a:p>
           <a:p>
             <a:pPr lvl="4"/>
             <a:r>
-              <a:rPr lang="en-US" smtClean="0"/>
+              <a:rPr lang="en-US"/>
               <a:t>Fifth level</a:t>
             </a:r>
             <a:endParaRPr lang="en-GB" dirty="0"/>
@@ -3828,7 +3825,7 @@
           </a:lstStyle>
           <a:p>
             <a:r>
-              <a:rPr lang="en-US" dirty="0" smtClean="0"/>
+              <a:rPr lang="en-US" dirty="0"/>
               <a:t>Click icon to add picture</a:t>
             </a:r>
             <a:endParaRPr lang="en-GB" dirty="0"/>
@@ -3845,7 +3842,7 @@
   <p:clrMapOvr>
     <a:masterClrMapping/>
   </p:clrMapOvr>
-  <p:extLst mod="1">
+  <p:extLst>
     <p:ext uri="{DCECCB84-F9BA-43D5-87BE-67443E8EF086}">
       <p15:sldGuideLst xmlns:p15="http://schemas.microsoft.com/office/powerpoint/2012/main"/>
     </p:ext>
@@ -3880,7 +3877,6 @@
             <p:custDataLst>
               <p:tags r:id="rId2"/>
             </p:custDataLst>
-            <p:extLst/>
           </p:nvPr>
         </p:nvGraphicFramePr>
         <p:xfrm>
@@ -3891,7 +3887,7 @@
           <a:graphicData uri="http://schemas.openxmlformats.org/presentationml/2006/ole">
             <mc:AlternateContent xmlns:mc="http://schemas.openxmlformats.org/markup-compatibility/2006">
               <mc:Choice xmlns:v="urn:schemas-microsoft-com:vml" Requires="v">
-                <p:oleObj spid="_x0000_s14430" name="think-cell Slide" r:id="rId4" imgW="270" imgH="270" progId="TCLayout.ActiveDocument.1">
+                <p:oleObj spid="_x0000_s14434" name="think-cell Slide" r:id="rId4" imgW="270" imgH="270" progId="TCLayout.ActiveDocument.1">
                   <p:embed/>
                 </p:oleObj>
               </mc:Choice>
@@ -3948,7 +3944,7 @@
           <a:p>
             <a:fld id="{B56E8790-EF43-4195-82DA-4A26D543E504}" type="datetimeFigureOut">
               <a:rPr lang="en-GB" smtClean="0"/>
-              <a:t>07/10/2020</a:t>
+              <a:t>30/12/2020</a:t>
             </a:fld>
             <a:endParaRPr lang="en-GB" dirty="0"/>
           </a:p>
@@ -4055,35 +4051,35 @@
           <a:p>
             <a:pPr lvl="0"/>
             <a:r>
-              <a:rPr lang="en-US" smtClean="0"/>
+              <a:rPr lang="en-US"/>
               <a:t>Click to edit Master text styles</a:t>
             </a:r>
           </a:p>
           <a:p>
             <a:pPr lvl="1"/>
             <a:r>
-              <a:rPr lang="en-US" smtClean="0"/>
+              <a:rPr lang="en-US"/>
               <a:t>Second level</a:t>
             </a:r>
           </a:p>
           <a:p>
             <a:pPr lvl="2"/>
             <a:r>
-              <a:rPr lang="en-US" smtClean="0"/>
+              <a:rPr lang="en-US"/>
               <a:t>Third level</a:t>
             </a:r>
           </a:p>
           <a:p>
             <a:pPr lvl="3"/>
             <a:r>
-              <a:rPr lang="en-US" smtClean="0"/>
+              <a:rPr lang="en-US"/>
               <a:t>Fourth level</a:t>
             </a:r>
           </a:p>
           <a:p>
             <a:pPr lvl="4"/>
             <a:r>
-              <a:rPr lang="en-US" smtClean="0"/>
+              <a:rPr lang="en-US"/>
               <a:t>Fifth level</a:t>
             </a:r>
             <a:endParaRPr lang="en-GB" dirty="0"/>
@@ -4437,7 +4433,7 @@
           </a:lstStyle>
           <a:p>
             <a:r>
-              <a:rPr lang="en-US" dirty="0" smtClean="0"/>
+              <a:rPr lang="en-US" dirty="0"/>
               <a:t>Click icon to add picture</a:t>
             </a:r>
             <a:endParaRPr lang="en-GB" dirty="0"/>
@@ -4454,7 +4450,7 @@
   <p:clrMapOvr>
     <a:masterClrMapping/>
   </p:clrMapOvr>
-  <p:extLst mod="1">
+  <p:extLst>
     <p:ext uri="{DCECCB84-F9BA-43D5-87BE-67443E8EF086}">
       <p15:sldGuideLst xmlns:p15="http://schemas.microsoft.com/office/powerpoint/2012/main"/>
     </p:ext>
@@ -4489,7 +4485,6 @@
             <p:custDataLst>
               <p:tags r:id="rId2"/>
             </p:custDataLst>
-            <p:extLst/>
           </p:nvPr>
         </p:nvGraphicFramePr>
         <p:xfrm>
@@ -4500,7 +4495,7 @@
           <a:graphicData uri="http://schemas.openxmlformats.org/presentationml/2006/ole">
             <mc:AlternateContent xmlns:mc="http://schemas.openxmlformats.org/markup-compatibility/2006">
               <mc:Choice xmlns:v="urn:schemas-microsoft-com:vml" Requires="v">
-                <p:oleObj spid="_x0000_s15454" name="think-cell Slide" r:id="rId4" imgW="270" imgH="270" progId="TCLayout.ActiveDocument.1">
+                <p:oleObj spid="_x0000_s15458" name="think-cell Slide" r:id="rId4" imgW="270" imgH="270" progId="TCLayout.ActiveDocument.1">
                   <p:embed/>
                 </p:oleObj>
               </mc:Choice>
@@ -4557,7 +4552,7 @@
           <a:p>
             <a:fld id="{B56E8790-EF43-4195-82DA-4A26D543E504}" type="datetimeFigureOut">
               <a:rPr lang="en-GB" smtClean="0"/>
-              <a:t>07/10/2020</a:t>
+              <a:t>30/12/2020</a:t>
             </a:fld>
             <a:endParaRPr lang="en-GB" dirty="0"/>
           </a:p>
@@ -4664,35 +4659,35 @@
           <a:p>
             <a:pPr lvl="0"/>
             <a:r>
-              <a:rPr lang="en-US" smtClean="0"/>
+              <a:rPr lang="en-US"/>
               <a:t>Click to edit Master text styles</a:t>
             </a:r>
           </a:p>
           <a:p>
             <a:pPr lvl="1"/>
             <a:r>
-              <a:rPr lang="en-US" smtClean="0"/>
+              <a:rPr lang="en-US"/>
               <a:t>Second level</a:t>
             </a:r>
           </a:p>
           <a:p>
             <a:pPr lvl="2"/>
             <a:r>
-              <a:rPr lang="en-US" smtClean="0"/>
+              <a:rPr lang="en-US"/>
               <a:t>Third level</a:t>
             </a:r>
           </a:p>
           <a:p>
             <a:pPr lvl="3"/>
             <a:r>
-              <a:rPr lang="en-US" smtClean="0"/>
+              <a:rPr lang="en-US"/>
               <a:t>Fourth level</a:t>
             </a:r>
           </a:p>
           <a:p>
             <a:pPr lvl="4"/>
             <a:r>
-              <a:rPr lang="en-US" smtClean="0"/>
+              <a:rPr lang="en-US"/>
               <a:t>Fifth level</a:t>
             </a:r>
             <a:endParaRPr lang="en-GB" dirty="0"/>
@@ -5046,7 +5041,7 @@
           </a:lstStyle>
           <a:p>
             <a:r>
-              <a:rPr lang="en-US" dirty="0" smtClean="0"/>
+              <a:rPr lang="en-US" dirty="0"/>
               <a:t>Click icon to add picture</a:t>
             </a:r>
             <a:endParaRPr lang="en-GB" dirty="0"/>
@@ -5063,7 +5058,7 @@
   <p:clrMapOvr>
     <a:masterClrMapping/>
   </p:clrMapOvr>
-  <p:extLst mod="1">
+  <p:extLst>
     <p:ext uri="{DCECCB84-F9BA-43D5-87BE-67443E8EF086}">
       <p15:sldGuideLst xmlns:p15="http://schemas.microsoft.com/office/powerpoint/2012/main"/>
     </p:ext>
@@ -5098,7 +5093,6 @@
             <p:custDataLst>
               <p:tags r:id="rId2"/>
             </p:custDataLst>
-            <p:extLst/>
           </p:nvPr>
         </p:nvGraphicFramePr>
         <p:xfrm>
@@ -5109,7 +5103,7 @@
           <a:graphicData uri="http://schemas.openxmlformats.org/presentationml/2006/ole">
             <mc:AlternateContent xmlns:mc="http://schemas.openxmlformats.org/markup-compatibility/2006">
               <mc:Choice xmlns:v="urn:schemas-microsoft-com:vml" Requires="v">
-                <p:oleObj spid="_x0000_s16478" name="think-cell Slide" r:id="rId4" imgW="270" imgH="270" progId="TCLayout.ActiveDocument.1">
+                <p:oleObj spid="_x0000_s16482" name="think-cell Slide" r:id="rId4" imgW="270" imgH="270" progId="TCLayout.ActiveDocument.1">
                   <p:embed/>
                 </p:oleObj>
               </mc:Choice>
@@ -5166,7 +5160,7 @@
           <a:p>
             <a:fld id="{B56E8790-EF43-4195-82DA-4A26D543E504}" type="datetimeFigureOut">
               <a:rPr lang="en-GB" smtClean="0"/>
-              <a:t>07/10/2020</a:t>
+              <a:t>30/12/2020</a:t>
             </a:fld>
             <a:endParaRPr lang="en-GB" dirty="0"/>
           </a:p>
@@ -5273,35 +5267,35 @@
           <a:p>
             <a:pPr lvl="0"/>
             <a:r>
-              <a:rPr lang="en-US" smtClean="0"/>
+              <a:rPr lang="en-US"/>
               <a:t>Click to edit Master text styles</a:t>
             </a:r>
           </a:p>
           <a:p>
             <a:pPr lvl="1"/>
             <a:r>
-              <a:rPr lang="en-US" smtClean="0"/>
+              <a:rPr lang="en-US"/>
               <a:t>Second level</a:t>
             </a:r>
           </a:p>
           <a:p>
             <a:pPr lvl="2"/>
             <a:r>
-              <a:rPr lang="en-US" smtClean="0"/>
+              <a:rPr lang="en-US"/>
               <a:t>Third level</a:t>
             </a:r>
           </a:p>
           <a:p>
             <a:pPr lvl="3"/>
             <a:r>
-              <a:rPr lang="en-US" smtClean="0"/>
+              <a:rPr lang="en-US"/>
               <a:t>Fourth level</a:t>
             </a:r>
           </a:p>
           <a:p>
             <a:pPr lvl="4"/>
             <a:r>
-              <a:rPr lang="en-US" smtClean="0"/>
+              <a:rPr lang="en-US"/>
               <a:t>Fifth level</a:t>
             </a:r>
             <a:endParaRPr lang="en-GB" dirty="0"/>
@@ -5655,7 +5649,7 @@
           </a:lstStyle>
           <a:p>
             <a:r>
-              <a:rPr lang="en-US" dirty="0" smtClean="0"/>
+              <a:rPr lang="en-US" dirty="0"/>
               <a:t>Click icon to add picture</a:t>
             </a:r>
             <a:endParaRPr lang="en-GB" dirty="0"/>
@@ -5672,7 +5666,7 @@
   <p:clrMapOvr>
     <a:masterClrMapping/>
   </p:clrMapOvr>
-  <p:extLst mod="1">
+  <p:extLst>
     <p:ext uri="{DCECCB84-F9BA-43D5-87BE-67443E8EF086}">
       <p15:sldGuideLst xmlns:p15="http://schemas.microsoft.com/office/powerpoint/2012/main"/>
     </p:ext>
@@ -5707,7 +5701,6 @@
             <p:custDataLst>
               <p:tags r:id="rId2"/>
             </p:custDataLst>
-            <p:extLst/>
           </p:nvPr>
         </p:nvGraphicFramePr>
         <p:xfrm>
@@ -5718,7 +5711,7 @@
           <a:graphicData uri="http://schemas.openxmlformats.org/presentationml/2006/ole">
             <mc:AlternateContent xmlns:mc="http://schemas.openxmlformats.org/markup-compatibility/2006">
               <mc:Choice xmlns:v="urn:schemas-microsoft-com:vml" Requires="v">
-                <p:oleObj spid="_x0000_s17502" name="think-cell Slide" r:id="rId4" imgW="270" imgH="270" progId="TCLayout.ActiveDocument.1">
+                <p:oleObj spid="_x0000_s17506" name="think-cell Slide" r:id="rId4" imgW="270" imgH="270" progId="TCLayout.ActiveDocument.1">
                   <p:embed/>
                 </p:oleObj>
               </mc:Choice>
@@ -5775,7 +5768,7 @@
           <a:p>
             <a:fld id="{B56E8790-EF43-4195-82DA-4A26D543E504}" type="datetimeFigureOut">
               <a:rPr lang="en-GB" smtClean="0"/>
-              <a:t>07/10/2020</a:t>
+              <a:t>30/12/2020</a:t>
             </a:fld>
             <a:endParaRPr lang="en-GB" dirty="0"/>
           </a:p>
@@ -5882,35 +5875,35 @@
           <a:p>
             <a:pPr lvl="0"/>
             <a:r>
-              <a:rPr lang="en-US" smtClean="0"/>
+              <a:rPr lang="en-US"/>
               <a:t>Click to edit Master text styles</a:t>
             </a:r>
           </a:p>
           <a:p>
             <a:pPr lvl="1"/>
             <a:r>
-              <a:rPr lang="en-US" smtClean="0"/>
+              <a:rPr lang="en-US"/>
               <a:t>Second level</a:t>
             </a:r>
           </a:p>
           <a:p>
             <a:pPr lvl="2"/>
             <a:r>
-              <a:rPr lang="en-US" smtClean="0"/>
+              <a:rPr lang="en-US"/>
               <a:t>Third level</a:t>
             </a:r>
           </a:p>
           <a:p>
             <a:pPr lvl="3"/>
             <a:r>
-              <a:rPr lang="en-US" smtClean="0"/>
+              <a:rPr lang="en-US"/>
               <a:t>Fourth level</a:t>
             </a:r>
           </a:p>
           <a:p>
             <a:pPr lvl="4"/>
             <a:r>
-              <a:rPr lang="en-US" smtClean="0"/>
+              <a:rPr lang="en-US"/>
               <a:t>Fifth level</a:t>
             </a:r>
             <a:endParaRPr lang="en-GB" dirty="0"/>
@@ -6264,7 +6257,7 @@
           </a:lstStyle>
           <a:p>
             <a:r>
-              <a:rPr lang="en-US" dirty="0" smtClean="0"/>
+              <a:rPr lang="en-US" dirty="0"/>
               <a:t>Click icon to add picture</a:t>
             </a:r>
             <a:endParaRPr lang="en-GB" dirty="0"/>
@@ -6281,7 +6274,7 @@
   <p:clrMapOvr>
     <a:masterClrMapping/>
   </p:clrMapOvr>
-  <p:extLst mod="1">
+  <p:extLst>
     <p:ext uri="{DCECCB84-F9BA-43D5-87BE-67443E8EF086}">
       <p15:sldGuideLst xmlns:p15="http://schemas.microsoft.com/office/powerpoint/2012/main"/>
     </p:ext>
@@ -6331,7 +6324,7 @@
           </a:lstStyle>
           <a:p>
             <a:r>
-              <a:rPr lang="en-US" smtClean="0"/>
+              <a:rPr lang="en-US"/>
               <a:t>Click to edit Master title style</a:t>
             </a:r>
             <a:endParaRPr lang="en-GB"/>
@@ -6396,7 +6389,7 @@
           </a:lstStyle>
           <a:p>
             <a:r>
-              <a:rPr lang="en-US" smtClean="0"/>
+              <a:rPr lang="en-US"/>
               <a:t>Click to edit Master subtitle style</a:t>
             </a:r>
             <a:endParaRPr lang="en-GB"/>
@@ -6420,7 +6413,7 @@
           <a:p>
             <a:fld id="{B56E8790-EF43-4195-82DA-4A26D543E504}" type="datetimeFigureOut">
               <a:rPr lang="en-GB" smtClean="0"/>
-              <a:t>07/10/2020</a:t>
+              <a:t>30/12/2020</a:t>
             </a:fld>
             <a:endParaRPr lang="en-GB" dirty="0"/>
           </a:p>
@@ -6531,7 +6524,7 @@
           <a:graphicData uri="http://schemas.openxmlformats.org/presentationml/2006/ole">
             <mc:AlternateContent xmlns:mc="http://schemas.openxmlformats.org/markup-compatibility/2006">
               <mc:Choice xmlns:v="urn:schemas-microsoft-com:vml" Requires="v">
-                <p:oleObj spid="_x0000_s3166" name="think-cell Slide" r:id="rId4" imgW="270" imgH="270" progId="TCLayout.ActiveDocument.1">
+                <p:oleObj spid="_x0000_s3170" name="think-cell Slide" r:id="rId4" imgW="270" imgH="270" progId="TCLayout.ActiveDocument.1">
                   <p:embed/>
                 </p:oleObj>
               </mc:Choice>
@@ -6598,7 +6591,7 @@
           </a:lstStyle>
           <a:p>
             <a:r>
-              <a:rPr lang="en-US" dirty="0" smtClean="0"/>
+              <a:rPr lang="en-US" dirty="0"/>
               <a:t>Click icon to add picture</a:t>
             </a:r>
             <a:endParaRPr lang="en-GB" dirty="0"/>
@@ -6643,7 +6636,7 @@
           </a:lstStyle>
           <a:p>
             <a:r>
-              <a:rPr lang="en-US" dirty="0" smtClean="0"/>
+              <a:rPr lang="en-US" dirty="0"/>
               <a:t>Click icon to add picture</a:t>
             </a:r>
             <a:endParaRPr lang="en-GB" dirty="0"/>
@@ -6680,7 +6673,7 @@
           <a:p>
             <a:fld id="{B56E8790-EF43-4195-82DA-4A26D543E504}" type="datetimeFigureOut">
               <a:rPr lang="en-GB" smtClean="0"/>
-              <a:t>07/10/2020</a:t>
+              <a:t>30/12/2020</a:t>
             </a:fld>
             <a:endParaRPr lang="en-GB" dirty="0"/>
           </a:p>
@@ -6834,7 +6827,6 @@
             <p:custDataLst>
               <p:tags r:id="rId2"/>
             </p:custDataLst>
-            <p:extLst/>
           </p:nvPr>
         </p:nvGraphicFramePr>
         <p:xfrm>
@@ -6845,7 +6837,7 @@
           <a:graphicData uri="http://schemas.openxmlformats.org/presentationml/2006/ole">
             <mc:AlternateContent xmlns:mc="http://schemas.openxmlformats.org/markup-compatibility/2006">
               <mc:Choice xmlns:v="urn:schemas-microsoft-com:vml" Requires="v">
-                <p:oleObj spid="_x0000_s19550" name="think-cell Slide" r:id="rId5" imgW="270" imgH="270" progId="TCLayout.ActiveDocument.1">
+                <p:oleObj spid="_x0000_s19554" name="think-cell Slide" r:id="rId5" imgW="270" imgH="270" progId="TCLayout.ActiveDocument.1">
                   <p:embed/>
                 </p:oleObj>
               </mc:Choice>
@@ -7028,7 +7020,7 @@
             <a:fld id="{FD5A4159-1C9D-4C23-8DBB-0FD5BF49F859}" type="datetime1">
               <a:rPr lang="en-GB" smtClean="0"/>
               <a:pPr/>
-              <a:t>07/10/2020</a:t>
+              <a:t>30/12/2020</a:t>
             </a:fld>
             <a:endParaRPr lang="en-GB" dirty="0"/>
           </a:p>
@@ -7111,7 +7103,6 @@
             <p:custDataLst>
               <p:tags r:id="rId2"/>
             </p:custDataLst>
-            <p:extLst/>
           </p:nvPr>
         </p:nvGraphicFramePr>
         <p:xfrm>
@@ -7122,7 +7113,7 @@
           <a:graphicData uri="http://schemas.openxmlformats.org/presentationml/2006/ole">
             <mc:AlternateContent xmlns:mc="http://schemas.openxmlformats.org/markup-compatibility/2006">
               <mc:Choice xmlns:v="urn:schemas-microsoft-com:vml" Requires="v">
-                <p:oleObj spid="_x0000_s20574" name="think-cell Slide" r:id="rId4" imgW="270" imgH="270" progId="TCLayout.ActiveDocument.1">
+                <p:oleObj spid="_x0000_s20578" name="think-cell Slide" r:id="rId4" imgW="270" imgH="270" progId="TCLayout.ActiveDocument.1">
                   <p:embed/>
                 </p:oleObj>
               </mc:Choice>
@@ -7189,7 +7180,7 @@
           </a:lstStyle>
           <a:p>
             <a:r>
-              <a:rPr lang="en-US" dirty="0" smtClean="0"/>
+              <a:rPr lang="en-US" dirty="0"/>
               <a:t>Click icon to add picture</a:t>
             </a:r>
             <a:endParaRPr lang="en-GB" dirty="0"/>
@@ -7234,7 +7225,7 @@
           </a:lstStyle>
           <a:p>
             <a:r>
-              <a:rPr lang="en-US" dirty="0" smtClean="0"/>
+              <a:rPr lang="en-US" dirty="0"/>
               <a:t>Click icon to add picture</a:t>
             </a:r>
             <a:endParaRPr lang="en-GB" dirty="0"/>
@@ -7272,7 +7263,7 @@
             <a:fld id="{461D2423-DC7C-4239-9F6A-F74AADFD9F8E}" type="datetime1">
               <a:rPr lang="en-GB" smtClean="0"/>
               <a:pPr/>
-              <a:t>07/10/2020</a:t>
+              <a:t>30/12/2020</a:t>
             </a:fld>
             <a:endParaRPr lang="en-GB" dirty="0"/>
           </a:p>
@@ -7446,7 +7437,7 @@
             <a:fld id="{84F482FB-B023-4CBB-8046-4D830E895C90}" type="datetime1">
               <a:rPr lang="en-GB" smtClean="0"/>
               <a:pPr/>
-              <a:t>07/10/2020</a:t>
+              <a:t>30/12/2020</a:t>
             </a:fld>
             <a:endParaRPr lang="en-GB" dirty="0"/>
           </a:p>
@@ -7709,7 +7700,6 @@
             <p:custDataLst>
               <p:tags r:id="rId2"/>
             </p:custDataLst>
-            <p:extLst/>
           </p:nvPr>
         </p:nvGraphicFramePr>
         <p:xfrm>
@@ -7720,7 +7710,7 @@
           <a:graphicData uri="http://schemas.openxmlformats.org/presentationml/2006/ole">
             <mc:AlternateContent xmlns:mc="http://schemas.openxmlformats.org/markup-compatibility/2006">
               <mc:Choice xmlns:v="urn:schemas-microsoft-com:vml" Requires="v">
-                <p:oleObj spid="_x0000_s21598" name="think-cell Slide" r:id="rId4" imgW="270" imgH="270" progId="TCLayout.ActiveDocument.1">
+                <p:oleObj spid="_x0000_s21602" name="think-cell Slide" r:id="rId4" imgW="270" imgH="270" progId="TCLayout.ActiveDocument.1">
                   <p:embed/>
                 </p:oleObj>
               </mc:Choice>
@@ -7813,35 +7803,35 @@
           <a:p>
             <a:pPr lvl="0"/>
             <a:r>
-              <a:rPr lang="en-US" smtClean="0"/>
+              <a:rPr lang="en-US"/>
               <a:t>Click to edit Master text styles</a:t>
             </a:r>
           </a:p>
           <a:p>
             <a:pPr lvl="1"/>
             <a:r>
-              <a:rPr lang="en-US" smtClean="0"/>
+              <a:rPr lang="en-US"/>
               <a:t>Second level</a:t>
             </a:r>
           </a:p>
           <a:p>
             <a:pPr lvl="2"/>
             <a:r>
-              <a:rPr lang="en-US" smtClean="0"/>
+              <a:rPr lang="en-US"/>
               <a:t>Third level</a:t>
             </a:r>
           </a:p>
           <a:p>
             <a:pPr lvl="3"/>
             <a:r>
-              <a:rPr lang="en-US" smtClean="0"/>
+              <a:rPr lang="en-US"/>
               <a:t>Fourth level</a:t>
             </a:r>
           </a:p>
           <a:p>
             <a:pPr lvl="4"/>
             <a:r>
-              <a:rPr lang="en-US" smtClean="0"/>
+              <a:rPr lang="en-US"/>
               <a:t>Fifth level</a:t>
             </a:r>
             <a:endParaRPr lang="en-GB" dirty="0"/>
@@ -7879,7 +7869,7 @@
             <a:fld id="{F26DF438-9CC2-4A49-A657-78DE437E5C5C}" type="datetime1">
               <a:rPr lang="en-GB" smtClean="0"/>
               <a:pPr/>
-              <a:t>07/10/2020</a:t>
+              <a:t>30/12/2020</a:t>
             </a:fld>
             <a:endParaRPr lang="en-GB" dirty="0"/>
           </a:p>
@@ -8228,7 +8218,7 @@
   <p:clrMapOvr>
     <a:masterClrMapping/>
   </p:clrMapOvr>
-  <p:extLst mod="1">
+  <p:extLst>
     <p:ext uri="{DCECCB84-F9BA-43D5-87BE-67443E8EF086}">
       <p15:sldGuideLst xmlns:p15="http://schemas.microsoft.com/office/powerpoint/2012/main"/>
     </p:ext>
@@ -8263,7 +8253,6 @@
             <p:custDataLst>
               <p:tags r:id="rId2"/>
             </p:custDataLst>
-            <p:extLst/>
           </p:nvPr>
         </p:nvGraphicFramePr>
         <p:xfrm>
@@ -8274,7 +8263,7 @@
           <a:graphicData uri="http://schemas.openxmlformats.org/presentationml/2006/ole">
             <mc:AlternateContent xmlns:mc="http://schemas.openxmlformats.org/markup-compatibility/2006">
               <mc:Choice xmlns:v="urn:schemas-microsoft-com:vml" Requires="v">
-                <p:oleObj spid="_x0000_s22622" name="think-cell Slide" r:id="rId4" imgW="270" imgH="270" progId="TCLayout.ActiveDocument.1">
+                <p:oleObj spid="_x0000_s22626" name="think-cell Slide" r:id="rId4" imgW="270" imgH="270" progId="TCLayout.ActiveDocument.1">
                   <p:embed/>
                 </p:oleObj>
               </mc:Choice>
@@ -8340,7 +8329,7 @@
             <a:fld id="{A960169C-9E24-485A-B7A8-19D9A23B43F5}" type="datetime1">
               <a:rPr lang="en-GB" smtClean="0"/>
               <a:pPr/>
-              <a:t>07/10/2020</a:t>
+              <a:t>30/12/2020</a:t>
             </a:fld>
             <a:endParaRPr lang="en-GB" dirty="0"/>
           </a:p>
@@ -8404,35 +8393,35 @@
           <a:p>
             <a:pPr lvl="0"/>
             <a:r>
-              <a:rPr lang="en-US" smtClean="0"/>
+              <a:rPr lang="en-US"/>
               <a:t>Click to edit Master text styles</a:t>
             </a:r>
           </a:p>
           <a:p>
             <a:pPr lvl="1"/>
             <a:r>
-              <a:rPr lang="en-US" smtClean="0"/>
+              <a:rPr lang="en-US"/>
               <a:t>Second level</a:t>
             </a:r>
           </a:p>
           <a:p>
             <a:pPr lvl="2"/>
             <a:r>
-              <a:rPr lang="en-US" smtClean="0"/>
+              <a:rPr lang="en-US"/>
               <a:t>Third level</a:t>
             </a:r>
           </a:p>
           <a:p>
             <a:pPr lvl="3"/>
             <a:r>
-              <a:rPr lang="en-US" smtClean="0"/>
+              <a:rPr lang="en-US"/>
               <a:t>Fourth level</a:t>
             </a:r>
           </a:p>
           <a:p>
             <a:pPr lvl="4"/>
             <a:r>
-              <a:rPr lang="en-US" smtClean="0"/>
+              <a:rPr lang="en-US"/>
               <a:t>Fifth level</a:t>
             </a:r>
             <a:endParaRPr lang="en-GB" dirty="0"/>
@@ -8836,7 +8825,7 @@
   <p:clrMapOvr>
     <a:masterClrMapping/>
   </p:clrMapOvr>
-  <p:extLst mod="1">
+  <p:extLst>
     <p:ext uri="{DCECCB84-F9BA-43D5-87BE-67443E8EF086}">
       <p15:sldGuideLst xmlns:p15="http://schemas.microsoft.com/office/powerpoint/2012/main"/>
     </p:ext>
@@ -8871,7 +8860,6 @@
             <p:custDataLst>
               <p:tags r:id="rId2"/>
             </p:custDataLst>
-            <p:extLst/>
           </p:nvPr>
         </p:nvGraphicFramePr>
         <p:xfrm>
@@ -8882,7 +8870,7 @@
           <a:graphicData uri="http://schemas.openxmlformats.org/presentationml/2006/ole">
             <mc:AlternateContent xmlns:mc="http://schemas.openxmlformats.org/markup-compatibility/2006">
               <mc:Choice xmlns:v="urn:schemas-microsoft-com:vml" Requires="v">
-                <p:oleObj spid="_x0000_s23738" name="think-cell Slide" r:id="rId5" imgW="270" imgH="270" progId="TCLayout.ActiveDocument.1">
+                <p:oleObj spid="_x0000_s23746" name="think-cell Slide" r:id="rId5" imgW="270" imgH="270" progId="TCLayout.ActiveDocument.1">
                   <p:embed/>
                 </p:oleObj>
               </mc:Choice>
@@ -8975,35 +8963,35 @@
           <a:p>
             <a:pPr lvl="0"/>
             <a:r>
-              <a:rPr lang="en-US" smtClean="0"/>
+              <a:rPr lang="en-US"/>
               <a:t>Click to edit Master text styles</a:t>
             </a:r>
           </a:p>
           <a:p>
             <a:pPr lvl="1"/>
             <a:r>
-              <a:rPr lang="en-US" smtClean="0"/>
+              <a:rPr lang="en-US"/>
               <a:t>Second level</a:t>
             </a:r>
           </a:p>
           <a:p>
             <a:pPr lvl="2"/>
             <a:r>
-              <a:rPr lang="en-US" smtClean="0"/>
+              <a:rPr lang="en-US"/>
               <a:t>Third level</a:t>
             </a:r>
           </a:p>
           <a:p>
             <a:pPr lvl="3"/>
             <a:r>
-              <a:rPr lang="en-US" smtClean="0"/>
+              <a:rPr lang="en-US"/>
               <a:t>Fourth level</a:t>
             </a:r>
           </a:p>
           <a:p>
             <a:pPr lvl="4"/>
             <a:r>
-              <a:rPr lang="en-US" smtClean="0"/>
+              <a:rPr lang="en-US"/>
               <a:t>Fifth level</a:t>
             </a:r>
             <a:endParaRPr lang="en-GB" dirty="0"/>
@@ -9068,35 +9056,35 @@
           <a:p>
             <a:pPr lvl="0"/>
             <a:r>
-              <a:rPr lang="en-US" smtClean="0"/>
+              <a:rPr lang="en-US"/>
               <a:t>Click to edit Master text styles</a:t>
             </a:r>
           </a:p>
           <a:p>
             <a:pPr lvl="1"/>
             <a:r>
-              <a:rPr lang="en-US" smtClean="0"/>
+              <a:rPr lang="en-US"/>
               <a:t>Second level</a:t>
             </a:r>
           </a:p>
           <a:p>
             <a:pPr lvl="2"/>
             <a:r>
-              <a:rPr lang="en-US" smtClean="0"/>
+              <a:rPr lang="en-US"/>
               <a:t>Third level</a:t>
             </a:r>
           </a:p>
           <a:p>
             <a:pPr lvl="3"/>
             <a:r>
-              <a:rPr lang="en-US" smtClean="0"/>
+              <a:rPr lang="en-US"/>
               <a:t>Fourth level</a:t>
             </a:r>
           </a:p>
           <a:p>
             <a:pPr lvl="4"/>
             <a:r>
-              <a:rPr lang="en-US" smtClean="0"/>
+              <a:rPr lang="en-US"/>
               <a:t>Fifth level</a:t>
             </a:r>
             <a:endParaRPr lang="en-GB" dirty="0"/>
@@ -9134,7 +9122,7 @@
             <a:fld id="{0DD20B1F-20AE-4F8D-832A-F732FDE213D5}" type="datetime1">
               <a:rPr lang="en-GB" smtClean="0"/>
               <a:pPr/>
-              <a:t>07/10/2020</a:t>
+              <a:t>30/12/2020</a:t>
             </a:fld>
             <a:endParaRPr lang="en-GB" dirty="0"/>
           </a:p>
@@ -9194,7 +9182,6 @@
             <p:custDataLst>
               <p:tags r:id="rId3"/>
             </p:custDataLst>
-            <p:extLst/>
           </p:nvPr>
         </p:nvGraphicFramePr>
         <p:xfrm>
@@ -9205,7 +9192,7 @@
           <a:graphicData uri="http://schemas.openxmlformats.org/presentationml/2006/ole">
             <mc:AlternateContent xmlns:mc="http://schemas.openxmlformats.org/markup-compatibility/2006">
               <mc:Choice xmlns:v="urn:schemas-microsoft-com:vml" Requires="v">
-                <p:oleObj spid="_x0000_s23739" name="think-cell Slide" r:id="rId7" imgW="270" imgH="270" progId="TCLayout.ActiveDocument.1">
+                <p:oleObj spid="_x0000_s23747" name="think-cell Slide" r:id="rId7" imgW="270" imgH="270" progId="TCLayout.ActiveDocument.1">
                   <p:embed/>
                 </p:oleObj>
               </mc:Choice>
@@ -9503,7 +9490,7 @@
             <a:fld id="{0DD20B1F-20AE-4F8D-832A-F732FDE213D5}" type="datetime1">
               <a:rPr lang="en-GB" smtClean="0"/>
               <a:pPr/>
-              <a:t>07/10/2020</a:t>
+              <a:t>30/12/2020</a:t>
             </a:fld>
             <a:endParaRPr lang="en-GB" dirty="0"/>
           </a:p>
@@ -9567,35 +9554,35 @@
           <a:p>
             <a:pPr lvl="0"/>
             <a:r>
-              <a:rPr lang="en-US" smtClean="0"/>
+              <a:rPr lang="en-US"/>
               <a:t>Click to edit Master text styles</a:t>
             </a:r>
           </a:p>
           <a:p>
             <a:pPr lvl="1"/>
             <a:r>
-              <a:rPr lang="en-US" smtClean="0"/>
+              <a:rPr lang="en-US"/>
               <a:t>Second level</a:t>
             </a:r>
           </a:p>
           <a:p>
             <a:pPr lvl="2"/>
             <a:r>
-              <a:rPr lang="en-US" smtClean="0"/>
+              <a:rPr lang="en-US"/>
               <a:t>Third level</a:t>
             </a:r>
           </a:p>
           <a:p>
             <a:pPr lvl="3"/>
             <a:r>
-              <a:rPr lang="en-US" smtClean="0"/>
+              <a:rPr lang="en-US"/>
               <a:t>Fourth level</a:t>
             </a:r>
           </a:p>
           <a:p>
             <a:pPr lvl="4"/>
             <a:r>
-              <a:rPr lang="en-US" smtClean="0"/>
+              <a:rPr lang="en-US"/>
               <a:t>Fifth level</a:t>
             </a:r>
             <a:endParaRPr lang="en-GB" dirty="0"/>
@@ -9660,35 +9647,35 @@
           <a:p>
             <a:pPr lvl="0"/>
             <a:r>
-              <a:rPr lang="en-US" smtClean="0"/>
+              <a:rPr lang="en-US"/>
               <a:t>Click to edit Master text styles</a:t>
             </a:r>
           </a:p>
           <a:p>
             <a:pPr lvl="1"/>
             <a:r>
-              <a:rPr lang="en-US" smtClean="0"/>
+              <a:rPr lang="en-US"/>
               <a:t>Second level</a:t>
             </a:r>
           </a:p>
           <a:p>
             <a:pPr lvl="2"/>
             <a:r>
-              <a:rPr lang="en-US" smtClean="0"/>
+              <a:rPr lang="en-US"/>
               <a:t>Third level</a:t>
             </a:r>
           </a:p>
           <a:p>
             <a:pPr lvl="3"/>
             <a:r>
-              <a:rPr lang="en-US" smtClean="0"/>
+              <a:rPr lang="en-US"/>
               <a:t>Fourth level</a:t>
             </a:r>
           </a:p>
           <a:p>
             <a:pPr lvl="4"/>
             <a:r>
-              <a:rPr lang="en-US" smtClean="0"/>
+              <a:rPr lang="en-US"/>
               <a:t>Fifth level</a:t>
             </a:r>
             <a:endParaRPr lang="en-GB" dirty="0"/>
@@ -9981,7 +9968,6 @@
             <p:custDataLst>
               <p:tags r:id="rId2"/>
             </p:custDataLst>
-            <p:extLst/>
           </p:nvPr>
         </p:nvGraphicFramePr>
         <p:xfrm>
@@ -9992,7 +9978,7 @@
           <a:graphicData uri="http://schemas.openxmlformats.org/presentationml/2006/ole">
             <mc:AlternateContent xmlns:mc="http://schemas.openxmlformats.org/markup-compatibility/2006">
               <mc:Choice xmlns:v="urn:schemas-microsoft-com:vml" Requires="v">
-                <p:oleObj spid="_x0000_s24762" name="think-cell Slide" r:id="rId5" imgW="270" imgH="270" progId="TCLayout.ActiveDocument.1">
+                <p:oleObj spid="_x0000_s24770" name="think-cell Slide" r:id="rId5" imgW="270" imgH="270" progId="TCLayout.ActiveDocument.1">
                   <p:embed/>
                 </p:oleObj>
               </mc:Choice>
@@ -10058,7 +10044,7 @@
             <a:fld id="{D07952D7-4E08-421B-9537-2EE112E32DE3}" type="datetime1">
               <a:rPr lang="en-GB" smtClean="0"/>
               <a:pPr/>
-              <a:t>07/10/2020</a:t>
+              <a:t>30/12/2020</a:t>
             </a:fld>
             <a:endParaRPr lang="en-GB" dirty="0"/>
           </a:p>
@@ -10122,35 +10108,35 @@
           <a:p>
             <a:pPr lvl="0"/>
             <a:r>
-              <a:rPr lang="en-US" smtClean="0"/>
+              <a:rPr lang="en-US"/>
               <a:t>Click to edit Master text styles</a:t>
             </a:r>
           </a:p>
           <a:p>
             <a:pPr lvl="1"/>
             <a:r>
-              <a:rPr lang="en-US" smtClean="0"/>
+              <a:rPr lang="en-US"/>
               <a:t>Second level</a:t>
             </a:r>
           </a:p>
           <a:p>
             <a:pPr lvl="2"/>
             <a:r>
-              <a:rPr lang="en-US" smtClean="0"/>
+              <a:rPr lang="en-US"/>
               <a:t>Third level</a:t>
             </a:r>
           </a:p>
           <a:p>
             <a:pPr lvl="3"/>
             <a:r>
-              <a:rPr lang="en-US" smtClean="0"/>
+              <a:rPr lang="en-US"/>
               <a:t>Fourth level</a:t>
             </a:r>
           </a:p>
           <a:p>
             <a:pPr lvl="4"/>
             <a:r>
-              <a:rPr lang="en-US" smtClean="0"/>
+              <a:rPr lang="en-US"/>
               <a:t>Fifth level</a:t>
             </a:r>
             <a:endParaRPr lang="en-GB" dirty="0"/>
@@ -10215,35 +10201,35 @@
           <a:p>
             <a:pPr lvl="0"/>
             <a:r>
-              <a:rPr lang="en-US" smtClean="0"/>
+              <a:rPr lang="en-US"/>
               <a:t>Click to edit Master text styles</a:t>
             </a:r>
           </a:p>
           <a:p>
             <a:pPr lvl="1"/>
             <a:r>
-              <a:rPr lang="en-US" smtClean="0"/>
+              <a:rPr lang="en-US"/>
               <a:t>Second level</a:t>
             </a:r>
           </a:p>
           <a:p>
             <a:pPr lvl="2"/>
             <a:r>
-              <a:rPr lang="en-US" smtClean="0"/>
+              <a:rPr lang="en-US"/>
               <a:t>Third level</a:t>
             </a:r>
           </a:p>
           <a:p>
             <a:pPr lvl="3"/>
             <a:r>
-              <a:rPr lang="en-US" smtClean="0"/>
+              <a:rPr lang="en-US"/>
               <a:t>Fourth level</a:t>
             </a:r>
           </a:p>
           <a:p>
             <a:pPr lvl="4"/>
             <a:r>
-              <a:rPr lang="en-US" smtClean="0"/>
+              <a:rPr lang="en-US"/>
               <a:t>Fifth level</a:t>
             </a:r>
             <a:endParaRPr lang="en-GB" dirty="0"/>
@@ -10402,7 +10388,6 @@
             <p:custDataLst>
               <p:tags r:id="rId3"/>
             </p:custDataLst>
-            <p:extLst/>
           </p:nvPr>
         </p:nvGraphicFramePr>
         <p:xfrm>
@@ -10413,7 +10398,7 @@
           <a:graphicData uri="http://schemas.openxmlformats.org/presentationml/2006/ole">
             <mc:AlternateContent xmlns:mc="http://schemas.openxmlformats.org/markup-compatibility/2006">
               <mc:Choice xmlns:v="urn:schemas-microsoft-com:vml" Requires="v">
-                <p:oleObj spid="_x0000_s24763" name="think-cell Slide" r:id="rId7" imgW="270" imgH="270" progId="TCLayout.ActiveDocument.1">
+                <p:oleObj spid="_x0000_s24771" name="think-cell Slide" r:id="rId7" imgW="270" imgH="270" progId="TCLayout.ActiveDocument.1">
                   <p:embed/>
                 </p:oleObj>
               </mc:Choice>
@@ -10690,7 +10675,6 @@
             <p:custDataLst>
               <p:tags r:id="rId2"/>
             </p:custDataLst>
-            <p:extLst/>
           </p:nvPr>
         </p:nvGraphicFramePr>
         <p:xfrm>
@@ -10701,7 +10685,7 @@
           <a:graphicData uri="http://schemas.openxmlformats.org/presentationml/2006/ole">
             <mc:AlternateContent xmlns:mc="http://schemas.openxmlformats.org/markup-compatibility/2006">
               <mc:Choice xmlns:v="urn:schemas-microsoft-com:vml" Requires="v">
-                <p:oleObj spid="_x0000_s25786" name="think-cell Slide" r:id="rId5" imgW="270" imgH="270" progId="TCLayout.ActiveDocument.1">
+                <p:oleObj spid="_x0000_s25794" name="think-cell Slide" r:id="rId5" imgW="270" imgH="270" progId="TCLayout.ActiveDocument.1">
                   <p:embed/>
                 </p:oleObj>
               </mc:Choice>
@@ -10767,7 +10751,7 @@
             <a:fld id="{D07952D7-4E08-421B-9537-2EE112E32DE3}" type="datetime1">
               <a:rPr lang="en-GB" smtClean="0"/>
               <a:pPr/>
-              <a:t>07/10/2020</a:t>
+              <a:t>30/12/2020</a:t>
             </a:fld>
             <a:endParaRPr lang="en-GB" dirty="0"/>
           </a:p>
@@ -10831,35 +10815,35 @@
           <a:p>
             <a:pPr lvl="0"/>
             <a:r>
-              <a:rPr lang="en-US" smtClean="0"/>
+              <a:rPr lang="en-US"/>
               <a:t>Click to edit Master text styles</a:t>
             </a:r>
           </a:p>
           <a:p>
             <a:pPr lvl="1"/>
             <a:r>
-              <a:rPr lang="en-US" smtClean="0"/>
+              <a:rPr lang="en-US"/>
               <a:t>Second level</a:t>
             </a:r>
           </a:p>
           <a:p>
             <a:pPr lvl="2"/>
             <a:r>
-              <a:rPr lang="en-US" smtClean="0"/>
+              <a:rPr lang="en-US"/>
               <a:t>Third level</a:t>
             </a:r>
           </a:p>
           <a:p>
             <a:pPr lvl="3"/>
             <a:r>
-              <a:rPr lang="en-US" smtClean="0"/>
+              <a:rPr lang="en-US"/>
               <a:t>Fourth level</a:t>
             </a:r>
           </a:p>
           <a:p>
             <a:pPr lvl="4"/>
             <a:r>
-              <a:rPr lang="en-US" smtClean="0"/>
+              <a:rPr lang="en-US"/>
               <a:t>Fifth level</a:t>
             </a:r>
             <a:endParaRPr lang="en-GB" dirty="0"/>
@@ -10973,35 +10957,35 @@
           <a:p>
             <a:pPr lvl="0"/>
             <a:r>
-              <a:rPr lang="en-US" smtClean="0"/>
+              <a:rPr lang="en-US"/>
               <a:t>Click to edit Master text styles</a:t>
             </a:r>
           </a:p>
           <a:p>
             <a:pPr lvl="1"/>
             <a:r>
-              <a:rPr lang="en-US" smtClean="0"/>
+              <a:rPr lang="en-US"/>
               <a:t>Second level</a:t>
             </a:r>
           </a:p>
           <a:p>
             <a:pPr lvl="2"/>
             <a:r>
-              <a:rPr lang="en-US" smtClean="0"/>
+              <a:rPr lang="en-US"/>
               <a:t>Third level</a:t>
             </a:r>
           </a:p>
           <a:p>
             <a:pPr lvl="3"/>
             <a:r>
-              <a:rPr lang="en-US" smtClean="0"/>
+              <a:rPr lang="en-US"/>
               <a:t>Fourth level</a:t>
             </a:r>
           </a:p>
           <a:p>
             <a:pPr lvl="4"/>
             <a:r>
-              <a:rPr lang="en-US" smtClean="0"/>
+              <a:rPr lang="en-US"/>
               <a:t>Fifth level</a:t>
             </a:r>
             <a:endParaRPr lang="en-GB" dirty="0"/>
@@ -11111,7 +11095,6 @@
             <p:custDataLst>
               <p:tags r:id="rId3"/>
             </p:custDataLst>
-            <p:extLst/>
           </p:nvPr>
         </p:nvGraphicFramePr>
         <p:xfrm>
@@ -11122,7 +11105,7 @@
           <a:graphicData uri="http://schemas.openxmlformats.org/presentationml/2006/ole">
             <mc:AlternateContent xmlns:mc="http://schemas.openxmlformats.org/markup-compatibility/2006">
               <mc:Choice xmlns:v="urn:schemas-microsoft-com:vml" Requires="v">
-                <p:oleObj spid="_x0000_s25787" name="think-cell Slide" r:id="rId7" imgW="270" imgH="270" progId="TCLayout.ActiveDocument.1">
+                <p:oleObj spid="_x0000_s25795" name="think-cell Slide" r:id="rId7" imgW="270" imgH="270" progId="TCLayout.ActiveDocument.1">
                   <p:embed/>
                 </p:oleObj>
               </mc:Choice>
@@ -11369,7 +11352,7 @@
   <p:clrMapOvr>
     <a:masterClrMapping/>
   </p:clrMapOvr>
-  <p:extLst mod="1">
+  <p:extLst>
     <p:ext uri="{DCECCB84-F9BA-43D5-87BE-67443E8EF086}">
       <p15:sldGuideLst xmlns:p15="http://schemas.microsoft.com/office/powerpoint/2012/main"/>
     </p:ext>
@@ -11404,7 +11387,6 @@
             <p:custDataLst>
               <p:tags r:id="rId2"/>
             </p:custDataLst>
-            <p:extLst/>
           </p:nvPr>
         </p:nvGraphicFramePr>
         <p:xfrm>
@@ -11415,7 +11397,7 @@
           <a:graphicData uri="http://schemas.openxmlformats.org/presentationml/2006/ole">
             <mc:AlternateContent xmlns:mc="http://schemas.openxmlformats.org/markup-compatibility/2006">
               <mc:Choice xmlns:v="urn:schemas-microsoft-com:vml" Requires="v">
-                <p:oleObj spid="_x0000_s26810" name="think-cell Slide" r:id="rId5" imgW="270" imgH="270" progId="TCLayout.ActiveDocument.1">
+                <p:oleObj spid="_x0000_s26818" name="think-cell Slide" r:id="rId5" imgW="270" imgH="270" progId="TCLayout.ActiveDocument.1">
                   <p:embed/>
                 </p:oleObj>
               </mc:Choice>
@@ -11530,7 +11512,7 @@
             <a:fld id="{D07952D7-4E08-421B-9537-2EE112E32DE3}" type="datetime1">
               <a:rPr lang="en-GB" smtClean="0"/>
               <a:pPr/>
-              <a:t>07/10/2020</a:t>
+              <a:t>30/12/2020</a:t>
             </a:fld>
             <a:endParaRPr lang="en-GB" dirty="0"/>
           </a:p>
@@ -11594,35 +11576,35 @@
           <a:p>
             <a:pPr lvl="0"/>
             <a:r>
-              <a:rPr lang="en-US" smtClean="0"/>
+              <a:rPr lang="en-US"/>
               <a:t>Click to edit Master text styles</a:t>
             </a:r>
           </a:p>
           <a:p>
             <a:pPr lvl="1"/>
             <a:r>
-              <a:rPr lang="en-US" smtClean="0"/>
+              <a:rPr lang="en-US"/>
               <a:t>Second level</a:t>
             </a:r>
           </a:p>
           <a:p>
             <a:pPr lvl="2"/>
             <a:r>
-              <a:rPr lang="en-US" smtClean="0"/>
+              <a:rPr lang="en-US"/>
               <a:t>Third level</a:t>
             </a:r>
           </a:p>
           <a:p>
             <a:pPr lvl="3"/>
             <a:r>
-              <a:rPr lang="en-US" smtClean="0"/>
+              <a:rPr lang="en-US"/>
               <a:t>Fourth level</a:t>
             </a:r>
           </a:p>
           <a:p>
             <a:pPr lvl="4"/>
             <a:r>
-              <a:rPr lang="en-US" smtClean="0"/>
+              <a:rPr lang="en-US"/>
               <a:t>Fifth level</a:t>
             </a:r>
             <a:endParaRPr lang="en-GB" dirty="0"/>
@@ -11687,35 +11669,35 @@
           <a:p>
             <a:pPr lvl="0"/>
             <a:r>
-              <a:rPr lang="en-US" smtClean="0"/>
+              <a:rPr lang="en-US"/>
               <a:t>Click to edit Master text styles</a:t>
             </a:r>
           </a:p>
           <a:p>
             <a:pPr lvl="1"/>
             <a:r>
-              <a:rPr lang="en-US" smtClean="0"/>
+              <a:rPr lang="en-US"/>
               <a:t>Second level</a:t>
             </a:r>
           </a:p>
           <a:p>
             <a:pPr lvl="2"/>
             <a:r>
-              <a:rPr lang="en-US" smtClean="0"/>
+              <a:rPr lang="en-US"/>
               <a:t>Third level</a:t>
             </a:r>
           </a:p>
           <a:p>
             <a:pPr lvl="3"/>
             <a:r>
-              <a:rPr lang="en-US" smtClean="0"/>
+              <a:rPr lang="en-US"/>
               <a:t>Fourth level</a:t>
             </a:r>
           </a:p>
           <a:p>
             <a:pPr lvl="4"/>
             <a:r>
-              <a:rPr lang="en-US" smtClean="0"/>
+              <a:rPr lang="en-US"/>
               <a:t>Fifth level</a:t>
             </a:r>
             <a:endParaRPr lang="en-GB" dirty="0"/>
@@ -11878,35 +11860,35 @@
           <a:p>
             <a:pPr lvl="0"/>
             <a:r>
-              <a:rPr lang="en-US" smtClean="0"/>
+              <a:rPr lang="en-US"/>
               <a:t>Click to edit Master text styles</a:t>
             </a:r>
           </a:p>
           <a:p>
             <a:pPr lvl="1"/>
             <a:r>
-              <a:rPr lang="en-US" smtClean="0"/>
+              <a:rPr lang="en-US"/>
               <a:t>Second level</a:t>
             </a:r>
           </a:p>
           <a:p>
             <a:pPr lvl="2"/>
             <a:r>
-              <a:rPr lang="en-US" smtClean="0"/>
+              <a:rPr lang="en-US"/>
               <a:t>Third level</a:t>
             </a:r>
           </a:p>
           <a:p>
             <a:pPr lvl="3"/>
             <a:r>
-              <a:rPr lang="en-US" smtClean="0"/>
+              <a:rPr lang="en-US"/>
               <a:t>Fourth level</a:t>
             </a:r>
           </a:p>
           <a:p>
             <a:pPr lvl="4"/>
             <a:r>
-              <a:rPr lang="en-US" smtClean="0"/>
+              <a:rPr lang="en-US"/>
               <a:t>Fifth level</a:t>
             </a:r>
             <a:endParaRPr lang="en-GB" dirty="0"/>
@@ -11971,35 +11953,35 @@
           <a:p>
             <a:pPr lvl="0"/>
             <a:r>
-              <a:rPr lang="en-US" smtClean="0"/>
+              <a:rPr lang="en-US"/>
               <a:t>Click to edit Master text styles</a:t>
             </a:r>
           </a:p>
           <a:p>
             <a:pPr lvl="1"/>
             <a:r>
-              <a:rPr lang="en-US" smtClean="0"/>
+              <a:rPr lang="en-US"/>
               <a:t>Second level</a:t>
             </a:r>
           </a:p>
           <a:p>
             <a:pPr lvl="2"/>
             <a:r>
-              <a:rPr lang="en-US" smtClean="0"/>
+              <a:rPr lang="en-US"/>
               <a:t>Third level</a:t>
             </a:r>
           </a:p>
           <a:p>
             <a:pPr lvl="3"/>
             <a:r>
-              <a:rPr lang="en-US" smtClean="0"/>
+              <a:rPr lang="en-US"/>
               <a:t>Fourth level</a:t>
             </a:r>
           </a:p>
           <a:p>
             <a:pPr lvl="4"/>
             <a:r>
-              <a:rPr lang="en-US" smtClean="0"/>
+              <a:rPr lang="en-US"/>
               <a:t>Fifth level</a:t>
             </a:r>
             <a:endParaRPr lang="en-GB" dirty="0"/>
@@ -12109,7 +12091,6 @@
             <p:custDataLst>
               <p:tags r:id="rId3"/>
             </p:custDataLst>
-            <p:extLst/>
           </p:nvPr>
         </p:nvGraphicFramePr>
         <p:xfrm>
@@ -12120,7 +12101,7 @@
           <a:graphicData uri="http://schemas.openxmlformats.org/presentationml/2006/ole">
             <mc:AlternateContent xmlns:mc="http://schemas.openxmlformats.org/markup-compatibility/2006">
               <mc:Choice xmlns:v="urn:schemas-microsoft-com:vml" Requires="v">
-                <p:oleObj spid="_x0000_s26811" name="think-cell Slide" r:id="rId7" imgW="270" imgH="270" progId="TCLayout.ActiveDocument.1">
+                <p:oleObj spid="_x0000_s26819" name="think-cell Slide" r:id="rId7" imgW="270" imgH="270" progId="TCLayout.ActiveDocument.1">
                   <p:embed/>
                 </p:oleObj>
               </mc:Choice>
@@ -12367,7 +12348,7 @@
   <p:clrMapOvr>
     <a:masterClrMapping/>
   </p:clrMapOvr>
-  <p:extLst mod="1">
+  <p:extLst>
     <p:ext uri="{DCECCB84-F9BA-43D5-87BE-67443E8EF086}">
       <p15:sldGuideLst xmlns:p15="http://schemas.microsoft.com/office/powerpoint/2012/main"/>
     </p:ext>
@@ -12451,7 +12432,7 @@
           <a:p>
             <a:fld id="{B56E8790-EF43-4195-82DA-4A26D543E504}" type="datetimeFigureOut">
               <a:rPr lang="en-GB" smtClean="0"/>
-              <a:t>07/10/2020</a:t>
+              <a:t>30/12/2020</a:t>
             </a:fld>
             <a:endParaRPr lang="en-GB" dirty="0"/>
           </a:p>
@@ -12722,7 +12703,6 @@
             <p:custDataLst>
               <p:tags r:id="rId2"/>
             </p:custDataLst>
-            <p:extLst/>
           </p:nvPr>
         </p:nvGraphicFramePr>
         <p:xfrm>
@@ -12733,7 +12713,7 @@
           <a:graphicData uri="http://schemas.openxmlformats.org/presentationml/2006/ole">
             <mc:AlternateContent xmlns:mc="http://schemas.openxmlformats.org/markup-compatibility/2006">
               <mc:Choice xmlns:v="urn:schemas-microsoft-com:vml" Requires="v">
-                <p:oleObj spid="_x0000_s27834" name="think-cell Slide" r:id="rId5" imgW="270" imgH="270" progId="TCLayout.ActiveDocument.1">
+                <p:oleObj spid="_x0000_s27842" name="think-cell Slide" r:id="rId5" imgW="270" imgH="270" progId="TCLayout.ActiveDocument.1">
                   <p:embed/>
                 </p:oleObj>
               </mc:Choice>
@@ -12799,7 +12779,7 @@
             <a:fld id="{10E7BC8F-BFD3-4858-915D-99D9576C8415}" type="datetime1">
               <a:rPr lang="en-GB" smtClean="0"/>
               <a:pPr/>
-              <a:t>07/10/2020</a:t>
+              <a:t>30/12/2020</a:t>
             </a:fld>
             <a:endParaRPr lang="en-GB" dirty="0"/>
           </a:p>
@@ -12837,7 +12817,7 @@
           </a:lstStyle>
           <a:p>
             <a:r>
-              <a:rPr lang="en-US" dirty="0" smtClean="0"/>
+              <a:rPr lang="en-US" dirty="0"/>
               <a:t>Click icon to add picture</a:t>
             </a:r>
             <a:endParaRPr lang="en-GB" dirty="0"/>
@@ -12951,35 +12931,35 @@
           <a:p>
             <a:pPr lvl="0"/>
             <a:r>
-              <a:rPr lang="en-US" smtClean="0"/>
+              <a:rPr lang="en-US"/>
               <a:t>Click to edit Master text styles</a:t>
             </a:r>
           </a:p>
           <a:p>
             <a:pPr lvl="1"/>
             <a:r>
-              <a:rPr lang="en-US" smtClean="0"/>
+              <a:rPr lang="en-US"/>
               <a:t>Second level</a:t>
             </a:r>
           </a:p>
           <a:p>
             <a:pPr lvl="2"/>
             <a:r>
-              <a:rPr lang="en-US" smtClean="0"/>
+              <a:rPr lang="en-US"/>
               <a:t>Third level</a:t>
             </a:r>
           </a:p>
           <a:p>
             <a:pPr lvl="3"/>
             <a:r>
-              <a:rPr lang="en-US" smtClean="0"/>
+              <a:rPr lang="en-US"/>
               <a:t>Fourth level</a:t>
             </a:r>
           </a:p>
           <a:p>
             <a:pPr lvl="4"/>
             <a:r>
-              <a:rPr lang="en-US" smtClean="0"/>
+              <a:rPr lang="en-US"/>
               <a:t>Fifth level</a:t>
             </a:r>
             <a:endParaRPr lang="en-GB" dirty="0"/>
@@ -13153,7 +13133,7 @@
           </a:lstStyle>
           <a:p>
             <a:r>
-              <a:rPr lang="en-US" dirty="0" smtClean="0"/>
+              <a:rPr lang="en-US" dirty="0"/>
               <a:t>Click icon to add picture</a:t>
             </a:r>
             <a:endParaRPr lang="en-GB" dirty="0"/>
@@ -13170,7 +13150,6 @@
             <p:custDataLst>
               <p:tags r:id="rId3"/>
             </p:custDataLst>
-            <p:extLst/>
           </p:nvPr>
         </p:nvGraphicFramePr>
         <p:xfrm>
@@ -13181,7 +13160,7 @@
           <a:graphicData uri="http://schemas.openxmlformats.org/presentationml/2006/ole">
             <mc:AlternateContent xmlns:mc="http://schemas.openxmlformats.org/markup-compatibility/2006">
               <mc:Choice xmlns:v="urn:schemas-microsoft-com:vml" Requires="v">
-                <p:oleObj spid="_x0000_s27835" name="think-cell Slide" r:id="rId8" imgW="270" imgH="270" progId="TCLayout.ActiveDocument.1">
+                <p:oleObj spid="_x0000_s27843" name="think-cell Slide" r:id="rId8" imgW="270" imgH="270" progId="TCLayout.ActiveDocument.1">
                   <p:embed/>
                 </p:oleObj>
               </mc:Choice>
@@ -13459,7 +13438,6 @@
             <p:custDataLst>
               <p:tags r:id="rId2"/>
             </p:custDataLst>
-            <p:extLst/>
           </p:nvPr>
         </p:nvGraphicFramePr>
         <p:xfrm>
@@ -13470,7 +13448,7 @@
           <a:graphicData uri="http://schemas.openxmlformats.org/presentationml/2006/ole">
             <mc:AlternateContent xmlns:mc="http://schemas.openxmlformats.org/markup-compatibility/2006">
               <mc:Choice xmlns:v="urn:schemas-microsoft-com:vml" Requires="v">
-                <p:oleObj spid="_x0000_s29790" name="think-cell Slide" r:id="rId5" imgW="270" imgH="270" progId="TCLayout.ActiveDocument.1">
+                <p:oleObj spid="_x0000_s29794" name="think-cell Slide" r:id="rId5" imgW="270" imgH="270" progId="TCLayout.ActiveDocument.1">
                   <p:embed/>
                 </p:oleObj>
               </mc:Choice>
@@ -13657,7 +13635,7 @@
                 </a:solidFill>
               </a:rPr>
               <a:pPr/>
-              <a:t>07/10/2020</a:t>
+              <a:t>30/12/2020</a:t>
             </a:fld>
             <a:endParaRPr lang="en-GB" dirty="0">
               <a:solidFill>
@@ -13748,7 +13726,6 @@
             <p:custDataLst>
               <p:tags r:id="rId2"/>
             </p:custDataLst>
-            <p:extLst/>
           </p:nvPr>
         </p:nvGraphicFramePr>
         <p:xfrm>
@@ -13759,7 +13736,7 @@
           <a:graphicData uri="http://schemas.openxmlformats.org/presentationml/2006/ole">
             <mc:AlternateContent xmlns:mc="http://schemas.openxmlformats.org/markup-compatibility/2006">
               <mc:Choice xmlns:v="urn:schemas-microsoft-com:vml" Requires="v">
-                <p:oleObj spid="_x0000_s30814" name="think-cell Slide" r:id="rId4" imgW="270" imgH="270" progId="TCLayout.ActiveDocument.1">
+                <p:oleObj spid="_x0000_s30818" name="think-cell Slide" r:id="rId4" imgW="270" imgH="270" progId="TCLayout.ActiveDocument.1">
                   <p:embed/>
                 </p:oleObj>
               </mc:Choice>
@@ -13826,7 +13803,7 @@
           </a:lstStyle>
           <a:p>
             <a:r>
-              <a:rPr lang="en-US" dirty="0" smtClean="0"/>
+              <a:rPr lang="en-US" dirty="0"/>
               <a:t>Click icon to add picture</a:t>
             </a:r>
             <a:endParaRPr lang="en-GB" dirty="0"/>
@@ -13871,7 +13848,7 @@
           </a:lstStyle>
           <a:p>
             <a:r>
-              <a:rPr lang="en-US" dirty="0" smtClean="0"/>
+              <a:rPr lang="en-US" dirty="0"/>
               <a:t>Click icon to add picture</a:t>
             </a:r>
             <a:endParaRPr lang="en-GB" dirty="0"/>
@@ -13913,7 +13890,7 @@
                 </a:solidFill>
               </a:rPr>
               <a:pPr/>
-              <a:t>07/10/2020</a:t>
+              <a:t>30/12/2020</a:t>
             </a:fld>
             <a:endParaRPr lang="en-GB" dirty="0">
               <a:solidFill>
@@ -14099,7 +14076,7 @@
                 </a:solidFill>
               </a:rPr>
               <a:pPr/>
-              <a:t>07/10/2020</a:t>
+              <a:t>30/12/2020</a:t>
             </a:fld>
             <a:endParaRPr lang="en-GB" dirty="0">
               <a:solidFill>
@@ -14370,7 +14347,6 @@
             <p:custDataLst>
               <p:tags r:id="rId2"/>
             </p:custDataLst>
-            <p:extLst/>
           </p:nvPr>
         </p:nvGraphicFramePr>
         <p:xfrm>
@@ -14381,7 +14357,7 @@
           <a:graphicData uri="http://schemas.openxmlformats.org/presentationml/2006/ole">
             <mc:AlternateContent xmlns:mc="http://schemas.openxmlformats.org/markup-compatibility/2006">
               <mc:Choice xmlns:v="urn:schemas-microsoft-com:vml" Requires="v">
-                <p:oleObj spid="_x0000_s31838" name="think-cell Slide" r:id="rId4" imgW="270" imgH="270" progId="TCLayout.ActiveDocument.1">
+                <p:oleObj spid="_x0000_s31842" name="think-cell Slide" r:id="rId4" imgW="270" imgH="270" progId="TCLayout.ActiveDocument.1">
                   <p:embed/>
                 </p:oleObj>
               </mc:Choice>
@@ -14474,35 +14450,35 @@
           <a:p>
             <a:pPr lvl="0"/>
             <a:r>
-              <a:rPr lang="en-US" smtClean="0"/>
+              <a:rPr lang="en-US"/>
               <a:t>Click to edit Master text styles</a:t>
             </a:r>
           </a:p>
           <a:p>
             <a:pPr lvl="1"/>
             <a:r>
-              <a:rPr lang="en-US" smtClean="0"/>
+              <a:rPr lang="en-US"/>
               <a:t>Second level</a:t>
             </a:r>
           </a:p>
           <a:p>
             <a:pPr lvl="2"/>
             <a:r>
-              <a:rPr lang="en-US" smtClean="0"/>
+              <a:rPr lang="en-US"/>
               <a:t>Third level</a:t>
             </a:r>
           </a:p>
           <a:p>
             <a:pPr lvl="3"/>
             <a:r>
-              <a:rPr lang="en-US" smtClean="0"/>
+              <a:rPr lang="en-US"/>
               <a:t>Fourth level</a:t>
             </a:r>
           </a:p>
           <a:p>
             <a:pPr lvl="4"/>
             <a:r>
-              <a:rPr lang="en-US" smtClean="0"/>
+              <a:rPr lang="en-US"/>
               <a:t>Fifth level</a:t>
             </a:r>
             <a:endParaRPr lang="en-GB" dirty="0"/>
@@ -14544,7 +14520,7 @@
                 </a:solidFill>
               </a:rPr>
               <a:pPr/>
-              <a:t>07/10/2020</a:t>
+              <a:t>30/12/2020</a:t>
             </a:fld>
             <a:endParaRPr lang="en-GB" dirty="0">
               <a:solidFill>
@@ -14901,7 +14877,7 @@
   <p:clrMapOvr>
     <a:masterClrMapping/>
   </p:clrMapOvr>
-  <p:extLst mod="1">
+  <p:extLst>
     <p:ext uri="{DCECCB84-F9BA-43D5-87BE-67443E8EF086}">
       <p15:sldGuideLst xmlns:p15="http://schemas.microsoft.com/office/powerpoint/2012/main"/>
     </p:ext>
@@ -14936,7 +14912,6 @@
             <p:custDataLst>
               <p:tags r:id="rId2"/>
             </p:custDataLst>
-            <p:extLst/>
           </p:nvPr>
         </p:nvGraphicFramePr>
         <p:xfrm>
@@ -14947,7 +14922,7 @@
           <a:graphicData uri="http://schemas.openxmlformats.org/presentationml/2006/ole">
             <mc:AlternateContent xmlns:mc="http://schemas.openxmlformats.org/markup-compatibility/2006">
               <mc:Choice xmlns:v="urn:schemas-microsoft-com:vml" Requires="v">
-                <p:oleObj spid="_x0000_s32862" name="think-cell Slide" r:id="rId4" imgW="270" imgH="270" progId="TCLayout.ActiveDocument.1">
+                <p:oleObj spid="_x0000_s32866" name="think-cell Slide" r:id="rId4" imgW="270" imgH="270" progId="TCLayout.ActiveDocument.1">
                   <p:embed/>
                 </p:oleObj>
               </mc:Choice>
@@ -15017,7 +14992,7 @@
                 </a:solidFill>
               </a:rPr>
               <a:pPr/>
-              <a:t>07/10/2020</a:t>
+              <a:t>30/12/2020</a:t>
             </a:fld>
             <a:endParaRPr lang="en-GB" dirty="0">
               <a:solidFill>
@@ -15085,35 +15060,35 @@
           <a:p>
             <a:pPr lvl="0"/>
             <a:r>
-              <a:rPr lang="en-US" smtClean="0"/>
+              <a:rPr lang="en-US"/>
               <a:t>Click to edit Master text styles</a:t>
             </a:r>
           </a:p>
           <a:p>
             <a:pPr lvl="1"/>
             <a:r>
-              <a:rPr lang="en-US" smtClean="0"/>
+              <a:rPr lang="en-US"/>
               <a:t>Second level</a:t>
             </a:r>
           </a:p>
           <a:p>
             <a:pPr lvl="2"/>
             <a:r>
-              <a:rPr lang="en-US" smtClean="0"/>
+              <a:rPr lang="en-US"/>
               <a:t>Third level</a:t>
             </a:r>
           </a:p>
           <a:p>
             <a:pPr lvl="3"/>
             <a:r>
-              <a:rPr lang="en-US" smtClean="0"/>
+              <a:rPr lang="en-US"/>
               <a:t>Fourth level</a:t>
             </a:r>
           </a:p>
           <a:p>
             <a:pPr lvl="4"/>
             <a:r>
-              <a:rPr lang="en-US" smtClean="0"/>
+              <a:rPr lang="en-US"/>
               <a:t>Fifth level</a:t>
             </a:r>
             <a:endParaRPr lang="en-GB" dirty="0"/>
@@ -15521,7 +15496,7 @@
   <p:clrMapOvr>
     <a:masterClrMapping/>
   </p:clrMapOvr>
-  <p:extLst mod="1">
+  <p:extLst>
     <p:ext uri="{DCECCB84-F9BA-43D5-87BE-67443E8EF086}">
       <p15:sldGuideLst xmlns:p15="http://schemas.microsoft.com/office/powerpoint/2012/main"/>
     </p:ext>
@@ -15556,7 +15531,6 @@
             <p:custDataLst>
               <p:tags r:id="rId2"/>
             </p:custDataLst>
-            <p:extLst/>
           </p:nvPr>
         </p:nvGraphicFramePr>
         <p:xfrm>
@@ -15567,7 +15541,7 @@
           <a:graphicData uri="http://schemas.openxmlformats.org/presentationml/2006/ole">
             <mc:AlternateContent xmlns:mc="http://schemas.openxmlformats.org/markup-compatibility/2006">
               <mc:Choice xmlns:v="urn:schemas-microsoft-com:vml" Requires="v">
-                <p:oleObj spid="_x0000_s33978" name="think-cell Slide" r:id="rId5" imgW="270" imgH="270" progId="TCLayout.ActiveDocument.1">
+                <p:oleObj spid="_x0000_s33986" name="think-cell Slide" r:id="rId5" imgW="270" imgH="270" progId="TCLayout.ActiveDocument.1">
                   <p:embed/>
                 </p:oleObj>
               </mc:Choice>
@@ -15660,35 +15634,35 @@
           <a:p>
             <a:pPr lvl="0"/>
             <a:r>
-              <a:rPr lang="en-US" smtClean="0"/>
+              <a:rPr lang="en-US"/>
               <a:t>Click to edit Master text styles</a:t>
             </a:r>
           </a:p>
           <a:p>
             <a:pPr lvl="1"/>
             <a:r>
-              <a:rPr lang="en-US" smtClean="0"/>
+              <a:rPr lang="en-US"/>
               <a:t>Second level</a:t>
             </a:r>
           </a:p>
           <a:p>
             <a:pPr lvl="2"/>
             <a:r>
-              <a:rPr lang="en-US" smtClean="0"/>
+              <a:rPr lang="en-US"/>
               <a:t>Third level</a:t>
             </a:r>
           </a:p>
           <a:p>
             <a:pPr lvl="3"/>
             <a:r>
-              <a:rPr lang="en-US" smtClean="0"/>
+              <a:rPr lang="en-US"/>
               <a:t>Fourth level</a:t>
             </a:r>
           </a:p>
           <a:p>
             <a:pPr lvl="4"/>
             <a:r>
-              <a:rPr lang="en-US" smtClean="0"/>
+              <a:rPr lang="en-US"/>
               <a:t>Fifth level</a:t>
             </a:r>
             <a:endParaRPr lang="en-GB" dirty="0"/>
@@ -15753,35 +15727,35 @@
           <a:p>
             <a:pPr lvl="0"/>
             <a:r>
-              <a:rPr lang="en-US" smtClean="0"/>
+              <a:rPr lang="en-US"/>
               <a:t>Click to edit Master text styles</a:t>
             </a:r>
           </a:p>
           <a:p>
             <a:pPr lvl="1"/>
             <a:r>
-              <a:rPr lang="en-US" smtClean="0"/>
+              <a:rPr lang="en-US"/>
               <a:t>Second level</a:t>
             </a:r>
           </a:p>
           <a:p>
             <a:pPr lvl="2"/>
             <a:r>
-              <a:rPr lang="en-US" smtClean="0"/>
+              <a:rPr lang="en-US"/>
               <a:t>Third level</a:t>
             </a:r>
           </a:p>
           <a:p>
             <a:pPr lvl="3"/>
             <a:r>
-              <a:rPr lang="en-US" smtClean="0"/>
+              <a:rPr lang="en-US"/>
               <a:t>Fourth level</a:t>
             </a:r>
           </a:p>
           <a:p>
             <a:pPr lvl="4"/>
             <a:r>
-              <a:rPr lang="en-US" smtClean="0"/>
+              <a:rPr lang="en-US"/>
               <a:t>Fifth level</a:t>
             </a:r>
             <a:endParaRPr lang="en-GB" dirty="0"/>
@@ -15823,7 +15797,7 @@
                 </a:solidFill>
               </a:rPr>
               <a:pPr/>
-              <a:t>07/10/2020</a:t>
+              <a:t>30/12/2020</a:t>
             </a:fld>
             <a:endParaRPr lang="en-GB" dirty="0">
               <a:solidFill>
@@ -15887,7 +15861,6 @@
             <p:custDataLst>
               <p:tags r:id="rId3"/>
             </p:custDataLst>
-            <p:extLst/>
           </p:nvPr>
         </p:nvGraphicFramePr>
         <p:xfrm>
@@ -15898,7 +15871,7 @@
           <a:graphicData uri="http://schemas.openxmlformats.org/presentationml/2006/ole">
             <mc:AlternateContent xmlns:mc="http://schemas.openxmlformats.org/markup-compatibility/2006">
               <mc:Choice xmlns:v="urn:schemas-microsoft-com:vml" Requires="v">
-                <p:oleObj spid="_x0000_s33979" name="think-cell Slide" r:id="rId7" imgW="270" imgH="270" progId="TCLayout.ActiveDocument.1">
+                <p:oleObj spid="_x0000_s33987" name="think-cell Slide" r:id="rId7" imgW="270" imgH="270" progId="TCLayout.ActiveDocument.1">
                   <p:embed/>
                 </p:oleObj>
               </mc:Choice>
@@ -16204,7 +16177,7 @@
                 </a:solidFill>
               </a:rPr>
               <a:pPr/>
-              <a:t>07/10/2020</a:t>
+              <a:t>30/12/2020</a:t>
             </a:fld>
             <a:endParaRPr lang="en-GB" dirty="0">
               <a:solidFill>
@@ -16272,35 +16245,35 @@
           <a:p>
             <a:pPr lvl="0"/>
             <a:r>
-              <a:rPr lang="en-US" smtClean="0"/>
+              <a:rPr lang="en-US"/>
               <a:t>Click to edit Master text styles</a:t>
             </a:r>
           </a:p>
           <a:p>
             <a:pPr lvl="1"/>
             <a:r>
-              <a:rPr lang="en-US" smtClean="0"/>
+              <a:rPr lang="en-US"/>
               <a:t>Second level</a:t>
             </a:r>
           </a:p>
           <a:p>
             <a:pPr lvl="2"/>
             <a:r>
-              <a:rPr lang="en-US" smtClean="0"/>
+              <a:rPr lang="en-US"/>
               <a:t>Third level</a:t>
             </a:r>
           </a:p>
           <a:p>
             <a:pPr lvl="3"/>
             <a:r>
-              <a:rPr lang="en-US" smtClean="0"/>
+              <a:rPr lang="en-US"/>
               <a:t>Fourth level</a:t>
             </a:r>
           </a:p>
           <a:p>
             <a:pPr lvl="4"/>
             <a:r>
-              <a:rPr lang="en-US" smtClean="0"/>
+              <a:rPr lang="en-US"/>
               <a:t>Fifth level</a:t>
             </a:r>
             <a:endParaRPr lang="en-GB" dirty="0"/>
@@ -16365,35 +16338,35 @@
           <a:p>
             <a:pPr lvl="0"/>
             <a:r>
-              <a:rPr lang="en-US" smtClean="0"/>
+              <a:rPr lang="en-US"/>
               <a:t>Click to edit Master text styles</a:t>
             </a:r>
           </a:p>
           <a:p>
             <a:pPr lvl="1"/>
             <a:r>
-              <a:rPr lang="en-US" smtClean="0"/>
+              <a:rPr lang="en-US"/>
               <a:t>Second level</a:t>
             </a:r>
           </a:p>
           <a:p>
             <a:pPr lvl="2"/>
             <a:r>
-              <a:rPr lang="en-US" smtClean="0"/>
+              <a:rPr lang="en-US"/>
               <a:t>Third level</a:t>
             </a:r>
           </a:p>
           <a:p>
             <a:pPr lvl="3"/>
             <a:r>
-              <a:rPr lang="en-US" smtClean="0"/>
+              <a:rPr lang="en-US"/>
               <a:t>Fourth level</a:t>
             </a:r>
           </a:p>
           <a:p>
             <a:pPr lvl="4"/>
             <a:r>
-              <a:rPr lang="en-US" smtClean="0"/>
+              <a:rPr lang="en-US"/>
               <a:t>Fifth level</a:t>
             </a:r>
             <a:endParaRPr lang="en-GB" dirty="0"/>
@@ -16690,7 +16663,6 @@
             <p:custDataLst>
               <p:tags r:id="rId2"/>
             </p:custDataLst>
-            <p:extLst/>
           </p:nvPr>
         </p:nvGraphicFramePr>
         <p:xfrm>
@@ -16701,7 +16673,7 @@
           <a:graphicData uri="http://schemas.openxmlformats.org/presentationml/2006/ole">
             <mc:AlternateContent xmlns:mc="http://schemas.openxmlformats.org/markup-compatibility/2006">
               <mc:Choice xmlns:v="urn:schemas-microsoft-com:vml" Requires="v">
-                <p:oleObj spid="_x0000_s35002" name="think-cell Slide" r:id="rId5" imgW="270" imgH="270" progId="TCLayout.ActiveDocument.1">
+                <p:oleObj spid="_x0000_s35010" name="think-cell Slide" r:id="rId5" imgW="270" imgH="270" progId="TCLayout.ActiveDocument.1">
                   <p:embed/>
                 </p:oleObj>
               </mc:Choice>
@@ -16771,7 +16743,7 @@
                 </a:solidFill>
               </a:rPr>
               <a:pPr/>
-              <a:t>07/10/2020</a:t>
+              <a:t>30/12/2020</a:t>
             </a:fld>
             <a:endParaRPr lang="en-GB" dirty="0">
               <a:solidFill>
@@ -16839,35 +16811,35 @@
           <a:p>
             <a:pPr lvl="0"/>
             <a:r>
-              <a:rPr lang="en-US" smtClean="0"/>
+              <a:rPr lang="en-US"/>
               <a:t>Click to edit Master text styles</a:t>
             </a:r>
           </a:p>
           <a:p>
             <a:pPr lvl="1"/>
             <a:r>
-              <a:rPr lang="en-US" smtClean="0"/>
+              <a:rPr lang="en-US"/>
               <a:t>Second level</a:t>
             </a:r>
           </a:p>
           <a:p>
             <a:pPr lvl="2"/>
             <a:r>
-              <a:rPr lang="en-US" smtClean="0"/>
+              <a:rPr lang="en-US"/>
               <a:t>Third level</a:t>
             </a:r>
           </a:p>
           <a:p>
             <a:pPr lvl="3"/>
             <a:r>
-              <a:rPr lang="en-US" smtClean="0"/>
+              <a:rPr lang="en-US"/>
               <a:t>Fourth level</a:t>
             </a:r>
           </a:p>
           <a:p>
             <a:pPr lvl="4"/>
             <a:r>
-              <a:rPr lang="en-US" smtClean="0"/>
+              <a:rPr lang="en-US"/>
               <a:t>Fifth level</a:t>
             </a:r>
             <a:endParaRPr lang="en-GB" dirty="0"/>
@@ -16932,35 +16904,35 @@
           <a:p>
             <a:pPr lvl="0"/>
             <a:r>
-              <a:rPr lang="en-US" smtClean="0"/>
+              <a:rPr lang="en-US"/>
               <a:t>Click to edit Master text styles</a:t>
             </a:r>
           </a:p>
           <a:p>
             <a:pPr lvl="1"/>
             <a:r>
-              <a:rPr lang="en-US" smtClean="0"/>
+              <a:rPr lang="en-US"/>
               <a:t>Second level</a:t>
             </a:r>
           </a:p>
           <a:p>
             <a:pPr lvl="2"/>
             <a:r>
-              <a:rPr lang="en-US" smtClean="0"/>
+              <a:rPr lang="en-US"/>
               <a:t>Third level</a:t>
             </a:r>
           </a:p>
           <a:p>
             <a:pPr lvl="3"/>
             <a:r>
-              <a:rPr lang="en-US" smtClean="0"/>
+              <a:rPr lang="en-US"/>
               <a:t>Fourth level</a:t>
             </a:r>
           </a:p>
           <a:p>
             <a:pPr lvl="4"/>
             <a:r>
-              <a:rPr lang="en-US" smtClean="0"/>
+              <a:rPr lang="en-US"/>
               <a:t>Fifth level</a:t>
             </a:r>
             <a:endParaRPr lang="en-GB" dirty="0"/>
@@ -17119,7 +17091,6 @@
             <p:custDataLst>
               <p:tags r:id="rId3"/>
             </p:custDataLst>
-            <p:extLst/>
           </p:nvPr>
         </p:nvGraphicFramePr>
         <p:xfrm>
@@ -17130,7 +17101,7 @@
           <a:graphicData uri="http://schemas.openxmlformats.org/presentationml/2006/ole">
             <mc:AlternateContent xmlns:mc="http://schemas.openxmlformats.org/markup-compatibility/2006">
               <mc:Choice xmlns:v="urn:schemas-microsoft-com:vml" Requires="v">
-                <p:oleObj spid="_x0000_s35003" name="think-cell Slide" r:id="rId7" imgW="270" imgH="270" progId="TCLayout.ActiveDocument.1">
+                <p:oleObj spid="_x0000_s35011" name="think-cell Slide" r:id="rId7" imgW="270" imgH="270" progId="TCLayout.ActiveDocument.1">
                   <p:embed/>
                 </p:oleObj>
               </mc:Choice>
@@ -17411,7 +17382,6 @@
             <p:custDataLst>
               <p:tags r:id="rId2"/>
             </p:custDataLst>
-            <p:extLst/>
           </p:nvPr>
         </p:nvGraphicFramePr>
         <p:xfrm>
@@ -17422,7 +17392,7 @@
           <a:graphicData uri="http://schemas.openxmlformats.org/presentationml/2006/ole">
             <mc:AlternateContent xmlns:mc="http://schemas.openxmlformats.org/markup-compatibility/2006">
               <mc:Choice xmlns:v="urn:schemas-microsoft-com:vml" Requires="v">
-                <p:oleObj spid="_x0000_s36026" name="think-cell Slide" r:id="rId5" imgW="270" imgH="270" progId="TCLayout.ActiveDocument.1">
+                <p:oleObj spid="_x0000_s36034" name="think-cell Slide" r:id="rId5" imgW="270" imgH="270" progId="TCLayout.ActiveDocument.1">
                   <p:embed/>
                 </p:oleObj>
               </mc:Choice>
@@ -17492,7 +17462,7 @@
                 </a:solidFill>
               </a:rPr>
               <a:pPr/>
-              <a:t>07/10/2020</a:t>
+              <a:t>30/12/2020</a:t>
             </a:fld>
             <a:endParaRPr lang="en-GB" dirty="0">
               <a:solidFill>
@@ -17560,35 +17530,35 @@
           <a:p>
             <a:pPr lvl="0"/>
             <a:r>
-              <a:rPr lang="en-US" smtClean="0"/>
+              <a:rPr lang="en-US"/>
               <a:t>Click to edit Master text styles</a:t>
             </a:r>
           </a:p>
           <a:p>
             <a:pPr lvl="1"/>
             <a:r>
-              <a:rPr lang="en-US" smtClean="0"/>
+              <a:rPr lang="en-US"/>
               <a:t>Second level</a:t>
             </a:r>
           </a:p>
           <a:p>
             <a:pPr lvl="2"/>
             <a:r>
-              <a:rPr lang="en-US" smtClean="0"/>
+              <a:rPr lang="en-US"/>
               <a:t>Third level</a:t>
             </a:r>
           </a:p>
           <a:p>
             <a:pPr lvl="3"/>
             <a:r>
-              <a:rPr lang="en-US" smtClean="0"/>
+              <a:rPr lang="en-US"/>
               <a:t>Fourth level</a:t>
             </a:r>
           </a:p>
           <a:p>
             <a:pPr lvl="4"/>
             <a:r>
-              <a:rPr lang="en-US" smtClean="0"/>
+              <a:rPr lang="en-US"/>
               <a:t>Fifth level</a:t>
             </a:r>
             <a:endParaRPr lang="en-GB" dirty="0"/>
@@ -17702,35 +17672,35 @@
           <a:p>
             <a:pPr lvl="0"/>
             <a:r>
-              <a:rPr lang="en-US" smtClean="0"/>
+              <a:rPr lang="en-US"/>
               <a:t>Click to edit Master text styles</a:t>
             </a:r>
           </a:p>
           <a:p>
             <a:pPr lvl="1"/>
             <a:r>
-              <a:rPr lang="en-US" smtClean="0"/>
+              <a:rPr lang="en-US"/>
               <a:t>Second level</a:t>
             </a:r>
           </a:p>
           <a:p>
             <a:pPr lvl="2"/>
             <a:r>
-              <a:rPr lang="en-US" smtClean="0"/>
+              <a:rPr lang="en-US"/>
               <a:t>Third level</a:t>
             </a:r>
           </a:p>
           <a:p>
             <a:pPr lvl="3"/>
             <a:r>
-              <a:rPr lang="en-US" smtClean="0"/>
+              <a:rPr lang="en-US"/>
               <a:t>Fourth level</a:t>
             </a:r>
           </a:p>
           <a:p>
             <a:pPr lvl="4"/>
             <a:r>
-              <a:rPr lang="en-US" smtClean="0"/>
+              <a:rPr lang="en-US"/>
               <a:t>Fifth level</a:t>
             </a:r>
             <a:endParaRPr lang="en-GB" dirty="0"/>
@@ -17840,7 +17810,6 @@
             <p:custDataLst>
               <p:tags r:id="rId3"/>
             </p:custDataLst>
-            <p:extLst/>
           </p:nvPr>
         </p:nvGraphicFramePr>
         <p:xfrm>
@@ -17851,7 +17820,7 @@
           <a:graphicData uri="http://schemas.openxmlformats.org/presentationml/2006/ole">
             <mc:AlternateContent xmlns:mc="http://schemas.openxmlformats.org/markup-compatibility/2006">
               <mc:Choice xmlns:v="urn:schemas-microsoft-com:vml" Requires="v">
-                <p:oleObj spid="_x0000_s36027" name="think-cell Slide" r:id="rId7" imgW="270" imgH="270" progId="TCLayout.ActiveDocument.1">
+                <p:oleObj spid="_x0000_s36035" name="think-cell Slide" r:id="rId7" imgW="270" imgH="270" progId="TCLayout.ActiveDocument.1">
                   <p:embed/>
                 </p:oleObj>
               </mc:Choice>
@@ -18102,7 +18071,7 @@
   <p:clrMapOvr>
     <a:masterClrMapping/>
   </p:clrMapOvr>
-  <p:extLst mod="1">
+  <p:extLst>
     <p:ext uri="{DCECCB84-F9BA-43D5-87BE-67443E8EF086}">
       <p15:sldGuideLst xmlns:p15="http://schemas.microsoft.com/office/powerpoint/2012/main"/>
     </p:ext>
@@ -18152,7 +18121,7 @@
           <a:graphicData uri="http://schemas.openxmlformats.org/presentationml/2006/ole">
             <mc:AlternateContent xmlns:mc="http://schemas.openxmlformats.org/markup-compatibility/2006">
               <mc:Choice xmlns:v="urn:schemas-microsoft-com:vml" Requires="v">
-                <p:oleObj spid="_x0000_s4190" name="think-cell Slide" r:id="rId4" imgW="270" imgH="270" progId="TCLayout.ActiveDocument.1">
+                <p:oleObj spid="_x0000_s4194" name="think-cell Slide" r:id="rId4" imgW="270" imgH="270" progId="TCLayout.ActiveDocument.1">
                   <p:embed/>
                 </p:oleObj>
               </mc:Choice>
@@ -18245,35 +18214,35 @@
           <a:p>
             <a:pPr lvl="0"/>
             <a:r>
-              <a:rPr lang="en-US" smtClean="0"/>
+              <a:rPr lang="en-US"/>
               <a:t>Click to edit Master text styles</a:t>
             </a:r>
           </a:p>
           <a:p>
             <a:pPr lvl="1"/>
             <a:r>
-              <a:rPr lang="en-US" smtClean="0"/>
+              <a:rPr lang="en-US"/>
               <a:t>Second level</a:t>
             </a:r>
           </a:p>
           <a:p>
             <a:pPr lvl="2"/>
             <a:r>
-              <a:rPr lang="en-US" smtClean="0"/>
+              <a:rPr lang="en-US"/>
               <a:t>Third level</a:t>
             </a:r>
           </a:p>
           <a:p>
             <a:pPr lvl="3"/>
             <a:r>
-              <a:rPr lang="en-US" smtClean="0"/>
+              <a:rPr lang="en-US"/>
               <a:t>Fourth level</a:t>
             </a:r>
           </a:p>
           <a:p>
             <a:pPr lvl="4"/>
             <a:r>
-              <a:rPr lang="en-US" smtClean="0"/>
+              <a:rPr lang="en-US"/>
               <a:t>Fifth level</a:t>
             </a:r>
             <a:endParaRPr lang="en-GB" dirty="0"/>
@@ -18310,7 +18279,7 @@
           <a:p>
             <a:fld id="{B56E8790-EF43-4195-82DA-4A26D543E504}" type="datetimeFigureOut">
               <a:rPr lang="en-GB" smtClean="0"/>
-              <a:t>07/10/2020</a:t>
+              <a:t>30/12/2020</a:t>
             </a:fld>
             <a:endParaRPr lang="en-GB" dirty="0"/>
           </a:p>
@@ -18659,7 +18628,7 @@
   <p:clrMapOvr>
     <a:masterClrMapping/>
   </p:clrMapOvr>
-  <p:extLst mod="1">
+  <p:extLst>
     <p:ext uri="{DCECCB84-F9BA-43D5-87BE-67443E8EF086}">
       <p15:sldGuideLst xmlns:p15="http://schemas.microsoft.com/office/powerpoint/2012/main"/>
     </p:ext>
@@ -18694,7 +18663,6 @@
             <p:custDataLst>
               <p:tags r:id="rId2"/>
             </p:custDataLst>
-            <p:extLst/>
           </p:nvPr>
         </p:nvGraphicFramePr>
         <p:xfrm>
@@ -18705,7 +18673,7 @@
           <a:graphicData uri="http://schemas.openxmlformats.org/presentationml/2006/ole">
             <mc:AlternateContent xmlns:mc="http://schemas.openxmlformats.org/markup-compatibility/2006">
               <mc:Choice xmlns:v="urn:schemas-microsoft-com:vml" Requires="v">
-                <p:oleObj spid="_x0000_s37050" name="think-cell Slide" r:id="rId5" imgW="270" imgH="270" progId="TCLayout.ActiveDocument.1">
+                <p:oleObj spid="_x0000_s37058" name="think-cell Slide" r:id="rId5" imgW="270" imgH="270" progId="TCLayout.ActiveDocument.1">
                   <p:embed/>
                 </p:oleObj>
               </mc:Choice>
@@ -18824,7 +18792,7 @@
                 </a:solidFill>
               </a:rPr>
               <a:pPr/>
-              <a:t>07/10/2020</a:t>
+              <a:t>30/12/2020</a:t>
             </a:fld>
             <a:endParaRPr lang="en-GB" dirty="0">
               <a:solidFill>
@@ -18892,35 +18860,35 @@
           <a:p>
             <a:pPr lvl="0"/>
             <a:r>
-              <a:rPr lang="en-US" smtClean="0"/>
+              <a:rPr lang="en-US"/>
               <a:t>Click to edit Master text styles</a:t>
             </a:r>
           </a:p>
           <a:p>
             <a:pPr lvl="1"/>
             <a:r>
-              <a:rPr lang="en-US" smtClean="0"/>
+              <a:rPr lang="en-US"/>
               <a:t>Second level</a:t>
             </a:r>
           </a:p>
           <a:p>
             <a:pPr lvl="2"/>
             <a:r>
-              <a:rPr lang="en-US" smtClean="0"/>
+              <a:rPr lang="en-US"/>
               <a:t>Third level</a:t>
             </a:r>
           </a:p>
           <a:p>
             <a:pPr lvl="3"/>
             <a:r>
-              <a:rPr lang="en-US" smtClean="0"/>
+              <a:rPr lang="en-US"/>
               <a:t>Fourth level</a:t>
             </a:r>
           </a:p>
           <a:p>
             <a:pPr lvl="4"/>
             <a:r>
-              <a:rPr lang="en-US" smtClean="0"/>
+              <a:rPr lang="en-US"/>
               <a:t>Fifth level</a:t>
             </a:r>
             <a:endParaRPr lang="en-GB" dirty="0"/>
@@ -18985,35 +18953,35 @@
           <a:p>
             <a:pPr lvl="0"/>
             <a:r>
-              <a:rPr lang="en-US" smtClean="0"/>
+              <a:rPr lang="en-US"/>
               <a:t>Click to edit Master text styles</a:t>
             </a:r>
           </a:p>
           <a:p>
             <a:pPr lvl="1"/>
             <a:r>
-              <a:rPr lang="en-US" smtClean="0"/>
+              <a:rPr lang="en-US"/>
               <a:t>Second level</a:t>
             </a:r>
           </a:p>
           <a:p>
             <a:pPr lvl="2"/>
             <a:r>
-              <a:rPr lang="en-US" smtClean="0"/>
+              <a:rPr lang="en-US"/>
               <a:t>Third level</a:t>
             </a:r>
           </a:p>
           <a:p>
             <a:pPr lvl="3"/>
             <a:r>
-              <a:rPr lang="en-US" smtClean="0"/>
+              <a:rPr lang="en-US"/>
               <a:t>Fourth level</a:t>
             </a:r>
           </a:p>
           <a:p>
             <a:pPr lvl="4"/>
             <a:r>
-              <a:rPr lang="en-US" smtClean="0"/>
+              <a:rPr lang="en-US"/>
               <a:t>Fifth level</a:t>
             </a:r>
             <a:endParaRPr lang="en-GB" dirty="0"/>
@@ -19176,35 +19144,35 @@
           <a:p>
             <a:pPr lvl="0"/>
             <a:r>
-              <a:rPr lang="en-US" smtClean="0"/>
+              <a:rPr lang="en-US"/>
               <a:t>Click to edit Master text styles</a:t>
             </a:r>
           </a:p>
           <a:p>
             <a:pPr lvl="1"/>
             <a:r>
-              <a:rPr lang="en-US" smtClean="0"/>
+              <a:rPr lang="en-US"/>
               <a:t>Second level</a:t>
             </a:r>
           </a:p>
           <a:p>
             <a:pPr lvl="2"/>
             <a:r>
-              <a:rPr lang="en-US" smtClean="0"/>
+              <a:rPr lang="en-US"/>
               <a:t>Third level</a:t>
             </a:r>
           </a:p>
           <a:p>
             <a:pPr lvl="3"/>
             <a:r>
-              <a:rPr lang="en-US" smtClean="0"/>
+              <a:rPr lang="en-US"/>
               <a:t>Fourth level</a:t>
             </a:r>
           </a:p>
           <a:p>
             <a:pPr lvl="4"/>
             <a:r>
-              <a:rPr lang="en-US" smtClean="0"/>
+              <a:rPr lang="en-US"/>
               <a:t>Fifth level</a:t>
             </a:r>
             <a:endParaRPr lang="en-GB" dirty="0"/>
@@ -19269,35 +19237,35 @@
           <a:p>
             <a:pPr lvl="0"/>
             <a:r>
-              <a:rPr lang="en-US" smtClean="0"/>
+              <a:rPr lang="en-US"/>
               <a:t>Click to edit Master text styles</a:t>
             </a:r>
           </a:p>
           <a:p>
             <a:pPr lvl="1"/>
             <a:r>
-              <a:rPr lang="en-US" smtClean="0"/>
+              <a:rPr lang="en-US"/>
               <a:t>Second level</a:t>
             </a:r>
           </a:p>
           <a:p>
             <a:pPr lvl="2"/>
             <a:r>
-              <a:rPr lang="en-US" smtClean="0"/>
+              <a:rPr lang="en-US"/>
               <a:t>Third level</a:t>
             </a:r>
           </a:p>
           <a:p>
             <a:pPr lvl="3"/>
             <a:r>
-              <a:rPr lang="en-US" smtClean="0"/>
+              <a:rPr lang="en-US"/>
               <a:t>Fourth level</a:t>
             </a:r>
           </a:p>
           <a:p>
             <a:pPr lvl="4"/>
             <a:r>
-              <a:rPr lang="en-US" smtClean="0"/>
+              <a:rPr lang="en-US"/>
               <a:t>Fifth level</a:t>
             </a:r>
             <a:endParaRPr lang="en-GB" dirty="0"/>
@@ -19407,7 +19375,6 @@
             <p:custDataLst>
               <p:tags r:id="rId3"/>
             </p:custDataLst>
-            <p:extLst/>
           </p:nvPr>
         </p:nvGraphicFramePr>
         <p:xfrm>
@@ -19418,7 +19385,7 @@
           <a:graphicData uri="http://schemas.openxmlformats.org/presentationml/2006/ole">
             <mc:AlternateContent xmlns:mc="http://schemas.openxmlformats.org/markup-compatibility/2006">
               <mc:Choice xmlns:v="urn:schemas-microsoft-com:vml" Requires="v">
-                <p:oleObj spid="_x0000_s37051" name="think-cell Slide" r:id="rId7" imgW="270" imgH="270" progId="TCLayout.ActiveDocument.1">
+                <p:oleObj spid="_x0000_s37059" name="think-cell Slide" r:id="rId7" imgW="270" imgH="270" progId="TCLayout.ActiveDocument.1">
                   <p:embed/>
                 </p:oleObj>
               </mc:Choice>
@@ -19669,7 +19636,7 @@
   <p:clrMapOvr>
     <a:masterClrMapping/>
   </p:clrMapOvr>
-  <p:extLst mod="1">
+  <p:extLst>
     <p:ext uri="{DCECCB84-F9BA-43D5-87BE-67443E8EF086}">
       <p15:sldGuideLst xmlns:p15="http://schemas.microsoft.com/office/powerpoint/2012/main"/>
     </p:ext>
@@ -19712,7 +19679,6 @@
             <p:custDataLst>
               <p:tags r:id="rId2"/>
             </p:custDataLst>
-            <p:extLst/>
           </p:nvPr>
         </p:nvGraphicFramePr>
         <p:xfrm>
@@ -19723,7 +19689,7 @@
           <a:graphicData uri="http://schemas.openxmlformats.org/presentationml/2006/ole">
             <mc:AlternateContent xmlns:mc="http://schemas.openxmlformats.org/markup-compatibility/2006">
               <mc:Choice xmlns:v="urn:schemas-microsoft-com:vml" Requires="v">
-                <p:oleObj spid="_x0000_s38074" name="think-cell Slide" r:id="rId5" imgW="270" imgH="270" progId="TCLayout.ActiveDocument.1">
+                <p:oleObj spid="_x0000_s38082" name="think-cell Slide" r:id="rId5" imgW="270" imgH="270" progId="TCLayout.ActiveDocument.1">
                   <p:embed/>
                 </p:oleObj>
               </mc:Choice>
@@ -19793,7 +19759,7 @@
                 </a:solidFill>
               </a:rPr>
               <a:pPr/>
-              <a:t>07/10/2020</a:t>
+              <a:t>30/12/2020</a:t>
             </a:fld>
             <a:endParaRPr lang="en-GB" dirty="0">
               <a:solidFill>
@@ -19835,7 +19801,7 @@
           </a:lstStyle>
           <a:p>
             <a:r>
-              <a:rPr lang="en-US" dirty="0" smtClean="0"/>
+              <a:rPr lang="en-US" dirty="0"/>
               <a:t>Click icon to add picture</a:t>
             </a:r>
             <a:endParaRPr lang="en-GB" dirty="0"/>
@@ -19949,35 +19915,35 @@
           <a:p>
             <a:pPr lvl="0"/>
             <a:r>
-              <a:rPr lang="en-US" smtClean="0"/>
+              <a:rPr lang="en-US"/>
               <a:t>Click to edit Master text styles</a:t>
             </a:r>
           </a:p>
           <a:p>
             <a:pPr lvl="1"/>
             <a:r>
-              <a:rPr lang="en-US" smtClean="0"/>
+              <a:rPr lang="en-US"/>
               <a:t>Second level</a:t>
             </a:r>
           </a:p>
           <a:p>
             <a:pPr lvl="2"/>
             <a:r>
-              <a:rPr lang="en-US" smtClean="0"/>
+              <a:rPr lang="en-US"/>
               <a:t>Third level</a:t>
             </a:r>
           </a:p>
           <a:p>
             <a:pPr lvl="3"/>
             <a:r>
-              <a:rPr lang="en-US" smtClean="0"/>
+              <a:rPr lang="en-US"/>
               <a:t>Fourth level</a:t>
             </a:r>
           </a:p>
           <a:p>
             <a:pPr lvl="4"/>
             <a:r>
-              <a:rPr lang="en-US" smtClean="0"/>
+              <a:rPr lang="en-US"/>
               <a:t>Fifth level</a:t>
             </a:r>
             <a:endParaRPr lang="en-GB" dirty="0"/>
@@ -20151,7 +20117,7 @@
           </a:lstStyle>
           <a:p>
             <a:r>
-              <a:rPr lang="en-US" dirty="0" smtClean="0"/>
+              <a:rPr lang="en-US" dirty="0"/>
               <a:t>Click icon to add picture</a:t>
             </a:r>
             <a:endParaRPr lang="en-GB" dirty="0"/>
@@ -20168,7 +20134,6 @@
             <p:custDataLst>
               <p:tags r:id="rId3"/>
             </p:custDataLst>
-            <p:extLst/>
           </p:nvPr>
         </p:nvGraphicFramePr>
         <p:xfrm>
@@ -20179,7 +20144,7 @@
           <a:graphicData uri="http://schemas.openxmlformats.org/presentationml/2006/ole">
             <mc:AlternateContent xmlns:mc="http://schemas.openxmlformats.org/markup-compatibility/2006">
               <mc:Choice xmlns:v="urn:schemas-microsoft-com:vml" Requires="v">
-                <p:oleObj spid="_x0000_s38075" name="think-cell Slide" r:id="rId8" imgW="270" imgH="270" progId="TCLayout.ActiveDocument.1">
+                <p:oleObj spid="_x0000_s38083" name="think-cell Slide" r:id="rId8" imgW="270" imgH="270" progId="TCLayout.ActiveDocument.1">
                   <p:embed/>
                 </p:oleObj>
               </mc:Choice>
@@ -20439,7 +20404,6 @@
             <p:custDataLst>
               <p:tags r:id="rId2"/>
             </p:custDataLst>
-            <p:extLst/>
           </p:nvPr>
         </p:nvGraphicFramePr>
         <p:xfrm>
@@ -20450,7 +20414,7 @@
           <a:graphicData uri="http://schemas.openxmlformats.org/presentationml/2006/ole">
             <mc:AlternateContent xmlns:mc="http://schemas.openxmlformats.org/markup-compatibility/2006">
               <mc:Choice xmlns:v="urn:schemas-microsoft-com:vml" Requires="v">
-                <p:oleObj spid="_x0000_s39006" name="think-cell Slide" r:id="rId4" imgW="270" imgH="270" progId="TCLayout.ActiveDocument.1">
+                <p:oleObj spid="_x0000_s39010" name="think-cell Slide" r:id="rId4" imgW="270" imgH="270" progId="TCLayout.ActiveDocument.1">
                   <p:embed/>
                 </p:oleObj>
               </mc:Choice>
@@ -20512,7 +20476,7 @@
                 </a:solidFill>
               </a:rPr>
               <a:pPr/>
-              <a:t>07/10/2020</a:t>
+              <a:t>30/12/2020</a:t>
             </a:fld>
             <a:endParaRPr lang="en-GB" dirty="0">
               <a:solidFill>
@@ -20914,7 +20878,7 @@
           <a:graphicData uri="http://schemas.openxmlformats.org/presentationml/2006/ole">
             <mc:AlternateContent xmlns:mc="http://schemas.openxmlformats.org/markup-compatibility/2006">
               <mc:Choice xmlns:v="urn:schemas-microsoft-com:vml" Requires="v">
-                <p:oleObj spid="_x0000_s5214" name="think-cell Slide" r:id="rId4" imgW="270" imgH="270" progId="TCLayout.ActiveDocument.1">
+                <p:oleObj spid="_x0000_s5218" name="think-cell Slide" r:id="rId4" imgW="270" imgH="270" progId="TCLayout.ActiveDocument.1">
                   <p:embed/>
                 </p:oleObj>
               </mc:Choice>
@@ -20979,7 +20943,7 @@
           <a:p>
             <a:fld id="{B56E8790-EF43-4195-82DA-4A26D543E504}" type="datetimeFigureOut">
               <a:rPr lang="en-GB" smtClean="0"/>
-              <a:t>07/10/2020</a:t>
+              <a:t>30/12/2020</a:t>
             </a:fld>
             <a:endParaRPr lang="en-GB" dirty="0"/>
           </a:p>
@@ -21043,35 +21007,35 @@
           <a:p>
             <a:pPr lvl="0"/>
             <a:r>
-              <a:rPr lang="en-US" smtClean="0"/>
+              <a:rPr lang="en-US"/>
               <a:t>Click to edit Master text styles</a:t>
             </a:r>
           </a:p>
           <a:p>
             <a:pPr lvl="1"/>
             <a:r>
-              <a:rPr lang="en-US" smtClean="0"/>
+              <a:rPr lang="en-US"/>
               <a:t>Second level</a:t>
             </a:r>
           </a:p>
           <a:p>
             <a:pPr lvl="2"/>
             <a:r>
-              <a:rPr lang="en-US" smtClean="0"/>
+              <a:rPr lang="en-US"/>
               <a:t>Third level</a:t>
             </a:r>
           </a:p>
           <a:p>
             <a:pPr lvl="3"/>
             <a:r>
-              <a:rPr lang="en-US" smtClean="0"/>
+              <a:rPr lang="en-US"/>
               <a:t>Fourth level</a:t>
             </a:r>
           </a:p>
           <a:p>
             <a:pPr lvl="4"/>
             <a:r>
-              <a:rPr lang="en-US" smtClean="0"/>
+              <a:rPr lang="en-US"/>
               <a:t>Fifth level</a:t>
             </a:r>
             <a:endParaRPr lang="en-GB" dirty="0"/>
@@ -21475,7 +21439,7 @@
   <p:clrMapOvr>
     <a:masterClrMapping/>
   </p:clrMapOvr>
-  <p:extLst mod="1">
+  <p:extLst>
     <p:ext uri="{DCECCB84-F9BA-43D5-87BE-67443E8EF086}">
       <p15:sldGuideLst xmlns:p15="http://schemas.microsoft.com/office/powerpoint/2012/main"/>
     </p:ext>
@@ -21525,7 +21489,7 @@
           <a:graphicData uri="http://schemas.openxmlformats.org/presentationml/2006/ole">
             <mc:AlternateContent xmlns:mc="http://schemas.openxmlformats.org/markup-compatibility/2006">
               <mc:Choice xmlns:v="urn:schemas-microsoft-com:vml" Requires="v">
-                <p:oleObj spid="_x0000_s6330" name="think-cell Slide" r:id="rId5" imgW="270" imgH="270" progId="TCLayout.ActiveDocument.1">
+                <p:oleObj spid="_x0000_s6338" name="think-cell Slide" r:id="rId5" imgW="270" imgH="270" progId="TCLayout.ActiveDocument.1">
                   <p:embed/>
                 </p:oleObj>
               </mc:Choice>
@@ -21618,35 +21582,35 @@
           <a:p>
             <a:pPr lvl="0"/>
             <a:r>
-              <a:rPr lang="en-US" smtClean="0"/>
+              <a:rPr lang="en-US"/>
               <a:t>Click to edit Master text styles</a:t>
             </a:r>
           </a:p>
           <a:p>
             <a:pPr lvl="1"/>
             <a:r>
-              <a:rPr lang="en-US" smtClean="0"/>
+              <a:rPr lang="en-US"/>
               <a:t>Second level</a:t>
             </a:r>
           </a:p>
           <a:p>
             <a:pPr lvl="2"/>
             <a:r>
-              <a:rPr lang="en-US" smtClean="0"/>
+              <a:rPr lang="en-US"/>
               <a:t>Third level</a:t>
             </a:r>
           </a:p>
           <a:p>
             <a:pPr lvl="3"/>
             <a:r>
-              <a:rPr lang="en-US" smtClean="0"/>
+              <a:rPr lang="en-US"/>
               <a:t>Fourth level</a:t>
             </a:r>
           </a:p>
           <a:p>
             <a:pPr lvl="4"/>
             <a:r>
-              <a:rPr lang="en-US" smtClean="0"/>
+              <a:rPr lang="en-US"/>
               <a:t>Fifth level</a:t>
             </a:r>
             <a:endParaRPr lang="en-GB" dirty="0"/>
@@ -21711,35 +21675,35 @@
           <a:p>
             <a:pPr lvl="0"/>
             <a:r>
-              <a:rPr lang="en-US" smtClean="0"/>
+              <a:rPr lang="en-US"/>
               <a:t>Click to edit Master text styles</a:t>
             </a:r>
           </a:p>
           <a:p>
             <a:pPr lvl="1"/>
             <a:r>
-              <a:rPr lang="en-US" smtClean="0"/>
+              <a:rPr lang="en-US"/>
               <a:t>Second level</a:t>
             </a:r>
           </a:p>
           <a:p>
             <a:pPr lvl="2"/>
             <a:r>
-              <a:rPr lang="en-US" smtClean="0"/>
+              <a:rPr lang="en-US"/>
               <a:t>Third level</a:t>
             </a:r>
           </a:p>
           <a:p>
             <a:pPr lvl="3"/>
             <a:r>
-              <a:rPr lang="en-US" smtClean="0"/>
+              <a:rPr lang="en-US"/>
               <a:t>Fourth level</a:t>
             </a:r>
           </a:p>
           <a:p>
             <a:pPr lvl="4"/>
             <a:r>
-              <a:rPr lang="en-US" smtClean="0"/>
+              <a:rPr lang="en-US"/>
               <a:t>Fifth level</a:t>
             </a:r>
             <a:endParaRPr lang="en-GB" dirty="0"/>
@@ -21776,7 +21740,7 @@
           <a:p>
             <a:fld id="{B56E8790-EF43-4195-82DA-4A26D543E504}" type="datetimeFigureOut">
               <a:rPr lang="en-GB" smtClean="0"/>
-              <a:t>07/10/2020</a:t>
+              <a:t>30/12/2020</a:t>
             </a:fld>
             <a:endParaRPr lang="en-GB" dirty="0"/>
           </a:p>
@@ -21851,7 +21815,7 @@
           <a:graphicData uri="http://schemas.openxmlformats.org/presentationml/2006/ole">
             <mc:AlternateContent xmlns:mc="http://schemas.openxmlformats.org/markup-compatibility/2006">
               <mc:Choice xmlns:v="urn:schemas-microsoft-com:vml" Requires="v">
-                <p:oleObj spid="_x0000_s6331" name="think-cell Slide" r:id="rId7" imgW="270" imgH="270" progId="TCLayout.ActiveDocument.1">
+                <p:oleObj spid="_x0000_s6339" name="think-cell Slide" r:id="rId7" imgW="270" imgH="270" progId="TCLayout.ActiveDocument.1">
                   <p:embed/>
                 </p:oleObj>
               </mc:Choice>
@@ -22148,7 +22112,7 @@
           <a:p>
             <a:fld id="{B56E8790-EF43-4195-82DA-4A26D543E504}" type="datetimeFigureOut">
               <a:rPr lang="en-GB" smtClean="0"/>
-              <a:t>07/10/2020</a:t>
+              <a:t>30/12/2020</a:t>
             </a:fld>
             <a:endParaRPr lang="en-GB" dirty="0"/>
           </a:p>
@@ -22212,35 +22176,35 @@
           <a:p>
             <a:pPr lvl="0"/>
             <a:r>
-              <a:rPr lang="en-US" smtClean="0"/>
+              <a:rPr lang="en-US"/>
               <a:t>Click to edit Master text styles</a:t>
             </a:r>
           </a:p>
           <a:p>
             <a:pPr lvl="1"/>
             <a:r>
-              <a:rPr lang="en-US" smtClean="0"/>
+              <a:rPr lang="en-US"/>
               <a:t>Second level</a:t>
             </a:r>
           </a:p>
           <a:p>
             <a:pPr lvl="2"/>
             <a:r>
-              <a:rPr lang="en-US" smtClean="0"/>
+              <a:rPr lang="en-US"/>
               <a:t>Third level</a:t>
             </a:r>
           </a:p>
           <a:p>
             <a:pPr lvl="3"/>
             <a:r>
-              <a:rPr lang="en-US" smtClean="0"/>
+              <a:rPr lang="en-US"/>
               <a:t>Fourth level</a:t>
             </a:r>
           </a:p>
           <a:p>
             <a:pPr lvl="4"/>
             <a:r>
-              <a:rPr lang="en-US" smtClean="0"/>
+              <a:rPr lang="en-US"/>
               <a:t>Fifth level</a:t>
             </a:r>
             <a:endParaRPr lang="en-GB" dirty="0"/>
@@ -22305,35 +22269,35 @@
           <a:p>
             <a:pPr lvl="0"/>
             <a:r>
-              <a:rPr lang="en-US" smtClean="0"/>
+              <a:rPr lang="en-US"/>
               <a:t>Click to edit Master text styles</a:t>
             </a:r>
           </a:p>
           <a:p>
             <a:pPr lvl="1"/>
             <a:r>
-              <a:rPr lang="en-US" smtClean="0"/>
+              <a:rPr lang="en-US"/>
               <a:t>Second level</a:t>
             </a:r>
           </a:p>
           <a:p>
             <a:pPr lvl="2"/>
             <a:r>
-              <a:rPr lang="en-US" smtClean="0"/>
+              <a:rPr lang="en-US"/>
               <a:t>Third level</a:t>
             </a:r>
           </a:p>
           <a:p>
             <a:pPr lvl="3"/>
             <a:r>
-              <a:rPr lang="en-US" smtClean="0"/>
+              <a:rPr lang="en-US"/>
               <a:t>Fourth level</a:t>
             </a:r>
           </a:p>
           <a:p>
             <a:pPr lvl="4"/>
             <a:r>
-              <a:rPr lang="en-US" smtClean="0"/>
+              <a:rPr lang="en-US"/>
               <a:t>Fifth level</a:t>
             </a:r>
             <a:endParaRPr lang="en-GB" dirty="0"/>
@@ -22641,7 +22605,7 @@
           <a:graphicData uri="http://schemas.openxmlformats.org/presentationml/2006/ole">
             <mc:AlternateContent xmlns:mc="http://schemas.openxmlformats.org/markup-compatibility/2006">
               <mc:Choice xmlns:v="urn:schemas-microsoft-com:vml" Requires="v">
-                <p:oleObj spid="_x0000_s7354" name="think-cell Slide" r:id="rId5" imgW="270" imgH="270" progId="TCLayout.ActiveDocument.1">
+                <p:oleObj spid="_x0000_s7362" name="think-cell Slide" r:id="rId5" imgW="270" imgH="270" progId="TCLayout.ActiveDocument.1">
                   <p:embed/>
                 </p:oleObj>
               </mc:Choice>
@@ -22706,7 +22670,7 @@
           <a:p>
             <a:fld id="{B56E8790-EF43-4195-82DA-4A26D543E504}" type="datetimeFigureOut">
               <a:rPr lang="en-GB" smtClean="0"/>
-              <a:t>07/10/2020</a:t>
+              <a:t>30/12/2020</a:t>
             </a:fld>
             <a:endParaRPr lang="en-GB" dirty="0"/>
           </a:p>
@@ -22770,35 +22734,35 @@
           <a:p>
             <a:pPr lvl="0"/>
             <a:r>
-              <a:rPr lang="en-US" smtClean="0"/>
+              <a:rPr lang="en-US"/>
               <a:t>Click to edit Master text styles</a:t>
             </a:r>
           </a:p>
           <a:p>
             <a:pPr lvl="1"/>
             <a:r>
-              <a:rPr lang="en-US" smtClean="0"/>
+              <a:rPr lang="en-US"/>
               <a:t>Second level</a:t>
             </a:r>
           </a:p>
           <a:p>
             <a:pPr lvl="2"/>
             <a:r>
-              <a:rPr lang="en-US" smtClean="0"/>
+              <a:rPr lang="en-US"/>
               <a:t>Third level</a:t>
             </a:r>
           </a:p>
           <a:p>
             <a:pPr lvl="3"/>
             <a:r>
-              <a:rPr lang="en-US" smtClean="0"/>
+              <a:rPr lang="en-US"/>
               <a:t>Fourth level</a:t>
             </a:r>
           </a:p>
           <a:p>
             <a:pPr lvl="4"/>
             <a:r>
-              <a:rPr lang="en-US" smtClean="0"/>
+              <a:rPr lang="en-US"/>
               <a:t>Fifth level</a:t>
             </a:r>
             <a:endParaRPr lang="en-GB" dirty="0"/>
@@ -22863,35 +22827,35 @@
           <a:p>
             <a:pPr lvl="0"/>
             <a:r>
-              <a:rPr lang="en-US" smtClean="0"/>
+              <a:rPr lang="en-US"/>
               <a:t>Click to edit Master text styles</a:t>
             </a:r>
           </a:p>
           <a:p>
             <a:pPr lvl="1"/>
             <a:r>
-              <a:rPr lang="en-US" smtClean="0"/>
+              <a:rPr lang="en-US"/>
               <a:t>Second level</a:t>
             </a:r>
           </a:p>
           <a:p>
             <a:pPr lvl="2"/>
             <a:r>
-              <a:rPr lang="en-US" smtClean="0"/>
+              <a:rPr lang="en-US"/>
               <a:t>Third level</a:t>
             </a:r>
           </a:p>
           <a:p>
             <a:pPr lvl="3"/>
             <a:r>
-              <a:rPr lang="en-US" smtClean="0"/>
+              <a:rPr lang="en-US"/>
               <a:t>Fourth level</a:t>
             </a:r>
           </a:p>
           <a:p>
             <a:pPr lvl="4"/>
             <a:r>
-              <a:rPr lang="en-US" smtClean="0"/>
+              <a:rPr lang="en-US"/>
               <a:t>Fifth level</a:t>
             </a:r>
             <a:endParaRPr lang="en-GB" dirty="0"/>
@@ -23065,7 +23029,7 @@
           <a:graphicData uri="http://schemas.openxmlformats.org/presentationml/2006/ole">
             <mc:AlternateContent xmlns:mc="http://schemas.openxmlformats.org/markup-compatibility/2006">
               <mc:Choice xmlns:v="urn:schemas-microsoft-com:vml" Requires="v">
-                <p:oleObj spid="_x0000_s7355" name="think-cell Slide" r:id="rId7" imgW="270" imgH="270" progId="TCLayout.ActiveDocument.1">
+                <p:oleObj spid="_x0000_s7363" name="think-cell Slide" r:id="rId7" imgW="270" imgH="270" progId="TCLayout.ActiveDocument.1">
                   <p:embed/>
                 </p:oleObj>
               </mc:Choice>
@@ -23357,7 +23321,7 @@
           <a:graphicData uri="http://schemas.openxmlformats.org/presentationml/2006/ole">
             <mc:AlternateContent xmlns:mc="http://schemas.openxmlformats.org/markup-compatibility/2006">
               <mc:Choice xmlns:v="urn:schemas-microsoft-com:vml" Requires="v">
-                <p:oleObj spid="_x0000_s8378" name="think-cell Slide" r:id="rId5" imgW="270" imgH="270" progId="TCLayout.ActiveDocument.1">
+                <p:oleObj spid="_x0000_s8386" name="think-cell Slide" r:id="rId5" imgW="270" imgH="270" progId="TCLayout.ActiveDocument.1">
                   <p:embed/>
                 </p:oleObj>
               </mc:Choice>
@@ -23422,7 +23386,7 @@
           <a:p>
             <a:fld id="{B56E8790-EF43-4195-82DA-4A26D543E504}" type="datetimeFigureOut">
               <a:rPr lang="en-GB" smtClean="0"/>
-              <a:t>07/10/2020</a:t>
+              <a:t>30/12/2020</a:t>
             </a:fld>
             <a:endParaRPr lang="en-GB" dirty="0"/>
           </a:p>
@@ -23486,35 +23450,35 @@
           <a:p>
             <a:pPr lvl="0"/>
             <a:r>
-              <a:rPr lang="en-US" smtClean="0"/>
+              <a:rPr lang="en-US"/>
               <a:t>Click to edit Master text styles</a:t>
             </a:r>
           </a:p>
           <a:p>
             <a:pPr lvl="1"/>
             <a:r>
-              <a:rPr lang="en-US" smtClean="0"/>
+              <a:rPr lang="en-US"/>
               <a:t>Second level</a:t>
             </a:r>
           </a:p>
           <a:p>
             <a:pPr lvl="2"/>
             <a:r>
-              <a:rPr lang="en-US" smtClean="0"/>
+              <a:rPr lang="en-US"/>
               <a:t>Third level</a:t>
             </a:r>
           </a:p>
           <a:p>
             <a:pPr lvl="3"/>
             <a:r>
-              <a:rPr lang="en-US" smtClean="0"/>
+              <a:rPr lang="en-US"/>
               <a:t>Fourth level</a:t>
             </a:r>
           </a:p>
           <a:p>
             <a:pPr lvl="4"/>
             <a:r>
-              <a:rPr lang="en-US" smtClean="0"/>
+              <a:rPr lang="en-US"/>
               <a:t>Fifth level</a:t>
             </a:r>
             <a:endParaRPr lang="en-GB" dirty="0"/>
@@ -23628,35 +23592,35 @@
           <a:p>
             <a:pPr lvl="0"/>
             <a:r>
-              <a:rPr lang="en-US" smtClean="0"/>
+              <a:rPr lang="en-US"/>
               <a:t>Click to edit Master text styles</a:t>
             </a:r>
           </a:p>
           <a:p>
             <a:pPr lvl="1"/>
             <a:r>
-              <a:rPr lang="en-US" smtClean="0"/>
+              <a:rPr lang="en-US"/>
               <a:t>Second level</a:t>
             </a:r>
           </a:p>
           <a:p>
             <a:pPr lvl="2"/>
             <a:r>
-              <a:rPr lang="en-US" smtClean="0"/>
+              <a:rPr lang="en-US"/>
               <a:t>Third level</a:t>
             </a:r>
           </a:p>
           <a:p>
             <a:pPr lvl="3"/>
             <a:r>
-              <a:rPr lang="en-US" smtClean="0"/>
+              <a:rPr lang="en-US"/>
               <a:t>Fourth level</a:t>
             </a:r>
           </a:p>
           <a:p>
             <a:pPr lvl="4"/>
             <a:r>
-              <a:rPr lang="en-US" smtClean="0"/>
+              <a:rPr lang="en-US"/>
               <a:t>Fifth level</a:t>
             </a:r>
             <a:endParaRPr lang="en-GB" dirty="0"/>
@@ -23781,7 +23745,7 @@
           <a:graphicData uri="http://schemas.openxmlformats.org/presentationml/2006/ole">
             <mc:AlternateContent xmlns:mc="http://schemas.openxmlformats.org/markup-compatibility/2006">
               <mc:Choice xmlns:v="urn:schemas-microsoft-com:vml" Requires="v">
-                <p:oleObj spid="_x0000_s8379" name="think-cell Slide" r:id="rId7" imgW="270" imgH="270" progId="TCLayout.ActiveDocument.1">
+                <p:oleObj spid="_x0000_s8387" name="think-cell Slide" r:id="rId7" imgW="270" imgH="270" progId="TCLayout.ActiveDocument.1">
                   <p:embed/>
                 </p:oleObj>
               </mc:Choice>
@@ -24028,7 +23992,7 @@
   <p:clrMapOvr>
     <a:masterClrMapping/>
   </p:clrMapOvr>
-  <p:extLst mod="1">
+  <p:extLst>
     <p:ext uri="{DCECCB84-F9BA-43D5-87BE-67443E8EF086}">
       <p15:sldGuideLst xmlns:p15="http://schemas.microsoft.com/office/powerpoint/2012/main"/>
     </p:ext>
@@ -24086,7 +24050,7 @@
           <a:graphicData uri="http://schemas.openxmlformats.org/presentationml/2006/ole">
             <mc:AlternateContent xmlns:mc="http://schemas.openxmlformats.org/markup-compatibility/2006">
               <mc:Choice xmlns:v="urn:schemas-microsoft-com:vml" Requires="v">
-                <p:oleObj spid="_x0000_s1118" name="think-cell Slide" r:id="rId24" imgW="270" imgH="270" progId="TCLayout.ActiveDocument.1">
+                <p:oleObj spid="_x0000_s1122" name="think-cell Slide" r:id="rId24" imgW="270" imgH="270" progId="TCLayout.ActiveDocument.1">
                   <p:embed/>
                 </p:oleObj>
               </mc:Choice>
@@ -24148,35 +24112,35 @@
           <a:p>
             <a:pPr lvl="0"/>
             <a:r>
-              <a:rPr lang="en-US" noProof="0" smtClean="0"/>
+              <a:rPr lang="en-US" noProof="0"/>
               <a:t>Click to edit Master text styles</a:t>
             </a:r>
           </a:p>
           <a:p>
             <a:pPr lvl="1"/>
             <a:r>
-              <a:rPr lang="en-US" noProof="0" smtClean="0"/>
+              <a:rPr lang="en-US" noProof="0"/>
               <a:t>Second level</a:t>
             </a:r>
           </a:p>
           <a:p>
             <a:pPr lvl="2"/>
             <a:r>
-              <a:rPr lang="en-US" noProof="0" smtClean="0"/>
+              <a:rPr lang="en-US" noProof="0"/>
               <a:t>Third level</a:t>
             </a:r>
           </a:p>
           <a:p>
             <a:pPr lvl="3"/>
             <a:r>
-              <a:rPr lang="en-US" noProof="0" smtClean="0"/>
+              <a:rPr lang="en-US" noProof="0"/>
               <a:t>Fourth level</a:t>
             </a:r>
           </a:p>
           <a:p>
             <a:pPr lvl="4"/>
             <a:r>
-              <a:rPr lang="en-US" noProof="0" smtClean="0"/>
+              <a:rPr lang="en-US" noProof="0"/>
               <a:t>Fifth level</a:t>
             </a:r>
             <a:endParaRPr lang="en-GB" noProof="0" dirty="0"/>
@@ -24218,7 +24182,7 @@
           <a:p>
             <a:fld id="{B56E8790-EF43-4195-82DA-4A26D543E504}" type="datetimeFigureOut">
               <a:rPr lang="en-GB" smtClean="0"/>
-              <a:t>07/10/2020</a:t>
+              <a:t>30/12/2020</a:t>
             </a:fld>
             <a:endParaRPr lang="en-GB" dirty="0"/>
           </a:p>
@@ -24685,7 +24649,7 @@
       </a:lvl9pPr>
     </p:otherStyle>
   </p:txStyles>
-  <p:extLst mod="1">
+  <p:extLst>
     <p:ext uri="{27BBF7A9-308A-43DC-89C8-2F10F3537804}">
       <p15:sldGuideLst xmlns:p15="http://schemas.microsoft.com/office/powerpoint/2012/main">
         <p15:guide id="1" orient="horz" pos="550" userDrawn="1">
@@ -24769,7 +24733,6 @@
             <p:custDataLst>
               <p:tags r:id="rId14"/>
             </p:custDataLst>
-            <p:extLst/>
           </p:nvPr>
         </p:nvGraphicFramePr>
         <p:xfrm>
@@ -24780,7 +24743,7 @@
           <a:graphicData uri="http://schemas.openxmlformats.org/presentationml/2006/ole">
             <mc:AlternateContent xmlns:mc="http://schemas.openxmlformats.org/markup-compatibility/2006">
               <mc:Choice xmlns:v="urn:schemas-microsoft-com:vml" Requires="v">
-                <p:oleObj spid="_x0000_s18526" name="think-cell Slide" r:id="rId16" imgW="270" imgH="270" progId="TCLayout.ActiveDocument.1">
+                <p:oleObj spid="_x0000_s18530" name="think-cell Slide" r:id="rId16" imgW="270" imgH="270" progId="TCLayout.ActiveDocument.1">
                   <p:embed/>
                 </p:oleObj>
               </mc:Choice>
@@ -24842,35 +24805,35 @@
           <a:p>
             <a:pPr lvl="0"/>
             <a:r>
-              <a:rPr lang="en-US" noProof="0" smtClean="0"/>
+              <a:rPr lang="en-US" noProof="0"/>
               <a:t>Click to edit Master text styles</a:t>
             </a:r>
           </a:p>
           <a:p>
             <a:pPr lvl="1"/>
             <a:r>
-              <a:rPr lang="en-US" noProof="0" smtClean="0"/>
+              <a:rPr lang="en-US" noProof="0"/>
               <a:t>Second level</a:t>
             </a:r>
           </a:p>
           <a:p>
             <a:pPr lvl="2"/>
             <a:r>
-              <a:rPr lang="en-US" noProof="0" smtClean="0"/>
+              <a:rPr lang="en-US" noProof="0"/>
               <a:t>Third level</a:t>
             </a:r>
           </a:p>
           <a:p>
             <a:pPr lvl="3"/>
             <a:r>
-              <a:rPr lang="en-US" noProof="0" smtClean="0"/>
+              <a:rPr lang="en-US" noProof="0"/>
               <a:t>Fourth level</a:t>
             </a:r>
           </a:p>
           <a:p>
             <a:pPr lvl="4"/>
             <a:r>
-              <a:rPr lang="en-US" noProof="0" smtClean="0"/>
+              <a:rPr lang="en-US" noProof="0"/>
               <a:t>Fifth level</a:t>
             </a:r>
             <a:endParaRPr lang="en-GB" noProof="0" dirty="0"/>
@@ -24913,7 +24876,7 @@
             <a:fld id="{10E7BC8F-BFD3-4858-915D-99D9576C8415}" type="datetime1">
               <a:rPr lang="en-GB" smtClean="0"/>
               <a:pPr/>
-              <a:t>07/10/2020</a:t>
+              <a:t>30/12/2020</a:t>
             </a:fld>
             <a:endParaRPr lang="en-GB" dirty="0"/>
           </a:p>
@@ -25373,7 +25336,7 @@
       </a:lvl9pPr>
     </p:otherStyle>
   </p:txStyles>
-  <p:extLst mod="1">
+  <p:extLst>
     <p:ext uri="{27BBF7A9-308A-43DC-89C8-2F10F3537804}">
       <p15:sldGuideLst xmlns:p15="http://schemas.microsoft.com/office/powerpoint/2012/main">
         <p15:guide id="1" orient="horz" pos="550" userDrawn="1">
@@ -25457,7 +25420,6 @@
             <p:custDataLst>
               <p:tags r:id="rId15"/>
             </p:custDataLst>
-            <p:extLst/>
           </p:nvPr>
         </p:nvGraphicFramePr>
         <p:xfrm>
@@ -25468,7 +25430,7 @@
           <a:graphicData uri="http://schemas.openxmlformats.org/presentationml/2006/ole">
             <mc:AlternateContent xmlns:mc="http://schemas.openxmlformats.org/markup-compatibility/2006">
               <mc:Choice xmlns:v="urn:schemas-microsoft-com:vml" Requires="v">
-                <p:oleObj spid="_x0000_s28766" name="think-cell Slide" r:id="rId17" imgW="270" imgH="270" progId="TCLayout.ActiveDocument.1">
+                <p:oleObj spid="_x0000_s28770" name="think-cell Slide" r:id="rId17" imgW="270" imgH="270" progId="TCLayout.ActiveDocument.1">
                   <p:embed/>
                 </p:oleObj>
               </mc:Choice>
@@ -25530,35 +25492,35 @@
           <a:p>
             <a:pPr lvl="0"/>
             <a:r>
-              <a:rPr lang="en-US" noProof="0" smtClean="0"/>
+              <a:rPr lang="en-US" noProof="0"/>
               <a:t>Click to edit Master text styles</a:t>
             </a:r>
           </a:p>
           <a:p>
             <a:pPr lvl="1"/>
             <a:r>
-              <a:rPr lang="en-US" noProof="0" smtClean="0"/>
+              <a:rPr lang="en-US" noProof="0"/>
               <a:t>Second level</a:t>
             </a:r>
           </a:p>
           <a:p>
             <a:pPr lvl="2"/>
             <a:r>
-              <a:rPr lang="en-US" noProof="0" smtClean="0"/>
+              <a:rPr lang="en-US" noProof="0"/>
               <a:t>Third level</a:t>
             </a:r>
           </a:p>
           <a:p>
             <a:pPr lvl="3"/>
             <a:r>
-              <a:rPr lang="en-US" noProof="0" smtClean="0"/>
+              <a:rPr lang="en-US" noProof="0"/>
               <a:t>Fourth level</a:t>
             </a:r>
           </a:p>
           <a:p>
             <a:pPr lvl="4"/>
             <a:r>
-              <a:rPr lang="en-US" noProof="0" smtClean="0"/>
+              <a:rPr lang="en-US" noProof="0"/>
               <a:t>Fifth level</a:t>
             </a:r>
             <a:endParaRPr lang="en-GB" noProof="0" dirty="0"/>
@@ -25605,7 +25567,7 @@
                 </a:solidFill>
               </a:rPr>
               <a:pPr/>
-              <a:t>07/10/2020</a:t>
+              <a:t>30/12/2020</a:t>
             </a:fld>
             <a:endParaRPr lang="en-GB" dirty="0">
               <a:solidFill>
@@ -26074,7 +26036,7 @@
       </a:lvl9pPr>
     </p:otherStyle>
   </p:txStyles>
-  <p:extLst mod="1">
+  <p:extLst>
     <p:ext uri="{27BBF7A9-308A-43DC-89C8-2F10F3537804}">
       <p15:sldGuideLst xmlns:p15="http://schemas.microsoft.com/office/powerpoint/2012/main">
         <p15:guide id="1" orient="horz" pos="550" userDrawn="1">
@@ -26209,14 +26171,14 @@
               <a:p>
                 <a:pPr algn="ctr"/>
                 <a:r>
-                  <a:rPr lang="da-DK" sz="1200" b="1" dirty="0" err="1" smtClean="0">
+                  <a:rPr lang="da-DK" sz="1200" b="1" dirty="0" err="1">
                     <a:solidFill>
                       <a:schemeClr val="tx1"/>
                     </a:solidFill>
                   </a:rPr>
                   <a:t>Initiated</a:t>
                 </a:r>
-                <a:endParaRPr lang="en-GB" sz="1200" b="1" dirty="0" err="1" smtClean="0">
+                <a:endParaRPr lang="en-GB" sz="1200" b="1" dirty="0" err="1">
                   <a:solidFill>
                     <a:schemeClr val="tx1"/>
                   </a:solidFill>
@@ -26265,14 +26227,14 @@
               <a:p>
                 <a:pPr algn="ctr"/>
                 <a:r>
-                  <a:rPr lang="da-DK" sz="1200" b="1" dirty="0" err="1" smtClean="0">
+                  <a:rPr lang="da-DK" sz="1200" b="1" dirty="0" err="1">
                     <a:solidFill>
                       <a:schemeClr val="tx1"/>
                     </a:solidFill>
                   </a:rPr>
                   <a:t>Reserved</a:t>
                 </a:r>
-                <a:endParaRPr lang="en-GB" sz="1200" b="1" dirty="0" err="1" smtClean="0">
+                <a:endParaRPr lang="en-GB" sz="1200" b="1" dirty="0" err="1">
                   <a:solidFill>
                     <a:schemeClr val="tx1"/>
                   </a:solidFill>
@@ -26321,14 +26283,14 @@
               <a:p>
                 <a:pPr algn="ctr"/>
                 <a:r>
-                  <a:rPr lang="da-DK" sz="1200" b="1" dirty="0" err="1" smtClean="0">
+                  <a:rPr lang="da-DK" sz="1200" b="1" dirty="0" err="1">
                     <a:solidFill>
                       <a:schemeClr val="tx1"/>
                     </a:solidFill>
                   </a:rPr>
                   <a:t>Captured</a:t>
                 </a:r>
-                <a:endParaRPr lang="en-GB" sz="1200" b="1" dirty="0" err="1" smtClean="0">
+                <a:endParaRPr lang="en-GB" sz="1200" b="1" dirty="0" err="1">
                   <a:solidFill>
                     <a:schemeClr val="tx1"/>
                   </a:solidFill>
@@ -26484,37 +26446,29 @@
               <a:p>
                 <a:pPr algn="ctr"/>
                 <a:r>
-                  <a:rPr lang="da-DK" sz="1200" b="1" dirty="0" err="1" smtClean="0">
+                  <a:rPr lang="da-DK" sz="1200" b="1" dirty="0" err="1">
                     <a:solidFill>
                       <a:schemeClr val="tx1"/>
                     </a:solidFill>
                   </a:rPr>
                   <a:t>Cancelled</a:t>
                 </a:r>
-                <a:r>
-                  <a:rPr lang="da-DK" sz="1200" b="1" dirty="0" smtClean="0">
-                    <a:solidFill>
-                      <a:schemeClr val="tx1"/>
-                    </a:solidFill>
-                  </a:rPr>
-                  <a:t/>
-                </a:r>
                 <a:br>
-                  <a:rPr lang="da-DK" sz="1200" b="1" dirty="0" smtClean="0">
+                  <a:rPr lang="da-DK" sz="1200" b="1" dirty="0">
                     <a:solidFill>
                       <a:schemeClr val="tx1"/>
                     </a:solidFill>
                   </a:rPr>
                 </a:br>
                 <a:r>
-                  <a:rPr lang="da-DK" sz="1200" b="1" dirty="0" err="1" smtClean="0">
+                  <a:rPr lang="da-DK" sz="1200" b="1" dirty="0" err="1">
                     <a:solidFill>
                       <a:schemeClr val="tx1"/>
                     </a:solidFill>
                   </a:rPr>
                   <a:t>ByMobilePay</a:t>
                 </a:r>
-                <a:endParaRPr lang="en-GB" sz="1200" b="1" dirty="0" err="1" smtClean="0">
+                <a:endParaRPr lang="en-GB" sz="1200" b="1" dirty="0" err="1">
                   <a:solidFill>
                     <a:schemeClr val="tx1"/>
                   </a:solidFill>
@@ -26635,37 +26589,29 @@
               <a:p>
                 <a:pPr algn="ctr"/>
                 <a:r>
-                  <a:rPr lang="da-DK" sz="1200" b="1" dirty="0" err="1" smtClean="0">
+                  <a:rPr lang="da-DK" sz="1200" b="1" dirty="0" err="1">
                     <a:solidFill>
                       <a:schemeClr val="tx1"/>
                     </a:solidFill>
                   </a:rPr>
                   <a:t>Cancelled</a:t>
                 </a:r>
-                <a:r>
-                  <a:rPr lang="da-DK" sz="1200" b="1" dirty="0" smtClean="0">
-                    <a:solidFill>
-                      <a:schemeClr val="tx1"/>
-                    </a:solidFill>
-                  </a:rPr>
-                  <a:t/>
-                </a:r>
                 <a:br>
-                  <a:rPr lang="da-DK" sz="1200" b="1" dirty="0" smtClean="0">
+                  <a:rPr lang="da-DK" sz="1200" b="1" dirty="0">
                     <a:solidFill>
                       <a:schemeClr val="tx1"/>
                     </a:solidFill>
                   </a:rPr>
                 </a:br>
                 <a:r>
-                  <a:rPr lang="da-DK" sz="1200" b="1" dirty="0" err="1" smtClean="0">
+                  <a:rPr lang="da-DK" sz="1200" b="1" dirty="0" err="1">
                     <a:solidFill>
                       <a:schemeClr val="tx1"/>
                     </a:solidFill>
                   </a:rPr>
                   <a:t>ByClient</a:t>
                 </a:r>
-                <a:endParaRPr lang="en-GB" sz="1200" b="1" dirty="0" err="1" smtClean="0">
+                <a:endParaRPr lang="en-GB" sz="1200" b="1" dirty="0" err="1">
                   <a:solidFill>
                     <a:schemeClr val="tx1"/>
                   </a:solidFill>
@@ -26787,37 +26733,29 @@
             <a:p>
               <a:pPr algn="ctr"/>
               <a:r>
-                <a:rPr lang="da-DK" sz="1200" b="1" dirty="0" err="1" smtClean="0">
+                <a:rPr lang="da-DK" sz="1200" b="1" dirty="0" err="1">
                   <a:solidFill>
                     <a:schemeClr val="tx1"/>
                   </a:solidFill>
                 </a:rPr>
                 <a:t>ExpiredAnd</a:t>
               </a:r>
-              <a:r>
-                <a:rPr lang="da-DK" sz="1200" b="1" dirty="0" smtClean="0">
-                  <a:solidFill>
-                    <a:schemeClr val="tx1"/>
-                  </a:solidFill>
-                </a:rPr>
-                <a:t/>
-              </a:r>
               <a:br>
-                <a:rPr lang="da-DK" sz="1200" b="1" dirty="0" smtClean="0">
+                <a:rPr lang="da-DK" sz="1200" b="1" dirty="0">
                   <a:solidFill>
                     <a:schemeClr val="tx1"/>
                   </a:solidFill>
                 </a:rPr>
               </a:br>
               <a:r>
-                <a:rPr lang="da-DK" sz="1200" b="1" dirty="0" err="1" smtClean="0">
+                <a:rPr lang="da-DK" sz="1200" b="1" dirty="0" err="1">
                   <a:solidFill>
                     <a:schemeClr val="tx1"/>
                   </a:solidFill>
                 </a:rPr>
                 <a:t>Cancelled</a:t>
               </a:r>
-              <a:endParaRPr lang="en-GB" sz="1200" b="1" dirty="0" err="1" smtClean="0">
+              <a:endParaRPr lang="en-GB" sz="1200" b="1" dirty="0" err="1">
                 <a:solidFill>
                   <a:schemeClr val="tx1"/>
                 </a:solidFill>
@@ -26872,13 +26810,6 @@
   <p:clrMapOvr>
     <a:masterClrMapping/>
   </p:clrMapOvr>
-  <p:timing>
-    <p:tnLst>
-      <p:par>
-        <p:cTn id="1" dur="indefinite" restart="never" nodeType="tmRoot"/>
-      </p:par>
-    </p:tnLst>
-  </p:timing>
 </p:sld>
 </file>
 
@@ -27448,7 +27379,7 @@
               <a:t>Payment, status = </a:t>
             </a:r>
             <a:r>
-              <a:rPr lang="da-DK" sz="1100" b="1" dirty="0" err="1" smtClean="0">
+              <a:rPr lang="da-DK" sz="1100" b="1" dirty="0" err="1">
                 <a:solidFill>
                   <a:schemeClr val="accent4"/>
                 </a:solidFill>
@@ -27456,7 +27387,7 @@
               <a:t>Reserved</a:t>
             </a:r>
             <a:r>
-              <a:rPr lang="da-DK" sz="1100" b="1" dirty="0" smtClean="0">
+              <a:rPr lang="da-DK" sz="1100" b="1" dirty="0">
                 <a:solidFill>
                   <a:schemeClr val="accent4"/>
                 </a:solidFill>
@@ -27464,7 +27395,7 @@
               <a:t>, </a:t>
             </a:r>
             <a:r>
-              <a:rPr lang="da-DK" sz="1100" b="1" dirty="0" err="1" smtClean="0">
+              <a:rPr lang="da-DK" sz="1100" b="1" dirty="0" err="1">
                 <a:solidFill>
                   <a:schemeClr val="accent4"/>
                 </a:solidFill>
@@ -27472,7 +27403,7 @@
               <a:t>PartialCapturePossible</a:t>
             </a:r>
             <a:r>
-              <a:rPr lang="da-DK" sz="1100" b="1" dirty="0" smtClean="0">
+              <a:rPr lang="da-DK" sz="1100" b="1" dirty="0">
                 <a:solidFill>
                   <a:schemeClr val="accent4"/>
                 </a:solidFill>
@@ -27585,7 +27516,7 @@
               <a:t>}/</a:t>
             </a:r>
             <a:r>
-              <a:rPr lang="da-DK" sz="1100" b="1" dirty="0" err="1" smtClean="0">
+              <a:rPr lang="da-DK" sz="1100" b="1" dirty="0" err="1">
                 <a:solidFill>
                   <a:schemeClr val="accent4"/>
                 </a:solidFill>
@@ -27750,7 +27681,7 @@
           <a:p>
             <a:pPr algn="ctr"/>
             <a:r>
-              <a:rPr lang="da-DK" sz="1100" b="1" dirty="0" smtClean="0">
+              <a:rPr lang="da-DK" sz="1100" b="1" dirty="0">
                 <a:solidFill>
                   <a:schemeClr val="accent4"/>
                 </a:solidFill>
@@ -27831,7 +27762,7 @@
               <a:t>POST /</a:t>
             </a:r>
             <a:r>
-              <a:rPr lang="da-DK" sz="1100" b="1" dirty="0" err="1" smtClean="0">
+              <a:rPr lang="da-DK" sz="1100" b="1" dirty="0" err="1">
                 <a:solidFill>
                   <a:schemeClr val="accent4"/>
                 </a:solidFill>
@@ -27870,7 +27801,7 @@
           <a:p>
             <a:pPr algn="ctr"/>
             <a:r>
-              <a:rPr lang="da-DK" sz="1100" b="1" dirty="0" err="1" smtClean="0">
+              <a:rPr lang="da-DK" sz="1100" b="1" dirty="0" err="1">
                 <a:solidFill>
                   <a:schemeClr val="accent4"/>
                 </a:solidFill>
@@ -27878,7 +27809,7 @@
               <a:t>Amount</a:t>
             </a:r>
             <a:r>
-              <a:rPr lang="da-DK" sz="1100" b="1" dirty="0" smtClean="0">
+              <a:rPr lang="da-DK" sz="1100" b="1" dirty="0">
                 <a:solidFill>
                   <a:schemeClr val="accent4"/>
                 </a:solidFill>
@@ -27917,7 +27848,7 @@
           <a:p>
             <a:pPr algn="ctr"/>
             <a:r>
-              <a:rPr lang="da-DK" sz="1100" b="1" dirty="0" err="1" smtClean="0">
+              <a:rPr lang="da-DK" sz="1100" b="1" dirty="0" err="1">
                 <a:solidFill>
                   <a:schemeClr val="accent4"/>
                 </a:solidFill>
@@ -27925,7 +27856,7 @@
               <a:t>Amount</a:t>
             </a:r>
             <a:r>
-              <a:rPr lang="da-DK" sz="1100" b="1" dirty="0" smtClean="0">
+              <a:rPr lang="da-DK" sz="1100" b="1" dirty="0">
                 <a:solidFill>
                   <a:schemeClr val="accent4"/>
                 </a:solidFill>
@@ -28018,13 +27949,6 @@
   <p:clrMapOvr>
     <a:masterClrMapping/>
   </p:clrMapOvr>
-  <p:timing>
-    <p:tnLst>
-      <p:par>
-        <p:cTn id="1" dur="indefinite" restart="never" nodeType="tmRoot"/>
-      </p:par>
-    </p:tnLst>
-  </p:timing>
 </p:sld>
 </file>
 
@@ -28594,7 +28518,7 @@
               <a:t>Payment, status = </a:t>
             </a:r>
             <a:r>
-              <a:rPr lang="da-DK" sz="1100" b="1" dirty="0" err="1" smtClean="0">
+              <a:rPr lang="da-DK" sz="1100" b="1" dirty="0" err="1">
                 <a:solidFill>
                   <a:schemeClr val="accent4"/>
                 </a:solidFill>
@@ -28602,7 +28526,7 @@
               <a:t>Reserved</a:t>
             </a:r>
             <a:r>
-              <a:rPr lang="da-DK" sz="1100" b="1" dirty="0" smtClean="0">
+              <a:rPr lang="da-DK" sz="1100" b="1" dirty="0">
                 <a:solidFill>
                   <a:schemeClr val="accent4"/>
                 </a:solidFill>
@@ -28610,7 +28534,7 @@
               <a:t>, </a:t>
             </a:r>
             <a:r>
-              <a:rPr lang="da-DK" sz="1100" b="1" dirty="0" err="1" smtClean="0">
+              <a:rPr lang="da-DK" sz="1100" b="1" dirty="0" err="1">
                 <a:solidFill>
                   <a:schemeClr val="accent4"/>
                 </a:solidFill>
@@ -28618,7 +28542,7 @@
               <a:t>PartialCapturePossible</a:t>
             </a:r>
             <a:r>
-              <a:rPr lang="da-DK" sz="1100" b="1" dirty="0" smtClean="0">
+              <a:rPr lang="da-DK" sz="1100" b="1" dirty="0">
                 <a:solidFill>
                   <a:schemeClr val="accent4"/>
                 </a:solidFill>
@@ -28723,7 +28647,7 @@
               <a:t>paymentId</a:t>
             </a:r>
             <a:r>
-              <a:rPr lang="da-DK" sz="1100" b="1" dirty="0" smtClean="0">
+              <a:rPr lang="da-DK" sz="1100" b="1" dirty="0">
                 <a:solidFill>
                   <a:schemeClr val="accent4"/>
                 </a:solidFill>
@@ -28731,7 +28655,7 @@
               <a:t>}/</a:t>
             </a:r>
             <a:r>
-              <a:rPr lang="da-DK" sz="1100" b="1" dirty="0" err="1" smtClean="0">
+              <a:rPr lang="da-DK" sz="1100" b="1" dirty="0" err="1">
                 <a:solidFill>
                   <a:schemeClr val="accent4"/>
                 </a:solidFill>
@@ -28814,7 +28738,7 @@
           <a:lstStyle/>
           <a:p>
             <a:r>
-              <a:rPr lang="da-DK" sz="1100" b="1" dirty="0" err="1" smtClean="0">
+              <a:rPr lang="da-DK" sz="1100" b="1" dirty="0" err="1">
                 <a:solidFill>
                   <a:schemeClr val="accent4"/>
                 </a:solidFill>
@@ -28822,7 +28746,7 @@
               <a:t>Cancel</a:t>
             </a:r>
             <a:r>
-              <a:rPr lang="da-DK" sz="1100" b="1" dirty="0" smtClean="0">
+              <a:rPr lang="da-DK" sz="1100" b="1" dirty="0">
                 <a:solidFill>
                   <a:schemeClr val="accent4"/>
                 </a:solidFill>
@@ -28830,7 +28754,7 @@
               <a:t> </a:t>
             </a:r>
             <a:r>
-              <a:rPr lang="da-DK" sz="1100" b="1" dirty="0" err="1" smtClean="0">
+              <a:rPr lang="da-DK" sz="1100" b="1" dirty="0" err="1">
                 <a:solidFill>
                   <a:schemeClr val="accent4"/>
                 </a:solidFill>
@@ -28904,7 +28828,7 @@
           <a:p>
             <a:pPr algn="ctr"/>
             <a:r>
-              <a:rPr lang="da-DK" sz="1100" b="1" dirty="0" smtClean="0">
+              <a:rPr lang="da-DK" sz="1100" b="1" dirty="0">
                 <a:solidFill>
                   <a:schemeClr val="accent4"/>
                 </a:solidFill>
@@ -28985,7 +28909,7 @@
               <a:t>POST /</a:t>
             </a:r>
             <a:r>
-              <a:rPr lang="da-DK" sz="1100" b="1" dirty="0" err="1" smtClean="0">
+              <a:rPr lang="da-DK" sz="1100" b="1" dirty="0" err="1">
                 <a:solidFill>
                   <a:schemeClr val="accent4"/>
                 </a:solidFill>
@@ -29024,7 +28948,7 @@
           <a:p>
             <a:pPr algn="ctr"/>
             <a:r>
-              <a:rPr lang="da-DK" sz="1100" b="1" dirty="0" err="1" smtClean="0">
+              <a:rPr lang="da-DK" sz="1100" b="1" dirty="0" err="1">
                 <a:solidFill>
                   <a:schemeClr val="accent4"/>
                 </a:solidFill>
@@ -29032,7 +28956,7 @@
               <a:t>Amount</a:t>
             </a:r>
             <a:r>
-              <a:rPr lang="da-DK" sz="1100" b="1" dirty="0" smtClean="0">
+              <a:rPr lang="da-DK" sz="1100" b="1" dirty="0">
                 <a:solidFill>
                   <a:schemeClr val="accent4"/>
                 </a:solidFill>
@@ -29125,13 +29049,6 @@
   <p:clrMapOvr>
     <a:masterClrMapping/>
   </p:clrMapOvr>
-  <p:timing>
-    <p:tnLst>
-      <p:par>
-        <p:cTn id="1" dur="indefinite" restart="never" nodeType="tmRoot"/>
-      </p:par>
-    </p:tnLst>
-  </p:timing>
 </p:sld>
 </file>
 
@@ -30179,7 +30096,7 @@
                 <a:t>POST /</a:t>
               </a:r>
               <a:r>
-                <a:rPr lang="da-DK" sz="1100" b="1" dirty="0" err="1" smtClean="0">
+                <a:rPr lang="da-DK" sz="1100" b="1" dirty="0" err="1">
                   <a:solidFill>
                     <a:schemeClr val="accent4"/>
                   </a:solidFill>
@@ -30320,7 +30237,7 @@
                 <a:t>Payment, status = </a:t>
               </a:r>
               <a:r>
-                <a:rPr lang="da-DK" sz="1100" b="1" dirty="0" err="1" smtClean="0">
+                <a:rPr lang="da-DK" sz="1100" b="1" dirty="0" err="1">
                   <a:solidFill>
                     <a:schemeClr val="accent4"/>
                   </a:solidFill>
@@ -30985,7 +30902,7 @@
                 <a:t>}/</a:t>
               </a:r>
               <a:r>
-                <a:rPr lang="da-DK" sz="1100" b="1" dirty="0" err="1" smtClean="0">
+                <a:rPr lang="da-DK" sz="1100" b="1" dirty="0" err="1">
                   <a:solidFill>
                     <a:schemeClr val="accent4"/>
                   </a:solidFill>
@@ -31150,7 +31067,7 @@
             <a:p>
               <a:pPr algn="ctr"/>
               <a:r>
-                <a:rPr lang="da-DK" sz="1100" b="1" dirty="0" smtClean="0">
+                <a:rPr lang="da-DK" sz="1100" b="1" dirty="0">
                   <a:solidFill>
                     <a:schemeClr val="accent4"/>
                   </a:solidFill>
@@ -31176,13 +31093,6 @@
   <p:clrMapOvr>
     <a:masterClrMapping/>
   </p:clrMapOvr>
-  <p:timing>
-    <p:tnLst>
-      <p:par>
-        <p:cTn id="1" dur="indefinite" restart="never" nodeType="tmRoot"/>
-      </p:par>
-    </p:tnLst>
-  </p:timing>
 </p:sld>
 </file>
 
@@ -32216,7 +32126,7 @@
               <a:t>POST /</a:t>
             </a:r>
             <a:r>
-              <a:rPr lang="da-DK" sz="1100" b="1" dirty="0" err="1" smtClean="0">
+              <a:rPr lang="da-DK" sz="1100" b="1" dirty="0" err="1">
                 <a:solidFill>
                   <a:schemeClr val="accent4"/>
                 </a:solidFill>
@@ -32224,7 +32134,7 @@
               <a:t>payments</a:t>
             </a:r>
             <a:r>
-              <a:rPr lang="da-DK" sz="1100" b="1" dirty="0" smtClean="0">
+              <a:rPr lang="da-DK" sz="1100" b="1" dirty="0">
                 <a:solidFill>
                   <a:schemeClr val="accent4"/>
                 </a:solidFill>
@@ -32232,7 +32142,7 @@
               <a:t>/</a:t>
             </a:r>
             <a:r>
-              <a:rPr lang="da-DK" sz="1100" b="1" dirty="0" err="1" smtClean="0">
+              <a:rPr lang="da-DK" sz="1100" b="1" dirty="0" err="1">
                 <a:solidFill>
                   <a:schemeClr val="accent4"/>
                 </a:solidFill>
@@ -33194,7 +33104,7 @@
               <a:t>Payment, status = </a:t>
             </a:r>
             <a:r>
-              <a:rPr lang="da-DK" sz="1100" b="1" dirty="0" err="1" smtClean="0">
+              <a:rPr lang="da-DK" sz="1100" b="1" dirty="0" err="1">
                 <a:solidFill>
                   <a:schemeClr val="accent4"/>
                 </a:solidFill>
@@ -33202,7 +33112,7 @@
               <a:t>Paired</a:t>
             </a:r>
             <a:r>
-              <a:rPr lang="da-DK" sz="1100" b="1" dirty="0" smtClean="0">
+              <a:rPr lang="da-DK" sz="1100" b="1" dirty="0">
                 <a:solidFill>
                   <a:schemeClr val="accent4"/>
                 </a:solidFill>
@@ -33347,7 +33257,7 @@
               <a:t>}/</a:t>
             </a:r>
             <a:r>
-              <a:rPr lang="da-DK" sz="1100" b="1" dirty="0" err="1" smtClean="0">
+              <a:rPr lang="da-DK" sz="1100" b="1" dirty="0" err="1">
                 <a:solidFill>
                   <a:schemeClr val="accent4"/>
                 </a:solidFill>
@@ -33512,7 +33422,7 @@
           <a:p>
             <a:pPr algn="ctr"/>
             <a:r>
-              <a:rPr lang="da-DK" sz="1100" b="1" dirty="0" smtClean="0">
+              <a:rPr lang="da-DK" sz="1100" b="1" dirty="0">
                 <a:solidFill>
                   <a:schemeClr val="accent4"/>
                 </a:solidFill>
@@ -33537,13 +33447,6 @@
   <p:clrMapOvr>
     <a:masterClrMapping/>
   </p:clrMapOvr>
-  <p:timing>
-    <p:tnLst>
-      <p:par>
-        <p:cTn id="1" dur="indefinite" restart="never" nodeType="tmRoot"/>
-      </p:par>
-    </p:tnLst>
-  </p:timing>
 </p:sld>
 </file>
 
@@ -34173,18 +34076,10 @@
                   <a:schemeClr val="accent4"/>
                 </a:solidFill>
               </a:rPr>
-              <a:t>POST </a:t>
-            </a:r>
-            <a:r>
-              <a:rPr lang="da-DK" sz="1100" b="1" dirty="0" smtClean="0">
-                <a:solidFill>
-                  <a:schemeClr val="accent4"/>
-                </a:solidFill>
-              </a:rPr>
-              <a:t>/</a:t>
-            </a:r>
-            <a:r>
-              <a:rPr lang="da-DK" sz="1100" b="1" dirty="0" err="1" smtClean="0">
+              <a:t>POST /</a:t>
+            </a:r>
+            <a:r>
+              <a:rPr lang="da-DK" sz="1100" b="1" dirty="0" err="1">
                 <a:solidFill>
                   <a:schemeClr val="accent4"/>
                 </a:solidFill>
@@ -34223,7 +34118,7 @@
           <a:p>
             <a:pPr algn="ctr"/>
             <a:r>
-              <a:rPr lang="da-DK" sz="1100" b="1" dirty="0" err="1" smtClean="0">
+              <a:rPr lang="da-DK" sz="1100" b="1" dirty="0" err="1">
                 <a:solidFill>
                   <a:schemeClr val="accent4"/>
                 </a:solidFill>
@@ -34231,7 +34126,7 @@
               <a:t>Refund</a:t>
             </a:r>
             <a:r>
-              <a:rPr lang="da-DK" sz="1100" b="1" dirty="0" smtClean="0">
+              <a:rPr lang="da-DK" sz="1100" b="1" dirty="0">
                 <a:solidFill>
                   <a:schemeClr val="accent4"/>
                 </a:solidFill>
@@ -34270,7 +34165,7 @@
           <a:p>
             <a:pPr algn="ctr"/>
             <a:r>
-              <a:rPr lang="da-DK" sz="1100" b="1" dirty="0" err="1" smtClean="0">
+              <a:rPr lang="da-DK" sz="1100" b="1" dirty="0" err="1">
                 <a:solidFill>
                   <a:schemeClr val="accent4"/>
                 </a:solidFill>
@@ -34278,7 +34173,7 @@
               <a:t>GET</a:t>
             </a:r>
             <a:r>
-              <a:rPr lang="da-DK" sz="1100" b="1" dirty="0" smtClean="0">
+              <a:rPr lang="da-DK" sz="1100" b="1" dirty="0">
                 <a:solidFill>
                   <a:schemeClr val="accent4"/>
                 </a:solidFill>
@@ -34286,7 +34181,7 @@
               <a:t> /</a:t>
             </a:r>
             <a:r>
-              <a:rPr lang="da-DK" sz="1100" b="1" dirty="0" err="1" smtClean="0">
+              <a:rPr lang="da-DK" sz="1100" b="1" dirty="0" err="1">
                 <a:solidFill>
                   <a:schemeClr val="accent4"/>
                 </a:solidFill>
@@ -34294,7 +34189,7 @@
               <a:t>refunds</a:t>
             </a:r>
             <a:r>
-              <a:rPr lang="da-DK" sz="1100" b="1" dirty="0" smtClean="0">
+              <a:rPr lang="da-DK" sz="1100" b="1" dirty="0">
                 <a:solidFill>
                   <a:schemeClr val="accent4"/>
                 </a:solidFill>
@@ -34302,7 +34197,7 @@
               <a:t>/{</a:t>
             </a:r>
             <a:r>
-              <a:rPr lang="da-DK" sz="1100" b="1" dirty="0" err="1" smtClean="0">
+              <a:rPr lang="da-DK" sz="1100" b="1" dirty="0" err="1">
                 <a:solidFill>
                   <a:schemeClr val="accent4"/>
                 </a:solidFill>
@@ -34310,7 +34205,7 @@
               <a:t>refundId</a:t>
             </a:r>
             <a:r>
-              <a:rPr lang="da-DK" sz="1100" b="1" dirty="0" smtClean="0">
+              <a:rPr lang="da-DK" sz="1100" b="1" dirty="0">
                 <a:solidFill>
                   <a:schemeClr val="accent4"/>
                 </a:solidFill>
@@ -34349,7 +34244,7 @@
           <a:p>
             <a:pPr algn="ctr"/>
             <a:r>
-              <a:rPr lang="da-DK" sz="1100" b="1" dirty="0" err="1" smtClean="0">
+              <a:rPr lang="da-DK" sz="1100" b="1" dirty="0" err="1">
                 <a:solidFill>
                   <a:schemeClr val="accent4"/>
                 </a:solidFill>
@@ -34357,23 +34252,15 @@
               <a:t>Refund</a:t>
             </a:r>
             <a:r>
-              <a:rPr lang="da-DK" sz="1100" b="1" dirty="0" smtClean="0">
+              <a:rPr lang="da-DK" sz="1100" b="1" dirty="0">
                 <a:solidFill>
                   <a:schemeClr val="accent4"/>
                 </a:solidFill>
               </a:rPr>
-              <a:t>, </a:t>
-            </a:r>
-            <a:r>
-              <a:rPr lang="da-DK" sz="1100" b="1" dirty="0">
-                <a:solidFill>
-                  <a:schemeClr val="accent4"/>
-                </a:solidFill>
-              </a:rPr>
-              <a:t>status = </a:t>
-            </a:r>
-            <a:r>
-              <a:rPr lang="da-DK" sz="1100" b="1" dirty="0" err="1" smtClean="0">
+              <a:t>, status = </a:t>
+            </a:r>
+            <a:r>
+              <a:rPr lang="da-DK" sz="1100" b="1" dirty="0" err="1">
                 <a:solidFill>
                   <a:schemeClr val="accent4"/>
                 </a:solidFill>
@@ -34411,7 +34298,7 @@
           <a:lstStyle/>
           <a:p>
             <a:r>
-              <a:rPr lang="da-DK" sz="1100" b="1" dirty="0" smtClean="0">
+              <a:rPr lang="da-DK" sz="1100" b="1" dirty="0">
                 <a:solidFill>
                   <a:schemeClr val="accent4"/>
                 </a:solidFill>
@@ -34419,7 +34306,7 @@
               <a:t>Perform </a:t>
             </a:r>
             <a:r>
-              <a:rPr lang="da-DK" sz="1100" b="1" dirty="0" err="1" smtClean="0">
+              <a:rPr lang="da-DK" sz="1100" b="1" dirty="0" err="1">
                 <a:solidFill>
                   <a:schemeClr val="accent4"/>
                 </a:solidFill>
@@ -34458,7 +34345,7 @@
           <a:p>
             <a:pPr algn="ctr"/>
             <a:r>
-              <a:rPr lang="da-DK" sz="1100" b="1" dirty="0" err="1" smtClean="0">
+              <a:rPr lang="da-DK" sz="1100" b="1" dirty="0" err="1">
                 <a:solidFill>
                   <a:schemeClr val="accent4"/>
                 </a:solidFill>
@@ -34466,7 +34353,7 @@
               <a:t>Refund</a:t>
             </a:r>
             <a:r>
-              <a:rPr lang="da-DK" sz="1100" b="1" dirty="0" smtClean="0">
+              <a:rPr lang="da-DK" sz="1100" b="1" dirty="0">
                 <a:solidFill>
                   <a:schemeClr val="accent4"/>
                 </a:solidFill>
@@ -34474,7 +34361,7 @@
               <a:t> </a:t>
             </a:r>
             <a:r>
-              <a:rPr lang="da-DK" sz="1100" b="1" dirty="0" err="1" smtClean="0">
+              <a:rPr lang="da-DK" sz="1100" b="1" dirty="0" err="1">
                 <a:solidFill>
                   <a:schemeClr val="accent4"/>
                 </a:solidFill>
@@ -34518,18 +34405,10 @@
                   <a:schemeClr val="accent4"/>
                 </a:solidFill>
               </a:rPr>
-              <a:t>GET </a:t>
-            </a:r>
-            <a:r>
-              <a:rPr lang="da-DK" sz="1100" b="1" dirty="0" smtClean="0">
-                <a:solidFill>
-                  <a:schemeClr val="accent4"/>
-                </a:solidFill>
-              </a:rPr>
-              <a:t>/</a:t>
-            </a:r>
-            <a:r>
-              <a:rPr lang="da-DK" sz="1100" b="1" dirty="0" err="1" smtClean="0">
+              <a:t>GET /</a:t>
+            </a:r>
+            <a:r>
+              <a:rPr lang="da-DK" sz="1100" b="1" dirty="0" err="1">
                 <a:solidFill>
                   <a:schemeClr val="accent4"/>
                 </a:solidFill>
@@ -34537,7 +34416,7 @@
               <a:t>refunds</a:t>
             </a:r>
             <a:r>
-              <a:rPr lang="da-DK" sz="1100" b="1" dirty="0" smtClean="0">
+              <a:rPr lang="da-DK" sz="1100" b="1" dirty="0">
                 <a:solidFill>
                   <a:schemeClr val="accent4"/>
                 </a:solidFill>
@@ -34545,7 +34424,7 @@
               <a:t>/{</a:t>
             </a:r>
             <a:r>
-              <a:rPr lang="da-DK" sz="1100" b="1" dirty="0" err="1" smtClean="0">
+              <a:rPr lang="da-DK" sz="1100" b="1" dirty="0" err="1">
                 <a:solidFill>
                   <a:schemeClr val="accent4"/>
                 </a:solidFill>
@@ -34592,7 +34471,7 @@
           <a:p>
             <a:pPr algn="ctr"/>
             <a:r>
-              <a:rPr lang="da-DK" sz="1100" b="1" dirty="0" err="1" smtClean="0">
+              <a:rPr lang="da-DK" sz="1100" b="1" dirty="0" err="1">
                 <a:solidFill>
                   <a:schemeClr val="accent4"/>
                 </a:solidFill>
@@ -34600,23 +34479,15 @@
               <a:t>Refund</a:t>
             </a:r>
             <a:r>
-              <a:rPr lang="da-DK" sz="1100" b="1" dirty="0" smtClean="0">
+              <a:rPr lang="da-DK" sz="1100" b="1" dirty="0">
                 <a:solidFill>
                   <a:schemeClr val="accent4"/>
                 </a:solidFill>
               </a:rPr>
-              <a:t>, </a:t>
-            </a:r>
-            <a:r>
-              <a:rPr lang="da-DK" sz="1100" b="1" dirty="0">
-                <a:solidFill>
-                  <a:schemeClr val="accent4"/>
-                </a:solidFill>
-              </a:rPr>
-              <a:t>status = </a:t>
-            </a:r>
-            <a:r>
-              <a:rPr lang="da-DK" sz="1100" b="1" dirty="0" err="1" smtClean="0">
+              <a:t>, status = </a:t>
+            </a:r>
+            <a:r>
+              <a:rPr lang="da-DK" sz="1100" b="1" dirty="0" err="1">
                 <a:solidFill>
                   <a:schemeClr val="accent4"/>
                 </a:solidFill>
@@ -34694,18 +34565,10 @@
                   <a:schemeClr val="accent4"/>
                 </a:solidFill>
               </a:rPr>
-              <a:t>POST </a:t>
-            </a:r>
-            <a:r>
-              <a:rPr lang="da-DK" sz="1100" b="1" dirty="0" smtClean="0">
-                <a:solidFill>
-                  <a:schemeClr val="accent4"/>
-                </a:solidFill>
-              </a:rPr>
-              <a:t>/</a:t>
-            </a:r>
-            <a:r>
-              <a:rPr lang="da-DK" sz="1100" b="1" dirty="0" err="1" smtClean="0">
+              <a:t>POST /</a:t>
+            </a:r>
+            <a:r>
+              <a:rPr lang="da-DK" sz="1100" b="1" dirty="0" err="1">
                 <a:solidFill>
                   <a:schemeClr val="accent4"/>
                 </a:solidFill>
@@ -34713,7 +34576,7 @@
               <a:t>refunds</a:t>
             </a:r>
             <a:r>
-              <a:rPr lang="da-DK" sz="1100" b="1" dirty="0" smtClean="0">
+              <a:rPr lang="da-DK" sz="1100" b="1" dirty="0">
                 <a:solidFill>
                   <a:schemeClr val="accent4"/>
                 </a:solidFill>
@@ -34721,7 +34584,7 @@
               <a:t>/{</a:t>
             </a:r>
             <a:r>
-              <a:rPr lang="da-DK" sz="1100" b="1" dirty="0" err="1" smtClean="0">
+              <a:rPr lang="da-DK" sz="1100" b="1" dirty="0" err="1">
                 <a:solidFill>
                   <a:schemeClr val="accent4"/>
                 </a:solidFill>
@@ -34729,7 +34592,7 @@
               <a:t>refundId</a:t>
             </a:r>
             <a:r>
-              <a:rPr lang="da-DK" sz="1100" b="1" dirty="0" smtClean="0">
+              <a:rPr lang="da-DK" sz="1100" b="1" dirty="0">
                 <a:solidFill>
                   <a:schemeClr val="accent4"/>
                 </a:solidFill>
@@ -34737,7 +34600,7 @@
               <a:t>}/</a:t>
             </a:r>
             <a:r>
-              <a:rPr lang="da-DK" sz="1100" b="1" dirty="0" err="1" smtClean="0">
+              <a:rPr lang="da-DK" sz="1100" b="1" dirty="0" err="1">
                 <a:solidFill>
                   <a:schemeClr val="accent4"/>
                 </a:solidFill>
@@ -34811,7 +34674,7 @@
           <a:p>
             <a:pPr algn="ctr"/>
             <a:r>
-              <a:rPr lang="da-DK" sz="1100" b="1" dirty="0" smtClean="0">
+              <a:rPr lang="da-DK" sz="1100" b="1" dirty="0">
                 <a:solidFill>
                   <a:schemeClr val="accent4"/>
                 </a:solidFill>
@@ -34836,13 +34699,6 @@
   <p:clrMapOvr>
     <a:masterClrMapping/>
   </p:clrMapOvr>
-  <p:timing>
-    <p:tnLst>
-      <p:par>
-        <p:cTn id="1" dur="indefinite" restart="never" nodeType="tmRoot"/>
-      </p:par>
-    </p:tnLst>
-  </p:timing>
 </p:sld>
 </file>
 
@@ -35199,18 +35055,10 @@
                   <a:schemeClr val="accent4"/>
                 </a:solidFill>
               </a:rPr>
-              <a:t>POST </a:t>
-            </a:r>
-            <a:r>
-              <a:rPr lang="da-DK" sz="1100" b="1" dirty="0" smtClean="0">
-                <a:solidFill>
-                  <a:schemeClr val="accent4"/>
-                </a:solidFill>
-              </a:rPr>
-              <a:t>/</a:t>
-            </a:r>
-            <a:r>
-              <a:rPr lang="da-DK" sz="1100" b="1" dirty="0" err="1" smtClean="0">
+              <a:t>POST /</a:t>
+            </a:r>
+            <a:r>
+              <a:rPr lang="da-DK" sz="1100" b="1" dirty="0" err="1">
                 <a:solidFill>
                   <a:schemeClr val="accent4"/>
                 </a:solidFill>
@@ -35249,7 +35097,7 @@
           <a:p>
             <a:pPr algn="ctr"/>
             <a:r>
-              <a:rPr lang="da-DK" sz="1100" b="1" dirty="0" err="1" smtClean="0">
+              <a:rPr lang="da-DK" sz="1100" b="1" dirty="0" err="1">
                 <a:solidFill>
                   <a:schemeClr val="accent4"/>
                 </a:solidFill>
@@ -35257,7 +35105,7 @@
               <a:t>Refund</a:t>
             </a:r>
             <a:r>
-              <a:rPr lang="da-DK" sz="1100" b="1" dirty="0" smtClean="0">
+              <a:rPr lang="da-DK" sz="1100" b="1" dirty="0">
                 <a:solidFill>
                   <a:schemeClr val="accent4"/>
                 </a:solidFill>
@@ -35301,18 +35149,10 @@
                   <a:schemeClr val="accent4"/>
                 </a:solidFill>
               </a:rPr>
-              <a:t>GET </a:t>
-            </a:r>
-            <a:r>
-              <a:rPr lang="da-DK" sz="1100" b="1" dirty="0" smtClean="0">
-                <a:solidFill>
-                  <a:schemeClr val="accent4"/>
-                </a:solidFill>
-              </a:rPr>
-              <a:t>/</a:t>
-            </a:r>
-            <a:r>
-              <a:rPr lang="da-DK" sz="1100" b="1" dirty="0" err="1" smtClean="0">
+              <a:t>GET /</a:t>
+            </a:r>
+            <a:r>
+              <a:rPr lang="da-DK" sz="1100" b="1" dirty="0" err="1">
                 <a:solidFill>
                   <a:schemeClr val="accent4"/>
                 </a:solidFill>
@@ -35320,7 +35160,7 @@
               <a:t>refunds</a:t>
             </a:r>
             <a:r>
-              <a:rPr lang="da-DK" sz="1100" b="1" dirty="0" smtClean="0">
+              <a:rPr lang="da-DK" sz="1100" b="1" dirty="0">
                 <a:solidFill>
                   <a:schemeClr val="accent4"/>
                 </a:solidFill>
@@ -35328,7 +35168,7 @@
               <a:t>/{</a:t>
             </a:r>
             <a:r>
-              <a:rPr lang="da-DK" sz="1100" b="1" dirty="0" err="1" smtClean="0">
+              <a:rPr lang="da-DK" sz="1100" b="1" dirty="0" err="1">
                 <a:solidFill>
                   <a:schemeClr val="accent4"/>
                 </a:solidFill>
@@ -35375,7 +35215,7 @@
           <a:p>
             <a:pPr algn="ctr"/>
             <a:r>
-              <a:rPr lang="da-DK" sz="1100" b="1" dirty="0" err="1" smtClean="0">
+              <a:rPr lang="da-DK" sz="1100" b="1" dirty="0" err="1">
                 <a:solidFill>
                   <a:schemeClr val="accent4"/>
                 </a:solidFill>
@@ -35383,23 +35223,15 @@
               <a:t>Refund</a:t>
             </a:r>
             <a:r>
-              <a:rPr lang="da-DK" sz="1100" b="1" dirty="0" smtClean="0">
+              <a:rPr lang="da-DK" sz="1100" b="1" dirty="0">
                 <a:solidFill>
                   <a:schemeClr val="accent4"/>
                 </a:solidFill>
               </a:rPr>
-              <a:t>, </a:t>
-            </a:r>
-            <a:r>
-              <a:rPr lang="da-DK" sz="1100" b="1" dirty="0">
-                <a:solidFill>
-                  <a:schemeClr val="accent4"/>
-                </a:solidFill>
-              </a:rPr>
-              <a:t>status = </a:t>
-            </a:r>
-            <a:r>
-              <a:rPr lang="da-DK" sz="1100" b="1" dirty="0" err="1" smtClean="0">
+              <a:t>, status = </a:t>
+            </a:r>
+            <a:r>
+              <a:rPr lang="da-DK" sz="1100" b="1" dirty="0" err="1">
                 <a:solidFill>
                   <a:schemeClr val="accent4"/>
                 </a:solidFill>
@@ -35407,7 +35239,7 @@
               <a:t>Initiated</a:t>
             </a:r>
             <a:r>
-              <a:rPr lang="da-DK" sz="1100" b="1" dirty="0" smtClean="0">
+              <a:rPr lang="da-DK" sz="1100" b="1" dirty="0">
                 <a:solidFill>
                   <a:schemeClr val="accent4"/>
                 </a:solidFill>
@@ -35415,7 +35247,7 @@
               <a:t> / </a:t>
             </a:r>
             <a:r>
-              <a:rPr lang="da-DK" sz="1100" b="1" dirty="0" err="1" smtClean="0">
+              <a:rPr lang="da-DK" sz="1100" b="1" dirty="0" err="1">
                 <a:solidFill>
                   <a:schemeClr val="accent4"/>
                 </a:solidFill>
@@ -35493,18 +35325,10 @@
                   <a:schemeClr val="accent4"/>
                 </a:solidFill>
               </a:rPr>
-              <a:t>POST </a:t>
-            </a:r>
-            <a:r>
-              <a:rPr lang="da-DK" sz="1100" b="1" dirty="0" smtClean="0">
-                <a:solidFill>
-                  <a:schemeClr val="accent4"/>
-                </a:solidFill>
-              </a:rPr>
-              <a:t>/</a:t>
-            </a:r>
-            <a:r>
-              <a:rPr lang="da-DK" sz="1100" b="1" dirty="0" err="1" smtClean="0">
+              <a:t>POST /</a:t>
+            </a:r>
+            <a:r>
+              <a:rPr lang="da-DK" sz="1100" b="1" dirty="0" err="1">
                 <a:solidFill>
                   <a:schemeClr val="accent4"/>
                 </a:solidFill>
@@ -35512,7 +35336,7 @@
               <a:t>refunds</a:t>
             </a:r>
             <a:r>
-              <a:rPr lang="da-DK" sz="1100" b="1" dirty="0" smtClean="0">
+              <a:rPr lang="da-DK" sz="1100" b="1" dirty="0">
                 <a:solidFill>
                   <a:schemeClr val="accent4"/>
                 </a:solidFill>
@@ -35520,7 +35344,7 @@
               <a:t>/{</a:t>
             </a:r>
             <a:r>
-              <a:rPr lang="da-DK" sz="1100" b="1" dirty="0" err="1" smtClean="0">
+              <a:rPr lang="da-DK" sz="1100" b="1" dirty="0" err="1">
                 <a:solidFill>
                   <a:schemeClr val="accent4"/>
                 </a:solidFill>
@@ -35528,7 +35352,7 @@
               <a:t>refundId</a:t>
             </a:r>
             <a:r>
-              <a:rPr lang="da-DK" sz="1100" b="1" dirty="0" smtClean="0">
+              <a:rPr lang="da-DK" sz="1100" b="1" dirty="0">
                 <a:solidFill>
                   <a:schemeClr val="accent4"/>
                 </a:solidFill>
@@ -35536,7 +35360,7 @@
               <a:t>}/</a:t>
             </a:r>
             <a:r>
-              <a:rPr lang="da-DK" sz="1100" b="1" dirty="0" err="1" smtClean="0">
+              <a:rPr lang="da-DK" sz="1100" b="1" dirty="0" err="1">
                 <a:solidFill>
                   <a:schemeClr val="accent4"/>
                 </a:solidFill>
@@ -35610,7 +35434,7 @@
           <a:p>
             <a:pPr algn="ctr"/>
             <a:r>
-              <a:rPr lang="da-DK" sz="1100" b="1" dirty="0" smtClean="0">
+              <a:rPr lang="da-DK" sz="1100" b="1" dirty="0">
                 <a:solidFill>
                   <a:schemeClr val="accent4"/>
                 </a:solidFill>
@@ -35723,18 +35547,10 @@
                   <a:schemeClr val="accent4"/>
                 </a:solidFill>
               </a:rPr>
-              <a:t>GET </a:t>
-            </a:r>
-            <a:r>
-              <a:rPr lang="da-DK" sz="1100" b="1" dirty="0" smtClean="0">
-                <a:solidFill>
-                  <a:schemeClr val="accent4"/>
-                </a:solidFill>
-              </a:rPr>
-              <a:t>/</a:t>
-            </a:r>
-            <a:r>
-              <a:rPr lang="da-DK" sz="1100" b="1" dirty="0" err="1" smtClean="0">
+              <a:t>GET /</a:t>
+            </a:r>
+            <a:r>
+              <a:rPr lang="da-DK" sz="1100" b="1" dirty="0" err="1">
                 <a:solidFill>
                   <a:schemeClr val="accent4"/>
                 </a:solidFill>
@@ -35742,7 +35558,7 @@
               <a:t>refunds</a:t>
             </a:r>
             <a:r>
-              <a:rPr lang="da-DK" sz="1100" b="1" dirty="0" smtClean="0">
+              <a:rPr lang="da-DK" sz="1100" b="1" dirty="0">
                 <a:solidFill>
                   <a:schemeClr val="accent4"/>
                 </a:solidFill>
@@ -35750,7 +35566,7 @@
               <a:t>/{</a:t>
             </a:r>
             <a:r>
-              <a:rPr lang="da-DK" sz="1100" b="1" dirty="0" err="1" smtClean="0">
+              <a:rPr lang="da-DK" sz="1100" b="1" dirty="0" err="1">
                 <a:solidFill>
                   <a:schemeClr val="accent4"/>
                 </a:solidFill>
@@ -35797,7 +35613,7 @@
           <a:p>
             <a:pPr algn="ctr"/>
             <a:r>
-              <a:rPr lang="da-DK" sz="1100" b="1" dirty="0" err="1" smtClean="0">
+              <a:rPr lang="da-DK" sz="1100" b="1" dirty="0" err="1">
                 <a:solidFill>
                   <a:schemeClr val="accent4"/>
                 </a:solidFill>
@@ -35805,23 +35621,15 @@
               <a:t>Refund</a:t>
             </a:r>
             <a:r>
-              <a:rPr lang="da-DK" sz="1100" b="1" dirty="0" smtClean="0">
+              <a:rPr lang="da-DK" sz="1100" b="1" dirty="0">
                 <a:solidFill>
                   <a:schemeClr val="accent4"/>
                 </a:solidFill>
               </a:rPr>
-              <a:t>, </a:t>
-            </a:r>
-            <a:r>
-              <a:rPr lang="da-DK" sz="1100" b="1" dirty="0">
-                <a:solidFill>
-                  <a:schemeClr val="accent4"/>
-                </a:solidFill>
-              </a:rPr>
-              <a:t>status = </a:t>
-            </a:r>
-            <a:r>
-              <a:rPr lang="da-DK" sz="1100" b="1" dirty="0" err="1" smtClean="0">
+              <a:t>, status = </a:t>
+            </a:r>
+            <a:r>
+              <a:rPr lang="da-DK" sz="1100" b="1" dirty="0" err="1">
                 <a:solidFill>
                   <a:schemeClr val="accent4"/>
                 </a:solidFill>
@@ -35846,13 +35654,6 @@
   <p:clrMapOvr>
     <a:masterClrMapping/>
   </p:clrMapOvr>
-  <p:timing>
-    <p:tnLst>
-      <p:par>
-        <p:cTn id="1" dur="indefinite" restart="never" nodeType="tmRoot"/>
-      </p:par>
-    </p:tnLst>
-  </p:timing>
 </p:sld>
 </file>
 
@@ -36330,18 +36131,10 @@
                     <a:schemeClr val="accent4"/>
                   </a:solidFill>
                 </a:rPr>
-                <a:t>POST </a:t>
+                <a:t>POST /</a:t>
               </a:r>
               <a:r>
-                <a:rPr lang="da-DK" sz="1100" b="1" dirty="0" smtClean="0">
-                  <a:solidFill>
-                    <a:schemeClr val="accent4"/>
-                  </a:solidFill>
-                </a:rPr>
-                <a:t>/</a:t>
-              </a:r>
-              <a:r>
-                <a:rPr lang="da-DK" sz="1100" b="1" dirty="0" err="1" smtClean="0">
+                <a:rPr lang="da-DK" sz="1100" b="1" dirty="0" err="1">
                   <a:solidFill>
                     <a:schemeClr val="accent4"/>
                   </a:solidFill>
@@ -36349,7 +36142,7 @@
                 <a:t>payments</a:t>
               </a:r>
               <a:r>
-                <a:rPr lang="da-DK" sz="1100" b="1" dirty="0" smtClean="0">
+                <a:rPr lang="da-DK" sz="1100" b="1" dirty="0">
                   <a:solidFill>
                     <a:schemeClr val="accent4"/>
                   </a:solidFill>
@@ -36357,7 +36150,7 @@
                 <a:t>/{</a:t>
               </a:r>
               <a:r>
-                <a:rPr lang="da-DK" sz="1100" b="1" dirty="0" err="1" smtClean="0">
+                <a:rPr lang="da-DK" sz="1100" b="1" dirty="0" err="1">
                   <a:solidFill>
                     <a:schemeClr val="accent4"/>
                   </a:solidFill>
@@ -36365,7 +36158,7 @@
                 <a:t>paymentId</a:t>
               </a:r>
               <a:r>
-                <a:rPr lang="da-DK" sz="1100" b="1" dirty="0" smtClean="0">
+                <a:rPr lang="da-DK" sz="1100" b="1" dirty="0">
                   <a:solidFill>
                     <a:schemeClr val="accent4"/>
                   </a:solidFill>
@@ -36373,7 +36166,7 @@
                 <a:t>}/</a:t>
               </a:r>
               <a:r>
-                <a:rPr lang="da-DK" sz="1100" b="1" dirty="0" err="1" smtClean="0">
+                <a:rPr lang="da-DK" sz="1100" b="1" dirty="0" err="1">
                   <a:solidFill>
                     <a:schemeClr val="accent4"/>
                   </a:solidFill>
@@ -36411,7 +36204,7 @@
             <a:lstStyle/>
             <a:p>
               <a:r>
-                <a:rPr lang="da-DK" sz="1100" b="1" dirty="0" smtClean="0">
+                <a:rPr lang="da-DK" sz="1100" b="1" dirty="0">
                   <a:solidFill>
                     <a:schemeClr val="accent4"/>
                   </a:solidFill>
@@ -36419,7 +36212,7 @@
                 <a:t>Perform </a:t>
               </a:r>
               <a:r>
-                <a:rPr lang="da-DK" sz="1100" b="1" dirty="0" err="1" smtClean="0">
+                <a:rPr lang="da-DK" sz="1100" b="1" dirty="0" err="1">
                   <a:solidFill>
                     <a:schemeClr val="accent4"/>
                   </a:solidFill>
@@ -36458,7 +36251,7 @@
             <a:p>
               <a:pPr algn="ctr"/>
               <a:r>
-                <a:rPr lang="da-DK" sz="1100" b="1" dirty="0" smtClean="0">
+                <a:rPr lang="da-DK" sz="1100" b="1" dirty="0">
                   <a:solidFill>
                     <a:schemeClr val="accent4"/>
                   </a:solidFill>
@@ -36466,7 +36259,7 @@
                 <a:t>Check out, Reason = </a:t>
               </a:r>
               <a:r>
-                <a:rPr lang="da-DK" sz="1100" b="1" dirty="0" err="1" smtClean="0">
+                <a:rPr lang="da-DK" sz="1100" b="1" dirty="0" err="1">
                   <a:solidFill>
                     <a:schemeClr val="accent4"/>
                   </a:solidFill>
@@ -36584,23 +36377,15 @@
             <a:p>
               <a:pPr algn="ctr"/>
               <a:r>
-                <a:rPr lang="da-DK" sz="1100" b="1" dirty="0" smtClean="0">
-                  <a:solidFill>
-                    <a:schemeClr val="accent4"/>
-                  </a:solidFill>
-                </a:rPr>
-                <a:t>Payment, </a:t>
-              </a:r>
-              <a:r>
                 <a:rPr lang="da-DK" sz="1100" b="1" dirty="0">
                   <a:solidFill>
                     <a:schemeClr val="accent4"/>
                   </a:solidFill>
                 </a:rPr>
-                <a:t>status = </a:t>
+                <a:t>Payment, status = </a:t>
               </a:r>
               <a:r>
-                <a:rPr lang="da-DK" sz="1100" b="1" dirty="0" err="1" smtClean="0">
+                <a:rPr lang="da-DK" sz="1100" b="1" dirty="0" err="1">
                   <a:solidFill>
                     <a:schemeClr val="accent4"/>
                   </a:solidFill>
@@ -36626,13 +36411,6 @@
   <p:clrMapOvr>
     <a:masterClrMapping/>
   </p:clrMapOvr>
-  <p:timing>
-    <p:tnLst>
-      <p:par>
-        <p:cTn id="1" dur="indefinite" restart="never" nodeType="tmRoot"/>
-      </p:par>
-    </p:tnLst>
-  </p:timing>
 </p:sld>
 </file>
 
@@ -37070,7 +36848,7 @@
             <a:lstStyle/>
             <a:p>
               <a:r>
-                <a:rPr lang="da-DK" sz="1100" b="1" dirty="0" smtClean="0">
+                <a:rPr lang="da-DK" sz="1100" b="1" dirty="0">
                   <a:solidFill>
                     <a:schemeClr val="accent4"/>
                   </a:solidFill>
@@ -37078,7 +36856,7 @@
                 <a:t>Perform </a:t>
               </a:r>
               <a:r>
-                <a:rPr lang="da-DK" sz="1100" b="1" dirty="0" err="1" smtClean="0">
+                <a:rPr lang="da-DK" sz="1100" b="1" dirty="0" err="1">
                   <a:solidFill>
                     <a:schemeClr val="accent4"/>
                   </a:solidFill>
@@ -37117,7 +36895,7 @@
             <a:p>
               <a:pPr algn="ctr"/>
               <a:r>
-                <a:rPr lang="da-DK" sz="1100" b="1" dirty="0" err="1" smtClean="0">
+                <a:rPr lang="da-DK" sz="1100" b="1" dirty="0" err="1">
                   <a:solidFill>
                     <a:schemeClr val="accent4"/>
                   </a:solidFill>
@@ -37235,23 +37013,15 @@
             <a:p>
               <a:pPr algn="ctr"/>
               <a:r>
-                <a:rPr lang="da-DK" sz="1100" b="1" dirty="0" smtClean="0">
-                  <a:solidFill>
-                    <a:schemeClr val="accent4"/>
-                  </a:solidFill>
-                </a:rPr>
-                <a:t>Payment, </a:t>
-              </a:r>
-              <a:r>
                 <a:rPr lang="da-DK" sz="1100" b="1" dirty="0">
                   <a:solidFill>
                     <a:schemeClr val="accent4"/>
                   </a:solidFill>
                 </a:rPr>
-                <a:t>status = </a:t>
+                <a:t>Payment, status = </a:t>
               </a:r>
               <a:r>
-                <a:rPr lang="da-DK" sz="1100" b="1" dirty="0" err="1" smtClean="0">
+                <a:rPr lang="da-DK" sz="1100" b="1" dirty="0" err="1">
                   <a:solidFill>
                     <a:schemeClr val="accent4"/>
                   </a:solidFill>
@@ -37324,7 +37094,7 @@
             <a:p>
               <a:pPr algn="ctr"/>
               <a:r>
-                <a:rPr lang="da-DK" sz="1100" b="1" dirty="0" smtClean="0">
+                <a:rPr lang="da-DK" sz="1100" b="1" dirty="0">
                   <a:solidFill>
                     <a:schemeClr val="accent4"/>
                   </a:solidFill>
@@ -37332,7 +37102,7 @@
                 <a:t>Payment </a:t>
               </a:r>
               <a:r>
-                <a:rPr lang="da-DK" sz="1100" b="1" dirty="0" err="1" smtClean="0">
+                <a:rPr lang="da-DK" sz="1100" b="1" dirty="0" err="1">
                   <a:solidFill>
                     <a:schemeClr val="accent4"/>
                   </a:solidFill>
@@ -37358,13 +37128,6 @@
   <p:clrMapOvr>
     <a:masterClrMapping/>
   </p:clrMapOvr>
-  <p:timing>
-    <p:tnLst>
-      <p:par>
-        <p:cTn id="1" dur="indefinite" restart="never" nodeType="tmRoot"/>
-      </p:par>
-    </p:tnLst>
-  </p:timing>
 </p:sld>
 </file>
 
@@ -37641,7 +37404,7 @@
           <a:p>
             <a:pPr algn="ctr"/>
             <a:r>
-              <a:rPr lang="da-DK" sz="1100" b="1" dirty="0" smtClean="0">
+              <a:rPr lang="da-DK" sz="1100" b="1" dirty="0">
                 <a:solidFill>
                   <a:schemeClr val="accent4"/>
                 </a:solidFill>
@@ -37649,7 +37412,7 @@
               <a:t>Mobilepay </a:t>
             </a:r>
             <a:r>
-              <a:rPr lang="da-DK" sz="1100" b="1" dirty="0" err="1" smtClean="0">
+              <a:rPr lang="da-DK" sz="1100" b="1" dirty="0" err="1">
                 <a:solidFill>
                   <a:schemeClr val="accent4"/>
                 </a:solidFill>
@@ -37657,7 +37420,7 @@
               <a:t>button</a:t>
             </a:r>
             <a:r>
-              <a:rPr lang="da-DK" sz="1100" b="1" dirty="0" smtClean="0">
+              <a:rPr lang="da-DK" sz="1100" b="1" dirty="0">
                 <a:solidFill>
                   <a:schemeClr val="accent4"/>
                 </a:solidFill>
@@ -37665,7 +37428,7 @@
               <a:t> </a:t>
             </a:r>
             <a:r>
-              <a:rPr lang="da-DK" sz="1100" b="1" dirty="0" err="1" smtClean="0">
+              <a:rPr lang="da-DK" sz="1100" b="1" dirty="0" err="1">
                 <a:solidFill>
                   <a:schemeClr val="accent4"/>
                 </a:solidFill>
@@ -37704,7 +37467,7 @@
           <a:p>
             <a:pPr algn="ctr"/>
             <a:r>
-              <a:rPr lang="da-DK" sz="1100" b="1" dirty="0" smtClean="0">
+              <a:rPr lang="da-DK" sz="1100" b="1" dirty="0">
                 <a:solidFill>
                   <a:schemeClr val="accent4"/>
                 </a:solidFill>
@@ -37712,7 +37475,7 @@
               <a:t>POST /</a:t>
             </a:r>
             <a:r>
-              <a:rPr lang="da-DK" sz="1100" b="1" dirty="0" err="1" smtClean="0">
+              <a:rPr lang="da-DK" sz="1100" b="1" dirty="0" err="1">
                 <a:solidFill>
                   <a:schemeClr val="accent4"/>
                 </a:solidFill>
@@ -37720,7 +37483,7 @@
               <a:t>payments</a:t>
             </a:r>
             <a:r>
-              <a:rPr lang="da-DK" sz="1100" b="1" dirty="0" smtClean="0">
+              <a:rPr lang="da-DK" sz="1100" b="1" dirty="0">
                 <a:solidFill>
                   <a:schemeClr val="accent4"/>
                 </a:solidFill>
@@ -37813,13 +37576,6 @@
   <p:clrMapOvr>
     <a:masterClrMapping/>
   </p:clrMapOvr>
-  <p:timing>
-    <p:tnLst>
-      <p:par>
-        <p:cTn id="1" dur="indefinite" restart="never" nodeType="tmRoot"/>
-      </p:par>
-    </p:tnLst>
-  </p:timing>
 </p:sld>
 </file>
 
@@ -38081,7 +37837,7 @@
             <a:p>
               <a:pPr algn="ctr"/>
               <a:r>
-                <a:rPr lang="da-DK" sz="1100" b="1" dirty="0" smtClean="0">
+                <a:rPr lang="da-DK" sz="1100" b="1" dirty="0">
                   <a:solidFill>
                     <a:schemeClr val="accent4"/>
                   </a:solidFill>
@@ -38120,7 +37876,7 @@
             <a:p>
               <a:pPr algn="ctr"/>
               <a:r>
-                <a:rPr lang="da-DK" sz="1100" b="1" dirty="0" smtClean="0">
+                <a:rPr lang="da-DK" sz="1100" b="1" dirty="0">
                   <a:solidFill>
                     <a:schemeClr val="accent4"/>
                   </a:solidFill>
@@ -38128,7 +37884,7 @@
                 <a:t>POST /</a:t>
               </a:r>
               <a:r>
-                <a:rPr lang="da-DK" sz="1100" b="1" dirty="0" err="1" smtClean="0">
+                <a:rPr lang="da-DK" sz="1100" b="1" dirty="0" err="1">
                   <a:solidFill>
                     <a:schemeClr val="accent4"/>
                   </a:solidFill>
@@ -38136,7 +37892,7 @@
                 <a:t>payments</a:t>
               </a:r>
               <a:r>
-                <a:rPr lang="da-DK" sz="1100" b="1" dirty="0" smtClean="0">
+                <a:rPr lang="da-DK" sz="1100" b="1" dirty="0">
                   <a:solidFill>
                     <a:schemeClr val="accent4"/>
                   </a:solidFill>
@@ -38259,13 +38015,6 @@
   <p:clrMapOvr>
     <a:masterClrMapping/>
   </p:clrMapOvr>
-  <p:timing>
-    <p:tnLst>
-      <p:par>
-        <p:cTn id="1" dur="indefinite" restart="never" nodeType="tmRoot"/>
-      </p:par>
-    </p:tnLst>
-  </p:timing>
 </p:sld>
 </file>
 
@@ -38341,14 +38090,14 @@
             <a:p>
               <a:pPr algn="ctr"/>
               <a:r>
-                <a:rPr lang="da-DK" sz="1200" b="1" dirty="0" err="1" smtClean="0">
+                <a:rPr lang="da-DK" sz="1200" b="1" dirty="0" err="1">
                   <a:solidFill>
                     <a:schemeClr val="tx1"/>
                   </a:solidFill>
                 </a:rPr>
                 <a:t>Initiated</a:t>
               </a:r>
-              <a:endParaRPr lang="en-GB" sz="1200" b="1" dirty="0" err="1" smtClean="0">
+              <a:endParaRPr lang="en-GB" sz="1200" b="1" dirty="0" err="1">
                 <a:solidFill>
                   <a:schemeClr val="tx1"/>
                 </a:solidFill>
@@ -38397,20 +38146,12 @@
             <a:p>
               <a:pPr algn="ctr"/>
               <a:r>
-                <a:rPr lang="da-DK" sz="1200" b="1" dirty="0" err="1" smtClean="0">
+                <a:rPr lang="da-DK" sz="1200" b="1" dirty="0" err="1">
                   <a:solidFill>
                     <a:schemeClr val="tx1"/>
                   </a:solidFill>
                 </a:rPr>
                 <a:t>Issued</a:t>
-              </a:r>
-              <a:r>
-                <a:rPr lang="da-DK" sz="1200" b="1" dirty="0">
-                  <a:solidFill>
-                    <a:schemeClr val="tx1"/>
-                  </a:solidFill>
-                </a:rPr>
-                <a:t/>
               </a:r>
               <a:br>
                 <a:rPr lang="da-DK" sz="1200" b="1" dirty="0">
@@ -38420,14 +38161,14 @@
                 </a:rPr>
               </a:br>
               <a:r>
-                <a:rPr lang="da-DK" sz="1200" b="1" dirty="0" err="1" smtClean="0">
+                <a:rPr lang="da-DK" sz="1200" b="1" dirty="0" err="1">
                   <a:solidFill>
                     <a:schemeClr val="tx1"/>
                   </a:solidFill>
                 </a:rPr>
                 <a:t>ToUser</a:t>
               </a:r>
-              <a:endParaRPr lang="en-GB" sz="1200" b="1" dirty="0" err="1" smtClean="0">
+              <a:endParaRPr lang="en-GB" sz="1200" b="1" dirty="0" err="1">
                 <a:solidFill>
                   <a:schemeClr val="tx1"/>
                 </a:solidFill>
@@ -38476,14 +38217,14 @@
             <a:p>
               <a:pPr algn="ctr"/>
               <a:r>
-                <a:rPr lang="da-DK" sz="1200" b="1" dirty="0" err="1" smtClean="0">
+                <a:rPr lang="da-DK" sz="1200" b="1" dirty="0" err="1">
                   <a:solidFill>
                     <a:schemeClr val="tx1"/>
                   </a:solidFill>
                 </a:rPr>
                 <a:t>Captured</a:t>
               </a:r>
-              <a:endParaRPr lang="en-GB" sz="1200" b="1" dirty="0" err="1" smtClean="0">
+              <a:endParaRPr lang="en-GB" sz="1200" b="1" dirty="0" err="1">
                 <a:solidFill>
                   <a:schemeClr val="tx1"/>
                 </a:solidFill>
@@ -38639,37 +38380,29 @@
             <a:p>
               <a:pPr algn="ctr"/>
               <a:r>
-                <a:rPr lang="da-DK" sz="1200" b="1" dirty="0" err="1" smtClean="0">
+                <a:rPr lang="da-DK" sz="1200" b="1" dirty="0" err="1">
                   <a:solidFill>
                     <a:schemeClr val="tx1"/>
                   </a:solidFill>
                 </a:rPr>
                 <a:t>Cancelled</a:t>
               </a:r>
-              <a:r>
-                <a:rPr lang="da-DK" sz="1200" b="1" dirty="0" smtClean="0">
-                  <a:solidFill>
-                    <a:schemeClr val="tx1"/>
-                  </a:solidFill>
-                </a:rPr>
-                <a:t/>
-              </a:r>
               <a:br>
-                <a:rPr lang="da-DK" sz="1200" b="1" dirty="0" smtClean="0">
+                <a:rPr lang="da-DK" sz="1200" b="1" dirty="0">
                   <a:solidFill>
                     <a:schemeClr val="tx1"/>
                   </a:solidFill>
                 </a:rPr>
               </a:br>
               <a:r>
-                <a:rPr lang="da-DK" sz="1200" b="1" dirty="0" err="1" smtClean="0">
+                <a:rPr lang="da-DK" sz="1200" b="1" dirty="0" err="1">
                   <a:solidFill>
                     <a:schemeClr val="tx1"/>
                   </a:solidFill>
                 </a:rPr>
                 <a:t>ByMobilePay</a:t>
               </a:r>
-              <a:endParaRPr lang="en-GB" sz="1200" b="1" dirty="0" err="1" smtClean="0">
+              <a:endParaRPr lang="en-GB" sz="1200" b="1" dirty="0" err="1">
                 <a:solidFill>
                   <a:schemeClr val="tx1"/>
                 </a:solidFill>
@@ -38790,37 +38523,29 @@
             <a:p>
               <a:pPr algn="ctr"/>
               <a:r>
-                <a:rPr lang="da-DK" sz="1200" b="1" dirty="0" err="1" smtClean="0">
+                <a:rPr lang="da-DK" sz="1200" b="1" dirty="0" err="1">
                   <a:solidFill>
                     <a:schemeClr val="tx1"/>
                   </a:solidFill>
                 </a:rPr>
                 <a:t>Cancelled</a:t>
               </a:r>
-              <a:r>
-                <a:rPr lang="da-DK" sz="1200" b="1" dirty="0" smtClean="0">
-                  <a:solidFill>
-                    <a:schemeClr val="tx1"/>
-                  </a:solidFill>
-                </a:rPr>
-                <a:t/>
-              </a:r>
               <a:br>
-                <a:rPr lang="da-DK" sz="1200" b="1" dirty="0" smtClean="0">
+                <a:rPr lang="da-DK" sz="1200" b="1" dirty="0">
                   <a:solidFill>
                     <a:schemeClr val="tx1"/>
                   </a:solidFill>
                 </a:rPr>
               </a:br>
               <a:r>
-                <a:rPr lang="da-DK" sz="1200" b="1" dirty="0" err="1" smtClean="0">
+                <a:rPr lang="da-DK" sz="1200" b="1" dirty="0" err="1">
                   <a:solidFill>
                     <a:schemeClr val="tx1"/>
                   </a:solidFill>
                 </a:rPr>
                 <a:t>ByUser</a:t>
               </a:r>
-              <a:endParaRPr lang="en-GB" sz="1200" b="1" dirty="0" err="1" smtClean="0">
+              <a:endParaRPr lang="en-GB" sz="1200" b="1" dirty="0" err="1">
                 <a:solidFill>
                   <a:schemeClr val="tx1"/>
                 </a:solidFill>
@@ -38905,37 +38630,29 @@
             <a:p>
               <a:pPr algn="ctr"/>
               <a:r>
-                <a:rPr lang="da-DK" sz="1200" b="1" dirty="0" err="1" smtClean="0">
+                <a:rPr lang="da-DK" sz="1200" b="1" dirty="0" err="1">
                   <a:solidFill>
                     <a:schemeClr val="tx1"/>
                   </a:solidFill>
                 </a:rPr>
                 <a:t>Cancelled</a:t>
               </a:r>
-              <a:r>
-                <a:rPr lang="da-DK" sz="1200" b="1" dirty="0" smtClean="0">
-                  <a:solidFill>
-                    <a:schemeClr val="tx1"/>
-                  </a:solidFill>
-                </a:rPr>
-                <a:t/>
-              </a:r>
               <a:br>
-                <a:rPr lang="da-DK" sz="1200" b="1" dirty="0" smtClean="0">
+                <a:rPr lang="da-DK" sz="1200" b="1" dirty="0">
                   <a:solidFill>
                     <a:schemeClr val="tx1"/>
                   </a:solidFill>
                 </a:rPr>
               </a:br>
               <a:r>
-                <a:rPr lang="da-DK" sz="1200" b="1" dirty="0" err="1" smtClean="0">
+                <a:rPr lang="da-DK" sz="1200" b="1" dirty="0" err="1">
                   <a:solidFill>
                     <a:schemeClr val="tx1"/>
                   </a:solidFill>
                 </a:rPr>
                 <a:t>ByClient</a:t>
               </a:r>
-              <a:endParaRPr lang="en-GB" sz="1200" b="1" dirty="0" err="1" smtClean="0">
+              <a:endParaRPr lang="en-GB" sz="1200" b="1" dirty="0" err="1">
                 <a:solidFill>
                   <a:schemeClr val="tx1"/>
                 </a:solidFill>
@@ -39026,13 +38743,6 @@
   <p:clrMapOvr>
     <a:masterClrMapping/>
   </p:clrMapOvr>
-  <p:timing>
-    <p:tnLst>
-      <p:par>
-        <p:cTn id="1" dur="indefinite" restart="never" nodeType="tmRoot"/>
-      </p:par>
-    </p:tnLst>
-  </p:timing>
 </p:sld>
 </file>
 
@@ -39260,7 +38970,7 @@
             <a:p>
               <a:pPr algn="ctr"/>
               <a:r>
-                <a:rPr lang="da-DK" sz="1100" b="1" dirty="0" err="1" smtClean="0">
+                <a:rPr lang="da-DK" sz="1100" b="1" dirty="0" err="1">
                   <a:solidFill>
                     <a:schemeClr val="accent4"/>
                   </a:solidFill>
@@ -39268,7 +38978,7 @@
                 <a:t>BeaconId</a:t>
               </a:r>
               <a:r>
-                <a:rPr lang="da-DK" sz="1100" b="1" dirty="0" smtClean="0">
+                <a:rPr lang="da-DK" sz="1100" b="1" dirty="0">
                   <a:solidFill>
                     <a:schemeClr val="accent4"/>
                   </a:solidFill>
@@ -39276,7 +38986,7 @@
                 <a:t> </a:t>
               </a:r>
               <a:r>
-                <a:rPr lang="da-DK" sz="1100" b="1" dirty="0" err="1" smtClean="0">
+                <a:rPr lang="da-DK" sz="1100" b="1" dirty="0" err="1">
                   <a:solidFill>
                     <a:schemeClr val="accent4"/>
                   </a:solidFill>
@@ -39315,7 +39025,7 @@
             <a:p>
               <a:pPr algn="ctr"/>
               <a:r>
-                <a:rPr lang="da-DK" sz="1100" b="1" dirty="0" smtClean="0">
+                <a:rPr lang="da-DK" sz="1100" b="1" dirty="0">
                   <a:solidFill>
                     <a:schemeClr val="accent4"/>
                   </a:solidFill>
@@ -39323,7 +39033,7 @@
                 <a:t>POST /</a:t>
               </a:r>
               <a:r>
-                <a:rPr lang="da-DK" sz="1100" b="1" dirty="0" err="1" smtClean="0">
+                <a:rPr lang="da-DK" sz="1100" b="1" dirty="0" err="1">
                   <a:solidFill>
                     <a:schemeClr val="accent4"/>
                   </a:solidFill>
@@ -39331,7 +39041,7 @@
                 <a:t>payments</a:t>
               </a:r>
               <a:r>
-                <a:rPr lang="da-DK" sz="1100" b="1" dirty="0" smtClean="0">
+                <a:rPr lang="da-DK" sz="1100" b="1" dirty="0">
                   <a:solidFill>
                     <a:schemeClr val="accent4"/>
                   </a:solidFill>
@@ -39501,7 +39211,7 @@
             <a:p>
               <a:pPr algn="ctr"/>
               <a:r>
-                <a:rPr lang="da-DK" sz="1100" b="1" dirty="0" smtClean="0">
+                <a:rPr lang="da-DK" sz="1100" b="1" dirty="0">
                   <a:solidFill>
                     <a:schemeClr val="accent4"/>
                   </a:solidFill>
@@ -39509,7 +39219,7 @@
                 <a:t>Notification on </a:t>
               </a:r>
               <a:r>
-                <a:rPr lang="da-DK" sz="1100" b="1" dirty="0" err="1" smtClean="0">
+                <a:rPr lang="da-DK" sz="1100" b="1" dirty="0" err="1">
                   <a:solidFill>
                     <a:schemeClr val="accent4"/>
                   </a:solidFill>
@@ -39517,7 +39227,7 @@
                 <a:t>Callback</a:t>
               </a:r>
               <a:r>
-                <a:rPr lang="da-DK" sz="1100" b="1" dirty="0" smtClean="0">
+                <a:rPr lang="da-DK" sz="1100" b="1" dirty="0">
                   <a:solidFill>
                     <a:schemeClr val="accent4"/>
                   </a:solidFill>
@@ -39624,7 +39334,7 @@
             <a:p>
               <a:pPr algn="ctr"/>
               <a:r>
-                <a:rPr lang="da-DK" sz="1100" b="1" dirty="0" smtClean="0">
+                <a:rPr lang="da-DK" sz="1100" b="1" dirty="0">
                   <a:solidFill>
                     <a:schemeClr val="accent4"/>
                   </a:solidFill>
@@ -39650,13 +39360,6 @@
   <p:clrMapOvr>
     <a:masterClrMapping/>
   </p:clrMapOvr>
-  <p:timing>
-    <p:tnLst>
-      <p:par>
-        <p:cTn id="1" dur="indefinite" restart="never" nodeType="tmRoot"/>
-      </p:par>
-    </p:tnLst>
-  </p:timing>
 </p:sld>
 </file>
 
@@ -39884,7 +39587,7 @@
             <a:p>
               <a:pPr algn="ctr"/>
               <a:r>
-                <a:rPr lang="da-DK" sz="1100" b="1" dirty="0" err="1" smtClean="0">
+                <a:rPr lang="da-DK" sz="1100" b="1" dirty="0" err="1">
                   <a:solidFill>
                     <a:schemeClr val="accent4"/>
                   </a:solidFill>
@@ -39892,7 +39595,7 @@
                 <a:t>Indication</a:t>
               </a:r>
               <a:r>
-                <a:rPr lang="da-DK" sz="1100" b="1" dirty="0" smtClean="0">
+                <a:rPr lang="da-DK" sz="1100" b="1" dirty="0">
                   <a:solidFill>
                     <a:schemeClr val="accent4"/>
                   </a:solidFill>
@@ -39900,7 +39603,7 @@
                 <a:t> </a:t>
               </a:r>
               <a:r>
-                <a:rPr lang="da-DK" sz="1100" b="1" dirty="0" err="1" smtClean="0">
+                <a:rPr lang="da-DK" sz="1100" b="1" dirty="0" err="1">
                   <a:solidFill>
                     <a:schemeClr val="accent4"/>
                   </a:solidFill>
@@ -39908,7 +39611,7 @@
                 <a:t>that</a:t>
               </a:r>
               <a:r>
-                <a:rPr lang="da-DK" sz="1100" b="1" dirty="0" smtClean="0">
+                <a:rPr lang="da-DK" sz="1100" b="1" dirty="0">
                   <a:solidFill>
                     <a:schemeClr val="accent4"/>
                   </a:solidFill>
@@ -39916,7 +39619,7 @@
                 <a:t> Mobilepay </a:t>
               </a:r>
               <a:r>
-                <a:rPr lang="da-DK" sz="1100" b="1" dirty="0" err="1" smtClean="0">
+                <a:rPr lang="da-DK" sz="1100" b="1" dirty="0" err="1">
                   <a:solidFill>
                     <a:schemeClr val="accent4"/>
                   </a:solidFill>
@@ -39924,7 +39627,7 @@
                 <a:t>could</a:t>
               </a:r>
               <a:r>
-                <a:rPr lang="da-DK" sz="1100" b="1" dirty="0" smtClean="0">
+                <a:rPr lang="da-DK" sz="1100" b="1" dirty="0">
                   <a:solidFill>
                     <a:schemeClr val="accent4"/>
                   </a:solidFill>
@@ -39932,7 +39635,7 @@
                 <a:t> </a:t>
               </a:r>
               <a:r>
-                <a:rPr lang="da-DK" sz="1100" b="1" dirty="0" err="1" smtClean="0">
+                <a:rPr lang="da-DK" sz="1100" b="1" dirty="0" err="1">
                   <a:solidFill>
                     <a:schemeClr val="accent4"/>
                   </a:solidFill>
@@ -39940,7 +39643,7 @@
                 <a:t>be</a:t>
               </a:r>
               <a:r>
-                <a:rPr lang="da-DK" sz="1100" b="1" dirty="0" smtClean="0">
+                <a:rPr lang="da-DK" sz="1100" b="1" dirty="0">
                   <a:solidFill>
                     <a:schemeClr val="accent4"/>
                   </a:solidFill>
@@ -39948,7 +39651,7 @@
                 <a:t> </a:t>
               </a:r>
               <a:r>
-                <a:rPr lang="da-DK" sz="1100" b="1" dirty="0" err="1" smtClean="0">
+                <a:rPr lang="da-DK" sz="1100" b="1" dirty="0" err="1">
                   <a:solidFill>
                     <a:schemeClr val="accent4"/>
                   </a:solidFill>
@@ -39987,7 +39690,7 @@
             <a:p>
               <a:pPr algn="ctr"/>
               <a:r>
-                <a:rPr lang="da-DK" sz="1100" b="1" dirty="0" smtClean="0">
+                <a:rPr lang="da-DK" sz="1100" b="1" dirty="0">
                   <a:solidFill>
                     <a:schemeClr val="accent4"/>
                   </a:solidFill>
@@ -39995,7 +39698,7 @@
                 <a:t>POST /</a:t>
               </a:r>
               <a:r>
-                <a:rPr lang="da-DK" sz="1100" b="1" dirty="0" err="1" smtClean="0">
+                <a:rPr lang="da-DK" sz="1100" b="1" dirty="0" err="1">
                   <a:solidFill>
                     <a:schemeClr val="accent4"/>
                   </a:solidFill>
@@ -40003,7 +39706,7 @@
                 <a:t>payments</a:t>
               </a:r>
               <a:r>
-                <a:rPr lang="da-DK" sz="1100" b="1" dirty="0" smtClean="0">
+                <a:rPr lang="da-DK" sz="1100" b="1" dirty="0">
                   <a:solidFill>
                     <a:schemeClr val="accent4"/>
                   </a:solidFill>
@@ -40241,15 +39944,7 @@
                     <a:schemeClr val="accent4"/>
                   </a:solidFill>
                 </a:rPr>
-                <a:t>GET </a:t>
-              </a:r>
-              <a:r>
-                <a:rPr lang="da-DK" sz="1100" b="1" dirty="0" smtClean="0">
-                  <a:solidFill>
-                    <a:schemeClr val="accent4"/>
-                  </a:solidFill>
-                </a:rPr>
-                <a:t>/</a:t>
+                <a:t>GET /</a:t>
               </a:r>
               <a:r>
                 <a:rPr lang="en-GB" sz="1100" b="1" dirty="0" err="1">
@@ -40323,7 +40018,7 @@
             <a:p>
               <a:pPr algn="ctr"/>
               <a:r>
-                <a:rPr lang="da-DK" sz="1100" b="1" dirty="0" err="1" smtClean="0">
+                <a:rPr lang="da-DK" sz="1100" b="1" dirty="0" err="1">
                   <a:solidFill>
                     <a:schemeClr val="accent4"/>
                   </a:solidFill>
@@ -40331,28 +40026,12 @@
                 <a:t>isUserCheckedIn</a:t>
               </a:r>
               <a:r>
-                <a:rPr lang="da-DK" sz="1100" b="1" dirty="0" smtClean="0">
-                  <a:solidFill>
-                    <a:schemeClr val="accent4"/>
-                  </a:solidFill>
-                </a:rPr>
-                <a:t>  </a:t>
-              </a:r>
-              <a:r>
                 <a:rPr lang="da-DK" sz="1100" b="1" dirty="0">
                   <a:solidFill>
                     <a:schemeClr val="accent4"/>
                   </a:solidFill>
                 </a:rPr>
-                <a:t>= </a:t>
-              </a:r>
-              <a:r>
-                <a:rPr lang="da-DK" sz="1100" b="1" dirty="0" smtClean="0">
-                  <a:solidFill>
-                    <a:schemeClr val="accent4"/>
-                  </a:solidFill>
-                </a:rPr>
-                <a:t> false</a:t>
+                <a:t>  =  false</a:t>
               </a:r>
               <a:endParaRPr lang="en-GB" sz="1100" b="1" dirty="0">
                 <a:solidFill>
@@ -40460,15 +40139,7 @@
                     <a:schemeClr val="accent4"/>
                   </a:solidFill>
                 </a:rPr>
-                <a:t>GET </a:t>
-              </a:r>
-              <a:r>
-                <a:rPr lang="da-DK" sz="1100" b="1" dirty="0" smtClean="0">
-                  <a:solidFill>
-                    <a:schemeClr val="accent4"/>
-                  </a:solidFill>
-                </a:rPr>
-                <a:t>/</a:t>
+                <a:t>GET /</a:t>
               </a:r>
               <a:r>
                 <a:rPr lang="en-GB" sz="1100" b="1" dirty="0" err="1">
@@ -40542,7 +40213,7 @@
             <a:p>
               <a:pPr algn="ctr"/>
               <a:r>
-                <a:rPr lang="da-DK" sz="1100" b="1" dirty="0" err="1" smtClean="0">
+                <a:rPr lang="da-DK" sz="1100" b="1" dirty="0" err="1">
                   <a:solidFill>
                     <a:schemeClr val="accent4"/>
                   </a:solidFill>
@@ -40550,7 +40221,7 @@
                 <a:t>isUserCheckedIn</a:t>
               </a:r>
               <a:r>
-                <a:rPr lang="da-DK" sz="1100" b="1" dirty="0" smtClean="0">
+                <a:rPr lang="da-DK" sz="1100" b="1" dirty="0">
                   <a:solidFill>
                     <a:schemeClr val="accent4"/>
                   </a:solidFill>
@@ -40686,7 +40357,7 @@
             <a:p>
               <a:pPr algn="ctr"/>
               <a:r>
-                <a:rPr lang="da-DK" sz="1100" b="1" dirty="0" smtClean="0">
+                <a:rPr lang="da-DK" sz="1100" b="1" dirty="0">
                   <a:solidFill>
                     <a:schemeClr val="accent4"/>
                   </a:solidFill>
@@ -40712,13 +40383,6 @@
   <p:clrMapOvr>
     <a:masterClrMapping/>
   </p:clrMapOvr>
-  <p:timing>
-    <p:tnLst>
-      <p:par>
-        <p:cTn id="1" dur="indefinite" restart="never" nodeType="tmRoot"/>
-      </p:par>
-    </p:tnLst>
-  </p:timing>
 </p:sld>
 </file>
 
@@ -40981,7 +40645,7 @@
             <a:p>
               <a:pPr algn="ctr"/>
               <a:r>
-                <a:rPr lang="da-DK" sz="1100" b="1" dirty="0" smtClean="0">
+                <a:rPr lang="da-DK" sz="1100" b="1" dirty="0">
                   <a:solidFill>
                     <a:schemeClr val="accent4"/>
                   </a:solidFill>
@@ -40989,7 +40653,7 @@
                 <a:t>GET /</a:t>
               </a:r>
               <a:r>
-                <a:rPr lang="en-GB" sz="1100" b="1" dirty="0" err="1" smtClean="0">
+                <a:rPr lang="en-GB" sz="1100" b="1" dirty="0" err="1">
                   <a:solidFill>
                     <a:schemeClr val="accent4"/>
                   </a:solidFill>
@@ -40997,18 +40661,13 @@
                 <a:t>pointofsales?merchantPosId</a:t>
               </a:r>
               <a:r>
-                <a:rPr lang="en-GB" sz="1100" b="1" dirty="0" smtClean="0">
+                <a:rPr lang="en-GB" sz="1100" b="1" dirty="0">
                   <a:solidFill>
                     <a:schemeClr val="accent4"/>
                   </a:solidFill>
                 </a:rPr>
                 <a:t>=…</a:t>
               </a:r>
-              <a:endParaRPr lang="en-GB" sz="1100" b="1" dirty="0">
-                <a:solidFill>
-                  <a:schemeClr val="accent4"/>
-                </a:solidFill>
-              </a:endParaRPr>
             </a:p>
           </p:txBody>
         </p:sp>
@@ -41036,7 +40695,7 @@
             <a:p>
               <a:pPr algn="ctr"/>
               <a:r>
-                <a:rPr lang="da-DK" sz="1100" b="1" dirty="0" smtClean="0">
+                <a:rPr lang="da-DK" sz="1100" b="1" dirty="0">
                   <a:solidFill>
                     <a:schemeClr val="accent4"/>
                   </a:solidFill>
@@ -41044,7 +40703,7 @@
                 <a:t>No PoS </a:t>
               </a:r>
               <a:r>
-                <a:rPr lang="da-DK" sz="1100" b="1" dirty="0" err="1" smtClean="0">
+                <a:rPr lang="da-DK" sz="1100" b="1" dirty="0" err="1">
                   <a:solidFill>
                     <a:schemeClr val="accent4"/>
                   </a:solidFill>
@@ -41152,7 +40811,7 @@
             <a:p>
               <a:pPr algn="ctr"/>
               <a:r>
-                <a:rPr lang="da-DK" sz="1100" b="1" dirty="0" smtClean="0">
+                <a:rPr lang="da-DK" sz="1100" b="1" dirty="0">
                   <a:solidFill>
                     <a:schemeClr val="accent4"/>
                   </a:solidFill>
@@ -41160,7 +40819,7 @@
                 <a:t>POST /</a:t>
               </a:r>
               <a:r>
-                <a:rPr lang="en-GB" sz="1100" b="1" dirty="0" err="1" smtClean="0">
+                <a:rPr lang="en-GB" sz="1100" b="1" dirty="0" err="1">
                   <a:solidFill>
                     <a:schemeClr val="accent4"/>
                   </a:solidFill>
@@ -41199,7 +40858,7 @@
             <a:p>
               <a:pPr algn="ctr"/>
               <a:r>
-                <a:rPr lang="da-DK" sz="1100" b="1" dirty="0" smtClean="0">
+                <a:rPr lang="da-DK" sz="1100" b="1" dirty="0">
                   <a:solidFill>
                     <a:schemeClr val="accent4"/>
                   </a:solidFill>
@@ -41259,13 +40918,6 @@
   <p:clrMapOvr>
     <a:masterClrMapping/>
   </p:clrMapOvr>
-  <p:timing>
-    <p:tnLst>
-      <p:par>
-        <p:cTn id="1" dur="indefinite" restart="never" nodeType="tmRoot"/>
-      </p:par>
-    </p:tnLst>
-  </p:timing>
 </p:sld>
 </file>
 
@@ -41528,7 +41180,7 @@
             <a:p>
               <a:pPr algn="ctr"/>
               <a:r>
-                <a:rPr lang="da-DK" sz="1100" b="1" dirty="0" smtClean="0">
+                <a:rPr lang="da-DK" sz="1100" b="1" dirty="0">
                   <a:solidFill>
                     <a:schemeClr val="accent4"/>
                   </a:solidFill>
@@ -41536,7 +41188,7 @@
                 <a:t>POST /</a:t>
               </a:r>
               <a:r>
-                <a:rPr lang="en-GB" sz="1100" b="1" dirty="0" smtClean="0">
+                <a:rPr lang="en-GB" sz="1100" b="1" dirty="0">
                   <a:solidFill>
                     <a:schemeClr val="accent4"/>
                   </a:solidFill>
@@ -41544,7 +41196,7 @@
                 <a:t>payments/{</a:t>
               </a:r>
               <a:r>
-                <a:rPr lang="en-GB" sz="1100" b="1" dirty="0" err="1" smtClean="0">
+                <a:rPr lang="en-GB" sz="1100" b="1" dirty="0" err="1">
                   <a:solidFill>
                     <a:schemeClr val="accent4"/>
                   </a:solidFill>
@@ -41552,18 +41204,13 @@
                 <a:t>paymentId</a:t>
               </a:r>
               <a:r>
-                <a:rPr lang="en-GB" sz="1100" b="1" dirty="0" smtClean="0">
+                <a:rPr lang="en-GB" sz="1100" b="1" dirty="0">
                   <a:solidFill>
                     <a:schemeClr val="accent4"/>
                   </a:solidFill>
                 </a:rPr>
                 <a:t>}/(capture | cancel)</a:t>
               </a:r>
-              <a:endParaRPr lang="en-GB" sz="1100" b="1" dirty="0">
-                <a:solidFill>
-                  <a:schemeClr val="accent4"/>
-                </a:solidFill>
-              </a:endParaRPr>
             </a:p>
           </p:txBody>
         </p:sp>
@@ -41591,7 +41238,7 @@
             <a:p>
               <a:pPr algn="ctr"/>
               <a:r>
-                <a:rPr lang="da-DK" sz="1100" b="1" dirty="0" smtClean="0">
+                <a:rPr lang="da-DK" sz="1100" b="1" dirty="0">
                   <a:solidFill>
                     <a:schemeClr val="accent4"/>
                   </a:solidFill>
@@ -41699,7 +41346,7 @@
             <a:p>
               <a:pPr algn="ctr"/>
               <a:r>
-                <a:rPr lang="da-DK" sz="1100" b="1" dirty="0" smtClean="0">
+                <a:rPr lang="da-DK" sz="1100" b="1" dirty="0">
                   <a:solidFill>
                     <a:schemeClr val="accent4"/>
                   </a:solidFill>
@@ -41707,7 +41354,7 @@
                 <a:t>DELETE /</a:t>
               </a:r>
               <a:r>
-                <a:rPr lang="en-GB" sz="1100" b="1" dirty="0" err="1" smtClean="0">
+                <a:rPr lang="en-GB" sz="1100" b="1" dirty="0" err="1">
                   <a:solidFill>
                     <a:schemeClr val="accent4"/>
                   </a:solidFill>
@@ -41715,7 +41362,7 @@
                 <a:t>pointofsales</a:t>
               </a:r>
               <a:r>
-                <a:rPr lang="en-GB" sz="1100" b="1" dirty="0" smtClean="0">
+                <a:rPr lang="en-GB" sz="1100" b="1" dirty="0">
                   <a:solidFill>
                     <a:schemeClr val="accent4"/>
                   </a:solidFill>
@@ -41723,7 +41370,7 @@
                 <a:t>/{</a:t>
               </a:r>
               <a:r>
-                <a:rPr lang="en-GB" sz="1100" b="1" dirty="0" err="1" smtClean="0">
+                <a:rPr lang="en-GB" sz="1100" b="1" dirty="0" err="1">
                   <a:solidFill>
                     <a:schemeClr val="accent4"/>
                   </a:solidFill>
@@ -41731,18 +41378,13 @@
                 <a:t>posId</a:t>
               </a:r>
               <a:r>
-                <a:rPr lang="en-GB" sz="1100" b="1" dirty="0" smtClean="0">
+                <a:rPr lang="en-GB" sz="1100" b="1" dirty="0">
                   <a:solidFill>
                     <a:schemeClr val="accent4"/>
                   </a:solidFill>
                 </a:rPr>
                 <a:t>}</a:t>
               </a:r>
-              <a:endParaRPr lang="en-GB" sz="1100" b="1" dirty="0">
-                <a:solidFill>
-                  <a:schemeClr val="accent4"/>
-                </a:solidFill>
-              </a:endParaRPr>
             </a:p>
           </p:txBody>
         </p:sp>
@@ -41770,7 +41412,7 @@
             <a:p>
               <a:pPr algn="ctr"/>
               <a:r>
-                <a:rPr lang="da-DK" sz="1100" b="1" dirty="0" smtClean="0">
+                <a:rPr lang="da-DK" sz="1100" b="1" dirty="0">
                   <a:solidFill>
                     <a:schemeClr val="accent4"/>
                   </a:solidFill>
@@ -41865,21 +41507,8 @@
                   <a:schemeClr val="accent6"/>
                 </a:solidFill>
               </a:rPr>
-              <a:t> </a:t>
-            </a:r>
-            <a:r>
-              <a:rPr lang="da-DK" sz="1100" b="1" dirty="0" smtClean="0">
-                <a:solidFill>
-                  <a:schemeClr val="accent6"/>
-                </a:solidFill>
-              </a:rPr>
-              <a:t>LOOP</a:t>
-            </a:r>
-            <a:endParaRPr lang="da-DK" sz="1100" b="1" dirty="0">
-              <a:solidFill>
-                <a:schemeClr val="accent6"/>
-              </a:solidFill>
-            </a:endParaRPr>
+              <a:t> LOOP</a:t>
+            </a:r>
           </a:p>
           <a:p>
             <a:endParaRPr lang="da-DK" sz="1100" dirty="0"/>
@@ -41905,13 +41534,6 @@
   <p:clrMapOvr>
     <a:masterClrMapping/>
   </p:clrMapOvr>
-  <p:timing>
-    <p:tnLst>
-      <p:par>
-        <p:cTn id="1" dur="indefinite" restart="never" nodeType="tmRoot"/>
-      </p:par>
-    </p:tnLst>
-  </p:timing>
 </p:sld>
 </file>
 
@@ -42020,7 +41642,7 @@
           <a:lstStyle/>
           <a:p>
             <a:pPr algn="ctr"/>
-            <a:endParaRPr lang="en-GB" sz="1600" dirty="0" err="1" smtClean="0">
+            <a:endParaRPr lang="en-GB" sz="1600" dirty="0" err="1">
               <a:solidFill>
                 <a:schemeClr val="tx2"/>
               </a:solidFill>
@@ -42055,14 +41677,14 @@
           <a:p>
             <a:pPr algn="ctr"/>
             <a:r>
-              <a:rPr lang="da-DK" dirty="0" err="1" smtClean="0">
+              <a:rPr lang="da-DK" dirty="0" err="1">
                 <a:solidFill>
                   <a:schemeClr val="tx2"/>
                 </a:solidFill>
               </a:rPr>
               <a:t>MerchantLocationId</a:t>
             </a:r>
-            <a:endParaRPr lang="en-GB" dirty="0" err="1" smtClean="0">
+            <a:endParaRPr lang="en-GB" dirty="0" err="1">
               <a:solidFill>
                 <a:schemeClr val="tx2"/>
               </a:solidFill>
@@ -42119,7 +41741,7 @@
           <a:lstStyle/>
           <a:p>
             <a:pPr algn="ctr"/>
-            <a:endParaRPr lang="en-GB" sz="1600" dirty="0" err="1" smtClean="0">
+            <a:endParaRPr lang="en-GB" sz="1600" dirty="0" err="1">
               <a:solidFill>
                 <a:schemeClr val="tx2"/>
               </a:solidFill>
@@ -42154,14 +41776,14 @@
           <a:p>
             <a:pPr algn="ctr"/>
             <a:r>
-              <a:rPr lang="da-DK" dirty="0" err="1" smtClean="0">
+              <a:rPr lang="da-DK" dirty="0" err="1">
                 <a:solidFill>
                   <a:schemeClr val="tx2"/>
                 </a:solidFill>
               </a:rPr>
               <a:t>MerchantBrandId</a:t>
             </a:r>
-            <a:endParaRPr lang="en-GB" dirty="0" err="1" smtClean="0">
+            <a:endParaRPr lang="en-GB" dirty="0" err="1">
               <a:solidFill>
                 <a:schemeClr val="tx2"/>
               </a:solidFill>
@@ -42218,7 +41840,7 @@
           <a:lstStyle/>
           <a:p>
             <a:pPr algn="ctr"/>
-            <a:endParaRPr lang="en-GB" sz="1600" dirty="0" err="1" smtClean="0">
+            <a:endParaRPr lang="en-GB" sz="1600" dirty="0" err="1">
               <a:solidFill>
                 <a:schemeClr val="tx2"/>
               </a:solidFill>
@@ -42253,14 +41875,14 @@
           <a:p>
             <a:pPr algn="ctr"/>
             <a:r>
-              <a:rPr lang="da-DK" dirty="0" err="1" smtClean="0">
+              <a:rPr lang="da-DK" dirty="0" err="1">
                 <a:solidFill>
                   <a:schemeClr val="tx2"/>
                 </a:solidFill>
               </a:rPr>
               <a:t>StoreId</a:t>
             </a:r>
-            <a:endParaRPr lang="en-GB" dirty="0" err="1" smtClean="0">
+            <a:endParaRPr lang="en-GB" dirty="0" err="1">
               <a:solidFill>
                 <a:schemeClr val="tx2"/>
               </a:solidFill>
@@ -42317,7 +41939,7 @@
           <a:lstStyle/>
           <a:p>
             <a:pPr algn="ctr"/>
-            <a:endParaRPr lang="en-GB" sz="1600" dirty="0" err="1" smtClean="0">
+            <a:endParaRPr lang="en-GB" sz="1600" dirty="0" err="1">
               <a:solidFill>
                 <a:schemeClr val="tx2"/>
               </a:solidFill>
@@ -42352,14 +41974,14 @@
           <a:p>
             <a:pPr algn="ctr"/>
             <a:r>
-              <a:rPr lang="da-DK" dirty="0" err="1" smtClean="0">
+              <a:rPr lang="da-DK" dirty="0" err="1">
                 <a:solidFill>
                   <a:schemeClr val="tx2"/>
                 </a:solidFill>
               </a:rPr>
               <a:t>MerchantPosId</a:t>
             </a:r>
-            <a:endParaRPr lang="en-GB" dirty="0" err="1" smtClean="0">
+            <a:endParaRPr lang="en-GB" dirty="0" err="1">
               <a:solidFill>
                 <a:schemeClr val="tx2"/>
               </a:solidFill>
@@ -42416,7 +42038,7 @@
           <a:lstStyle/>
           <a:p>
             <a:pPr algn="ctr"/>
-            <a:endParaRPr lang="en-GB" sz="1600" dirty="0" err="1" smtClean="0">
+            <a:endParaRPr lang="en-GB" sz="1600" dirty="0" err="1">
               <a:solidFill>
                 <a:schemeClr val="tx2"/>
               </a:solidFill>
@@ -42451,14 +42073,14 @@
           <a:p>
             <a:pPr algn="ctr"/>
             <a:r>
-              <a:rPr lang="da-DK" dirty="0" err="1" smtClean="0">
+              <a:rPr lang="da-DK" dirty="0" err="1">
                 <a:solidFill>
                   <a:schemeClr val="tx2"/>
                 </a:solidFill>
               </a:rPr>
               <a:t>PosId</a:t>
             </a:r>
-            <a:endParaRPr lang="en-GB" dirty="0" err="1" smtClean="0">
+            <a:endParaRPr lang="en-GB" dirty="0" err="1">
               <a:solidFill>
                 <a:schemeClr val="tx2"/>
               </a:solidFill>
@@ -42515,7 +42137,7 @@
           <a:lstStyle/>
           <a:p>
             <a:pPr algn="ctr"/>
-            <a:endParaRPr lang="en-GB" sz="1600" dirty="0" err="1" smtClean="0">
+            <a:endParaRPr lang="en-GB" sz="1600" dirty="0" err="1">
               <a:solidFill>
                 <a:schemeClr val="tx2"/>
               </a:solidFill>
@@ -42550,14 +42172,14 @@
           <a:p>
             <a:pPr algn="ctr"/>
             <a:r>
-              <a:rPr lang="da-DK" dirty="0" err="1" smtClean="0">
+              <a:rPr lang="da-DK" dirty="0" err="1">
                 <a:solidFill>
                   <a:schemeClr val="tx2"/>
                 </a:solidFill>
               </a:rPr>
               <a:t>BeaconId</a:t>
             </a:r>
-            <a:endParaRPr lang="en-GB" dirty="0" err="1" smtClean="0">
+            <a:endParaRPr lang="en-GB" dirty="0" err="1">
               <a:solidFill>
                 <a:schemeClr val="tx2"/>
               </a:solidFill>
@@ -42806,7 +42428,7 @@
           <a:lstStyle/>
           <a:p>
             <a:pPr algn="ctr"/>
-            <a:endParaRPr lang="en-GB" sz="1600" dirty="0" err="1" smtClean="0">
+            <a:endParaRPr lang="en-GB" sz="1600" dirty="0" err="1">
               <a:solidFill>
                 <a:schemeClr val="tx2"/>
               </a:solidFill>
@@ -42841,7 +42463,7 @@
           <a:p>
             <a:pPr algn="ctr"/>
             <a:r>
-              <a:rPr lang="da-DK" dirty="0" smtClean="0">
+              <a:rPr lang="da-DK" dirty="0">
                 <a:solidFill>
                   <a:schemeClr val="tx2"/>
                 </a:solidFill>
@@ -42852,7 +42474,7 @@
           <a:p>
             <a:pPr algn="ctr"/>
             <a:r>
-              <a:rPr lang="da-DK" dirty="0" smtClean="0">
+              <a:rPr lang="da-DK" dirty="0">
                 <a:solidFill>
                   <a:schemeClr val="tx2"/>
                 </a:solidFill>
@@ -42860,7 +42482,7 @@
               <a:t>(VAT-</a:t>
             </a:r>
             <a:r>
-              <a:rPr lang="da-DK" dirty="0" err="1" smtClean="0">
+              <a:rPr lang="da-DK" dirty="0" err="1">
                 <a:solidFill>
                   <a:schemeClr val="tx2"/>
                 </a:solidFill>
@@ -42868,14 +42490,14 @@
               <a:t>number</a:t>
             </a:r>
             <a:r>
-              <a:rPr lang="da-DK" dirty="0" smtClean="0">
+              <a:rPr lang="da-DK" dirty="0">
                 <a:solidFill>
                   <a:schemeClr val="tx2"/>
                 </a:solidFill>
               </a:rPr>
               <a:t>)</a:t>
             </a:r>
-            <a:endParaRPr lang="en-GB" dirty="0" err="1" smtClean="0">
+            <a:endParaRPr lang="en-GB" dirty="0" err="1">
               <a:solidFill>
                 <a:schemeClr val="tx2"/>
               </a:solidFill>
@@ -42975,14 +42597,14 @@
           <a:p>
             <a:pPr algn="ctr"/>
             <a:r>
-              <a:rPr lang="da-DK" dirty="0" smtClean="0">
+              <a:rPr lang="da-DK" dirty="0">
                 <a:solidFill>
                   <a:schemeClr val="tx2"/>
                 </a:solidFill>
               </a:rPr>
               <a:t>Relation</a:t>
             </a:r>
-            <a:endParaRPr lang="en-GB" dirty="0" err="1" smtClean="0">
+            <a:endParaRPr lang="en-GB" dirty="0" err="1">
               <a:solidFill>
                 <a:schemeClr val="tx2"/>
               </a:solidFill>
@@ -43016,14 +42638,14 @@
           <a:p>
             <a:pPr algn="ctr"/>
             <a:r>
-              <a:rPr lang="da-DK" dirty="0" err="1" smtClean="0">
+              <a:rPr lang="da-DK" dirty="0" err="1">
                 <a:solidFill>
                   <a:schemeClr val="tx2"/>
                 </a:solidFill>
               </a:rPr>
               <a:t>Hierarchy</a:t>
             </a:r>
-            <a:endParaRPr lang="en-GB" dirty="0" err="1" smtClean="0">
+            <a:endParaRPr lang="en-GB" dirty="0" err="1">
               <a:solidFill>
                 <a:schemeClr val="tx2"/>
               </a:solidFill>
@@ -43335,7 +42957,7 @@
           <a:lstStyle/>
           <a:p>
             <a:pPr algn="ctr"/>
-            <a:endParaRPr lang="en-GB" sz="1600" dirty="0" err="1" smtClean="0">
+            <a:endParaRPr lang="en-GB" sz="1600" dirty="0" err="1">
               <a:solidFill>
                 <a:schemeClr val="tx2"/>
               </a:solidFill>
@@ -43370,14 +42992,14 @@
           <a:p>
             <a:pPr algn="ctr"/>
             <a:r>
-              <a:rPr lang="da-DK" dirty="0" err="1" smtClean="0">
+              <a:rPr lang="da-DK" dirty="0" err="1">
                 <a:solidFill>
                   <a:schemeClr val="tx2"/>
                 </a:solidFill>
               </a:rPr>
               <a:t>MerchantLocationId</a:t>
             </a:r>
-            <a:endParaRPr lang="en-GB" dirty="0" err="1" smtClean="0">
+            <a:endParaRPr lang="en-GB" dirty="0" err="1">
               <a:solidFill>
                 <a:schemeClr val="tx2"/>
               </a:solidFill>
@@ -43434,7 +43056,7 @@
           <a:lstStyle/>
           <a:p>
             <a:pPr algn="ctr"/>
-            <a:endParaRPr lang="en-GB" sz="1600" dirty="0" err="1" smtClean="0">
+            <a:endParaRPr lang="en-GB" sz="1600" dirty="0" err="1">
               <a:solidFill>
                 <a:schemeClr val="tx2"/>
               </a:solidFill>
@@ -43469,14 +43091,14 @@
           <a:p>
             <a:pPr algn="ctr"/>
             <a:r>
-              <a:rPr lang="da-DK" dirty="0" err="1" smtClean="0">
+              <a:rPr lang="da-DK" dirty="0" err="1">
                 <a:solidFill>
                   <a:schemeClr val="tx2"/>
                 </a:solidFill>
               </a:rPr>
               <a:t>MerchantBrandId</a:t>
             </a:r>
-            <a:endParaRPr lang="en-GB" dirty="0" err="1" smtClean="0">
+            <a:endParaRPr lang="en-GB" dirty="0" err="1">
               <a:solidFill>
                 <a:schemeClr val="tx2"/>
               </a:solidFill>
@@ -43533,7 +43155,7 @@
           <a:lstStyle/>
           <a:p>
             <a:pPr algn="ctr"/>
-            <a:endParaRPr lang="en-GB" sz="1600" dirty="0" err="1" smtClean="0">
+            <a:endParaRPr lang="en-GB" sz="1600" dirty="0" err="1">
               <a:solidFill>
                 <a:schemeClr val="tx2"/>
               </a:solidFill>
@@ -43568,14 +43190,14 @@
           <a:p>
             <a:pPr algn="ctr"/>
             <a:r>
-              <a:rPr lang="da-DK" dirty="0" err="1" smtClean="0">
+              <a:rPr lang="da-DK" dirty="0" err="1">
                 <a:solidFill>
                   <a:schemeClr val="tx2"/>
                 </a:solidFill>
               </a:rPr>
               <a:t>StoreId</a:t>
             </a:r>
-            <a:endParaRPr lang="en-GB" dirty="0" err="1" smtClean="0">
+            <a:endParaRPr lang="en-GB" dirty="0" err="1">
               <a:solidFill>
                 <a:schemeClr val="tx2"/>
               </a:solidFill>
@@ -43632,7 +43254,7 @@
           <a:lstStyle/>
           <a:p>
             <a:pPr algn="ctr"/>
-            <a:endParaRPr lang="en-GB" sz="1600" dirty="0" err="1" smtClean="0">
+            <a:endParaRPr lang="en-GB" sz="1600" dirty="0" err="1">
               <a:solidFill>
                 <a:schemeClr val="tx2"/>
               </a:solidFill>
@@ -43667,14 +43289,14 @@
           <a:p>
             <a:pPr algn="ctr"/>
             <a:r>
-              <a:rPr lang="da-DK" dirty="0" err="1" smtClean="0">
+              <a:rPr lang="da-DK" dirty="0" err="1">
                 <a:solidFill>
                   <a:schemeClr val="tx2"/>
                 </a:solidFill>
               </a:rPr>
               <a:t>MerchantPosId</a:t>
             </a:r>
-            <a:endParaRPr lang="en-GB" dirty="0" err="1" smtClean="0">
+            <a:endParaRPr lang="en-GB" dirty="0" err="1">
               <a:solidFill>
                 <a:schemeClr val="tx2"/>
               </a:solidFill>
@@ -43731,7 +43353,7 @@
           <a:lstStyle/>
           <a:p>
             <a:pPr algn="ctr"/>
-            <a:endParaRPr lang="en-GB" sz="1600" dirty="0" err="1" smtClean="0">
+            <a:endParaRPr lang="en-GB" sz="1600" dirty="0" err="1">
               <a:solidFill>
                 <a:schemeClr val="tx2"/>
               </a:solidFill>
@@ -43766,14 +43388,14 @@
           <a:p>
             <a:pPr algn="ctr"/>
             <a:r>
-              <a:rPr lang="da-DK" dirty="0" err="1" smtClean="0">
+              <a:rPr lang="da-DK" dirty="0" err="1">
                 <a:solidFill>
                   <a:schemeClr val="tx2"/>
                 </a:solidFill>
               </a:rPr>
               <a:t>PosId</a:t>
             </a:r>
-            <a:endParaRPr lang="en-GB" dirty="0" err="1" smtClean="0">
+            <a:endParaRPr lang="en-GB" dirty="0" err="1">
               <a:solidFill>
                 <a:schemeClr val="tx2"/>
               </a:solidFill>
@@ -43830,7 +43452,7 @@
           <a:lstStyle/>
           <a:p>
             <a:pPr algn="ctr"/>
-            <a:endParaRPr lang="en-GB" sz="1600" dirty="0" err="1" smtClean="0">
+            <a:endParaRPr lang="en-GB" sz="1600" dirty="0" err="1">
               <a:solidFill>
                 <a:schemeClr val="tx2"/>
               </a:solidFill>
@@ -43865,14 +43487,14 @@
           <a:p>
             <a:pPr algn="ctr"/>
             <a:r>
-              <a:rPr lang="da-DK" dirty="0" err="1" smtClean="0">
+              <a:rPr lang="da-DK" dirty="0" err="1">
                 <a:solidFill>
                   <a:schemeClr val="tx2"/>
                 </a:solidFill>
               </a:rPr>
               <a:t>BeaconId</a:t>
             </a:r>
-            <a:endParaRPr lang="en-GB" dirty="0" err="1" smtClean="0">
+            <a:endParaRPr lang="en-GB" dirty="0" err="1">
               <a:solidFill>
                 <a:schemeClr val="tx2"/>
               </a:solidFill>
@@ -44121,7 +43743,7 @@
           <a:lstStyle/>
           <a:p>
             <a:pPr algn="ctr"/>
-            <a:endParaRPr lang="en-GB" sz="1600" dirty="0" err="1" smtClean="0">
+            <a:endParaRPr lang="en-GB" sz="1600" dirty="0" err="1">
               <a:solidFill>
                 <a:schemeClr val="tx2"/>
               </a:solidFill>
@@ -44156,7 +43778,7 @@
           <a:p>
             <a:pPr algn="ctr"/>
             <a:r>
-              <a:rPr lang="da-DK" dirty="0" smtClean="0">
+              <a:rPr lang="da-DK" dirty="0">
                 <a:solidFill>
                   <a:schemeClr val="tx2"/>
                 </a:solidFill>
@@ -44167,7 +43789,7 @@
           <a:p>
             <a:pPr algn="ctr"/>
             <a:r>
-              <a:rPr lang="da-DK" dirty="0" smtClean="0">
+              <a:rPr lang="da-DK" dirty="0">
                 <a:solidFill>
                   <a:schemeClr val="tx2"/>
                 </a:solidFill>
@@ -44175,7 +43797,7 @@
               <a:t>(VAT-</a:t>
             </a:r>
             <a:r>
-              <a:rPr lang="da-DK" dirty="0" err="1" smtClean="0">
+              <a:rPr lang="da-DK" dirty="0" err="1">
                 <a:solidFill>
                   <a:schemeClr val="tx2"/>
                 </a:solidFill>
@@ -44183,14 +43805,14 @@
               <a:t>number</a:t>
             </a:r>
             <a:r>
-              <a:rPr lang="da-DK" dirty="0" smtClean="0">
+              <a:rPr lang="da-DK" dirty="0">
                 <a:solidFill>
                   <a:schemeClr val="tx2"/>
                 </a:solidFill>
               </a:rPr>
               <a:t>)</a:t>
             </a:r>
-            <a:endParaRPr lang="en-GB" dirty="0" err="1" smtClean="0">
+            <a:endParaRPr lang="en-GB" dirty="0" err="1">
               <a:solidFill>
                 <a:schemeClr val="tx2"/>
               </a:solidFill>
@@ -44247,7 +43869,7 @@
           <a:lstStyle/>
           <a:p>
             <a:pPr algn="ctr"/>
-            <a:endParaRPr lang="en-GB" sz="1600" dirty="0" err="1" smtClean="0">
+            <a:endParaRPr lang="en-GB" sz="1600" dirty="0" err="1">
               <a:solidFill>
                 <a:schemeClr val="tx2"/>
               </a:solidFill>
@@ -44304,7 +43926,7 @@
           <a:lstStyle/>
           <a:p>
             <a:pPr algn="ctr"/>
-            <a:endParaRPr lang="en-GB" sz="1600" dirty="0" err="1" smtClean="0">
+            <a:endParaRPr lang="en-GB" sz="1600" dirty="0" err="1">
               <a:solidFill>
                 <a:schemeClr val="tx2"/>
               </a:solidFill>
@@ -44361,7 +43983,7 @@
           <a:lstStyle/>
           <a:p>
             <a:pPr algn="ctr"/>
-            <a:endParaRPr lang="en-GB" sz="1600" dirty="0" err="1" smtClean="0">
+            <a:endParaRPr lang="en-GB" sz="1600" dirty="0" err="1">
               <a:solidFill>
                 <a:schemeClr val="tx2"/>
               </a:solidFill>
@@ -44418,7 +44040,7 @@
           <a:lstStyle/>
           <a:p>
             <a:pPr algn="ctr"/>
-            <a:endParaRPr lang="en-GB" sz="1600" dirty="0" err="1" smtClean="0">
+            <a:endParaRPr lang="en-GB" sz="1600" dirty="0" err="1">
               <a:solidFill>
                 <a:schemeClr val="tx2"/>
               </a:solidFill>
@@ -44453,14 +44075,14 @@
           <a:p>
             <a:pPr algn="ctr"/>
             <a:r>
-              <a:rPr lang="da-DK" dirty="0" err="1" smtClean="0">
+              <a:rPr lang="da-DK" dirty="0" err="1">
                 <a:solidFill>
                   <a:schemeClr val="tx2"/>
                 </a:solidFill>
               </a:rPr>
               <a:t>MerchantId</a:t>
             </a:r>
-            <a:endParaRPr lang="en-GB" dirty="0" err="1" smtClean="0">
+            <a:endParaRPr lang="en-GB" dirty="0" err="1">
               <a:solidFill>
                 <a:schemeClr val="tx2"/>
               </a:solidFill>
@@ -44495,14 +44117,14 @@
           <a:p>
             <a:pPr algn="ctr"/>
             <a:r>
-              <a:rPr lang="da-DK" dirty="0" err="1" smtClean="0">
+              <a:rPr lang="da-DK" dirty="0" err="1">
                 <a:solidFill>
                   <a:schemeClr val="tx2"/>
                 </a:solidFill>
               </a:rPr>
               <a:t>LocationId</a:t>
             </a:r>
-            <a:endParaRPr lang="en-GB" dirty="0" err="1" smtClean="0">
+            <a:endParaRPr lang="en-GB" dirty="0" err="1">
               <a:solidFill>
                 <a:schemeClr val="tx2"/>
               </a:solidFill>
@@ -44537,14 +44159,14 @@
           <a:p>
             <a:pPr algn="ctr"/>
             <a:r>
-              <a:rPr lang="da-DK" dirty="0" err="1" smtClean="0">
+              <a:rPr lang="da-DK" dirty="0" err="1">
                 <a:solidFill>
                   <a:schemeClr val="tx2"/>
                 </a:solidFill>
               </a:rPr>
               <a:t>PosId</a:t>
             </a:r>
-            <a:endParaRPr lang="en-GB" dirty="0" err="1" smtClean="0">
+            <a:endParaRPr lang="en-GB" dirty="0" err="1">
               <a:solidFill>
                 <a:schemeClr val="tx2"/>
               </a:solidFill>
@@ -44579,14 +44201,14 @@
           <a:p>
             <a:pPr algn="ctr"/>
             <a:r>
-              <a:rPr lang="da-DK" dirty="0" err="1" smtClean="0">
+              <a:rPr lang="da-DK" dirty="0" err="1">
                 <a:solidFill>
                   <a:schemeClr val="tx2"/>
                 </a:solidFill>
               </a:rPr>
               <a:t>PosUnitId</a:t>
             </a:r>
-            <a:endParaRPr lang="en-GB" dirty="0" err="1" smtClean="0">
+            <a:endParaRPr lang="en-GB" dirty="0" err="1">
               <a:solidFill>
                 <a:schemeClr val="tx2"/>
               </a:solidFill>
@@ -44722,14 +44344,14 @@
           <a:p>
             <a:pPr algn="ctr"/>
             <a:r>
-              <a:rPr lang="da-DK" sz="1400" dirty="0" smtClean="0">
+              <a:rPr lang="da-DK" sz="1400" dirty="0">
                 <a:solidFill>
                   <a:schemeClr val="tx2"/>
                 </a:solidFill>
               </a:rPr>
               <a:t>PoS API V10</a:t>
             </a:r>
-            <a:endParaRPr lang="en-GB" sz="1400" dirty="0" err="1" smtClean="0">
+            <a:endParaRPr lang="en-GB" sz="1400" dirty="0" err="1">
               <a:solidFill>
                 <a:schemeClr val="tx2"/>
               </a:solidFill>
@@ -44787,14 +44409,14 @@
           <a:p>
             <a:pPr algn="ctr"/>
             <a:r>
-              <a:rPr lang="da-DK" sz="1400" dirty="0" smtClean="0">
+              <a:rPr lang="da-DK" sz="1400" dirty="0">
                 <a:solidFill>
                   <a:schemeClr val="tx2"/>
                 </a:solidFill>
               </a:rPr>
               <a:t>PoS API V8.6</a:t>
             </a:r>
-            <a:endParaRPr lang="en-GB" sz="1400" dirty="0" err="1" smtClean="0">
+            <a:endParaRPr lang="en-GB" sz="1400" dirty="0" err="1">
               <a:solidFill>
                 <a:schemeClr val="tx2"/>
               </a:solidFill>
@@ -44894,14 +44516,14 @@
           <a:p>
             <a:pPr algn="ctr"/>
             <a:r>
-              <a:rPr lang="da-DK" dirty="0" smtClean="0">
+              <a:rPr lang="da-DK" dirty="0">
                 <a:solidFill>
                   <a:schemeClr val="tx2"/>
                 </a:solidFill>
               </a:rPr>
               <a:t>Relation</a:t>
             </a:r>
-            <a:endParaRPr lang="en-GB" dirty="0" err="1" smtClean="0">
+            <a:endParaRPr lang="en-GB" dirty="0" err="1">
               <a:solidFill>
                 <a:schemeClr val="tx2"/>
               </a:solidFill>
@@ -45022,14 +44644,14 @@
           <a:p>
             <a:pPr algn="ctr"/>
             <a:r>
-              <a:rPr lang="da-DK" dirty="0" err="1" smtClean="0">
+              <a:rPr lang="da-DK" dirty="0" err="1">
                 <a:solidFill>
                   <a:schemeClr val="tx2"/>
                 </a:solidFill>
               </a:rPr>
               <a:t>Hierarchy</a:t>
             </a:r>
-            <a:endParaRPr lang="en-GB" dirty="0" err="1" smtClean="0">
+            <a:endParaRPr lang="en-GB" dirty="0" err="1">
               <a:solidFill>
                 <a:schemeClr val="tx2"/>
               </a:solidFill>
@@ -45047,13 +44669,6 @@
   <p:clrMapOvr>
     <a:masterClrMapping/>
   </p:clrMapOvr>
-  <p:timing>
-    <p:tnLst>
-      <p:par>
-        <p:cTn id="1" dur="indefinite" restart="never" nodeType="tmRoot"/>
-      </p:par>
-    </p:tnLst>
-  </p:timing>
 </p:sld>
 </file>
 
@@ -45268,7 +44883,7 @@
           <a:p>
             <a:pPr algn="ctr"/>
             <a:r>
-              <a:rPr lang="da-DK" sz="1100" b="1" dirty="0" smtClean="0">
+              <a:rPr lang="da-DK" sz="1100" b="1" dirty="0">
                 <a:solidFill>
                   <a:schemeClr val="accent4"/>
                 </a:solidFill>
@@ -45276,7 +44891,7 @@
               <a:t>POST /</a:t>
             </a:r>
             <a:r>
-              <a:rPr lang="en-GB" sz="1100" b="1" dirty="0" err="1" smtClean="0">
+              <a:rPr lang="en-GB" sz="1100" b="1" dirty="0" err="1">
                 <a:solidFill>
                   <a:schemeClr val="accent4"/>
                 </a:solidFill>
@@ -45315,7 +44930,7 @@
           <a:p>
             <a:pPr algn="ctr"/>
             <a:r>
-              <a:rPr lang="da-DK" sz="1100" b="1" dirty="0" err="1" smtClean="0">
+              <a:rPr lang="da-DK" sz="1100" b="1" dirty="0" err="1">
                 <a:solidFill>
                   <a:schemeClr val="accent4"/>
                 </a:solidFill>
@@ -45622,7 +45237,7 @@
           <a:p>
             <a:pPr algn="ctr"/>
             <a:r>
-              <a:rPr lang="da-DK" sz="1100" b="1" dirty="0" smtClean="0">
+              <a:rPr lang="da-DK" sz="1100" b="1" dirty="0">
                 <a:solidFill>
                   <a:schemeClr val="accent4"/>
                 </a:solidFill>
@@ -45630,7 +45245,7 @@
               <a:t>DELETE /</a:t>
             </a:r>
             <a:r>
-              <a:rPr lang="en-GB" sz="1100" b="1" dirty="0" err="1" smtClean="0">
+              <a:rPr lang="en-GB" sz="1100" b="1" dirty="0" err="1">
                 <a:solidFill>
                   <a:schemeClr val="accent4"/>
                 </a:solidFill>
@@ -45638,7 +45253,7 @@
               <a:t>pointofsales</a:t>
             </a:r>
             <a:r>
-              <a:rPr lang="en-GB" sz="1100" b="1" dirty="0" smtClean="0">
+              <a:rPr lang="en-GB" sz="1100" b="1" dirty="0">
                 <a:solidFill>
                   <a:schemeClr val="accent4"/>
                 </a:solidFill>
@@ -45646,7 +45261,7 @@
               <a:t>/{</a:t>
             </a:r>
             <a:r>
-              <a:rPr lang="en-GB" sz="1100" b="1" dirty="0" err="1" smtClean="0">
+              <a:rPr lang="en-GB" sz="1100" b="1" dirty="0" err="1">
                 <a:solidFill>
                   <a:schemeClr val="accent4"/>
                 </a:solidFill>
@@ -45654,18 +45269,13 @@
               <a:t>posId</a:t>
             </a:r>
             <a:r>
-              <a:rPr lang="en-GB" sz="1100" b="1" dirty="0" smtClean="0">
+              <a:rPr lang="en-GB" sz="1100" b="1" dirty="0">
                 <a:solidFill>
                   <a:schemeClr val="accent4"/>
                 </a:solidFill>
               </a:rPr>
               <a:t>}</a:t>
             </a:r>
-            <a:endParaRPr lang="en-GB" sz="1100" b="1" dirty="0">
-              <a:solidFill>
-                <a:schemeClr val="accent4"/>
-              </a:solidFill>
-            </a:endParaRPr>
           </a:p>
         </p:txBody>
       </p:sp>
@@ -45693,7 +45303,7 @@
           <a:p>
             <a:pPr algn="ctr"/>
             <a:r>
-              <a:rPr lang="da-DK" sz="1100" b="1" dirty="0" smtClean="0">
+              <a:rPr lang="da-DK" sz="1100" b="1" dirty="0">
                 <a:solidFill>
                   <a:schemeClr val="accent4"/>
                 </a:solidFill>
@@ -46014,7 +45624,7 @@
             <a:p>
               <a:pPr algn="ctr"/>
               <a:r>
-                <a:rPr lang="da-DK" sz="1100" b="1" dirty="0" smtClean="0">
+                <a:rPr lang="da-DK" sz="1100" b="1" dirty="0">
                   <a:solidFill>
                     <a:schemeClr val="accent4"/>
                   </a:solidFill>
@@ -46022,18 +45632,13 @@
                 <a:t>POST /</a:t>
               </a:r>
               <a:r>
-                <a:rPr lang="en-GB" sz="1100" b="1" dirty="0" smtClean="0">
+                <a:rPr lang="en-GB" sz="1100" b="1" dirty="0">
                   <a:solidFill>
                     <a:schemeClr val="accent4"/>
                   </a:solidFill>
                 </a:rPr>
                 <a:t>payments</a:t>
               </a:r>
-              <a:endParaRPr lang="en-GB" sz="1100" b="1" dirty="0">
-                <a:solidFill>
-                  <a:schemeClr val="accent4"/>
-                </a:solidFill>
-              </a:endParaRPr>
             </a:p>
           </p:txBody>
         </p:sp>
@@ -46061,7 +45666,7 @@
             <a:p>
               <a:pPr algn="ctr"/>
               <a:r>
-                <a:rPr lang="da-DK" sz="1100" b="1" dirty="0" smtClean="0">
+                <a:rPr lang="da-DK" sz="1100" b="1" dirty="0">
                   <a:solidFill>
                     <a:schemeClr val="accent4"/>
                   </a:solidFill>
@@ -46069,7 +45674,7 @@
                 <a:t>HTTP 409 – Payment </a:t>
               </a:r>
               <a:r>
-                <a:rPr lang="da-DK" sz="1100" b="1" dirty="0" err="1" smtClean="0">
+                <a:rPr lang="da-DK" sz="1100" b="1" dirty="0" err="1">
                   <a:solidFill>
                     <a:schemeClr val="accent4"/>
                   </a:solidFill>
@@ -46077,7 +45682,7 @@
                 <a:t>already</a:t>
               </a:r>
               <a:r>
-                <a:rPr lang="da-DK" sz="1100" b="1" dirty="0" smtClean="0">
+                <a:rPr lang="da-DK" sz="1100" b="1" dirty="0">
                   <a:solidFill>
                     <a:schemeClr val="accent4"/>
                   </a:solidFill>
@@ -46085,7 +45690,7 @@
                 <a:t> </a:t>
               </a:r>
               <a:r>
-                <a:rPr lang="da-DK" sz="1100" b="1" dirty="0" err="1" smtClean="0">
+                <a:rPr lang="da-DK" sz="1100" b="1" dirty="0" err="1">
                   <a:solidFill>
                     <a:schemeClr val="accent4"/>
                   </a:solidFill>
@@ -46261,7 +45866,7 @@
             <a:p>
               <a:pPr algn="ctr"/>
               <a:r>
-                <a:rPr lang="da-DK" sz="1100" b="1" dirty="0" smtClean="0">
+                <a:rPr lang="da-DK" sz="1100" b="1" dirty="0">
                   <a:solidFill>
                     <a:schemeClr val="accent4"/>
                   </a:solidFill>
@@ -46269,7 +45874,7 @@
                 <a:t>GET /</a:t>
               </a:r>
               <a:r>
-                <a:rPr lang="en-GB" sz="1100" b="1" dirty="0" err="1" smtClean="0">
+                <a:rPr lang="en-GB" sz="1100" b="1" dirty="0" err="1">
                   <a:solidFill>
                     <a:schemeClr val="accent4"/>
                   </a:solidFill>
@@ -46277,7 +45882,7 @@
                 <a:t>payments?orderId</a:t>
               </a:r>
               <a:r>
-                <a:rPr lang="en-GB" sz="1100" b="1" dirty="0" smtClean="0">
+                <a:rPr lang="en-GB" sz="1100" b="1" dirty="0">
                   <a:solidFill>
                     <a:schemeClr val="accent4"/>
                   </a:solidFill>
@@ -46285,7 +45890,7 @@
                 <a:t>=…&amp;</a:t>
               </a:r>
               <a:r>
-                <a:rPr lang="en-GB" sz="1100" b="1" dirty="0" err="1" smtClean="0">
+                <a:rPr lang="en-GB" sz="1100" b="1" dirty="0" err="1">
                   <a:solidFill>
                     <a:schemeClr val="accent4"/>
                   </a:solidFill>
@@ -46293,18 +45898,13 @@
                 <a:t>posId</a:t>
               </a:r>
               <a:r>
-                <a:rPr lang="en-GB" sz="1100" b="1" dirty="0" smtClean="0">
+                <a:rPr lang="en-GB" sz="1100" b="1" dirty="0">
                   <a:solidFill>
                     <a:schemeClr val="accent4"/>
                   </a:solidFill>
                 </a:rPr>
                 <a:t>=…</a:t>
               </a:r>
-              <a:endParaRPr lang="en-GB" sz="1100" b="1" dirty="0">
-                <a:solidFill>
-                  <a:schemeClr val="accent4"/>
-                </a:solidFill>
-              </a:endParaRPr>
             </a:p>
           </p:txBody>
         </p:sp>
@@ -46332,7 +45932,7 @@
             <a:p>
               <a:pPr algn="ctr"/>
               <a:r>
-                <a:rPr lang="en-GB" sz="1100" b="1" dirty="0" smtClean="0">
+                <a:rPr lang="en-GB" sz="1100" b="1" dirty="0">
                   <a:solidFill>
                     <a:schemeClr val="accent4"/>
                   </a:solidFill>
@@ -46340,7 +45940,7 @@
                 <a:t>[</a:t>
               </a:r>
               <a:r>
-                <a:rPr lang="en-GB" sz="1100" b="1" dirty="0" err="1" smtClean="0">
+                <a:rPr lang="en-GB" sz="1100" b="1" dirty="0" err="1">
                   <a:solidFill>
                     <a:schemeClr val="accent4"/>
                   </a:solidFill>
@@ -46348,18 +45948,13 @@
                 <a:t>paymentId</a:t>
               </a:r>
               <a:r>
-                <a:rPr lang="en-GB" sz="1100" b="1" dirty="0" smtClean="0">
+                <a:rPr lang="en-GB" sz="1100" b="1" dirty="0">
                   <a:solidFill>
                     <a:schemeClr val="accent4"/>
                   </a:solidFill>
                 </a:rPr>
                 <a:t>]</a:t>
               </a:r>
-              <a:endParaRPr lang="en-GB" sz="1100" b="1" dirty="0">
-                <a:solidFill>
-                  <a:schemeClr val="accent4"/>
-                </a:solidFill>
-              </a:endParaRPr>
             </a:p>
           </p:txBody>
         </p:sp>
@@ -46456,7 +46051,7 @@
             <a:p>
               <a:pPr algn="ctr"/>
               <a:r>
-                <a:rPr lang="da-DK" sz="1100" b="1" dirty="0" smtClean="0">
+                <a:rPr lang="da-DK" sz="1100" b="1" dirty="0">
                   <a:solidFill>
                     <a:schemeClr val="accent4"/>
                   </a:solidFill>
@@ -46464,7 +46059,7 @@
                 <a:t>POST /</a:t>
               </a:r>
               <a:r>
-                <a:rPr lang="en-GB" sz="1100" b="1" dirty="0" smtClean="0">
+                <a:rPr lang="en-GB" sz="1100" b="1" dirty="0">
                   <a:solidFill>
                     <a:schemeClr val="accent4"/>
                   </a:solidFill>
@@ -46472,7 +46067,7 @@
                 <a:t>payments/{</a:t>
               </a:r>
               <a:r>
-                <a:rPr lang="en-GB" sz="1100" b="1" dirty="0" err="1" smtClean="0">
+                <a:rPr lang="en-GB" sz="1100" b="1" dirty="0" err="1">
                   <a:solidFill>
                     <a:schemeClr val="accent4"/>
                   </a:solidFill>
@@ -46480,18 +46075,13 @@
                 <a:t>paymentId</a:t>
               </a:r>
               <a:r>
-                <a:rPr lang="en-GB" sz="1100" b="1" dirty="0" smtClean="0">
+                <a:rPr lang="en-GB" sz="1100" b="1" dirty="0">
                   <a:solidFill>
                     <a:schemeClr val="accent4"/>
                   </a:solidFill>
                 </a:rPr>
                 <a:t>}/cancel</a:t>
               </a:r>
-              <a:endParaRPr lang="en-GB" sz="1100" b="1" dirty="0">
-                <a:solidFill>
-                  <a:schemeClr val="accent4"/>
-                </a:solidFill>
-              </a:endParaRPr>
             </a:p>
           </p:txBody>
         </p:sp>
@@ -46519,18 +46109,13 @@
             <a:p>
               <a:pPr algn="ctr"/>
               <a:r>
-                <a:rPr lang="en-GB" sz="1100" b="1" dirty="0" smtClean="0">
+                <a:rPr lang="en-GB" sz="1100" b="1" dirty="0">
                   <a:solidFill>
                     <a:schemeClr val="accent4"/>
                   </a:solidFill>
                 </a:rPr>
                 <a:t>OK</a:t>
               </a:r>
-              <a:endParaRPr lang="en-GB" sz="1100" b="1" dirty="0">
-                <a:solidFill>
-                  <a:schemeClr val="accent4"/>
-                </a:solidFill>
-              </a:endParaRPr>
             </a:p>
           </p:txBody>
         </p:sp>
@@ -46627,7 +46212,7 @@
             <a:p>
               <a:pPr algn="ctr"/>
               <a:r>
-                <a:rPr lang="da-DK" sz="1100" b="1" dirty="0" smtClean="0">
+                <a:rPr lang="da-DK" sz="1100" b="1" dirty="0">
                   <a:solidFill>
                     <a:schemeClr val="accent4"/>
                   </a:solidFill>
@@ -46635,18 +46220,13 @@
                 <a:t>POST /</a:t>
               </a:r>
               <a:r>
-                <a:rPr lang="en-GB" sz="1100" b="1" dirty="0" smtClean="0">
+                <a:rPr lang="en-GB" sz="1100" b="1" dirty="0">
                   <a:solidFill>
                     <a:schemeClr val="accent4"/>
                   </a:solidFill>
                 </a:rPr>
                 <a:t>payments</a:t>
               </a:r>
-              <a:endParaRPr lang="en-GB" sz="1100" b="1" dirty="0">
-                <a:solidFill>
-                  <a:schemeClr val="accent4"/>
-                </a:solidFill>
-              </a:endParaRPr>
             </a:p>
           </p:txBody>
         </p:sp>
@@ -46674,7 +46254,7 @@
             <a:p>
               <a:pPr algn="ctr"/>
               <a:r>
-                <a:rPr lang="en-GB" sz="1100" b="1" dirty="0" err="1" smtClean="0">
+                <a:rPr lang="en-GB" sz="1100" b="1" dirty="0" err="1">
                   <a:solidFill>
                     <a:schemeClr val="accent4"/>
                   </a:solidFill>
@@ -46914,7 +46494,7 @@
           <a:p>
             <a:pPr algn="ctr"/>
             <a:r>
-              <a:rPr lang="da-DK" sz="1100" b="1" dirty="0" smtClean="0">
+              <a:rPr lang="da-DK" sz="1100" b="1" dirty="0">
                 <a:solidFill>
                   <a:schemeClr val="accent4"/>
                 </a:solidFill>
@@ -46922,7 +46502,7 @@
               <a:t>GET /</a:t>
             </a:r>
             <a:r>
-              <a:rPr lang="en-GB" sz="1100" b="1" dirty="0" err="1" smtClean="0">
+              <a:rPr lang="en-GB" sz="1100" b="1" dirty="0" err="1">
                 <a:solidFill>
                   <a:schemeClr val="accent4"/>
                 </a:solidFill>
@@ -46930,7 +46510,7 @@
               <a:t>payments?orderId</a:t>
             </a:r>
             <a:r>
-              <a:rPr lang="en-GB" sz="1100" b="1" dirty="0" smtClean="0">
+              <a:rPr lang="en-GB" sz="1100" b="1" dirty="0">
                 <a:solidFill>
                   <a:schemeClr val="accent4"/>
                 </a:solidFill>
@@ -46938,7 +46518,7 @@
               <a:t>=…&amp;</a:t>
             </a:r>
             <a:r>
-              <a:rPr lang="en-GB" sz="1100" b="1" dirty="0" err="1" smtClean="0">
+              <a:rPr lang="en-GB" sz="1100" b="1" dirty="0" err="1">
                 <a:solidFill>
                   <a:schemeClr val="accent4"/>
                 </a:solidFill>
@@ -46946,18 +46526,13 @@
               <a:t>posId</a:t>
             </a:r>
             <a:r>
-              <a:rPr lang="en-GB" sz="1100" b="1" dirty="0" smtClean="0">
+              <a:rPr lang="en-GB" sz="1100" b="1" dirty="0">
                 <a:solidFill>
                   <a:schemeClr val="accent4"/>
                 </a:solidFill>
               </a:rPr>
               <a:t>=…</a:t>
             </a:r>
-            <a:endParaRPr lang="en-GB" sz="1100" b="1" dirty="0">
-              <a:solidFill>
-                <a:schemeClr val="accent4"/>
-              </a:solidFill>
-            </a:endParaRPr>
           </a:p>
         </p:txBody>
       </p:sp>
@@ -46985,7 +46560,7 @@
           <a:p>
             <a:pPr algn="ctr"/>
             <a:r>
-              <a:rPr lang="en-GB" sz="1100" b="1" dirty="0" smtClean="0">
+              <a:rPr lang="en-GB" sz="1100" b="1" dirty="0">
                 <a:solidFill>
                   <a:schemeClr val="accent4"/>
                 </a:solidFill>
@@ -46993,7 +46568,7 @@
               <a:t>[</a:t>
             </a:r>
             <a:r>
-              <a:rPr lang="en-GB" sz="1100" b="1" dirty="0" err="1" smtClean="0">
+              <a:rPr lang="en-GB" sz="1100" b="1" dirty="0" err="1">
                 <a:solidFill>
                   <a:schemeClr val="accent4"/>
                 </a:solidFill>
@@ -47001,18 +46576,13 @@
               <a:t>paymentId</a:t>
             </a:r>
             <a:r>
-              <a:rPr lang="en-GB" sz="1100" b="1" dirty="0" smtClean="0">
+              <a:rPr lang="en-GB" sz="1100" b="1" dirty="0">
                 <a:solidFill>
                   <a:schemeClr val="accent4"/>
                 </a:solidFill>
               </a:rPr>
               <a:t>]</a:t>
             </a:r>
-            <a:endParaRPr lang="en-GB" sz="1100" b="1" dirty="0">
-              <a:solidFill>
-                <a:schemeClr val="accent4"/>
-              </a:solidFill>
-            </a:endParaRPr>
           </a:p>
         </p:txBody>
       </p:sp>
@@ -47177,7 +46747,7 @@
           <a:p>
             <a:pPr algn="ctr"/>
             <a:r>
-              <a:rPr lang="da-DK" sz="1100" b="1" dirty="0" smtClean="0">
+              <a:rPr lang="da-DK" sz="1100" b="1" dirty="0">
                 <a:solidFill>
                   <a:schemeClr val="accent4"/>
                 </a:solidFill>
@@ -47185,7 +46755,7 @@
               <a:t>POST /</a:t>
             </a:r>
             <a:r>
-              <a:rPr lang="en-GB" sz="1100" b="1" dirty="0" smtClean="0">
+              <a:rPr lang="en-GB" sz="1100" b="1" dirty="0">
                 <a:solidFill>
                   <a:schemeClr val="accent4"/>
                 </a:solidFill>
@@ -47193,7 +46763,7 @@
               <a:t>payments/{</a:t>
             </a:r>
             <a:r>
-              <a:rPr lang="en-GB" sz="1100" b="1" dirty="0" err="1" smtClean="0">
+              <a:rPr lang="en-GB" sz="1100" b="1" dirty="0" err="1">
                 <a:solidFill>
                   <a:schemeClr val="accent4"/>
                 </a:solidFill>
@@ -47201,18 +46771,13 @@
               <a:t>paymentId</a:t>
             </a:r>
             <a:r>
-              <a:rPr lang="en-GB" sz="1100" b="1" dirty="0" smtClean="0">
+              <a:rPr lang="en-GB" sz="1100" b="1" dirty="0">
                 <a:solidFill>
                   <a:schemeClr val="accent4"/>
                 </a:solidFill>
               </a:rPr>
               <a:t>}/(cancel | capture)</a:t>
             </a:r>
-            <a:endParaRPr lang="en-GB" sz="1100" b="1" dirty="0">
-              <a:solidFill>
-                <a:schemeClr val="accent4"/>
-              </a:solidFill>
-            </a:endParaRPr>
           </a:p>
         </p:txBody>
       </p:sp>
@@ -47240,18 +46805,13 @@
           <a:p>
             <a:pPr algn="ctr"/>
             <a:r>
-              <a:rPr lang="en-GB" sz="1100" b="1" dirty="0" smtClean="0">
+              <a:rPr lang="en-GB" sz="1100" b="1" dirty="0">
                 <a:solidFill>
                   <a:schemeClr val="accent4"/>
                 </a:solidFill>
               </a:rPr>
               <a:t>OK</a:t>
             </a:r>
-            <a:endParaRPr lang="en-GB" sz="1100" b="1" dirty="0">
-              <a:solidFill>
-                <a:schemeClr val="accent4"/>
-              </a:solidFill>
-            </a:endParaRPr>
           </a:p>
         </p:txBody>
       </p:sp>
@@ -47300,21 +46860,8 @@
                   <a:schemeClr val="accent6"/>
                 </a:solidFill>
               </a:rPr>
-              <a:t> </a:t>
-            </a:r>
-            <a:r>
-              <a:rPr lang="da-DK" sz="1100" b="1" dirty="0" smtClean="0">
-                <a:solidFill>
-                  <a:schemeClr val="accent6"/>
-                </a:solidFill>
-              </a:rPr>
-              <a:t>LOOP</a:t>
-            </a:r>
-            <a:endParaRPr lang="da-DK" sz="1100" b="1" dirty="0">
-              <a:solidFill>
-                <a:schemeClr val="accent6"/>
-              </a:solidFill>
-            </a:endParaRPr>
+              <a:t> LOOP</a:t>
+            </a:r>
           </a:p>
           <a:p>
             <a:endParaRPr lang="da-DK" sz="1100" dirty="0"/>
@@ -47415,14 +46962,14 @@
             <a:p>
               <a:pPr algn="ctr"/>
               <a:r>
-                <a:rPr lang="da-DK" sz="1200" b="1" dirty="0" err="1" smtClean="0">
+                <a:rPr lang="da-DK" sz="1200" b="1" dirty="0" err="1">
                   <a:solidFill>
                     <a:schemeClr val="tx1"/>
                   </a:solidFill>
                 </a:rPr>
                 <a:t>Prepared</a:t>
               </a:r>
-              <a:endParaRPr lang="en-GB" sz="1200" b="1" dirty="0" err="1" smtClean="0">
+              <a:endParaRPr lang="en-GB" sz="1200" b="1" dirty="0" err="1">
                 <a:solidFill>
                   <a:schemeClr val="tx1"/>
                 </a:solidFill>
@@ -47471,14 +47018,14 @@
             <a:p>
               <a:pPr algn="ctr"/>
               <a:r>
-                <a:rPr lang="da-DK" sz="1200" b="1" dirty="0" err="1" smtClean="0">
+                <a:rPr lang="da-DK" sz="1200" b="1" dirty="0" err="1">
                   <a:solidFill>
                     <a:schemeClr val="tx1"/>
                   </a:solidFill>
                 </a:rPr>
                 <a:t>Initiated</a:t>
               </a:r>
-              <a:endParaRPr lang="en-GB" sz="1200" b="1" dirty="0" err="1" smtClean="0">
+              <a:endParaRPr lang="en-GB" sz="1200" b="1" dirty="0" err="1">
                 <a:solidFill>
                   <a:schemeClr val="tx1"/>
                 </a:solidFill>
@@ -47527,14 +47074,14 @@
             <a:p>
               <a:pPr algn="ctr"/>
               <a:r>
-                <a:rPr lang="da-DK" sz="1200" b="1" dirty="0" err="1" smtClean="0">
+                <a:rPr lang="da-DK" sz="1200" b="1" dirty="0" err="1">
                   <a:solidFill>
                     <a:schemeClr val="tx1"/>
                   </a:solidFill>
                 </a:rPr>
                 <a:t>IssuedToUser</a:t>
               </a:r>
-              <a:endParaRPr lang="en-GB" sz="1200" b="1" dirty="0" err="1" smtClean="0">
+              <a:endParaRPr lang="en-GB" sz="1200" b="1" dirty="0" err="1">
                 <a:solidFill>
                   <a:schemeClr val="tx1"/>
                 </a:solidFill>
@@ -47618,37 +47165,29 @@
             <a:p>
               <a:pPr algn="ctr"/>
               <a:r>
-                <a:rPr lang="da-DK" sz="1200" b="1" dirty="0" err="1" smtClean="0">
+                <a:rPr lang="da-DK" sz="1200" b="1" dirty="0" err="1">
                   <a:solidFill>
                     <a:schemeClr val="tx1"/>
                   </a:solidFill>
                 </a:rPr>
                 <a:t>Cancelled</a:t>
               </a:r>
-              <a:r>
-                <a:rPr lang="da-DK" sz="1200" b="1" dirty="0" smtClean="0">
-                  <a:solidFill>
-                    <a:schemeClr val="tx1"/>
-                  </a:solidFill>
-                </a:rPr>
-                <a:t/>
-              </a:r>
               <a:br>
-                <a:rPr lang="da-DK" sz="1200" b="1" dirty="0" smtClean="0">
+                <a:rPr lang="da-DK" sz="1200" b="1" dirty="0">
                   <a:solidFill>
                     <a:schemeClr val="tx1"/>
                   </a:solidFill>
                 </a:rPr>
               </a:br>
               <a:r>
-                <a:rPr lang="da-DK" sz="1200" b="1" dirty="0" err="1" smtClean="0">
+                <a:rPr lang="da-DK" sz="1200" b="1" dirty="0" err="1">
                   <a:solidFill>
                     <a:schemeClr val="tx1"/>
                   </a:solidFill>
                 </a:rPr>
                 <a:t>ByMobilePay</a:t>
               </a:r>
-              <a:endParaRPr lang="en-GB" sz="1200" b="1" dirty="0" err="1" smtClean="0">
+              <a:endParaRPr lang="en-GB" sz="1200" b="1" dirty="0" err="1">
                 <a:solidFill>
                   <a:schemeClr val="tx1"/>
                 </a:solidFill>
@@ -47733,37 +47272,29 @@
             <a:p>
               <a:pPr algn="ctr"/>
               <a:r>
-                <a:rPr lang="da-DK" sz="1200" b="1" dirty="0" err="1" smtClean="0">
+                <a:rPr lang="da-DK" sz="1200" b="1" dirty="0" err="1">
                   <a:solidFill>
                     <a:schemeClr val="tx1"/>
                   </a:solidFill>
                 </a:rPr>
                 <a:t>Cancelled</a:t>
               </a:r>
-              <a:r>
-                <a:rPr lang="da-DK" sz="1200" b="1" dirty="0" smtClean="0">
-                  <a:solidFill>
-                    <a:schemeClr val="tx1"/>
-                  </a:solidFill>
-                </a:rPr>
-                <a:t/>
-              </a:r>
               <a:br>
-                <a:rPr lang="da-DK" sz="1200" b="1" dirty="0" smtClean="0">
+                <a:rPr lang="da-DK" sz="1200" b="1" dirty="0">
                   <a:solidFill>
                     <a:schemeClr val="tx1"/>
                   </a:solidFill>
                 </a:rPr>
               </a:br>
               <a:r>
-                <a:rPr lang="da-DK" sz="1200" b="1" dirty="0" err="1" smtClean="0">
+                <a:rPr lang="da-DK" sz="1200" b="1" dirty="0" err="1">
                   <a:solidFill>
                     <a:schemeClr val="tx1"/>
                   </a:solidFill>
                 </a:rPr>
                 <a:t>ByUser</a:t>
               </a:r>
-              <a:endParaRPr lang="en-GB" sz="1200" b="1" dirty="0" err="1" smtClean="0">
+              <a:endParaRPr lang="en-GB" sz="1200" b="1" dirty="0" err="1">
                 <a:solidFill>
                   <a:schemeClr val="tx1"/>
                 </a:solidFill>
@@ -47812,37 +47343,29 @@
             <a:p>
               <a:pPr algn="ctr"/>
               <a:r>
-                <a:rPr lang="da-DK" sz="1200" b="1" dirty="0" err="1" smtClean="0">
+                <a:rPr lang="da-DK" sz="1200" b="1" dirty="0" err="1">
                   <a:solidFill>
                     <a:schemeClr val="tx1"/>
                   </a:solidFill>
                 </a:rPr>
                 <a:t>Cancelled</a:t>
               </a:r>
-              <a:r>
-                <a:rPr lang="da-DK" sz="1200" b="1" dirty="0" smtClean="0">
-                  <a:solidFill>
-                    <a:schemeClr val="tx1"/>
-                  </a:solidFill>
-                </a:rPr>
-                <a:t/>
-              </a:r>
               <a:br>
-                <a:rPr lang="da-DK" sz="1200" b="1" dirty="0" smtClean="0">
+                <a:rPr lang="da-DK" sz="1200" b="1" dirty="0">
                   <a:solidFill>
                     <a:schemeClr val="tx1"/>
                   </a:solidFill>
                 </a:rPr>
               </a:br>
               <a:r>
-                <a:rPr lang="da-DK" sz="1200" b="1" dirty="0" err="1" smtClean="0">
+                <a:rPr lang="da-DK" sz="1200" b="1" dirty="0" err="1">
                   <a:solidFill>
                     <a:schemeClr val="tx1"/>
                   </a:solidFill>
                 </a:rPr>
                 <a:t>ByClient</a:t>
               </a:r>
-              <a:endParaRPr lang="en-GB" sz="1200" b="1" dirty="0" err="1" smtClean="0">
+              <a:endParaRPr lang="en-GB" sz="1200" b="1" dirty="0" err="1">
                 <a:solidFill>
                   <a:schemeClr val="tx1"/>
                 </a:solidFill>
@@ -47965,14 +47488,14 @@
             <a:p>
               <a:pPr algn="ctr"/>
               <a:r>
-                <a:rPr lang="da-DK" sz="1200" b="1" dirty="0" err="1" smtClean="0">
+                <a:rPr lang="da-DK" sz="1200" b="1" dirty="0" err="1">
                   <a:solidFill>
                     <a:schemeClr val="tx1"/>
                   </a:solidFill>
                 </a:rPr>
                 <a:t>Captured</a:t>
               </a:r>
-              <a:endParaRPr lang="en-GB" sz="1200" b="1" dirty="0" err="1" smtClean="0">
+              <a:endParaRPr lang="en-GB" sz="1200" b="1" dirty="0" err="1">
                 <a:solidFill>
                   <a:schemeClr val="tx1"/>
                 </a:solidFill>
@@ -48021,14 +47544,14 @@
             <a:p>
               <a:pPr algn="ctr"/>
               <a:r>
-                <a:rPr lang="da-DK" sz="1200" b="1" dirty="0" err="1" smtClean="0">
+                <a:rPr lang="da-DK" sz="1200" b="1" dirty="0" err="1">
                   <a:solidFill>
                     <a:schemeClr val="tx1"/>
                   </a:solidFill>
                 </a:rPr>
                 <a:t>Paired</a:t>
               </a:r>
-              <a:endParaRPr lang="en-GB" sz="1200" b="1" dirty="0" err="1" smtClean="0">
+              <a:endParaRPr lang="en-GB" sz="1200" b="1" dirty="0" err="1">
                 <a:solidFill>
                   <a:schemeClr val="tx1"/>
                 </a:solidFill>
@@ -48416,13 +47939,6 @@
   <p:clrMapOvr>
     <a:masterClrMapping/>
   </p:clrMapOvr>
-  <p:timing>
-    <p:tnLst>
-      <p:par>
-        <p:cTn id="1" dur="indefinite" restart="never" nodeType="tmRoot"/>
-      </p:par>
-    </p:tnLst>
-  </p:timing>
 </p:sld>
 </file>
 
@@ -48637,7 +48153,7 @@
           <a:p>
             <a:pPr algn="ctr"/>
             <a:r>
-              <a:rPr lang="da-DK" sz="1100" b="1" dirty="0" smtClean="0">
+              <a:rPr lang="da-DK" sz="1100" b="1" dirty="0">
                 <a:solidFill>
                   <a:schemeClr val="accent4"/>
                 </a:solidFill>
@@ -48645,7 +48161,7 @@
               <a:t>GET /</a:t>
             </a:r>
             <a:r>
-              <a:rPr lang="da-DK" sz="1100" b="1" dirty="0" err="1" smtClean="0">
+              <a:rPr lang="da-DK" sz="1100" b="1" dirty="0" err="1">
                 <a:solidFill>
                   <a:schemeClr val="accent4"/>
                 </a:solidFill>
@@ -48653,7 +48169,7 @@
               <a:t>stores?merchantBrandId</a:t>
             </a:r>
             <a:r>
-              <a:rPr lang="da-DK" sz="1100" b="1" dirty="0" smtClean="0">
+              <a:rPr lang="da-DK" sz="1100" b="1" dirty="0">
                 <a:solidFill>
                   <a:schemeClr val="accent4"/>
                 </a:solidFill>
@@ -48661,7 +48177,7 @@
               <a:t>=…&amp;</a:t>
             </a:r>
             <a:r>
-              <a:rPr lang="da-DK" sz="1100" b="1" dirty="0" err="1" smtClean="0">
+              <a:rPr lang="da-DK" sz="1100" b="1" dirty="0" err="1">
                 <a:solidFill>
                   <a:schemeClr val="accent4"/>
                 </a:solidFill>
@@ -48669,7 +48185,7 @@
               <a:t>merchantLocationId</a:t>
             </a:r>
             <a:r>
-              <a:rPr lang="da-DK" sz="1100" b="1" dirty="0" smtClean="0">
+              <a:rPr lang="da-DK" sz="1100" b="1" dirty="0">
                 <a:solidFill>
                   <a:schemeClr val="accent4"/>
                 </a:solidFill>
@@ -48708,7 +48224,7 @@
           <a:p>
             <a:pPr algn="ctr"/>
             <a:r>
-              <a:rPr lang="da-DK" sz="1100" b="1" dirty="0" smtClean="0">
+              <a:rPr lang="da-DK" sz="1100" b="1" dirty="0">
                 <a:solidFill>
                   <a:schemeClr val="accent4"/>
                 </a:solidFill>
@@ -48716,7 +48232,7 @@
               <a:t>[</a:t>
             </a:r>
             <a:r>
-              <a:rPr lang="da-DK" sz="1100" b="1" dirty="0" err="1" smtClean="0">
+              <a:rPr lang="da-DK" sz="1100" b="1" dirty="0" err="1">
                 <a:solidFill>
                   <a:schemeClr val="accent4"/>
                 </a:solidFill>
@@ -48724,7 +48240,7 @@
               <a:t>storeId</a:t>
             </a:r>
             <a:r>
-              <a:rPr lang="da-DK" sz="1100" b="1" dirty="0" smtClean="0">
+              <a:rPr lang="da-DK" sz="1100" b="1" dirty="0">
                 <a:solidFill>
                   <a:schemeClr val="accent4"/>
                 </a:solidFill>
@@ -48892,14 +48408,14 @@
             <a:p>
               <a:pPr algn="ctr"/>
               <a:r>
-                <a:rPr lang="da-DK" sz="1200" b="1" dirty="0" err="1" smtClean="0">
+                <a:rPr lang="da-DK" sz="1200" b="1" dirty="0" err="1">
                   <a:solidFill>
                     <a:schemeClr val="tx1"/>
                   </a:solidFill>
                 </a:rPr>
                 <a:t>Initiated</a:t>
               </a:r>
-              <a:endParaRPr lang="en-GB" sz="1200" b="1" dirty="0" err="1" smtClean="0">
+              <a:endParaRPr lang="en-GB" sz="1200" b="1" dirty="0" err="1">
                 <a:solidFill>
                   <a:schemeClr val="tx1"/>
                 </a:solidFill>
@@ -48948,20 +48464,12 @@
             <a:p>
               <a:pPr algn="ctr"/>
               <a:r>
-                <a:rPr lang="da-DK" sz="1200" b="1" dirty="0" err="1" smtClean="0">
+                <a:rPr lang="da-DK" sz="1200" b="1" dirty="0" err="1">
                   <a:solidFill>
                     <a:schemeClr val="tx1"/>
                   </a:solidFill>
                 </a:rPr>
                 <a:t>Issued</a:t>
-              </a:r>
-              <a:r>
-                <a:rPr lang="da-DK" sz="1200" b="1" dirty="0">
-                  <a:solidFill>
-                    <a:schemeClr val="tx1"/>
-                  </a:solidFill>
-                </a:rPr>
-                <a:t/>
               </a:r>
               <a:br>
                 <a:rPr lang="da-DK" sz="1200" b="1" dirty="0">
@@ -48971,14 +48479,14 @@
                 </a:rPr>
               </a:br>
               <a:r>
-                <a:rPr lang="da-DK" sz="1200" b="1" dirty="0" err="1" smtClean="0">
+                <a:rPr lang="da-DK" sz="1200" b="1" dirty="0" err="1">
                   <a:solidFill>
                     <a:schemeClr val="tx1"/>
                   </a:solidFill>
                 </a:rPr>
                 <a:t>ToUser</a:t>
               </a:r>
-              <a:endParaRPr lang="en-GB" sz="1200" b="1" dirty="0" err="1" smtClean="0">
+              <a:endParaRPr lang="en-GB" sz="1200" b="1" dirty="0" err="1">
                 <a:solidFill>
                   <a:schemeClr val="tx1"/>
                 </a:solidFill>
@@ -49027,14 +48535,14 @@
             <a:p>
               <a:pPr algn="ctr"/>
               <a:r>
-                <a:rPr lang="da-DK" sz="1200" b="1" dirty="0" err="1" smtClean="0">
+                <a:rPr lang="da-DK" sz="1200" b="1" dirty="0" err="1">
                   <a:solidFill>
                     <a:schemeClr val="tx1"/>
                   </a:solidFill>
                 </a:rPr>
                 <a:t>Reserved</a:t>
               </a:r>
-              <a:endParaRPr lang="en-GB" sz="1200" b="1" dirty="0" err="1" smtClean="0">
+              <a:endParaRPr lang="en-GB" sz="1200" b="1" dirty="0" err="1">
                 <a:solidFill>
                   <a:schemeClr val="tx1"/>
                 </a:solidFill>
@@ -49190,37 +48698,29 @@
             <a:p>
               <a:pPr algn="ctr"/>
               <a:r>
-                <a:rPr lang="da-DK" sz="1200" b="1" dirty="0" err="1" smtClean="0">
+                <a:rPr lang="da-DK" sz="1200" b="1" dirty="0" err="1">
                   <a:solidFill>
                     <a:schemeClr val="tx1"/>
                   </a:solidFill>
                 </a:rPr>
                 <a:t>Cancelled</a:t>
               </a:r>
-              <a:r>
-                <a:rPr lang="da-DK" sz="1200" b="1" dirty="0" smtClean="0">
-                  <a:solidFill>
-                    <a:schemeClr val="tx1"/>
-                  </a:solidFill>
-                </a:rPr>
-                <a:t/>
-              </a:r>
               <a:br>
-                <a:rPr lang="da-DK" sz="1200" b="1" dirty="0" smtClean="0">
+                <a:rPr lang="da-DK" sz="1200" b="1" dirty="0">
                   <a:solidFill>
                     <a:schemeClr val="tx1"/>
                   </a:solidFill>
                 </a:rPr>
               </a:br>
               <a:r>
-                <a:rPr lang="da-DK" sz="1200" b="1" dirty="0" err="1" smtClean="0">
+                <a:rPr lang="da-DK" sz="1200" b="1" dirty="0" err="1">
                   <a:solidFill>
                     <a:schemeClr val="tx1"/>
                   </a:solidFill>
                 </a:rPr>
                 <a:t>ByMobilePay</a:t>
               </a:r>
-              <a:endParaRPr lang="en-GB" sz="1200" b="1" dirty="0" err="1" smtClean="0">
+              <a:endParaRPr lang="en-GB" sz="1200" b="1" dirty="0" err="1">
                 <a:solidFill>
                   <a:schemeClr val="tx1"/>
                 </a:solidFill>
@@ -49341,37 +48841,29 @@
             <a:p>
               <a:pPr algn="ctr"/>
               <a:r>
-                <a:rPr lang="da-DK" sz="1200" b="1" dirty="0" err="1" smtClean="0">
+                <a:rPr lang="da-DK" sz="1200" b="1" dirty="0" err="1">
                   <a:solidFill>
                     <a:schemeClr val="tx1"/>
                   </a:solidFill>
                 </a:rPr>
                 <a:t>Cancelled</a:t>
               </a:r>
-              <a:r>
-                <a:rPr lang="da-DK" sz="1200" b="1" dirty="0" smtClean="0">
-                  <a:solidFill>
-                    <a:schemeClr val="tx1"/>
-                  </a:solidFill>
-                </a:rPr>
-                <a:t/>
-              </a:r>
               <a:br>
-                <a:rPr lang="da-DK" sz="1200" b="1" dirty="0" smtClean="0">
+                <a:rPr lang="da-DK" sz="1200" b="1" dirty="0">
                   <a:solidFill>
                     <a:schemeClr val="tx1"/>
                   </a:solidFill>
                 </a:rPr>
               </a:br>
               <a:r>
-                <a:rPr lang="da-DK" sz="1200" b="1" dirty="0" err="1" smtClean="0">
+                <a:rPr lang="da-DK" sz="1200" b="1" dirty="0" err="1">
                   <a:solidFill>
                     <a:schemeClr val="tx1"/>
                   </a:solidFill>
                 </a:rPr>
                 <a:t>ByUser</a:t>
               </a:r>
-              <a:endParaRPr lang="en-GB" sz="1200" b="1" dirty="0" err="1" smtClean="0">
+              <a:endParaRPr lang="en-GB" sz="1200" b="1" dirty="0" err="1">
                 <a:solidFill>
                   <a:schemeClr val="tx1"/>
                 </a:solidFill>
@@ -49456,37 +48948,29 @@
             <a:p>
               <a:pPr algn="ctr"/>
               <a:r>
-                <a:rPr lang="da-DK" sz="1200" b="1" dirty="0" err="1" smtClean="0">
+                <a:rPr lang="da-DK" sz="1200" b="1" dirty="0" err="1">
                   <a:solidFill>
                     <a:schemeClr val="tx1"/>
                   </a:solidFill>
                 </a:rPr>
                 <a:t>Cancelled</a:t>
               </a:r>
-              <a:r>
-                <a:rPr lang="da-DK" sz="1200" b="1" dirty="0" smtClean="0">
-                  <a:solidFill>
-                    <a:schemeClr val="tx1"/>
-                  </a:solidFill>
-                </a:rPr>
-                <a:t/>
-              </a:r>
               <a:br>
-                <a:rPr lang="da-DK" sz="1200" b="1" dirty="0" smtClean="0">
+                <a:rPr lang="da-DK" sz="1200" b="1" dirty="0">
                   <a:solidFill>
                     <a:schemeClr val="tx1"/>
                   </a:solidFill>
                 </a:rPr>
               </a:br>
               <a:r>
-                <a:rPr lang="da-DK" sz="1200" b="1" dirty="0" err="1" smtClean="0">
+                <a:rPr lang="da-DK" sz="1200" b="1" dirty="0" err="1">
                   <a:solidFill>
                     <a:schemeClr val="tx1"/>
                   </a:solidFill>
                 </a:rPr>
                 <a:t>ByClient</a:t>
               </a:r>
-              <a:endParaRPr lang="en-GB" sz="1200" b="1" dirty="0" err="1" smtClean="0">
+              <a:endParaRPr lang="en-GB" sz="1200" b="1" dirty="0" err="1">
                 <a:solidFill>
                   <a:schemeClr val="tx1"/>
                 </a:solidFill>
@@ -49607,14 +49091,14 @@
             <a:p>
               <a:pPr algn="ctr"/>
               <a:r>
-                <a:rPr lang="da-DK" sz="1200" b="1" dirty="0" err="1" smtClean="0">
+                <a:rPr lang="da-DK" sz="1200" b="1" dirty="0" err="1">
                   <a:solidFill>
                     <a:schemeClr val="tx1"/>
                   </a:solidFill>
                 </a:rPr>
                 <a:t>Captured</a:t>
               </a:r>
-              <a:endParaRPr lang="en-GB" sz="1200" b="1" dirty="0" err="1" smtClean="0">
+              <a:endParaRPr lang="en-GB" sz="1200" b="1" dirty="0" err="1">
                 <a:solidFill>
                   <a:schemeClr val="tx1"/>
                 </a:solidFill>
@@ -49737,37 +49221,29 @@
             <a:p>
               <a:pPr algn="ctr"/>
               <a:r>
-                <a:rPr lang="da-DK" sz="1200" b="1" dirty="0" err="1" smtClean="0">
+                <a:rPr lang="da-DK" sz="1200" b="1" dirty="0" err="1">
                   <a:solidFill>
                     <a:schemeClr val="tx1"/>
                   </a:solidFill>
                 </a:rPr>
                 <a:t>ExpiredAnd</a:t>
               </a:r>
-              <a:r>
-                <a:rPr lang="da-DK" sz="1200" b="1" dirty="0" smtClean="0">
-                  <a:solidFill>
-                    <a:schemeClr val="tx1"/>
-                  </a:solidFill>
-                </a:rPr>
-                <a:t/>
-              </a:r>
               <a:br>
-                <a:rPr lang="da-DK" sz="1200" b="1" dirty="0" smtClean="0">
+                <a:rPr lang="da-DK" sz="1200" b="1" dirty="0">
                   <a:solidFill>
                     <a:schemeClr val="tx1"/>
                   </a:solidFill>
                 </a:rPr>
               </a:br>
               <a:r>
-                <a:rPr lang="da-DK" sz="1200" b="1" dirty="0" err="1" smtClean="0">
+                <a:rPr lang="da-DK" sz="1200" b="1" dirty="0" err="1">
                   <a:solidFill>
                     <a:schemeClr val="tx1"/>
                   </a:solidFill>
                 </a:rPr>
                 <a:t>Cancelled</a:t>
               </a:r>
-              <a:endParaRPr lang="en-GB" sz="1200" b="1" dirty="0" err="1" smtClean="0">
+              <a:endParaRPr lang="en-GB" sz="1200" b="1" dirty="0" err="1">
                 <a:solidFill>
                   <a:schemeClr val="tx1"/>
                 </a:solidFill>
@@ -49811,167 +49287,6 @@
             </a:fontRef>
           </p:style>
         </p:cxnSp>
-        <p:sp>
-          <p:nvSpPr>
-            <p:cNvPr id="23" name="Oval 22"/>
-            <p:cNvSpPr/>
-            <p:nvPr/>
-          </p:nvSpPr>
-          <p:spPr>
-            <a:xfrm>
-              <a:off x="4859540" y="4111813"/>
-              <a:ext cx="1440000" cy="1440000"/>
-            </a:xfrm>
-            <a:prstGeom prst="ellipse">
-              <a:avLst/>
-            </a:prstGeom>
-            <a:ln w="38100"/>
-          </p:spPr>
-          <p:style>
-            <a:lnRef idx="2">
-              <a:schemeClr val="accent5"/>
-            </a:lnRef>
-            <a:fillRef idx="1">
-              <a:schemeClr val="lt1"/>
-            </a:fillRef>
-            <a:effectRef idx="0">
-              <a:schemeClr val="accent5"/>
-            </a:effectRef>
-            <a:fontRef idx="minor">
-              <a:schemeClr val="dk1"/>
-            </a:fontRef>
-          </p:style>
-          <p:txBody>
-            <a:bodyPr rot="0" spcFirstLastPara="0" vertOverflow="overflow" horzOverflow="overflow" vert="horz" wrap="square" lIns="0" tIns="0" rIns="0" bIns="0" numCol="1" spcCol="0" rtlCol="0" fromWordArt="0" anchor="ctr" anchorCtr="0" forceAA="0" compatLnSpc="1">
-              <a:prstTxWarp prst="textNoShape">
-                <a:avLst/>
-              </a:prstTxWarp>
-              <a:noAutofit/>
-            </a:bodyPr>
-            <a:lstStyle/>
-            <a:p>
-              <a:pPr algn="ctr"/>
-              <a:r>
-                <a:rPr lang="da-DK" sz="1200" b="1" dirty="0" err="1" smtClean="0">
-                  <a:solidFill>
-                    <a:schemeClr val="tx1"/>
-                  </a:solidFill>
-                </a:rPr>
-                <a:t>Rejected</a:t>
-              </a:r>
-              <a:r>
-                <a:rPr lang="da-DK" sz="1200" b="1" dirty="0" smtClean="0">
-                  <a:solidFill>
-                    <a:schemeClr val="tx1"/>
-                  </a:solidFill>
-                </a:rPr>
-                <a:t/>
-              </a:r>
-              <a:br>
-                <a:rPr lang="da-DK" sz="1200" b="1" dirty="0" smtClean="0">
-                  <a:solidFill>
-                    <a:schemeClr val="tx1"/>
-                  </a:solidFill>
-                </a:rPr>
-              </a:br>
-              <a:r>
-                <a:rPr lang="da-DK" sz="1200" b="1" dirty="0" err="1" smtClean="0">
-                  <a:solidFill>
-                    <a:schemeClr val="tx1"/>
-                  </a:solidFill>
-                </a:rPr>
-                <a:t>ByMobilePay</a:t>
-              </a:r>
-              <a:r>
-                <a:rPr lang="da-DK" sz="1200" b="1" dirty="0" smtClean="0">
-                  <a:solidFill>
-                    <a:schemeClr val="tx1"/>
-                  </a:solidFill>
-                </a:rPr>
-                <a:t/>
-              </a:r>
-              <a:br>
-                <a:rPr lang="da-DK" sz="1200" b="1" dirty="0" smtClean="0">
-                  <a:solidFill>
-                    <a:schemeClr val="tx1"/>
-                  </a:solidFill>
-                </a:rPr>
-              </a:br>
-              <a:r>
-                <a:rPr lang="da-DK" sz="1200" b="1" dirty="0" err="1" smtClean="0">
-                  <a:solidFill>
-                    <a:schemeClr val="tx1"/>
-                  </a:solidFill>
-                </a:rPr>
-                <a:t>DueToAge</a:t>
-              </a:r>
-              <a:r>
-                <a:rPr lang="da-DK" sz="1200" b="1" dirty="0" smtClean="0">
-                  <a:solidFill>
-                    <a:schemeClr val="tx1"/>
-                  </a:solidFill>
-                </a:rPr>
-                <a:t/>
-              </a:r>
-              <a:br>
-                <a:rPr lang="da-DK" sz="1200" b="1" dirty="0" smtClean="0">
-                  <a:solidFill>
-                    <a:schemeClr val="tx1"/>
-                  </a:solidFill>
-                </a:rPr>
-              </a:br>
-              <a:r>
-                <a:rPr lang="da-DK" sz="1200" b="1" dirty="0" err="1" smtClean="0">
-                  <a:solidFill>
-                    <a:schemeClr val="tx1"/>
-                  </a:solidFill>
-                </a:rPr>
-                <a:t>Restrictions</a:t>
-              </a:r>
-              <a:endParaRPr lang="en-GB" sz="1200" b="1" dirty="0" err="1" smtClean="0">
-                <a:solidFill>
-                  <a:schemeClr val="tx1"/>
-                </a:solidFill>
-              </a:endParaRPr>
-            </a:p>
-          </p:txBody>
-        </p:sp>
-        <p:cxnSp>
-          <p:nvCxnSpPr>
-            <p:cNvPr id="25" name="Elbow Connector 24"/>
-            <p:cNvCxnSpPr>
-              <a:stCxn id="8" idx="4"/>
-              <a:endCxn id="23" idx="2"/>
-            </p:cNvCxnSpPr>
-            <p:nvPr/>
-          </p:nvCxnSpPr>
-          <p:spPr>
-            <a:xfrm rot="16200000" flipH="1">
-              <a:off x="3733810" y="3706083"/>
-              <a:ext cx="698338" cy="1553122"/>
-            </a:xfrm>
-            <a:prstGeom prst="bentConnector2">
-              <a:avLst/>
-            </a:prstGeom>
-            <a:ln w="38100">
-              <a:tailEnd type="triangle"/>
-            </a:ln>
-          </p:spPr>
-          <p:style>
-            <a:lnRef idx="1">
-              <a:schemeClr val="accent5"/>
-            </a:lnRef>
-            <a:fillRef idx="0">
-              <a:schemeClr val="accent5"/>
-            </a:fillRef>
-            <a:effectRef idx="0">
-              <a:schemeClr val="accent5"/>
-            </a:effectRef>
-            <a:fontRef idx="minor">
-              <a:schemeClr val="tx1"/>
-            </a:fontRef>
-          </p:style>
-        </p:cxnSp>
       </p:grpSp>
     </p:spTree>
     <p:extLst>
@@ -49983,13 +49298,6 @@
   <p:clrMapOvr>
     <a:masterClrMapping/>
   </p:clrMapOvr>
-  <p:timing>
-    <p:tnLst>
-      <p:par>
-        <p:cTn id="1" dur="indefinite" restart="never" nodeType="tmRoot"/>
-      </p:par>
-    </p:tnLst>
-  </p:timing>
 </p:sld>
 </file>
 
@@ -50065,14 +49373,14 @@
             <a:p>
               <a:pPr algn="ctr"/>
               <a:r>
-                <a:rPr lang="da-DK" sz="1200" b="1" dirty="0" err="1" smtClean="0">
+                <a:rPr lang="da-DK" sz="1200" b="1" dirty="0" err="1">
                   <a:solidFill>
                     <a:schemeClr val="tx1"/>
                   </a:solidFill>
                 </a:rPr>
                 <a:t>Prepared</a:t>
               </a:r>
-              <a:endParaRPr lang="en-GB" sz="1200" b="1" dirty="0" err="1" smtClean="0">
+              <a:endParaRPr lang="en-GB" sz="1200" b="1" dirty="0" err="1">
                 <a:solidFill>
                   <a:schemeClr val="tx1"/>
                 </a:solidFill>
@@ -50121,20 +49429,12 @@
             <a:p>
               <a:pPr algn="ctr"/>
               <a:r>
-                <a:rPr lang="da-DK" sz="1200" b="1" dirty="0" err="1" smtClean="0">
+                <a:rPr lang="da-DK" sz="1200" b="1" dirty="0" err="1">
                   <a:solidFill>
                     <a:schemeClr val="tx1"/>
                   </a:solidFill>
                 </a:rPr>
                 <a:t>Issued</a:t>
-              </a:r>
-              <a:r>
-                <a:rPr lang="da-DK" sz="1200" b="1" dirty="0">
-                  <a:solidFill>
-                    <a:schemeClr val="tx1"/>
-                  </a:solidFill>
-                </a:rPr>
-                <a:t/>
               </a:r>
               <a:br>
                 <a:rPr lang="da-DK" sz="1200" b="1" dirty="0">
@@ -50144,14 +49444,14 @@
                 </a:rPr>
               </a:br>
               <a:r>
-                <a:rPr lang="da-DK" sz="1200" b="1" dirty="0" err="1" smtClean="0">
+                <a:rPr lang="da-DK" sz="1200" b="1" dirty="0" err="1">
                   <a:solidFill>
                     <a:schemeClr val="tx1"/>
                   </a:solidFill>
                 </a:rPr>
                 <a:t>ToUser</a:t>
               </a:r>
-              <a:endParaRPr lang="en-GB" sz="1200" b="1" dirty="0" err="1" smtClean="0">
+              <a:endParaRPr lang="en-GB" sz="1200" b="1" dirty="0" err="1">
                 <a:solidFill>
                   <a:schemeClr val="tx1"/>
                 </a:solidFill>
@@ -50200,14 +49500,14 @@
             <a:p>
               <a:pPr algn="ctr"/>
               <a:r>
-                <a:rPr lang="da-DK" sz="1200" b="1" dirty="0" err="1" smtClean="0">
+                <a:rPr lang="da-DK" sz="1200" b="1" dirty="0" err="1">
                   <a:solidFill>
                     <a:schemeClr val="tx1"/>
                   </a:solidFill>
                 </a:rPr>
                 <a:t>Reserved</a:t>
               </a:r>
-              <a:endParaRPr lang="en-GB" sz="1200" b="1" dirty="0" err="1" smtClean="0">
+              <a:endParaRPr lang="en-GB" sz="1200" b="1" dirty="0" err="1">
                 <a:solidFill>
                   <a:schemeClr val="tx1"/>
                 </a:solidFill>
@@ -50327,37 +49627,29 @@
             <a:p>
               <a:pPr algn="ctr"/>
               <a:r>
-                <a:rPr lang="da-DK" sz="1200" b="1" dirty="0" err="1" smtClean="0">
+                <a:rPr lang="da-DK" sz="1200" b="1" dirty="0" err="1">
                   <a:solidFill>
                     <a:schemeClr val="tx1"/>
                   </a:solidFill>
                 </a:rPr>
                 <a:t>Cancelled</a:t>
               </a:r>
-              <a:r>
-                <a:rPr lang="da-DK" sz="1200" b="1" dirty="0" smtClean="0">
-                  <a:solidFill>
-                    <a:schemeClr val="tx1"/>
-                  </a:solidFill>
-                </a:rPr>
-                <a:t/>
-              </a:r>
               <a:br>
-                <a:rPr lang="da-DK" sz="1200" b="1" dirty="0" smtClean="0">
+                <a:rPr lang="da-DK" sz="1200" b="1" dirty="0">
                   <a:solidFill>
                     <a:schemeClr val="tx1"/>
                   </a:solidFill>
                 </a:rPr>
               </a:br>
               <a:r>
-                <a:rPr lang="da-DK" sz="1200" b="1" dirty="0" err="1" smtClean="0">
+                <a:rPr lang="da-DK" sz="1200" b="1" dirty="0" err="1">
                   <a:solidFill>
                     <a:schemeClr val="tx1"/>
                   </a:solidFill>
                 </a:rPr>
                 <a:t>ByMobilePay</a:t>
               </a:r>
-              <a:endParaRPr lang="en-GB" sz="1200" b="1" dirty="0" err="1" smtClean="0">
+              <a:endParaRPr lang="en-GB" sz="1200" b="1" dirty="0" err="1">
                 <a:solidFill>
                   <a:schemeClr val="tx1"/>
                 </a:solidFill>
@@ -50478,37 +49770,29 @@
             <a:p>
               <a:pPr algn="ctr"/>
               <a:r>
-                <a:rPr lang="da-DK" sz="1200" b="1" dirty="0" err="1" smtClean="0">
+                <a:rPr lang="da-DK" sz="1200" b="1" dirty="0" err="1">
                   <a:solidFill>
                     <a:schemeClr val="tx1"/>
                   </a:solidFill>
                 </a:rPr>
                 <a:t>Cancelled</a:t>
               </a:r>
-              <a:r>
-                <a:rPr lang="da-DK" sz="1200" b="1" dirty="0" smtClean="0">
-                  <a:solidFill>
-                    <a:schemeClr val="tx1"/>
-                  </a:solidFill>
-                </a:rPr>
-                <a:t/>
-              </a:r>
               <a:br>
-                <a:rPr lang="da-DK" sz="1200" b="1" dirty="0" smtClean="0">
+                <a:rPr lang="da-DK" sz="1200" b="1" dirty="0">
                   <a:solidFill>
                     <a:schemeClr val="tx1"/>
                   </a:solidFill>
                 </a:rPr>
               </a:br>
               <a:r>
-                <a:rPr lang="da-DK" sz="1200" b="1" dirty="0" err="1" smtClean="0">
+                <a:rPr lang="da-DK" sz="1200" b="1" dirty="0" err="1">
                   <a:solidFill>
                     <a:schemeClr val="tx1"/>
                   </a:solidFill>
                 </a:rPr>
                 <a:t>ByUser</a:t>
               </a:r>
-              <a:endParaRPr lang="en-GB" sz="1200" b="1" dirty="0" err="1" smtClean="0">
+              <a:endParaRPr lang="en-GB" sz="1200" b="1" dirty="0" err="1">
                 <a:solidFill>
                   <a:schemeClr val="tx1"/>
                 </a:solidFill>
@@ -50593,37 +49877,29 @@
             <a:p>
               <a:pPr algn="ctr"/>
               <a:r>
-                <a:rPr lang="da-DK" sz="1200" b="1" dirty="0" err="1" smtClean="0">
+                <a:rPr lang="da-DK" sz="1200" b="1" dirty="0" err="1">
                   <a:solidFill>
                     <a:schemeClr val="tx1"/>
                   </a:solidFill>
                 </a:rPr>
                 <a:t>Cancelled</a:t>
               </a:r>
-              <a:r>
-                <a:rPr lang="da-DK" sz="1200" b="1" dirty="0" smtClean="0">
-                  <a:solidFill>
-                    <a:schemeClr val="tx1"/>
-                  </a:solidFill>
-                </a:rPr>
-                <a:t/>
-              </a:r>
               <a:br>
-                <a:rPr lang="da-DK" sz="1200" b="1" dirty="0" smtClean="0">
+                <a:rPr lang="da-DK" sz="1200" b="1" dirty="0">
                   <a:solidFill>
                     <a:schemeClr val="tx1"/>
                   </a:solidFill>
                 </a:rPr>
               </a:br>
               <a:r>
-                <a:rPr lang="da-DK" sz="1200" b="1" dirty="0" err="1" smtClean="0">
+                <a:rPr lang="da-DK" sz="1200" b="1" dirty="0" err="1">
                   <a:solidFill>
                     <a:schemeClr val="tx1"/>
                   </a:solidFill>
                 </a:rPr>
                 <a:t>ByClient</a:t>
               </a:r>
-              <a:endParaRPr lang="en-GB" sz="1200" b="1" dirty="0" err="1" smtClean="0">
+              <a:endParaRPr lang="en-GB" sz="1200" b="1" dirty="0" err="1">
                 <a:solidFill>
                   <a:schemeClr val="tx1"/>
                 </a:solidFill>
@@ -50744,14 +50020,14 @@
             <a:p>
               <a:pPr algn="ctr"/>
               <a:r>
-                <a:rPr lang="da-DK" sz="1200" b="1" dirty="0" err="1" smtClean="0">
+                <a:rPr lang="da-DK" sz="1200" b="1" dirty="0" err="1">
                   <a:solidFill>
                     <a:schemeClr val="tx1"/>
                   </a:solidFill>
                 </a:rPr>
                 <a:t>Captured</a:t>
               </a:r>
-              <a:endParaRPr lang="en-GB" sz="1200" b="1" dirty="0" err="1" smtClean="0">
+              <a:endParaRPr lang="en-GB" sz="1200" b="1" dirty="0" err="1">
                 <a:solidFill>
                   <a:schemeClr val="tx1"/>
                 </a:solidFill>
@@ -50874,37 +50150,29 @@
             <a:p>
               <a:pPr algn="ctr"/>
               <a:r>
-                <a:rPr lang="da-DK" sz="1200" b="1" dirty="0" err="1" smtClean="0">
+                <a:rPr lang="da-DK" sz="1200" b="1" dirty="0" err="1">
                   <a:solidFill>
                     <a:schemeClr val="tx1"/>
                   </a:solidFill>
                 </a:rPr>
                 <a:t>ExpiredAnd</a:t>
               </a:r>
-              <a:r>
-                <a:rPr lang="da-DK" sz="1200" b="1" dirty="0" smtClean="0">
-                  <a:solidFill>
-                    <a:schemeClr val="tx1"/>
-                  </a:solidFill>
-                </a:rPr>
-                <a:t/>
-              </a:r>
               <a:br>
-                <a:rPr lang="da-DK" sz="1200" b="1" dirty="0" smtClean="0">
+                <a:rPr lang="da-DK" sz="1200" b="1" dirty="0">
                   <a:solidFill>
                     <a:schemeClr val="tx1"/>
                   </a:solidFill>
                 </a:rPr>
               </a:br>
               <a:r>
-                <a:rPr lang="da-DK" sz="1200" b="1" dirty="0" err="1" smtClean="0">
+                <a:rPr lang="da-DK" sz="1200" b="1" dirty="0" err="1">
                   <a:solidFill>
                     <a:schemeClr val="tx1"/>
                   </a:solidFill>
                 </a:rPr>
                 <a:t>Cancelled</a:t>
               </a:r>
-              <a:endParaRPr lang="en-GB" sz="1200" b="1" dirty="0" err="1" smtClean="0">
+              <a:endParaRPr lang="en-GB" sz="1200" b="1" dirty="0" err="1">
                 <a:solidFill>
                   <a:schemeClr val="tx1"/>
                 </a:solidFill>
@@ -50989,14 +50257,14 @@
             <a:p>
               <a:pPr algn="ctr"/>
               <a:r>
-                <a:rPr lang="da-DK" sz="1200" b="1" dirty="0" err="1" smtClean="0">
+                <a:rPr lang="da-DK" sz="1200" b="1" dirty="0" err="1">
                   <a:solidFill>
                     <a:schemeClr val="tx1"/>
                   </a:solidFill>
                 </a:rPr>
                 <a:t>Initiated</a:t>
               </a:r>
-              <a:endParaRPr lang="en-GB" sz="1200" b="1" dirty="0" err="1" smtClean="0">
+              <a:endParaRPr lang="en-GB" sz="1200" b="1" dirty="0" err="1">
                 <a:solidFill>
                   <a:schemeClr val="tx1"/>
                 </a:solidFill>
@@ -51045,14 +50313,14 @@
             <a:p>
               <a:pPr algn="ctr"/>
               <a:r>
-                <a:rPr lang="da-DK" sz="1200" b="1" dirty="0" err="1" smtClean="0">
+                <a:rPr lang="da-DK" sz="1200" b="1" dirty="0" err="1">
                   <a:solidFill>
                     <a:schemeClr val="tx1"/>
                   </a:solidFill>
                 </a:rPr>
                 <a:t>Paired</a:t>
               </a:r>
-              <a:endParaRPr lang="en-GB" sz="1200" b="1" dirty="0" err="1" smtClean="0">
+              <a:endParaRPr lang="en-GB" sz="1200" b="1" dirty="0" err="1">
                 <a:solidFill>
                   <a:schemeClr val="tx1"/>
                 </a:solidFill>
@@ -51323,167 +50591,6 @@
             </a:fontRef>
           </p:style>
         </p:cxnSp>
-        <p:sp>
-          <p:nvSpPr>
-            <p:cNvPr id="31" name="Oval 30"/>
-            <p:cNvSpPr/>
-            <p:nvPr/>
-          </p:nvSpPr>
-          <p:spPr>
-            <a:xfrm>
-              <a:off x="6085244" y="6628349"/>
-              <a:ext cx="1440000" cy="1440000"/>
-            </a:xfrm>
-            <a:prstGeom prst="ellipse">
-              <a:avLst/>
-            </a:prstGeom>
-            <a:ln w="38100"/>
-          </p:spPr>
-          <p:style>
-            <a:lnRef idx="2">
-              <a:schemeClr val="accent5"/>
-            </a:lnRef>
-            <a:fillRef idx="1">
-              <a:schemeClr val="lt1"/>
-            </a:fillRef>
-            <a:effectRef idx="0">
-              <a:schemeClr val="accent5"/>
-            </a:effectRef>
-            <a:fontRef idx="minor">
-              <a:schemeClr val="dk1"/>
-            </a:fontRef>
-          </p:style>
-          <p:txBody>
-            <a:bodyPr rot="0" spcFirstLastPara="0" vertOverflow="overflow" horzOverflow="overflow" vert="horz" wrap="square" lIns="0" tIns="0" rIns="0" bIns="0" numCol="1" spcCol="0" rtlCol="0" fromWordArt="0" anchor="ctr" anchorCtr="0" forceAA="0" compatLnSpc="1">
-              <a:prstTxWarp prst="textNoShape">
-                <a:avLst/>
-              </a:prstTxWarp>
-              <a:noAutofit/>
-            </a:bodyPr>
-            <a:lstStyle/>
-            <a:p>
-              <a:pPr algn="ctr"/>
-              <a:r>
-                <a:rPr lang="da-DK" sz="1200" b="1" dirty="0" err="1" smtClean="0">
-                  <a:solidFill>
-                    <a:schemeClr val="tx1"/>
-                  </a:solidFill>
-                </a:rPr>
-                <a:t>Rejected</a:t>
-              </a:r>
-              <a:r>
-                <a:rPr lang="da-DK" sz="1200" b="1" dirty="0" smtClean="0">
-                  <a:solidFill>
-                    <a:schemeClr val="tx1"/>
-                  </a:solidFill>
-                </a:rPr>
-                <a:t/>
-              </a:r>
-              <a:br>
-                <a:rPr lang="da-DK" sz="1200" b="1" dirty="0" smtClean="0">
-                  <a:solidFill>
-                    <a:schemeClr val="tx1"/>
-                  </a:solidFill>
-                </a:rPr>
-              </a:br>
-              <a:r>
-                <a:rPr lang="da-DK" sz="1200" b="1" dirty="0" err="1" smtClean="0">
-                  <a:solidFill>
-                    <a:schemeClr val="tx1"/>
-                  </a:solidFill>
-                </a:rPr>
-                <a:t>ByMobilePay</a:t>
-              </a:r>
-              <a:r>
-                <a:rPr lang="da-DK" sz="1200" b="1" dirty="0" smtClean="0">
-                  <a:solidFill>
-                    <a:schemeClr val="tx1"/>
-                  </a:solidFill>
-                </a:rPr>
-                <a:t/>
-              </a:r>
-              <a:br>
-                <a:rPr lang="da-DK" sz="1200" b="1" dirty="0" smtClean="0">
-                  <a:solidFill>
-                    <a:schemeClr val="tx1"/>
-                  </a:solidFill>
-                </a:rPr>
-              </a:br>
-              <a:r>
-                <a:rPr lang="da-DK" sz="1200" b="1" dirty="0" err="1" smtClean="0">
-                  <a:solidFill>
-                    <a:schemeClr val="tx1"/>
-                  </a:solidFill>
-                </a:rPr>
-                <a:t>DueToAge</a:t>
-              </a:r>
-              <a:r>
-                <a:rPr lang="da-DK" sz="1200" b="1" dirty="0" smtClean="0">
-                  <a:solidFill>
-                    <a:schemeClr val="tx1"/>
-                  </a:solidFill>
-                </a:rPr>
-                <a:t/>
-              </a:r>
-              <a:br>
-                <a:rPr lang="da-DK" sz="1200" b="1" dirty="0" smtClean="0">
-                  <a:solidFill>
-                    <a:schemeClr val="tx1"/>
-                  </a:solidFill>
-                </a:rPr>
-              </a:br>
-              <a:r>
-                <a:rPr lang="da-DK" sz="1200" b="1" dirty="0" err="1" smtClean="0">
-                  <a:solidFill>
-                    <a:schemeClr val="tx1"/>
-                  </a:solidFill>
-                </a:rPr>
-                <a:t>Restrictions</a:t>
-              </a:r>
-              <a:endParaRPr lang="en-GB" sz="1200" b="1" dirty="0" err="1" smtClean="0">
-                <a:solidFill>
-                  <a:schemeClr val="tx1"/>
-                </a:solidFill>
-              </a:endParaRPr>
-            </a:p>
-          </p:txBody>
-        </p:sp>
-        <p:cxnSp>
-          <p:nvCxnSpPr>
-            <p:cNvPr id="33" name="Elbow Connector 32"/>
-            <p:cNvCxnSpPr>
-              <a:stCxn id="8" idx="4"/>
-              <a:endCxn id="31" idx="2"/>
-            </p:cNvCxnSpPr>
-            <p:nvPr/>
-          </p:nvCxnSpPr>
-          <p:spPr>
-            <a:xfrm rot="16200000" flipH="1">
-              <a:off x="4395862" y="5658966"/>
-              <a:ext cx="590313" cy="2788451"/>
-            </a:xfrm>
-            <a:prstGeom prst="bentConnector2">
-              <a:avLst/>
-            </a:prstGeom>
-            <a:ln w="38100">
-              <a:tailEnd type="triangle"/>
-            </a:ln>
-          </p:spPr>
-          <p:style>
-            <a:lnRef idx="1">
-              <a:schemeClr val="accent5"/>
-            </a:lnRef>
-            <a:fillRef idx="0">
-              <a:schemeClr val="accent5"/>
-            </a:fillRef>
-            <a:effectRef idx="0">
-              <a:schemeClr val="accent5"/>
-            </a:effectRef>
-            <a:fontRef idx="minor">
-              <a:schemeClr val="tx1"/>
-            </a:fontRef>
-          </p:style>
-        </p:cxnSp>
       </p:grpSp>
     </p:spTree>
     <p:extLst>
@@ -51495,13 +50602,6 @@
   <p:clrMapOvr>
     <a:masterClrMapping/>
   </p:clrMapOvr>
-  <p:timing>
-    <p:tnLst>
-      <p:par>
-        <p:cTn id="1" dur="indefinite" restart="never" nodeType="tmRoot"/>
-      </p:par>
-    </p:tnLst>
-  </p:timing>
 </p:sld>
 </file>
 
@@ -53005,13 +52105,6 @@
   <p:clrMapOvr>
     <a:masterClrMapping/>
   </p:clrMapOvr>
-  <p:timing>
-    <p:tnLst>
-      <p:par>
-        <p:cTn id="1" dur="indefinite" restart="never" nodeType="tmRoot"/>
-      </p:par>
-    </p:tnLst>
-  </p:timing>
 </p:sld>
 </file>
 
@@ -54133,7 +53226,7 @@
               <a:t>Payment, status = </a:t>
             </a:r>
             <a:r>
-              <a:rPr lang="da-DK" sz="1100" b="1" dirty="0" err="1" smtClean="0">
+              <a:rPr lang="da-DK" sz="1100" b="1" dirty="0" err="1">
                 <a:solidFill>
                   <a:schemeClr val="accent4"/>
                 </a:solidFill>
@@ -54568,7 +53661,7 @@
               <a:t>Payment, status = </a:t>
             </a:r>
             <a:r>
-              <a:rPr lang="da-DK" sz="1100" b="1" dirty="0" err="1" smtClean="0">
+              <a:rPr lang="da-DK" sz="1100" b="1" dirty="0" err="1">
                 <a:solidFill>
                   <a:schemeClr val="accent4"/>
                 </a:solidFill>
@@ -54756,13 +53849,6 @@
   <p:clrMapOvr>
     <a:masterClrMapping/>
   </p:clrMapOvr>
-  <p:timing>
-    <p:tnLst>
-      <p:par>
-        <p:cTn id="1" dur="indefinite" restart="never" nodeType="tmRoot"/>
-      </p:par>
-    </p:tnLst>
-  </p:timing>
 </p:sld>
 </file>
 
@@ -56782,7 +55868,7 @@
               <a:t>Payment, status = </a:t>
             </a:r>
             <a:r>
-              <a:rPr lang="da-DK" sz="1100" b="1" dirty="0" err="1" smtClean="0">
+              <a:rPr lang="da-DK" sz="1100" b="1" dirty="0" err="1">
                 <a:solidFill>
                   <a:schemeClr val="accent4"/>
                 </a:solidFill>
@@ -56790,7 +55876,7 @@
               <a:t>PairedWithUser</a:t>
             </a:r>
             <a:r>
-              <a:rPr lang="da-DK" sz="1100" b="1" dirty="0" smtClean="0">
+              <a:rPr lang="da-DK" sz="1100" b="1" dirty="0">
                 <a:solidFill>
                   <a:schemeClr val="accent4"/>
                 </a:solidFill>
@@ -56798,14 +55884,14 @@
               <a:t>, </a:t>
             </a:r>
             <a:br>
-              <a:rPr lang="da-DK" sz="1100" b="1" dirty="0" smtClean="0">
+              <a:rPr lang="da-DK" sz="1100" b="1" dirty="0">
                 <a:solidFill>
                   <a:schemeClr val="accent4"/>
                 </a:solidFill>
               </a:rPr>
             </a:br>
             <a:r>
-              <a:rPr lang="da-DK" sz="1100" b="1" dirty="0" err="1" smtClean="0">
+              <a:rPr lang="da-DK" sz="1100" b="1" dirty="0" err="1">
                 <a:solidFill>
                   <a:schemeClr val="accent4"/>
                 </a:solidFill>
@@ -56813,7 +55899,7 @@
               <a:t>loyalty</a:t>
             </a:r>
             <a:r>
-              <a:rPr lang="da-DK" sz="1100" b="1" dirty="0" smtClean="0">
+              <a:rPr lang="da-DK" sz="1100" b="1" dirty="0">
                 <a:solidFill>
                   <a:schemeClr val="accent4"/>
                 </a:solidFill>
@@ -56854,13 +55940,6 @@
   <p:clrMapOvr>
     <a:masterClrMapping/>
   </p:clrMapOvr>
-  <p:timing>
-    <p:tnLst>
-      <p:par>
-        <p:cTn id="1" dur="indefinite" restart="never" nodeType="tmRoot"/>
-      </p:par>
-    </p:tnLst>
-  </p:timing>
 </p:sld>
 </file>
 
@@ -57894,7 +56973,7 @@
               <a:t>POST /</a:t>
             </a:r>
             <a:r>
-              <a:rPr lang="da-DK" sz="1100" b="1" dirty="0" err="1" smtClean="0">
+              <a:rPr lang="da-DK" sz="1100" b="1" dirty="0" err="1">
                 <a:solidFill>
                   <a:schemeClr val="accent4"/>
                 </a:solidFill>
@@ -58444,7 +57523,7 @@
               <a:t>}/</a:t>
             </a:r>
             <a:r>
-              <a:rPr lang="da-DK" sz="1100" b="1" dirty="0" err="1" smtClean="0">
+              <a:rPr lang="da-DK" sz="1100" b="1" dirty="0" err="1">
                 <a:solidFill>
                   <a:schemeClr val="accent4"/>
                 </a:solidFill>
@@ -58609,7 +57688,7 @@
           <a:p>
             <a:pPr algn="ctr"/>
             <a:r>
-              <a:rPr lang="da-DK" sz="1100" b="1" dirty="0" smtClean="0">
+              <a:rPr lang="da-DK" sz="1100" b="1" dirty="0">
                 <a:solidFill>
                   <a:schemeClr val="accent4"/>
                 </a:solidFill>
@@ -58634,13 +57713,6 @@
   <p:clrMapOvr>
     <a:masterClrMapping/>
   </p:clrMapOvr>
-  <p:timing>
-    <p:tnLst>
-      <p:par>
-        <p:cTn id="1" dur="indefinite" restart="never" nodeType="tmRoot"/>
-      </p:par>
-    </p:tnLst>
-  </p:timing>
 </p:sld>
 </file>
 

--- a/docs/assets/TitaniumFlows.pptx
+++ b/docs/assets/TitaniumFlows.pptx
@@ -37,6 +37,7 @@
     <p:sldId id="283" r:id="rId31"/>
     <p:sldId id="284" r:id="rId32"/>
     <p:sldId id="285" r:id="rId33"/>
+    <p:sldId id="288" r:id="rId34"/>
   </p:sldIdLst>
   <p:sldSz cx="12192000" cy="11520488"/>
   <p:notesSz cx="6858000" cy="9144000"/>
@@ -215,7 +216,7 @@
           <a:graphicData uri="http://schemas.openxmlformats.org/presentationml/2006/ole">
             <mc:AlternateContent xmlns:mc="http://schemas.openxmlformats.org/markup-compatibility/2006">
               <mc:Choice xmlns:v="urn:schemas-microsoft-com:vml" Requires="v">
-                <p:oleObj spid="_x0000_s2146" name="think-cell Slide" r:id="rId5" imgW="270" imgH="270" progId="TCLayout.ActiveDocument.1">
+                <p:oleObj spid="_x0000_s2147" name="think-cell Slide" r:id="rId5" imgW="270" imgH="270" progId="TCLayout.ActiveDocument.1">
                   <p:embed/>
                 </p:oleObj>
               </mc:Choice>
@@ -397,7 +398,7 @@
           <a:p>
             <a:fld id="{B56E8790-EF43-4195-82DA-4A26D543E504}" type="datetimeFigureOut">
               <a:rPr lang="en-GB" smtClean="0"/>
-              <a:t>30/12/2020</a:t>
+              <a:t>05/03/2021</a:t>
             </a:fld>
             <a:endParaRPr lang="en-GB" dirty="0"/>
           </a:p>
@@ -495,7 +496,7 @@
           <a:graphicData uri="http://schemas.openxmlformats.org/presentationml/2006/ole">
             <mc:AlternateContent xmlns:mc="http://schemas.openxmlformats.org/markup-compatibility/2006">
               <mc:Choice xmlns:v="urn:schemas-microsoft-com:vml" Requires="v">
-                <p:oleObj spid="_x0000_s9410" name="think-cell Slide" r:id="rId5" imgW="270" imgH="270" progId="TCLayout.ActiveDocument.1">
+                <p:oleObj spid="_x0000_s9412" name="think-cell Slide" r:id="rId5" imgW="270" imgH="270" progId="TCLayout.ActiveDocument.1">
                   <p:embed/>
                 </p:oleObj>
               </mc:Choice>
@@ -609,7 +610,7 @@
           <a:p>
             <a:fld id="{B56E8790-EF43-4195-82DA-4A26D543E504}" type="datetimeFigureOut">
               <a:rPr lang="en-GB" smtClean="0"/>
-              <a:t>30/12/2020</a:t>
+              <a:t>05/03/2021</a:t>
             </a:fld>
             <a:endParaRPr lang="en-GB" dirty="0"/>
           </a:p>
@@ -1203,7 +1204,7 @@
           <a:graphicData uri="http://schemas.openxmlformats.org/presentationml/2006/ole">
             <mc:AlternateContent xmlns:mc="http://schemas.openxmlformats.org/markup-compatibility/2006">
               <mc:Choice xmlns:v="urn:schemas-microsoft-com:vml" Requires="v">
-                <p:oleObj spid="_x0000_s9411" name="think-cell Slide" r:id="rId7" imgW="270" imgH="270" progId="TCLayout.ActiveDocument.1">
+                <p:oleObj spid="_x0000_s9413" name="think-cell Slide" r:id="rId7" imgW="270" imgH="270" progId="TCLayout.ActiveDocument.1">
                   <p:embed/>
                 </p:oleObj>
               </mc:Choice>
@@ -1508,7 +1509,7 @@
           <a:graphicData uri="http://schemas.openxmlformats.org/presentationml/2006/ole">
             <mc:AlternateContent xmlns:mc="http://schemas.openxmlformats.org/markup-compatibility/2006">
               <mc:Choice xmlns:v="urn:schemas-microsoft-com:vml" Requires="v">
-                <p:oleObj spid="_x0000_s10434" name="think-cell Slide" r:id="rId5" imgW="270" imgH="270" progId="TCLayout.ActiveDocument.1">
+                <p:oleObj spid="_x0000_s10436" name="think-cell Slide" r:id="rId5" imgW="270" imgH="270" progId="TCLayout.ActiveDocument.1">
                   <p:embed/>
                 </p:oleObj>
               </mc:Choice>
@@ -1573,7 +1574,7 @@
           <a:p>
             <a:fld id="{B56E8790-EF43-4195-82DA-4A26D543E504}" type="datetimeFigureOut">
               <a:rPr lang="en-GB" smtClean="0"/>
-              <a:t>30/12/2020</a:t>
+              <a:t>05/03/2021</a:t>
             </a:fld>
             <a:endParaRPr lang="en-GB" dirty="0"/>
           </a:p>
@@ -1959,7 +1960,7 @@
           <a:graphicData uri="http://schemas.openxmlformats.org/presentationml/2006/ole">
             <mc:AlternateContent xmlns:mc="http://schemas.openxmlformats.org/markup-compatibility/2006">
               <mc:Choice xmlns:v="urn:schemas-microsoft-com:vml" Requires="v">
-                <p:oleObj spid="_x0000_s10435" name="think-cell Slide" r:id="rId8" imgW="270" imgH="270" progId="TCLayout.ActiveDocument.1">
+                <p:oleObj spid="_x0000_s10437" name="think-cell Slide" r:id="rId8" imgW="270" imgH="270" progId="TCLayout.ActiveDocument.1">
                   <p:embed/>
                 </p:oleObj>
               </mc:Choice>
@@ -2225,7 +2226,7 @@
           <a:graphicData uri="http://schemas.openxmlformats.org/presentationml/2006/ole">
             <mc:AlternateContent xmlns:mc="http://schemas.openxmlformats.org/markup-compatibility/2006">
               <mc:Choice xmlns:v="urn:schemas-microsoft-com:vml" Requires="v">
-                <p:oleObj spid="_x0000_s11362" name="think-cell Slide" r:id="rId4" imgW="270" imgH="270" progId="TCLayout.ActiveDocument.1">
+                <p:oleObj spid="_x0000_s11363" name="think-cell Slide" r:id="rId4" imgW="270" imgH="270" progId="TCLayout.ActiveDocument.1">
                   <p:embed/>
                 </p:oleObj>
               </mc:Choice>
@@ -2282,7 +2283,7 @@
           <a:p>
             <a:fld id="{B56E8790-EF43-4195-82DA-4A26D543E504}" type="datetimeFigureOut">
               <a:rPr lang="en-GB" smtClean="0"/>
-              <a:t>30/12/2020</a:t>
+              <a:t>05/03/2021</a:t>
             </a:fld>
             <a:endParaRPr lang="en-GB" dirty="0"/>
           </a:p>
@@ -2671,7 +2672,7 @@
           <a:graphicData uri="http://schemas.openxmlformats.org/presentationml/2006/ole">
             <mc:AlternateContent xmlns:mc="http://schemas.openxmlformats.org/markup-compatibility/2006">
               <mc:Choice xmlns:v="urn:schemas-microsoft-com:vml" Requires="v">
-                <p:oleObj spid="_x0000_s12386" name="think-cell Slide" r:id="rId4" imgW="270" imgH="270" progId="TCLayout.ActiveDocument.1">
+                <p:oleObj spid="_x0000_s12387" name="think-cell Slide" r:id="rId4" imgW="270" imgH="270" progId="TCLayout.ActiveDocument.1">
                   <p:embed/>
                 </p:oleObj>
               </mc:Choice>
@@ -2728,7 +2729,7 @@
           <a:p>
             <a:fld id="{B56E8790-EF43-4195-82DA-4A26D543E504}" type="datetimeFigureOut">
               <a:rPr lang="en-GB" smtClean="0"/>
-              <a:t>30/12/2020</a:t>
+              <a:t>05/03/2021</a:t>
             </a:fld>
             <a:endParaRPr lang="en-GB" dirty="0"/>
           </a:p>
@@ -3279,7 +3280,7 @@
           <a:graphicData uri="http://schemas.openxmlformats.org/presentationml/2006/ole">
             <mc:AlternateContent xmlns:mc="http://schemas.openxmlformats.org/markup-compatibility/2006">
               <mc:Choice xmlns:v="urn:schemas-microsoft-com:vml" Requires="v">
-                <p:oleObj spid="_x0000_s13410" name="think-cell Slide" r:id="rId4" imgW="270" imgH="270" progId="TCLayout.ActiveDocument.1">
+                <p:oleObj spid="_x0000_s13411" name="think-cell Slide" r:id="rId4" imgW="270" imgH="270" progId="TCLayout.ActiveDocument.1">
                   <p:embed/>
                 </p:oleObj>
               </mc:Choice>
@@ -3336,7 +3337,7 @@
           <a:p>
             <a:fld id="{B56E8790-EF43-4195-82DA-4A26D543E504}" type="datetimeFigureOut">
               <a:rPr lang="en-GB" smtClean="0"/>
-              <a:t>30/12/2020</a:t>
+              <a:t>05/03/2021</a:t>
             </a:fld>
             <a:endParaRPr lang="en-GB" dirty="0"/>
           </a:p>
@@ -3887,7 +3888,7 @@
           <a:graphicData uri="http://schemas.openxmlformats.org/presentationml/2006/ole">
             <mc:AlternateContent xmlns:mc="http://schemas.openxmlformats.org/markup-compatibility/2006">
               <mc:Choice xmlns:v="urn:schemas-microsoft-com:vml" Requires="v">
-                <p:oleObj spid="_x0000_s14434" name="think-cell Slide" r:id="rId4" imgW="270" imgH="270" progId="TCLayout.ActiveDocument.1">
+                <p:oleObj spid="_x0000_s14435" name="think-cell Slide" r:id="rId4" imgW="270" imgH="270" progId="TCLayout.ActiveDocument.1">
                   <p:embed/>
                 </p:oleObj>
               </mc:Choice>
@@ -3944,7 +3945,7 @@
           <a:p>
             <a:fld id="{B56E8790-EF43-4195-82DA-4A26D543E504}" type="datetimeFigureOut">
               <a:rPr lang="en-GB" smtClean="0"/>
-              <a:t>30/12/2020</a:t>
+              <a:t>05/03/2021</a:t>
             </a:fld>
             <a:endParaRPr lang="en-GB" dirty="0"/>
           </a:p>
@@ -4495,7 +4496,7 @@
           <a:graphicData uri="http://schemas.openxmlformats.org/presentationml/2006/ole">
             <mc:AlternateContent xmlns:mc="http://schemas.openxmlformats.org/markup-compatibility/2006">
               <mc:Choice xmlns:v="urn:schemas-microsoft-com:vml" Requires="v">
-                <p:oleObj spid="_x0000_s15458" name="think-cell Slide" r:id="rId4" imgW="270" imgH="270" progId="TCLayout.ActiveDocument.1">
+                <p:oleObj spid="_x0000_s15459" name="think-cell Slide" r:id="rId4" imgW="270" imgH="270" progId="TCLayout.ActiveDocument.1">
                   <p:embed/>
                 </p:oleObj>
               </mc:Choice>
@@ -4552,7 +4553,7 @@
           <a:p>
             <a:fld id="{B56E8790-EF43-4195-82DA-4A26D543E504}" type="datetimeFigureOut">
               <a:rPr lang="en-GB" smtClean="0"/>
-              <a:t>30/12/2020</a:t>
+              <a:t>05/03/2021</a:t>
             </a:fld>
             <a:endParaRPr lang="en-GB" dirty="0"/>
           </a:p>
@@ -5103,7 +5104,7 @@
           <a:graphicData uri="http://schemas.openxmlformats.org/presentationml/2006/ole">
             <mc:AlternateContent xmlns:mc="http://schemas.openxmlformats.org/markup-compatibility/2006">
               <mc:Choice xmlns:v="urn:schemas-microsoft-com:vml" Requires="v">
-                <p:oleObj spid="_x0000_s16482" name="think-cell Slide" r:id="rId4" imgW="270" imgH="270" progId="TCLayout.ActiveDocument.1">
+                <p:oleObj spid="_x0000_s16483" name="think-cell Slide" r:id="rId4" imgW="270" imgH="270" progId="TCLayout.ActiveDocument.1">
                   <p:embed/>
                 </p:oleObj>
               </mc:Choice>
@@ -5160,7 +5161,7 @@
           <a:p>
             <a:fld id="{B56E8790-EF43-4195-82DA-4A26D543E504}" type="datetimeFigureOut">
               <a:rPr lang="en-GB" smtClean="0"/>
-              <a:t>30/12/2020</a:t>
+              <a:t>05/03/2021</a:t>
             </a:fld>
             <a:endParaRPr lang="en-GB" dirty="0"/>
           </a:p>
@@ -5711,7 +5712,7 @@
           <a:graphicData uri="http://schemas.openxmlformats.org/presentationml/2006/ole">
             <mc:AlternateContent xmlns:mc="http://schemas.openxmlformats.org/markup-compatibility/2006">
               <mc:Choice xmlns:v="urn:schemas-microsoft-com:vml" Requires="v">
-                <p:oleObj spid="_x0000_s17506" name="think-cell Slide" r:id="rId4" imgW="270" imgH="270" progId="TCLayout.ActiveDocument.1">
+                <p:oleObj spid="_x0000_s17507" name="think-cell Slide" r:id="rId4" imgW="270" imgH="270" progId="TCLayout.ActiveDocument.1">
                   <p:embed/>
                 </p:oleObj>
               </mc:Choice>
@@ -5768,7 +5769,7 @@
           <a:p>
             <a:fld id="{B56E8790-EF43-4195-82DA-4A26D543E504}" type="datetimeFigureOut">
               <a:rPr lang="en-GB" smtClean="0"/>
-              <a:t>30/12/2020</a:t>
+              <a:t>05/03/2021</a:t>
             </a:fld>
             <a:endParaRPr lang="en-GB" dirty="0"/>
           </a:p>
@@ -6413,7 +6414,7 @@
           <a:p>
             <a:fld id="{B56E8790-EF43-4195-82DA-4A26D543E504}" type="datetimeFigureOut">
               <a:rPr lang="en-GB" smtClean="0"/>
-              <a:t>30/12/2020</a:t>
+              <a:t>05/03/2021</a:t>
             </a:fld>
             <a:endParaRPr lang="en-GB" dirty="0"/>
           </a:p>
@@ -6524,7 +6525,7 @@
           <a:graphicData uri="http://schemas.openxmlformats.org/presentationml/2006/ole">
             <mc:AlternateContent xmlns:mc="http://schemas.openxmlformats.org/markup-compatibility/2006">
               <mc:Choice xmlns:v="urn:schemas-microsoft-com:vml" Requires="v">
-                <p:oleObj spid="_x0000_s3170" name="think-cell Slide" r:id="rId4" imgW="270" imgH="270" progId="TCLayout.ActiveDocument.1">
+                <p:oleObj spid="_x0000_s3171" name="think-cell Slide" r:id="rId4" imgW="270" imgH="270" progId="TCLayout.ActiveDocument.1">
                   <p:embed/>
                 </p:oleObj>
               </mc:Choice>
@@ -6673,7 +6674,7 @@
           <a:p>
             <a:fld id="{B56E8790-EF43-4195-82DA-4A26D543E504}" type="datetimeFigureOut">
               <a:rPr lang="en-GB" smtClean="0"/>
-              <a:t>30/12/2020</a:t>
+              <a:t>05/03/2021</a:t>
             </a:fld>
             <a:endParaRPr lang="en-GB" dirty="0"/>
           </a:p>
@@ -6837,7 +6838,7 @@
           <a:graphicData uri="http://schemas.openxmlformats.org/presentationml/2006/ole">
             <mc:AlternateContent xmlns:mc="http://schemas.openxmlformats.org/markup-compatibility/2006">
               <mc:Choice xmlns:v="urn:schemas-microsoft-com:vml" Requires="v">
-                <p:oleObj spid="_x0000_s19554" name="think-cell Slide" r:id="rId5" imgW="270" imgH="270" progId="TCLayout.ActiveDocument.1">
+                <p:oleObj spid="_x0000_s19555" name="think-cell Slide" r:id="rId5" imgW="270" imgH="270" progId="TCLayout.ActiveDocument.1">
                   <p:embed/>
                 </p:oleObj>
               </mc:Choice>
@@ -7020,7 +7021,7 @@
             <a:fld id="{FD5A4159-1C9D-4C23-8DBB-0FD5BF49F859}" type="datetime1">
               <a:rPr lang="en-GB" smtClean="0"/>
               <a:pPr/>
-              <a:t>30/12/2020</a:t>
+              <a:t>05/03/2021</a:t>
             </a:fld>
             <a:endParaRPr lang="en-GB" dirty="0"/>
           </a:p>
@@ -7113,7 +7114,7 @@
           <a:graphicData uri="http://schemas.openxmlformats.org/presentationml/2006/ole">
             <mc:AlternateContent xmlns:mc="http://schemas.openxmlformats.org/markup-compatibility/2006">
               <mc:Choice xmlns:v="urn:schemas-microsoft-com:vml" Requires="v">
-                <p:oleObj spid="_x0000_s20578" name="think-cell Slide" r:id="rId4" imgW="270" imgH="270" progId="TCLayout.ActiveDocument.1">
+                <p:oleObj spid="_x0000_s20579" name="think-cell Slide" r:id="rId4" imgW="270" imgH="270" progId="TCLayout.ActiveDocument.1">
                   <p:embed/>
                 </p:oleObj>
               </mc:Choice>
@@ -7263,7 +7264,7 @@
             <a:fld id="{461D2423-DC7C-4239-9F6A-F74AADFD9F8E}" type="datetime1">
               <a:rPr lang="en-GB" smtClean="0"/>
               <a:pPr/>
-              <a:t>30/12/2020</a:t>
+              <a:t>05/03/2021</a:t>
             </a:fld>
             <a:endParaRPr lang="en-GB" dirty="0"/>
           </a:p>
@@ -7437,7 +7438,7 @@
             <a:fld id="{84F482FB-B023-4CBB-8046-4D830E895C90}" type="datetime1">
               <a:rPr lang="en-GB" smtClean="0"/>
               <a:pPr/>
-              <a:t>30/12/2020</a:t>
+              <a:t>05/03/2021</a:t>
             </a:fld>
             <a:endParaRPr lang="en-GB" dirty="0"/>
           </a:p>
@@ -7710,7 +7711,7 @@
           <a:graphicData uri="http://schemas.openxmlformats.org/presentationml/2006/ole">
             <mc:AlternateContent xmlns:mc="http://schemas.openxmlformats.org/markup-compatibility/2006">
               <mc:Choice xmlns:v="urn:schemas-microsoft-com:vml" Requires="v">
-                <p:oleObj spid="_x0000_s21602" name="think-cell Slide" r:id="rId4" imgW="270" imgH="270" progId="TCLayout.ActiveDocument.1">
+                <p:oleObj spid="_x0000_s21603" name="think-cell Slide" r:id="rId4" imgW="270" imgH="270" progId="TCLayout.ActiveDocument.1">
                   <p:embed/>
                 </p:oleObj>
               </mc:Choice>
@@ -7869,7 +7870,7 @@
             <a:fld id="{F26DF438-9CC2-4A49-A657-78DE437E5C5C}" type="datetime1">
               <a:rPr lang="en-GB" smtClean="0"/>
               <a:pPr/>
-              <a:t>30/12/2020</a:t>
+              <a:t>05/03/2021</a:t>
             </a:fld>
             <a:endParaRPr lang="en-GB" dirty="0"/>
           </a:p>
@@ -8263,7 +8264,7 @@
           <a:graphicData uri="http://schemas.openxmlformats.org/presentationml/2006/ole">
             <mc:AlternateContent xmlns:mc="http://schemas.openxmlformats.org/markup-compatibility/2006">
               <mc:Choice xmlns:v="urn:schemas-microsoft-com:vml" Requires="v">
-                <p:oleObj spid="_x0000_s22626" name="think-cell Slide" r:id="rId4" imgW="270" imgH="270" progId="TCLayout.ActiveDocument.1">
+                <p:oleObj spid="_x0000_s22627" name="think-cell Slide" r:id="rId4" imgW="270" imgH="270" progId="TCLayout.ActiveDocument.1">
                   <p:embed/>
                 </p:oleObj>
               </mc:Choice>
@@ -8329,7 +8330,7 @@
             <a:fld id="{A960169C-9E24-485A-B7A8-19D9A23B43F5}" type="datetime1">
               <a:rPr lang="en-GB" smtClean="0"/>
               <a:pPr/>
-              <a:t>30/12/2020</a:t>
+              <a:t>05/03/2021</a:t>
             </a:fld>
             <a:endParaRPr lang="en-GB" dirty="0"/>
           </a:p>
@@ -8870,7 +8871,7 @@
           <a:graphicData uri="http://schemas.openxmlformats.org/presentationml/2006/ole">
             <mc:AlternateContent xmlns:mc="http://schemas.openxmlformats.org/markup-compatibility/2006">
               <mc:Choice xmlns:v="urn:schemas-microsoft-com:vml" Requires="v">
-                <p:oleObj spid="_x0000_s23746" name="think-cell Slide" r:id="rId5" imgW="270" imgH="270" progId="TCLayout.ActiveDocument.1">
+                <p:oleObj spid="_x0000_s23748" name="think-cell Slide" r:id="rId5" imgW="270" imgH="270" progId="TCLayout.ActiveDocument.1">
                   <p:embed/>
                 </p:oleObj>
               </mc:Choice>
@@ -9122,7 +9123,7 @@
             <a:fld id="{0DD20B1F-20AE-4F8D-832A-F732FDE213D5}" type="datetime1">
               <a:rPr lang="en-GB" smtClean="0"/>
               <a:pPr/>
-              <a:t>30/12/2020</a:t>
+              <a:t>05/03/2021</a:t>
             </a:fld>
             <a:endParaRPr lang="en-GB" dirty="0"/>
           </a:p>
@@ -9192,7 +9193,7 @@
           <a:graphicData uri="http://schemas.openxmlformats.org/presentationml/2006/ole">
             <mc:AlternateContent xmlns:mc="http://schemas.openxmlformats.org/markup-compatibility/2006">
               <mc:Choice xmlns:v="urn:schemas-microsoft-com:vml" Requires="v">
-                <p:oleObj spid="_x0000_s23747" name="think-cell Slide" r:id="rId7" imgW="270" imgH="270" progId="TCLayout.ActiveDocument.1">
+                <p:oleObj spid="_x0000_s23749" name="think-cell Slide" r:id="rId7" imgW="270" imgH="270" progId="TCLayout.ActiveDocument.1">
                   <p:embed/>
                 </p:oleObj>
               </mc:Choice>
@@ -9490,7 +9491,7 @@
             <a:fld id="{0DD20B1F-20AE-4F8D-832A-F732FDE213D5}" type="datetime1">
               <a:rPr lang="en-GB" smtClean="0"/>
               <a:pPr/>
-              <a:t>30/12/2020</a:t>
+              <a:t>05/03/2021</a:t>
             </a:fld>
             <a:endParaRPr lang="en-GB" dirty="0"/>
           </a:p>
@@ -9978,7 +9979,7 @@
           <a:graphicData uri="http://schemas.openxmlformats.org/presentationml/2006/ole">
             <mc:AlternateContent xmlns:mc="http://schemas.openxmlformats.org/markup-compatibility/2006">
               <mc:Choice xmlns:v="urn:schemas-microsoft-com:vml" Requires="v">
-                <p:oleObj spid="_x0000_s24770" name="think-cell Slide" r:id="rId5" imgW="270" imgH="270" progId="TCLayout.ActiveDocument.1">
+                <p:oleObj spid="_x0000_s24772" name="think-cell Slide" r:id="rId5" imgW="270" imgH="270" progId="TCLayout.ActiveDocument.1">
                   <p:embed/>
                 </p:oleObj>
               </mc:Choice>
@@ -10044,7 +10045,7 @@
             <a:fld id="{D07952D7-4E08-421B-9537-2EE112E32DE3}" type="datetime1">
               <a:rPr lang="en-GB" smtClean="0"/>
               <a:pPr/>
-              <a:t>30/12/2020</a:t>
+              <a:t>05/03/2021</a:t>
             </a:fld>
             <a:endParaRPr lang="en-GB" dirty="0"/>
           </a:p>
@@ -10398,7 +10399,7 @@
           <a:graphicData uri="http://schemas.openxmlformats.org/presentationml/2006/ole">
             <mc:AlternateContent xmlns:mc="http://schemas.openxmlformats.org/markup-compatibility/2006">
               <mc:Choice xmlns:v="urn:schemas-microsoft-com:vml" Requires="v">
-                <p:oleObj spid="_x0000_s24771" name="think-cell Slide" r:id="rId7" imgW="270" imgH="270" progId="TCLayout.ActiveDocument.1">
+                <p:oleObj spid="_x0000_s24773" name="think-cell Slide" r:id="rId7" imgW="270" imgH="270" progId="TCLayout.ActiveDocument.1">
                   <p:embed/>
                 </p:oleObj>
               </mc:Choice>
@@ -10685,7 +10686,7 @@
           <a:graphicData uri="http://schemas.openxmlformats.org/presentationml/2006/ole">
             <mc:AlternateContent xmlns:mc="http://schemas.openxmlformats.org/markup-compatibility/2006">
               <mc:Choice xmlns:v="urn:schemas-microsoft-com:vml" Requires="v">
-                <p:oleObj spid="_x0000_s25794" name="think-cell Slide" r:id="rId5" imgW="270" imgH="270" progId="TCLayout.ActiveDocument.1">
+                <p:oleObj spid="_x0000_s25796" name="think-cell Slide" r:id="rId5" imgW="270" imgH="270" progId="TCLayout.ActiveDocument.1">
                   <p:embed/>
                 </p:oleObj>
               </mc:Choice>
@@ -10751,7 +10752,7 @@
             <a:fld id="{D07952D7-4E08-421B-9537-2EE112E32DE3}" type="datetime1">
               <a:rPr lang="en-GB" smtClean="0"/>
               <a:pPr/>
-              <a:t>30/12/2020</a:t>
+              <a:t>05/03/2021</a:t>
             </a:fld>
             <a:endParaRPr lang="en-GB" dirty="0"/>
           </a:p>
@@ -11105,7 +11106,7 @@
           <a:graphicData uri="http://schemas.openxmlformats.org/presentationml/2006/ole">
             <mc:AlternateContent xmlns:mc="http://schemas.openxmlformats.org/markup-compatibility/2006">
               <mc:Choice xmlns:v="urn:schemas-microsoft-com:vml" Requires="v">
-                <p:oleObj spid="_x0000_s25795" name="think-cell Slide" r:id="rId7" imgW="270" imgH="270" progId="TCLayout.ActiveDocument.1">
+                <p:oleObj spid="_x0000_s25797" name="think-cell Slide" r:id="rId7" imgW="270" imgH="270" progId="TCLayout.ActiveDocument.1">
                   <p:embed/>
                 </p:oleObj>
               </mc:Choice>
@@ -11397,7 +11398,7 @@
           <a:graphicData uri="http://schemas.openxmlformats.org/presentationml/2006/ole">
             <mc:AlternateContent xmlns:mc="http://schemas.openxmlformats.org/markup-compatibility/2006">
               <mc:Choice xmlns:v="urn:schemas-microsoft-com:vml" Requires="v">
-                <p:oleObj spid="_x0000_s26818" name="think-cell Slide" r:id="rId5" imgW="270" imgH="270" progId="TCLayout.ActiveDocument.1">
+                <p:oleObj spid="_x0000_s26820" name="think-cell Slide" r:id="rId5" imgW="270" imgH="270" progId="TCLayout.ActiveDocument.1">
                   <p:embed/>
                 </p:oleObj>
               </mc:Choice>
@@ -11512,7 +11513,7 @@
             <a:fld id="{D07952D7-4E08-421B-9537-2EE112E32DE3}" type="datetime1">
               <a:rPr lang="en-GB" smtClean="0"/>
               <a:pPr/>
-              <a:t>30/12/2020</a:t>
+              <a:t>05/03/2021</a:t>
             </a:fld>
             <a:endParaRPr lang="en-GB" dirty="0"/>
           </a:p>
@@ -12101,7 +12102,7 @@
           <a:graphicData uri="http://schemas.openxmlformats.org/presentationml/2006/ole">
             <mc:AlternateContent xmlns:mc="http://schemas.openxmlformats.org/markup-compatibility/2006">
               <mc:Choice xmlns:v="urn:schemas-microsoft-com:vml" Requires="v">
-                <p:oleObj spid="_x0000_s26819" name="think-cell Slide" r:id="rId7" imgW="270" imgH="270" progId="TCLayout.ActiveDocument.1">
+                <p:oleObj spid="_x0000_s26821" name="think-cell Slide" r:id="rId7" imgW="270" imgH="270" progId="TCLayout.ActiveDocument.1">
                   <p:embed/>
                 </p:oleObj>
               </mc:Choice>
@@ -12432,7 +12433,7 @@
           <a:p>
             <a:fld id="{B56E8790-EF43-4195-82DA-4A26D543E504}" type="datetimeFigureOut">
               <a:rPr lang="en-GB" smtClean="0"/>
-              <a:t>30/12/2020</a:t>
+              <a:t>05/03/2021</a:t>
             </a:fld>
             <a:endParaRPr lang="en-GB" dirty="0"/>
           </a:p>
@@ -12713,7 +12714,7 @@
           <a:graphicData uri="http://schemas.openxmlformats.org/presentationml/2006/ole">
             <mc:AlternateContent xmlns:mc="http://schemas.openxmlformats.org/markup-compatibility/2006">
               <mc:Choice xmlns:v="urn:schemas-microsoft-com:vml" Requires="v">
-                <p:oleObj spid="_x0000_s27842" name="think-cell Slide" r:id="rId5" imgW="270" imgH="270" progId="TCLayout.ActiveDocument.1">
+                <p:oleObj spid="_x0000_s27844" name="think-cell Slide" r:id="rId5" imgW="270" imgH="270" progId="TCLayout.ActiveDocument.1">
                   <p:embed/>
                 </p:oleObj>
               </mc:Choice>
@@ -12779,7 +12780,7 @@
             <a:fld id="{10E7BC8F-BFD3-4858-915D-99D9576C8415}" type="datetime1">
               <a:rPr lang="en-GB" smtClean="0"/>
               <a:pPr/>
-              <a:t>30/12/2020</a:t>
+              <a:t>05/03/2021</a:t>
             </a:fld>
             <a:endParaRPr lang="en-GB" dirty="0"/>
           </a:p>
@@ -13160,7 +13161,7 @@
           <a:graphicData uri="http://schemas.openxmlformats.org/presentationml/2006/ole">
             <mc:AlternateContent xmlns:mc="http://schemas.openxmlformats.org/markup-compatibility/2006">
               <mc:Choice xmlns:v="urn:schemas-microsoft-com:vml" Requires="v">
-                <p:oleObj spid="_x0000_s27843" name="think-cell Slide" r:id="rId8" imgW="270" imgH="270" progId="TCLayout.ActiveDocument.1">
+                <p:oleObj spid="_x0000_s27845" name="think-cell Slide" r:id="rId8" imgW="270" imgH="270" progId="TCLayout.ActiveDocument.1">
                   <p:embed/>
                 </p:oleObj>
               </mc:Choice>
@@ -13448,7 +13449,7 @@
           <a:graphicData uri="http://schemas.openxmlformats.org/presentationml/2006/ole">
             <mc:AlternateContent xmlns:mc="http://schemas.openxmlformats.org/markup-compatibility/2006">
               <mc:Choice xmlns:v="urn:schemas-microsoft-com:vml" Requires="v">
-                <p:oleObj spid="_x0000_s29794" name="think-cell Slide" r:id="rId5" imgW="270" imgH="270" progId="TCLayout.ActiveDocument.1">
+                <p:oleObj spid="_x0000_s29795" name="think-cell Slide" r:id="rId5" imgW="270" imgH="270" progId="TCLayout.ActiveDocument.1">
                   <p:embed/>
                 </p:oleObj>
               </mc:Choice>
@@ -13635,7 +13636,7 @@
                 </a:solidFill>
               </a:rPr>
               <a:pPr/>
-              <a:t>30/12/2020</a:t>
+              <a:t>05/03/2021</a:t>
             </a:fld>
             <a:endParaRPr lang="en-GB" dirty="0">
               <a:solidFill>
@@ -13736,7 +13737,7 @@
           <a:graphicData uri="http://schemas.openxmlformats.org/presentationml/2006/ole">
             <mc:AlternateContent xmlns:mc="http://schemas.openxmlformats.org/markup-compatibility/2006">
               <mc:Choice xmlns:v="urn:schemas-microsoft-com:vml" Requires="v">
-                <p:oleObj spid="_x0000_s30818" name="think-cell Slide" r:id="rId4" imgW="270" imgH="270" progId="TCLayout.ActiveDocument.1">
+                <p:oleObj spid="_x0000_s30819" name="think-cell Slide" r:id="rId4" imgW="270" imgH="270" progId="TCLayout.ActiveDocument.1">
                   <p:embed/>
                 </p:oleObj>
               </mc:Choice>
@@ -13890,7 +13891,7 @@
                 </a:solidFill>
               </a:rPr>
               <a:pPr/>
-              <a:t>30/12/2020</a:t>
+              <a:t>05/03/2021</a:t>
             </a:fld>
             <a:endParaRPr lang="en-GB" dirty="0">
               <a:solidFill>
@@ -14076,7 +14077,7 @@
                 </a:solidFill>
               </a:rPr>
               <a:pPr/>
-              <a:t>30/12/2020</a:t>
+              <a:t>05/03/2021</a:t>
             </a:fld>
             <a:endParaRPr lang="en-GB" dirty="0">
               <a:solidFill>
@@ -14357,7 +14358,7 @@
           <a:graphicData uri="http://schemas.openxmlformats.org/presentationml/2006/ole">
             <mc:AlternateContent xmlns:mc="http://schemas.openxmlformats.org/markup-compatibility/2006">
               <mc:Choice xmlns:v="urn:schemas-microsoft-com:vml" Requires="v">
-                <p:oleObj spid="_x0000_s31842" name="think-cell Slide" r:id="rId4" imgW="270" imgH="270" progId="TCLayout.ActiveDocument.1">
+                <p:oleObj spid="_x0000_s31843" name="think-cell Slide" r:id="rId4" imgW="270" imgH="270" progId="TCLayout.ActiveDocument.1">
                   <p:embed/>
                 </p:oleObj>
               </mc:Choice>
@@ -14520,7 +14521,7 @@
                 </a:solidFill>
               </a:rPr>
               <a:pPr/>
-              <a:t>30/12/2020</a:t>
+              <a:t>05/03/2021</a:t>
             </a:fld>
             <a:endParaRPr lang="en-GB" dirty="0">
               <a:solidFill>
@@ -14922,7 +14923,7 @@
           <a:graphicData uri="http://schemas.openxmlformats.org/presentationml/2006/ole">
             <mc:AlternateContent xmlns:mc="http://schemas.openxmlformats.org/markup-compatibility/2006">
               <mc:Choice xmlns:v="urn:schemas-microsoft-com:vml" Requires="v">
-                <p:oleObj spid="_x0000_s32866" name="think-cell Slide" r:id="rId4" imgW="270" imgH="270" progId="TCLayout.ActiveDocument.1">
+                <p:oleObj spid="_x0000_s32867" name="think-cell Slide" r:id="rId4" imgW="270" imgH="270" progId="TCLayout.ActiveDocument.1">
                   <p:embed/>
                 </p:oleObj>
               </mc:Choice>
@@ -14992,7 +14993,7 @@
                 </a:solidFill>
               </a:rPr>
               <a:pPr/>
-              <a:t>30/12/2020</a:t>
+              <a:t>05/03/2021</a:t>
             </a:fld>
             <a:endParaRPr lang="en-GB" dirty="0">
               <a:solidFill>
@@ -15541,7 +15542,7 @@
           <a:graphicData uri="http://schemas.openxmlformats.org/presentationml/2006/ole">
             <mc:AlternateContent xmlns:mc="http://schemas.openxmlformats.org/markup-compatibility/2006">
               <mc:Choice xmlns:v="urn:schemas-microsoft-com:vml" Requires="v">
-                <p:oleObj spid="_x0000_s33986" name="think-cell Slide" r:id="rId5" imgW="270" imgH="270" progId="TCLayout.ActiveDocument.1">
+                <p:oleObj spid="_x0000_s33988" name="think-cell Slide" r:id="rId5" imgW="270" imgH="270" progId="TCLayout.ActiveDocument.1">
                   <p:embed/>
                 </p:oleObj>
               </mc:Choice>
@@ -15797,7 +15798,7 @@
                 </a:solidFill>
               </a:rPr>
               <a:pPr/>
-              <a:t>30/12/2020</a:t>
+              <a:t>05/03/2021</a:t>
             </a:fld>
             <a:endParaRPr lang="en-GB" dirty="0">
               <a:solidFill>
@@ -15871,7 +15872,7 @@
           <a:graphicData uri="http://schemas.openxmlformats.org/presentationml/2006/ole">
             <mc:AlternateContent xmlns:mc="http://schemas.openxmlformats.org/markup-compatibility/2006">
               <mc:Choice xmlns:v="urn:schemas-microsoft-com:vml" Requires="v">
-                <p:oleObj spid="_x0000_s33987" name="think-cell Slide" r:id="rId7" imgW="270" imgH="270" progId="TCLayout.ActiveDocument.1">
+                <p:oleObj spid="_x0000_s33989" name="think-cell Slide" r:id="rId7" imgW="270" imgH="270" progId="TCLayout.ActiveDocument.1">
                   <p:embed/>
                 </p:oleObj>
               </mc:Choice>
@@ -16177,7 +16178,7 @@
                 </a:solidFill>
               </a:rPr>
               <a:pPr/>
-              <a:t>30/12/2020</a:t>
+              <a:t>05/03/2021</a:t>
             </a:fld>
             <a:endParaRPr lang="en-GB" dirty="0">
               <a:solidFill>
@@ -16673,7 +16674,7 @@
           <a:graphicData uri="http://schemas.openxmlformats.org/presentationml/2006/ole">
             <mc:AlternateContent xmlns:mc="http://schemas.openxmlformats.org/markup-compatibility/2006">
               <mc:Choice xmlns:v="urn:schemas-microsoft-com:vml" Requires="v">
-                <p:oleObj spid="_x0000_s35010" name="think-cell Slide" r:id="rId5" imgW="270" imgH="270" progId="TCLayout.ActiveDocument.1">
+                <p:oleObj spid="_x0000_s35012" name="think-cell Slide" r:id="rId5" imgW="270" imgH="270" progId="TCLayout.ActiveDocument.1">
                   <p:embed/>
                 </p:oleObj>
               </mc:Choice>
@@ -16743,7 +16744,7 @@
                 </a:solidFill>
               </a:rPr>
               <a:pPr/>
-              <a:t>30/12/2020</a:t>
+              <a:t>05/03/2021</a:t>
             </a:fld>
             <a:endParaRPr lang="en-GB" dirty="0">
               <a:solidFill>
@@ -17101,7 +17102,7 @@
           <a:graphicData uri="http://schemas.openxmlformats.org/presentationml/2006/ole">
             <mc:AlternateContent xmlns:mc="http://schemas.openxmlformats.org/markup-compatibility/2006">
               <mc:Choice xmlns:v="urn:schemas-microsoft-com:vml" Requires="v">
-                <p:oleObj spid="_x0000_s35011" name="think-cell Slide" r:id="rId7" imgW="270" imgH="270" progId="TCLayout.ActiveDocument.1">
+                <p:oleObj spid="_x0000_s35013" name="think-cell Slide" r:id="rId7" imgW="270" imgH="270" progId="TCLayout.ActiveDocument.1">
                   <p:embed/>
                 </p:oleObj>
               </mc:Choice>
@@ -17392,7 +17393,7 @@
           <a:graphicData uri="http://schemas.openxmlformats.org/presentationml/2006/ole">
             <mc:AlternateContent xmlns:mc="http://schemas.openxmlformats.org/markup-compatibility/2006">
               <mc:Choice xmlns:v="urn:schemas-microsoft-com:vml" Requires="v">
-                <p:oleObj spid="_x0000_s36034" name="think-cell Slide" r:id="rId5" imgW="270" imgH="270" progId="TCLayout.ActiveDocument.1">
+                <p:oleObj spid="_x0000_s36036" name="think-cell Slide" r:id="rId5" imgW="270" imgH="270" progId="TCLayout.ActiveDocument.1">
                   <p:embed/>
                 </p:oleObj>
               </mc:Choice>
@@ -17462,7 +17463,7 @@
                 </a:solidFill>
               </a:rPr>
               <a:pPr/>
-              <a:t>30/12/2020</a:t>
+              <a:t>05/03/2021</a:t>
             </a:fld>
             <a:endParaRPr lang="en-GB" dirty="0">
               <a:solidFill>
@@ -17820,7 +17821,7 @@
           <a:graphicData uri="http://schemas.openxmlformats.org/presentationml/2006/ole">
             <mc:AlternateContent xmlns:mc="http://schemas.openxmlformats.org/markup-compatibility/2006">
               <mc:Choice xmlns:v="urn:schemas-microsoft-com:vml" Requires="v">
-                <p:oleObj spid="_x0000_s36035" name="think-cell Slide" r:id="rId7" imgW="270" imgH="270" progId="TCLayout.ActiveDocument.1">
+                <p:oleObj spid="_x0000_s36037" name="think-cell Slide" r:id="rId7" imgW="270" imgH="270" progId="TCLayout.ActiveDocument.1">
                   <p:embed/>
                 </p:oleObj>
               </mc:Choice>
@@ -18121,7 +18122,7 @@
           <a:graphicData uri="http://schemas.openxmlformats.org/presentationml/2006/ole">
             <mc:AlternateContent xmlns:mc="http://schemas.openxmlformats.org/markup-compatibility/2006">
               <mc:Choice xmlns:v="urn:schemas-microsoft-com:vml" Requires="v">
-                <p:oleObj spid="_x0000_s4194" name="think-cell Slide" r:id="rId4" imgW="270" imgH="270" progId="TCLayout.ActiveDocument.1">
+                <p:oleObj spid="_x0000_s4195" name="think-cell Slide" r:id="rId4" imgW="270" imgH="270" progId="TCLayout.ActiveDocument.1">
                   <p:embed/>
                 </p:oleObj>
               </mc:Choice>
@@ -18279,7 +18280,7 @@
           <a:p>
             <a:fld id="{B56E8790-EF43-4195-82DA-4A26D543E504}" type="datetimeFigureOut">
               <a:rPr lang="en-GB" smtClean="0"/>
-              <a:t>30/12/2020</a:t>
+              <a:t>05/03/2021</a:t>
             </a:fld>
             <a:endParaRPr lang="en-GB" dirty="0"/>
           </a:p>
@@ -18673,7 +18674,7 @@
           <a:graphicData uri="http://schemas.openxmlformats.org/presentationml/2006/ole">
             <mc:AlternateContent xmlns:mc="http://schemas.openxmlformats.org/markup-compatibility/2006">
               <mc:Choice xmlns:v="urn:schemas-microsoft-com:vml" Requires="v">
-                <p:oleObj spid="_x0000_s37058" name="think-cell Slide" r:id="rId5" imgW="270" imgH="270" progId="TCLayout.ActiveDocument.1">
+                <p:oleObj spid="_x0000_s37060" name="think-cell Slide" r:id="rId5" imgW="270" imgH="270" progId="TCLayout.ActiveDocument.1">
                   <p:embed/>
                 </p:oleObj>
               </mc:Choice>
@@ -18792,7 +18793,7 @@
                 </a:solidFill>
               </a:rPr>
               <a:pPr/>
-              <a:t>30/12/2020</a:t>
+              <a:t>05/03/2021</a:t>
             </a:fld>
             <a:endParaRPr lang="en-GB" dirty="0">
               <a:solidFill>
@@ -19385,7 +19386,7 @@
           <a:graphicData uri="http://schemas.openxmlformats.org/presentationml/2006/ole">
             <mc:AlternateContent xmlns:mc="http://schemas.openxmlformats.org/markup-compatibility/2006">
               <mc:Choice xmlns:v="urn:schemas-microsoft-com:vml" Requires="v">
-                <p:oleObj spid="_x0000_s37059" name="think-cell Slide" r:id="rId7" imgW="270" imgH="270" progId="TCLayout.ActiveDocument.1">
+                <p:oleObj spid="_x0000_s37061" name="think-cell Slide" r:id="rId7" imgW="270" imgH="270" progId="TCLayout.ActiveDocument.1">
                   <p:embed/>
                 </p:oleObj>
               </mc:Choice>
@@ -19689,7 +19690,7 @@
           <a:graphicData uri="http://schemas.openxmlformats.org/presentationml/2006/ole">
             <mc:AlternateContent xmlns:mc="http://schemas.openxmlformats.org/markup-compatibility/2006">
               <mc:Choice xmlns:v="urn:schemas-microsoft-com:vml" Requires="v">
-                <p:oleObj spid="_x0000_s38082" name="think-cell Slide" r:id="rId5" imgW="270" imgH="270" progId="TCLayout.ActiveDocument.1">
+                <p:oleObj spid="_x0000_s38084" name="think-cell Slide" r:id="rId5" imgW="270" imgH="270" progId="TCLayout.ActiveDocument.1">
                   <p:embed/>
                 </p:oleObj>
               </mc:Choice>
@@ -19759,7 +19760,7 @@
                 </a:solidFill>
               </a:rPr>
               <a:pPr/>
-              <a:t>30/12/2020</a:t>
+              <a:t>05/03/2021</a:t>
             </a:fld>
             <a:endParaRPr lang="en-GB" dirty="0">
               <a:solidFill>
@@ -20144,7 +20145,7 @@
           <a:graphicData uri="http://schemas.openxmlformats.org/presentationml/2006/ole">
             <mc:AlternateContent xmlns:mc="http://schemas.openxmlformats.org/markup-compatibility/2006">
               <mc:Choice xmlns:v="urn:schemas-microsoft-com:vml" Requires="v">
-                <p:oleObj spid="_x0000_s38083" name="think-cell Slide" r:id="rId8" imgW="270" imgH="270" progId="TCLayout.ActiveDocument.1">
+                <p:oleObj spid="_x0000_s38085" name="think-cell Slide" r:id="rId8" imgW="270" imgH="270" progId="TCLayout.ActiveDocument.1">
                   <p:embed/>
                 </p:oleObj>
               </mc:Choice>
@@ -20414,7 +20415,7 @@
           <a:graphicData uri="http://schemas.openxmlformats.org/presentationml/2006/ole">
             <mc:AlternateContent xmlns:mc="http://schemas.openxmlformats.org/markup-compatibility/2006">
               <mc:Choice xmlns:v="urn:schemas-microsoft-com:vml" Requires="v">
-                <p:oleObj spid="_x0000_s39010" name="think-cell Slide" r:id="rId4" imgW="270" imgH="270" progId="TCLayout.ActiveDocument.1">
+                <p:oleObj spid="_x0000_s39011" name="think-cell Slide" r:id="rId4" imgW="270" imgH="270" progId="TCLayout.ActiveDocument.1">
                   <p:embed/>
                 </p:oleObj>
               </mc:Choice>
@@ -20476,7 +20477,7 @@
                 </a:solidFill>
               </a:rPr>
               <a:pPr/>
-              <a:t>30/12/2020</a:t>
+              <a:t>05/03/2021</a:t>
             </a:fld>
             <a:endParaRPr lang="en-GB" dirty="0">
               <a:solidFill>
@@ -20878,7 +20879,7 @@
           <a:graphicData uri="http://schemas.openxmlformats.org/presentationml/2006/ole">
             <mc:AlternateContent xmlns:mc="http://schemas.openxmlformats.org/markup-compatibility/2006">
               <mc:Choice xmlns:v="urn:schemas-microsoft-com:vml" Requires="v">
-                <p:oleObj spid="_x0000_s5218" name="think-cell Slide" r:id="rId4" imgW="270" imgH="270" progId="TCLayout.ActiveDocument.1">
+                <p:oleObj spid="_x0000_s5219" name="think-cell Slide" r:id="rId4" imgW="270" imgH="270" progId="TCLayout.ActiveDocument.1">
                   <p:embed/>
                 </p:oleObj>
               </mc:Choice>
@@ -20943,7 +20944,7 @@
           <a:p>
             <a:fld id="{B56E8790-EF43-4195-82DA-4A26D543E504}" type="datetimeFigureOut">
               <a:rPr lang="en-GB" smtClean="0"/>
-              <a:t>30/12/2020</a:t>
+              <a:t>05/03/2021</a:t>
             </a:fld>
             <a:endParaRPr lang="en-GB" dirty="0"/>
           </a:p>
@@ -21489,7 +21490,7 @@
           <a:graphicData uri="http://schemas.openxmlformats.org/presentationml/2006/ole">
             <mc:AlternateContent xmlns:mc="http://schemas.openxmlformats.org/markup-compatibility/2006">
               <mc:Choice xmlns:v="urn:schemas-microsoft-com:vml" Requires="v">
-                <p:oleObj spid="_x0000_s6338" name="think-cell Slide" r:id="rId5" imgW="270" imgH="270" progId="TCLayout.ActiveDocument.1">
+                <p:oleObj spid="_x0000_s6340" name="think-cell Slide" r:id="rId5" imgW="270" imgH="270" progId="TCLayout.ActiveDocument.1">
                   <p:embed/>
                 </p:oleObj>
               </mc:Choice>
@@ -21740,7 +21741,7 @@
           <a:p>
             <a:fld id="{B56E8790-EF43-4195-82DA-4A26D543E504}" type="datetimeFigureOut">
               <a:rPr lang="en-GB" smtClean="0"/>
-              <a:t>30/12/2020</a:t>
+              <a:t>05/03/2021</a:t>
             </a:fld>
             <a:endParaRPr lang="en-GB" dirty="0"/>
           </a:p>
@@ -21815,7 +21816,7 @@
           <a:graphicData uri="http://schemas.openxmlformats.org/presentationml/2006/ole">
             <mc:AlternateContent xmlns:mc="http://schemas.openxmlformats.org/markup-compatibility/2006">
               <mc:Choice xmlns:v="urn:schemas-microsoft-com:vml" Requires="v">
-                <p:oleObj spid="_x0000_s6339" name="think-cell Slide" r:id="rId7" imgW="270" imgH="270" progId="TCLayout.ActiveDocument.1">
+                <p:oleObj spid="_x0000_s6341" name="think-cell Slide" r:id="rId7" imgW="270" imgH="270" progId="TCLayout.ActiveDocument.1">
                   <p:embed/>
                 </p:oleObj>
               </mc:Choice>
@@ -22112,7 +22113,7 @@
           <a:p>
             <a:fld id="{B56E8790-EF43-4195-82DA-4A26D543E504}" type="datetimeFigureOut">
               <a:rPr lang="en-GB" smtClean="0"/>
-              <a:t>30/12/2020</a:t>
+              <a:t>05/03/2021</a:t>
             </a:fld>
             <a:endParaRPr lang="en-GB" dirty="0"/>
           </a:p>
@@ -22605,7 +22606,7 @@
           <a:graphicData uri="http://schemas.openxmlformats.org/presentationml/2006/ole">
             <mc:AlternateContent xmlns:mc="http://schemas.openxmlformats.org/markup-compatibility/2006">
               <mc:Choice xmlns:v="urn:schemas-microsoft-com:vml" Requires="v">
-                <p:oleObj spid="_x0000_s7362" name="think-cell Slide" r:id="rId5" imgW="270" imgH="270" progId="TCLayout.ActiveDocument.1">
+                <p:oleObj spid="_x0000_s7364" name="think-cell Slide" r:id="rId5" imgW="270" imgH="270" progId="TCLayout.ActiveDocument.1">
                   <p:embed/>
                 </p:oleObj>
               </mc:Choice>
@@ -22670,7 +22671,7 @@
           <a:p>
             <a:fld id="{B56E8790-EF43-4195-82DA-4A26D543E504}" type="datetimeFigureOut">
               <a:rPr lang="en-GB" smtClean="0"/>
-              <a:t>30/12/2020</a:t>
+              <a:t>05/03/2021</a:t>
             </a:fld>
             <a:endParaRPr lang="en-GB" dirty="0"/>
           </a:p>
@@ -23029,7 +23030,7 @@
           <a:graphicData uri="http://schemas.openxmlformats.org/presentationml/2006/ole">
             <mc:AlternateContent xmlns:mc="http://schemas.openxmlformats.org/markup-compatibility/2006">
               <mc:Choice xmlns:v="urn:schemas-microsoft-com:vml" Requires="v">
-                <p:oleObj spid="_x0000_s7363" name="think-cell Slide" r:id="rId7" imgW="270" imgH="270" progId="TCLayout.ActiveDocument.1">
+                <p:oleObj spid="_x0000_s7365" name="think-cell Slide" r:id="rId7" imgW="270" imgH="270" progId="TCLayout.ActiveDocument.1">
                   <p:embed/>
                 </p:oleObj>
               </mc:Choice>
@@ -23321,7 +23322,7 @@
           <a:graphicData uri="http://schemas.openxmlformats.org/presentationml/2006/ole">
             <mc:AlternateContent xmlns:mc="http://schemas.openxmlformats.org/markup-compatibility/2006">
               <mc:Choice xmlns:v="urn:schemas-microsoft-com:vml" Requires="v">
-                <p:oleObj spid="_x0000_s8386" name="think-cell Slide" r:id="rId5" imgW="270" imgH="270" progId="TCLayout.ActiveDocument.1">
+                <p:oleObj spid="_x0000_s8388" name="think-cell Slide" r:id="rId5" imgW="270" imgH="270" progId="TCLayout.ActiveDocument.1">
                   <p:embed/>
                 </p:oleObj>
               </mc:Choice>
@@ -23386,7 +23387,7 @@
           <a:p>
             <a:fld id="{B56E8790-EF43-4195-82DA-4A26D543E504}" type="datetimeFigureOut">
               <a:rPr lang="en-GB" smtClean="0"/>
-              <a:t>30/12/2020</a:t>
+              <a:t>05/03/2021</a:t>
             </a:fld>
             <a:endParaRPr lang="en-GB" dirty="0"/>
           </a:p>
@@ -23745,7 +23746,7 @@
           <a:graphicData uri="http://schemas.openxmlformats.org/presentationml/2006/ole">
             <mc:AlternateContent xmlns:mc="http://schemas.openxmlformats.org/markup-compatibility/2006">
               <mc:Choice xmlns:v="urn:schemas-microsoft-com:vml" Requires="v">
-                <p:oleObj spid="_x0000_s8387" name="think-cell Slide" r:id="rId7" imgW="270" imgH="270" progId="TCLayout.ActiveDocument.1">
+                <p:oleObj spid="_x0000_s8389" name="think-cell Slide" r:id="rId7" imgW="270" imgH="270" progId="TCLayout.ActiveDocument.1">
                   <p:embed/>
                 </p:oleObj>
               </mc:Choice>
@@ -24050,7 +24051,7 @@
           <a:graphicData uri="http://schemas.openxmlformats.org/presentationml/2006/ole">
             <mc:AlternateContent xmlns:mc="http://schemas.openxmlformats.org/markup-compatibility/2006">
               <mc:Choice xmlns:v="urn:schemas-microsoft-com:vml" Requires="v">
-                <p:oleObj spid="_x0000_s1122" name="think-cell Slide" r:id="rId24" imgW="270" imgH="270" progId="TCLayout.ActiveDocument.1">
+                <p:oleObj spid="_x0000_s1123" name="think-cell Slide" r:id="rId24" imgW="270" imgH="270" progId="TCLayout.ActiveDocument.1">
                   <p:embed/>
                 </p:oleObj>
               </mc:Choice>
@@ -24182,7 +24183,7 @@
           <a:p>
             <a:fld id="{B56E8790-EF43-4195-82DA-4A26D543E504}" type="datetimeFigureOut">
               <a:rPr lang="en-GB" smtClean="0"/>
-              <a:t>30/12/2020</a:t>
+              <a:t>05/03/2021</a:t>
             </a:fld>
             <a:endParaRPr lang="en-GB" dirty="0"/>
           </a:p>
@@ -24743,7 +24744,7 @@
           <a:graphicData uri="http://schemas.openxmlformats.org/presentationml/2006/ole">
             <mc:AlternateContent xmlns:mc="http://schemas.openxmlformats.org/markup-compatibility/2006">
               <mc:Choice xmlns:v="urn:schemas-microsoft-com:vml" Requires="v">
-                <p:oleObj spid="_x0000_s18530" name="think-cell Slide" r:id="rId16" imgW="270" imgH="270" progId="TCLayout.ActiveDocument.1">
+                <p:oleObj spid="_x0000_s18531" name="think-cell Slide" r:id="rId16" imgW="270" imgH="270" progId="TCLayout.ActiveDocument.1">
                   <p:embed/>
                 </p:oleObj>
               </mc:Choice>
@@ -24876,7 +24877,7 @@
             <a:fld id="{10E7BC8F-BFD3-4858-915D-99D9576C8415}" type="datetime1">
               <a:rPr lang="en-GB" smtClean="0"/>
               <a:pPr/>
-              <a:t>30/12/2020</a:t>
+              <a:t>05/03/2021</a:t>
             </a:fld>
             <a:endParaRPr lang="en-GB" dirty="0"/>
           </a:p>
@@ -25430,7 +25431,7 @@
           <a:graphicData uri="http://schemas.openxmlformats.org/presentationml/2006/ole">
             <mc:AlternateContent xmlns:mc="http://schemas.openxmlformats.org/markup-compatibility/2006">
               <mc:Choice xmlns:v="urn:schemas-microsoft-com:vml" Requires="v">
-                <p:oleObj spid="_x0000_s28770" name="think-cell Slide" r:id="rId17" imgW="270" imgH="270" progId="TCLayout.ActiveDocument.1">
+                <p:oleObj spid="_x0000_s28771" name="think-cell Slide" r:id="rId17" imgW="270" imgH="270" progId="TCLayout.ActiveDocument.1">
                   <p:embed/>
                 </p:oleObj>
               </mc:Choice>
@@ -25567,7 +25568,7 @@
                 </a:solidFill>
               </a:rPr>
               <a:pPr/>
-              <a:t>30/12/2020</a:t>
+              <a:t>05/03/2021</a:t>
             </a:fld>
             <a:endParaRPr lang="en-GB" dirty="0">
               <a:solidFill>
@@ -26453,6 +26454,14 @@
                   </a:rPr>
                   <a:t>Cancelled</a:t>
                 </a:r>
+                <a:r>
+                  <a:rPr lang="da-DK" sz="1200" b="1" dirty="0">
+                    <a:solidFill>
+                      <a:schemeClr val="tx1"/>
+                    </a:solidFill>
+                  </a:rPr>
+                  <a:t/>
+                </a:r>
                 <a:br>
                   <a:rPr lang="da-DK" sz="1200" b="1" dirty="0">
                     <a:solidFill>
@@ -26595,6 +26604,14 @@
                     </a:solidFill>
                   </a:rPr>
                   <a:t>Cancelled</a:t>
+                </a:r>
+                <a:r>
+                  <a:rPr lang="da-DK" sz="1200" b="1" dirty="0">
+                    <a:solidFill>
+                      <a:schemeClr val="tx1"/>
+                    </a:solidFill>
+                  </a:rPr>
+                  <a:t/>
                 </a:r>
                 <a:br>
                   <a:rPr lang="da-DK" sz="1200" b="1" dirty="0">
@@ -26739,6 +26756,14 @@
                   </a:solidFill>
                 </a:rPr>
                 <a:t>ExpiredAnd</a:t>
+              </a:r>
+              <a:r>
+                <a:rPr lang="da-DK" sz="1200" b="1" dirty="0">
+                  <a:solidFill>
+                    <a:schemeClr val="tx1"/>
+                  </a:solidFill>
+                </a:rPr>
+                <a:t/>
               </a:r>
               <a:br>
                 <a:rPr lang="da-DK" sz="1200" b="1" dirty="0">
@@ -38153,6 +38178,14 @@
                 </a:rPr>
                 <a:t>Issued</a:t>
               </a:r>
+              <a:r>
+                <a:rPr lang="da-DK" sz="1200" b="1" dirty="0">
+                  <a:solidFill>
+                    <a:schemeClr val="tx1"/>
+                  </a:solidFill>
+                </a:rPr>
+                <a:t/>
+              </a:r>
               <a:br>
                 <a:rPr lang="da-DK" sz="1200" b="1" dirty="0">
                   <a:solidFill>
@@ -38387,6 +38420,14 @@
                 </a:rPr>
                 <a:t>Cancelled</a:t>
               </a:r>
+              <a:r>
+                <a:rPr lang="da-DK" sz="1200" b="1" dirty="0">
+                  <a:solidFill>
+                    <a:schemeClr val="tx1"/>
+                  </a:solidFill>
+                </a:rPr>
+                <a:t/>
+              </a:r>
               <a:br>
                 <a:rPr lang="da-DK" sz="1200" b="1" dirty="0">
                   <a:solidFill>
@@ -38530,6 +38571,14 @@
                 </a:rPr>
                 <a:t>Cancelled</a:t>
               </a:r>
+              <a:r>
+                <a:rPr lang="da-DK" sz="1200" b="1" dirty="0">
+                  <a:solidFill>
+                    <a:schemeClr val="tx1"/>
+                  </a:solidFill>
+                </a:rPr>
+                <a:t/>
+              </a:r>
               <a:br>
                 <a:rPr lang="da-DK" sz="1200" b="1" dirty="0">
                   <a:solidFill>
@@ -38636,6 +38685,14 @@
                   </a:solidFill>
                 </a:rPr>
                 <a:t>Cancelled</a:t>
+              </a:r>
+              <a:r>
+                <a:rPr lang="da-DK" sz="1200" b="1" dirty="0">
+                  <a:solidFill>
+                    <a:schemeClr val="tx1"/>
+                  </a:solidFill>
+                </a:rPr>
+                <a:t/>
               </a:r>
               <a:br>
                 <a:rPr lang="da-DK" sz="1200" b="1" dirty="0">
@@ -47172,6 +47229,14 @@
                 </a:rPr>
                 <a:t>Cancelled</a:t>
               </a:r>
+              <a:r>
+                <a:rPr lang="da-DK" sz="1200" b="1" dirty="0">
+                  <a:solidFill>
+                    <a:schemeClr val="tx1"/>
+                  </a:solidFill>
+                </a:rPr>
+                <a:t/>
+              </a:r>
               <a:br>
                 <a:rPr lang="da-DK" sz="1200" b="1" dirty="0">
                   <a:solidFill>
@@ -47279,6 +47344,14 @@
                 </a:rPr>
                 <a:t>Cancelled</a:t>
               </a:r>
+              <a:r>
+                <a:rPr lang="da-DK" sz="1200" b="1" dirty="0">
+                  <a:solidFill>
+                    <a:schemeClr val="tx1"/>
+                  </a:solidFill>
+                </a:rPr>
+                <a:t/>
+              </a:r>
               <a:br>
                 <a:rPr lang="da-DK" sz="1200" b="1" dirty="0">
                   <a:solidFill>
@@ -47349,6 +47422,14 @@
                   </a:solidFill>
                 </a:rPr>
                 <a:t>Cancelled</a:t>
+              </a:r>
+              <a:r>
+                <a:rPr lang="da-DK" sz="1200" b="1" dirty="0">
+                  <a:solidFill>
+                    <a:schemeClr val="tx1"/>
+                  </a:solidFill>
+                </a:rPr>
+                <a:t/>
               </a:r>
               <a:br>
                 <a:rPr lang="da-DK" sz="1200" b="1" dirty="0">
@@ -48336,6 +48417,368 @@
 </p:sld>
 </file>
 
+<file path=ppt/slides/slide31.xml><?xml version="1.0" encoding="utf-8"?>
+<p:sld xmlns:a="http://schemas.openxmlformats.org/drawingml/2006/main" xmlns:r="http://schemas.openxmlformats.org/officeDocument/2006/relationships" xmlns:p="http://schemas.openxmlformats.org/presentationml/2006/main">
+  <p:cSld>
+    <p:spTree>
+      <p:nvGrpSpPr>
+        <p:cNvPr id="1" name=""/>
+        <p:cNvGrpSpPr/>
+        <p:nvPr/>
+      </p:nvGrpSpPr>
+      <p:grpSpPr>
+        <a:xfrm>
+          <a:off x="0" y="0"/>
+          <a:ext cx="0" cy="0"/>
+          <a:chOff x="0" y="0"/>
+          <a:chExt cx="0" cy="0"/>
+        </a:xfrm>
+      </p:grpSpPr>
+      <p:pic>
+        <p:nvPicPr>
+          <p:cNvPr id="5" name="Picture 4"/>
+          <p:cNvPicPr>
+            <a:picLocks noChangeAspect="1"/>
+          </p:cNvPicPr>
+          <p:nvPr/>
+        </p:nvPicPr>
+        <p:blipFill rotWithShape="1">
+          <a:blip r:embed="rId3" cstate="print">
+            <a:extLst>
+              <a:ext uri="{28A0092B-C50C-407E-A947-70E740481C1C}">
+                <a14:useLocalDpi xmlns:a14="http://schemas.microsoft.com/office/drawing/2010/main" val="0"/>
+              </a:ext>
+            </a:extLst>
+          </a:blip>
+          <a:srcRect l="954" t="17150" r="55824" b="17177"/>
+          <a:stretch/>
+        </p:blipFill>
+        <p:spPr>
+          <a:xfrm>
+            <a:off x="3079178" y="681170"/>
+            <a:ext cx="780517" cy="1080000"/>
+          </a:xfrm>
+          <a:prstGeom prst="rect">
+            <a:avLst/>
+          </a:prstGeom>
+        </p:spPr>
+      </p:pic>
+      <p:pic>
+        <p:nvPicPr>
+          <p:cNvPr id="6" name="icon_computer_colour"/>
+          <p:cNvPicPr>
+            <a:picLocks noChangeAspect="1"/>
+          </p:cNvPicPr>
+          <p:nvPr>
+            <p:custDataLst>
+              <p:tags r:id="rId1"/>
+            </p:custDataLst>
+          </p:nvPr>
+        </p:nvPicPr>
+        <p:blipFill rotWithShape="1">
+          <a:blip r:embed="rId4" cstate="print">
+            <a:extLst>
+              <a:ext uri="{28A0092B-C50C-407E-A947-70E740481C1C}">
+                <a14:useLocalDpi xmlns:a14="http://schemas.microsoft.com/office/drawing/2010/main" val="0"/>
+              </a:ext>
+            </a:extLst>
+          </a:blip>
+          <a:srcRect t="12353" b="14097"/>
+          <a:stretch/>
+        </p:blipFill>
+        <p:spPr>
+          <a:xfrm>
+            <a:off x="7389045" y="646706"/>
+            <a:ext cx="1712014" cy="1146721"/>
+          </a:xfrm>
+          <a:prstGeom prst="rect">
+            <a:avLst/>
+          </a:prstGeom>
+        </p:spPr>
+      </p:pic>
+      <p:pic>
+        <p:nvPicPr>
+          <p:cNvPr id="7" name="Picture 2" descr="Billedresultat for mobilepay logo"/>
+          <p:cNvPicPr>
+            <a:picLocks noChangeAspect="1" noChangeArrowheads="1"/>
+          </p:cNvPicPr>
+          <p:nvPr/>
+        </p:nvPicPr>
+        <p:blipFill rotWithShape="1">
+          <a:blip r:embed="rId5" cstate="print">
+            <a:extLst>
+              <a:ext uri="{28A0092B-C50C-407E-A947-70E740481C1C}">
+                <a14:useLocalDpi xmlns:a14="http://schemas.microsoft.com/office/drawing/2010/main" val="0"/>
+              </a:ext>
+            </a:extLst>
+          </a:blip>
+          <a:srcRect l="40451" t="39819" r="24722" b="40276"/>
+          <a:stretch/>
+        </p:blipFill>
+        <p:spPr bwMode="auto">
+          <a:xfrm>
+            <a:off x="7707634" y="1037064"/>
+            <a:ext cx="1094082" cy="259494"/>
+          </a:xfrm>
+          <a:prstGeom prst="rect">
+            <a:avLst/>
+          </a:prstGeom>
+          <a:noFill/>
+          <a:extLst>
+            <a:ext uri="{909E8E84-426E-40DD-AFC4-6F175D3DCCD1}">
+              <a14:hiddenFill xmlns:a14="http://schemas.microsoft.com/office/drawing/2010/main">
+                <a:solidFill>
+                  <a:srgbClr val="FFFFFF"/>
+                </a:solidFill>
+              </a14:hiddenFill>
+            </a:ext>
+          </a:extLst>
+        </p:spPr>
+      </p:pic>
+      <p:cxnSp>
+        <p:nvCxnSpPr>
+          <p:cNvPr id="9" name="Straight Arrow Connector 8"/>
+          <p:cNvCxnSpPr/>
+          <p:nvPr/>
+        </p:nvCxnSpPr>
+        <p:spPr>
+          <a:xfrm>
+            <a:off x="3553868" y="2903934"/>
+            <a:ext cx="4702103" cy="0"/>
+          </a:xfrm>
+          <a:prstGeom prst="straightConnector1">
+            <a:avLst/>
+          </a:prstGeom>
+          <a:ln w="28575">
+            <a:prstDash val="sysDash"/>
+            <a:headEnd type="triangle" w="med" len="med"/>
+            <a:tailEnd type="none" w="med" len="med"/>
+          </a:ln>
+        </p:spPr>
+        <p:style>
+          <a:lnRef idx="3">
+            <a:schemeClr val="accent2"/>
+          </a:lnRef>
+          <a:fillRef idx="0">
+            <a:schemeClr val="accent2"/>
+          </a:fillRef>
+          <a:effectRef idx="2">
+            <a:schemeClr val="accent2"/>
+          </a:effectRef>
+          <a:fontRef idx="minor">
+            <a:schemeClr val="tx1"/>
+          </a:fontRef>
+        </p:style>
+      </p:cxnSp>
+      <p:cxnSp>
+        <p:nvCxnSpPr>
+          <p:cNvPr id="10" name="Straight Arrow Connector 9"/>
+          <p:cNvCxnSpPr/>
+          <p:nvPr/>
+        </p:nvCxnSpPr>
+        <p:spPr>
+          <a:xfrm>
+            <a:off x="3553868" y="2693869"/>
+            <a:ext cx="4702103" cy="0"/>
+          </a:xfrm>
+          <a:prstGeom prst="straightConnector1">
+            <a:avLst/>
+          </a:prstGeom>
+          <a:ln w="28575">
+            <a:headEnd type="none" w="med" len="med"/>
+            <a:tailEnd type="triangle" w="med" len="med"/>
+          </a:ln>
+        </p:spPr>
+        <p:style>
+          <a:lnRef idx="3">
+            <a:schemeClr val="accent2"/>
+          </a:lnRef>
+          <a:fillRef idx="0">
+            <a:schemeClr val="accent2"/>
+          </a:fillRef>
+          <a:effectRef idx="2">
+            <a:schemeClr val="accent2"/>
+          </a:effectRef>
+          <a:fontRef idx="minor">
+            <a:schemeClr val="tx1"/>
+          </a:fontRef>
+        </p:style>
+      </p:cxnSp>
+      <p:sp>
+        <p:nvSpPr>
+          <p:cNvPr id="11" name="TextBox 10"/>
+          <p:cNvSpPr txBox="1"/>
+          <p:nvPr/>
+        </p:nvSpPr>
+        <p:spPr>
+          <a:xfrm>
+            <a:off x="3927107" y="2488310"/>
+            <a:ext cx="4081112" cy="169277"/>
+          </a:xfrm>
+          <a:prstGeom prst="rect">
+            <a:avLst/>
+          </a:prstGeom>
+          <a:noFill/>
+        </p:spPr>
+        <p:txBody>
+          <a:bodyPr wrap="square" lIns="0" tIns="0" rIns="0" bIns="0" rtlCol="0">
+            <a:spAutoFit/>
+          </a:bodyPr>
+          <a:lstStyle/>
+          <a:p>
+            <a:pPr algn="ctr"/>
+            <a:r>
+              <a:rPr lang="da-DK" sz="1100" b="1" dirty="0">
+                <a:solidFill>
+                  <a:schemeClr val="accent4"/>
+                </a:solidFill>
+              </a:rPr>
+              <a:t>GET /</a:t>
+            </a:r>
+            <a:r>
+              <a:rPr lang="da-DK" sz="1100" b="1" dirty="0" smtClean="0">
+                <a:solidFill>
+                  <a:schemeClr val="accent4"/>
+                </a:solidFill>
+              </a:rPr>
+              <a:t>stores</a:t>
+            </a:r>
+            <a:endParaRPr lang="en-GB" sz="1100" b="1" dirty="0">
+              <a:solidFill>
+                <a:schemeClr val="accent4"/>
+              </a:solidFill>
+            </a:endParaRPr>
+          </a:p>
+        </p:txBody>
+      </p:sp>
+      <p:sp>
+        <p:nvSpPr>
+          <p:cNvPr id="12" name="TextBox 11"/>
+          <p:cNvSpPr txBox="1"/>
+          <p:nvPr/>
+        </p:nvSpPr>
+        <p:spPr>
+          <a:xfrm>
+            <a:off x="4378351" y="2940193"/>
+            <a:ext cx="3240025" cy="169277"/>
+          </a:xfrm>
+          <a:prstGeom prst="rect">
+            <a:avLst/>
+          </a:prstGeom>
+          <a:noFill/>
+        </p:spPr>
+        <p:txBody>
+          <a:bodyPr wrap="square" lIns="0" tIns="0" rIns="0" bIns="0" rtlCol="0">
+            <a:spAutoFit/>
+          </a:bodyPr>
+          <a:lstStyle/>
+          <a:p>
+            <a:pPr algn="ctr"/>
+            <a:r>
+              <a:rPr lang="da-DK" sz="1100" b="1" dirty="0">
+                <a:solidFill>
+                  <a:schemeClr val="accent4"/>
+                </a:solidFill>
+              </a:rPr>
+              <a:t>[</a:t>
+            </a:r>
+            <a:r>
+              <a:rPr lang="da-DK" sz="1100" b="1" dirty="0" smtClean="0">
+                <a:solidFill>
+                  <a:schemeClr val="accent4"/>
+                </a:solidFill>
+              </a:rPr>
+              <a:t>storeId_1, storeId_2, …]</a:t>
+            </a:r>
+            <a:endParaRPr lang="en-GB" sz="1100" b="1" dirty="0">
+              <a:solidFill>
+                <a:schemeClr val="accent4"/>
+              </a:solidFill>
+            </a:endParaRPr>
+          </a:p>
+        </p:txBody>
+      </p:sp>
+      <p:cxnSp>
+        <p:nvCxnSpPr>
+          <p:cNvPr id="17" name="Straight Arrow Connector 16"/>
+          <p:cNvCxnSpPr/>
+          <p:nvPr/>
+        </p:nvCxnSpPr>
+        <p:spPr>
+          <a:xfrm>
+            <a:off x="8255971" y="1782051"/>
+            <a:ext cx="0" cy="1846673"/>
+          </a:xfrm>
+          <a:prstGeom prst="straightConnector1">
+            <a:avLst/>
+          </a:prstGeom>
+          <a:ln w="76200">
+            <a:headEnd type="none" w="med" len="med"/>
+            <a:tailEnd type="none" w="med" len="med"/>
+          </a:ln>
+        </p:spPr>
+        <p:style>
+          <a:lnRef idx="3">
+            <a:schemeClr val="dk1"/>
+          </a:lnRef>
+          <a:fillRef idx="0">
+            <a:schemeClr val="dk1"/>
+          </a:fillRef>
+          <a:effectRef idx="2">
+            <a:schemeClr val="dk1"/>
+          </a:effectRef>
+          <a:fontRef idx="minor">
+            <a:schemeClr val="tx1"/>
+          </a:fontRef>
+        </p:style>
+      </p:cxnSp>
+      <p:cxnSp>
+        <p:nvCxnSpPr>
+          <p:cNvPr id="21" name="Straight Arrow Connector 20"/>
+          <p:cNvCxnSpPr/>
+          <p:nvPr/>
+        </p:nvCxnSpPr>
+        <p:spPr>
+          <a:xfrm>
+            <a:off x="3551904" y="1782051"/>
+            <a:ext cx="0" cy="1846673"/>
+          </a:xfrm>
+          <a:prstGeom prst="straightConnector1">
+            <a:avLst/>
+          </a:prstGeom>
+          <a:ln w="76200">
+            <a:headEnd type="none" w="med" len="med"/>
+            <a:tailEnd type="none" w="med" len="med"/>
+          </a:ln>
+        </p:spPr>
+        <p:style>
+          <a:lnRef idx="3">
+            <a:schemeClr val="dk1"/>
+          </a:lnRef>
+          <a:fillRef idx="0">
+            <a:schemeClr val="dk1"/>
+          </a:fillRef>
+          <a:effectRef idx="2">
+            <a:schemeClr val="dk1"/>
+          </a:effectRef>
+          <a:fontRef idx="minor">
+            <a:schemeClr val="tx1"/>
+          </a:fontRef>
+        </p:style>
+      </p:cxnSp>
+    </p:spTree>
+    <p:extLst>
+      <p:ext uri="{BB962C8B-B14F-4D97-AF65-F5344CB8AC3E}">
+        <p14:creationId xmlns:p14="http://schemas.microsoft.com/office/powerpoint/2010/main" val="505121792"/>
+      </p:ext>
+    </p:extLst>
+  </p:cSld>
+  <p:clrMapOvr>
+    <a:masterClrMapping/>
+  </p:clrMapOvr>
+</p:sld>
+</file>
+
 <file path=ppt/slides/slide4.xml><?xml version="1.0" encoding="utf-8"?>
 <p:sld xmlns:a="http://schemas.openxmlformats.org/drawingml/2006/main" xmlns:r="http://schemas.openxmlformats.org/officeDocument/2006/relationships" xmlns:p="http://schemas.openxmlformats.org/presentationml/2006/main">
   <p:cSld>
@@ -48470,6 +48913,14 @@
                   </a:solidFill>
                 </a:rPr>
                 <a:t>Issued</a:t>
+              </a:r>
+              <a:r>
+                <a:rPr lang="da-DK" sz="1200" b="1" dirty="0">
+                  <a:solidFill>
+                    <a:schemeClr val="tx1"/>
+                  </a:solidFill>
+                </a:rPr>
+                <a:t/>
               </a:r>
               <a:br>
                 <a:rPr lang="da-DK" sz="1200" b="1" dirty="0">
@@ -48705,6 +49156,14 @@
                 </a:rPr>
                 <a:t>Cancelled</a:t>
               </a:r>
+              <a:r>
+                <a:rPr lang="da-DK" sz="1200" b="1" dirty="0">
+                  <a:solidFill>
+                    <a:schemeClr val="tx1"/>
+                  </a:solidFill>
+                </a:rPr>
+                <a:t/>
+              </a:r>
               <a:br>
                 <a:rPr lang="da-DK" sz="1200" b="1" dirty="0">
                   <a:solidFill>
@@ -48848,6 +49307,14 @@
                 </a:rPr>
                 <a:t>Cancelled</a:t>
               </a:r>
+              <a:r>
+                <a:rPr lang="da-DK" sz="1200" b="1" dirty="0">
+                  <a:solidFill>
+                    <a:schemeClr val="tx1"/>
+                  </a:solidFill>
+                </a:rPr>
+                <a:t/>
+              </a:r>
               <a:br>
                 <a:rPr lang="da-DK" sz="1200" b="1" dirty="0">
                   <a:solidFill>
@@ -48954,6 +49421,14 @@
                   </a:solidFill>
                 </a:rPr>
                 <a:t>Cancelled</a:t>
+              </a:r>
+              <a:r>
+                <a:rPr lang="da-DK" sz="1200" b="1" dirty="0">
+                  <a:solidFill>
+                    <a:schemeClr val="tx1"/>
+                  </a:solidFill>
+                </a:rPr>
+                <a:t/>
               </a:r>
               <a:br>
                 <a:rPr lang="da-DK" sz="1200" b="1" dirty="0">
@@ -49228,6 +49703,14 @@
                 </a:rPr>
                 <a:t>ExpiredAnd</a:t>
               </a:r>
+              <a:r>
+                <a:rPr lang="da-DK" sz="1200" b="1" dirty="0">
+                  <a:solidFill>
+                    <a:schemeClr val="tx1"/>
+                  </a:solidFill>
+                </a:rPr>
+                <a:t/>
+              </a:r>
               <a:br>
                 <a:rPr lang="da-DK" sz="1200" b="1" dirty="0">
                   <a:solidFill>
@@ -49435,6 +49918,14 @@
                   </a:solidFill>
                 </a:rPr>
                 <a:t>Issued</a:t>
+              </a:r>
+              <a:r>
+                <a:rPr lang="da-DK" sz="1200" b="1" dirty="0">
+                  <a:solidFill>
+                    <a:schemeClr val="tx1"/>
+                  </a:solidFill>
+                </a:rPr>
+                <a:t/>
               </a:r>
               <a:br>
                 <a:rPr lang="da-DK" sz="1200" b="1" dirty="0">
@@ -49633,6 +50124,14 @@
                   </a:solidFill>
                 </a:rPr>
                 <a:t>Cancelled</a:t>
+              </a:r>
+              <a:r>
+                <a:rPr lang="da-DK" sz="1200" b="1" dirty="0">
+                  <a:solidFill>
+                    <a:schemeClr val="tx1"/>
+                  </a:solidFill>
+                </a:rPr>
+                <a:t/>
               </a:r>
               <a:br>
                 <a:rPr lang="da-DK" sz="1200" b="1" dirty="0">
@@ -49777,6 +50276,14 @@
                 </a:rPr>
                 <a:t>Cancelled</a:t>
               </a:r>
+              <a:r>
+                <a:rPr lang="da-DK" sz="1200" b="1" dirty="0">
+                  <a:solidFill>
+                    <a:schemeClr val="tx1"/>
+                  </a:solidFill>
+                </a:rPr>
+                <a:t/>
+              </a:r>
               <a:br>
                 <a:rPr lang="da-DK" sz="1200" b="1" dirty="0">
                   <a:solidFill>
@@ -49883,6 +50390,14 @@
                   </a:solidFill>
                 </a:rPr>
                 <a:t>Cancelled</a:t>
+              </a:r>
+              <a:r>
+                <a:rPr lang="da-DK" sz="1200" b="1" dirty="0">
+                  <a:solidFill>
+                    <a:schemeClr val="tx1"/>
+                  </a:solidFill>
+                </a:rPr>
+                <a:t/>
               </a:r>
               <a:br>
                 <a:rPr lang="da-DK" sz="1200" b="1" dirty="0">
@@ -50156,6 +50671,14 @@
                   </a:solidFill>
                 </a:rPr>
                 <a:t>ExpiredAnd</a:t>
+              </a:r>
+              <a:r>
+                <a:rPr lang="da-DK" sz="1200" b="1" dirty="0">
+                  <a:solidFill>
+                    <a:schemeClr val="tx1"/>
+                  </a:solidFill>
+                </a:rPr>
+                <a:t/>
               </a:r>
               <a:br>
                 <a:rPr lang="da-DK" sz="1200" b="1" dirty="0">
@@ -58384,6 +58907,19 @@
 <file path=ppt/tags/tag8.xml><?xml version="1.0" encoding="utf-8"?>
 <p:tagLst xmlns:a="http://schemas.openxmlformats.org/drawingml/2006/main" xmlns:r="http://schemas.openxmlformats.org/officeDocument/2006/relationships" xmlns:p="http://schemas.openxmlformats.org/presentationml/2006/main">
   <p:tag name="THINKCELLSHAPEDONOTDELETE" val="thinkcellActiveDocDoNotDelete"/>
+</p:tagLst>
+</file>
+
+<file path=ppt/tags/tag80.xml><?xml version="1.0" encoding="utf-8"?>
+<p:tagLst xmlns:a="http://schemas.openxmlformats.org/drawingml/2006/main" xmlns:r="http://schemas.openxmlformats.org/officeDocument/2006/relationships" xmlns:p="http://schemas.openxmlformats.org/presentationml/2006/main">
+  <p:tag name="MIO_GUID" val="a7f3e6c8-c6b6-4086-9480-dc906492de93"/>
+  <p:tag name="MIO_EKGUID" val="10433a5b-fa5c-4118-afff-a95b422417fe"/>
+  <p:tag name="MIO_UPDATE" val="True"/>
+  <p:tag name="MIO_VERSION" val="07.11.2017 12:41:49"/>
+  <p:tag name="MIO_DBID" val="5D9FD29E-BEEC-40D7-BFBE-407D9085DE5F"/>
+  <p:tag name="MIO_LASTDOWNLOADED" val="30.10.2018 21:54:48"/>
+  <p:tag name="MIO_OBJECTNAME" val="icon_computer_colour"/>
+  <p:tag name="MIO_LASTEDITORNAME" val="Cecilie Rahbek Knudsen"/>
 </p:tagLst>
 </file>
 

--- a/docs/assets/TitaniumFlows.pptx
+++ b/docs/assets/TitaniumFlows.pptx
@@ -216,7 +216,7 @@
           <a:graphicData uri="http://schemas.openxmlformats.org/presentationml/2006/ole">
             <mc:AlternateContent xmlns:mc="http://schemas.openxmlformats.org/markup-compatibility/2006">
               <mc:Choice xmlns:v="urn:schemas-microsoft-com:vml" Requires="v">
-                <p:oleObj spid="_x0000_s2147" name="think-cell Slide" r:id="rId5" imgW="270" imgH="270" progId="TCLayout.ActiveDocument.1">
+                <p:oleObj spid="_x0000_s2149" name="think-cell Slide" r:id="rId5" imgW="270" imgH="270" progId="TCLayout.ActiveDocument.1">
                   <p:embed/>
                 </p:oleObj>
               </mc:Choice>
@@ -398,7 +398,7 @@
           <a:p>
             <a:fld id="{B56E8790-EF43-4195-82DA-4A26D543E504}" type="datetimeFigureOut">
               <a:rPr lang="en-GB" smtClean="0"/>
-              <a:t>05/03/2021</a:t>
+              <a:t>08/03/2021</a:t>
             </a:fld>
             <a:endParaRPr lang="en-GB" dirty="0"/>
           </a:p>
@@ -496,7 +496,7 @@
           <a:graphicData uri="http://schemas.openxmlformats.org/presentationml/2006/ole">
             <mc:AlternateContent xmlns:mc="http://schemas.openxmlformats.org/markup-compatibility/2006">
               <mc:Choice xmlns:v="urn:schemas-microsoft-com:vml" Requires="v">
-                <p:oleObj spid="_x0000_s9412" name="think-cell Slide" r:id="rId5" imgW="270" imgH="270" progId="TCLayout.ActiveDocument.1">
+                <p:oleObj spid="_x0000_s9416" name="think-cell Slide" r:id="rId5" imgW="270" imgH="270" progId="TCLayout.ActiveDocument.1">
                   <p:embed/>
                 </p:oleObj>
               </mc:Choice>
@@ -610,7 +610,7 @@
           <a:p>
             <a:fld id="{B56E8790-EF43-4195-82DA-4A26D543E504}" type="datetimeFigureOut">
               <a:rPr lang="en-GB" smtClean="0"/>
-              <a:t>05/03/2021</a:t>
+              <a:t>08/03/2021</a:t>
             </a:fld>
             <a:endParaRPr lang="en-GB" dirty="0"/>
           </a:p>
@@ -1204,7 +1204,7 @@
           <a:graphicData uri="http://schemas.openxmlformats.org/presentationml/2006/ole">
             <mc:AlternateContent xmlns:mc="http://schemas.openxmlformats.org/markup-compatibility/2006">
               <mc:Choice xmlns:v="urn:schemas-microsoft-com:vml" Requires="v">
-                <p:oleObj spid="_x0000_s9413" name="think-cell Slide" r:id="rId7" imgW="270" imgH="270" progId="TCLayout.ActiveDocument.1">
+                <p:oleObj spid="_x0000_s9417" name="think-cell Slide" r:id="rId7" imgW="270" imgH="270" progId="TCLayout.ActiveDocument.1">
                   <p:embed/>
                 </p:oleObj>
               </mc:Choice>
@@ -1509,7 +1509,7 @@
           <a:graphicData uri="http://schemas.openxmlformats.org/presentationml/2006/ole">
             <mc:AlternateContent xmlns:mc="http://schemas.openxmlformats.org/markup-compatibility/2006">
               <mc:Choice xmlns:v="urn:schemas-microsoft-com:vml" Requires="v">
-                <p:oleObj spid="_x0000_s10436" name="think-cell Slide" r:id="rId5" imgW="270" imgH="270" progId="TCLayout.ActiveDocument.1">
+                <p:oleObj spid="_x0000_s10440" name="think-cell Slide" r:id="rId5" imgW="270" imgH="270" progId="TCLayout.ActiveDocument.1">
                   <p:embed/>
                 </p:oleObj>
               </mc:Choice>
@@ -1574,7 +1574,7 @@
           <a:p>
             <a:fld id="{B56E8790-EF43-4195-82DA-4A26D543E504}" type="datetimeFigureOut">
               <a:rPr lang="en-GB" smtClean="0"/>
-              <a:t>05/03/2021</a:t>
+              <a:t>08/03/2021</a:t>
             </a:fld>
             <a:endParaRPr lang="en-GB" dirty="0"/>
           </a:p>
@@ -1960,7 +1960,7 @@
           <a:graphicData uri="http://schemas.openxmlformats.org/presentationml/2006/ole">
             <mc:AlternateContent xmlns:mc="http://schemas.openxmlformats.org/markup-compatibility/2006">
               <mc:Choice xmlns:v="urn:schemas-microsoft-com:vml" Requires="v">
-                <p:oleObj spid="_x0000_s10437" name="think-cell Slide" r:id="rId8" imgW="270" imgH="270" progId="TCLayout.ActiveDocument.1">
+                <p:oleObj spid="_x0000_s10441" name="think-cell Slide" r:id="rId8" imgW="270" imgH="270" progId="TCLayout.ActiveDocument.1">
                   <p:embed/>
                 </p:oleObj>
               </mc:Choice>
@@ -2226,7 +2226,7 @@
           <a:graphicData uri="http://schemas.openxmlformats.org/presentationml/2006/ole">
             <mc:AlternateContent xmlns:mc="http://schemas.openxmlformats.org/markup-compatibility/2006">
               <mc:Choice xmlns:v="urn:schemas-microsoft-com:vml" Requires="v">
-                <p:oleObj spid="_x0000_s11363" name="think-cell Slide" r:id="rId4" imgW="270" imgH="270" progId="TCLayout.ActiveDocument.1">
+                <p:oleObj spid="_x0000_s11365" name="think-cell Slide" r:id="rId4" imgW="270" imgH="270" progId="TCLayout.ActiveDocument.1">
                   <p:embed/>
                 </p:oleObj>
               </mc:Choice>
@@ -2283,7 +2283,7 @@
           <a:p>
             <a:fld id="{B56E8790-EF43-4195-82DA-4A26D543E504}" type="datetimeFigureOut">
               <a:rPr lang="en-GB" smtClean="0"/>
-              <a:t>05/03/2021</a:t>
+              <a:t>08/03/2021</a:t>
             </a:fld>
             <a:endParaRPr lang="en-GB" dirty="0"/>
           </a:p>
@@ -2672,7 +2672,7 @@
           <a:graphicData uri="http://schemas.openxmlformats.org/presentationml/2006/ole">
             <mc:AlternateContent xmlns:mc="http://schemas.openxmlformats.org/markup-compatibility/2006">
               <mc:Choice xmlns:v="urn:schemas-microsoft-com:vml" Requires="v">
-                <p:oleObj spid="_x0000_s12387" name="think-cell Slide" r:id="rId4" imgW="270" imgH="270" progId="TCLayout.ActiveDocument.1">
+                <p:oleObj spid="_x0000_s12389" name="think-cell Slide" r:id="rId4" imgW="270" imgH="270" progId="TCLayout.ActiveDocument.1">
                   <p:embed/>
                 </p:oleObj>
               </mc:Choice>
@@ -2729,7 +2729,7 @@
           <a:p>
             <a:fld id="{B56E8790-EF43-4195-82DA-4A26D543E504}" type="datetimeFigureOut">
               <a:rPr lang="en-GB" smtClean="0"/>
-              <a:t>05/03/2021</a:t>
+              <a:t>08/03/2021</a:t>
             </a:fld>
             <a:endParaRPr lang="en-GB" dirty="0"/>
           </a:p>
@@ -3280,7 +3280,7 @@
           <a:graphicData uri="http://schemas.openxmlformats.org/presentationml/2006/ole">
             <mc:AlternateContent xmlns:mc="http://schemas.openxmlformats.org/markup-compatibility/2006">
               <mc:Choice xmlns:v="urn:schemas-microsoft-com:vml" Requires="v">
-                <p:oleObj spid="_x0000_s13411" name="think-cell Slide" r:id="rId4" imgW="270" imgH="270" progId="TCLayout.ActiveDocument.1">
+                <p:oleObj spid="_x0000_s13413" name="think-cell Slide" r:id="rId4" imgW="270" imgH="270" progId="TCLayout.ActiveDocument.1">
                   <p:embed/>
                 </p:oleObj>
               </mc:Choice>
@@ -3337,7 +3337,7 @@
           <a:p>
             <a:fld id="{B56E8790-EF43-4195-82DA-4A26D543E504}" type="datetimeFigureOut">
               <a:rPr lang="en-GB" smtClean="0"/>
-              <a:t>05/03/2021</a:t>
+              <a:t>08/03/2021</a:t>
             </a:fld>
             <a:endParaRPr lang="en-GB" dirty="0"/>
           </a:p>
@@ -3888,7 +3888,7 @@
           <a:graphicData uri="http://schemas.openxmlformats.org/presentationml/2006/ole">
             <mc:AlternateContent xmlns:mc="http://schemas.openxmlformats.org/markup-compatibility/2006">
               <mc:Choice xmlns:v="urn:schemas-microsoft-com:vml" Requires="v">
-                <p:oleObj spid="_x0000_s14435" name="think-cell Slide" r:id="rId4" imgW="270" imgH="270" progId="TCLayout.ActiveDocument.1">
+                <p:oleObj spid="_x0000_s14437" name="think-cell Slide" r:id="rId4" imgW="270" imgH="270" progId="TCLayout.ActiveDocument.1">
                   <p:embed/>
                 </p:oleObj>
               </mc:Choice>
@@ -3945,7 +3945,7 @@
           <a:p>
             <a:fld id="{B56E8790-EF43-4195-82DA-4A26D543E504}" type="datetimeFigureOut">
               <a:rPr lang="en-GB" smtClean="0"/>
-              <a:t>05/03/2021</a:t>
+              <a:t>08/03/2021</a:t>
             </a:fld>
             <a:endParaRPr lang="en-GB" dirty="0"/>
           </a:p>
@@ -4496,7 +4496,7 @@
           <a:graphicData uri="http://schemas.openxmlformats.org/presentationml/2006/ole">
             <mc:AlternateContent xmlns:mc="http://schemas.openxmlformats.org/markup-compatibility/2006">
               <mc:Choice xmlns:v="urn:schemas-microsoft-com:vml" Requires="v">
-                <p:oleObj spid="_x0000_s15459" name="think-cell Slide" r:id="rId4" imgW="270" imgH="270" progId="TCLayout.ActiveDocument.1">
+                <p:oleObj spid="_x0000_s15461" name="think-cell Slide" r:id="rId4" imgW="270" imgH="270" progId="TCLayout.ActiveDocument.1">
                   <p:embed/>
                 </p:oleObj>
               </mc:Choice>
@@ -4553,7 +4553,7 @@
           <a:p>
             <a:fld id="{B56E8790-EF43-4195-82DA-4A26D543E504}" type="datetimeFigureOut">
               <a:rPr lang="en-GB" smtClean="0"/>
-              <a:t>05/03/2021</a:t>
+              <a:t>08/03/2021</a:t>
             </a:fld>
             <a:endParaRPr lang="en-GB" dirty="0"/>
           </a:p>
@@ -5104,7 +5104,7 @@
           <a:graphicData uri="http://schemas.openxmlformats.org/presentationml/2006/ole">
             <mc:AlternateContent xmlns:mc="http://schemas.openxmlformats.org/markup-compatibility/2006">
               <mc:Choice xmlns:v="urn:schemas-microsoft-com:vml" Requires="v">
-                <p:oleObj spid="_x0000_s16483" name="think-cell Slide" r:id="rId4" imgW="270" imgH="270" progId="TCLayout.ActiveDocument.1">
+                <p:oleObj spid="_x0000_s16485" name="think-cell Slide" r:id="rId4" imgW="270" imgH="270" progId="TCLayout.ActiveDocument.1">
                   <p:embed/>
                 </p:oleObj>
               </mc:Choice>
@@ -5161,7 +5161,7 @@
           <a:p>
             <a:fld id="{B56E8790-EF43-4195-82DA-4A26D543E504}" type="datetimeFigureOut">
               <a:rPr lang="en-GB" smtClean="0"/>
-              <a:t>05/03/2021</a:t>
+              <a:t>08/03/2021</a:t>
             </a:fld>
             <a:endParaRPr lang="en-GB" dirty="0"/>
           </a:p>
@@ -5712,7 +5712,7 @@
           <a:graphicData uri="http://schemas.openxmlformats.org/presentationml/2006/ole">
             <mc:AlternateContent xmlns:mc="http://schemas.openxmlformats.org/markup-compatibility/2006">
               <mc:Choice xmlns:v="urn:schemas-microsoft-com:vml" Requires="v">
-                <p:oleObj spid="_x0000_s17507" name="think-cell Slide" r:id="rId4" imgW="270" imgH="270" progId="TCLayout.ActiveDocument.1">
+                <p:oleObj spid="_x0000_s17509" name="think-cell Slide" r:id="rId4" imgW="270" imgH="270" progId="TCLayout.ActiveDocument.1">
                   <p:embed/>
                 </p:oleObj>
               </mc:Choice>
@@ -5769,7 +5769,7 @@
           <a:p>
             <a:fld id="{B56E8790-EF43-4195-82DA-4A26D543E504}" type="datetimeFigureOut">
               <a:rPr lang="en-GB" smtClean="0"/>
-              <a:t>05/03/2021</a:t>
+              <a:t>08/03/2021</a:t>
             </a:fld>
             <a:endParaRPr lang="en-GB" dirty="0"/>
           </a:p>
@@ -6414,7 +6414,7 @@
           <a:p>
             <a:fld id="{B56E8790-EF43-4195-82DA-4A26D543E504}" type="datetimeFigureOut">
               <a:rPr lang="en-GB" smtClean="0"/>
-              <a:t>05/03/2021</a:t>
+              <a:t>08/03/2021</a:t>
             </a:fld>
             <a:endParaRPr lang="en-GB" dirty="0"/>
           </a:p>
@@ -6525,7 +6525,7 @@
           <a:graphicData uri="http://schemas.openxmlformats.org/presentationml/2006/ole">
             <mc:AlternateContent xmlns:mc="http://schemas.openxmlformats.org/markup-compatibility/2006">
               <mc:Choice xmlns:v="urn:schemas-microsoft-com:vml" Requires="v">
-                <p:oleObj spid="_x0000_s3171" name="think-cell Slide" r:id="rId4" imgW="270" imgH="270" progId="TCLayout.ActiveDocument.1">
+                <p:oleObj spid="_x0000_s3173" name="think-cell Slide" r:id="rId4" imgW="270" imgH="270" progId="TCLayout.ActiveDocument.1">
                   <p:embed/>
                 </p:oleObj>
               </mc:Choice>
@@ -6674,7 +6674,7 @@
           <a:p>
             <a:fld id="{B56E8790-EF43-4195-82DA-4A26D543E504}" type="datetimeFigureOut">
               <a:rPr lang="en-GB" smtClean="0"/>
-              <a:t>05/03/2021</a:t>
+              <a:t>08/03/2021</a:t>
             </a:fld>
             <a:endParaRPr lang="en-GB" dirty="0"/>
           </a:p>
@@ -6838,7 +6838,7 @@
           <a:graphicData uri="http://schemas.openxmlformats.org/presentationml/2006/ole">
             <mc:AlternateContent xmlns:mc="http://schemas.openxmlformats.org/markup-compatibility/2006">
               <mc:Choice xmlns:v="urn:schemas-microsoft-com:vml" Requires="v">
-                <p:oleObj spid="_x0000_s19555" name="think-cell Slide" r:id="rId5" imgW="270" imgH="270" progId="TCLayout.ActiveDocument.1">
+                <p:oleObj spid="_x0000_s19557" name="think-cell Slide" r:id="rId5" imgW="270" imgH="270" progId="TCLayout.ActiveDocument.1">
                   <p:embed/>
                 </p:oleObj>
               </mc:Choice>
@@ -7021,7 +7021,7 @@
             <a:fld id="{FD5A4159-1C9D-4C23-8DBB-0FD5BF49F859}" type="datetime1">
               <a:rPr lang="en-GB" smtClean="0"/>
               <a:pPr/>
-              <a:t>05/03/2021</a:t>
+              <a:t>08/03/2021</a:t>
             </a:fld>
             <a:endParaRPr lang="en-GB" dirty="0"/>
           </a:p>
@@ -7114,7 +7114,7 @@
           <a:graphicData uri="http://schemas.openxmlformats.org/presentationml/2006/ole">
             <mc:AlternateContent xmlns:mc="http://schemas.openxmlformats.org/markup-compatibility/2006">
               <mc:Choice xmlns:v="urn:schemas-microsoft-com:vml" Requires="v">
-                <p:oleObj spid="_x0000_s20579" name="think-cell Slide" r:id="rId4" imgW="270" imgH="270" progId="TCLayout.ActiveDocument.1">
+                <p:oleObj spid="_x0000_s20581" name="think-cell Slide" r:id="rId4" imgW="270" imgH="270" progId="TCLayout.ActiveDocument.1">
                   <p:embed/>
                 </p:oleObj>
               </mc:Choice>
@@ -7264,7 +7264,7 @@
             <a:fld id="{461D2423-DC7C-4239-9F6A-F74AADFD9F8E}" type="datetime1">
               <a:rPr lang="en-GB" smtClean="0"/>
               <a:pPr/>
-              <a:t>05/03/2021</a:t>
+              <a:t>08/03/2021</a:t>
             </a:fld>
             <a:endParaRPr lang="en-GB" dirty="0"/>
           </a:p>
@@ -7438,7 +7438,7 @@
             <a:fld id="{84F482FB-B023-4CBB-8046-4D830E895C90}" type="datetime1">
               <a:rPr lang="en-GB" smtClean="0"/>
               <a:pPr/>
-              <a:t>05/03/2021</a:t>
+              <a:t>08/03/2021</a:t>
             </a:fld>
             <a:endParaRPr lang="en-GB" dirty="0"/>
           </a:p>
@@ -7711,7 +7711,7 @@
           <a:graphicData uri="http://schemas.openxmlformats.org/presentationml/2006/ole">
             <mc:AlternateContent xmlns:mc="http://schemas.openxmlformats.org/markup-compatibility/2006">
               <mc:Choice xmlns:v="urn:schemas-microsoft-com:vml" Requires="v">
-                <p:oleObj spid="_x0000_s21603" name="think-cell Slide" r:id="rId4" imgW="270" imgH="270" progId="TCLayout.ActiveDocument.1">
+                <p:oleObj spid="_x0000_s21605" name="think-cell Slide" r:id="rId4" imgW="270" imgH="270" progId="TCLayout.ActiveDocument.1">
                   <p:embed/>
                 </p:oleObj>
               </mc:Choice>
@@ -7870,7 +7870,7 @@
             <a:fld id="{F26DF438-9CC2-4A49-A657-78DE437E5C5C}" type="datetime1">
               <a:rPr lang="en-GB" smtClean="0"/>
               <a:pPr/>
-              <a:t>05/03/2021</a:t>
+              <a:t>08/03/2021</a:t>
             </a:fld>
             <a:endParaRPr lang="en-GB" dirty="0"/>
           </a:p>
@@ -8264,7 +8264,7 @@
           <a:graphicData uri="http://schemas.openxmlformats.org/presentationml/2006/ole">
             <mc:AlternateContent xmlns:mc="http://schemas.openxmlformats.org/markup-compatibility/2006">
               <mc:Choice xmlns:v="urn:schemas-microsoft-com:vml" Requires="v">
-                <p:oleObj spid="_x0000_s22627" name="think-cell Slide" r:id="rId4" imgW="270" imgH="270" progId="TCLayout.ActiveDocument.1">
+                <p:oleObj spid="_x0000_s22629" name="think-cell Slide" r:id="rId4" imgW="270" imgH="270" progId="TCLayout.ActiveDocument.1">
                   <p:embed/>
                 </p:oleObj>
               </mc:Choice>
@@ -8330,7 +8330,7 @@
             <a:fld id="{A960169C-9E24-485A-B7A8-19D9A23B43F5}" type="datetime1">
               <a:rPr lang="en-GB" smtClean="0"/>
               <a:pPr/>
-              <a:t>05/03/2021</a:t>
+              <a:t>08/03/2021</a:t>
             </a:fld>
             <a:endParaRPr lang="en-GB" dirty="0"/>
           </a:p>
@@ -8871,7 +8871,7 @@
           <a:graphicData uri="http://schemas.openxmlformats.org/presentationml/2006/ole">
             <mc:AlternateContent xmlns:mc="http://schemas.openxmlformats.org/markup-compatibility/2006">
               <mc:Choice xmlns:v="urn:schemas-microsoft-com:vml" Requires="v">
-                <p:oleObj spid="_x0000_s23748" name="think-cell Slide" r:id="rId5" imgW="270" imgH="270" progId="TCLayout.ActiveDocument.1">
+                <p:oleObj spid="_x0000_s23752" name="think-cell Slide" r:id="rId5" imgW="270" imgH="270" progId="TCLayout.ActiveDocument.1">
                   <p:embed/>
                 </p:oleObj>
               </mc:Choice>
@@ -9123,7 +9123,7 @@
             <a:fld id="{0DD20B1F-20AE-4F8D-832A-F732FDE213D5}" type="datetime1">
               <a:rPr lang="en-GB" smtClean="0"/>
               <a:pPr/>
-              <a:t>05/03/2021</a:t>
+              <a:t>08/03/2021</a:t>
             </a:fld>
             <a:endParaRPr lang="en-GB" dirty="0"/>
           </a:p>
@@ -9193,7 +9193,7 @@
           <a:graphicData uri="http://schemas.openxmlformats.org/presentationml/2006/ole">
             <mc:AlternateContent xmlns:mc="http://schemas.openxmlformats.org/markup-compatibility/2006">
               <mc:Choice xmlns:v="urn:schemas-microsoft-com:vml" Requires="v">
-                <p:oleObj spid="_x0000_s23749" name="think-cell Slide" r:id="rId7" imgW="270" imgH="270" progId="TCLayout.ActiveDocument.1">
+                <p:oleObj spid="_x0000_s23753" name="think-cell Slide" r:id="rId7" imgW="270" imgH="270" progId="TCLayout.ActiveDocument.1">
                   <p:embed/>
                 </p:oleObj>
               </mc:Choice>
@@ -9491,7 +9491,7 @@
             <a:fld id="{0DD20B1F-20AE-4F8D-832A-F732FDE213D5}" type="datetime1">
               <a:rPr lang="en-GB" smtClean="0"/>
               <a:pPr/>
-              <a:t>05/03/2021</a:t>
+              <a:t>08/03/2021</a:t>
             </a:fld>
             <a:endParaRPr lang="en-GB" dirty="0"/>
           </a:p>
@@ -9979,7 +9979,7 @@
           <a:graphicData uri="http://schemas.openxmlformats.org/presentationml/2006/ole">
             <mc:AlternateContent xmlns:mc="http://schemas.openxmlformats.org/markup-compatibility/2006">
               <mc:Choice xmlns:v="urn:schemas-microsoft-com:vml" Requires="v">
-                <p:oleObj spid="_x0000_s24772" name="think-cell Slide" r:id="rId5" imgW="270" imgH="270" progId="TCLayout.ActiveDocument.1">
+                <p:oleObj spid="_x0000_s24776" name="think-cell Slide" r:id="rId5" imgW="270" imgH="270" progId="TCLayout.ActiveDocument.1">
                   <p:embed/>
                 </p:oleObj>
               </mc:Choice>
@@ -10045,7 +10045,7 @@
             <a:fld id="{D07952D7-4E08-421B-9537-2EE112E32DE3}" type="datetime1">
               <a:rPr lang="en-GB" smtClean="0"/>
               <a:pPr/>
-              <a:t>05/03/2021</a:t>
+              <a:t>08/03/2021</a:t>
             </a:fld>
             <a:endParaRPr lang="en-GB" dirty="0"/>
           </a:p>
@@ -10399,7 +10399,7 @@
           <a:graphicData uri="http://schemas.openxmlformats.org/presentationml/2006/ole">
             <mc:AlternateContent xmlns:mc="http://schemas.openxmlformats.org/markup-compatibility/2006">
               <mc:Choice xmlns:v="urn:schemas-microsoft-com:vml" Requires="v">
-                <p:oleObj spid="_x0000_s24773" name="think-cell Slide" r:id="rId7" imgW="270" imgH="270" progId="TCLayout.ActiveDocument.1">
+                <p:oleObj spid="_x0000_s24777" name="think-cell Slide" r:id="rId7" imgW="270" imgH="270" progId="TCLayout.ActiveDocument.1">
                   <p:embed/>
                 </p:oleObj>
               </mc:Choice>
@@ -10686,7 +10686,7 @@
           <a:graphicData uri="http://schemas.openxmlformats.org/presentationml/2006/ole">
             <mc:AlternateContent xmlns:mc="http://schemas.openxmlformats.org/markup-compatibility/2006">
               <mc:Choice xmlns:v="urn:schemas-microsoft-com:vml" Requires="v">
-                <p:oleObj spid="_x0000_s25796" name="think-cell Slide" r:id="rId5" imgW="270" imgH="270" progId="TCLayout.ActiveDocument.1">
+                <p:oleObj spid="_x0000_s25800" name="think-cell Slide" r:id="rId5" imgW="270" imgH="270" progId="TCLayout.ActiveDocument.1">
                   <p:embed/>
                 </p:oleObj>
               </mc:Choice>
@@ -10752,7 +10752,7 @@
             <a:fld id="{D07952D7-4E08-421B-9537-2EE112E32DE3}" type="datetime1">
               <a:rPr lang="en-GB" smtClean="0"/>
               <a:pPr/>
-              <a:t>05/03/2021</a:t>
+              <a:t>08/03/2021</a:t>
             </a:fld>
             <a:endParaRPr lang="en-GB" dirty="0"/>
           </a:p>
@@ -11106,7 +11106,7 @@
           <a:graphicData uri="http://schemas.openxmlformats.org/presentationml/2006/ole">
             <mc:AlternateContent xmlns:mc="http://schemas.openxmlformats.org/markup-compatibility/2006">
               <mc:Choice xmlns:v="urn:schemas-microsoft-com:vml" Requires="v">
-                <p:oleObj spid="_x0000_s25797" name="think-cell Slide" r:id="rId7" imgW="270" imgH="270" progId="TCLayout.ActiveDocument.1">
+                <p:oleObj spid="_x0000_s25801" name="think-cell Slide" r:id="rId7" imgW="270" imgH="270" progId="TCLayout.ActiveDocument.1">
                   <p:embed/>
                 </p:oleObj>
               </mc:Choice>
@@ -11398,7 +11398,7 @@
           <a:graphicData uri="http://schemas.openxmlformats.org/presentationml/2006/ole">
             <mc:AlternateContent xmlns:mc="http://schemas.openxmlformats.org/markup-compatibility/2006">
               <mc:Choice xmlns:v="urn:schemas-microsoft-com:vml" Requires="v">
-                <p:oleObj spid="_x0000_s26820" name="think-cell Slide" r:id="rId5" imgW="270" imgH="270" progId="TCLayout.ActiveDocument.1">
+                <p:oleObj spid="_x0000_s26824" name="think-cell Slide" r:id="rId5" imgW="270" imgH="270" progId="TCLayout.ActiveDocument.1">
                   <p:embed/>
                 </p:oleObj>
               </mc:Choice>
@@ -11513,7 +11513,7 @@
             <a:fld id="{D07952D7-4E08-421B-9537-2EE112E32DE3}" type="datetime1">
               <a:rPr lang="en-GB" smtClean="0"/>
               <a:pPr/>
-              <a:t>05/03/2021</a:t>
+              <a:t>08/03/2021</a:t>
             </a:fld>
             <a:endParaRPr lang="en-GB" dirty="0"/>
           </a:p>
@@ -12102,7 +12102,7 @@
           <a:graphicData uri="http://schemas.openxmlformats.org/presentationml/2006/ole">
             <mc:AlternateContent xmlns:mc="http://schemas.openxmlformats.org/markup-compatibility/2006">
               <mc:Choice xmlns:v="urn:schemas-microsoft-com:vml" Requires="v">
-                <p:oleObj spid="_x0000_s26821" name="think-cell Slide" r:id="rId7" imgW="270" imgH="270" progId="TCLayout.ActiveDocument.1">
+                <p:oleObj spid="_x0000_s26825" name="think-cell Slide" r:id="rId7" imgW="270" imgH="270" progId="TCLayout.ActiveDocument.1">
                   <p:embed/>
                 </p:oleObj>
               </mc:Choice>
@@ -12433,7 +12433,7 @@
           <a:p>
             <a:fld id="{B56E8790-EF43-4195-82DA-4A26D543E504}" type="datetimeFigureOut">
               <a:rPr lang="en-GB" smtClean="0"/>
-              <a:t>05/03/2021</a:t>
+              <a:t>08/03/2021</a:t>
             </a:fld>
             <a:endParaRPr lang="en-GB" dirty="0"/>
           </a:p>
@@ -12714,7 +12714,7 @@
           <a:graphicData uri="http://schemas.openxmlformats.org/presentationml/2006/ole">
             <mc:AlternateContent xmlns:mc="http://schemas.openxmlformats.org/markup-compatibility/2006">
               <mc:Choice xmlns:v="urn:schemas-microsoft-com:vml" Requires="v">
-                <p:oleObj spid="_x0000_s27844" name="think-cell Slide" r:id="rId5" imgW="270" imgH="270" progId="TCLayout.ActiveDocument.1">
+                <p:oleObj spid="_x0000_s27848" name="think-cell Slide" r:id="rId5" imgW="270" imgH="270" progId="TCLayout.ActiveDocument.1">
                   <p:embed/>
                 </p:oleObj>
               </mc:Choice>
@@ -12780,7 +12780,7 @@
             <a:fld id="{10E7BC8F-BFD3-4858-915D-99D9576C8415}" type="datetime1">
               <a:rPr lang="en-GB" smtClean="0"/>
               <a:pPr/>
-              <a:t>05/03/2021</a:t>
+              <a:t>08/03/2021</a:t>
             </a:fld>
             <a:endParaRPr lang="en-GB" dirty="0"/>
           </a:p>
@@ -13161,7 +13161,7 @@
           <a:graphicData uri="http://schemas.openxmlformats.org/presentationml/2006/ole">
             <mc:AlternateContent xmlns:mc="http://schemas.openxmlformats.org/markup-compatibility/2006">
               <mc:Choice xmlns:v="urn:schemas-microsoft-com:vml" Requires="v">
-                <p:oleObj spid="_x0000_s27845" name="think-cell Slide" r:id="rId8" imgW="270" imgH="270" progId="TCLayout.ActiveDocument.1">
+                <p:oleObj spid="_x0000_s27849" name="think-cell Slide" r:id="rId8" imgW="270" imgH="270" progId="TCLayout.ActiveDocument.1">
                   <p:embed/>
                 </p:oleObj>
               </mc:Choice>
@@ -13449,7 +13449,7 @@
           <a:graphicData uri="http://schemas.openxmlformats.org/presentationml/2006/ole">
             <mc:AlternateContent xmlns:mc="http://schemas.openxmlformats.org/markup-compatibility/2006">
               <mc:Choice xmlns:v="urn:schemas-microsoft-com:vml" Requires="v">
-                <p:oleObj spid="_x0000_s29795" name="think-cell Slide" r:id="rId5" imgW="270" imgH="270" progId="TCLayout.ActiveDocument.1">
+                <p:oleObj spid="_x0000_s29797" name="think-cell Slide" r:id="rId5" imgW="270" imgH="270" progId="TCLayout.ActiveDocument.1">
                   <p:embed/>
                 </p:oleObj>
               </mc:Choice>
@@ -13636,7 +13636,7 @@
                 </a:solidFill>
               </a:rPr>
               <a:pPr/>
-              <a:t>05/03/2021</a:t>
+              <a:t>08/03/2021</a:t>
             </a:fld>
             <a:endParaRPr lang="en-GB" dirty="0">
               <a:solidFill>
@@ -13737,7 +13737,7 @@
           <a:graphicData uri="http://schemas.openxmlformats.org/presentationml/2006/ole">
             <mc:AlternateContent xmlns:mc="http://schemas.openxmlformats.org/markup-compatibility/2006">
               <mc:Choice xmlns:v="urn:schemas-microsoft-com:vml" Requires="v">
-                <p:oleObj spid="_x0000_s30819" name="think-cell Slide" r:id="rId4" imgW="270" imgH="270" progId="TCLayout.ActiveDocument.1">
+                <p:oleObj spid="_x0000_s30821" name="think-cell Slide" r:id="rId4" imgW="270" imgH="270" progId="TCLayout.ActiveDocument.1">
                   <p:embed/>
                 </p:oleObj>
               </mc:Choice>
@@ -13891,7 +13891,7 @@
                 </a:solidFill>
               </a:rPr>
               <a:pPr/>
-              <a:t>05/03/2021</a:t>
+              <a:t>08/03/2021</a:t>
             </a:fld>
             <a:endParaRPr lang="en-GB" dirty="0">
               <a:solidFill>
@@ -14077,7 +14077,7 @@
                 </a:solidFill>
               </a:rPr>
               <a:pPr/>
-              <a:t>05/03/2021</a:t>
+              <a:t>08/03/2021</a:t>
             </a:fld>
             <a:endParaRPr lang="en-GB" dirty="0">
               <a:solidFill>
@@ -14358,7 +14358,7 @@
           <a:graphicData uri="http://schemas.openxmlformats.org/presentationml/2006/ole">
             <mc:AlternateContent xmlns:mc="http://schemas.openxmlformats.org/markup-compatibility/2006">
               <mc:Choice xmlns:v="urn:schemas-microsoft-com:vml" Requires="v">
-                <p:oleObj spid="_x0000_s31843" name="think-cell Slide" r:id="rId4" imgW="270" imgH="270" progId="TCLayout.ActiveDocument.1">
+                <p:oleObj spid="_x0000_s31845" name="think-cell Slide" r:id="rId4" imgW="270" imgH="270" progId="TCLayout.ActiveDocument.1">
                   <p:embed/>
                 </p:oleObj>
               </mc:Choice>
@@ -14521,7 +14521,7 @@
                 </a:solidFill>
               </a:rPr>
               <a:pPr/>
-              <a:t>05/03/2021</a:t>
+              <a:t>08/03/2021</a:t>
             </a:fld>
             <a:endParaRPr lang="en-GB" dirty="0">
               <a:solidFill>
@@ -14923,7 +14923,7 @@
           <a:graphicData uri="http://schemas.openxmlformats.org/presentationml/2006/ole">
             <mc:AlternateContent xmlns:mc="http://schemas.openxmlformats.org/markup-compatibility/2006">
               <mc:Choice xmlns:v="urn:schemas-microsoft-com:vml" Requires="v">
-                <p:oleObj spid="_x0000_s32867" name="think-cell Slide" r:id="rId4" imgW="270" imgH="270" progId="TCLayout.ActiveDocument.1">
+                <p:oleObj spid="_x0000_s32869" name="think-cell Slide" r:id="rId4" imgW="270" imgH="270" progId="TCLayout.ActiveDocument.1">
                   <p:embed/>
                 </p:oleObj>
               </mc:Choice>
@@ -14993,7 +14993,7 @@
                 </a:solidFill>
               </a:rPr>
               <a:pPr/>
-              <a:t>05/03/2021</a:t>
+              <a:t>08/03/2021</a:t>
             </a:fld>
             <a:endParaRPr lang="en-GB" dirty="0">
               <a:solidFill>
@@ -15542,7 +15542,7 @@
           <a:graphicData uri="http://schemas.openxmlformats.org/presentationml/2006/ole">
             <mc:AlternateContent xmlns:mc="http://schemas.openxmlformats.org/markup-compatibility/2006">
               <mc:Choice xmlns:v="urn:schemas-microsoft-com:vml" Requires="v">
-                <p:oleObj spid="_x0000_s33988" name="think-cell Slide" r:id="rId5" imgW="270" imgH="270" progId="TCLayout.ActiveDocument.1">
+                <p:oleObj spid="_x0000_s33992" name="think-cell Slide" r:id="rId5" imgW="270" imgH="270" progId="TCLayout.ActiveDocument.1">
                   <p:embed/>
                 </p:oleObj>
               </mc:Choice>
@@ -15798,7 +15798,7 @@
                 </a:solidFill>
               </a:rPr>
               <a:pPr/>
-              <a:t>05/03/2021</a:t>
+              <a:t>08/03/2021</a:t>
             </a:fld>
             <a:endParaRPr lang="en-GB" dirty="0">
               <a:solidFill>
@@ -15872,7 +15872,7 @@
           <a:graphicData uri="http://schemas.openxmlformats.org/presentationml/2006/ole">
             <mc:AlternateContent xmlns:mc="http://schemas.openxmlformats.org/markup-compatibility/2006">
               <mc:Choice xmlns:v="urn:schemas-microsoft-com:vml" Requires="v">
-                <p:oleObj spid="_x0000_s33989" name="think-cell Slide" r:id="rId7" imgW="270" imgH="270" progId="TCLayout.ActiveDocument.1">
+                <p:oleObj spid="_x0000_s33993" name="think-cell Slide" r:id="rId7" imgW="270" imgH="270" progId="TCLayout.ActiveDocument.1">
                   <p:embed/>
                 </p:oleObj>
               </mc:Choice>
@@ -16178,7 +16178,7 @@
                 </a:solidFill>
               </a:rPr>
               <a:pPr/>
-              <a:t>05/03/2021</a:t>
+              <a:t>08/03/2021</a:t>
             </a:fld>
             <a:endParaRPr lang="en-GB" dirty="0">
               <a:solidFill>
@@ -16674,7 +16674,7 @@
           <a:graphicData uri="http://schemas.openxmlformats.org/presentationml/2006/ole">
             <mc:AlternateContent xmlns:mc="http://schemas.openxmlformats.org/markup-compatibility/2006">
               <mc:Choice xmlns:v="urn:schemas-microsoft-com:vml" Requires="v">
-                <p:oleObj spid="_x0000_s35012" name="think-cell Slide" r:id="rId5" imgW="270" imgH="270" progId="TCLayout.ActiveDocument.1">
+                <p:oleObj spid="_x0000_s35016" name="think-cell Slide" r:id="rId5" imgW="270" imgH="270" progId="TCLayout.ActiveDocument.1">
                   <p:embed/>
                 </p:oleObj>
               </mc:Choice>
@@ -16744,7 +16744,7 @@
                 </a:solidFill>
               </a:rPr>
               <a:pPr/>
-              <a:t>05/03/2021</a:t>
+              <a:t>08/03/2021</a:t>
             </a:fld>
             <a:endParaRPr lang="en-GB" dirty="0">
               <a:solidFill>
@@ -17102,7 +17102,7 @@
           <a:graphicData uri="http://schemas.openxmlformats.org/presentationml/2006/ole">
             <mc:AlternateContent xmlns:mc="http://schemas.openxmlformats.org/markup-compatibility/2006">
               <mc:Choice xmlns:v="urn:schemas-microsoft-com:vml" Requires="v">
-                <p:oleObj spid="_x0000_s35013" name="think-cell Slide" r:id="rId7" imgW="270" imgH="270" progId="TCLayout.ActiveDocument.1">
+                <p:oleObj spid="_x0000_s35017" name="think-cell Slide" r:id="rId7" imgW="270" imgH="270" progId="TCLayout.ActiveDocument.1">
                   <p:embed/>
                 </p:oleObj>
               </mc:Choice>
@@ -17393,7 +17393,7 @@
           <a:graphicData uri="http://schemas.openxmlformats.org/presentationml/2006/ole">
             <mc:AlternateContent xmlns:mc="http://schemas.openxmlformats.org/markup-compatibility/2006">
               <mc:Choice xmlns:v="urn:schemas-microsoft-com:vml" Requires="v">
-                <p:oleObj spid="_x0000_s36036" name="think-cell Slide" r:id="rId5" imgW="270" imgH="270" progId="TCLayout.ActiveDocument.1">
+                <p:oleObj spid="_x0000_s36040" name="think-cell Slide" r:id="rId5" imgW="270" imgH="270" progId="TCLayout.ActiveDocument.1">
                   <p:embed/>
                 </p:oleObj>
               </mc:Choice>
@@ -17463,7 +17463,7 @@
                 </a:solidFill>
               </a:rPr>
               <a:pPr/>
-              <a:t>05/03/2021</a:t>
+              <a:t>08/03/2021</a:t>
             </a:fld>
             <a:endParaRPr lang="en-GB" dirty="0">
               <a:solidFill>
@@ -17821,7 +17821,7 @@
           <a:graphicData uri="http://schemas.openxmlformats.org/presentationml/2006/ole">
             <mc:AlternateContent xmlns:mc="http://schemas.openxmlformats.org/markup-compatibility/2006">
               <mc:Choice xmlns:v="urn:schemas-microsoft-com:vml" Requires="v">
-                <p:oleObj spid="_x0000_s36037" name="think-cell Slide" r:id="rId7" imgW="270" imgH="270" progId="TCLayout.ActiveDocument.1">
+                <p:oleObj spid="_x0000_s36041" name="think-cell Slide" r:id="rId7" imgW="270" imgH="270" progId="TCLayout.ActiveDocument.1">
                   <p:embed/>
                 </p:oleObj>
               </mc:Choice>
@@ -18122,7 +18122,7 @@
           <a:graphicData uri="http://schemas.openxmlformats.org/presentationml/2006/ole">
             <mc:AlternateContent xmlns:mc="http://schemas.openxmlformats.org/markup-compatibility/2006">
               <mc:Choice xmlns:v="urn:schemas-microsoft-com:vml" Requires="v">
-                <p:oleObj spid="_x0000_s4195" name="think-cell Slide" r:id="rId4" imgW="270" imgH="270" progId="TCLayout.ActiveDocument.1">
+                <p:oleObj spid="_x0000_s4197" name="think-cell Slide" r:id="rId4" imgW="270" imgH="270" progId="TCLayout.ActiveDocument.1">
                   <p:embed/>
                 </p:oleObj>
               </mc:Choice>
@@ -18280,7 +18280,7 @@
           <a:p>
             <a:fld id="{B56E8790-EF43-4195-82DA-4A26D543E504}" type="datetimeFigureOut">
               <a:rPr lang="en-GB" smtClean="0"/>
-              <a:t>05/03/2021</a:t>
+              <a:t>08/03/2021</a:t>
             </a:fld>
             <a:endParaRPr lang="en-GB" dirty="0"/>
           </a:p>
@@ -18674,7 +18674,7 @@
           <a:graphicData uri="http://schemas.openxmlformats.org/presentationml/2006/ole">
             <mc:AlternateContent xmlns:mc="http://schemas.openxmlformats.org/markup-compatibility/2006">
               <mc:Choice xmlns:v="urn:schemas-microsoft-com:vml" Requires="v">
-                <p:oleObj spid="_x0000_s37060" name="think-cell Slide" r:id="rId5" imgW="270" imgH="270" progId="TCLayout.ActiveDocument.1">
+                <p:oleObj spid="_x0000_s37064" name="think-cell Slide" r:id="rId5" imgW="270" imgH="270" progId="TCLayout.ActiveDocument.1">
                   <p:embed/>
                 </p:oleObj>
               </mc:Choice>
@@ -18793,7 +18793,7 @@
                 </a:solidFill>
               </a:rPr>
               <a:pPr/>
-              <a:t>05/03/2021</a:t>
+              <a:t>08/03/2021</a:t>
             </a:fld>
             <a:endParaRPr lang="en-GB" dirty="0">
               <a:solidFill>
@@ -19386,7 +19386,7 @@
           <a:graphicData uri="http://schemas.openxmlformats.org/presentationml/2006/ole">
             <mc:AlternateContent xmlns:mc="http://schemas.openxmlformats.org/markup-compatibility/2006">
               <mc:Choice xmlns:v="urn:schemas-microsoft-com:vml" Requires="v">
-                <p:oleObj spid="_x0000_s37061" name="think-cell Slide" r:id="rId7" imgW="270" imgH="270" progId="TCLayout.ActiveDocument.1">
+                <p:oleObj spid="_x0000_s37065" name="think-cell Slide" r:id="rId7" imgW="270" imgH="270" progId="TCLayout.ActiveDocument.1">
                   <p:embed/>
                 </p:oleObj>
               </mc:Choice>
@@ -19690,7 +19690,7 @@
           <a:graphicData uri="http://schemas.openxmlformats.org/presentationml/2006/ole">
             <mc:AlternateContent xmlns:mc="http://schemas.openxmlformats.org/markup-compatibility/2006">
               <mc:Choice xmlns:v="urn:schemas-microsoft-com:vml" Requires="v">
-                <p:oleObj spid="_x0000_s38084" name="think-cell Slide" r:id="rId5" imgW="270" imgH="270" progId="TCLayout.ActiveDocument.1">
+                <p:oleObj spid="_x0000_s38088" name="think-cell Slide" r:id="rId5" imgW="270" imgH="270" progId="TCLayout.ActiveDocument.1">
                   <p:embed/>
                 </p:oleObj>
               </mc:Choice>
@@ -19760,7 +19760,7 @@
                 </a:solidFill>
               </a:rPr>
               <a:pPr/>
-              <a:t>05/03/2021</a:t>
+              <a:t>08/03/2021</a:t>
             </a:fld>
             <a:endParaRPr lang="en-GB" dirty="0">
               <a:solidFill>
@@ -20145,7 +20145,7 @@
           <a:graphicData uri="http://schemas.openxmlformats.org/presentationml/2006/ole">
             <mc:AlternateContent xmlns:mc="http://schemas.openxmlformats.org/markup-compatibility/2006">
               <mc:Choice xmlns:v="urn:schemas-microsoft-com:vml" Requires="v">
-                <p:oleObj spid="_x0000_s38085" name="think-cell Slide" r:id="rId8" imgW="270" imgH="270" progId="TCLayout.ActiveDocument.1">
+                <p:oleObj spid="_x0000_s38089" name="think-cell Slide" r:id="rId8" imgW="270" imgH="270" progId="TCLayout.ActiveDocument.1">
                   <p:embed/>
                 </p:oleObj>
               </mc:Choice>
@@ -20415,7 +20415,7 @@
           <a:graphicData uri="http://schemas.openxmlformats.org/presentationml/2006/ole">
             <mc:AlternateContent xmlns:mc="http://schemas.openxmlformats.org/markup-compatibility/2006">
               <mc:Choice xmlns:v="urn:schemas-microsoft-com:vml" Requires="v">
-                <p:oleObj spid="_x0000_s39011" name="think-cell Slide" r:id="rId4" imgW="270" imgH="270" progId="TCLayout.ActiveDocument.1">
+                <p:oleObj spid="_x0000_s39013" name="think-cell Slide" r:id="rId4" imgW="270" imgH="270" progId="TCLayout.ActiveDocument.1">
                   <p:embed/>
                 </p:oleObj>
               </mc:Choice>
@@ -20477,7 +20477,7 @@
                 </a:solidFill>
               </a:rPr>
               <a:pPr/>
-              <a:t>05/03/2021</a:t>
+              <a:t>08/03/2021</a:t>
             </a:fld>
             <a:endParaRPr lang="en-GB" dirty="0">
               <a:solidFill>
@@ -20879,7 +20879,7 @@
           <a:graphicData uri="http://schemas.openxmlformats.org/presentationml/2006/ole">
             <mc:AlternateContent xmlns:mc="http://schemas.openxmlformats.org/markup-compatibility/2006">
               <mc:Choice xmlns:v="urn:schemas-microsoft-com:vml" Requires="v">
-                <p:oleObj spid="_x0000_s5219" name="think-cell Slide" r:id="rId4" imgW="270" imgH="270" progId="TCLayout.ActiveDocument.1">
+                <p:oleObj spid="_x0000_s5221" name="think-cell Slide" r:id="rId4" imgW="270" imgH="270" progId="TCLayout.ActiveDocument.1">
                   <p:embed/>
                 </p:oleObj>
               </mc:Choice>
@@ -20944,7 +20944,7 @@
           <a:p>
             <a:fld id="{B56E8790-EF43-4195-82DA-4A26D543E504}" type="datetimeFigureOut">
               <a:rPr lang="en-GB" smtClean="0"/>
-              <a:t>05/03/2021</a:t>
+              <a:t>08/03/2021</a:t>
             </a:fld>
             <a:endParaRPr lang="en-GB" dirty="0"/>
           </a:p>
@@ -21490,7 +21490,7 @@
           <a:graphicData uri="http://schemas.openxmlformats.org/presentationml/2006/ole">
             <mc:AlternateContent xmlns:mc="http://schemas.openxmlformats.org/markup-compatibility/2006">
               <mc:Choice xmlns:v="urn:schemas-microsoft-com:vml" Requires="v">
-                <p:oleObj spid="_x0000_s6340" name="think-cell Slide" r:id="rId5" imgW="270" imgH="270" progId="TCLayout.ActiveDocument.1">
+                <p:oleObj spid="_x0000_s6344" name="think-cell Slide" r:id="rId5" imgW="270" imgH="270" progId="TCLayout.ActiveDocument.1">
                   <p:embed/>
                 </p:oleObj>
               </mc:Choice>
@@ -21741,7 +21741,7 @@
           <a:p>
             <a:fld id="{B56E8790-EF43-4195-82DA-4A26D543E504}" type="datetimeFigureOut">
               <a:rPr lang="en-GB" smtClean="0"/>
-              <a:t>05/03/2021</a:t>
+              <a:t>08/03/2021</a:t>
             </a:fld>
             <a:endParaRPr lang="en-GB" dirty="0"/>
           </a:p>
@@ -21816,7 +21816,7 @@
           <a:graphicData uri="http://schemas.openxmlformats.org/presentationml/2006/ole">
             <mc:AlternateContent xmlns:mc="http://schemas.openxmlformats.org/markup-compatibility/2006">
               <mc:Choice xmlns:v="urn:schemas-microsoft-com:vml" Requires="v">
-                <p:oleObj spid="_x0000_s6341" name="think-cell Slide" r:id="rId7" imgW="270" imgH="270" progId="TCLayout.ActiveDocument.1">
+                <p:oleObj spid="_x0000_s6345" name="think-cell Slide" r:id="rId7" imgW="270" imgH="270" progId="TCLayout.ActiveDocument.1">
                   <p:embed/>
                 </p:oleObj>
               </mc:Choice>
@@ -22113,7 +22113,7 @@
           <a:p>
             <a:fld id="{B56E8790-EF43-4195-82DA-4A26D543E504}" type="datetimeFigureOut">
               <a:rPr lang="en-GB" smtClean="0"/>
-              <a:t>05/03/2021</a:t>
+              <a:t>08/03/2021</a:t>
             </a:fld>
             <a:endParaRPr lang="en-GB" dirty="0"/>
           </a:p>
@@ -22606,7 +22606,7 @@
           <a:graphicData uri="http://schemas.openxmlformats.org/presentationml/2006/ole">
             <mc:AlternateContent xmlns:mc="http://schemas.openxmlformats.org/markup-compatibility/2006">
               <mc:Choice xmlns:v="urn:schemas-microsoft-com:vml" Requires="v">
-                <p:oleObj spid="_x0000_s7364" name="think-cell Slide" r:id="rId5" imgW="270" imgH="270" progId="TCLayout.ActiveDocument.1">
+                <p:oleObj spid="_x0000_s7368" name="think-cell Slide" r:id="rId5" imgW="270" imgH="270" progId="TCLayout.ActiveDocument.1">
                   <p:embed/>
                 </p:oleObj>
               </mc:Choice>
@@ -22671,7 +22671,7 @@
           <a:p>
             <a:fld id="{B56E8790-EF43-4195-82DA-4A26D543E504}" type="datetimeFigureOut">
               <a:rPr lang="en-GB" smtClean="0"/>
-              <a:t>05/03/2021</a:t>
+              <a:t>08/03/2021</a:t>
             </a:fld>
             <a:endParaRPr lang="en-GB" dirty="0"/>
           </a:p>
@@ -23030,7 +23030,7 @@
           <a:graphicData uri="http://schemas.openxmlformats.org/presentationml/2006/ole">
             <mc:AlternateContent xmlns:mc="http://schemas.openxmlformats.org/markup-compatibility/2006">
               <mc:Choice xmlns:v="urn:schemas-microsoft-com:vml" Requires="v">
-                <p:oleObj spid="_x0000_s7365" name="think-cell Slide" r:id="rId7" imgW="270" imgH="270" progId="TCLayout.ActiveDocument.1">
+                <p:oleObj spid="_x0000_s7369" name="think-cell Slide" r:id="rId7" imgW="270" imgH="270" progId="TCLayout.ActiveDocument.1">
                   <p:embed/>
                 </p:oleObj>
               </mc:Choice>
@@ -23322,7 +23322,7 @@
           <a:graphicData uri="http://schemas.openxmlformats.org/presentationml/2006/ole">
             <mc:AlternateContent xmlns:mc="http://schemas.openxmlformats.org/markup-compatibility/2006">
               <mc:Choice xmlns:v="urn:schemas-microsoft-com:vml" Requires="v">
-                <p:oleObj spid="_x0000_s8388" name="think-cell Slide" r:id="rId5" imgW="270" imgH="270" progId="TCLayout.ActiveDocument.1">
+                <p:oleObj spid="_x0000_s8392" name="think-cell Slide" r:id="rId5" imgW="270" imgH="270" progId="TCLayout.ActiveDocument.1">
                   <p:embed/>
                 </p:oleObj>
               </mc:Choice>
@@ -23387,7 +23387,7 @@
           <a:p>
             <a:fld id="{B56E8790-EF43-4195-82DA-4A26D543E504}" type="datetimeFigureOut">
               <a:rPr lang="en-GB" smtClean="0"/>
-              <a:t>05/03/2021</a:t>
+              <a:t>08/03/2021</a:t>
             </a:fld>
             <a:endParaRPr lang="en-GB" dirty="0"/>
           </a:p>
@@ -23746,7 +23746,7 @@
           <a:graphicData uri="http://schemas.openxmlformats.org/presentationml/2006/ole">
             <mc:AlternateContent xmlns:mc="http://schemas.openxmlformats.org/markup-compatibility/2006">
               <mc:Choice xmlns:v="urn:schemas-microsoft-com:vml" Requires="v">
-                <p:oleObj spid="_x0000_s8389" name="think-cell Slide" r:id="rId7" imgW="270" imgH="270" progId="TCLayout.ActiveDocument.1">
+                <p:oleObj spid="_x0000_s8393" name="think-cell Slide" r:id="rId7" imgW="270" imgH="270" progId="TCLayout.ActiveDocument.1">
                   <p:embed/>
                 </p:oleObj>
               </mc:Choice>
@@ -24051,7 +24051,7 @@
           <a:graphicData uri="http://schemas.openxmlformats.org/presentationml/2006/ole">
             <mc:AlternateContent xmlns:mc="http://schemas.openxmlformats.org/markup-compatibility/2006">
               <mc:Choice xmlns:v="urn:schemas-microsoft-com:vml" Requires="v">
-                <p:oleObj spid="_x0000_s1123" name="think-cell Slide" r:id="rId24" imgW="270" imgH="270" progId="TCLayout.ActiveDocument.1">
+                <p:oleObj spid="_x0000_s1125" name="think-cell Slide" r:id="rId24" imgW="270" imgH="270" progId="TCLayout.ActiveDocument.1">
                   <p:embed/>
                 </p:oleObj>
               </mc:Choice>
@@ -24183,7 +24183,7 @@
           <a:p>
             <a:fld id="{B56E8790-EF43-4195-82DA-4A26D543E504}" type="datetimeFigureOut">
               <a:rPr lang="en-GB" smtClean="0"/>
-              <a:t>05/03/2021</a:t>
+              <a:t>08/03/2021</a:t>
             </a:fld>
             <a:endParaRPr lang="en-GB" dirty="0"/>
           </a:p>
@@ -24744,7 +24744,7 @@
           <a:graphicData uri="http://schemas.openxmlformats.org/presentationml/2006/ole">
             <mc:AlternateContent xmlns:mc="http://schemas.openxmlformats.org/markup-compatibility/2006">
               <mc:Choice xmlns:v="urn:schemas-microsoft-com:vml" Requires="v">
-                <p:oleObj spid="_x0000_s18531" name="think-cell Slide" r:id="rId16" imgW="270" imgH="270" progId="TCLayout.ActiveDocument.1">
+                <p:oleObj spid="_x0000_s18533" name="think-cell Slide" r:id="rId16" imgW="270" imgH="270" progId="TCLayout.ActiveDocument.1">
                   <p:embed/>
                 </p:oleObj>
               </mc:Choice>
@@ -24877,7 +24877,7 @@
             <a:fld id="{10E7BC8F-BFD3-4858-915D-99D9576C8415}" type="datetime1">
               <a:rPr lang="en-GB" smtClean="0"/>
               <a:pPr/>
-              <a:t>05/03/2021</a:t>
+              <a:t>08/03/2021</a:t>
             </a:fld>
             <a:endParaRPr lang="en-GB" dirty="0"/>
           </a:p>
@@ -25431,7 +25431,7 @@
           <a:graphicData uri="http://schemas.openxmlformats.org/presentationml/2006/ole">
             <mc:AlternateContent xmlns:mc="http://schemas.openxmlformats.org/markup-compatibility/2006">
               <mc:Choice xmlns:v="urn:schemas-microsoft-com:vml" Requires="v">
-                <p:oleObj spid="_x0000_s28771" name="think-cell Slide" r:id="rId17" imgW="270" imgH="270" progId="TCLayout.ActiveDocument.1">
+                <p:oleObj spid="_x0000_s28773" name="think-cell Slide" r:id="rId17" imgW="270" imgH="270" progId="TCLayout.ActiveDocument.1">
                   <p:embed/>
                 </p:oleObj>
               </mc:Choice>
@@ -25568,7 +25568,7 @@
                 </a:solidFill>
               </a:rPr>
               <a:pPr/>
-              <a:t>05/03/2021</a:t>
+              <a:t>08/03/2021</a:t>
             </a:fld>
             <a:endParaRPr lang="en-GB" dirty="0">
               <a:solidFill>
@@ -26835,6 +26835,13 @@
   <p:clrMapOvr>
     <a:masterClrMapping/>
   </p:clrMapOvr>
+  <p:timing>
+    <p:tnLst>
+      <p:par>
+        <p:cTn id="1" dur="indefinite" restart="never" nodeType="tmRoot"/>
+      </p:par>
+    </p:tnLst>
+  </p:timing>
 </p:sld>
 </file>
 
@@ -27974,6 +27981,13 @@
   <p:clrMapOvr>
     <a:masterClrMapping/>
   </p:clrMapOvr>
+  <p:timing>
+    <p:tnLst>
+      <p:par>
+        <p:cTn id="1" dur="indefinite" restart="never" nodeType="tmRoot"/>
+      </p:par>
+    </p:tnLst>
+  </p:timing>
 </p:sld>
 </file>
 
@@ -29074,6 +29088,13 @@
   <p:clrMapOvr>
     <a:masterClrMapping/>
   </p:clrMapOvr>
+  <p:timing>
+    <p:tnLst>
+      <p:par>
+        <p:cTn id="1" dur="indefinite" restart="never" nodeType="tmRoot"/>
+      </p:par>
+    </p:tnLst>
+  </p:timing>
 </p:sld>
 </file>
 
@@ -31118,6 +31139,13 @@
   <p:clrMapOvr>
     <a:masterClrMapping/>
   </p:clrMapOvr>
+  <p:timing>
+    <p:tnLst>
+      <p:par>
+        <p:cTn id="1" dur="indefinite" restart="never" nodeType="tmRoot"/>
+      </p:par>
+    </p:tnLst>
+  </p:timing>
 </p:sld>
 </file>
 
@@ -33472,6 +33500,13 @@
   <p:clrMapOvr>
     <a:masterClrMapping/>
   </p:clrMapOvr>
+  <p:timing>
+    <p:tnLst>
+      <p:par>
+        <p:cTn id="1" dur="indefinite" restart="never" nodeType="tmRoot"/>
+      </p:par>
+    </p:tnLst>
+  </p:timing>
 </p:sld>
 </file>
 
@@ -34724,6 +34759,13 @@
   <p:clrMapOvr>
     <a:masterClrMapping/>
   </p:clrMapOvr>
+  <p:timing>
+    <p:tnLst>
+      <p:par>
+        <p:cTn id="1" dur="indefinite" restart="never" nodeType="tmRoot"/>
+      </p:par>
+    </p:tnLst>
+  </p:timing>
 </p:sld>
 </file>
 
@@ -35679,6 +35721,13 @@
   <p:clrMapOvr>
     <a:masterClrMapping/>
   </p:clrMapOvr>
+  <p:timing>
+    <p:tnLst>
+      <p:par>
+        <p:cTn id="1" dur="indefinite" restart="never" nodeType="tmRoot"/>
+      </p:par>
+    </p:tnLst>
+  </p:timing>
 </p:sld>
 </file>
 
@@ -36436,6 +36485,13 @@
   <p:clrMapOvr>
     <a:masterClrMapping/>
   </p:clrMapOvr>
+  <p:timing>
+    <p:tnLst>
+      <p:par>
+        <p:cTn id="1" dur="indefinite" restart="never" nodeType="tmRoot"/>
+      </p:par>
+    </p:tnLst>
+  </p:timing>
 </p:sld>
 </file>
 
@@ -37153,6 +37209,13 @@
   <p:clrMapOvr>
     <a:masterClrMapping/>
   </p:clrMapOvr>
+  <p:timing>
+    <p:tnLst>
+      <p:par>
+        <p:cTn id="1" dur="indefinite" restart="never" nodeType="tmRoot"/>
+      </p:par>
+    </p:tnLst>
+  </p:timing>
 </p:sld>
 </file>
 
@@ -37601,6 +37664,13 @@
   <p:clrMapOvr>
     <a:masterClrMapping/>
   </p:clrMapOvr>
+  <p:timing>
+    <p:tnLst>
+      <p:par>
+        <p:cTn id="1" dur="indefinite" restart="never" nodeType="tmRoot"/>
+      </p:par>
+    </p:tnLst>
+  </p:timing>
 </p:sld>
 </file>
 
@@ -38040,6 +38110,13 @@
   <p:clrMapOvr>
     <a:masterClrMapping/>
   </p:clrMapOvr>
+  <p:timing>
+    <p:tnLst>
+      <p:par>
+        <p:cTn id="1" dur="indefinite" restart="never" nodeType="tmRoot"/>
+      </p:par>
+    </p:tnLst>
+  </p:timing>
 </p:sld>
 </file>
 
@@ -38800,6 +38877,13 @@
   <p:clrMapOvr>
     <a:masterClrMapping/>
   </p:clrMapOvr>
+  <p:timing>
+    <p:tnLst>
+      <p:par>
+        <p:cTn id="1" dur="indefinite" restart="never" nodeType="tmRoot"/>
+      </p:par>
+    </p:tnLst>
+  </p:timing>
 </p:sld>
 </file>
 
@@ -39417,6 +39501,13 @@
   <p:clrMapOvr>
     <a:masterClrMapping/>
   </p:clrMapOvr>
+  <p:timing>
+    <p:tnLst>
+      <p:par>
+        <p:cTn id="1" dur="indefinite" restart="never" nodeType="tmRoot"/>
+      </p:par>
+    </p:tnLst>
+  </p:timing>
 </p:sld>
 </file>
 
@@ -40440,6 +40531,13 @@
   <p:clrMapOvr>
     <a:masterClrMapping/>
   </p:clrMapOvr>
+  <p:timing>
+    <p:tnLst>
+      <p:par>
+        <p:cTn id="1" dur="indefinite" restart="never" nodeType="tmRoot"/>
+      </p:par>
+    </p:tnLst>
+  </p:timing>
 </p:sld>
 </file>
 
@@ -40975,6 +41073,13 @@
   <p:clrMapOvr>
     <a:masterClrMapping/>
   </p:clrMapOvr>
+  <p:timing>
+    <p:tnLst>
+      <p:par>
+        <p:cTn id="1" dur="indefinite" restart="never" nodeType="tmRoot"/>
+      </p:par>
+    </p:tnLst>
+  </p:timing>
 </p:sld>
 </file>
 
@@ -41591,6 +41696,13 @@
   <p:clrMapOvr>
     <a:masterClrMapping/>
   </p:clrMapOvr>
+  <p:timing>
+    <p:tnLst>
+      <p:par>
+        <p:cTn id="1" dur="indefinite" restart="never" nodeType="tmRoot"/>
+      </p:par>
+    </p:tnLst>
+  </p:timing>
 </p:sld>
 </file>
 
@@ -42720,6 +42832,13 @@
   <p:clrMapOvr>
     <a:masterClrMapping/>
   </p:clrMapOvr>
+  <p:timing>
+    <p:tnLst>
+      <p:par>
+        <p:cTn id="1" dur="indefinite" restart="never" nodeType="tmRoot"/>
+      </p:par>
+    </p:tnLst>
+  </p:timing>
 </p:sld>
 </file>
 
@@ -44726,6 +44845,13 @@
   <p:clrMapOvr>
     <a:masterClrMapping/>
   </p:clrMapOvr>
+  <p:timing>
+    <p:tnLst>
+      <p:par>
+        <p:cTn id="1" dur="indefinite" restart="never" nodeType="tmRoot"/>
+      </p:par>
+    </p:tnLst>
+  </p:timing>
 </p:sld>
 </file>
 
@@ -45080,6 +45206,13 @@
   <p:clrMapOvr>
     <a:masterClrMapping/>
   </p:clrMapOvr>
+  <p:timing>
+    <p:tnLst>
+      <p:par>
+        <p:cTn id="1" dur="indefinite" restart="never" nodeType="tmRoot"/>
+      </p:par>
+    </p:tnLst>
+  </p:timing>
 </p:sld>
 </file>
 
@@ -45453,6 +45586,13 @@
   <p:clrMapOvr>
     <a:masterClrMapping/>
   </p:clrMapOvr>
+  <p:timing>
+    <p:tnLst>
+      <p:par>
+        <p:cTn id="1" dur="indefinite" restart="never" nodeType="tmRoot"/>
+      </p:par>
+    </p:tnLst>
+  </p:timing>
 </p:sld>
 </file>
 
@@ -46337,6 +46477,13 @@
   <p:clrMapOvr>
     <a:masterClrMapping/>
   </p:clrMapOvr>
+  <p:timing>
+    <p:tnLst>
+      <p:par>
+        <p:cTn id="1" dur="indefinite" restart="never" nodeType="tmRoot"/>
+      </p:par>
+    </p:tnLst>
+  </p:timing>
 </p:sld>
 </file>
 
@@ -46944,6 +47091,13 @@
   <p:clrMapOvr>
     <a:masterClrMapping/>
   </p:clrMapOvr>
+  <p:timing>
+    <p:tnLst>
+      <p:par>
+        <p:cTn id="1" dur="indefinite" restart="never" nodeType="tmRoot"/>
+      </p:par>
+    </p:tnLst>
+  </p:timing>
 </p:sld>
 </file>
 
@@ -48020,6 +48174,13 @@
   <p:clrMapOvr>
     <a:masterClrMapping/>
   </p:clrMapOvr>
+  <p:timing>
+    <p:tnLst>
+      <p:par>
+        <p:cTn id="1" dur="indefinite" restart="never" nodeType="tmRoot"/>
+      </p:par>
+    </p:tnLst>
+  </p:timing>
 </p:sld>
 </file>
 
@@ -48414,6 +48575,13 @@
   <p:clrMapOvr>
     <a:masterClrMapping/>
   </p:clrMapOvr>
+  <p:timing>
+    <p:tnLst>
+      <p:par>
+        <p:cTn id="1" dur="indefinite" restart="never" nodeType="tmRoot"/>
+      </p:par>
+    </p:tnLst>
+  </p:timing>
 </p:sld>
 </file>
 
@@ -48641,7 +48809,7 @@
                   <a:schemeClr val="accent4"/>
                 </a:solidFill>
               </a:rPr>
-              <a:t>stores</a:t>
+              <a:t>stores </a:t>
             </a:r>
             <a:endParaRPr lang="en-GB" sz="1100" b="1" dirty="0">
               <a:solidFill>
@@ -48707,7 +48875,7 @@
         <p:spPr>
           <a:xfrm>
             <a:off x="8255971" y="1782051"/>
-            <a:ext cx="0" cy="1846673"/>
+            <a:ext cx="0" cy="3393064"/>
           </a:xfrm>
           <a:prstGeom prst="straightConnector1">
             <a:avLst/>
@@ -48741,7 +48909,7 @@
         <p:spPr>
           <a:xfrm>
             <a:off x="3551904" y="1782051"/>
-            <a:ext cx="0" cy="1846673"/>
+            <a:ext cx="1964" cy="3393064"/>
           </a:xfrm>
           <a:prstGeom prst="straightConnector1">
             <a:avLst/>
@@ -48766,6 +48934,258 @@
           </a:fontRef>
         </p:style>
       </p:cxnSp>
+      <p:cxnSp>
+        <p:nvCxnSpPr>
+          <p:cNvPr id="16" name="Straight Arrow Connector 15"/>
+          <p:cNvCxnSpPr/>
+          <p:nvPr/>
+        </p:nvCxnSpPr>
+        <p:spPr>
+          <a:xfrm>
+            <a:off x="3553868" y="4042193"/>
+            <a:ext cx="4702103" cy="0"/>
+          </a:xfrm>
+          <a:prstGeom prst="straightConnector1">
+            <a:avLst/>
+          </a:prstGeom>
+          <a:ln w="28575">
+            <a:prstDash val="sysDash"/>
+            <a:headEnd type="triangle" w="med" len="med"/>
+            <a:tailEnd type="none" w="med" len="med"/>
+          </a:ln>
+        </p:spPr>
+        <p:style>
+          <a:lnRef idx="3">
+            <a:schemeClr val="accent2"/>
+          </a:lnRef>
+          <a:fillRef idx="0">
+            <a:schemeClr val="accent2"/>
+          </a:fillRef>
+          <a:effectRef idx="2">
+            <a:schemeClr val="accent2"/>
+          </a:effectRef>
+          <a:fontRef idx="minor">
+            <a:schemeClr val="tx1"/>
+          </a:fontRef>
+        </p:style>
+      </p:cxnSp>
+      <p:cxnSp>
+        <p:nvCxnSpPr>
+          <p:cNvPr id="18" name="Straight Arrow Connector 17"/>
+          <p:cNvCxnSpPr/>
+          <p:nvPr/>
+        </p:nvCxnSpPr>
+        <p:spPr>
+          <a:xfrm>
+            <a:off x="3553868" y="3832128"/>
+            <a:ext cx="4702103" cy="0"/>
+          </a:xfrm>
+          <a:prstGeom prst="straightConnector1">
+            <a:avLst/>
+          </a:prstGeom>
+          <a:ln w="28575">
+            <a:headEnd type="none" w="med" len="med"/>
+            <a:tailEnd type="triangle" w="med" len="med"/>
+          </a:ln>
+        </p:spPr>
+        <p:style>
+          <a:lnRef idx="3">
+            <a:schemeClr val="accent2"/>
+          </a:lnRef>
+          <a:fillRef idx="0">
+            <a:schemeClr val="accent2"/>
+          </a:fillRef>
+          <a:effectRef idx="2">
+            <a:schemeClr val="accent2"/>
+          </a:effectRef>
+          <a:fontRef idx="minor">
+            <a:schemeClr val="tx1"/>
+          </a:fontRef>
+        </p:style>
+      </p:cxnSp>
+      <p:sp>
+        <p:nvSpPr>
+          <p:cNvPr id="19" name="TextBox 18"/>
+          <p:cNvSpPr txBox="1"/>
+          <p:nvPr/>
+        </p:nvSpPr>
+        <p:spPr>
+          <a:xfrm>
+            <a:off x="3927107" y="3626569"/>
+            <a:ext cx="4081112" cy="169277"/>
+          </a:xfrm>
+          <a:prstGeom prst="rect">
+            <a:avLst/>
+          </a:prstGeom>
+          <a:noFill/>
+        </p:spPr>
+        <p:txBody>
+          <a:bodyPr wrap="square" lIns="0" tIns="0" rIns="0" bIns="0" rtlCol="0">
+            <a:spAutoFit/>
+          </a:bodyPr>
+          <a:lstStyle/>
+          <a:p>
+            <a:pPr algn="ctr"/>
+            <a:r>
+              <a:rPr lang="da-DK" sz="1100" b="1" dirty="0">
+                <a:solidFill>
+                  <a:schemeClr val="accent4"/>
+                </a:solidFill>
+              </a:rPr>
+              <a:t>GET /</a:t>
+            </a:r>
+            <a:r>
+              <a:rPr lang="da-DK" sz="1100" b="1" dirty="0" smtClean="0">
+                <a:solidFill>
+                  <a:schemeClr val="accent4"/>
+                </a:solidFill>
+              </a:rPr>
+              <a:t>stores/{</a:t>
+            </a:r>
+            <a:r>
+              <a:rPr lang="da-DK" sz="1100" b="1" dirty="0" err="1" smtClean="0">
+                <a:solidFill>
+                  <a:schemeClr val="accent4"/>
+                </a:solidFill>
+              </a:rPr>
+              <a:t>storeId_i</a:t>
+            </a:r>
+            <a:r>
+              <a:rPr lang="da-DK" sz="1100" b="1" dirty="0" smtClean="0">
+                <a:solidFill>
+                  <a:schemeClr val="accent4"/>
+                </a:solidFill>
+              </a:rPr>
+              <a:t>}</a:t>
+            </a:r>
+            <a:endParaRPr lang="en-GB" sz="1100" b="1" dirty="0">
+              <a:solidFill>
+                <a:schemeClr val="accent4"/>
+              </a:solidFill>
+            </a:endParaRPr>
+          </a:p>
+        </p:txBody>
+      </p:sp>
+      <p:sp>
+        <p:nvSpPr>
+          <p:cNvPr id="20" name="TextBox 19"/>
+          <p:cNvSpPr txBox="1"/>
+          <p:nvPr/>
+        </p:nvSpPr>
+        <p:spPr>
+          <a:xfrm>
+            <a:off x="4378351" y="4078452"/>
+            <a:ext cx="3240025" cy="169277"/>
+          </a:xfrm>
+          <a:prstGeom prst="rect">
+            <a:avLst/>
+          </a:prstGeom>
+          <a:noFill/>
+        </p:spPr>
+        <p:txBody>
+          <a:bodyPr wrap="square" lIns="0" tIns="0" rIns="0" bIns="0" rtlCol="0">
+            <a:spAutoFit/>
+          </a:bodyPr>
+          <a:lstStyle/>
+          <a:p>
+            <a:pPr algn="ctr"/>
+            <a:r>
+              <a:rPr lang="da-DK" sz="1100" b="1" dirty="0" err="1" smtClean="0">
+                <a:solidFill>
+                  <a:schemeClr val="accent4"/>
+                </a:solidFill>
+              </a:rPr>
+              <a:t>Store_i</a:t>
+            </a:r>
+            <a:endParaRPr lang="en-GB" sz="1100" b="1" dirty="0">
+              <a:solidFill>
+                <a:schemeClr val="accent4"/>
+              </a:solidFill>
+            </a:endParaRPr>
+          </a:p>
+        </p:txBody>
+      </p:sp>
+      <p:sp>
+        <p:nvSpPr>
+          <p:cNvPr id="22" name="TextBox 21"/>
+          <p:cNvSpPr txBox="1"/>
+          <p:nvPr/>
+        </p:nvSpPr>
+        <p:spPr>
+          <a:xfrm>
+            <a:off x="3043650" y="3389428"/>
+            <a:ext cx="5722538" cy="1354217"/>
+          </a:xfrm>
+          <a:prstGeom prst="rect">
+            <a:avLst/>
+          </a:prstGeom>
+          <a:noFill/>
+          <a:ln w="38100">
+            <a:prstDash val="sysDash"/>
+          </a:ln>
+        </p:spPr>
+        <p:style>
+          <a:lnRef idx="2">
+            <a:schemeClr val="accent6"/>
+          </a:lnRef>
+          <a:fillRef idx="1">
+            <a:schemeClr val="lt1"/>
+          </a:fillRef>
+          <a:effectRef idx="0">
+            <a:schemeClr val="accent6"/>
+          </a:effectRef>
+          <a:fontRef idx="minor">
+            <a:schemeClr val="dk1"/>
+          </a:fontRef>
+        </p:style>
+        <p:txBody>
+          <a:bodyPr wrap="square" lIns="0" tIns="0" rIns="0" bIns="0" rtlCol="0">
+            <a:spAutoFit/>
+          </a:bodyPr>
+          <a:lstStyle/>
+          <a:p>
+            <a:pPr>
+              <a:lnSpc>
+                <a:spcPct val="200000"/>
+              </a:lnSpc>
+            </a:pPr>
+            <a:r>
+              <a:rPr lang="da-DK" sz="1100" b="1" dirty="0" smtClean="0">
+                <a:solidFill>
+                  <a:schemeClr val="accent6"/>
+                </a:solidFill>
+              </a:rPr>
+              <a:t>	FOR-EACH</a:t>
+            </a:r>
+          </a:p>
+          <a:p>
+            <a:endParaRPr lang="da-DK" sz="1100" b="1" dirty="0">
+              <a:solidFill>
+                <a:schemeClr val="accent6"/>
+              </a:solidFill>
+            </a:endParaRPr>
+          </a:p>
+          <a:p>
+            <a:endParaRPr lang="da-DK" sz="1100" b="1" dirty="0">
+              <a:solidFill>
+                <a:schemeClr val="accent6"/>
+              </a:solidFill>
+            </a:endParaRPr>
+          </a:p>
+          <a:p>
+            <a:endParaRPr lang="da-DK" sz="1100" dirty="0"/>
+          </a:p>
+          <a:p>
+            <a:endParaRPr lang="da-DK" sz="1100" dirty="0"/>
+          </a:p>
+          <a:p>
+            <a:endParaRPr lang="da-DK" sz="1100" dirty="0"/>
+          </a:p>
+          <a:p>
+            <a:endParaRPr lang="en-GB" sz="1100" dirty="0"/>
+          </a:p>
+        </p:txBody>
+      </p:sp>
     </p:spTree>
     <p:extLst>
       <p:ext uri="{BB962C8B-B14F-4D97-AF65-F5344CB8AC3E}">
@@ -48776,6 +49196,13 @@
   <p:clrMapOvr>
     <a:masterClrMapping/>
   </p:clrMapOvr>
+  <p:timing>
+    <p:tnLst>
+      <p:par>
+        <p:cTn id="1" dur="indefinite" restart="never" nodeType="tmRoot"/>
+      </p:par>
+    </p:tnLst>
+  </p:timing>
 </p:sld>
 </file>
 
@@ -49781,6 +50208,13 @@
   <p:clrMapOvr>
     <a:masterClrMapping/>
   </p:clrMapOvr>
+  <p:timing>
+    <p:tnLst>
+      <p:par>
+        <p:cTn id="1" dur="indefinite" restart="never" nodeType="tmRoot"/>
+      </p:par>
+    </p:tnLst>
+  </p:timing>
 </p:sld>
 </file>
 
@@ -51125,6 +51559,13 @@
   <p:clrMapOvr>
     <a:masterClrMapping/>
   </p:clrMapOvr>
+  <p:timing>
+    <p:tnLst>
+      <p:par>
+        <p:cTn id="1" dur="indefinite" restart="never" nodeType="tmRoot"/>
+      </p:par>
+    </p:tnLst>
+  </p:timing>
 </p:sld>
 </file>
 
@@ -52628,6 +53069,13 @@
   <p:clrMapOvr>
     <a:masterClrMapping/>
   </p:clrMapOvr>
+  <p:timing>
+    <p:tnLst>
+      <p:par>
+        <p:cTn id="1" dur="indefinite" restart="never" nodeType="tmRoot"/>
+      </p:par>
+    </p:tnLst>
+  </p:timing>
 </p:sld>
 </file>
 
@@ -54372,6 +54820,13 @@
   <p:clrMapOvr>
     <a:masterClrMapping/>
   </p:clrMapOvr>
+  <p:timing>
+    <p:tnLst>
+      <p:par>
+        <p:cTn id="1" dur="indefinite" restart="never" nodeType="tmRoot"/>
+      </p:par>
+    </p:tnLst>
+  </p:timing>
 </p:sld>
 </file>
 
@@ -56463,6 +56918,13 @@
   <p:clrMapOvr>
     <a:masterClrMapping/>
   </p:clrMapOvr>
+  <p:timing>
+    <p:tnLst>
+      <p:par>
+        <p:cTn id="1" dur="indefinite" restart="never" nodeType="tmRoot"/>
+      </p:par>
+    </p:tnLst>
+  </p:timing>
 </p:sld>
 </file>
 
@@ -58236,6 +58698,13 @@
   <p:clrMapOvr>
     <a:masterClrMapping/>
   </p:clrMapOvr>
+  <p:timing>
+    <p:tnLst>
+      <p:par>
+        <p:cTn id="1" dur="indefinite" restart="never" nodeType="tmRoot"/>
+      </p:par>
+    </p:tnLst>
+  </p:timing>
 </p:sld>
 </file>
 

--- a/docs/assets/TitaniumFlows.pptx
+++ b/docs/assets/TitaniumFlows.pptx
@@ -216,7 +216,7 @@
           <a:graphicData uri="http://schemas.openxmlformats.org/presentationml/2006/ole">
             <mc:AlternateContent xmlns:mc="http://schemas.openxmlformats.org/markup-compatibility/2006">
               <mc:Choice xmlns:v="urn:schemas-microsoft-com:vml" Requires="v">
-                <p:oleObj spid="_x0000_s2149" name="think-cell Slide" r:id="rId5" imgW="270" imgH="270" progId="TCLayout.ActiveDocument.1">
+                <p:oleObj spid="_x0000_s2151" name="think-cell Slide" r:id="rId5" imgW="270" imgH="270" progId="TCLayout.ActiveDocument.1">
                   <p:embed/>
                 </p:oleObj>
               </mc:Choice>
@@ -398,7 +398,7 @@
           <a:p>
             <a:fld id="{B56E8790-EF43-4195-82DA-4A26D543E504}" type="datetimeFigureOut">
               <a:rPr lang="en-GB" smtClean="0"/>
-              <a:t>08/03/2021</a:t>
+              <a:t>16/03/2021</a:t>
             </a:fld>
             <a:endParaRPr lang="en-GB" dirty="0"/>
           </a:p>
@@ -496,7 +496,7 @@
           <a:graphicData uri="http://schemas.openxmlformats.org/presentationml/2006/ole">
             <mc:AlternateContent xmlns:mc="http://schemas.openxmlformats.org/markup-compatibility/2006">
               <mc:Choice xmlns:v="urn:schemas-microsoft-com:vml" Requires="v">
-                <p:oleObj spid="_x0000_s9416" name="think-cell Slide" r:id="rId5" imgW="270" imgH="270" progId="TCLayout.ActiveDocument.1">
+                <p:oleObj spid="_x0000_s9420" name="think-cell Slide" r:id="rId5" imgW="270" imgH="270" progId="TCLayout.ActiveDocument.1">
                   <p:embed/>
                 </p:oleObj>
               </mc:Choice>
@@ -610,7 +610,7 @@
           <a:p>
             <a:fld id="{B56E8790-EF43-4195-82DA-4A26D543E504}" type="datetimeFigureOut">
               <a:rPr lang="en-GB" smtClean="0"/>
-              <a:t>08/03/2021</a:t>
+              <a:t>16/03/2021</a:t>
             </a:fld>
             <a:endParaRPr lang="en-GB" dirty="0"/>
           </a:p>
@@ -1204,7 +1204,7 @@
           <a:graphicData uri="http://schemas.openxmlformats.org/presentationml/2006/ole">
             <mc:AlternateContent xmlns:mc="http://schemas.openxmlformats.org/markup-compatibility/2006">
               <mc:Choice xmlns:v="urn:schemas-microsoft-com:vml" Requires="v">
-                <p:oleObj spid="_x0000_s9417" name="think-cell Slide" r:id="rId7" imgW="270" imgH="270" progId="TCLayout.ActiveDocument.1">
+                <p:oleObj spid="_x0000_s9421" name="think-cell Slide" r:id="rId7" imgW="270" imgH="270" progId="TCLayout.ActiveDocument.1">
                   <p:embed/>
                 </p:oleObj>
               </mc:Choice>
@@ -1509,7 +1509,7 @@
           <a:graphicData uri="http://schemas.openxmlformats.org/presentationml/2006/ole">
             <mc:AlternateContent xmlns:mc="http://schemas.openxmlformats.org/markup-compatibility/2006">
               <mc:Choice xmlns:v="urn:schemas-microsoft-com:vml" Requires="v">
-                <p:oleObj spid="_x0000_s10440" name="think-cell Slide" r:id="rId5" imgW="270" imgH="270" progId="TCLayout.ActiveDocument.1">
+                <p:oleObj spid="_x0000_s10444" name="think-cell Slide" r:id="rId5" imgW="270" imgH="270" progId="TCLayout.ActiveDocument.1">
                   <p:embed/>
                 </p:oleObj>
               </mc:Choice>
@@ -1574,7 +1574,7 @@
           <a:p>
             <a:fld id="{B56E8790-EF43-4195-82DA-4A26D543E504}" type="datetimeFigureOut">
               <a:rPr lang="en-GB" smtClean="0"/>
-              <a:t>08/03/2021</a:t>
+              <a:t>16/03/2021</a:t>
             </a:fld>
             <a:endParaRPr lang="en-GB" dirty="0"/>
           </a:p>
@@ -1960,7 +1960,7 @@
           <a:graphicData uri="http://schemas.openxmlformats.org/presentationml/2006/ole">
             <mc:AlternateContent xmlns:mc="http://schemas.openxmlformats.org/markup-compatibility/2006">
               <mc:Choice xmlns:v="urn:schemas-microsoft-com:vml" Requires="v">
-                <p:oleObj spid="_x0000_s10441" name="think-cell Slide" r:id="rId8" imgW="270" imgH="270" progId="TCLayout.ActiveDocument.1">
+                <p:oleObj spid="_x0000_s10445" name="think-cell Slide" r:id="rId8" imgW="270" imgH="270" progId="TCLayout.ActiveDocument.1">
                   <p:embed/>
                 </p:oleObj>
               </mc:Choice>
@@ -2226,7 +2226,7 @@
           <a:graphicData uri="http://schemas.openxmlformats.org/presentationml/2006/ole">
             <mc:AlternateContent xmlns:mc="http://schemas.openxmlformats.org/markup-compatibility/2006">
               <mc:Choice xmlns:v="urn:schemas-microsoft-com:vml" Requires="v">
-                <p:oleObj spid="_x0000_s11365" name="think-cell Slide" r:id="rId4" imgW="270" imgH="270" progId="TCLayout.ActiveDocument.1">
+                <p:oleObj spid="_x0000_s11367" name="think-cell Slide" r:id="rId4" imgW="270" imgH="270" progId="TCLayout.ActiveDocument.1">
                   <p:embed/>
                 </p:oleObj>
               </mc:Choice>
@@ -2283,7 +2283,7 @@
           <a:p>
             <a:fld id="{B56E8790-EF43-4195-82DA-4A26D543E504}" type="datetimeFigureOut">
               <a:rPr lang="en-GB" smtClean="0"/>
-              <a:t>08/03/2021</a:t>
+              <a:t>16/03/2021</a:t>
             </a:fld>
             <a:endParaRPr lang="en-GB" dirty="0"/>
           </a:p>
@@ -2672,7 +2672,7 @@
           <a:graphicData uri="http://schemas.openxmlformats.org/presentationml/2006/ole">
             <mc:AlternateContent xmlns:mc="http://schemas.openxmlformats.org/markup-compatibility/2006">
               <mc:Choice xmlns:v="urn:schemas-microsoft-com:vml" Requires="v">
-                <p:oleObj spid="_x0000_s12389" name="think-cell Slide" r:id="rId4" imgW="270" imgH="270" progId="TCLayout.ActiveDocument.1">
+                <p:oleObj spid="_x0000_s12391" name="think-cell Slide" r:id="rId4" imgW="270" imgH="270" progId="TCLayout.ActiveDocument.1">
                   <p:embed/>
                 </p:oleObj>
               </mc:Choice>
@@ -2729,7 +2729,7 @@
           <a:p>
             <a:fld id="{B56E8790-EF43-4195-82DA-4A26D543E504}" type="datetimeFigureOut">
               <a:rPr lang="en-GB" smtClean="0"/>
-              <a:t>08/03/2021</a:t>
+              <a:t>16/03/2021</a:t>
             </a:fld>
             <a:endParaRPr lang="en-GB" dirty="0"/>
           </a:p>
@@ -3280,7 +3280,7 @@
           <a:graphicData uri="http://schemas.openxmlformats.org/presentationml/2006/ole">
             <mc:AlternateContent xmlns:mc="http://schemas.openxmlformats.org/markup-compatibility/2006">
               <mc:Choice xmlns:v="urn:schemas-microsoft-com:vml" Requires="v">
-                <p:oleObj spid="_x0000_s13413" name="think-cell Slide" r:id="rId4" imgW="270" imgH="270" progId="TCLayout.ActiveDocument.1">
+                <p:oleObj spid="_x0000_s13415" name="think-cell Slide" r:id="rId4" imgW="270" imgH="270" progId="TCLayout.ActiveDocument.1">
                   <p:embed/>
                 </p:oleObj>
               </mc:Choice>
@@ -3337,7 +3337,7 @@
           <a:p>
             <a:fld id="{B56E8790-EF43-4195-82DA-4A26D543E504}" type="datetimeFigureOut">
               <a:rPr lang="en-GB" smtClean="0"/>
-              <a:t>08/03/2021</a:t>
+              <a:t>16/03/2021</a:t>
             </a:fld>
             <a:endParaRPr lang="en-GB" dirty="0"/>
           </a:p>
@@ -3888,7 +3888,7 @@
           <a:graphicData uri="http://schemas.openxmlformats.org/presentationml/2006/ole">
             <mc:AlternateContent xmlns:mc="http://schemas.openxmlformats.org/markup-compatibility/2006">
               <mc:Choice xmlns:v="urn:schemas-microsoft-com:vml" Requires="v">
-                <p:oleObj spid="_x0000_s14437" name="think-cell Slide" r:id="rId4" imgW="270" imgH="270" progId="TCLayout.ActiveDocument.1">
+                <p:oleObj spid="_x0000_s14439" name="think-cell Slide" r:id="rId4" imgW="270" imgH="270" progId="TCLayout.ActiveDocument.1">
                   <p:embed/>
                 </p:oleObj>
               </mc:Choice>
@@ -3945,7 +3945,7 @@
           <a:p>
             <a:fld id="{B56E8790-EF43-4195-82DA-4A26D543E504}" type="datetimeFigureOut">
               <a:rPr lang="en-GB" smtClean="0"/>
-              <a:t>08/03/2021</a:t>
+              <a:t>16/03/2021</a:t>
             </a:fld>
             <a:endParaRPr lang="en-GB" dirty="0"/>
           </a:p>
@@ -4496,7 +4496,7 @@
           <a:graphicData uri="http://schemas.openxmlformats.org/presentationml/2006/ole">
             <mc:AlternateContent xmlns:mc="http://schemas.openxmlformats.org/markup-compatibility/2006">
               <mc:Choice xmlns:v="urn:schemas-microsoft-com:vml" Requires="v">
-                <p:oleObj spid="_x0000_s15461" name="think-cell Slide" r:id="rId4" imgW="270" imgH="270" progId="TCLayout.ActiveDocument.1">
+                <p:oleObj spid="_x0000_s15463" name="think-cell Slide" r:id="rId4" imgW="270" imgH="270" progId="TCLayout.ActiveDocument.1">
                   <p:embed/>
                 </p:oleObj>
               </mc:Choice>
@@ -4553,7 +4553,7 @@
           <a:p>
             <a:fld id="{B56E8790-EF43-4195-82DA-4A26D543E504}" type="datetimeFigureOut">
               <a:rPr lang="en-GB" smtClean="0"/>
-              <a:t>08/03/2021</a:t>
+              <a:t>16/03/2021</a:t>
             </a:fld>
             <a:endParaRPr lang="en-GB" dirty="0"/>
           </a:p>
@@ -5104,7 +5104,7 @@
           <a:graphicData uri="http://schemas.openxmlformats.org/presentationml/2006/ole">
             <mc:AlternateContent xmlns:mc="http://schemas.openxmlformats.org/markup-compatibility/2006">
               <mc:Choice xmlns:v="urn:schemas-microsoft-com:vml" Requires="v">
-                <p:oleObj spid="_x0000_s16485" name="think-cell Slide" r:id="rId4" imgW="270" imgH="270" progId="TCLayout.ActiveDocument.1">
+                <p:oleObj spid="_x0000_s16487" name="think-cell Slide" r:id="rId4" imgW="270" imgH="270" progId="TCLayout.ActiveDocument.1">
                   <p:embed/>
                 </p:oleObj>
               </mc:Choice>
@@ -5161,7 +5161,7 @@
           <a:p>
             <a:fld id="{B56E8790-EF43-4195-82DA-4A26D543E504}" type="datetimeFigureOut">
               <a:rPr lang="en-GB" smtClean="0"/>
-              <a:t>08/03/2021</a:t>
+              <a:t>16/03/2021</a:t>
             </a:fld>
             <a:endParaRPr lang="en-GB" dirty="0"/>
           </a:p>
@@ -5712,7 +5712,7 @@
           <a:graphicData uri="http://schemas.openxmlformats.org/presentationml/2006/ole">
             <mc:AlternateContent xmlns:mc="http://schemas.openxmlformats.org/markup-compatibility/2006">
               <mc:Choice xmlns:v="urn:schemas-microsoft-com:vml" Requires="v">
-                <p:oleObj spid="_x0000_s17509" name="think-cell Slide" r:id="rId4" imgW="270" imgH="270" progId="TCLayout.ActiveDocument.1">
+                <p:oleObj spid="_x0000_s17511" name="think-cell Slide" r:id="rId4" imgW="270" imgH="270" progId="TCLayout.ActiveDocument.1">
                   <p:embed/>
                 </p:oleObj>
               </mc:Choice>
@@ -5769,7 +5769,7 @@
           <a:p>
             <a:fld id="{B56E8790-EF43-4195-82DA-4A26D543E504}" type="datetimeFigureOut">
               <a:rPr lang="en-GB" smtClean="0"/>
-              <a:t>08/03/2021</a:t>
+              <a:t>16/03/2021</a:t>
             </a:fld>
             <a:endParaRPr lang="en-GB" dirty="0"/>
           </a:p>
@@ -6414,7 +6414,7 @@
           <a:p>
             <a:fld id="{B56E8790-EF43-4195-82DA-4A26D543E504}" type="datetimeFigureOut">
               <a:rPr lang="en-GB" smtClean="0"/>
-              <a:t>08/03/2021</a:t>
+              <a:t>16/03/2021</a:t>
             </a:fld>
             <a:endParaRPr lang="en-GB" dirty="0"/>
           </a:p>
@@ -6525,7 +6525,7 @@
           <a:graphicData uri="http://schemas.openxmlformats.org/presentationml/2006/ole">
             <mc:AlternateContent xmlns:mc="http://schemas.openxmlformats.org/markup-compatibility/2006">
               <mc:Choice xmlns:v="urn:schemas-microsoft-com:vml" Requires="v">
-                <p:oleObj spid="_x0000_s3173" name="think-cell Slide" r:id="rId4" imgW="270" imgH="270" progId="TCLayout.ActiveDocument.1">
+                <p:oleObj spid="_x0000_s3175" name="think-cell Slide" r:id="rId4" imgW="270" imgH="270" progId="TCLayout.ActiveDocument.1">
                   <p:embed/>
                 </p:oleObj>
               </mc:Choice>
@@ -6674,7 +6674,7 @@
           <a:p>
             <a:fld id="{B56E8790-EF43-4195-82DA-4A26D543E504}" type="datetimeFigureOut">
               <a:rPr lang="en-GB" smtClean="0"/>
-              <a:t>08/03/2021</a:t>
+              <a:t>16/03/2021</a:t>
             </a:fld>
             <a:endParaRPr lang="en-GB" dirty="0"/>
           </a:p>
@@ -6838,7 +6838,7 @@
           <a:graphicData uri="http://schemas.openxmlformats.org/presentationml/2006/ole">
             <mc:AlternateContent xmlns:mc="http://schemas.openxmlformats.org/markup-compatibility/2006">
               <mc:Choice xmlns:v="urn:schemas-microsoft-com:vml" Requires="v">
-                <p:oleObj spid="_x0000_s19557" name="think-cell Slide" r:id="rId5" imgW="270" imgH="270" progId="TCLayout.ActiveDocument.1">
+                <p:oleObj spid="_x0000_s19559" name="think-cell Slide" r:id="rId5" imgW="270" imgH="270" progId="TCLayout.ActiveDocument.1">
                   <p:embed/>
                 </p:oleObj>
               </mc:Choice>
@@ -7021,7 +7021,7 @@
             <a:fld id="{FD5A4159-1C9D-4C23-8DBB-0FD5BF49F859}" type="datetime1">
               <a:rPr lang="en-GB" smtClean="0"/>
               <a:pPr/>
-              <a:t>08/03/2021</a:t>
+              <a:t>16/03/2021</a:t>
             </a:fld>
             <a:endParaRPr lang="en-GB" dirty="0"/>
           </a:p>
@@ -7114,7 +7114,7 @@
           <a:graphicData uri="http://schemas.openxmlformats.org/presentationml/2006/ole">
             <mc:AlternateContent xmlns:mc="http://schemas.openxmlformats.org/markup-compatibility/2006">
               <mc:Choice xmlns:v="urn:schemas-microsoft-com:vml" Requires="v">
-                <p:oleObj spid="_x0000_s20581" name="think-cell Slide" r:id="rId4" imgW="270" imgH="270" progId="TCLayout.ActiveDocument.1">
+                <p:oleObj spid="_x0000_s20583" name="think-cell Slide" r:id="rId4" imgW="270" imgH="270" progId="TCLayout.ActiveDocument.1">
                   <p:embed/>
                 </p:oleObj>
               </mc:Choice>
@@ -7264,7 +7264,7 @@
             <a:fld id="{461D2423-DC7C-4239-9F6A-F74AADFD9F8E}" type="datetime1">
               <a:rPr lang="en-GB" smtClean="0"/>
               <a:pPr/>
-              <a:t>08/03/2021</a:t>
+              <a:t>16/03/2021</a:t>
             </a:fld>
             <a:endParaRPr lang="en-GB" dirty="0"/>
           </a:p>
@@ -7438,7 +7438,7 @@
             <a:fld id="{84F482FB-B023-4CBB-8046-4D830E895C90}" type="datetime1">
               <a:rPr lang="en-GB" smtClean="0"/>
               <a:pPr/>
-              <a:t>08/03/2021</a:t>
+              <a:t>16/03/2021</a:t>
             </a:fld>
             <a:endParaRPr lang="en-GB" dirty="0"/>
           </a:p>
@@ -7711,7 +7711,7 @@
           <a:graphicData uri="http://schemas.openxmlformats.org/presentationml/2006/ole">
             <mc:AlternateContent xmlns:mc="http://schemas.openxmlformats.org/markup-compatibility/2006">
               <mc:Choice xmlns:v="urn:schemas-microsoft-com:vml" Requires="v">
-                <p:oleObj spid="_x0000_s21605" name="think-cell Slide" r:id="rId4" imgW="270" imgH="270" progId="TCLayout.ActiveDocument.1">
+                <p:oleObj spid="_x0000_s21607" name="think-cell Slide" r:id="rId4" imgW="270" imgH="270" progId="TCLayout.ActiveDocument.1">
                   <p:embed/>
                 </p:oleObj>
               </mc:Choice>
@@ -7870,7 +7870,7 @@
             <a:fld id="{F26DF438-9CC2-4A49-A657-78DE437E5C5C}" type="datetime1">
               <a:rPr lang="en-GB" smtClean="0"/>
               <a:pPr/>
-              <a:t>08/03/2021</a:t>
+              <a:t>16/03/2021</a:t>
             </a:fld>
             <a:endParaRPr lang="en-GB" dirty="0"/>
           </a:p>
@@ -8264,7 +8264,7 @@
           <a:graphicData uri="http://schemas.openxmlformats.org/presentationml/2006/ole">
             <mc:AlternateContent xmlns:mc="http://schemas.openxmlformats.org/markup-compatibility/2006">
               <mc:Choice xmlns:v="urn:schemas-microsoft-com:vml" Requires="v">
-                <p:oleObj spid="_x0000_s22629" name="think-cell Slide" r:id="rId4" imgW="270" imgH="270" progId="TCLayout.ActiveDocument.1">
+                <p:oleObj spid="_x0000_s22631" name="think-cell Slide" r:id="rId4" imgW="270" imgH="270" progId="TCLayout.ActiveDocument.1">
                   <p:embed/>
                 </p:oleObj>
               </mc:Choice>
@@ -8330,7 +8330,7 @@
             <a:fld id="{A960169C-9E24-485A-B7A8-19D9A23B43F5}" type="datetime1">
               <a:rPr lang="en-GB" smtClean="0"/>
               <a:pPr/>
-              <a:t>08/03/2021</a:t>
+              <a:t>16/03/2021</a:t>
             </a:fld>
             <a:endParaRPr lang="en-GB" dirty="0"/>
           </a:p>
@@ -8871,7 +8871,7 @@
           <a:graphicData uri="http://schemas.openxmlformats.org/presentationml/2006/ole">
             <mc:AlternateContent xmlns:mc="http://schemas.openxmlformats.org/markup-compatibility/2006">
               <mc:Choice xmlns:v="urn:schemas-microsoft-com:vml" Requires="v">
-                <p:oleObj spid="_x0000_s23752" name="think-cell Slide" r:id="rId5" imgW="270" imgH="270" progId="TCLayout.ActiveDocument.1">
+                <p:oleObj spid="_x0000_s23756" name="think-cell Slide" r:id="rId5" imgW="270" imgH="270" progId="TCLayout.ActiveDocument.1">
                   <p:embed/>
                 </p:oleObj>
               </mc:Choice>
@@ -9123,7 +9123,7 @@
             <a:fld id="{0DD20B1F-20AE-4F8D-832A-F732FDE213D5}" type="datetime1">
               <a:rPr lang="en-GB" smtClean="0"/>
               <a:pPr/>
-              <a:t>08/03/2021</a:t>
+              <a:t>16/03/2021</a:t>
             </a:fld>
             <a:endParaRPr lang="en-GB" dirty="0"/>
           </a:p>
@@ -9193,7 +9193,7 @@
           <a:graphicData uri="http://schemas.openxmlformats.org/presentationml/2006/ole">
             <mc:AlternateContent xmlns:mc="http://schemas.openxmlformats.org/markup-compatibility/2006">
               <mc:Choice xmlns:v="urn:schemas-microsoft-com:vml" Requires="v">
-                <p:oleObj spid="_x0000_s23753" name="think-cell Slide" r:id="rId7" imgW="270" imgH="270" progId="TCLayout.ActiveDocument.1">
+                <p:oleObj spid="_x0000_s23757" name="think-cell Slide" r:id="rId7" imgW="270" imgH="270" progId="TCLayout.ActiveDocument.1">
                   <p:embed/>
                 </p:oleObj>
               </mc:Choice>
@@ -9491,7 +9491,7 @@
             <a:fld id="{0DD20B1F-20AE-4F8D-832A-F732FDE213D5}" type="datetime1">
               <a:rPr lang="en-GB" smtClean="0"/>
               <a:pPr/>
-              <a:t>08/03/2021</a:t>
+              <a:t>16/03/2021</a:t>
             </a:fld>
             <a:endParaRPr lang="en-GB" dirty="0"/>
           </a:p>
@@ -9979,7 +9979,7 @@
           <a:graphicData uri="http://schemas.openxmlformats.org/presentationml/2006/ole">
             <mc:AlternateContent xmlns:mc="http://schemas.openxmlformats.org/markup-compatibility/2006">
               <mc:Choice xmlns:v="urn:schemas-microsoft-com:vml" Requires="v">
-                <p:oleObj spid="_x0000_s24776" name="think-cell Slide" r:id="rId5" imgW="270" imgH="270" progId="TCLayout.ActiveDocument.1">
+                <p:oleObj spid="_x0000_s24780" name="think-cell Slide" r:id="rId5" imgW="270" imgH="270" progId="TCLayout.ActiveDocument.1">
                   <p:embed/>
                 </p:oleObj>
               </mc:Choice>
@@ -10045,7 +10045,7 @@
             <a:fld id="{D07952D7-4E08-421B-9537-2EE112E32DE3}" type="datetime1">
               <a:rPr lang="en-GB" smtClean="0"/>
               <a:pPr/>
-              <a:t>08/03/2021</a:t>
+              <a:t>16/03/2021</a:t>
             </a:fld>
             <a:endParaRPr lang="en-GB" dirty="0"/>
           </a:p>
@@ -10399,7 +10399,7 @@
           <a:graphicData uri="http://schemas.openxmlformats.org/presentationml/2006/ole">
             <mc:AlternateContent xmlns:mc="http://schemas.openxmlformats.org/markup-compatibility/2006">
               <mc:Choice xmlns:v="urn:schemas-microsoft-com:vml" Requires="v">
-                <p:oleObj spid="_x0000_s24777" name="think-cell Slide" r:id="rId7" imgW="270" imgH="270" progId="TCLayout.ActiveDocument.1">
+                <p:oleObj spid="_x0000_s24781" name="think-cell Slide" r:id="rId7" imgW="270" imgH="270" progId="TCLayout.ActiveDocument.1">
                   <p:embed/>
                 </p:oleObj>
               </mc:Choice>
@@ -10686,7 +10686,7 @@
           <a:graphicData uri="http://schemas.openxmlformats.org/presentationml/2006/ole">
             <mc:AlternateContent xmlns:mc="http://schemas.openxmlformats.org/markup-compatibility/2006">
               <mc:Choice xmlns:v="urn:schemas-microsoft-com:vml" Requires="v">
-                <p:oleObj spid="_x0000_s25800" name="think-cell Slide" r:id="rId5" imgW="270" imgH="270" progId="TCLayout.ActiveDocument.1">
+                <p:oleObj spid="_x0000_s25804" name="think-cell Slide" r:id="rId5" imgW="270" imgH="270" progId="TCLayout.ActiveDocument.1">
                   <p:embed/>
                 </p:oleObj>
               </mc:Choice>
@@ -10752,7 +10752,7 @@
             <a:fld id="{D07952D7-4E08-421B-9537-2EE112E32DE3}" type="datetime1">
               <a:rPr lang="en-GB" smtClean="0"/>
               <a:pPr/>
-              <a:t>08/03/2021</a:t>
+              <a:t>16/03/2021</a:t>
             </a:fld>
             <a:endParaRPr lang="en-GB" dirty="0"/>
           </a:p>
@@ -11106,7 +11106,7 @@
           <a:graphicData uri="http://schemas.openxmlformats.org/presentationml/2006/ole">
             <mc:AlternateContent xmlns:mc="http://schemas.openxmlformats.org/markup-compatibility/2006">
               <mc:Choice xmlns:v="urn:schemas-microsoft-com:vml" Requires="v">
-                <p:oleObj spid="_x0000_s25801" name="think-cell Slide" r:id="rId7" imgW="270" imgH="270" progId="TCLayout.ActiveDocument.1">
+                <p:oleObj spid="_x0000_s25805" name="think-cell Slide" r:id="rId7" imgW="270" imgH="270" progId="TCLayout.ActiveDocument.1">
                   <p:embed/>
                 </p:oleObj>
               </mc:Choice>
@@ -11398,7 +11398,7 @@
           <a:graphicData uri="http://schemas.openxmlformats.org/presentationml/2006/ole">
             <mc:AlternateContent xmlns:mc="http://schemas.openxmlformats.org/markup-compatibility/2006">
               <mc:Choice xmlns:v="urn:schemas-microsoft-com:vml" Requires="v">
-                <p:oleObj spid="_x0000_s26824" name="think-cell Slide" r:id="rId5" imgW="270" imgH="270" progId="TCLayout.ActiveDocument.1">
+                <p:oleObj spid="_x0000_s26828" name="think-cell Slide" r:id="rId5" imgW="270" imgH="270" progId="TCLayout.ActiveDocument.1">
                   <p:embed/>
                 </p:oleObj>
               </mc:Choice>
@@ -11513,7 +11513,7 @@
             <a:fld id="{D07952D7-4E08-421B-9537-2EE112E32DE3}" type="datetime1">
               <a:rPr lang="en-GB" smtClean="0"/>
               <a:pPr/>
-              <a:t>08/03/2021</a:t>
+              <a:t>16/03/2021</a:t>
             </a:fld>
             <a:endParaRPr lang="en-GB" dirty="0"/>
           </a:p>
@@ -12102,7 +12102,7 @@
           <a:graphicData uri="http://schemas.openxmlformats.org/presentationml/2006/ole">
             <mc:AlternateContent xmlns:mc="http://schemas.openxmlformats.org/markup-compatibility/2006">
               <mc:Choice xmlns:v="urn:schemas-microsoft-com:vml" Requires="v">
-                <p:oleObj spid="_x0000_s26825" name="think-cell Slide" r:id="rId7" imgW="270" imgH="270" progId="TCLayout.ActiveDocument.1">
+                <p:oleObj spid="_x0000_s26829" name="think-cell Slide" r:id="rId7" imgW="270" imgH="270" progId="TCLayout.ActiveDocument.1">
                   <p:embed/>
                 </p:oleObj>
               </mc:Choice>
@@ -12433,7 +12433,7 @@
           <a:p>
             <a:fld id="{B56E8790-EF43-4195-82DA-4A26D543E504}" type="datetimeFigureOut">
               <a:rPr lang="en-GB" smtClean="0"/>
-              <a:t>08/03/2021</a:t>
+              <a:t>16/03/2021</a:t>
             </a:fld>
             <a:endParaRPr lang="en-GB" dirty="0"/>
           </a:p>
@@ -12714,7 +12714,7 @@
           <a:graphicData uri="http://schemas.openxmlformats.org/presentationml/2006/ole">
             <mc:AlternateContent xmlns:mc="http://schemas.openxmlformats.org/markup-compatibility/2006">
               <mc:Choice xmlns:v="urn:schemas-microsoft-com:vml" Requires="v">
-                <p:oleObj spid="_x0000_s27848" name="think-cell Slide" r:id="rId5" imgW="270" imgH="270" progId="TCLayout.ActiveDocument.1">
+                <p:oleObj spid="_x0000_s27852" name="think-cell Slide" r:id="rId5" imgW="270" imgH="270" progId="TCLayout.ActiveDocument.1">
                   <p:embed/>
                 </p:oleObj>
               </mc:Choice>
@@ -12780,7 +12780,7 @@
             <a:fld id="{10E7BC8F-BFD3-4858-915D-99D9576C8415}" type="datetime1">
               <a:rPr lang="en-GB" smtClean="0"/>
               <a:pPr/>
-              <a:t>08/03/2021</a:t>
+              <a:t>16/03/2021</a:t>
             </a:fld>
             <a:endParaRPr lang="en-GB" dirty="0"/>
           </a:p>
@@ -13161,7 +13161,7 @@
           <a:graphicData uri="http://schemas.openxmlformats.org/presentationml/2006/ole">
             <mc:AlternateContent xmlns:mc="http://schemas.openxmlformats.org/markup-compatibility/2006">
               <mc:Choice xmlns:v="urn:schemas-microsoft-com:vml" Requires="v">
-                <p:oleObj spid="_x0000_s27849" name="think-cell Slide" r:id="rId8" imgW="270" imgH="270" progId="TCLayout.ActiveDocument.1">
+                <p:oleObj spid="_x0000_s27853" name="think-cell Slide" r:id="rId8" imgW="270" imgH="270" progId="TCLayout.ActiveDocument.1">
                   <p:embed/>
                 </p:oleObj>
               </mc:Choice>
@@ -13449,7 +13449,7 @@
           <a:graphicData uri="http://schemas.openxmlformats.org/presentationml/2006/ole">
             <mc:AlternateContent xmlns:mc="http://schemas.openxmlformats.org/markup-compatibility/2006">
               <mc:Choice xmlns:v="urn:schemas-microsoft-com:vml" Requires="v">
-                <p:oleObj spid="_x0000_s29797" name="think-cell Slide" r:id="rId5" imgW="270" imgH="270" progId="TCLayout.ActiveDocument.1">
+                <p:oleObj spid="_x0000_s29799" name="think-cell Slide" r:id="rId5" imgW="270" imgH="270" progId="TCLayout.ActiveDocument.1">
                   <p:embed/>
                 </p:oleObj>
               </mc:Choice>
@@ -13636,7 +13636,7 @@
                 </a:solidFill>
               </a:rPr>
               <a:pPr/>
-              <a:t>08/03/2021</a:t>
+              <a:t>16/03/2021</a:t>
             </a:fld>
             <a:endParaRPr lang="en-GB" dirty="0">
               <a:solidFill>
@@ -13737,7 +13737,7 @@
           <a:graphicData uri="http://schemas.openxmlformats.org/presentationml/2006/ole">
             <mc:AlternateContent xmlns:mc="http://schemas.openxmlformats.org/markup-compatibility/2006">
               <mc:Choice xmlns:v="urn:schemas-microsoft-com:vml" Requires="v">
-                <p:oleObj spid="_x0000_s30821" name="think-cell Slide" r:id="rId4" imgW="270" imgH="270" progId="TCLayout.ActiveDocument.1">
+                <p:oleObj spid="_x0000_s30823" name="think-cell Slide" r:id="rId4" imgW="270" imgH="270" progId="TCLayout.ActiveDocument.1">
                   <p:embed/>
                 </p:oleObj>
               </mc:Choice>
@@ -13891,7 +13891,7 @@
                 </a:solidFill>
               </a:rPr>
               <a:pPr/>
-              <a:t>08/03/2021</a:t>
+              <a:t>16/03/2021</a:t>
             </a:fld>
             <a:endParaRPr lang="en-GB" dirty="0">
               <a:solidFill>
@@ -14077,7 +14077,7 @@
                 </a:solidFill>
               </a:rPr>
               <a:pPr/>
-              <a:t>08/03/2021</a:t>
+              <a:t>16/03/2021</a:t>
             </a:fld>
             <a:endParaRPr lang="en-GB" dirty="0">
               <a:solidFill>
@@ -14358,7 +14358,7 @@
           <a:graphicData uri="http://schemas.openxmlformats.org/presentationml/2006/ole">
             <mc:AlternateContent xmlns:mc="http://schemas.openxmlformats.org/markup-compatibility/2006">
               <mc:Choice xmlns:v="urn:schemas-microsoft-com:vml" Requires="v">
-                <p:oleObj spid="_x0000_s31845" name="think-cell Slide" r:id="rId4" imgW="270" imgH="270" progId="TCLayout.ActiveDocument.1">
+                <p:oleObj spid="_x0000_s31847" name="think-cell Slide" r:id="rId4" imgW="270" imgH="270" progId="TCLayout.ActiveDocument.1">
                   <p:embed/>
                 </p:oleObj>
               </mc:Choice>
@@ -14521,7 +14521,7 @@
                 </a:solidFill>
               </a:rPr>
               <a:pPr/>
-              <a:t>08/03/2021</a:t>
+              <a:t>16/03/2021</a:t>
             </a:fld>
             <a:endParaRPr lang="en-GB" dirty="0">
               <a:solidFill>
@@ -14923,7 +14923,7 @@
           <a:graphicData uri="http://schemas.openxmlformats.org/presentationml/2006/ole">
             <mc:AlternateContent xmlns:mc="http://schemas.openxmlformats.org/markup-compatibility/2006">
               <mc:Choice xmlns:v="urn:schemas-microsoft-com:vml" Requires="v">
-                <p:oleObj spid="_x0000_s32869" name="think-cell Slide" r:id="rId4" imgW="270" imgH="270" progId="TCLayout.ActiveDocument.1">
+                <p:oleObj spid="_x0000_s32871" name="think-cell Slide" r:id="rId4" imgW="270" imgH="270" progId="TCLayout.ActiveDocument.1">
                   <p:embed/>
                 </p:oleObj>
               </mc:Choice>
@@ -14993,7 +14993,7 @@
                 </a:solidFill>
               </a:rPr>
               <a:pPr/>
-              <a:t>08/03/2021</a:t>
+              <a:t>16/03/2021</a:t>
             </a:fld>
             <a:endParaRPr lang="en-GB" dirty="0">
               <a:solidFill>
@@ -15542,7 +15542,7 @@
           <a:graphicData uri="http://schemas.openxmlformats.org/presentationml/2006/ole">
             <mc:AlternateContent xmlns:mc="http://schemas.openxmlformats.org/markup-compatibility/2006">
               <mc:Choice xmlns:v="urn:schemas-microsoft-com:vml" Requires="v">
-                <p:oleObj spid="_x0000_s33992" name="think-cell Slide" r:id="rId5" imgW="270" imgH="270" progId="TCLayout.ActiveDocument.1">
+                <p:oleObj spid="_x0000_s33996" name="think-cell Slide" r:id="rId5" imgW="270" imgH="270" progId="TCLayout.ActiveDocument.1">
                   <p:embed/>
                 </p:oleObj>
               </mc:Choice>
@@ -15798,7 +15798,7 @@
                 </a:solidFill>
               </a:rPr>
               <a:pPr/>
-              <a:t>08/03/2021</a:t>
+              <a:t>16/03/2021</a:t>
             </a:fld>
             <a:endParaRPr lang="en-GB" dirty="0">
               <a:solidFill>
@@ -15872,7 +15872,7 @@
           <a:graphicData uri="http://schemas.openxmlformats.org/presentationml/2006/ole">
             <mc:AlternateContent xmlns:mc="http://schemas.openxmlformats.org/markup-compatibility/2006">
               <mc:Choice xmlns:v="urn:schemas-microsoft-com:vml" Requires="v">
-                <p:oleObj spid="_x0000_s33993" name="think-cell Slide" r:id="rId7" imgW="270" imgH="270" progId="TCLayout.ActiveDocument.1">
+                <p:oleObj spid="_x0000_s33997" name="think-cell Slide" r:id="rId7" imgW="270" imgH="270" progId="TCLayout.ActiveDocument.1">
                   <p:embed/>
                 </p:oleObj>
               </mc:Choice>
@@ -16178,7 +16178,7 @@
                 </a:solidFill>
               </a:rPr>
               <a:pPr/>
-              <a:t>08/03/2021</a:t>
+              <a:t>16/03/2021</a:t>
             </a:fld>
             <a:endParaRPr lang="en-GB" dirty="0">
               <a:solidFill>
@@ -16674,7 +16674,7 @@
           <a:graphicData uri="http://schemas.openxmlformats.org/presentationml/2006/ole">
             <mc:AlternateContent xmlns:mc="http://schemas.openxmlformats.org/markup-compatibility/2006">
               <mc:Choice xmlns:v="urn:schemas-microsoft-com:vml" Requires="v">
-                <p:oleObj spid="_x0000_s35016" name="think-cell Slide" r:id="rId5" imgW="270" imgH="270" progId="TCLayout.ActiveDocument.1">
+                <p:oleObj spid="_x0000_s35020" name="think-cell Slide" r:id="rId5" imgW="270" imgH="270" progId="TCLayout.ActiveDocument.1">
                   <p:embed/>
                 </p:oleObj>
               </mc:Choice>
@@ -16744,7 +16744,7 @@
                 </a:solidFill>
               </a:rPr>
               <a:pPr/>
-              <a:t>08/03/2021</a:t>
+              <a:t>16/03/2021</a:t>
             </a:fld>
             <a:endParaRPr lang="en-GB" dirty="0">
               <a:solidFill>
@@ -17102,7 +17102,7 @@
           <a:graphicData uri="http://schemas.openxmlformats.org/presentationml/2006/ole">
             <mc:AlternateContent xmlns:mc="http://schemas.openxmlformats.org/markup-compatibility/2006">
               <mc:Choice xmlns:v="urn:schemas-microsoft-com:vml" Requires="v">
-                <p:oleObj spid="_x0000_s35017" name="think-cell Slide" r:id="rId7" imgW="270" imgH="270" progId="TCLayout.ActiveDocument.1">
+                <p:oleObj spid="_x0000_s35021" name="think-cell Slide" r:id="rId7" imgW="270" imgH="270" progId="TCLayout.ActiveDocument.1">
                   <p:embed/>
                 </p:oleObj>
               </mc:Choice>
@@ -17393,7 +17393,7 @@
           <a:graphicData uri="http://schemas.openxmlformats.org/presentationml/2006/ole">
             <mc:AlternateContent xmlns:mc="http://schemas.openxmlformats.org/markup-compatibility/2006">
               <mc:Choice xmlns:v="urn:schemas-microsoft-com:vml" Requires="v">
-                <p:oleObj spid="_x0000_s36040" name="think-cell Slide" r:id="rId5" imgW="270" imgH="270" progId="TCLayout.ActiveDocument.1">
+                <p:oleObj spid="_x0000_s36044" name="think-cell Slide" r:id="rId5" imgW="270" imgH="270" progId="TCLayout.ActiveDocument.1">
                   <p:embed/>
                 </p:oleObj>
               </mc:Choice>
@@ -17463,7 +17463,7 @@
                 </a:solidFill>
               </a:rPr>
               <a:pPr/>
-              <a:t>08/03/2021</a:t>
+              <a:t>16/03/2021</a:t>
             </a:fld>
             <a:endParaRPr lang="en-GB" dirty="0">
               <a:solidFill>
@@ -17821,7 +17821,7 @@
           <a:graphicData uri="http://schemas.openxmlformats.org/presentationml/2006/ole">
             <mc:AlternateContent xmlns:mc="http://schemas.openxmlformats.org/markup-compatibility/2006">
               <mc:Choice xmlns:v="urn:schemas-microsoft-com:vml" Requires="v">
-                <p:oleObj spid="_x0000_s36041" name="think-cell Slide" r:id="rId7" imgW="270" imgH="270" progId="TCLayout.ActiveDocument.1">
+                <p:oleObj spid="_x0000_s36045" name="think-cell Slide" r:id="rId7" imgW="270" imgH="270" progId="TCLayout.ActiveDocument.1">
                   <p:embed/>
                 </p:oleObj>
               </mc:Choice>
@@ -18122,7 +18122,7 @@
           <a:graphicData uri="http://schemas.openxmlformats.org/presentationml/2006/ole">
             <mc:AlternateContent xmlns:mc="http://schemas.openxmlformats.org/markup-compatibility/2006">
               <mc:Choice xmlns:v="urn:schemas-microsoft-com:vml" Requires="v">
-                <p:oleObj spid="_x0000_s4197" name="think-cell Slide" r:id="rId4" imgW="270" imgH="270" progId="TCLayout.ActiveDocument.1">
+                <p:oleObj spid="_x0000_s4199" name="think-cell Slide" r:id="rId4" imgW="270" imgH="270" progId="TCLayout.ActiveDocument.1">
                   <p:embed/>
                 </p:oleObj>
               </mc:Choice>
@@ -18280,7 +18280,7 @@
           <a:p>
             <a:fld id="{B56E8790-EF43-4195-82DA-4A26D543E504}" type="datetimeFigureOut">
               <a:rPr lang="en-GB" smtClean="0"/>
-              <a:t>08/03/2021</a:t>
+              <a:t>16/03/2021</a:t>
             </a:fld>
             <a:endParaRPr lang="en-GB" dirty="0"/>
           </a:p>
@@ -18674,7 +18674,7 @@
           <a:graphicData uri="http://schemas.openxmlformats.org/presentationml/2006/ole">
             <mc:AlternateContent xmlns:mc="http://schemas.openxmlformats.org/markup-compatibility/2006">
               <mc:Choice xmlns:v="urn:schemas-microsoft-com:vml" Requires="v">
-                <p:oleObj spid="_x0000_s37064" name="think-cell Slide" r:id="rId5" imgW="270" imgH="270" progId="TCLayout.ActiveDocument.1">
+                <p:oleObj spid="_x0000_s37068" name="think-cell Slide" r:id="rId5" imgW="270" imgH="270" progId="TCLayout.ActiveDocument.1">
                   <p:embed/>
                 </p:oleObj>
               </mc:Choice>
@@ -18793,7 +18793,7 @@
                 </a:solidFill>
               </a:rPr>
               <a:pPr/>
-              <a:t>08/03/2021</a:t>
+              <a:t>16/03/2021</a:t>
             </a:fld>
             <a:endParaRPr lang="en-GB" dirty="0">
               <a:solidFill>
@@ -19386,7 +19386,7 @@
           <a:graphicData uri="http://schemas.openxmlformats.org/presentationml/2006/ole">
             <mc:AlternateContent xmlns:mc="http://schemas.openxmlformats.org/markup-compatibility/2006">
               <mc:Choice xmlns:v="urn:schemas-microsoft-com:vml" Requires="v">
-                <p:oleObj spid="_x0000_s37065" name="think-cell Slide" r:id="rId7" imgW="270" imgH="270" progId="TCLayout.ActiveDocument.1">
+                <p:oleObj spid="_x0000_s37069" name="think-cell Slide" r:id="rId7" imgW="270" imgH="270" progId="TCLayout.ActiveDocument.1">
                   <p:embed/>
                 </p:oleObj>
               </mc:Choice>
@@ -19690,7 +19690,7 @@
           <a:graphicData uri="http://schemas.openxmlformats.org/presentationml/2006/ole">
             <mc:AlternateContent xmlns:mc="http://schemas.openxmlformats.org/markup-compatibility/2006">
               <mc:Choice xmlns:v="urn:schemas-microsoft-com:vml" Requires="v">
-                <p:oleObj spid="_x0000_s38088" name="think-cell Slide" r:id="rId5" imgW="270" imgH="270" progId="TCLayout.ActiveDocument.1">
+                <p:oleObj spid="_x0000_s38092" name="think-cell Slide" r:id="rId5" imgW="270" imgH="270" progId="TCLayout.ActiveDocument.1">
                   <p:embed/>
                 </p:oleObj>
               </mc:Choice>
@@ -19760,7 +19760,7 @@
                 </a:solidFill>
               </a:rPr>
               <a:pPr/>
-              <a:t>08/03/2021</a:t>
+              <a:t>16/03/2021</a:t>
             </a:fld>
             <a:endParaRPr lang="en-GB" dirty="0">
               <a:solidFill>
@@ -20145,7 +20145,7 @@
           <a:graphicData uri="http://schemas.openxmlformats.org/presentationml/2006/ole">
             <mc:AlternateContent xmlns:mc="http://schemas.openxmlformats.org/markup-compatibility/2006">
               <mc:Choice xmlns:v="urn:schemas-microsoft-com:vml" Requires="v">
-                <p:oleObj spid="_x0000_s38089" name="think-cell Slide" r:id="rId8" imgW="270" imgH="270" progId="TCLayout.ActiveDocument.1">
+                <p:oleObj spid="_x0000_s38093" name="think-cell Slide" r:id="rId8" imgW="270" imgH="270" progId="TCLayout.ActiveDocument.1">
                   <p:embed/>
                 </p:oleObj>
               </mc:Choice>
@@ -20415,7 +20415,7 @@
           <a:graphicData uri="http://schemas.openxmlformats.org/presentationml/2006/ole">
             <mc:AlternateContent xmlns:mc="http://schemas.openxmlformats.org/markup-compatibility/2006">
               <mc:Choice xmlns:v="urn:schemas-microsoft-com:vml" Requires="v">
-                <p:oleObj spid="_x0000_s39013" name="think-cell Slide" r:id="rId4" imgW="270" imgH="270" progId="TCLayout.ActiveDocument.1">
+                <p:oleObj spid="_x0000_s39015" name="think-cell Slide" r:id="rId4" imgW="270" imgH="270" progId="TCLayout.ActiveDocument.1">
                   <p:embed/>
                 </p:oleObj>
               </mc:Choice>
@@ -20477,7 +20477,7 @@
                 </a:solidFill>
               </a:rPr>
               <a:pPr/>
-              <a:t>08/03/2021</a:t>
+              <a:t>16/03/2021</a:t>
             </a:fld>
             <a:endParaRPr lang="en-GB" dirty="0">
               <a:solidFill>
@@ -20879,7 +20879,7 @@
           <a:graphicData uri="http://schemas.openxmlformats.org/presentationml/2006/ole">
             <mc:AlternateContent xmlns:mc="http://schemas.openxmlformats.org/markup-compatibility/2006">
               <mc:Choice xmlns:v="urn:schemas-microsoft-com:vml" Requires="v">
-                <p:oleObj spid="_x0000_s5221" name="think-cell Slide" r:id="rId4" imgW="270" imgH="270" progId="TCLayout.ActiveDocument.1">
+                <p:oleObj spid="_x0000_s5223" name="think-cell Slide" r:id="rId4" imgW="270" imgH="270" progId="TCLayout.ActiveDocument.1">
                   <p:embed/>
                 </p:oleObj>
               </mc:Choice>
@@ -20944,7 +20944,7 @@
           <a:p>
             <a:fld id="{B56E8790-EF43-4195-82DA-4A26D543E504}" type="datetimeFigureOut">
               <a:rPr lang="en-GB" smtClean="0"/>
-              <a:t>08/03/2021</a:t>
+              <a:t>16/03/2021</a:t>
             </a:fld>
             <a:endParaRPr lang="en-GB" dirty="0"/>
           </a:p>
@@ -21490,7 +21490,7 @@
           <a:graphicData uri="http://schemas.openxmlformats.org/presentationml/2006/ole">
             <mc:AlternateContent xmlns:mc="http://schemas.openxmlformats.org/markup-compatibility/2006">
               <mc:Choice xmlns:v="urn:schemas-microsoft-com:vml" Requires="v">
-                <p:oleObj spid="_x0000_s6344" name="think-cell Slide" r:id="rId5" imgW="270" imgH="270" progId="TCLayout.ActiveDocument.1">
+                <p:oleObj spid="_x0000_s6348" name="think-cell Slide" r:id="rId5" imgW="270" imgH="270" progId="TCLayout.ActiveDocument.1">
                   <p:embed/>
                 </p:oleObj>
               </mc:Choice>
@@ -21741,7 +21741,7 @@
           <a:p>
             <a:fld id="{B56E8790-EF43-4195-82DA-4A26D543E504}" type="datetimeFigureOut">
               <a:rPr lang="en-GB" smtClean="0"/>
-              <a:t>08/03/2021</a:t>
+              <a:t>16/03/2021</a:t>
             </a:fld>
             <a:endParaRPr lang="en-GB" dirty="0"/>
           </a:p>
@@ -21816,7 +21816,7 @@
           <a:graphicData uri="http://schemas.openxmlformats.org/presentationml/2006/ole">
             <mc:AlternateContent xmlns:mc="http://schemas.openxmlformats.org/markup-compatibility/2006">
               <mc:Choice xmlns:v="urn:schemas-microsoft-com:vml" Requires="v">
-                <p:oleObj spid="_x0000_s6345" name="think-cell Slide" r:id="rId7" imgW="270" imgH="270" progId="TCLayout.ActiveDocument.1">
+                <p:oleObj spid="_x0000_s6349" name="think-cell Slide" r:id="rId7" imgW="270" imgH="270" progId="TCLayout.ActiveDocument.1">
                   <p:embed/>
                 </p:oleObj>
               </mc:Choice>
@@ -22113,7 +22113,7 @@
           <a:p>
             <a:fld id="{B56E8790-EF43-4195-82DA-4A26D543E504}" type="datetimeFigureOut">
               <a:rPr lang="en-GB" smtClean="0"/>
-              <a:t>08/03/2021</a:t>
+              <a:t>16/03/2021</a:t>
             </a:fld>
             <a:endParaRPr lang="en-GB" dirty="0"/>
           </a:p>
@@ -22606,7 +22606,7 @@
           <a:graphicData uri="http://schemas.openxmlformats.org/presentationml/2006/ole">
             <mc:AlternateContent xmlns:mc="http://schemas.openxmlformats.org/markup-compatibility/2006">
               <mc:Choice xmlns:v="urn:schemas-microsoft-com:vml" Requires="v">
-                <p:oleObj spid="_x0000_s7368" name="think-cell Slide" r:id="rId5" imgW="270" imgH="270" progId="TCLayout.ActiveDocument.1">
+                <p:oleObj spid="_x0000_s7372" name="think-cell Slide" r:id="rId5" imgW="270" imgH="270" progId="TCLayout.ActiveDocument.1">
                   <p:embed/>
                 </p:oleObj>
               </mc:Choice>
@@ -22671,7 +22671,7 @@
           <a:p>
             <a:fld id="{B56E8790-EF43-4195-82DA-4A26D543E504}" type="datetimeFigureOut">
               <a:rPr lang="en-GB" smtClean="0"/>
-              <a:t>08/03/2021</a:t>
+              <a:t>16/03/2021</a:t>
             </a:fld>
             <a:endParaRPr lang="en-GB" dirty="0"/>
           </a:p>
@@ -23030,7 +23030,7 @@
           <a:graphicData uri="http://schemas.openxmlformats.org/presentationml/2006/ole">
             <mc:AlternateContent xmlns:mc="http://schemas.openxmlformats.org/markup-compatibility/2006">
               <mc:Choice xmlns:v="urn:schemas-microsoft-com:vml" Requires="v">
-                <p:oleObj spid="_x0000_s7369" name="think-cell Slide" r:id="rId7" imgW="270" imgH="270" progId="TCLayout.ActiveDocument.1">
+                <p:oleObj spid="_x0000_s7373" name="think-cell Slide" r:id="rId7" imgW="270" imgH="270" progId="TCLayout.ActiveDocument.1">
                   <p:embed/>
                 </p:oleObj>
               </mc:Choice>
@@ -23322,7 +23322,7 @@
           <a:graphicData uri="http://schemas.openxmlformats.org/presentationml/2006/ole">
             <mc:AlternateContent xmlns:mc="http://schemas.openxmlformats.org/markup-compatibility/2006">
               <mc:Choice xmlns:v="urn:schemas-microsoft-com:vml" Requires="v">
-                <p:oleObj spid="_x0000_s8392" name="think-cell Slide" r:id="rId5" imgW="270" imgH="270" progId="TCLayout.ActiveDocument.1">
+                <p:oleObj spid="_x0000_s8396" name="think-cell Slide" r:id="rId5" imgW="270" imgH="270" progId="TCLayout.ActiveDocument.1">
                   <p:embed/>
                 </p:oleObj>
               </mc:Choice>
@@ -23387,7 +23387,7 @@
           <a:p>
             <a:fld id="{B56E8790-EF43-4195-82DA-4A26D543E504}" type="datetimeFigureOut">
               <a:rPr lang="en-GB" smtClean="0"/>
-              <a:t>08/03/2021</a:t>
+              <a:t>16/03/2021</a:t>
             </a:fld>
             <a:endParaRPr lang="en-GB" dirty="0"/>
           </a:p>
@@ -23746,7 +23746,7 @@
           <a:graphicData uri="http://schemas.openxmlformats.org/presentationml/2006/ole">
             <mc:AlternateContent xmlns:mc="http://schemas.openxmlformats.org/markup-compatibility/2006">
               <mc:Choice xmlns:v="urn:schemas-microsoft-com:vml" Requires="v">
-                <p:oleObj spid="_x0000_s8393" name="think-cell Slide" r:id="rId7" imgW="270" imgH="270" progId="TCLayout.ActiveDocument.1">
+                <p:oleObj spid="_x0000_s8397" name="think-cell Slide" r:id="rId7" imgW="270" imgH="270" progId="TCLayout.ActiveDocument.1">
                   <p:embed/>
                 </p:oleObj>
               </mc:Choice>
@@ -24051,7 +24051,7 @@
           <a:graphicData uri="http://schemas.openxmlformats.org/presentationml/2006/ole">
             <mc:AlternateContent xmlns:mc="http://schemas.openxmlformats.org/markup-compatibility/2006">
               <mc:Choice xmlns:v="urn:schemas-microsoft-com:vml" Requires="v">
-                <p:oleObj spid="_x0000_s1125" name="think-cell Slide" r:id="rId24" imgW="270" imgH="270" progId="TCLayout.ActiveDocument.1">
+                <p:oleObj spid="_x0000_s1127" name="think-cell Slide" r:id="rId24" imgW="270" imgH="270" progId="TCLayout.ActiveDocument.1">
                   <p:embed/>
                 </p:oleObj>
               </mc:Choice>
@@ -24183,7 +24183,7 @@
           <a:p>
             <a:fld id="{B56E8790-EF43-4195-82DA-4A26D543E504}" type="datetimeFigureOut">
               <a:rPr lang="en-GB" smtClean="0"/>
-              <a:t>08/03/2021</a:t>
+              <a:t>16/03/2021</a:t>
             </a:fld>
             <a:endParaRPr lang="en-GB" dirty="0"/>
           </a:p>
@@ -24744,7 +24744,7 @@
           <a:graphicData uri="http://schemas.openxmlformats.org/presentationml/2006/ole">
             <mc:AlternateContent xmlns:mc="http://schemas.openxmlformats.org/markup-compatibility/2006">
               <mc:Choice xmlns:v="urn:schemas-microsoft-com:vml" Requires="v">
-                <p:oleObj spid="_x0000_s18533" name="think-cell Slide" r:id="rId16" imgW="270" imgH="270" progId="TCLayout.ActiveDocument.1">
+                <p:oleObj spid="_x0000_s18535" name="think-cell Slide" r:id="rId16" imgW="270" imgH="270" progId="TCLayout.ActiveDocument.1">
                   <p:embed/>
                 </p:oleObj>
               </mc:Choice>
@@ -24877,7 +24877,7 @@
             <a:fld id="{10E7BC8F-BFD3-4858-915D-99D9576C8415}" type="datetime1">
               <a:rPr lang="en-GB" smtClean="0"/>
               <a:pPr/>
-              <a:t>08/03/2021</a:t>
+              <a:t>16/03/2021</a:t>
             </a:fld>
             <a:endParaRPr lang="en-GB" dirty="0"/>
           </a:p>
@@ -25431,7 +25431,7 @@
           <a:graphicData uri="http://schemas.openxmlformats.org/presentationml/2006/ole">
             <mc:AlternateContent xmlns:mc="http://schemas.openxmlformats.org/markup-compatibility/2006">
               <mc:Choice xmlns:v="urn:schemas-microsoft-com:vml" Requires="v">
-                <p:oleObj spid="_x0000_s28773" name="think-cell Slide" r:id="rId17" imgW="270" imgH="270" progId="TCLayout.ActiveDocument.1">
+                <p:oleObj spid="_x0000_s28775" name="think-cell Slide" r:id="rId17" imgW="270" imgH="270" progId="TCLayout.ActiveDocument.1">
                   <p:embed/>
                 </p:oleObj>
               </mc:Choice>
@@ -25568,7 +25568,7 @@
                 </a:solidFill>
               </a:rPr>
               <a:pPr/>
-              <a:t>08/03/2021</a:t>
+              <a:t>16/03/2021</a:t>
             </a:fld>
             <a:endParaRPr lang="en-GB" dirty="0">
               <a:solidFill>
@@ -38913,9 +38913,9 @@
         <p:grpSpPr>
           <a:xfrm>
             <a:off x="745438" y="646706"/>
-            <a:ext cx="7672226" cy="3192829"/>
+            <a:ext cx="7672226" cy="3866928"/>
             <a:chOff x="745438" y="646706"/>
-            <a:chExt cx="7672226" cy="3192829"/>
+            <a:chExt cx="7672226" cy="3866928"/>
           </a:xfrm>
         </p:grpSpPr>
         <p:pic>
@@ -39028,7 +39028,7 @@
           <p:spPr>
             <a:xfrm>
               <a:off x="1067918" y="1722849"/>
-              <a:ext cx="23442" cy="2076182"/>
+              <a:ext cx="8972" cy="2790785"/>
             </a:xfrm>
             <a:prstGeom prst="straightConnector1">
               <a:avLst/>
@@ -39061,7 +39061,7 @@
           </p:nvCxnSpPr>
           <p:spPr>
             <a:xfrm>
-              <a:off x="4415989" y="3606750"/>
+              <a:off x="4413368" y="4287685"/>
               <a:ext cx="3016482" cy="0"/>
             </a:xfrm>
             <a:prstGeom prst="straightConnector1">
@@ -39150,7 +39150,7 @@
           </p:nvSpPr>
           <p:spPr>
             <a:xfrm>
-              <a:off x="4295703" y="3395330"/>
+              <a:off x="4368686" y="4083438"/>
               <a:ext cx="3244294" cy="169277"/>
             </a:xfrm>
             <a:prstGeom prst="rect">
@@ -39206,7 +39206,7 @@
           <p:spPr>
             <a:xfrm>
               <a:off x="4306212" y="1750145"/>
-              <a:ext cx="23442" cy="2076182"/>
+              <a:ext cx="14972" cy="2763489"/>
             </a:xfrm>
             <a:prstGeom prst="straightConnector1">
               <a:avLst/>
@@ -39238,9 +39238,9 @@
             <p:nvPr/>
           </p:nvCxnSpPr>
           <p:spPr>
-            <a:xfrm>
-              <a:off x="7550506" y="1763353"/>
-              <a:ext cx="23442" cy="2076182"/>
+            <a:xfrm flipH="1">
+              <a:off x="7550313" y="1763353"/>
+              <a:ext cx="194" cy="2750281"/>
             </a:xfrm>
             <a:prstGeom prst="straightConnector1">
               <a:avLst/>
@@ -39373,7 +39373,15 @@
                     <a:schemeClr val="accent4"/>
                   </a:solidFill>
                 </a:rPr>
-                <a:t> URL</a:t>
+                <a:t> </a:t>
+              </a:r>
+              <a:r>
+                <a:rPr lang="da-DK" sz="1100" b="1" dirty="0" smtClean="0">
+                  <a:solidFill>
+                    <a:schemeClr val="accent4"/>
+                  </a:solidFill>
+                </a:rPr>
+                <a:t>URL</a:t>
               </a:r>
               <a:endParaRPr lang="en-GB" sz="1100" b="1" dirty="0">
                 <a:solidFill>
@@ -39491,6 +39499,193 @@
           </p:txBody>
         </p:sp>
       </p:grpSp>
+      <p:cxnSp>
+        <p:nvCxnSpPr>
+          <p:cNvPr id="27" name="Straight Arrow Connector 26"/>
+          <p:cNvCxnSpPr/>
+          <p:nvPr/>
+        </p:nvCxnSpPr>
+        <p:spPr>
+          <a:xfrm>
+            <a:off x="4409609" y="3525685"/>
+            <a:ext cx="3016482" cy="0"/>
+          </a:xfrm>
+          <a:prstGeom prst="straightConnector1">
+            <a:avLst/>
+          </a:prstGeom>
+          <a:ln w="28575">
+            <a:headEnd type="none" w="med" len="med"/>
+            <a:tailEnd type="triangle" w="med" len="med"/>
+          </a:ln>
+        </p:spPr>
+        <p:style>
+          <a:lnRef idx="3">
+            <a:schemeClr val="accent2"/>
+          </a:lnRef>
+          <a:fillRef idx="0">
+            <a:schemeClr val="accent2"/>
+          </a:fillRef>
+          <a:effectRef idx="2">
+            <a:schemeClr val="accent2"/>
+          </a:effectRef>
+          <a:fontRef idx="minor">
+            <a:schemeClr val="tx1"/>
+          </a:fontRef>
+        </p:style>
+      </p:cxnSp>
+      <p:sp>
+        <p:nvSpPr>
+          <p:cNvPr id="29" name="TextBox 28"/>
+          <p:cNvSpPr txBox="1"/>
+          <p:nvPr/>
+        </p:nvSpPr>
+        <p:spPr>
+          <a:xfrm>
+            <a:off x="4321184" y="3312272"/>
+            <a:ext cx="3244294" cy="169277"/>
+          </a:xfrm>
+          <a:prstGeom prst="rect">
+            <a:avLst/>
+          </a:prstGeom>
+          <a:noFill/>
+        </p:spPr>
+        <p:txBody>
+          <a:bodyPr wrap="square" lIns="0" tIns="0" rIns="0" bIns="0" rtlCol="0">
+            <a:spAutoFit/>
+          </a:bodyPr>
+          <a:lstStyle/>
+          <a:p>
+            <a:pPr algn="ctr"/>
+            <a:r>
+              <a:rPr lang="da-DK" sz="1100" b="1" dirty="0" smtClean="0">
+                <a:solidFill>
+                  <a:schemeClr val="accent4"/>
+                </a:solidFill>
+              </a:rPr>
+              <a:t>GET /</a:t>
+            </a:r>
+            <a:r>
+              <a:rPr lang="da-DK" sz="1100" b="1" dirty="0" err="1" smtClean="0">
+                <a:solidFill>
+                  <a:schemeClr val="accent4"/>
+                </a:solidFill>
+              </a:rPr>
+              <a:t>pointofsales</a:t>
+            </a:r>
+            <a:r>
+              <a:rPr lang="da-DK" sz="1100" b="1" dirty="0" smtClean="0">
+                <a:solidFill>
+                  <a:schemeClr val="accent4"/>
+                </a:solidFill>
+              </a:rPr>
+              <a:t>/{</a:t>
+            </a:r>
+            <a:r>
+              <a:rPr lang="da-DK" sz="1100" b="1" dirty="0" err="1" smtClean="0">
+                <a:solidFill>
+                  <a:schemeClr val="accent4"/>
+                </a:solidFill>
+              </a:rPr>
+              <a:t>posid</a:t>
+            </a:r>
+            <a:r>
+              <a:rPr lang="da-DK" sz="1100" b="1" dirty="0" smtClean="0">
+                <a:solidFill>
+                  <a:schemeClr val="accent4"/>
+                </a:solidFill>
+              </a:rPr>
+              <a:t>}/checkin</a:t>
+            </a:r>
+            <a:endParaRPr lang="en-GB" sz="1100" b="1" dirty="0">
+              <a:solidFill>
+                <a:schemeClr val="accent4"/>
+              </a:solidFill>
+            </a:endParaRPr>
+          </a:p>
+        </p:txBody>
+      </p:sp>
+      <p:sp>
+        <p:nvSpPr>
+          <p:cNvPr id="30" name="TextBox 29"/>
+          <p:cNvSpPr txBox="1"/>
+          <p:nvPr/>
+        </p:nvSpPr>
+        <p:spPr>
+          <a:xfrm>
+            <a:off x="4405850" y="3786604"/>
+            <a:ext cx="3244294" cy="169277"/>
+          </a:xfrm>
+          <a:prstGeom prst="rect">
+            <a:avLst/>
+          </a:prstGeom>
+          <a:noFill/>
+        </p:spPr>
+        <p:txBody>
+          <a:bodyPr wrap="square" lIns="0" tIns="0" rIns="0" bIns="0" rtlCol="0">
+            <a:spAutoFit/>
+          </a:bodyPr>
+          <a:lstStyle/>
+          <a:p>
+            <a:pPr algn="ctr"/>
+            <a:r>
+              <a:rPr lang="da-DK" sz="1100" b="1" dirty="0" err="1">
+                <a:solidFill>
+                  <a:schemeClr val="accent4"/>
+                </a:solidFill>
+              </a:rPr>
+              <a:t>isUserCheckedIn</a:t>
+            </a:r>
+            <a:r>
+              <a:rPr lang="da-DK" sz="1100" b="1" dirty="0">
+                <a:solidFill>
+                  <a:schemeClr val="accent4"/>
+                </a:solidFill>
+              </a:rPr>
+              <a:t>  =  true</a:t>
+            </a:r>
+            <a:endParaRPr lang="en-GB" sz="1100" b="1" dirty="0">
+              <a:solidFill>
+                <a:schemeClr val="accent4"/>
+              </a:solidFill>
+            </a:endParaRPr>
+          </a:p>
+        </p:txBody>
+      </p:sp>
+      <p:cxnSp>
+        <p:nvCxnSpPr>
+          <p:cNvPr id="31" name="Straight Arrow Connector 30"/>
+          <p:cNvCxnSpPr/>
+          <p:nvPr/>
+        </p:nvCxnSpPr>
+        <p:spPr>
+          <a:xfrm>
+            <a:off x="4405850" y="3737880"/>
+            <a:ext cx="3016482" cy="0"/>
+          </a:xfrm>
+          <a:prstGeom prst="straightConnector1">
+            <a:avLst/>
+          </a:prstGeom>
+          <a:ln w="28575">
+            <a:prstDash val="sysDash"/>
+            <a:headEnd type="triangle" w="med" len="med"/>
+            <a:tailEnd type="none" w="med" len="med"/>
+          </a:ln>
+        </p:spPr>
+        <p:style>
+          <a:lnRef idx="3">
+            <a:schemeClr val="accent2"/>
+          </a:lnRef>
+          <a:fillRef idx="0">
+            <a:schemeClr val="accent2"/>
+          </a:fillRef>
+          <a:effectRef idx="2">
+            <a:schemeClr val="accent2"/>
+          </a:effectRef>
+          <a:fontRef idx="minor">
+            <a:schemeClr val="tx1"/>
+          </a:fontRef>
+        </p:style>
+      </p:cxnSp>
     </p:spTree>
     <p:extLst>
       <p:ext uri="{BB962C8B-B14F-4D97-AF65-F5344CB8AC3E}">

--- a/docs/assets/TitaniumFlows.pptx
+++ b/docs/assets/TitaniumFlows.pptx
@@ -216,7 +216,7 @@
           <a:graphicData uri="http://schemas.openxmlformats.org/presentationml/2006/ole">
             <mc:AlternateContent xmlns:mc="http://schemas.openxmlformats.org/markup-compatibility/2006">
               <mc:Choice xmlns:v="urn:schemas-microsoft-com:vml" Requires="v">
-                <p:oleObj spid="_x0000_s2151" name="think-cell Slide" r:id="rId5" imgW="270" imgH="270" progId="TCLayout.ActiveDocument.1">
+                <p:oleObj spid="_x0000_s2155" name="think-cell Slide" r:id="rId5" imgW="270" imgH="270" progId="TCLayout.ActiveDocument.1">
                   <p:embed/>
                 </p:oleObj>
               </mc:Choice>
@@ -398,7 +398,7 @@
           <a:p>
             <a:fld id="{B56E8790-EF43-4195-82DA-4A26D543E504}" type="datetimeFigureOut">
               <a:rPr lang="en-GB" smtClean="0"/>
-              <a:t>16/03/2021</a:t>
+              <a:t>08/04/2022</a:t>
             </a:fld>
             <a:endParaRPr lang="en-GB" dirty="0"/>
           </a:p>
@@ -496,7 +496,7 @@
           <a:graphicData uri="http://schemas.openxmlformats.org/presentationml/2006/ole">
             <mc:AlternateContent xmlns:mc="http://schemas.openxmlformats.org/markup-compatibility/2006">
               <mc:Choice xmlns:v="urn:schemas-microsoft-com:vml" Requires="v">
-                <p:oleObj spid="_x0000_s9420" name="think-cell Slide" r:id="rId5" imgW="270" imgH="270" progId="TCLayout.ActiveDocument.1">
+                <p:oleObj spid="_x0000_s9428" name="think-cell Slide" r:id="rId5" imgW="270" imgH="270" progId="TCLayout.ActiveDocument.1">
                   <p:embed/>
                 </p:oleObj>
               </mc:Choice>
@@ -610,7 +610,7 @@
           <a:p>
             <a:fld id="{B56E8790-EF43-4195-82DA-4A26D543E504}" type="datetimeFigureOut">
               <a:rPr lang="en-GB" smtClean="0"/>
-              <a:t>16/03/2021</a:t>
+              <a:t>08/04/2022</a:t>
             </a:fld>
             <a:endParaRPr lang="en-GB" dirty="0"/>
           </a:p>
@@ -1204,7 +1204,7 @@
           <a:graphicData uri="http://schemas.openxmlformats.org/presentationml/2006/ole">
             <mc:AlternateContent xmlns:mc="http://schemas.openxmlformats.org/markup-compatibility/2006">
               <mc:Choice xmlns:v="urn:schemas-microsoft-com:vml" Requires="v">
-                <p:oleObj spid="_x0000_s9421" name="think-cell Slide" r:id="rId7" imgW="270" imgH="270" progId="TCLayout.ActiveDocument.1">
+                <p:oleObj spid="_x0000_s9429" name="think-cell Slide" r:id="rId7" imgW="270" imgH="270" progId="TCLayout.ActiveDocument.1">
                   <p:embed/>
                 </p:oleObj>
               </mc:Choice>
@@ -1509,7 +1509,7 @@
           <a:graphicData uri="http://schemas.openxmlformats.org/presentationml/2006/ole">
             <mc:AlternateContent xmlns:mc="http://schemas.openxmlformats.org/markup-compatibility/2006">
               <mc:Choice xmlns:v="urn:schemas-microsoft-com:vml" Requires="v">
-                <p:oleObj spid="_x0000_s10444" name="think-cell Slide" r:id="rId5" imgW="270" imgH="270" progId="TCLayout.ActiveDocument.1">
+                <p:oleObj spid="_x0000_s10452" name="think-cell Slide" r:id="rId5" imgW="270" imgH="270" progId="TCLayout.ActiveDocument.1">
                   <p:embed/>
                 </p:oleObj>
               </mc:Choice>
@@ -1574,7 +1574,7 @@
           <a:p>
             <a:fld id="{B56E8790-EF43-4195-82DA-4A26D543E504}" type="datetimeFigureOut">
               <a:rPr lang="en-GB" smtClean="0"/>
-              <a:t>16/03/2021</a:t>
+              <a:t>08/04/2022</a:t>
             </a:fld>
             <a:endParaRPr lang="en-GB" dirty="0"/>
           </a:p>
@@ -1960,7 +1960,7 @@
           <a:graphicData uri="http://schemas.openxmlformats.org/presentationml/2006/ole">
             <mc:AlternateContent xmlns:mc="http://schemas.openxmlformats.org/markup-compatibility/2006">
               <mc:Choice xmlns:v="urn:schemas-microsoft-com:vml" Requires="v">
-                <p:oleObj spid="_x0000_s10445" name="think-cell Slide" r:id="rId8" imgW="270" imgH="270" progId="TCLayout.ActiveDocument.1">
+                <p:oleObj spid="_x0000_s10453" name="think-cell Slide" r:id="rId8" imgW="270" imgH="270" progId="TCLayout.ActiveDocument.1">
                   <p:embed/>
                 </p:oleObj>
               </mc:Choice>
@@ -2226,7 +2226,7 @@
           <a:graphicData uri="http://schemas.openxmlformats.org/presentationml/2006/ole">
             <mc:AlternateContent xmlns:mc="http://schemas.openxmlformats.org/markup-compatibility/2006">
               <mc:Choice xmlns:v="urn:schemas-microsoft-com:vml" Requires="v">
-                <p:oleObj spid="_x0000_s11367" name="think-cell Slide" r:id="rId4" imgW="270" imgH="270" progId="TCLayout.ActiveDocument.1">
+                <p:oleObj spid="_x0000_s11371" name="think-cell Slide" r:id="rId4" imgW="270" imgH="270" progId="TCLayout.ActiveDocument.1">
                   <p:embed/>
                 </p:oleObj>
               </mc:Choice>
@@ -2283,7 +2283,7 @@
           <a:p>
             <a:fld id="{B56E8790-EF43-4195-82DA-4A26D543E504}" type="datetimeFigureOut">
               <a:rPr lang="en-GB" smtClean="0"/>
-              <a:t>16/03/2021</a:t>
+              <a:t>08/04/2022</a:t>
             </a:fld>
             <a:endParaRPr lang="en-GB" dirty="0"/>
           </a:p>
@@ -2672,7 +2672,7 @@
           <a:graphicData uri="http://schemas.openxmlformats.org/presentationml/2006/ole">
             <mc:AlternateContent xmlns:mc="http://schemas.openxmlformats.org/markup-compatibility/2006">
               <mc:Choice xmlns:v="urn:schemas-microsoft-com:vml" Requires="v">
-                <p:oleObj spid="_x0000_s12391" name="think-cell Slide" r:id="rId4" imgW="270" imgH="270" progId="TCLayout.ActiveDocument.1">
+                <p:oleObj spid="_x0000_s12395" name="think-cell Slide" r:id="rId4" imgW="270" imgH="270" progId="TCLayout.ActiveDocument.1">
                   <p:embed/>
                 </p:oleObj>
               </mc:Choice>
@@ -2729,7 +2729,7 @@
           <a:p>
             <a:fld id="{B56E8790-EF43-4195-82DA-4A26D543E504}" type="datetimeFigureOut">
               <a:rPr lang="en-GB" smtClean="0"/>
-              <a:t>16/03/2021</a:t>
+              <a:t>08/04/2022</a:t>
             </a:fld>
             <a:endParaRPr lang="en-GB" dirty="0"/>
           </a:p>
@@ -3280,7 +3280,7 @@
           <a:graphicData uri="http://schemas.openxmlformats.org/presentationml/2006/ole">
             <mc:AlternateContent xmlns:mc="http://schemas.openxmlformats.org/markup-compatibility/2006">
               <mc:Choice xmlns:v="urn:schemas-microsoft-com:vml" Requires="v">
-                <p:oleObj spid="_x0000_s13415" name="think-cell Slide" r:id="rId4" imgW="270" imgH="270" progId="TCLayout.ActiveDocument.1">
+                <p:oleObj spid="_x0000_s13419" name="think-cell Slide" r:id="rId4" imgW="270" imgH="270" progId="TCLayout.ActiveDocument.1">
                   <p:embed/>
                 </p:oleObj>
               </mc:Choice>
@@ -3337,7 +3337,7 @@
           <a:p>
             <a:fld id="{B56E8790-EF43-4195-82DA-4A26D543E504}" type="datetimeFigureOut">
               <a:rPr lang="en-GB" smtClean="0"/>
-              <a:t>16/03/2021</a:t>
+              <a:t>08/04/2022</a:t>
             </a:fld>
             <a:endParaRPr lang="en-GB" dirty="0"/>
           </a:p>
@@ -3888,7 +3888,7 @@
           <a:graphicData uri="http://schemas.openxmlformats.org/presentationml/2006/ole">
             <mc:AlternateContent xmlns:mc="http://schemas.openxmlformats.org/markup-compatibility/2006">
               <mc:Choice xmlns:v="urn:schemas-microsoft-com:vml" Requires="v">
-                <p:oleObj spid="_x0000_s14439" name="think-cell Slide" r:id="rId4" imgW="270" imgH="270" progId="TCLayout.ActiveDocument.1">
+                <p:oleObj spid="_x0000_s14443" name="think-cell Slide" r:id="rId4" imgW="270" imgH="270" progId="TCLayout.ActiveDocument.1">
                   <p:embed/>
                 </p:oleObj>
               </mc:Choice>
@@ -3945,7 +3945,7 @@
           <a:p>
             <a:fld id="{B56E8790-EF43-4195-82DA-4A26D543E504}" type="datetimeFigureOut">
               <a:rPr lang="en-GB" smtClean="0"/>
-              <a:t>16/03/2021</a:t>
+              <a:t>08/04/2022</a:t>
             </a:fld>
             <a:endParaRPr lang="en-GB" dirty="0"/>
           </a:p>
@@ -4496,7 +4496,7 @@
           <a:graphicData uri="http://schemas.openxmlformats.org/presentationml/2006/ole">
             <mc:AlternateContent xmlns:mc="http://schemas.openxmlformats.org/markup-compatibility/2006">
               <mc:Choice xmlns:v="urn:schemas-microsoft-com:vml" Requires="v">
-                <p:oleObj spid="_x0000_s15463" name="think-cell Slide" r:id="rId4" imgW="270" imgH="270" progId="TCLayout.ActiveDocument.1">
+                <p:oleObj spid="_x0000_s15467" name="think-cell Slide" r:id="rId4" imgW="270" imgH="270" progId="TCLayout.ActiveDocument.1">
                   <p:embed/>
                 </p:oleObj>
               </mc:Choice>
@@ -4553,7 +4553,7 @@
           <a:p>
             <a:fld id="{B56E8790-EF43-4195-82DA-4A26D543E504}" type="datetimeFigureOut">
               <a:rPr lang="en-GB" smtClean="0"/>
-              <a:t>16/03/2021</a:t>
+              <a:t>08/04/2022</a:t>
             </a:fld>
             <a:endParaRPr lang="en-GB" dirty="0"/>
           </a:p>
@@ -5104,7 +5104,7 @@
           <a:graphicData uri="http://schemas.openxmlformats.org/presentationml/2006/ole">
             <mc:AlternateContent xmlns:mc="http://schemas.openxmlformats.org/markup-compatibility/2006">
               <mc:Choice xmlns:v="urn:schemas-microsoft-com:vml" Requires="v">
-                <p:oleObj spid="_x0000_s16487" name="think-cell Slide" r:id="rId4" imgW="270" imgH="270" progId="TCLayout.ActiveDocument.1">
+                <p:oleObj spid="_x0000_s16491" name="think-cell Slide" r:id="rId4" imgW="270" imgH="270" progId="TCLayout.ActiveDocument.1">
                   <p:embed/>
                 </p:oleObj>
               </mc:Choice>
@@ -5161,7 +5161,7 @@
           <a:p>
             <a:fld id="{B56E8790-EF43-4195-82DA-4A26D543E504}" type="datetimeFigureOut">
               <a:rPr lang="en-GB" smtClean="0"/>
-              <a:t>16/03/2021</a:t>
+              <a:t>08/04/2022</a:t>
             </a:fld>
             <a:endParaRPr lang="en-GB" dirty="0"/>
           </a:p>
@@ -5712,7 +5712,7 @@
           <a:graphicData uri="http://schemas.openxmlformats.org/presentationml/2006/ole">
             <mc:AlternateContent xmlns:mc="http://schemas.openxmlformats.org/markup-compatibility/2006">
               <mc:Choice xmlns:v="urn:schemas-microsoft-com:vml" Requires="v">
-                <p:oleObj spid="_x0000_s17511" name="think-cell Slide" r:id="rId4" imgW="270" imgH="270" progId="TCLayout.ActiveDocument.1">
+                <p:oleObj spid="_x0000_s17515" name="think-cell Slide" r:id="rId4" imgW="270" imgH="270" progId="TCLayout.ActiveDocument.1">
                   <p:embed/>
                 </p:oleObj>
               </mc:Choice>
@@ -5769,7 +5769,7 @@
           <a:p>
             <a:fld id="{B56E8790-EF43-4195-82DA-4A26D543E504}" type="datetimeFigureOut">
               <a:rPr lang="en-GB" smtClean="0"/>
-              <a:t>16/03/2021</a:t>
+              <a:t>08/04/2022</a:t>
             </a:fld>
             <a:endParaRPr lang="en-GB" dirty="0"/>
           </a:p>
@@ -6414,7 +6414,7 @@
           <a:p>
             <a:fld id="{B56E8790-EF43-4195-82DA-4A26D543E504}" type="datetimeFigureOut">
               <a:rPr lang="en-GB" smtClean="0"/>
-              <a:t>16/03/2021</a:t>
+              <a:t>08/04/2022</a:t>
             </a:fld>
             <a:endParaRPr lang="en-GB" dirty="0"/>
           </a:p>
@@ -6525,7 +6525,7 @@
           <a:graphicData uri="http://schemas.openxmlformats.org/presentationml/2006/ole">
             <mc:AlternateContent xmlns:mc="http://schemas.openxmlformats.org/markup-compatibility/2006">
               <mc:Choice xmlns:v="urn:schemas-microsoft-com:vml" Requires="v">
-                <p:oleObj spid="_x0000_s3175" name="think-cell Slide" r:id="rId4" imgW="270" imgH="270" progId="TCLayout.ActiveDocument.1">
+                <p:oleObj spid="_x0000_s3179" name="think-cell Slide" r:id="rId4" imgW="270" imgH="270" progId="TCLayout.ActiveDocument.1">
                   <p:embed/>
                 </p:oleObj>
               </mc:Choice>
@@ -6674,7 +6674,7 @@
           <a:p>
             <a:fld id="{B56E8790-EF43-4195-82DA-4A26D543E504}" type="datetimeFigureOut">
               <a:rPr lang="en-GB" smtClean="0"/>
-              <a:t>16/03/2021</a:t>
+              <a:t>08/04/2022</a:t>
             </a:fld>
             <a:endParaRPr lang="en-GB" dirty="0"/>
           </a:p>
@@ -6838,7 +6838,7 @@
           <a:graphicData uri="http://schemas.openxmlformats.org/presentationml/2006/ole">
             <mc:AlternateContent xmlns:mc="http://schemas.openxmlformats.org/markup-compatibility/2006">
               <mc:Choice xmlns:v="urn:schemas-microsoft-com:vml" Requires="v">
-                <p:oleObj spid="_x0000_s19559" name="think-cell Slide" r:id="rId5" imgW="270" imgH="270" progId="TCLayout.ActiveDocument.1">
+                <p:oleObj spid="_x0000_s19563" name="think-cell Slide" r:id="rId5" imgW="270" imgH="270" progId="TCLayout.ActiveDocument.1">
                   <p:embed/>
                 </p:oleObj>
               </mc:Choice>
@@ -7021,7 +7021,7 @@
             <a:fld id="{FD5A4159-1C9D-4C23-8DBB-0FD5BF49F859}" type="datetime1">
               <a:rPr lang="en-GB" smtClean="0"/>
               <a:pPr/>
-              <a:t>16/03/2021</a:t>
+              <a:t>08/04/2022</a:t>
             </a:fld>
             <a:endParaRPr lang="en-GB" dirty="0"/>
           </a:p>
@@ -7114,7 +7114,7 @@
           <a:graphicData uri="http://schemas.openxmlformats.org/presentationml/2006/ole">
             <mc:AlternateContent xmlns:mc="http://schemas.openxmlformats.org/markup-compatibility/2006">
               <mc:Choice xmlns:v="urn:schemas-microsoft-com:vml" Requires="v">
-                <p:oleObj spid="_x0000_s20583" name="think-cell Slide" r:id="rId4" imgW="270" imgH="270" progId="TCLayout.ActiveDocument.1">
+                <p:oleObj spid="_x0000_s20587" name="think-cell Slide" r:id="rId4" imgW="270" imgH="270" progId="TCLayout.ActiveDocument.1">
                   <p:embed/>
                 </p:oleObj>
               </mc:Choice>
@@ -7264,7 +7264,7 @@
             <a:fld id="{461D2423-DC7C-4239-9F6A-F74AADFD9F8E}" type="datetime1">
               <a:rPr lang="en-GB" smtClean="0"/>
               <a:pPr/>
-              <a:t>16/03/2021</a:t>
+              <a:t>08/04/2022</a:t>
             </a:fld>
             <a:endParaRPr lang="en-GB" dirty="0"/>
           </a:p>
@@ -7438,7 +7438,7 @@
             <a:fld id="{84F482FB-B023-4CBB-8046-4D830E895C90}" type="datetime1">
               <a:rPr lang="en-GB" smtClean="0"/>
               <a:pPr/>
-              <a:t>16/03/2021</a:t>
+              <a:t>08/04/2022</a:t>
             </a:fld>
             <a:endParaRPr lang="en-GB" dirty="0"/>
           </a:p>
@@ -7711,7 +7711,7 @@
           <a:graphicData uri="http://schemas.openxmlformats.org/presentationml/2006/ole">
             <mc:AlternateContent xmlns:mc="http://schemas.openxmlformats.org/markup-compatibility/2006">
               <mc:Choice xmlns:v="urn:schemas-microsoft-com:vml" Requires="v">
-                <p:oleObj spid="_x0000_s21607" name="think-cell Slide" r:id="rId4" imgW="270" imgH="270" progId="TCLayout.ActiveDocument.1">
+                <p:oleObj spid="_x0000_s21611" name="think-cell Slide" r:id="rId4" imgW="270" imgH="270" progId="TCLayout.ActiveDocument.1">
                   <p:embed/>
                 </p:oleObj>
               </mc:Choice>
@@ -7870,7 +7870,7 @@
             <a:fld id="{F26DF438-9CC2-4A49-A657-78DE437E5C5C}" type="datetime1">
               <a:rPr lang="en-GB" smtClean="0"/>
               <a:pPr/>
-              <a:t>16/03/2021</a:t>
+              <a:t>08/04/2022</a:t>
             </a:fld>
             <a:endParaRPr lang="en-GB" dirty="0"/>
           </a:p>
@@ -8264,7 +8264,7 @@
           <a:graphicData uri="http://schemas.openxmlformats.org/presentationml/2006/ole">
             <mc:AlternateContent xmlns:mc="http://schemas.openxmlformats.org/markup-compatibility/2006">
               <mc:Choice xmlns:v="urn:schemas-microsoft-com:vml" Requires="v">
-                <p:oleObj spid="_x0000_s22631" name="think-cell Slide" r:id="rId4" imgW="270" imgH="270" progId="TCLayout.ActiveDocument.1">
+                <p:oleObj spid="_x0000_s22635" name="think-cell Slide" r:id="rId4" imgW="270" imgH="270" progId="TCLayout.ActiveDocument.1">
                   <p:embed/>
                 </p:oleObj>
               </mc:Choice>
@@ -8330,7 +8330,7 @@
             <a:fld id="{A960169C-9E24-485A-B7A8-19D9A23B43F5}" type="datetime1">
               <a:rPr lang="en-GB" smtClean="0"/>
               <a:pPr/>
-              <a:t>16/03/2021</a:t>
+              <a:t>08/04/2022</a:t>
             </a:fld>
             <a:endParaRPr lang="en-GB" dirty="0"/>
           </a:p>
@@ -8871,7 +8871,7 @@
           <a:graphicData uri="http://schemas.openxmlformats.org/presentationml/2006/ole">
             <mc:AlternateContent xmlns:mc="http://schemas.openxmlformats.org/markup-compatibility/2006">
               <mc:Choice xmlns:v="urn:schemas-microsoft-com:vml" Requires="v">
-                <p:oleObj spid="_x0000_s23756" name="think-cell Slide" r:id="rId5" imgW="270" imgH="270" progId="TCLayout.ActiveDocument.1">
+                <p:oleObj spid="_x0000_s23764" name="think-cell Slide" r:id="rId5" imgW="270" imgH="270" progId="TCLayout.ActiveDocument.1">
                   <p:embed/>
                 </p:oleObj>
               </mc:Choice>
@@ -9123,7 +9123,7 @@
             <a:fld id="{0DD20B1F-20AE-4F8D-832A-F732FDE213D5}" type="datetime1">
               <a:rPr lang="en-GB" smtClean="0"/>
               <a:pPr/>
-              <a:t>16/03/2021</a:t>
+              <a:t>08/04/2022</a:t>
             </a:fld>
             <a:endParaRPr lang="en-GB" dirty="0"/>
           </a:p>
@@ -9193,7 +9193,7 @@
           <a:graphicData uri="http://schemas.openxmlformats.org/presentationml/2006/ole">
             <mc:AlternateContent xmlns:mc="http://schemas.openxmlformats.org/markup-compatibility/2006">
               <mc:Choice xmlns:v="urn:schemas-microsoft-com:vml" Requires="v">
-                <p:oleObj spid="_x0000_s23757" name="think-cell Slide" r:id="rId7" imgW="270" imgH="270" progId="TCLayout.ActiveDocument.1">
+                <p:oleObj spid="_x0000_s23765" name="think-cell Slide" r:id="rId7" imgW="270" imgH="270" progId="TCLayout.ActiveDocument.1">
                   <p:embed/>
                 </p:oleObj>
               </mc:Choice>
@@ -9491,7 +9491,7 @@
             <a:fld id="{0DD20B1F-20AE-4F8D-832A-F732FDE213D5}" type="datetime1">
               <a:rPr lang="en-GB" smtClean="0"/>
               <a:pPr/>
-              <a:t>16/03/2021</a:t>
+              <a:t>08/04/2022</a:t>
             </a:fld>
             <a:endParaRPr lang="en-GB" dirty="0"/>
           </a:p>
@@ -9979,7 +9979,7 @@
           <a:graphicData uri="http://schemas.openxmlformats.org/presentationml/2006/ole">
             <mc:AlternateContent xmlns:mc="http://schemas.openxmlformats.org/markup-compatibility/2006">
               <mc:Choice xmlns:v="urn:schemas-microsoft-com:vml" Requires="v">
-                <p:oleObj spid="_x0000_s24780" name="think-cell Slide" r:id="rId5" imgW="270" imgH="270" progId="TCLayout.ActiveDocument.1">
+                <p:oleObj spid="_x0000_s24788" name="think-cell Slide" r:id="rId5" imgW="270" imgH="270" progId="TCLayout.ActiveDocument.1">
                   <p:embed/>
                 </p:oleObj>
               </mc:Choice>
@@ -10045,7 +10045,7 @@
             <a:fld id="{D07952D7-4E08-421B-9537-2EE112E32DE3}" type="datetime1">
               <a:rPr lang="en-GB" smtClean="0"/>
               <a:pPr/>
-              <a:t>16/03/2021</a:t>
+              <a:t>08/04/2022</a:t>
             </a:fld>
             <a:endParaRPr lang="en-GB" dirty="0"/>
           </a:p>
@@ -10399,7 +10399,7 @@
           <a:graphicData uri="http://schemas.openxmlformats.org/presentationml/2006/ole">
             <mc:AlternateContent xmlns:mc="http://schemas.openxmlformats.org/markup-compatibility/2006">
               <mc:Choice xmlns:v="urn:schemas-microsoft-com:vml" Requires="v">
-                <p:oleObj spid="_x0000_s24781" name="think-cell Slide" r:id="rId7" imgW="270" imgH="270" progId="TCLayout.ActiveDocument.1">
+                <p:oleObj spid="_x0000_s24789" name="think-cell Slide" r:id="rId7" imgW="270" imgH="270" progId="TCLayout.ActiveDocument.1">
                   <p:embed/>
                 </p:oleObj>
               </mc:Choice>
@@ -10686,7 +10686,7 @@
           <a:graphicData uri="http://schemas.openxmlformats.org/presentationml/2006/ole">
             <mc:AlternateContent xmlns:mc="http://schemas.openxmlformats.org/markup-compatibility/2006">
               <mc:Choice xmlns:v="urn:schemas-microsoft-com:vml" Requires="v">
-                <p:oleObj spid="_x0000_s25804" name="think-cell Slide" r:id="rId5" imgW="270" imgH="270" progId="TCLayout.ActiveDocument.1">
+                <p:oleObj spid="_x0000_s25812" name="think-cell Slide" r:id="rId5" imgW="270" imgH="270" progId="TCLayout.ActiveDocument.1">
                   <p:embed/>
                 </p:oleObj>
               </mc:Choice>
@@ -10752,7 +10752,7 @@
             <a:fld id="{D07952D7-4E08-421B-9537-2EE112E32DE3}" type="datetime1">
               <a:rPr lang="en-GB" smtClean="0"/>
               <a:pPr/>
-              <a:t>16/03/2021</a:t>
+              <a:t>08/04/2022</a:t>
             </a:fld>
             <a:endParaRPr lang="en-GB" dirty="0"/>
           </a:p>
@@ -11106,7 +11106,7 @@
           <a:graphicData uri="http://schemas.openxmlformats.org/presentationml/2006/ole">
             <mc:AlternateContent xmlns:mc="http://schemas.openxmlformats.org/markup-compatibility/2006">
               <mc:Choice xmlns:v="urn:schemas-microsoft-com:vml" Requires="v">
-                <p:oleObj spid="_x0000_s25805" name="think-cell Slide" r:id="rId7" imgW="270" imgH="270" progId="TCLayout.ActiveDocument.1">
+                <p:oleObj spid="_x0000_s25813" name="think-cell Slide" r:id="rId7" imgW="270" imgH="270" progId="TCLayout.ActiveDocument.1">
                   <p:embed/>
                 </p:oleObj>
               </mc:Choice>
@@ -11398,7 +11398,7 @@
           <a:graphicData uri="http://schemas.openxmlformats.org/presentationml/2006/ole">
             <mc:AlternateContent xmlns:mc="http://schemas.openxmlformats.org/markup-compatibility/2006">
               <mc:Choice xmlns:v="urn:schemas-microsoft-com:vml" Requires="v">
-                <p:oleObj spid="_x0000_s26828" name="think-cell Slide" r:id="rId5" imgW="270" imgH="270" progId="TCLayout.ActiveDocument.1">
+                <p:oleObj spid="_x0000_s26836" name="think-cell Slide" r:id="rId5" imgW="270" imgH="270" progId="TCLayout.ActiveDocument.1">
                   <p:embed/>
                 </p:oleObj>
               </mc:Choice>
@@ -11513,7 +11513,7 @@
             <a:fld id="{D07952D7-4E08-421B-9537-2EE112E32DE3}" type="datetime1">
               <a:rPr lang="en-GB" smtClean="0"/>
               <a:pPr/>
-              <a:t>16/03/2021</a:t>
+              <a:t>08/04/2022</a:t>
             </a:fld>
             <a:endParaRPr lang="en-GB" dirty="0"/>
           </a:p>
@@ -12102,7 +12102,7 @@
           <a:graphicData uri="http://schemas.openxmlformats.org/presentationml/2006/ole">
             <mc:AlternateContent xmlns:mc="http://schemas.openxmlformats.org/markup-compatibility/2006">
               <mc:Choice xmlns:v="urn:schemas-microsoft-com:vml" Requires="v">
-                <p:oleObj spid="_x0000_s26829" name="think-cell Slide" r:id="rId7" imgW="270" imgH="270" progId="TCLayout.ActiveDocument.1">
+                <p:oleObj spid="_x0000_s26837" name="think-cell Slide" r:id="rId7" imgW="270" imgH="270" progId="TCLayout.ActiveDocument.1">
                   <p:embed/>
                 </p:oleObj>
               </mc:Choice>
@@ -12433,7 +12433,7 @@
           <a:p>
             <a:fld id="{B56E8790-EF43-4195-82DA-4A26D543E504}" type="datetimeFigureOut">
               <a:rPr lang="en-GB" smtClean="0"/>
-              <a:t>16/03/2021</a:t>
+              <a:t>08/04/2022</a:t>
             </a:fld>
             <a:endParaRPr lang="en-GB" dirty="0"/>
           </a:p>
@@ -12714,7 +12714,7 @@
           <a:graphicData uri="http://schemas.openxmlformats.org/presentationml/2006/ole">
             <mc:AlternateContent xmlns:mc="http://schemas.openxmlformats.org/markup-compatibility/2006">
               <mc:Choice xmlns:v="urn:schemas-microsoft-com:vml" Requires="v">
-                <p:oleObj spid="_x0000_s27852" name="think-cell Slide" r:id="rId5" imgW="270" imgH="270" progId="TCLayout.ActiveDocument.1">
+                <p:oleObj spid="_x0000_s27860" name="think-cell Slide" r:id="rId5" imgW="270" imgH="270" progId="TCLayout.ActiveDocument.1">
                   <p:embed/>
                 </p:oleObj>
               </mc:Choice>
@@ -12780,7 +12780,7 @@
             <a:fld id="{10E7BC8F-BFD3-4858-915D-99D9576C8415}" type="datetime1">
               <a:rPr lang="en-GB" smtClean="0"/>
               <a:pPr/>
-              <a:t>16/03/2021</a:t>
+              <a:t>08/04/2022</a:t>
             </a:fld>
             <a:endParaRPr lang="en-GB" dirty="0"/>
           </a:p>
@@ -13161,7 +13161,7 @@
           <a:graphicData uri="http://schemas.openxmlformats.org/presentationml/2006/ole">
             <mc:AlternateContent xmlns:mc="http://schemas.openxmlformats.org/markup-compatibility/2006">
               <mc:Choice xmlns:v="urn:schemas-microsoft-com:vml" Requires="v">
-                <p:oleObj spid="_x0000_s27853" name="think-cell Slide" r:id="rId8" imgW="270" imgH="270" progId="TCLayout.ActiveDocument.1">
+                <p:oleObj spid="_x0000_s27861" name="think-cell Slide" r:id="rId8" imgW="270" imgH="270" progId="TCLayout.ActiveDocument.1">
                   <p:embed/>
                 </p:oleObj>
               </mc:Choice>
@@ -13449,7 +13449,7 @@
           <a:graphicData uri="http://schemas.openxmlformats.org/presentationml/2006/ole">
             <mc:AlternateContent xmlns:mc="http://schemas.openxmlformats.org/markup-compatibility/2006">
               <mc:Choice xmlns:v="urn:schemas-microsoft-com:vml" Requires="v">
-                <p:oleObj spid="_x0000_s29799" name="think-cell Slide" r:id="rId5" imgW="270" imgH="270" progId="TCLayout.ActiveDocument.1">
+                <p:oleObj spid="_x0000_s29803" name="think-cell Slide" r:id="rId5" imgW="270" imgH="270" progId="TCLayout.ActiveDocument.1">
                   <p:embed/>
                 </p:oleObj>
               </mc:Choice>
@@ -13636,7 +13636,7 @@
                 </a:solidFill>
               </a:rPr>
               <a:pPr/>
-              <a:t>16/03/2021</a:t>
+              <a:t>08/04/2022</a:t>
             </a:fld>
             <a:endParaRPr lang="en-GB" dirty="0">
               <a:solidFill>
@@ -13737,7 +13737,7 @@
           <a:graphicData uri="http://schemas.openxmlformats.org/presentationml/2006/ole">
             <mc:AlternateContent xmlns:mc="http://schemas.openxmlformats.org/markup-compatibility/2006">
               <mc:Choice xmlns:v="urn:schemas-microsoft-com:vml" Requires="v">
-                <p:oleObj spid="_x0000_s30823" name="think-cell Slide" r:id="rId4" imgW="270" imgH="270" progId="TCLayout.ActiveDocument.1">
+                <p:oleObj spid="_x0000_s30827" name="think-cell Slide" r:id="rId4" imgW="270" imgH="270" progId="TCLayout.ActiveDocument.1">
                   <p:embed/>
                 </p:oleObj>
               </mc:Choice>
@@ -13891,7 +13891,7 @@
                 </a:solidFill>
               </a:rPr>
               <a:pPr/>
-              <a:t>16/03/2021</a:t>
+              <a:t>08/04/2022</a:t>
             </a:fld>
             <a:endParaRPr lang="en-GB" dirty="0">
               <a:solidFill>
@@ -14077,7 +14077,7 @@
                 </a:solidFill>
               </a:rPr>
               <a:pPr/>
-              <a:t>16/03/2021</a:t>
+              <a:t>08/04/2022</a:t>
             </a:fld>
             <a:endParaRPr lang="en-GB" dirty="0">
               <a:solidFill>
@@ -14358,7 +14358,7 @@
           <a:graphicData uri="http://schemas.openxmlformats.org/presentationml/2006/ole">
             <mc:AlternateContent xmlns:mc="http://schemas.openxmlformats.org/markup-compatibility/2006">
               <mc:Choice xmlns:v="urn:schemas-microsoft-com:vml" Requires="v">
-                <p:oleObj spid="_x0000_s31847" name="think-cell Slide" r:id="rId4" imgW="270" imgH="270" progId="TCLayout.ActiveDocument.1">
+                <p:oleObj spid="_x0000_s31851" name="think-cell Slide" r:id="rId4" imgW="270" imgH="270" progId="TCLayout.ActiveDocument.1">
                   <p:embed/>
                 </p:oleObj>
               </mc:Choice>
@@ -14521,7 +14521,7 @@
                 </a:solidFill>
               </a:rPr>
               <a:pPr/>
-              <a:t>16/03/2021</a:t>
+              <a:t>08/04/2022</a:t>
             </a:fld>
             <a:endParaRPr lang="en-GB" dirty="0">
               <a:solidFill>
@@ -14923,7 +14923,7 @@
           <a:graphicData uri="http://schemas.openxmlformats.org/presentationml/2006/ole">
             <mc:AlternateContent xmlns:mc="http://schemas.openxmlformats.org/markup-compatibility/2006">
               <mc:Choice xmlns:v="urn:schemas-microsoft-com:vml" Requires="v">
-                <p:oleObj spid="_x0000_s32871" name="think-cell Slide" r:id="rId4" imgW="270" imgH="270" progId="TCLayout.ActiveDocument.1">
+                <p:oleObj spid="_x0000_s32875" name="think-cell Slide" r:id="rId4" imgW="270" imgH="270" progId="TCLayout.ActiveDocument.1">
                   <p:embed/>
                 </p:oleObj>
               </mc:Choice>
@@ -14993,7 +14993,7 @@
                 </a:solidFill>
               </a:rPr>
               <a:pPr/>
-              <a:t>16/03/2021</a:t>
+              <a:t>08/04/2022</a:t>
             </a:fld>
             <a:endParaRPr lang="en-GB" dirty="0">
               <a:solidFill>
@@ -15542,7 +15542,7 @@
           <a:graphicData uri="http://schemas.openxmlformats.org/presentationml/2006/ole">
             <mc:AlternateContent xmlns:mc="http://schemas.openxmlformats.org/markup-compatibility/2006">
               <mc:Choice xmlns:v="urn:schemas-microsoft-com:vml" Requires="v">
-                <p:oleObj spid="_x0000_s33996" name="think-cell Slide" r:id="rId5" imgW="270" imgH="270" progId="TCLayout.ActiveDocument.1">
+                <p:oleObj spid="_x0000_s34004" name="think-cell Slide" r:id="rId5" imgW="270" imgH="270" progId="TCLayout.ActiveDocument.1">
                   <p:embed/>
                 </p:oleObj>
               </mc:Choice>
@@ -15798,7 +15798,7 @@
                 </a:solidFill>
               </a:rPr>
               <a:pPr/>
-              <a:t>16/03/2021</a:t>
+              <a:t>08/04/2022</a:t>
             </a:fld>
             <a:endParaRPr lang="en-GB" dirty="0">
               <a:solidFill>
@@ -15872,7 +15872,7 @@
           <a:graphicData uri="http://schemas.openxmlformats.org/presentationml/2006/ole">
             <mc:AlternateContent xmlns:mc="http://schemas.openxmlformats.org/markup-compatibility/2006">
               <mc:Choice xmlns:v="urn:schemas-microsoft-com:vml" Requires="v">
-                <p:oleObj spid="_x0000_s33997" name="think-cell Slide" r:id="rId7" imgW="270" imgH="270" progId="TCLayout.ActiveDocument.1">
+                <p:oleObj spid="_x0000_s34005" name="think-cell Slide" r:id="rId7" imgW="270" imgH="270" progId="TCLayout.ActiveDocument.1">
                   <p:embed/>
                 </p:oleObj>
               </mc:Choice>
@@ -16178,7 +16178,7 @@
                 </a:solidFill>
               </a:rPr>
               <a:pPr/>
-              <a:t>16/03/2021</a:t>
+              <a:t>08/04/2022</a:t>
             </a:fld>
             <a:endParaRPr lang="en-GB" dirty="0">
               <a:solidFill>
@@ -16674,7 +16674,7 @@
           <a:graphicData uri="http://schemas.openxmlformats.org/presentationml/2006/ole">
             <mc:AlternateContent xmlns:mc="http://schemas.openxmlformats.org/markup-compatibility/2006">
               <mc:Choice xmlns:v="urn:schemas-microsoft-com:vml" Requires="v">
-                <p:oleObj spid="_x0000_s35020" name="think-cell Slide" r:id="rId5" imgW="270" imgH="270" progId="TCLayout.ActiveDocument.1">
+                <p:oleObj spid="_x0000_s35028" name="think-cell Slide" r:id="rId5" imgW="270" imgH="270" progId="TCLayout.ActiveDocument.1">
                   <p:embed/>
                 </p:oleObj>
               </mc:Choice>
@@ -16744,7 +16744,7 @@
                 </a:solidFill>
               </a:rPr>
               <a:pPr/>
-              <a:t>16/03/2021</a:t>
+              <a:t>08/04/2022</a:t>
             </a:fld>
             <a:endParaRPr lang="en-GB" dirty="0">
               <a:solidFill>
@@ -17102,7 +17102,7 @@
           <a:graphicData uri="http://schemas.openxmlformats.org/presentationml/2006/ole">
             <mc:AlternateContent xmlns:mc="http://schemas.openxmlformats.org/markup-compatibility/2006">
               <mc:Choice xmlns:v="urn:schemas-microsoft-com:vml" Requires="v">
-                <p:oleObj spid="_x0000_s35021" name="think-cell Slide" r:id="rId7" imgW="270" imgH="270" progId="TCLayout.ActiveDocument.1">
+                <p:oleObj spid="_x0000_s35029" name="think-cell Slide" r:id="rId7" imgW="270" imgH="270" progId="TCLayout.ActiveDocument.1">
                   <p:embed/>
                 </p:oleObj>
               </mc:Choice>
@@ -17393,7 +17393,7 @@
           <a:graphicData uri="http://schemas.openxmlformats.org/presentationml/2006/ole">
             <mc:AlternateContent xmlns:mc="http://schemas.openxmlformats.org/markup-compatibility/2006">
               <mc:Choice xmlns:v="urn:schemas-microsoft-com:vml" Requires="v">
-                <p:oleObj spid="_x0000_s36044" name="think-cell Slide" r:id="rId5" imgW="270" imgH="270" progId="TCLayout.ActiveDocument.1">
+                <p:oleObj spid="_x0000_s36052" name="think-cell Slide" r:id="rId5" imgW="270" imgH="270" progId="TCLayout.ActiveDocument.1">
                   <p:embed/>
                 </p:oleObj>
               </mc:Choice>
@@ -17463,7 +17463,7 @@
                 </a:solidFill>
               </a:rPr>
               <a:pPr/>
-              <a:t>16/03/2021</a:t>
+              <a:t>08/04/2022</a:t>
             </a:fld>
             <a:endParaRPr lang="en-GB" dirty="0">
               <a:solidFill>
@@ -17821,7 +17821,7 @@
           <a:graphicData uri="http://schemas.openxmlformats.org/presentationml/2006/ole">
             <mc:AlternateContent xmlns:mc="http://schemas.openxmlformats.org/markup-compatibility/2006">
               <mc:Choice xmlns:v="urn:schemas-microsoft-com:vml" Requires="v">
-                <p:oleObj spid="_x0000_s36045" name="think-cell Slide" r:id="rId7" imgW="270" imgH="270" progId="TCLayout.ActiveDocument.1">
+                <p:oleObj spid="_x0000_s36053" name="think-cell Slide" r:id="rId7" imgW="270" imgH="270" progId="TCLayout.ActiveDocument.1">
                   <p:embed/>
                 </p:oleObj>
               </mc:Choice>
@@ -18122,7 +18122,7 @@
           <a:graphicData uri="http://schemas.openxmlformats.org/presentationml/2006/ole">
             <mc:AlternateContent xmlns:mc="http://schemas.openxmlformats.org/markup-compatibility/2006">
               <mc:Choice xmlns:v="urn:schemas-microsoft-com:vml" Requires="v">
-                <p:oleObj spid="_x0000_s4199" name="think-cell Slide" r:id="rId4" imgW="270" imgH="270" progId="TCLayout.ActiveDocument.1">
+                <p:oleObj spid="_x0000_s4203" name="think-cell Slide" r:id="rId4" imgW="270" imgH="270" progId="TCLayout.ActiveDocument.1">
                   <p:embed/>
                 </p:oleObj>
               </mc:Choice>
@@ -18280,7 +18280,7 @@
           <a:p>
             <a:fld id="{B56E8790-EF43-4195-82DA-4A26D543E504}" type="datetimeFigureOut">
               <a:rPr lang="en-GB" smtClean="0"/>
-              <a:t>16/03/2021</a:t>
+              <a:t>08/04/2022</a:t>
             </a:fld>
             <a:endParaRPr lang="en-GB" dirty="0"/>
           </a:p>
@@ -18674,7 +18674,7 @@
           <a:graphicData uri="http://schemas.openxmlformats.org/presentationml/2006/ole">
             <mc:AlternateContent xmlns:mc="http://schemas.openxmlformats.org/markup-compatibility/2006">
               <mc:Choice xmlns:v="urn:schemas-microsoft-com:vml" Requires="v">
-                <p:oleObj spid="_x0000_s37068" name="think-cell Slide" r:id="rId5" imgW="270" imgH="270" progId="TCLayout.ActiveDocument.1">
+                <p:oleObj spid="_x0000_s37076" name="think-cell Slide" r:id="rId5" imgW="270" imgH="270" progId="TCLayout.ActiveDocument.1">
                   <p:embed/>
                 </p:oleObj>
               </mc:Choice>
@@ -18793,7 +18793,7 @@
                 </a:solidFill>
               </a:rPr>
               <a:pPr/>
-              <a:t>16/03/2021</a:t>
+              <a:t>08/04/2022</a:t>
             </a:fld>
             <a:endParaRPr lang="en-GB" dirty="0">
               <a:solidFill>
@@ -19386,7 +19386,7 @@
           <a:graphicData uri="http://schemas.openxmlformats.org/presentationml/2006/ole">
             <mc:AlternateContent xmlns:mc="http://schemas.openxmlformats.org/markup-compatibility/2006">
               <mc:Choice xmlns:v="urn:schemas-microsoft-com:vml" Requires="v">
-                <p:oleObj spid="_x0000_s37069" name="think-cell Slide" r:id="rId7" imgW="270" imgH="270" progId="TCLayout.ActiveDocument.1">
+                <p:oleObj spid="_x0000_s37077" name="think-cell Slide" r:id="rId7" imgW="270" imgH="270" progId="TCLayout.ActiveDocument.1">
                   <p:embed/>
                 </p:oleObj>
               </mc:Choice>
@@ -19690,7 +19690,7 @@
           <a:graphicData uri="http://schemas.openxmlformats.org/presentationml/2006/ole">
             <mc:AlternateContent xmlns:mc="http://schemas.openxmlformats.org/markup-compatibility/2006">
               <mc:Choice xmlns:v="urn:schemas-microsoft-com:vml" Requires="v">
-                <p:oleObj spid="_x0000_s38092" name="think-cell Slide" r:id="rId5" imgW="270" imgH="270" progId="TCLayout.ActiveDocument.1">
+                <p:oleObj spid="_x0000_s38100" name="think-cell Slide" r:id="rId5" imgW="270" imgH="270" progId="TCLayout.ActiveDocument.1">
                   <p:embed/>
                 </p:oleObj>
               </mc:Choice>
@@ -19760,7 +19760,7 @@
                 </a:solidFill>
               </a:rPr>
               <a:pPr/>
-              <a:t>16/03/2021</a:t>
+              <a:t>08/04/2022</a:t>
             </a:fld>
             <a:endParaRPr lang="en-GB" dirty="0">
               <a:solidFill>
@@ -20145,7 +20145,7 @@
           <a:graphicData uri="http://schemas.openxmlformats.org/presentationml/2006/ole">
             <mc:AlternateContent xmlns:mc="http://schemas.openxmlformats.org/markup-compatibility/2006">
               <mc:Choice xmlns:v="urn:schemas-microsoft-com:vml" Requires="v">
-                <p:oleObj spid="_x0000_s38093" name="think-cell Slide" r:id="rId8" imgW="270" imgH="270" progId="TCLayout.ActiveDocument.1">
+                <p:oleObj spid="_x0000_s38101" name="think-cell Slide" r:id="rId8" imgW="270" imgH="270" progId="TCLayout.ActiveDocument.1">
                   <p:embed/>
                 </p:oleObj>
               </mc:Choice>
@@ -20415,7 +20415,7 @@
           <a:graphicData uri="http://schemas.openxmlformats.org/presentationml/2006/ole">
             <mc:AlternateContent xmlns:mc="http://schemas.openxmlformats.org/markup-compatibility/2006">
               <mc:Choice xmlns:v="urn:schemas-microsoft-com:vml" Requires="v">
-                <p:oleObj spid="_x0000_s39015" name="think-cell Slide" r:id="rId4" imgW="270" imgH="270" progId="TCLayout.ActiveDocument.1">
+                <p:oleObj spid="_x0000_s39019" name="think-cell Slide" r:id="rId4" imgW="270" imgH="270" progId="TCLayout.ActiveDocument.1">
                   <p:embed/>
                 </p:oleObj>
               </mc:Choice>
@@ -20477,7 +20477,7 @@
                 </a:solidFill>
               </a:rPr>
               <a:pPr/>
-              <a:t>16/03/2021</a:t>
+              <a:t>08/04/2022</a:t>
             </a:fld>
             <a:endParaRPr lang="en-GB" dirty="0">
               <a:solidFill>
@@ -20879,7 +20879,7 @@
           <a:graphicData uri="http://schemas.openxmlformats.org/presentationml/2006/ole">
             <mc:AlternateContent xmlns:mc="http://schemas.openxmlformats.org/markup-compatibility/2006">
               <mc:Choice xmlns:v="urn:schemas-microsoft-com:vml" Requires="v">
-                <p:oleObj spid="_x0000_s5223" name="think-cell Slide" r:id="rId4" imgW="270" imgH="270" progId="TCLayout.ActiveDocument.1">
+                <p:oleObj spid="_x0000_s5227" name="think-cell Slide" r:id="rId4" imgW="270" imgH="270" progId="TCLayout.ActiveDocument.1">
                   <p:embed/>
                 </p:oleObj>
               </mc:Choice>
@@ -20944,7 +20944,7 @@
           <a:p>
             <a:fld id="{B56E8790-EF43-4195-82DA-4A26D543E504}" type="datetimeFigureOut">
               <a:rPr lang="en-GB" smtClean="0"/>
-              <a:t>16/03/2021</a:t>
+              <a:t>08/04/2022</a:t>
             </a:fld>
             <a:endParaRPr lang="en-GB" dirty="0"/>
           </a:p>
@@ -21490,7 +21490,7 @@
           <a:graphicData uri="http://schemas.openxmlformats.org/presentationml/2006/ole">
             <mc:AlternateContent xmlns:mc="http://schemas.openxmlformats.org/markup-compatibility/2006">
               <mc:Choice xmlns:v="urn:schemas-microsoft-com:vml" Requires="v">
-                <p:oleObj spid="_x0000_s6348" name="think-cell Slide" r:id="rId5" imgW="270" imgH="270" progId="TCLayout.ActiveDocument.1">
+                <p:oleObj spid="_x0000_s6356" name="think-cell Slide" r:id="rId5" imgW="270" imgH="270" progId="TCLayout.ActiveDocument.1">
                   <p:embed/>
                 </p:oleObj>
               </mc:Choice>
@@ -21741,7 +21741,7 @@
           <a:p>
             <a:fld id="{B56E8790-EF43-4195-82DA-4A26D543E504}" type="datetimeFigureOut">
               <a:rPr lang="en-GB" smtClean="0"/>
-              <a:t>16/03/2021</a:t>
+              <a:t>08/04/2022</a:t>
             </a:fld>
             <a:endParaRPr lang="en-GB" dirty="0"/>
           </a:p>
@@ -21816,7 +21816,7 @@
           <a:graphicData uri="http://schemas.openxmlformats.org/presentationml/2006/ole">
             <mc:AlternateContent xmlns:mc="http://schemas.openxmlformats.org/markup-compatibility/2006">
               <mc:Choice xmlns:v="urn:schemas-microsoft-com:vml" Requires="v">
-                <p:oleObj spid="_x0000_s6349" name="think-cell Slide" r:id="rId7" imgW="270" imgH="270" progId="TCLayout.ActiveDocument.1">
+                <p:oleObj spid="_x0000_s6357" name="think-cell Slide" r:id="rId7" imgW="270" imgH="270" progId="TCLayout.ActiveDocument.1">
                   <p:embed/>
                 </p:oleObj>
               </mc:Choice>
@@ -22113,7 +22113,7 @@
           <a:p>
             <a:fld id="{B56E8790-EF43-4195-82DA-4A26D543E504}" type="datetimeFigureOut">
               <a:rPr lang="en-GB" smtClean="0"/>
-              <a:t>16/03/2021</a:t>
+              <a:t>08/04/2022</a:t>
             </a:fld>
             <a:endParaRPr lang="en-GB" dirty="0"/>
           </a:p>
@@ -22606,7 +22606,7 @@
           <a:graphicData uri="http://schemas.openxmlformats.org/presentationml/2006/ole">
             <mc:AlternateContent xmlns:mc="http://schemas.openxmlformats.org/markup-compatibility/2006">
               <mc:Choice xmlns:v="urn:schemas-microsoft-com:vml" Requires="v">
-                <p:oleObj spid="_x0000_s7372" name="think-cell Slide" r:id="rId5" imgW="270" imgH="270" progId="TCLayout.ActiveDocument.1">
+                <p:oleObj spid="_x0000_s7380" name="think-cell Slide" r:id="rId5" imgW="270" imgH="270" progId="TCLayout.ActiveDocument.1">
                   <p:embed/>
                 </p:oleObj>
               </mc:Choice>
@@ -22671,7 +22671,7 @@
           <a:p>
             <a:fld id="{B56E8790-EF43-4195-82DA-4A26D543E504}" type="datetimeFigureOut">
               <a:rPr lang="en-GB" smtClean="0"/>
-              <a:t>16/03/2021</a:t>
+              <a:t>08/04/2022</a:t>
             </a:fld>
             <a:endParaRPr lang="en-GB" dirty="0"/>
           </a:p>
@@ -23030,7 +23030,7 @@
           <a:graphicData uri="http://schemas.openxmlformats.org/presentationml/2006/ole">
             <mc:AlternateContent xmlns:mc="http://schemas.openxmlformats.org/markup-compatibility/2006">
               <mc:Choice xmlns:v="urn:schemas-microsoft-com:vml" Requires="v">
-                <p:oleObj spid="_x0000_s7373" name="think-cell Slide" r:id="rId7" imgW="270" imgH="270" progId="TCLayout.ActiveDocument.1">
+                <p:oleObj spid="_x0000_s7381" name="think-cell Slide" r:id="rId7" imgW="270" imgH="270" progId="TCLayout.ActiveDocument.1">
                   <p:embed/>
                 </p:oleObj>
               </mc:Choice>
@@ -23322,7 +23322,7 @@
           <a:graphicData uri="http://schemas.openxmlformats.org/presentationml/2006/ole">
             <mc:AlternateContent xmlns:mc="http://schemas.openxmlformats.org/markup-compatibility/2006">
               <mc:Choice xmlns:v="urn:schemas-microsoft-com:vml" Requires="v">
-                <p:oleObj spid="_x0000_s8396" name="think-cell Slide" r:id="rId5" imgW="270" imgH="270" progId="TCLayout.ActiveDocument.1">
+                <p:oleObj spid="_x0000_s8404" name="think-cell Slide" r:id="rId5" imgW="270" imgH="270" progId="TCLayout.ActiveDocument.1">
                   <p:embed/>
                 </p:oleObj>
               </mc:Choice>
@@ -23387,7 +23387,7 @@
           <a:p>
             <a:fld id="{B56E8790-EF43-4195-82DA-4A26D543E504}" type="datetimeFigureOut">
               <a:rPr lang="en-GB" smtClean="0"/>
-              <a:t>16/03/2021</a:t>
+              <a:t>08/04/2022</a:t>
             </a:fld>
             <a:endParaRPr lang="en-GB" dirty="0"/>
           </a:p>
@@ -23746,7 +23746,7 @@
           <a:graphicData uri="http://schemas.openxmlformats.org/presentationml/2006/ole">
             <mc:AlternateContent xmlns:mc="http://schemas.openxmlformats.org/markup-compatibility/2006">
               <mc:Choice xmlns:v="urn:schemas-microsoft-com:vml" Requires="v">
-                <p:oleObj spid="_x0000_s8397" name="think-cell Slide" r:id="rId7" imgW="270" imgH="270" progId="TCLayout.ActiveDocument.1">
+                <p:oleObj spid="_x0000_s8405" name="think-cell Slide" r:id="rId7" imgW="270" imgH="270" progId="TCLayout.ActiveDocument.1">
                   <p:embed/>
                 </p:oleObj>
               </mc:Choice>
@@ -24051,7 +24051,7 @@
           <a:graphicData uri="http://schemas.openxmlformats.org/presentationml/2006/ole">
             <mc:AlternateContent xmlns:mc="http://schemas.openxmlformats.org/markup-compatibility/2006">
               <mc:Choice xmlns:v="urn:schemas-microsoft-com:vml" Requires="v">
-                <p:oleObj spid="_x0000_s1127" name="think-cell Slide" r:id="rId24" imgW="270" imgH="270" progId="TCLayout.ActiveDocument.1">
+                <p:oleObj spid="_x0000_s1131" name="think-cell Slide" r:id="rId24" imgW="270" imgH="270" progId="TCLayout.ActiveDocument.1">
                   <p:embed/>
                 </p:oleObj>
               </mc:Choice>
@@ -24183,7 +24183,7 @@
           <a:p>
             <a:fld id="{B56E8790-EF43-4195-82DA-4A26D543E504}" type="datetimeFigureOut">
               <a:rPr lang="en-GB" smtClean="0"/>
-              <a:t>16/03/2021</a:t>
+              <a:t>08/04/2022</a:t>
             </a:fld>
             <a:endParaRPr lang="en-GB" dirty="0"/>
           </a:p>
@@ -24744,7 +24744,7 @@
           <a:graphicData uri="http://schemas.openxmlformats.org/presentationml/2006/ole">
             <mc:AlternateContent xmlns:mc="http://schemas.openxmlformats.org/markup-compatibility/2006">
               <mc:Choice xmlns:v="urn:schemas-microsoft-com:vml" Requires="v">
-                <p:oleObj spid="_x0000_s18535" name="think-cell Slide" r:id="rId16" imgW="270" imgH="270" progId="TCLayout.ActiveDocument.1">
+                <p:oleObj spid="_x0000_s18539" name="think-cell Slide" r:id="rId16" imgW="270" imgH="270" progId="TCLayout.ActiveDocument.1">
                   <p:embed/>
                 </p:oleObj>
               </mc:Choice>
@@ -24877,7 +24877,7 @@
             <a:fld id="{10E7BC8F-BFD3-4858-915D-99D9576C8415}" type="datetime1">
               <a:rPr lang="en-GB" smtClean="0"/>
               <a:pPr/>
-              <a:t>16/03/2021</a:t>
+              <a:t>08/04/2022</a:t>
             </a:fld>
             <a:endParaRPr lang="en-GB" dirty="0"/>
           </a:p>
@@ -25431,7 +25431,7 @@
           <a:graphicData uri="http://schemas.openxmlformats.org/presentationml/2006/ole">
             <mc:AlternateContent xmlns:mc="http://schemas.openxmlformats.org/markup-compatibility/2006">
               <mc:Choice xmlns:v="urn:schemas-microsoft-com:vml" Requires="v">
-                <p:oleObj spid="_x0000_s28775" name="think-cell Slide" r:id="rId17" imgW="270" imgH="270" progId="TCLayout.ActiveDocument.1">
+                <p:oleObj spid="_x0000_s28779" name="think-cell Slide" r:id="rId17" imgW="270" imgH="270" progId="TCLayout.ActiveDocument.1">
                   <p:embed/>
                 </p:oleObj>
               </mc:Choice>
@@ -25568,7 +25568,7 @@
                 </a:solidFill>
               </a:rPr>
               <a:pPr/>
-              <a:t>16/03/2021</a:t>
+              <a:t>08/04/2022</a:t>
             </a:fld>
             <a:endParaRPr lang="en-GB" dirty="0">
               <a:solidFill>
@@ -29115,6 +29115,40 @@
           <a:chExt cx="0" cy="0"/>
         </a:xfrm>
       </p:grpSpPr>
+      <p:cxnSp>
+        <p:nvCxnSpPr>
+          <p:cNvPr id="86" name="Straight Arrow Connector 85"/>
+          <p:cNvCxnSpPr/>
+          <p:nvPr/>
+        </p:nvCxnSpPr>
+        <p:spPr>
+          <a:xfrm>
+            <a:off x="1115421" y="8987089"/>
+            <a:ext cx="9542863" cy="4490"/>
+          </a:xfrm>
+          <a:prstGeom prst="straightConnector1">
+            <a:avLst/>
+          </a:prstGeom>
+          <a:ln w="28575">
+            <a:headEnd type="none" w="med" len="med"/>
+            <a:tailEnd type="triangle" w="med" len="med"/>
+          </a:ln>
+        </p:spPr>
+        <p:style>
+          <a:lnRef idx="3">
+            <a:schemeClr val="accent2"/>
+          </a:lnRef>
+          <a:fillRef idx="0">
+            <a:schemeClr val="accent2"/>
+          </a:fillRef>
+          <a:effectRef idx="2">
+            <a:schemeClr val="accent2"/>
+          </a:effectRef>
+          <a:fontRef idx="minor">
+            <a:schemeClr val="tx1"/>
+          </a:fontRef>
+        </p:style>
+      </p:cxnSp>
       <p:grpSp>
         <p:nvGrpSpPr>
           <p:cNvPr id="3" name="Group 2"/>
@@ -29124,9 +29158,9 @@
         <p:grpSpPr>
           <a:xfrm>
             <a:off x="544158" y="631347"/>
-            <a:ext cx="10549559" cy="10124264"/>
+            <a:ext cx="10549559" cy="10747853"/>
             <a:chOff x="544158" y="631347"/>
-            <a:chExt cx="10549559" cy="10124264"/>
+            <a:chExt cx="10549559" cy="10747853"/>
           </a:xfrm>
         </p:grpSpPr>
         <p:sp>
@@ -29359,75 +29393,7 @@
           <p:spPr>
             <a:xfrm>
               <a:off x="1053635" y="1751654"/>
-              <a:ext cx="23442" cy="9000000"/>
-            </a:xfrm>
-            <a:prstGeom prst="straightConnector1">
-              <a:avLst/>
-            </a:prstGeom>
-            <a:ln w="76200">
-              <a:headEnd type="none" w="med" len="med"/>
-              <a:tailEnd type="none" w="med" len="med"/>
-            </a:ln>
-          </p:spPr>
-          <p:style>
-            <a:lnRef idx="3">
-              <a:schemeClr val="dk1"/>
-            </a:lnRef>
-            <a:fillRef idx="0">
-              <a:schemeClr val="dk1"/>
-            </a:fillRef>
-            <a:effectRef idx="2">
-              <a:schemeClr val="dk1"/>
-            </a:effectRef>
-            <a:fontRef idx="minor">
-              <a:schemeClr val="tx1"/>
-            </a:fontRef>
-          </p:style>
-        </p:cxnSp>
-        <p:cxnSp>
-          <p:nvCxnSpPr>
-            <p:cNvPr id="14" name="Straight Arrow Connector 13"/>
-            <p:cNvCxnSpPr/>
-            <p:nvPr/>
-          </p:nvCxnSpPr>
-          <p:spPr>
-            <a:xfrm>
-              <a:off x="4325644" y="1751654"/>
-              <a:ext cx="0" cy="9000000"/>
-            </a:xfrm>
-            <a:prstGeom prst="straightConnector1">
-              <a:avLst/>
-            </a:prstGeom>
-            <a:ln w="76200">
-              <a:headEnd type="none" w="med" len="med"/>
-              <a:tailEnd type="none" w="med" len="med"/>
-            </a:ln>
-          </p:spPr>
-          <p:style>
-            <a:lnRef idx="3">
-              <a:schemeClr val="dk1"/>
-            </a:lnRef>
-            <a:fillRef idx="0">
-              <a:schemeClr val="dk1"/>
-            </a:fillRef>
-            <a:effectRef idx="2">
-              <a:schemeClr val="dk1"/>
-            </a:effectRef>
-            <a:fontRef idx="minor">
-              <a:schemeClr val="tx1"/>
-            </a:fontRef>
-          </p:style>
-        </p:cxnSp>
-        <p:cxnSp>
-          <p:nvCxnSpPr>
-            <p:cNvPr id="15" name="Straight Arrow Connector 14"/>
-            <p:cNvCxnSpPr/>
-            <p:nvPr/>
-          </p:nvCxnSpPr>
-          <p:spPr>
-            <a:xfrm>
-              <a:off x="7561657" y="1751654"/>
-              <a:ext cx="0" cy="9000000"/>
+              <a:ext cx="9254" cy="9627546"/>
             </a:xfrm>
             <a:prstGeom prst="straightConnector1">
               <a:avLst/>
@@ -29459,9 +29425,9 @@
             <p:nvPr/>
           </p:nvCxnSpPr>
           <p:spPr>
-            <a:xfrm>
-              <a:off x="10769284" y="1755611"/>
-              <a:ext cx="0" cy="9000000"/>
+            <a:xfrm flipH="1">
+              <a:off x="10740899" y="1755611"/>
+              <a:ext cx="28385" cy="9623589"/>
             </a:xfrm>
             <a:prstGeom prst="straightConnector1">
               <a:avLst/>
@@ -30858,7 +30824,7 @@
           </p:nvCxnSpPr>
           <p:spPr>
             <a:xfrm>
-              <a:off x="1180436" y="9335388"/>
+              <a:off x="1223016" y="10150542"/>
               <a:ext cx="3016482" cy="0"/>
             </a:xfrm>
             <a:prstGeom prst="straightConnector1">
@@ -30892,7 +30858,7 @@
           </p:nvSpPr>
           <p:spPr>
             <a:xfrm>
-              <a:off x="1062889" y="9112094"/>
+              <a:off x="1105469" y="9927248"/>
               <a:ext cx="3248562" cy="169277"/>
             </a:xfrm>
             <a:prstGeom prst="rect">
@@ -30971,7 +30937,7 @@
           </p:nvSpPr>
           <p:spPr>
             <a:xfrm>
-              <a:off x="4205379" y="9616315"/>
+              <a:off x="4247959" y="10431469"/>
               <a:ext cx="457238" cy="462999"/>
             </a:xfrm>
             <a:prstGeom prst="arc">
@@ -31016,7 +30982,7 @@
           </p:nvSpPr>
           <p:spPr>
             <a:xfrm>
-              <a:off x="4729157" y="9763175"/>
+              <a:off x="4771737" y="10578329"/>
               <a:ext cx="2404191" cy="169277"/>
             </a:xfrm>
             <a:prstGeom prst="rect">
@@ -31062,7 +31028,7 @@
           </p:nvCxnSpPr>
           <p:spPr>
             <a:xfrm>
-              <a:off x="1154118" y="10320001"/>
+              <a:off x="1196698" y="11135155"/>
               <a:ext cx="3016482" cy="0"/>
             </a:xfrm>
             <a:prstGeom prst="straightConnector1">
@@ -31097,7 +31063,7 @@
           </p:nvSpPr>
           <p:spPr>
             <a:xfrm>
-              <a:off x="1179325" y="10394769"/>
+              <a:off x="1221905" y="11209923"/>
               <a:ext cx="3002287" cy="169277"/>
             </a:xfrm>
             <a:prstGeom prst="rect">
@@ -31128,7 +31094,245 @@
             </a:p>
           </p:txBody>
         </p:sp>
+        <p:cxnSp>
+          <p:nvCxnSpPr>
+            <p:cNvPr id="14" name="Straight Arrow Connector 13"/>
+            <p:cNvCxnSpPr/>
+            <p:nvPr/>
+          </p:nvCxnSpPr>
+          <p:spPr>
+            <a:xfrm>
+              <a:off x="4325644" y="1751654"/>
+              <a:ext cx="28387" cy="9627546"/>
+            </a:xfrm>
+            <a:prstGeom prst="straightConnector1">
+              <a:avLst/>
+            </a:prstGeom>
+            <a:ln w="76200">
+              <a:headEnd type="none" w="med" len="med"/>
+              <a:tailEnd type="none" w="med" len="med"/>
+            </a:ln>
+          </p:spPr>
+          <p:style>
+            <a:lnRef idx="3">
+              <a:schemeClr val="dk1"/>
+            </a:lnRef>
+            <a:fillRef idx="0">
+              <a:schemeClr val="dk1"/>
+            </a:fillRef>
+            <a:effectRef idx="2">
+              <a:schemeClr val="dk1"/>
+            </a:effectRef>
+            <a:fontRef idx="minor">
+              <a:schemeClr val="tx1"/>
+            </a:fontRef>
+          </p:style>
+        </p:cxnSp>
+        <p:cxnSp>
+          <p:nvCxnSpPr>
+            <p:cNvPr id="15" name="Straight Arrow Connector 14"/>
+            <p:cNvCxnSpPr/>
+            <p:nvPr/>
+          </p:nvCxnSpPr>
+          <p:spPr>
+            <a:xfrm>
+              <a:off x="7561657" y="1751654"/>
+              <a:ext cx="0" cy="9627546"/>
+            </a:xfrm>
+            <a:prstGeom prst="straightConnector1">
+              <a:avLst/>
+            </a:prstGeom>
+            <a:ln w="76200">
+              <a:headEnd type="none" w="med" len="med"/>
+              <a:tailEnd type="none" w="med" len="med"/>
+            </a:ln>
+          </p:spPr>
+          <p:style>
+            <a:lnRef idx="3">
+              <a:schemeClr val="dk1"/>
+            </a:lnRef>
+            <a:fillRef idx="0">
+              <a:schemeClr val="dk1"/>
+            </a:fillRef>
+            <a:effectRef idx="2">
+              <a:schemeClr val="dk1"/>
+            </a:effectRef>
+            <a:fontRef idx="minor">
+              <a:schemeClr val="tx1"/>
+            </a:fontRef>
+          </p:style>
+        </p:cxnSp>
       </p:grpSp>
+      <p:sp>
+        <p:nvSpPr>
+          <p:cNvPr id="87" name="TextBox 86"/>
+          <p:cNvSpPr txBox="1"/>
+          <p:nvPr/>
+        </p:nvSpPr>
+        <p:spPr>
+          <a:xfrm>
+            <a:off x="4480279" y="8725764"/>
+            <a:ext cx="3002287" cy="169277"/>
+          </a:xfrm>
+          <a:prstGeom prst="rect">
+            <a:avLst/>
+          </a:prstGeom>
+          <a:noFill/>
+        </p:spPr>
+        <p:txBody>
+          <a:bodyPr wrap="square" lIns="0" tIns="0" rIns="0" bIns="0" rtlCol="0">
+            <a:spAutoFit/>
+          </a:bodyPr>
+          <a:lstStyle/>
+          <a:p>
+            <a:pPr algn="ctr"/>
+            <a:r>
+              <a:rPr lang="da-DK" sz="1100" b="1" dirty="0" smtClean="0">
+                <a:solidFill>
+                  <a:schemeClr val="accent4"/>
+                </a:solidFill>
+              </a:rPr>
+              <a:t>Displays </a:t>
+            </a:r>
+            <a:r>
+              <a:rPr lang="da-DK" sz="1100" b="1" dirty="0" err="1" smtClean="0">
+                <a:solidFill>
+                  <a:schemeClr val="accent4"/>
+                </a:solidFill>
+              </a:rPr>
+              <a:t>payment</a:t>
+            </a:r>
+            <a:r>
+              <a:rPr lang="da-DK" sz="1100" b="1" dirty="0" smtClean="0">
+                <a:solidFill>
+                  <a:schemeClr val="accent4"/>
+                </a:solidFill>
+              </a:rPr>
+              <a:t> </a:t>
+            </a:r>
+            <a:r>
+              <a:rPr lang="da-DK" sz="1100" b="1" dirty="0" err="1" smtClean="0">
+                <a:solidFill>
+                  <a:schemeClr val="accent4"/>
+                </a:solidFill>
+              </a:rPr>
+              <a:t>completed</a:t>
+            </a:r>
+            <a:endParaRPr lang="en-GB" sz="1100" b="1" dirty="0">
+              <a:solidFill>
+                <a:schemeClr val="accent4"/>
+              </a:solidFill>
+            </a:endParaRPr>
+          </a:p>
+        </p:txBody>
+      </p:sp>
+      <p:sp>
+        <p:nvSpPr>
+          <p:cNvPr id="88" name="Arc 87"/>
+          <p:cNvSpPr/>
+          <p:nvPr/>
+        </p:nvSpPr>
+        <p:spPr>
+          <a:xfrm>
+            <a:off x="995520" y="9227447"/>
+            <a:ext cx="457238" cy="462999"/>
+          </a:xfrm>
+          <a:prstGeom prst="arc">
+            <a:avLst>
+              <a:gd name="adj1" fmla="val 16200000"/>
+              <a:gd name="adj2" fmla="val 5368770"/>
+            </a:avLst>
+          </a:prstGeom>
+          <a:ln w="28575">
+            <a:headEnd type="none" w="med" len="med"/>
+            <a:tailEnd type="triangle" w="med" len="med"/>
+          </a:ln>
+        </p:spPr>
+        <p:style>
+          <a:lnRef idx="3">
+            <a:schemeClr val="accent2"/>
+          </a:lnRef>
+          <a:fillRef idx="0">
+            <a:schemeClr val="accent2"/>
+          </a:fillRef>
+          <a:effectRef idx="2">
+            <a:schemeClr val="accent2"/>
+          </a:effectRef>
+          <a:fontRef idx="minor">
+            <a:schemeClr val="tx1"/>
+          </a:fontRef>
+        </p:style>
+        <p:txBody>
+          <a:bodyPr rtlCol="0" anchor="ctr"/>
+          <a:lstStyle/>
+          <a:p>
+            <a:pPr algn="ctr"/>
+            <a:endParaRPr lang="en-GB" dirty="0"/>
+          </a:p>
+        </p:txBody>
+      </p:sp>
+      <p:sp>
+        <p:nvSpPr>
+          <p:cNvPr id="89" name="TextBox 88"/>
+          <p:cNvSpPr txBox="1"/>
+          <p:nvPr/>
+        </p:nvSpPr>
+        <p:spPr>
+          <a:xfrm>
+            <a:off x="1519298" y="9374307"/>
+            <a:ext cx="2404191" cy="169277"/>
+          </a:xfrm>
+          <a:prstGeom prst="rect">
+            <a:avLst/>
+          </a:prstGeom>
+          <a:noFill/>
+        </p:spPr>
+        <p:txBody>
+          <a:bodyPr wrap="square" lIns="0" tIns="0" rIns="0" bIns="0" rtlCol="0">
+            <a:spAutoFit/>
+          </a:bodyPr>
+          <a:lstStyle/>
+          <a:p>
+            <a:r>
+              <a:rPr lang="da-DK" sz="1100" b="1" dirty="0" smtClean="0">
+                <a:solidFill>
+                  <a:schemeClr val="accent4"/>
+                </a:solidFill>
+              </a:rPr>
+              <a:t>Release </a:t>
+            </a:r>
+            <a:r>
+              <a:rPr lang="da-DK" sz="1100" b="1" dirty="0" err="1" smtClean="0">
+                <a:solidFill>
+                  <a:schemeClr val="accent4"/>
+                </a:solidFill>
+              </a:rPr>
+              <a:t>goods</a:t>
+            </a:r>
+            <a:r>
+              <a:rPr lang="da-DK" sz="1100" b="1" dirty="0" smtClean="0">
+                <a:solidFill>
+                  <a:schemeClr val="accent4"/>
+                </a:solidFill>
+              </a:rPr>
+              <a:t> to </a:t>
+            </a:r>
+            <a:r>
+              <a:rPr lang="da-DK" sz="1100" b="1" dirty="0" err="1" smtClean="0">
+                <a:solidFill>
+                  <a:schemeClr val="accent4"/>
+                </a:solidFill>
+              </a:rPr>
+              <a:t>costumer</a:t>
+            </a:r>
+            <a:endParaRPr lang="en-GB" sz="1100" b="1" dirty="0">
+              <a:solidFill>
+                <a:schemeClr val="accent4"/>
+              </a:solidFill>
+            </a:endParaRPr>
+          </a:p>
+        </p:txBody>
+      </p:sp>
     </p:spTree>
     <p:extLst>
       <p:ext uri="{BB962C8B-B14F-4D97-AF65-F5344CB8AC3E}">
@@ -31396,7 +31600,2246 @@
         <p:spPr>
           <a:xfrm>
             <a:off x="1053635" y="1751654"/>
-            <a:ext cx="23442" cy="9540000"/>
+            <a:ext cx="39343" cy="9630859"/>
+          </a:xfrm>
+          <a:prstGeom prst="straightConnector1">
+            <a:avLst/>
+          </a:prstGeom>
+          <a:ln w="76200">
+            <a:headEnd type="none" w="med" len="med"/>
+            <a:tailEnd type="none" w="med" len="med"/>
+          </a:ln>
+        </p:spPr>
+        <p:style>
+          <a:lnRef idx="3">
+            <a:schemeClr val="dk1"/>
+          </a:lnRef>
+          <a:fillRef idx="0">
+            <a:schemeClr val="dk1"/>
+          </a:fillRef>
+          <a:effectRef idx="2">
+            <a:schemeClr val="dk1"/>
+          </a:effectRef>
+          <a:fontRef idx="minor">
+            <a:schemeClr val="tx1"/>
+          </a:fontRef>
+        </p:style>
+      </p:cxnSp>
+      <p:cxnSp>
+        <p:nvCxnSpPr>
+          <p:cNvPr id="16" name="Straight Arrow Connector 15"/>
+          <p:cNvCxnSpPr/>
+          <p:nvPr/>
+        </p:nvCxnSpPr>
+        <p:spPr>
+          <a:xfrm>
+            <a:off x="10769285" y="1755611"/>
+            <a:ext cx="13262" cy="9626902"/>
+          </a:xfrm>
+          <a:prstGeom prst="straightConnector1">
+            <a:avLst/>
+          </a:prstGeom>
+          <a:ln w="76200">
+            <a:headEnd type="none" w="med" len="med"/>
+            <a:tailEnd type="none" w="med" len="med"/>
+          </a:ln>
+        </p:spPr>
+        <p:style>
+          <a:lnRef idx="3">
+            <a:schemeClr val="dk1"/>
+          </a:lnRef>
+          <a:fillRef idx="0">
+            <a:schemeClr val="dk1"/>
+          </a:fillRef>
+          <a:effectRef idx="2">
+            <a:schemeClr val="dk1"/>
+          </a:effectRef>
+          <a:fontRef idx="minor">
+            <a:schemeClr val="tx1"/>
+          </a:fontRef>
+        </p:style>
+      </p:cxnSp>
+      <p:cxnSp>
+        <p:nvCxnSpPr>
+          <p:cNvPr id="17" name="Straight Arrow Connector 16"/>
+          <p:cNvCxnSpPr/>
+          <p:nvPr/>
+        </p:nvCxnSpPr>
+        <p:spPr>
+          <a:xfrm>
+            <a:off x="7653406" y="4135326"/>
+            <a:ext cx="3024000" cy="430"/>
+          </a:xfrm>
+          <a:prstGeom prst="straightConnector1">
+            <a:avLst/>
+          </a:prstGeom>
+          <a:ln w="28575">
+            <a:headEnd type="triangle" w="med" len="med"/>
+            <a:tailEnd type="none" w="med" len="med"/>
+          </a:ln>
+        </p:spPr>
+        <p:style>
+          <a:lnRef idx="3">
+            <a:schemeClr val="accent2"/>
+          </a:lnRef>
+          <a:fillRef idx="0">
+            <a:schemeClr val="accent2"/>
+          </a:fillRef>
+          <a:effectRef idx="2">
+            <a:schemeClr val="accent2"/>
+          </a:effectRef>
+          <a:fontRef idx="minor">
+            <a:schemeClr val="tx1"/>
+          </a:fontRef>
+        </p:style>
+      </p:cxnSp>
+      <p:cxnSp>
+        <p:nvCxnSpPr>
+          <p:cNvPr id="21" name="Straight Arrow Connector 20"/>
+          <p:cNvCxnSpPr/>
+          <p:nvPr/>
+        </p:nvCxnSpPr>
+        <p:spPr>
+          <a:xfrm>
+            <a:off x="7654663" y="7311190"/>
+            <a:ext cx="3024000" cy="430"/>
+          </a:xfrm>
+          <a:prstGeom prst="straightConnector1">
+            <a:avLst/>
+          </a:prstGeom>
+          <a:ln w="28575">
+            <a:headEnd type="triangle" w="med" len="med"/>
+            <a:tailEnd type="none" w="med" len="med"/>
+          </a:ln>
+        </p:spPr>
+        <p:style>
+          <a:lnRef idx="3">
+            <a:schemeClr val="accent2"/>
+          </a:lnRef>
+          <a:fillRef idx="0">
+            <a:schemeClr val="accent2"/>
+          </a:fillRef>
+          <a:effectRef idx="2">
+            <a:schemeClr val="accent2"/>
+          </a:effectRef>
+          <a:fontRef idx="minor">
+            <a:schemeClr val="tx1"/>
+          </a:fontRef>
+        </p:style>
+      </p:cxnSp>
+      <p:cxnSp>
+        <p:nvCxnSpPr>
+          <p:cNvPr id="28" name="Straight Arrow Connector 27"/>
+          <p:cNvCxnSpPr/>
+          <p:nvPr/>
+        </p:nvCxnSpPr>
+        <p:spPr>
+          <a:xfrm flipV="1">
+            <a:off x="4432768" y="6021243"/>
+            <a:ext cx="3024000" cy="3688"/>
+          </a:xfrm>
+          <a:prstGeom prst="straightConnector1">
+            <a:avLst/>
+          </a:prstGeom>
+          <a:ln w="28575">
+            <a:headEnd type="none" w="med" len="med"/>
+            <a:tailEnd type="triangle" w="med" len="med"/>
+          </a:ln>
+        </p:spPr>
+        <p:style>
+          <a:lnRef idx="3">
+            <a:schemeClr val="accent2"/>
+          </a:lnRef>
+          <a:fillRef idx="0">
+            <a:schemeClr val="accent2"/>
+          </a:fillRef>
+          <a:effectRef idx="2">
+            <a:schemeClr val="accent2"/>
+          </a:effectRef>
+          <a:fontRef idx="minor">
+            <a:schemeClr val="tx1"/>
+          </a:fontRef>
+        </p:style>
+      </p:cxnSp>
+      <p:cxnSp>
+        <p:nvCxnSpPr>
+          <p:cNvPr id="29" name="Straight Arrow Connector 28"/>
+          <p:cNvCxnSpPr/>
+          <p:nvPr/>
+        </p:nvCxnSpPr>
+        <p:spPr>
+          <a:xfrm>
+            <a:off x="4431011" y="4280917"/>
+            <a:ext cx="3024000" cy="0"/>
+          </a:xfrm>
+          <a:prstGeom prst="straightConnector1">
+            <a:avLst/>
+          </a:prstGeom>
+          <a:ln w="28575">
+            <a:headEnd type="triangle" w="med" len="med"/>
+            <a:tailEnd type="none" w="med" len="med"/>
+          </a:ln>
+        </p:spPr>
+        <p:style>
+          <a:lnRef idx="3">
+            <a:schemeClr val="accent2"/>
+          </a:lnRef>
+          <a:fillRef idx="0">
+            <a:schemeClr val="accent2"/>
+          </a:fillRef>
+          <a:effectRef idx="2">
+            <a:schemeClr val="accent2"/>
+          </a:effectRef>
+          <a:fontRef idx="minor">
+            <a:schemeClr val="tx1"/>
+          </a:fontRef>
+        </p:style>
+      </p:cxnSp>
+      <p:cxnSp>
+        <p:nvCxnSpPr>
+          <p:cNvPr id="32" name="Straight Arrow Connector 31"/>
+          <p:cNvCxnSpPr/>
+          <p:nvPr/>
+        </p:nvCxnSpPr>
+        <p:spPr>
+          <a:xfrm>
+            <a:off x="4435127" y="4449793"/>
+            <a:ext cx="3024000" cy="0"/>
+          </a:xfrm>
+          <a:prstGeom prst="straightConnector1">
+            <a:avLst/>
+          </a:prstGeom>
+          <a:ln w="28575">
+            <a:prstDash val="sysDash"/>
+            <a:headEnd type="none" w="med" len="med"/>
+            <a:tailEnd type="triangle" w="med" len="med"/>
+          </a:ln>
+        </p:spPr>
+        <p:style>
+          <a:lnRef idx="3">
+            <a:schemeClr val="accent2"/>
+          </a:lnRef>
+          <a:fillRef idx="0">
+            <a:schemeClr val="accent2"/>
+          </a:fillRef>
+          <a:effectRef idx="2">
+            <a:schemeClr val="accent2"/>
+          </a:effectRef>
+          <a:fontRef idx="minor">
+            <a:schemeClr val="tx1"/>
+          </a:fontRef>
+        </p:style>
+      </p:cxnSp>
+      <p:cxnSp>
+        <p:nvCxnSpPr>
+          <p:cNvPr id="34" name="Straight Arrow Connector 33"/>
+          <p:cNvCxnSpPr/>
+          <p:nvPr/>
+        </p:nvCxnSpPr>
+        <p:spPr>
+          <a:xfrm>
+            <a:off x="1189131" y="2349254"/>
+            <a:ext cx="3016482" cy="0"/>
+          </a:xfrm>
+          <a:prstGeom prst="straightConnector1">
+            <a:avLst/>
+          </a:prstGeom>
+          <a:ln w="28575">
+            <a:prstDash val="sysDash"/>
+            <a:headEnd type="triangle" w="med" len="med"/>
+            <a:tailEnd type="none" w="med" len="med"/>
+          </a:ln>
+        </p:spPr>
+        <p:style>
+          <a:lnRef idx="3">
+            <a:schemeClr val="accent2"/>
+          </a:lnRef>
+          <a:fillRef idx="0">
+            <a:schemeClr val="accent2"/>
+          </a:fillRef>
+          <a:effectRef idx="2">
+            <a:schemeClr val="accent2"/>
+          </a:effectRef>
+          <a:fontRef idx="minor">
+            <a:schemeClr val="tx1"/>
+          </a:fontRef>
+        </p:style>
+      </p:cxnSp>
+      <p:cxnSp>
+        <p:nvCxnSpPr>
+          <p:cNvPr id="35" name="Straight Arrow Connector 34"/>
+          <p:cNvCxnSpPr/>
+          <p:nvPr/>
+        </p:nvCxnSpPr>
+        <p:spPr>
+          <a:xfrm>
+            <a:off x="1197369" y="2139189"/>
+            <a:ext cx="3016482" cy="0"/>
+          </a:xfrm>
+          <a:prstGeom prst="straightConnector1">
+            <a:avLst/>
+          </a:prstGeom>
+          <a:ln w="28575">
+            <a:headEnd type="none" w="med" len="med"/>
+            <a:tailEnd type="triangle" w="med" len="med"/>
+          </a:ln>
+        </p:spPr>
+        <p:style>
+          <a:lnRef idx="3">
+            <a:schemeClr val="accent2"/>
+          </a:lnRef>
+          <a:fillRef idx="0">
+            <a:schemeClr val="accent2"/>
+          </a:fillRef>
+          <a:effectRef idx="2">
+            <a:schemeClr val="accent2"/>
+          </a:effectRef>
+          <a:fontRef idx="minor">
+            <a:schemeClr val="tx1"/>
+          </a:fontRef>
+        </p:style>
+      </p:cxnSp>
+      <p:cxnSp>
+        <p:nvCxnSpPr>
+          <p:cNvPr id="36" name="Straight Arrow Connector 35"/>
+          <p:cNvCxnSpPr/>
+          <p:nvPr/>
+        </p:nvCxnSpPr>
+        <p:spPr>
+          <a:xfrm>
+            <a:off x="1180893" y="3475648"/>
+            <a:ext cx="3016482" cy="0"/>
+          </a:xfrm>
+          <a:prstGeom prst="straightConnector1">
+            <a:avLst/>
+          </a:prstGeom>
+          <a:ln w="28575">
+            <a:prstDash val="sysDash"/>
+            <a:headEnd type="triangle" w="med" len="med"/>
+            <a:tailEnd type="none" w="med" len="med"/>
+          </a:ln>
+        </p:spPr>
+        <p:style>
+          <a:lnRef idx="3">
+            <a:schemeClr val="accent2"/>
+          </a:lnRef>
+          <a:fillRef idx="0">
+            <a:schemeClr val="accent2"/>
+          </a:fillRef>
+          <a:effectRef idx="2">
+            <a:schemeClr val="accent2"/>
+          </a:effectRef>
+          <a:fontRef idx="minor">
+            <a:schemeClr val="tx1"/>
+          </a:fontRef>
+        </p:style>
+      </p:cxnSp>
+      <p:cxnSp>
+        <p:nvCxnSpPr>
+          <p:cNvPr id="37" name="Straight Arrow Connector 36"/>
+          <p:cNvCxnSpPr/>
+          <p:nvPr/>
+        </p:nvCxnSpPr>
+        <p:spPr>
+          <a:xfrm>
+            <a:off x="1197369" y="3265583"/>
+            <a:ext cx="3016482" cy="0"/>
+          </a:xfrm>
+          <a:prstGeom prst="straightConnector1">
+            <a:avLst/>
+          </a:prstGeom>
+          <a:ln w="28575">
+            <a:headEnd type="none" w="med" len="med"/>
+            <a:tailEnd type="triangle" w="med" len="med"/>
+          </a:ln>
+        </p:spPr>
+        <p:style>
+          <a:lnRef idx="3">
+            <a:schemeClr val="accent2"/>
+          </a:lnRef>
+          <a:fillRef idx="0">
+            <a:schemeClr val="accent2"/>
+          </a:fillRef>
+          <a:effectRef idx="2">
+            <a:schemeClr val="accent2"/>
+          </a:effectRef>
+          <a:fontRef idx="minor">
+            <a:schemeClr val="tx1"/>
+          </a:fontRef>
+        </p:style>
+      </p:cxnSp>
+      <p:cxnSp>
+        <p:nvCxnSpPr>
+          <p:cNvPr id="40" name="Straight Arrow Connector 39"/>
+          <p:cNvCxnSpPr/>
+          <p:nvPr/>
+        </p:nvCxnSpPr>
+        <p:spPr>
+          <a:xfrm>
+            <a:off x="1172655" y="8994348"/>
+            <a:ext cx="3016482" cy="0"/>
+          </a:xfrm>
+          <a:prstGeom prst="straightConnector1">
+            <a:avLst/>
+          </a:prstGeom>
+          <a:ln w="28575">
+            <a:prstDash val="sysDash"/>
+            <a:headEnd type="triangle" w="med" len="med"/>
+            <a:tailEnd type="none" w="med" len="med"/>
+          </a:ln>
+        </p:spPr>
+        <p:style>
+          <a:lnRef idx="3">
+            <a:schemeClr val="accent2"/>
+          </a:lnRef>
+          <a:fillRef idx="0">
+            <a:schemeClr val="accent2"/>
+          </a:fillRef>
+          <a:effectRef idx="2">
+            <a:schemeClr val="accent2"/>
+          </a:effectRef>
+          <a:fontRef idx="minor">
+            <a:schemeClr val="tx1"/>
+          </a:fontRef>
+        </p:style>
+      </p:cxnSp>
+      <p:cxnSp>
+        <p:nvCxnSpPr>
+          <p:cNvPr id="41" name="Straight Arrow Connector 40"/>
+          <p:cNvCxnSpPr/>
+          <p:nvPr/>
+        </p:nvCxnSpPr>
+        <p:spPr>
+          <a:xfrm>
+            <a:off x="1189131" y="8784283"/>
+            <a:ext cx="3016482" cy="0"/>
+          </a:xfrm>
+          <a:prstGeom prst="straightConnector1">
+            <a:avLst/>
+          </a:prstGeom>
+          <a:ln w="28575">
+            <a:headEnd type="none" w="med" len="med"/>
+            <a:tailEnd type="triangle" w="med" len="med"/>
+          </a:ln>
+        </p:spPr>
+        <p:style>
+          <a:lnRef idx="3">
+            <a:schemeClr val="accent2"/>
+          </a:lnRef>
+          <a:fillRef idx="0">
+            <a:schemeClr val="accent2"/>
+          </a:fillRef>
+          <a:effectRef idx="2">
+            <a:schemeClr val="accent2"/>
+          </a:effectRef>
+          <a:fontRef idx="minor">
+            <a:schemeClr val="tx1"/>
+          </a:fontRef>
+        </p:style>
+      </p:cxnSp>
+      <p:cxnSp>
+        <p:nvCxnSpPr>
+          <p:cNvPr id="43" name="Straight Arrow Connector 42"/>
+          <p:cNvCxnSpPr/>
+          <p:nvPr/>
+        </p:nvCxnSpPr>
+        <p:spPr>
+          <a:xfrm>
+            <a:off x="4431011" y="7657953"/>
+            <a:ext cx="3024000" cy="0"/>
+          </a:xfrm>
+          <a:prstGeom prst="straightConnector1">
+            <a:avLst/>
+          </a:prstGeom>
+          <a:ln w="28575">
+            <a:headEnd type="triangle" w="med" len="med"/>
+            <a:tailEnd type="none" w="med" len="med"/>
+          </a:ln>
+        </p:spPr>
+        <p:style>
+          <a:lnRef idx="3">
+            <a:schemeClr val="accent2"/>
+          </a:lnRef>
+          <a:fillRef idx="0">
+            <a:schemeClr val="accent2"/>
+          </a:fillRef>
+          <a:effectRef idx="2">
+            <a:schemeClr val="accent2"/>
+          </a:effectRef>
+          <a:fontRef idx="minor">
+            <a:schemeClr val="tx1"/>
+          </a:fontRef>
+        </p:style>
+      </p:cxnSp>
+      <p:sp>
+        <p:nvSpPr>
+          <p:cNvPr id="66" name="Arc 65"/>
+          <p:cNvSpPr/>
+          <p:nvPr/>
+        </p:nvSpPr>
+        <p:spPr>
+          <a:xfrm>
+            <a:off x="4222313" y="7866973"/>
+            <a:ext cx="457238" cy="462999"/>
+          </a:xfrm>
+          <a:prstGeom prst="arc">
+            <a:avLst>
+              <a:gd name="adj1" fmla="val 16200000"/>
+              <a:gd name="adj2" fmla="val 5368770"/>
+            </a:avLst>
+          </a:prstGeom>
+          <a:ln w="28575">
+            <a:headEnd type="none" w="med" len="med"/>
+            <a:tailEnd type="triangle" w="med" len="med"/>
+          </a:ln>
+        </p:spPr>
+        <p:style>
+          <a:lnRef idx="3">
+            <a:schemeClr val="accent2"/>
+          </a:lnRef>
+          <a:fillRef idx="0">
+            <a:schemeClr val="accent2"/>
+          </a:fillRef>
+          <a:effectRef idx="2">
+            <a:schemeClr val="accent2"/>
+          </a:effectRef>
+          <a:fontRef idx="minor">
+            <a:schemeClr val="tx1"/>
+          </a:fontRef>
+        </p:style>
+        <p:txBody>
+          <a:bodyPr rtlCol="0" anchor="ctr"/>
+          <a:lstStyle/>
+          <a:p>
+            <a:pPr algn="ctr"/>
+            <a:endParaRPr lang="en-GB" dirty="0"/>
+          </a:p>
+        </p:txBody>
+      </p:sp>
+      <p:cxnSp>
+        <p:nvCxnSpPr>
+          <p:cNvPr id="67" name="Straight Arrow Connector 66"/>
+          <p:cNvCxnSpPr/>
+          <p:nvPr/>
+        </p:nvCxnSpPr>
+        <p:spPr>
+          <a:xfrm flipV="1">
+            <a:off x="4435410" y="8560448"/>
+            <a:ext cx="3024000" cy="3688"/>
+          </a:xfrm>
+          <a:prstGeom prst="straightConnector1">
+            <a:avLst/>
+          </a:prstGeom>
+          <a:ln w="28575">
+            <a:headEnd type="none" w="med" len="med"/>
+            <a:tailEnd type="triangle" w="med" len="med"/>
+          </a:ln>
+        </p:spPr>
+        <p:style>
+          <a:lnRef idx="3">
+            <a:schemeClr val="accent2"/>
+          </a:lnRef>
+          <a:fillRef idx="0">
+            <a:schemeClr val="accent2"/>
+          </a:fillRef>
+          <a:effectRef idx="2">
+            <a:schemeClr val="accent2"/>
+          </a:effectRef>
+          <a:fontRef idx="minor">
+            <a:schemeClr val="tx1"/>
+          </a:fontRef>
+        </p:style>
+      </p:cxnSp>
+      <p:sp>
+        <p:nvSpPr>
+          <p:cNvPr id="68" name="TextBox 67"/>
+          <p:cNvSpPr txBox="1"/>
+          <p:nvPr/>
+        </p:nvSpPr>
+        <p:spPr>
+          <a:xfrm>
+            <a:off x="4354031" y="4081415"/>
+            <a:ext cx="3179240" cy="169277"/>
+          </a:xfrm>
+          <a:prstGeom prst="rect">
+            <a:avLst/>
+          </a:prstGeom>
+          <a:noFill/>
+        </p:spPr>
+        <p:txBody>
+          <a:bodyPr wrap="square" lIns="0" tIns="0" rIns="0" bIns="0" rtlCol="0">
+            <a:spAutoFit/>
+          </a:bodyPr>
+          <a:lstStyle/>
+          <a:p>
+            <a:pPr algn="ctr"/>
+            <a:r>
+              <a:rPr lang="da-DK" sz="1100" b="1" dirty="0">
+                <a:solidFill>
+                  <a:schemeClr val="accent4"/>
+                </a:solidFill>
+              </a:rPr>
+              <a:t>Check-in</a:t>
+            </a:r>
+            <a:endParaRPr lang="en-GB" sz="1100" b="1" dirty="0">
+              <a:solidFill>
+                <a:schemeClr val="accent4"/>
+              </a:solidFill>
+            </a:endParaRPr>
+          </a:p>
+        </p:txBody>
+      </p:sp>
+      <p:sp>
+        <p:nvSpPr>
+          <p:cNvPr id="69" name="TextBox 68"/>
+          <p:cNvSpPr txBox="1"/>
+          <p:nvPr/>
+        </p:nvSpPr>
+        <p:spPr>
+          <a:xfrm>
+            <a:off x="7615656" y="3935157"/>
+            <a:ext cx="3125243" cy="169277"/>
+          </a:xfrm>
+          <a:prstGeom prst="rect">
+            <a:avLst/>
+          </a:prstGeom>
+          <a:noFill/>
+        </p:spPr>
+        <p:txBody>
+          <a:bodyPr wrap="square" lIns="0" tIns="0" rIns="0" bIns="0" rtlCol="0">
+            <a:spAutoFit/>
+          </a:bodyPr>
+          <a:lstStyle/>
+          <a:p>
+            <a:pPr algn="ctr"/>
+            <a:r>
+              <a:rPr lang="da-DK" sz="1100" b="1" dirty="0">
+                <a:solidFill>
+                  <a:schemeClr val="accent4"/>
+                </a:solidFill>
+              </a:rPr>
+              <a:t>Connect (</a:t>
+            </a:r>
+            <a:r>
+              <a:rPr lang="da-DK" sz="1100" b="1" dirty="0" err="1">
+                <a:solidFill>
+                  <a:schemeClr val="accent4"/>
+                </a:solidFill>
+              </a:rPr>
+              <a:t>QR</a:t>
+            </a:r>
+            <a:r>
+              <a:rPr lang="da-DK" sz="1100" b="1" dirty="0">
+                <a:solidFill>
+                  <a:schemeClr val="accent4"/>
+                </a:solidFill>
+              </a:rPr>
+              <a:t> or Bluetooth)</a:t>
+            </a:r>
+            <a:endParaRPr lang="en-GB" sz="1100" b="1" dirty="0">
+              <a:solidFill>
+                <a:schemeClr val="accent4"/>
+              </a:solidFill>
+            </a:endParaRPr>
+          </a:p>
+        </p:txBody>
+      </p:sp>
+      <p:sp>
+        <p:nvSpPr>
+          <p:cNvPr id="70" name="TextBox 69"/>
+          <p:cNvSpPr txBox="1"/>
+          <p:nvPr/>
+        </p:nvSpPr>
+        <p:spPr>
+          <a:xfrm>
+            <a:off x="4321377" y="4479306"/>
+            <a:ext cx="3240280" cy="169277"/>
+          </a:xfrm>
+          <a:prstGeom prst="rect">
+            <a:avLst/>
+          </a:prstGeom>
+          <a:noFill/>
+        </p:spPr>
+        <p:txBody>
+          <a:bodyPr wrap="square" lIns="0" tIns="0" rIns="0" bIns="0" rtlCol="0">
+            <a:spAutoFit/>
+          </a:bodyPr>
+          <a:lstStyle/>
+          <a:p>
+            <a:pPr algn="ctr"/>
+            <a:r>
+              <a:rPr lang="da-DK" sz="1100" b="1" dirty="0">
+                <a:solidFill>
+                  <a:schemeClr val="accent4"/>
+                </a:solidFill>
+              </a:rPr>
+              <a:t>Store information</a:t>
+            </a:r>
+            <a:endParaRPr lang="en-GB" sz="1100" b="1" dirty="0">
+              <a:solidFill>
+                <a:schemeClr val="accent4"/>
+              </a:solidFill>
+            </a:endParaRPr>
+          </a:p>
+        </p:txBody>
+      </p:sp>
+      <p:sp>
+        <p:nvSpPr>
+          <p:cNvPr id="71" name="TextBox 70"/>
+          <p:cNvSpPr txBox="1"/>
+          <p:nvPr/>
+        </p:nvSpPr>
+        <p:spPr>
+          <a:xfrm>
+            <a:off x="1077083" y="1937746"/>
+            <a:ext cx="3248562" cy="169277"/>
+          </a:xfrm>
+          <a:prstGeom prst="rect">
+            <a:avLst/>
+          </a:prstGeom>
+          <a:noFill/>
+        </p:spPr>
+        <p:txBody>
+          <a:bodyPr wrap="square" lIns="0" tIns="0" rIns="0" bIns="0" rtlCol="0">
+            <a:spAutoFit/>
+          </a:bodyPr>
+          <a:lstStyle/>
+          <a:p>
+            <a:pPr algn="ctr"/>
+            <a:r>
+              <a:rPr lang="da-DK" sz="1100" b="1" dirty="0">
+                <a:solidFill>
+                  <a:schemeClr val="accent4"/>
+                </a:solidFill>
+              </a:rPr>
+              <a:t>POST /</a:t>
+            </a:r>
+            <a:r>
+              <a:rPr lang="da-DK" sz="1100" b="1" dirty="0" err="1">
+                <a:solidFill>
+                  <a:schemeClr val="accent4"/>
+                </a:solidFill>
+              </a:rPr>
+              <a:t>payments</a:t>
+            </a:r>
+            <a:r>
+              <a:rPr lang="da-DK" sz="1100" b="1" dirty="0">
+                <a:solidFill>
+                  <a:schemeClr val="accent4"/>
+                </a:solidFill>
+              </a:rPr>
+              <a:t>/</a:t>
+            </a:r>
+            <a:r>
+              <a:rPr lang="da-DK" sz="1100" b="1" dirty="0" err="1">
+                <a:solidFill>
+                  <a:schemeClr val="accent4"/>
+                </a:solidFill>
+              </a:rPr>
+              <a:t>prepare</a:t>
+            </a:r>
+            <a:endParaRPr lang="en-GB" sz="1100" b="1" dirty="0">
+              <a:solidFill>
+                <a:schemeClr val="accent4"/>
+              </a:solidFill>
+            </a:endParaRPr>
+          </a:p>
+        </p:txBody>
+      </p:sp>
+      <p:sp>
+        <p:nvSpPr>
+          <p:cNvPr id="72" name="TextBox 71"/>
+          <p:cNvSpPr txBox="1"/>
+          <p:nvPr/>
+        </p:nvSpPr>
+        <p:spPr>
+          <a:xfrm>
+            <a:off x="1077084" y="2378132"/>
+            <a:ext cx="3252828" cy="169277"/>
+          </a:xfrm>
+          <a:prstGeom prst="rect">
+            <a:avLst/>
+          </a:prstGeom>
+          <a:noFill/>
+        </p:spPr>
+        <p:txBody>
+          <a:bodyPr wrap="square" lIns="0" tIns="0" rIns="0" bIns="0" rtlCol="0">
+            <a:spAutoFit/>
+          </a:bodyPr>
+          <a:lstStyle/>
+          <a:p>
+            <a:pPr algn="ctr"/>
+            <a:r>
+              <a:rPr lang="da-DK" sz="1100" b="1" dirty="0">
+                <a:solidFill>
+                  <a:schemeClr val="accent4"/>
+                </a:solidFill>
+              </a:rPr>
+              <a:t>Payment ID</a:t>
+            </a:r>
+            <a:endParaRPr lang="en-GB" sz="1100" b="1" dirty="0">
+              <a:solidFill>
+                <a:schemeClr val="accent4"/>
+              </a:solidFill>
+            </a:endParaRPr>
+          </a:p>
+        </p:txBody>
+      </p:sp>
+      <p:sp>
+        <p:nvSpPr>
+          <p:cNvPr id="73" name="TextBox 72"/>
+          <p:cNvSpPr txBox="1"/>
+          <p:nvPr/>
+        </p:nvSpPr>
+        <p:spPr>
+          <a:xfrm>
+            <a:off x="1077083" y="3054163"/>
+            <a:ext cx="3244294" cy="169277"/>
+          </a:xfrm>
+          <a:prstGeom prst="rect">
+            <a:avLst/>
+          </a:prstGeom>
+          <a:noFill/>
+        </p:spPr>
+        <p:txBody>
+          <a:bodyPr wrap="square" lIns="0" tIns="0" rIns="0" bIns="0" rtlCol="0">
+            <a:spAutoFit/>
+          </a:bodyPr>
+          <a:lstStyle/>
+          <a:p>
+            <a:pPr algn="ctr"/>
+            <a:r>
+              <a:rPr lang="da-DK" sz="1100" b="1" dirty="0">
+                <a:solidFill>
+                  <a:schemeClr val="accent4"/>
+                </a:solidFill>
+              </a:rPr>
+              <a:t>GET /</a:t>
+            </a:r>
+            <a:r>
+              <a:rPr lang="da-DK" sz="1100" b="1" dirty="0" err="1">
+                <a:solidFill>
+                  <a:schemeClr val="accent4"/>
+                </a:solidFill>
+              </a:rPr>
+              <a:t>payments</a:t>
+            </a:r>
+            <a:r>
+              <a:rPr lang="da-DK" sz="1100" b="1" dirty="0">
+                <a:solidFill>
+                  <a:schemeClr val="accent4"/>
+                </a:solidFill>
+              </a:rPr>
+              <a:t>/{paymentId}</a:t>
+            </a:r>
+            <a:endParaRPr lang="en-GB" sz="1100" b="1" dirty="0">
+              <a:solidFill>
+                <a:schemeClr val="accent4"/>
+              </a:solidFill>
+            </a:endParaRPr>
+          </a:p>
+        </p:txBody>
+      </p:sp>
+      <p:sp>
+        <p:nvSpPr>
+          <p:cNvPr id="74" name="TextBox 73"/>
+          <p:cNvSpPr txBox="1"/>
+          <p:nvPr/>
+        </p:nvSpPr>
+        <p:spPr>
+          <a:xfrm>
+            <a:off x="1081353" y="3506046"/>
+            <a:ext cx="3240025" cy="169277"/>
+          </a:xfrm>
+          <a:prstGeom prst="rect">
+            <a:avLst/>
+          </a:prstGeom>
+          <a:noFill/>
+        </p:spPr>
+        <p:txBody>
+          <a:bodyPr wrap="square" lIns="0" tIns="0" rIns="0" bIns="0" rtlCol="0">
+            <a:spAutoFit/>
+          </a:bodyPr>
+          <a:lstStyle/>
+          <a:p>
+            <a:pPr algn="ctr"/>
+            <a:r>
+              <a:rPr lang="da-DK" sz="1100" b="1" dirty="0">
+                <a:solidFill>
+                  <a:schemeClr val="accent4"/>
+                </a:solidFill>
+              </a:rPr>
+              <a:t>Payment, status = </a:t>
+            </a:r>
+            <a:r>
+              <a:rPr lang="da-DK" sz="1100" b="1" dirty="0" err="1">
+                <a:solidFill>
+                  <a:schemeClr val="accent4"/>
+                </a:solidFill>
+              </a:rPr>
+              <a:t>Prepared</a:t>
+            </a:r>
+            <a:endParaRPr lang="en-GB" sz="1100" b="1" dirty="0">
+              <a:solidFill>
+                <a:schemeClr val="accent4"/>
+              </a:solidFill>
+            </a:endParaRPr>
+          </a:p>
+        </p:txBody>
+      </p:sp>
+      <p:sp>
+        <p:nvSpPr>
+          <p:cNvPr id="75" name="TextBox 74"/>
+          <p:cNvSpPr txBox="1"/>
+          <p:nvPr/>
+        </p:nvSpPr>
+        <p:spPr>
+          <a:xfrm>
+            <a:off x="4452144" y="5796393"/>
+            <a:ext cx="3002287" cy="169277"/>
+          </a:xfrm>
+          <a:prstGeom prst="rect">
+            <a:avLst/>
+          </a:prstGeom>
+          <a:noFill/>
+        </p:spPr>
+        <p:txBody>
+          <a:bodyPr wrap="square" lIns="0" tIns="0" rIns="0" bIns="0" rtlCol="0">
+            <a:spAutoFit/>
+          </a:bodyPr>
+          <a:lstStyle/>
+          <a:p>
+            <a:pPr algn="ctr"/>
+            <a:r>
+              <a:rPr lang="da-DK" sz="1100" b="1" dirty="0">
+                <a:solidFill>
+                  <a:schemeClr val="accent4"/>
+                </a:solidFill>
+              </a:rPr>
+              <a:t>Payment request</a:t>
+            </a:r>
+            <a:endParaRPr lang="en-GB" sz="1100" b="1" dirty="0">
+              <a:solidFill>
+                <a:schemeClr val="accent4"/>
+              </a:solidFill>
+            </a:endParaRPr>
+          </a:p>
+        </p:txBody>
+      </p:sp>
+      <p:sp>
+        <p:nvSpPr>
+          <p:cNvPr id="76" name="TextBox 75"/>
+          <p:cNvSpPr txBox="1"/>
+          <p:nvPr/>
+        </p:nvSpPr>
+        <p:spPr>
+          <a:xfrm>
+            <a:off x="7674794" y="7100869"/>
+            <a:ext cx="3002287" cy="169277"/>
+          </a:xfrm>
+          <a:prstGeom prst="rect">
+            <a:avLst/>
+          </a:prstGeom>
+          <a:noFill/>
+        </p:spPr>
+        <p:txBody>
+          <a:bodyPr wrap="square" lIns="0" tIns="0" rIns="0" bIns="0" rtlCol="0">
+            <a:spAutoFit/>
+          </a:bodyPr>
+          <a:lstStyle/>
+          <a:p>
+            <a:pPr algn="ctr"/>
+            <a:r>
+              <a:rPr lang="da-DK" sz="1100" b="1" dirty="0" err="1">
+                <a:solidFill>
+                  <a:schemeClr val="accent4"/>
+                </a:solidFill>
+              </a:rPr>
+              <a:t>Swipe</a:t>
+            </a:r>
+            <a:r>
+              <a:rPr lang="da-DK" sz="1100" b="1" dirty="0">
+                <a:solidFill>
+                  <a:schemeClr val="accent4"/>
+                </a:solidFill>
+              </a:rPr>
+              <a:t> to accept payment</a:t>
+            </a:r>
+            <a:endParaRPr lang="en-GB" sz="1100" b="1" dirty="0">
+              <a:solidFill>
+                <a:schemeClr val="accent4"/>
+              </a:solidFill>
+            </a:endParaRPr>
+          </a:p>
+        </p:txBody>
+      </p:sp>
+      <p:sp>
+        <p:nvSpPr>
+          <p:cNvPr id="77" name="TextBox 76"/>
+          <p:cNvSpPr txBox="1"/>
+          <p:nvPr/>
+        </p:nvSpPr>
+        <p:spPr>
+          <a:xfrm>
+            <a:off x="4405855" y="7449878"/>
+            <a:ext cx="3002287" cy="169277"/>
+          </a:xfrm>
+          <a:prstGeom prst="rect">
+            <a:avLst/>
+          </a:prstGeom>
+          <a:noFill/>
+        </p:spPr>
+        <p:txBody>
+          <a:bodyPr wrap="square" lIns="0" tIns="0" rIns="0" bIns="0" rtlCol="0">
+            <a:spAutoFit/>
+          </a:bodyPr>
+          <a:lstStyle/>
+          <a:p>
+            <a:pPr algn="ctr"/>
+            <a:r>
+              <a:rPr lang="da-DK" sz="1100" b="1" dirty="0">
+                <a:solidFill>
+                  <a:schemeClr val="accent4"/>
+                </a:solidFill>
+              </a:rPr>
+              <a:t>Accept payment request</a:t>
+            </a:r>
+            <a:endParaRPr lang="en-GB" sz="1100" b="1" dirty="0">
+              <a:solidFill>
+                <a:schemeClr val="accent4"/>
+              </a:solidFill>
+            </a:endParaRPr>
+          </a:p>
+        </p:txBody>
+      </p:sp>
+      <p:sp>
+        <p:nvSpPr>
+          <p:cNvPr id="79" name="TextBox 78"/>
+          <p:cNvSpPr txBox="1"/>
+          <p:nvPr/>
+        </p:nvSpPr>
+        <p:spPr>
+          <a:xfrm>
+            <a:off x="4746092" y="8056168"/>
+            <a:ext cx="2404191" cy="169277"/>
+          </a:xfrm>
+          <a:prstGeom prst="rect">
+            <a:avLst/>
+          </a:prstGeom>
+          <a:noFill/>
+        </p:spPr>
+        <p:txBody>
+          <a:bodyPr wrap="square" lIns="0" tIns="0" rIns="0" bIns="0" rtlCol="0">
+            <a:spAutoFit/>
+          </a:bodyPr>
+          <a:lstStyle/>
+          <a:p>
+            <a:r>
+              <a:rPr lang="da-DK" sz="1100" b="1" dirty="0">
+                <a:solidFill>
+                  <a:schemeClr val="accent4"/>
+                </a:solidFill>
+              </a:rPr>
+              <a:t>Reserve Payment</a:t>
+            </a:r>
+            <a:endParaRPr lang="en-GB" sz="1100" b="1" dirty="0">
+              <a:solidFill>
+                <a:schemeClr val="accent4"/>
+              </a:solidFill>
+            </a:endParaRPr>
+          </a:p>
+        </p:txBody>
+      </p:sp>
+      <p:sp>
+        <p:nvSpPr>
+          <p:cNvPr id="80" name="TextBox 79"/>
+          <p:cNvSpPr txBox="1"/>
+          <p:nvPr/>
+        </p:nvSpPr>
+        <p:spPr>
+          <a:xfrm>
+            <a:off x="4444651" y="8591038"/>
+            <a:ext cx="3002287" cy="169277"/>
+          </a:xfrm>
+          <a:prstGeom prst="rect">
+            <a:avLst/>
+          </a:prstGeom>
+          <a:noFill/>
+        </p:spPr>
+        <p:txBody>
+          <a:bodyPr wrap="square" lIns="0" tIns="0" rIns="0" bIns="0" rtlCol="0">
+            <a:spAutoFit/>
+          </a:bodyPr>
+          <a:lstStyle/>
+          <a:p>
+            <a:pPr algn="ctr"/>
+            <a:r>
+              <a:rPr lang="da-DK" sz="1100" b="1" dirty="0">
+                <a:solidFill>
+                  <a:schemeClr val="accent4"/>
+                </a:solidFill>
+              </a:rPr>
+              <a:t>App receipt</a:t>
+            </a:r>
+            <a:endParaRPr lang="en-GB" sz="1100" b="1" dirty="0">
+              <a:solidFill>
+                <a:schemeClr val="accent4"/>
+              </a:solidFill>
+            </a:endParaRPr>
+          </a:p>
+        </p:txBody>
+      </p:sp>
+      <p:sp>
+        <p:nvSpPr>
+          <p:cNvPr id="82" name="TextBox 81"/>
+          <p:cNvSpPr txBox="1"/>
+          <p:nvPr/>
+        </p:nvSpPr>
+        <p:spPr>
+          <a:xfrm>
+            <a:off x="1178838" y="8577955"/>
+            <a:ext cx="3002287" cy="169277"/>
+          </a:xfrm>
+          <a:prstGeom prst="rect">
+            <a:avLst/>
+          </a:prstGeom>
+          <a:noFill/>
+        </p:spPr>
+        <p:txBody>
+          <a:bodyPr wrap="square" lIns="0" tIns="0" rIns="0" bIns="0" rtlCol="0">
+            <a:spAutoFit/>
+          </a:bodyPr>
+          <a:lstStyle/>
+          <a:p>
+            <a:pPr algn="ctr"/>
+            <a:r>
+              <a:rPr lang="da-DK" sz="1100" b="1" dirty="0">
+                <a:solidFill>
+                  <a:schemeClr val="accent4"/>
+                </a:solidFill>
+              </a:rPr>
+              <a:t>GET /</a:t>
+            </a:r>
+            <a:r>
+              <a:rPr lang="da-DK" sz="1100" b="1" dirty="0" err="1">
+                <a:solidFill>
+                  <a:schemeClr val="accent4"/>
+                </a:solidFill>
+              </a:rPr>
+              <a:t>payments</a:t>
+            </a:r>
+            <a:r>
+              <a:rPr lang="da-DK" sz="1100" b="1" dirty="0">
+                <a:solidFill>
+                  <a:schemeClr val="accent4"/>
+                </a:solidFill>
+              </a:rPr>
+              <a:t>/{paymentId}</a:t>
+            </a:r>
+            <a:endParaRPr lang="en-GB" sz="1100" b="1" dirty="0">
+              <a:solidFill>
+                <a:schemeClr val="accent4"/>
+              </a:solidFill>
+            </a:endParaRPr>
+          </a:p>
+        </p:txBody>
+      </p:sp>
+      <p:sp>
+        <p:nvSpPr>
+          <p:cNvPr id="84" name="TextBox 83"/>
+          <p:cNvSpPr txBox="1"/>
+          <p:nvPr/>
+        </p:nvSpPr>
+        <p:spPr>
+          <a:xfrm>
+            <a:off x="1197867" y="9030614"/>
+            <a:ext cx="3002287" cy="169277"/>
+          </a:xfrm>
+          <a:prstGeom prst="rect">
+            <a:avLst/>
+          </a:prstGeom>
+          <a:noFill/>
+        </p:spPr>
+        <p:txBody>
+          <a:bodyPr wrap="square" lIns="0" tIns="0" rIns="0" bIns="0" rtlCol="0">
+            <a:spAutoFit/>
+          </a:bodyPr>
+          <a:lstStyle/>
+          <a:p>
+            <a:pPr algn="ctr"/>
+            <a:r>
+              <a:rPr lang="da-DK" sz="1100" b="1" dirty="0">
+                <a:solidFill>
+                  <a:schemeClr val="accent4"/>
+                </a:solidFill>
+              </a:rPr>
+              <a:t>Payment, status = </a:t>
+            </a:r>
+            <a:r>
+              <a:rPr lang="da-DK" sz="1100" b="1" dirty="0" err="1">
+                <a:solidFill>
+                  <a:schemeClr val="accent4"/>
+                </a:solidFill>
+              </a:rPr>
+              <a:t>Reserved</a:t>
+            </a:r>
+            <a:endParaRPr lang="en-GB" sz="1100" b="1" dirty="0">
+              <a:solidFill>
+                <a:schemeClr val="accent4"/>
+              </a:solidFill>
+            </a:endParaRPr>
+          </a:p>
+        </p:txBody>
+      </p:sp>
+      <p:cxnSp>
+        <p:nvCxnSpPr>
+          <p:cNvPr id="44" name="Straight Arrow Connector 43"/>
+          <p:cNvCxnSpPr/>
+          <p:nvPr/>
+        </p:nvCxnSpPr>
+        <p:spPr>
+          <a:xfrm>
+            <a:off x="1197363" y="5868434"/>
+            <a:ext cx="3016482" cy="0"/>
+          </a:xfrm>
+          <a:prstGeom prst="straightConnector1">
+            <a:avLst/>
+          </a:prstGeom>
+          <a:ln w="28575">
+            <a:headEnd type="none" w="med" len="med"/>
+            <a:tailEnd type="triangle" w="med" len="med"/>
+          </a:ln>
+        </p:spPr>
+        <p:style>
+          <a:lnRef idx="3">
+            <a:schemeClr val="accent2"/>
+          </a:lnRef>
+          <a:fillRef idx="0">
+            <a:schemeClr val="accent2"/>
+          </a:fillRef>
+          <a:effectRef idx="2">
+            <a:schemeClr val="accent2"/>
+          </a:effectRef>
+          <a:fontRef idx="minor">
+            <a:schemeClr val="tx1"/>
+          </a:fontRef>
+        </p:style>
+      </p:cxnSp>
+      <p:sp>
+        <p:nvSpPr>
+          <p:cNvPr id="45" name="TextBox 44"/>
+          <p:cNvSpPr txBox="1"/>
+          <p:nvPr/>
+        </p:nvSpPr>
+        <p:spPr>
+          <a:xfrm>
+            <a:off x="1077077" y="5666991"/>
+            <a:ext cx="3248562" cy="169277"/>
+          </a:xfrm>
+          <a:prstGeom prst="rect">
+            <a:avLst/>
+          </a:prstGeom>
+          <a:noFill/>
+        </p:spPr>
+        <p:txBody>
+          <a:bodyPr wrap="square" lIns="0" tIns="0" rIns="0" bIns="0" rtlCol="0">
+            <a:spAutoFit/>
+          </a:bodyPr>
+          <a:lstStyle/>
+          <a:p>
+            <a:pPr algn="ctr"/>
+            <a:r>
+              <a:rPr lang="da-DK" sz="1100" b="1" dirty="0">
+                <a:solidFill>
+                  <a:schemeClr val="accent4"/>
+                </a:solidFill>
+              </a:rPr>
+              <a:t>POST /</a:t>
+            </a:r>
+            <a:r>
+              <a:rPr lang="da-DK" sz="1100" b="1" dirty="0" err="1">
+                <a:solidFill>
+                  <a:schemeClr val="accent4"/>
+                </a:solidFill>
+              </a:rPr>
+              <a:t>payments</a:t>
+            </a:r>
+            <a:r>
+              <a:rPr lang="da-DK" sz="1100" b="1" dirty="0">
+                <a:solidFill>
+                  <a:schemeClr val="accent4"/>
+                </a:solidFill>
+              </a:rPr>
+              <a:t>/{</a:t>
+            </a:r>
+            <a:r>
+              <a:rPr lang="da-DK" sz="1100" b="1" dirty="0" err="1">
+                <a:solidFill>
+                  <a:schemeClr val="accent4"/>
+                </a:solidFill>
+              </a:rPr>
+              <a:t>paymentId</a:t>
+            </a:r>
+            <a:r>
+              <a:rPr lang="da-DK" sz="1100" b="1" dirty="0">
+                <a:solidFill>
+                  <a:schemeClr val="accent4"/>
+                </a:solidFill>
+              </a:rPr>
+              <a:t>}/</a:t>
+            </a:r>
+            <a:r>
+              <a:rPr lang="da-DK" sz="1100" b="1" dirty="0" err="1">
+                <a:solidFill>
+                  <a:schemeClr val="accent4"/>
+                </a:solidFill>
+              </a:rPr>
+              <a:t>ready</a:t>
+            </a:r>
+            <a:endParaRPr lang="en-GB" sz="1100" b="1" dirty="0">
+              <a:solidFill>
+                <a:schemeClr val="accent4"/>
+              </a:solidFill>
+            </a:endParaRPr>
+          </a:p>
+        </p:txBody>
+      </p:sp>
+      <p:sp>
+        <p:nvSpPr>
+          <p:cNvPr id="52" name="TextBox 51"/>
+          <p:cNvSpPr txBox="1"/>
+          <p:nvPr/>
+        </p:nvSpPr>
+        <p:spPr>
+          <a:xfrm>
+            <a:off x="544160" y="6388876"/>
+            <a:ext cx="4135395" cy="846386"/>
+          </a:xfrm>
+          <a:prstGeom prst="rect">
+            <a:avLst/>
+          </a:prstGeom>
+          <a:noFill/>
+          <a:ln w="38100">
+            <a:prstDash val="sysDash"/>
+          </a:ln>
+        </p:spPr>
+        <p:style>
+          <a:lnRef idx="2">
+            <a:schemeClr val="accent6"/>
+          </a:lnRef>
+          <a:fillRef idx="1">
+            <a:schemeClr val="lt1"/>
+          </a:fillRef>
+          <a:effectRef idx="0">
+            <a:schemeClr val="accent6"/>
+          </a:effectRef>
+          <a:fontRef idx="minor">
+            <a:schemeClr val="dk1"/>
+          </a:fontRef>
+        </p:style>
+        <p:txBody>
+          <a:bodyPr wrap="square" lIns="0" tIns="0" rIns="0" bIns="0" rtlCol="0">
+            <a:spAutoFit/>
+          </a:bodyPr>
+          <a:lstStyle/>
+          <a:p>
+            <a:r>
+              <a:rPr lang="da-DK" sz="1100" b="1" dirty="0">
+                <a:solidFill>
+                  <a:schemeClr val="accent6"/>
+                </a:solidFill>
+              </a:rPr>
+              <a:t> LOOP</a:t>
+            </a:r>
+          </a:p>
+          <a:p>
+            <a:endParaRPr lang="da-DK" sz="1100" dirty="0"/>
+          </a:p>
+          <a:p>
+            <a:endParaRPr lang="da-DK" sz="1100" dirty="0"/>
+          </a:p>
+          <a:p>
+            <a:endParaRPr lang="da-DK" sz="1100" dirty="0"/>
+          </a:p>
+          <a:p>
+            <a:endParaRPr lang="en-GB" sz="1100" dirty="0"/>
+          </a:p>
+        </p:txBody>
+      </p:sp>
+      <p:cxnSp>
+        <p:nvCxnSpPr>
+          <p:cNvPr id="53" name="Straight Arrow Connector 52"/>
+          <p:cNvCxnSpPr/>
+          <p:nvPr/>
+        </p:nvCxnSpPr>
+        <p:spPr>
+          <a:xfrm>
+            <a:off x="1180895" y="6920942"/>
+            <a:ext cx="3016482" cy="0"/>
+          </a:xfrm>
+          <a:prstGeom prst="straightConnector1">
+            <a:avLst/>
+          </a:prstGeom>
+          <a:ln w="28575">
+            <a:prstDash val="sysDash"/>
+            <a:headEnd type="triangle" w="med" len="med"/>
+            <a:tailEnd type="none" w="med" len="med"/>
+          </a:ln>
+        </p:spPr>
+        <p:style>
+          <a:lnRef idx="3">
+            <a:schemeClr val="accent2"/>
+          </a:lnRef>
+          <a:fillRef idx="0">
+            <a:schemeClr val="accent2"/>
+          </a:fillRef>
+          <a:effectRef idx="2">
+            <a:schemeClr val="accent2"/>
+          </a:effectRef>
+          <a:fontRef idx="minor">
+            <a:schemeClr val="tx1"/>
+          </a:fontRef>
+        </p:style>
+      </p:cxnSp>
+      <p:cxnSp>
+        <p:nvCxnSpPr>
+          <p:cNvPr id="54" name="Straight Arrow Connector 53"/>
+          <p:cNvCxnSpPr/>
+          <p:nvPr/>
+        </p:nvCxnSpPr>
+        <p:spPr>
+          <a:xfrm>
+            <a:off x="1197371" y="6710877"/>
+            <a:ext cx="3016482" cy="0"/>
+          </a:xfrm>
+          <a:prstGeom prst="straightConnector1">
+            <a:avLst/>
+          </a:prstGeom>
+          <a:ln w="28575">
+            <a:headEnd type="none" w="med" len="med"/>
+            <a:tailEnd type="triangle" w="med" len="med"/>
+          </a:ln>
+        </p:spPr>
+        <p:style>
+          <a:lnRef idx="3">
+            <a:schemeClr val="accent2"/>
+          </a:lnRef>
+          <a:fillRef idx="0">
+            <a:schemeClr val="accent2"/>
+          </a:fillRef>
+          <a:effectRef idx="2">
+            <a:schemeClr val="accent2"/>
+          </a:effectRef>
+          <a:fontRef idx="minor">
+            <a:schemeClr val="tx1"/>
+          </a:fontRef>
+        </p:style>
+      </p:cxnSp>
+      <p:sp>
+        <p:nvSpPr>
+          <p:cNvPr id="55" name="TextBox 54"/>
+          <p:cNvSpPr txBox="1"/>
+          <p:nvPr/>
+        </p:nvSpPr>
+        <p:spPr>
+          <a:xfrm>
+            <a:off x="1077085" y="6499457"/>
+            <a:ext cx="3244294" cy="169277"/>
+          </a:xfrm>
+          <a:prstGeom prst="rect">
+            <a:avLst/>
+          </a:prstGeom>
+          <a:noFill/>
+        </p:spPr>
+        <p:txBody>
+          <a:bodyPr wrap="square" lIns="0" tIns="0" rIns="0" bIns="0" rtlCol="0">
+            <a:spAutoFit/>
+          </a:bodyPr>
+          <a:lstStyle/>
+          <a:p>
+            <a:pPr algn="ctr"/>
+            <a:r>
+              <a:rPr lang="da-DK" sz="1100" b="1" dirty="0">
+                <a:solidFill>
+                  <a:schemeClr val="accent4"/>
+                </a:solidFill>
+              </a:rPr>
+              <a:t>GET /</a:t>
+            </a:r>
+            <a:r>
+              <a:rPr lang="da-DK" sz="1100" b="1" dirty="0" err="1">
+                <a:solidFill>
+                  <a:schemeClr val="accent4"/>
+                </a:solidFill>
+              </a:rPr>
+              <a:t>payments</a:t>
+            </a:r>
+            <a:r>
+              <a:rPr lang="da-DK" sz="1100" b="1" dirty="0">
+                <a:solidFill>
+                  <a:schemeClr val="accent4"/>
+                </a:solidFill>
+              </a:rPr>
+              <a:t>/{paymentId}</a:t>
+            </a:r>
+            <a:endParaRPr lang="en-GB" sz="1100" b="1" dirty="0">
+              <a:solidFill>
+                <a:schemeClr val="accent4"/>
+              </a:solidFill>
+            </a:endParaRPr>
+          </a:p>
+        </p:txBody>
+      </p:sp>
+      <p:sp>
+        <p:nvSpPr>
+          <p:cNvPr id="56" name="TextBox 55"/>
+          <p:cNvSpPr txBox="1"/>
+          <p:nvPr/>
+        </p:nvSpPr>
+        <p:spPr>
+          <a:xfrm>
+            <a:off x="1081355" y="6951340"/>
+            <a:ext cx="3240025" cy="169277"/>
+          </a:xfrm>
+          <a:prstGeom prst="rect">
+            <a:avLst/>
+          </a:prstGeom>
+          <a:noFill/>
+        </p:spPr>
+        <p:txBody>
+          <a:bodyPr wrap="square" lIns="0" tIns="0" rIns="0" bIns="0" rtlCol="0">
+            <a:spAutoFit/>
+          </a:bodyPr>
+          <a:lstStyle/>
+          <a:p>
+            <a:pPr algn="ctr"/>
+            <a:r>
+              <a:rPr lang="da-DK" sz="1100" b="1" dirty="0">
+                <a:solidFill>
+                  <a:schemeClr val="accent4"/>
+                </a:solidFill>
+              </a:rPr>
+              <a:t>Payment, status = </a:t>
+            </a:r>
+            <a:r>
+              <a:rPr lang="da-DK" sz="1100" b="1" dirty="0" err="1">
+                <a:solidFill>
+                  <a:schemeClr val="accent4"/>
+                </a:solidFill>
+              </a:rPr>
+              <a:t>IssuedToUser</a:t>
+            </a:r>
+            <a:endParaRPr lang="en-GB" sz="1100" b="1" dirty="0">
+              <a:solidFill>
+                <a:schemeClr val="accent4"/>
+              </a:solidFill>
+            </a:endParaRPr>
+          </a:p>
+        </p:txBody>
+      </p:sp>
+      <p:cxnSp>
+        <p:nvCxnSpPr>
+          <p:cNvPr id="57" name="Straight Arrow Connector 56"/>
+          <p:cNvCxnSpPr/>
+          <p:nvPr/>
+        </p:nvCxnSpPr>
+        <p:spPr>
+          <a:xfrm>
+            <a:off x="1180894" y="5058913"/>
+            <a:ext cx="3016482" cy="0"/>
+          </a:xfrm>
+          <a:prstGeom prst="straightConnector1">
+            <a:avLst/>
+          </a:prstGeom>
+          <a:ln w="28575">
+            <a:prstDash val="sysDash"/>
+            <a:headEnd type="triangle" w="med" len="med"/>
+            <a:tailEnd type="none" w="med" len="med"/>
+          </a:ln>
+        </p:spPr>
+        <p:style>
+          <a:lnRef idx="3">
+            <a:schemeClr val="accent2"/>
+          </a:lnRef>
+          <a:fillRef idx="0">
+            <a:schemeClr val="accent2"/>
+          </a:fillRef>
+          <a:effectRef idx="2">
+            <a:schemeClr val="accent2"/>
+          </a:effectRef>
+          <a:fontRef idx="minor">
+            <a:schemeClr val="tx1"/>
+          </a:fontRef>
+        </p:style>
+      </p:cxnSp>
+      <p:cxnSp>
+        <p:nvCxnSpPr>
+          <p:cNvPr id="58" name="Straight Arrow Connector 57"/>
+          <p:cNvCxnSpPr/>
+          <p:nvPr/>
+        </p:nvCxnSpPr>
+        <p:spPr>
+          <a:xfrm>
+            <a:off x="1197370" y="4848848"/>
+            <a:ext cx="3016482" cy="0"/>
+          </a:xfrm>
+          <a:prstGeom prst="straightConnector1">
+            <a:avLst/>
+          </a:prstGeom>
+          <a:ln w="28575">
+            <a:headEnd type="none" w="med" len="med"/>
+            <a:tailEnd type="triangle" w="med" len="med"/>
+          </a:ln>
+        </p:spPr>
+        <p:style>
+          <a:lnRef idx="3">
+            <a:schemeClr val="accent2"/>
+          </a:lnRef>
+          <a:fillRef idx="0">
+            <a:schemeClr val="accent2"/>
+          </a:fillRef>
+          <a:effectRef idx="2">
+            <a:schemeClr val="accent2"/>
+          </a:effectRef>
+          <a:fontRef idx="minor">
+            <a:schemeClr val="tx1"/>
+          </a:fontRef>
+        </p:style>
+      </p:cxnSp>
+      <p:sp>
+        <p:nvSpPr>
+          <p:cNvPr id="59" name="TextBox 58"/>
+          <p:cNvSpPr txBox="1"/>
+          <p:nvPr/>
+        </p:nvSpPr>
+        <p:spPr>
+          <a:xfrm>
+            <a:off x="1077084" y="4637428"/>
+            <a:ext cx="3244294" cy="169277"/>
+          </a:xfrm>
+          <a:prstGeom prst="rect">
+            <a:avLst/>
+          </a:prstGeom>
+          <a:noFill/>
+        </p:spPr>
+        <p:txBody>
+          <a:bodyPr wrap="square" lIns="0" tIns="0" rIns="0" bIns="0" rtlCol="0">
+            <a:spAutoFit/>
+          </a:bodyPr>
+          <a:lstStyle/>
+          <a:p>
+            <a:pPr algn="ctr"/>
+            <a:r>
+              <a:rPr lang="da-DK" sz="1100" b="1" dirty="0">
+                <a:solidFill>
+                  <a:schemeClr val="accent4"/>
+                </a:solidFill>
+              </a:rPr>
+              <a:t>GET /</a:t>
+            </a:r>
+            <a:r>
+              <a:rPr lang="da-DK" sz="1100" b="1" dirty="0" err="1">
+                <a:solidFill>
+                  <a:schemeClr val="accent4"/>
+                </a:solidFill>
+              </a:rPr>
+              <a:t>payments</a:t>
+            </a:r>
+            <a:r>
+              <a:rPr lang="da-DK" sz="1100" b="1" dirty="0">
+                <a:solidFill>
+                  <a:schemeClr val="accent4"/>
+                </a:solidFill>
+              </a:rPr>
+              <a:t>/{paymentId}</a:t>
+            </a:r>
+            <a:endParaRPr lang="en-GB" sz="1100" b="1" dirty="0">
+              <a:solidFill>
+                <a:schemeClr val="accent4"/>
+              </a:solidFill>
+            </a:endParaRPr>
+          </a:p>
+        </p:txBody>
+      </p:sp>
+      <p:sp>
+        <p:nvSpPr>
+          <p:cNvPr id="60" name="TextBox 59"/>
+          <p:cNvSpPr txBox="1"/>
+          <p:nvPr/>
+        </p:nvSpPr>
+        <p:spPr>
+          <a:xfrm>
+            <a:off x="1081354" y="5089311"/>
+            <a:ext cx="3240025" cy="169277"/>
+          </a:xfrm>
+          <a:prstGeom prst="rect">
+            <a:avLst/>
+          </a:prstGeom>
+          <a:noFill/>
+        </p:spPr>
+        <p:txBody>
+          <a:bodyPr wrap="square" lIns="0" tIns="0" rIns="0" bIns="0" rtlCol="0">
+            <a:spAutoFit/>
+          </a:bodyPr>
+          <a:lstStyle/>
+          <a:p>
+            <a:pPr algn="ctr"/>
+            <a:r>
+              <a:rPr lang="da-DK" sz="1100" b="1" dirty="0">
+                <a:solidFill>
+                  <a:schemeClr val="accent4"/>
+                </a:solidFill>
+              </a:rPr>
+              <a:t>Payment, status = </a:t>
+            </a:r>
+            <a:r>
+              <a:rPr lang="da-DK" sz="1100" b="1" dirty="0" err="1">
+                <a:solidFill>
+                  <a:schemeClr val="accent4"/>
+                </a:solidFill>
+              </a:rPr>
+              <a:t>Paired</a:t>
+            </a:r>
+            <a:r>
+              <a:rPr lang="da-DK" sz="1100" b="1" dirty="0">
+                <a:solidFill>
+                  <a:schemeClr val="accent4"/>
+                </a:solidFill>
+              </a:rPr>
+              <a:t>, </a:t>
+            </a:r>
+            <a:r>
+              <a:rPr lang="da-DK" sz="1100" b="1" dirty="0" err="1">
+                <a:solidFill>
+                  <a:schemeClr val="accent4"/>
+                </a:solidFill>
+              </a:rPr>
+              <a:t>loyalty</a:t>
+            </a:r>
+            <a:r>
+              <a:rPr lang="da-DK" sz="1100" b="1" dirty="0">
+                <a:solidFill>
+                  <a:schemeClr val="accent4"/>
+                </a:solidFill>
+              </a:rPr>
+              <a:t> </a:t>
+            </a:r>
+            <a:r>
+              <a:rPr lang="da-DK" sz="1100" b="1" dirty="0" err="1">
+                <a:solidFill>
+                  <a:schemeClr val="accent4"/>
+                </a:solidFill>
+              </a:rPr>
+              <a:t>token</a:t>
+            </a:r>
+            <a:r>
+              <a:rPr lang="da-DK" sz="1100" b="1" dirty="0">
+                <a:solidFill>
+                  <a:schemeClr val="accent4"/>
+                </a:solidFill>
+              </a:rPr>
+              <a:t> = …</a:t>
+            </a:r>
+            <a:endParaRPr lang="en-GB" sz="1100" b="1" dirty="0">
+              <a:solidFill>
+                <a:schemeClr val="accent4"/>
+              </a:solidFill>
+            </a:endParaRPr>
+          </a:p>
+        </p:txBody>
+      </p:sp>
+      <p:cxnSp>
+        <p:nvCxnSpPr>
+          <p:cNvPr id="64" name="Straight Arrow Connector 63"/>
+          <p:cNvCxnSpPr/>
+          <p:nvPr/>
+        </p:nvCxnSpPr>
+        <p:spPr>
+          <a:xfrm>
+            <a:off x="1190362" y="10451081"/>
+            <a:ext cx="3016482" cy="0"/>
+          </a:xfrm>
+          <a:prstGeom prst="straightConnector1">
+            <a:avLst/>
+          </a:prstGeom>
+          <a:ln w="28575">
+            <a:headEnd type="none" w="med" len="med"/>
+            <a:tailEnd type="triangle" w="med" len="med"/>
+          </a:ln>
+        </p:spPr>
+        <p:style>
+          <a:lnRef idx="3">
+            <a:schemeClr val="accent2"/>
+          </a:lnRef>
+          <a:fillRef idx="0">
+            <a:schemeClr val="accent2"/>
+          </a:fillRef>
+          <a:effectRef idx="2">
+            <a:schemeClr val="accent2"/>
+          </a:effectRef>
+          <a:fontRef idx="minor">
+            <a:schemeClr val="tx1"/>
+          </a:fontRef>
+        </p:style>
+      </p:cxnSp>
+      <p:sp>
+        <p:nvSpPr>
+          <p:cNvPr id="65" name="TextBox 64"/>
+          <p:cNvSpPr txBox="1"/>
+          <p:nvPr/>
+        </p:nvSpPr>
+        <p:spPr>
+          <a:xfrm>
+            <a:off x="1072815" y="10211614"/>
+            <a:ext cx="3248562" cy="169277"/>
+          </a:xfrm>
+          <a:prstGeom prst="rect">
+            <a:avLst/>
+          </a:prstGeom>
+          <a:noFill/>
+        </p:spPr>
+        <p:txBody>
+          <a:bodyPr wrap="square" lIns="0" tIns="0" rIns="0" bIns="0" rtlCol="0">
+            <a:spAutoFit/>
+          </a:bodyPr>
+          <a:lstStyle/>
+          <a:p>
+            <a:pPr algn="ctr"/>
+            <a:r>
+              <a:rPr lang="da-DK" sz="1100" b="1" dirty="0">
+                <a:solidFill>
+                  <a:schemeClr val="accent4"/>
+                </a:solidFill>
+              </a:rPr>
+              <a:t>POST /</a:t>
+            </a:r>
+            <a:r>
+              <a:rPr lang="da-DK" sz="1100" b="1" dirty="0" err="1">
+                <a:solidFill>
+                  <a:schemeClr val="accent4"/>
+                </a:solidFill>
+              </a:rPr>
+              <a:t>payments</a:t>
+            </a:r>
+            <a:r>
+              <a:rPr lang="da-DK" sz="1100" b="1" dirty="0">
+                <a:solidFill>
+                  <a:schemeClr val="accent4"/>
+                </a:solidFill>
+              </a:rPr>
+              <a:t>/{</a:t>
+            </a:r>
+            <a:r>
+              <a:rPr lang="da-DK" sz="1100" b="1" dirty="0" err="1">
+                <a:solidFill>
+                  <a:schemeClr val="accent4"/>
+                </a:solidFill>
+              </a:rPr>
+              <a:t>paymentId</a:t>
+            </a:r>
+            <a:r>
+              <a:rPr lang="da-DK" sz="1100" b="1" dirty="0">
+                <a:solidFill>
+                  <a:schemeClr val="accent4"/>
+                </a:solidFill>
+              </a:rPr>
+              <a:t>}/</a:t>
+            </a:r>
+            <a:r>
+              <a:rPr lang="da-DK" sz="1100" b="1" dirty="0" err="1">
+                <a:solidFill>
+                  <a:schemeClr val="accent4"/>
+                </a:solidFill>
+              </a:rPr>
+              <a:t>capture</a:t>
+            </a:r>
+            <a:endParaRPr lang="en-GB" sz="1100" b="1" dirty="0">
+              <a:solidFill>
+                <a:schemeClr val="accent4"/>
+              </a:solidFill>
+            </a:endParaRPr>
+          </a:p>
+        </p:txBody>
+      </p:sp>
+      <p:sp>
+        <p:nvSpPr>
+          <p:cNvPr id="78" name="Arc 77"/>
+          <p:cNvSpPr/>
+          <p:nvPr/>
+        </p:nvSpPr>
+        <p:spPr>
+          <a:xfrm>
+            <a:off x="4222314" y="10571282"/>
+            <a:ext cx="457238" cy="462999"/>
+          </a:xfrm>
+          <a:prstGeom prst="arc">
+            <a:avLst>
+              <a:gd name="adj1" fmla="val 16200000"/>
+              <a:gd name="adj2" fmla="val 5368770"/>
+            </a:avLst>
+          </a:prstGeom>
+          <a:ln w="28575">
+            <a:headEnd type="none" w="med" len="med"/>
+            <a:tailEnd type="triangle" w="med" len="med"/>
+          </a:ln>
+        </p:spPr>
+        <p:style>
+          <a:lnRef idx="3">
+            <a:schemeClr val="accent2"/>
+          </a:lnRef>
+          <a:fillRef idx="0">
+            <a:schemeClr val="accent2"/>
+          </a:fillRef>
+          <a:effectRef idx="2">
+            <a:schemeClr val="accent2"/>
+          </a:effectRef>
+          <a:fontRef idx="minor">
+            <a:schemeClr val="tx1"/>
+          </a:fontRef>
+        </p:style>
+        <p:txBody>
+          <a:bodyPr rtlCol="0" anchor="ctr"/>
+          <a:lstStyle/>
+          <a:p>
+            <a:pPr algn="ctr"/>
+            <a:endParaRPr lang="en-GB" dirty="0"/>
+          </a:p>
+        </p:txBody>
+      </p:sp>
+      <p:sp>
+        <p:nvSpPr>
+          <p:cNvPr id="81" name="TextBox 80"/>
+          <p:cNvSpPr txBox="1"/>
+          <p:nvPr/>
+        </p:nvSpPr>
+        <p:spPr>
+          <a:xfrm>
+            <a:off x="4746092" y="10718142"/>
+            <a:ext cx="2404191" cy="169277"/>
+          </a:xfrm>
+          <a:prstGeom prst="rect">
+            <a:avLst/>
+          </a:prstGeom>
+          <a:noFill/>
+        </p:spPr>
+        <p:txBody>
+          <a:bodyPr wrap="square" lIns="0" tIns="0" rIns="0" bIns="0" rtlCol="0">
+            <a:spAutoFit/>
+          </a:bodyPr>
+          <a:lstStyle/>
+          <a:p>
+            <a:r>
+              <a:rPr lang="da-DK" sz="1100" b="1" dirty="0" err="1">
+                <a:solidFill>
+                  <a:schemeClr val="accent4"/>
+                </a:solidFill>
+              </a:rPr>
+              <a:t>Capture</a:t>
+            </a:r>
+            <a:r>
+              <a:rPr lang="da-DK" sz="1100" b="1" dirty="0">
+                <a:solidFill>
+                  <a:schemeClr val="accent4"/>
+                </a:solidFill>
+              </a:rPr>
+              <a:t> Payment</a:t>
+            </a:r>
+            <a:endParaRPr lang="en-GB" sz="1100" b="1" dirty="0">
+              <a:solidFill>
+                <a:schemeClr val="accent4"/>
+              </a:solidFill>
+            </a:endParaRPr>
+          </a:p>
+        </p:txBody>
+      </p:sp>
+      <p:cxnSp>
+        <p:nvCxnSpPr>
+          <p:cNvPr id="83" name="Straight Arrow Connector 82"/>
+          <p:cNvCxnSpPr/>
+          <p:nvPr/>
+        </p:nvCxnSpPr>
+        <p:spPr>
+          <a:xfrm>
+            <a:off x="1154227" y="11138468"/>
+            <a:ext cx="3016482" cy="0"/>
+          </a:xfrm>
+          <a:prstGeom prst="straightConnector1">
+            <a:avLst/>
+          </a:prstGeom>
+          <a:ln w="28575">
+            <a:prstDash val="sysDash"/>
+            <a:headEnd type="triangle" w="med" len="med"/>
+            <a:tailEnd type="none" w="med" len="med"/>
+          </a:ln>
+        </p:spPr>
+        <p:style>
+          <a:lnRef idx="3">
+            <a:schemeClr val="accent2"/>
+          </a:lnRef>
+          <a:fillRef idx="0">
+            <a:schemeClr val="accent2"/>
+          </a:fillRef>
+          <a:effectRef idx="2">
+            <a:schemeClr val="accent2"/>
+          </a:effectRef>
+          <a:fontRef idx="minor">
+            <a:schemeClr val="tx1"/>
+          </a:fontRef>
+        </p:style>
+      </p:cxnSp>
+      <p:sp>
+        <p:nvSpPr>
+          <p:cNvPr id="85" name="TextBox 84"/>
+          <p:cNvSpPr txBox="1"/>
+          <p:nvPr/>
+        </p:nvSpPr>
+        <p:spPr>
+          <a:xfrm>
+            <a:off x="1179434" y="11213236"/>
+            <a:ext cx="3002287" cy="169277"/>
+          </a:xfrm>
+          <a:prstGeom prst="rect">
+            <a:avLst/>
+          </a:prstGeom>
+          <a:noFill/>
+        </p:spPr>
+        <p:txBody>
+          <a:bodyPr wrap="square" lIns="0" tIns="0" rIns="0" bIns="0" rtlCol="0">
+            <a:spAutoFit/>
+          </a:bodyPr>
+          <a:lstStyle/>
+          <a:p>
+            <a:pPr algn="ctr"/>
+            <a:r>
+              <a:rPr lang="da-DK" sz="1100" b="1" dirty="0">
+                <a:solidFill>
+                  <a:schemeClr val="accent4"/>
+                </a:solidFill>
+              </a:rPr>
+              <a:t>OK</a:t>
+            </a:r>
+            <a:endParaRPr lang="en-GB" sz="1100" b="1" dirty="0">
+              <a:solidFill>
+                <a:schemeClr val="accent4"/>
+              </a:solidFill>
+            </a:endParaRPr>
+          </a:p>
+        </p:txBody>
+      </p:sp>
+      <p:cxnSp>
+        <p:nvCxnSpPr>
+          <p:cNvPr id="91" name="Straight Arrow Connector 90"/>
+          <p:cNvCxnSpPr/>
+          <p:nvPr/>
+        </p:nvCxnSpPr>
+        <p:spPr>
+          <a:xfrm>
+            <a:off x="1166126" y="9482342"/>
+            <a:ext cx="9542863" cy="4490"/>
+          </a:xfrm>
+          <a:prstGeom prst="straightConnector1">
+            <a:avLst/>
+          </a:prstGeom>
+          <a:ln w="28575">
+            <a:headEnd type="none" w="med" len="med"/>
+            <a:tailEnd type="triangle" w="med" len="med"/>
+          </a:ln>
+        </p:spPr>
+        <p:style>
+          <a:lnRef idx="3">
+            <a:schemeClr val="accent2"/>
+          </a:lnRef>
+          <a:fillRef idx="0">
+            <a:schemeClr val="accent2"/>
+          </a:fillRef>
+          <a:effectRef idx="2">
+            <a:schemeClr val="accent2"/>
+          </a:effectRef>
+          <a:fontRef idx="minor">
+            <a:schemeClr val="tx1"/>
+          </a:fontRef>
+        </p:style>
+      </p:cxnSp>
+      <p:sp>
+        <p:nvSpPr>
+          <p:cNvPr id="92" name="TextBox 91"/>
+          <p:cNvSpPr txBox="1"/>
+          <p:nvPr/>
+        </p:nvSpPr>
+        <p:spPr>
+          <a:xfrm>
+            <a:off x="4530984" y="9221017"/>
+            <a:ext cx="3002287" cy="169277"/>
+          </a:xfrm>
+          <a:prstGeom prst="rect">
+            <a:avLst/>
+          </a:prstGeom>
+          <a:noFill/>
+        </p:spPr>
+        <p:txBody>
+          <a:bodyPr wrap="square" lIns="0" tIns="0" rIns="0" bIns="0" rtlCol="0">
+            <a:spAutoFit/>
+          </a:bodyPr>
+          <a:lstStyle/>
+          <a:p>
+            <a:pPr algn="ctr"/>
+            <a:r>
+              <a:rPr lang="da-DK" sz="1100" b="1" dirty="0" smtClean="0">
+                <a:solidFill>
+                  <a:schemeClr val="accent4"/>
+                </a:solidFill>
+              </a:rPr>
+              <a:t>Displays </a:t>
+            </a:r>
+            <a:r>
+              <a:rPr lang="da-DK" sz="1100" b="1" dirty="0" err="1" smtClean="0">
+                <a:solidFill>
+                  <a:schemeClr val="accent4"/>
+                </a:solidFill>
+              </a:rPr>
+              <a:t>payment</a:t>
+            </a:r>
+            <a:r>
+              <a:rPr lang="da-DK" sz="1100" b="1" dirty="0" smtClean="0">
+                <a:solidFill>
+                  <a:schemeClr val="accent4"/>
+                </a:solidFill>
+              </a:rPr>
+              <a:t> </a:t>
+            </a:r>
+            <a:r>
+              <a:rPr lang="da-DK" sz="1100" b="1" dirty="0" err="1" smtClean="0">
+                <a:solidFill>
+                  <a:schemeClr val="accent4"/>
+                </a:solidFill>
+              </a:rPr>
+              <a:t>completed</a:t>
+            </a:r>
+            <a:endParaRPr lang="en-GB" sz="1100" b="1" dirty="0">
+              <a:solidFill>
+                <a:schemeClr val="accent4"/>
+              </a:solidFill>
+            </a:endParaRPr>
+          </a:p>
+        </p:txBody>
+      </p:sp>
+      <p:sp>
+        <p:nvSpPr>
+          <p:cNvPr id="93" name="Arc 92"/>
+          <p:cNvSpPr/>
+          <p:nvPr/>
+        </p:nvSpPr>
+        <p:spPr>
+          <a:xfrm>
+            <a:off x="1039497" y="9623700"/>
+            <a:ext cx="457238" cy="462999"/>
+          </a:xfrm>
+          <a:prstGeom prst="arc">
+            <a:avLst>
+              <a:gd name="adj1" fmla="val 16200000"/>
+              <a:gd name="adj2" fmla="val 5368770"/>
+            </a:avLst>
+          </a:prstGeom>
+          <a:ln w="28575">
+            <a:headEnd type="none" w="med" len="med"/>
+            <a:tailEnd type="triangle" w="med" len="med"/>
+          </a:ln>
+        </p:spPr>
+        <p:style>
+          <a:lnRef idx="3">
+            <a:schemeClr val="accent2"/>
+          </a:lnRef>
+          <a:fillRef idx="0">
+            <a:schemeClr val="accent2"/>
+          </a:fillRef>
+          <a:effectRef idx="2">
+            <a:schemeClr val="accent2"/>
+          </a:effectRef>
+          <a:fontRef idx="minor">
+            <a:schemeClr val="tx1"/>
+          </a:fontRef>
+        </p:style>
+        <p:txBody>
+          <a:bodyPr rtlCol="0" anchor="ctr"/>
+          <a:lstStyle/>
+          <a:p>
+            <a:pPr algn="ctr"/>
+            <a:endParaRPr lang="en-GB" dirty="0"/>
+          </a:p>
+        </p:txBody>
+      </p:sp>
+      <p:sp>
+        <p:nvSpPr>
+          <p:cNvPr id="94" name="TextBox 93"/>
+          <p:cNvSpPr txBox="1"/>
+          <p:nvPr/>
+        </p:nvSpPr>
+        <p:spPr>
+          <a:xfrm>
+            <a:off x="1563275" y="9770560"/>
+            <a:ext cx="2404191" cy="169277"/>
+          </a:xfrm>
+          <a:prstGeom prst="rect">
+            <a:avLst/>
+          </a:prstGeom>
+          <a:noFill/>
+        </p:spPr>
+        <p:txBody>
+          <a:bodyPr wrap="square" lIns="0" tIns="0" rIns="0" bIns="0" rtlCol="0">
+            <a:spAutoFit/>
+          </a:bodyPr>
+          <a:lstStyle/>
+          <a:p>
+            <a:r>
+              <a:rPr lang="da-DK" sz="1100" b="1" dirty="0" smtClean="0">
+                <a:solidFill>
+                  <a:schemeClr val="accent4"/>
+                </a:solidFill>
+              </a:rPr>
+              <a:t>Release </a:t>
+            </a:r>
+            <a:r>
+              <a:rPr lang="da-DK" sz="1100" b="1" dirty="0" err="1" smtClean="0">
+                <a:solidFill>
+                  <a:schemeClr val="accent4"/>
+                </a:solidFill>
+              </a:rPr>
+              <a:t>goods</a:t>
+            </a:r>
+            <a:r>
+              <a:rPr lang="da-DK" sz="1100" b="1" dirty="0" smtClean="0">
+                <a:solidFill>
+                  <a:schemeClr val="accent4"/>
+                </a:solidFill>
+              </a:rPr>
+              <a:t> to </a:t>
+            </a:r>
+            <a:r>
+              <a:rPr lang="da-DK" sz="1100" b="1" dirty="0" err="1" smtClean="0">
+                <a:solidFill>
+                  <a:schemeClr val="accent4"/>
+                </a:solidFill>
+              </a:rPr>
+              <a:t>costumer</a:t>
+            </a:r>
+            <a:endParaRPr lang="en-GB" sz="1100" b="1" dirty="0">
+              <a:solidFill>
+                <a:schemeClr val="accent4"/>
+              </a:solidFill>
+            </a:endParaRPr>
+          </a:p>
+        </p:txBody>
+      </p:sp>
+      <p:cxnSp>
+        <p:nvCxnSpPr>
+          <p:cNvPr id="15" name="Straight Arrow Connector 14"/>
+          <p:cNvCxnSpPr/>
+          <p:nvPr/>
+        </p:nvCxnSpPr>
+        <p:spPr>
+          <a:xfrm>
+            <a:off x="7561657" y="1751654"/>
+            <a:ext cx="33502" cy="9630859"/>
           </a:xfrm>
           <a:prstGeom prst="straightConnector1">
             <a:avLst/>
@@ -31428,9 +33871,9 @@
           <p:nvPr/>
         </p:nvCxnSpPr>
         <p:spPr>
-          <a:xfrm>
-            <a:off x="4325644" y="1751654"/>
-            <a:ext cx="0" cy="9540000"/>
+          <a:xfrm flipH="1">
+            <a:off x="4321377" y="1751654"/>
+            <a:ext cx="4267" cy="9630859"/>
           </a:xfrm>
           <a:prstGeom prst="straightConnector1">
             <a:avLst/>
@@ -31455,2041 +33898,6 @@
           </a:fontRef>
         </p:style>
       </p:cxnSp>
-      <p:cxnSp>
-        <p:nvCxnSpPr>
-          <p:cNvPr id="15" name="Straight Arrow Connector 14"/>
-          <p:cNvCxnSpPr/>
-          <p:nvPr/>
-        </p:nvCxnSpPr>
-        <p:spPr>
-          <a:xfrm>
-            <a:off x="7561657" y="1751654"/>
-            <a:ext cx="0" cy="9540000"/>
-          </a:xfrm>
-          <a:prstGeom prst="straightConnector1">
-            <a:avLst/>
-          </a:prstGeom>
-          <a:ln w="76200">
-            <a:headEnd type="none" w="med" len="med"/>
-            <a:tailEnd type="none" w="med" len="med"/>
-          </a:ln>
-        </p:spPr>
-        <p:style>
-          <a:lnRef idx="3">
-            <a:schemeClr val="dk1"/>
-          </a:lnRef>
-          <a:fillRef idx="0">
-            <a:schemeClr val="dk1"/>
-          </a:fillRef>
-          <a:effectRef idx="2">
-            <a:schemeClr val="dk1"/>
-          </a:effectRef>
-          <a:fontRef idx="minor">
-            <a:schemeClr val="tx1"/>
-          </a:fontRef>
-        </p:style>
-      </p:cxnSp>
-      <p:cxnSp>
-        <p:nvCxnSpPr>
-          <p:cNvPr id="16" name="Straight Arrow Connector 15"/>
-          <p:cNvCxnSpPr/>
-          <p:nvPr/>
-        </p:nvCxnSpPr>
-        <p:spPr>
-          <a:xfrm>
-            <a:off x="10769284" y="1755611"/>
-            <a:ext cx="0" cy="9540000"/>
-          </a:xfrm>
-          <a:prstGeom prst="straightConnector1">
-            <a:avLst/>
-          </a:prstGeom>
-          <a:ln w="76200">
-            <a:headEnd type="none" w="med" len="med"/>
-            <a:tailEnd type="none" w="med" len="med"/>
-          </a:ln>
-        </p:spPr>
-        <p:style>
-          <a:lnRef idx="3">
-            <a:schemeClr val="dk1"/>
-          </a:lnRef>
-          <a:fillRef idx="0">
-            <a:schemeClr val="dk1"/>
-          </a:fillRef>
-          <a:effectRef idx="2">
-            <a:schemeClr val="dk1"/>
-          </a:effectRef>
-          <a:fontRef idx="minor">
-            <a:schemeClr val="tx1"/>
-          </a:fontRef>
-        </p:style>
-      </p:cxnSp>
-      <p:cxnSp>
-        <p:nvCxnSpPr>
-          <p:cNvPr id="17" name="Straight Arrow Connector 16"/>
-          <p:cNvCxnSpPr/>
-          <p:nvPr/>
-        </p:nvCxnSpPr>
-        <p:spPr>
-          <a:xfrm>
-            <a:off x="7653406" y="4135326"/>
-            <a:ext cx="3024000" cy="430"/>
-          </a:xfrm>
-          <a:prstGeom prst="straightConnector1">
-            <a:avLst/>
-          </a:prstGeom>
-          <a:ln w="28575">
-            <a:headEnd type="triangle" w="med" len="med"/>
-            <a:tailEnd type="none" w="med" len="med"/>
-          </a:ln>
-        </p:spPr>
-        <p:style>
-          <a:lnRef idx="3">
-            <a:schemeClr val="accent2"/>
-          </a:lnRef>
-          <a:fillRef idx="0">
-            <a:schemeClr val="accent2"/>
-          </a:fillRef>
-          <a:effectRef idx="2">
-            <a:schemeClr val="accent2"/>
-          </a:effectRef>
-          <a:fontRef idx="minor">
-            <a:schemeClr val="tx1"/>
-          </a:fontRef>
-        </p:style>
-      </p:cxnSp>
-      <p:cxnSp>
-        <p:nvCxnSpPr>
-          <p:cNvPr id="21" name="Straight Arrow Connector 20"/>
-          <p:cNvCxnSpPr/>
-          <p:nvPr/>
-        </p:nvCxnSpPr>
-        <p:spPr>
-          <a:xfrm>
-            <a:off x="7654663" y="7311190"/>
-            <a:ext cx="3024000" cy="430"/>
-          </a:xfrm>
-          <a:prstGeom prst="straightConnector1">
-            <a:avLst/>
-          </a:prstGeom>
-          <a:ln w="28575">
-            <a:headEnd type="triangle" w="med" len="med"/>
-            <a:tailEnd type="none" w="med" len="med"/>
-          </a:ln>
-        </p:spPr>
-        <p:style>
-          <a:lnRef idx="3">
-            <a:schemeClr val="accent2"/>
-          </a:lnRef>
-          <a:fillRef idx="0">
-            <a:schemeClr val="accent2"/>
-          </a:fillRef>
-          <a:effectRef idx="2">
-            <a:schemeClr val="accent2"/>
-          </a:effectRef>
-          <a:fontRef idx="minor">
-            <a:schemeClr val="tx1"/>
-          </a:fontRef>
-        </p:style>
-      </p:cxnSp>
-      <p:cxnSp>
-        <p:nvCxnSpPr>
-          <p:cNvPr id="28" name="Straight Arrow Connector 27"/>
-          <p:cNvCxnSpPr/>
-          <p:nvPr/>
-        </p:nvCxnSpPr>
-        <p:spPr>
-          <a:xfrm flipV="1">
-            <a:off x="4432768" y="6021243"/>
-            <a:ext cx="3024000" cy="3688"/>
-          </a:xfrm>
-          <a:prstGeom prst="straightConnector1">
-            <a:avLst/>
-          </a:prstGeom>
-          <a:ln w="28575">
-            <a:headEnd type="none" w="med" len="med"/>
-            <a:tailEnd type="triangle" w="med" len="med"/>
-          </a:ln>
-        </p:spPr>
-        <p:style>
-          <a:lnRef idx="3">
-            <a:schemeClr val="accent2"/>
-          </a:lnRef>
-          <a:fillRef idx="0">
-            <a:schemeClr val="accent2"/>
-          </a:fillRef>
-          <a:effectRef idx="2">
-            <a:schemeClr val="accent2"/>
-          </a:effectRef>
-          <a:fontRef idx="minor">
-            <a:schemeClr val="tx1"/>
-          </a:fontRef>
-        </p:style>
-      </p:cxnSp>
-      <p:cxnSp>
-        <p:nvCxnSpPr>
-          <p:cNvPr id="29" name="Straight Arrow Connector 28"/>
-          <p:cNvCxnSpPr/>
-          <p:nvPr/>
-        </p:nvCxnSpPr>
-        <p:spPr>
-          <a:xfrm>
-            <a:off x="4431011" y="4280917"/>
-            <a:ext cx="3024000" cy="0"/>
-          </a:xfrm>
-          <a:prstGeom prst="straightConnector1">
-            <a:avLst/>
-          </a:prstGeom>
-          <a:ln w="28575">
-            <a:headEnd type="triangle" w="med" len="med"/>
-            <a:tailEnd type="none" w="med" len="med"/>
-          </a:ln>
-        </p:spPr>
-        <p:style>
-          <a:lnRef idx="3">
-            <a:schemeClr val="accent2"/>
-          </a:lnRef>
-          <a:fillRef idx="0">
-            <a:schemeClr val="accent2"/>
-          </a:fillRef>
-          <a:effectRef idx="2">
-            <a:schemeClr val="accent2"/>
-          </a:effectRef>
-          <a:fontRef idx="minor">
-            <a:schemeClr val="tx1"/>
-          </a:fontRef>
-        </p:style>
-      </p:cxnSp>
-      <p:cxnSp>
-        <p:nvCxnSpPr>
-          <p:cNvPr id="32" name="Straight Arrow Connector 31"/>
-          <p:cNvCxnSpPr/>
-          <p:nvPr/>
-        </p:nvCxnSpPr>
-        <p:spPr>
-          <a:xfrm>
-            <a:off x="4435127" y="4449793"/>
-            <a:ext cx="3024000" cy="0"/>
-          </a:xfrm>
-          <a:prstGeom prst="straightConnector1">
-            <a:avLst/>
-          </a:prstGeom>
-          <a:ln w="28575">
-            <a:prstDash val="sysDash"/>
-            <a:headEnd type="none" w="med" len="med"/>
-            <a:tailEnd type="triangle" w="med" len="med"/>
-          </a:ln>
-        </p:spPr>
-        <p:style>
-          <a:lnRef idx="3">
-            <a:schemeClr val="accent2"/>
-          </a:lnRef>
-          <a:fillRef idx="0">
-            <a:schemeClr val="accent2"/>
-          </a:fillRef>
-          <a:effectRef idx="2">
-            <a:schemeClr val="accent2"/>
-          </a:effectRef>
-          <a:fontRef idx="minor">
-            <a:schemeClr val="tx1"/>
-          </a:fontRef>
-        </p:style>
-      </p:cxnSp>
-      <p:cxnSp>
-        <p:nvCxnSpPr>
-          <p:cNvPr id="34" name="Straight Arrow Connector 33"/>
-          <p:cNvCxnSpPr/>
-          <p:nvPr/>
-        </p:nvCxnSpPr>
-        <p:spPr>
-          <a:xfrm>
-            <a:off x="1189131" y="2349254"/>
-            <a:ext cx="3016482" cy="0"/>
-          </a:xfrm>
-          <a:prstGeom prst="straightConnector1">
-            <a:avLst/>
-          </a:prstGeom>
-          <a:ln w="28575">
-            <a:prstDash val="sysDash"/>
-            <a:headEnd type="triangle" w="med" len="med"/>
-            <a:tailEnd type="none" w="med" len="med"/>
-          </a:ln>
-        </p:spPr>
-        <p:style>
-          <a:lnRef idx="3">
-            <a:schemeClr val="accent2"/>
-          </a:lnRef>
-          <a:fillRef idx="0">
-            <a:schemeClr val="accent2"/>
-          </a:fillRef>
-          <a:effectRef idx="2">
-            <a:schemeClr val="accent2"/>
-          </a:effectRef>
-          <a:fontRef idx="minor">
-            <a:schemeClr val="tx1"/>
-          </a:fontRef>
-        </p:style>
-      </p:cxnSp>
-      <p:cxnSp>
-        <p:nvCxnSpPr>
-          <p:cNvPr id="35" name="Straight Arrow Connector 34"/>
-          <p:cNvCxnSpPr/>
-          <p:nvPr/>
-        </p:nvCxnSpPr>
-        <p:spPr>
-          <a:xfrm>
-            <a:off x="1197369" y="2139189"/>
-            <a:ext cx="3016482" cy="0"/>
-          </a:xfrm>
-          <a:prstGeom prst="straightConnector1">
-            <a:avLst/>
-          </a:prstGeom>
-          <a:ln w="28575">
-            <a:headEnd type="none" w="med" len="med"/>
-            <a:tailEnd type="triangle" w="med" len="med"/>
-          </a:ln>
-        </p:spPr>
-        <p:style>
-          <a:lnRef idx="3">
-            <a:schemeClr val="accent2"/>
-          </a:lnRef>
-          <a:fillRef idx="0">
-            <a:schemeClr val="accent2"/>
-          </a:fillRef>
-          <a:effectRef idx="2">
-            <a:schemeClr val="accent2"/>
-          </a:effectRef>
-          <a:fontRef idx="minor">
-            <a:schemeClr val="tx1"/>
-          </a:fontRef>
-        </p:style>
-      </p:cxnSp>
-      <p:cxnSp>
-        <p:nvCxnSpPr>
-          <p:cNvPr id="36" name="Straight Arrow Connector 35"/>
-          <p:cNvCxnSpPr/>
-          <p:nvPr/>
-        </p:nvCxnSpPr>
-        <p:spPr>
-          <a:xfrm>
-            <a:off x="1180893" y="3475648"/>
-            <a:ext cx="3016482" cy="0"/>
-          </a:xfrm>
-          <a:prstGeom prst="straightConnector1">
-            <a:avLst/>
-          </a:prstGeom>
-          <a:ln w="28575">
-            <a:prstDash val="sysDash"/>
-            <a:headEnd type="triangle" w="med" len="med"/>
-            <a:tailEnd type="none" w="med" len="med"/>
-          </a:ln>
-        </p:spPr>
-        <p:style>
-          <a:lnRef idx="3">
-            <a:schemeClr val="accent2"/>
-          </a:lnRef>
-          <a:fillRef idx="0">
-            <a:schemeClr val="accent2"/>
-          </a:fillRef>
-          <a:effectRef idx="2">
-            <a:schemeClr val="accent2"/>
-          </a:effectRef>
-          <a:fontRef idx="minor">
-            <a:schemeClr val="tx1"/>
-          </a:fontRef>
-        </p:style>
-      </p:cxnSp>
-      <p:cxnSp>
-        <p:nvCxnSpPr>
-          <p:cNvPr id="37" name="Straight Arrow Connector 36"/>
-          <p:cNvCxnSpPr/>
-          <p:nvPr/>
-        </p:nvCxnSpPr>
-        <p:spPr>
-          <a:xfrm>
-            <a:off x="1197369" y="3265583"/>
-            <a:ext cx="3016482" cy="0"/>
-          </a:xfrm>
-          <a:prstGeom prst="straightConnector1">
-            <a:avLst/>
-          </a:prstGeom>
-          <a:ln w="28575">
-            <a:headEnd type="none" w="med" len="med"/>
-            <a:tailEnd type="triangle" w="med" len="med"/>
-          </a:ln>
-        </p:spPr>
-        <p:style>
-          <a:lnRef idx="3">
-            <a:schemeClr val="accent2"/>
-          </a:lnRef>
-          <a:fillRef idx="0">
-            <a:schemeClr val="accent2"/>
-          </a:fillRef>
-          <a:effectRef idx="2">
-            <a:schemeClr val="accent2"/>
-          </a:effectRef>
-          <a:fontRef idx="minor">
-            <a:schemeClr val="tx1"/>
-          </a:fontRef>
-        </p:style>
-      </p:cxnSp>
-      <p:cxnSp>
-        <p:nvCxnSpPr>
-          <p:cNvPr id="40" name="Straight Arrow Connector 39"/>
-          <p:cNvCxnSpPr/>
-          <p:nvPr/>
-        </p:nvCxnSpPr>
-        <p:spPr>
-          <a:xfrm>
-            <a:off x="1172655" y="8994348"/>
-            <a:ext cx="3016482" cy="0"/>
-          </a:xfrm>
-          <a:prstGeom prst="straightConnector1">
-            <a:avLst/>
-          </a:prstGeom>
-          <a:ln w="28575">
-            <a:prstDash val="sysDash"/>
-            <a:headEnd type="triangle" w="med" len="med"/>
-            <a:tailEnd type="none" w="med" len="med"/>
-          </a:ln>
-        </p:spPr>
-        <p:style>
-          <a:lnRef idx="3">
-            <a:schemeClr val="accent2"/>
-          </a:lnRef>
-          <a:fillRef idx="0">
-            <a:schemeClr val="accent2"/>
-          </a:fillRef>
-          <a:effectRef idx="2">
-            <a:schemeClr val="accent2"/>
-          </a:effectRef>
-          <a:fontRef idx="minor">
-            <a:schemeClr val="tx1"/>
-          </a:fontRef>
-        </p:style>
-      </p:cxnSp>
-      <p:cxnSp>
-        <p:nvCxnSpPr>
-          <p:cNvPr id="41" name="Straight Arrow Connector 40"/>
-          <p:cNvCxnSpPr/>
-          <p:nvPr/>
-        </p:nvCxnSpPr>
-        <p:spPr>
-          <a:xfrm>
-            <a:off x="1189131" y="8784283"/>
-            <a:ext cx="3016482" cy="0"/>
-          </a:xfrm>
-          <a:prstGeom prst="straightConnector1">
-            <a:avLst/>
-          </a:prstGeom>
-          <a:ln w="28575">
-            <a:headEnd type="none" w="med" len="med"/>
-            <a:tailEnd type="triangle" w="med" len="med"/>
-          </a:ln>
-        </p:spPr>
-        <p:style>
-          <a:lnRef idx="3">
-            <a:schemeClr val="accent2"/>
-          </a:lnRef>
-          <a:fillRef idx="0">
-            <a:schemeClr val="accent2"/>
-          </a:fillRef>
-          <a:effectRef idx="2">
-            <a:schemeClr val="accent2"/>
-          </a:effectRef>
-          <a:fontRef idx="minor">
-            <a:schemeClr val="tx1"/>
-          </a:fontRef>
-        </p:style>
-      </p:cxnSp>
-      <p:cxnSp>
-        <p:nvCxnSpPr>
-          <p:cNvPr id="43" name="Straight Arrow Connector 42"/>
-          <p:cNvCxnSpPr/>
-          <p:nvPr/>
-        </p:nvCxnSpPr>
-        <p:spPr>
-          <a:xfrm>
-            <a:off x="4431011" y="7657953"/>
-            <a:ext cx="3024000" cy="0"/>
-          </a:xfrm>
-          <a:prstGeom prst="straightConnector1">
-            <a:avLst/>
-          </a:prstGeom>
-          <a:ln w="28575">
-            <a:headEnd type="triangle" w="med" len="med"/>
-            <a:tailEnd type="none" w="med" len="med"/>
-          </a:ln>
-        </p:spPr>
-        <p:style>
-          <a:lnRef idx="3">
-            <a:schemeClr val="accent2"/>
-          </a:lnRef>
-          <a:fillRef idx="0">
-            <a:schemeClr val="accent2"/>
-          </a:fillRef>
-          <a:effectRef idx="2">
-            <a:schemeClr val="accent2"/>
-          </a:effectRef>
-          <a:fontRef idx="minor">
-            <a:schemeClr val="tx1"/>
-          </a:fontRef>
-        </p:style>
-      </p:cxnSp>
-      <p:sp>
-        <p:nvSpPr>
-          <p:cNvPr id="66" name="Arc 65"/>
-          <p:cNvSpPr/>
-          <p:nvPr/>
-        </p:nvSpPr>
-        <p:spPr>
-          <a:xfrm>
-            <a:off x="4222313" y="7866973"/>
-            <a:ext cx="457238" cy="462999"/>
-          </a:xfrm>
-          <a:prstGeom prst="arc">
-            <a:avLst>
-              <a:gd name="adj1" fmla="val 16200000"/>
-              <a:gd name="adj2" fmla="val 5368770"/>
-            </a:avLst>
-          </a:prstGeom>
-          <a:ln w="28575">
-            <a:headEnd type="none" w="med" len="med"/>
-            <a:tailEnd type="triangle" w="med" len="med"/>
-          </a:ln>
-        </p:spPr>
-        <p:style>
-          <a:lnRef idx="3">
-            <a:schemeClr val="accent2"/>
-          </a:lnRef>
-          <a:fillRef idx="0">
-            <a:schemeClr val="accent2"/>
-          </a:fillRef>
-          <a:effectRef idx="2">
-            <a:schemeClr val="accent2"/>
-          </a:effectRef>
-          <a:fontRef idx="minor">
-            <a:schemeClr val="tx1"/>
-          </a:fontRef>
-        </p:style>
-        <p:txBody>
-          <a:bodyPr rtlCol="0" anchor="ctr"/>
-          <a:lstStyle/>
-          <a:p>
-            <a:pPr algn="ctr"/>
-            <a:endParaRPr lang="en-GB" dirty="0"/>
-          </a:p>
-        </p:txBody>
-      </p:sp>
-      <p:cxnSp>
-        <p:nvCxnSpPr>
-          <p:cNvPr id="67" name="Straight Arrow Connector 66"/>
-          <p:cNvCxnSpPr/>
-          <p:nvPr/>
-        </p:nvCxnSpPr>
-        <p:spPr>
-          <a:xfrm flipV="1">
-            <a:off x="4435410" y="8560448"/>
-            <a:ext cx="3024000" cy="3688"/>
-          </a:xfrm>
-          <a:prstGeom prst="straightConnector1">
-            <a:avLst/>
-          </a:prstGeom>
-          <a:ln w="28575">
-            <a:headEnd type="none" w="med" len="med"/>
-            <a:tailEnd type="triangle" w="med" len="med"/>
-          </a:ln>
-        </p:spPr>
-        <p:style>
-          <a:lnRef idx="3">
-            <a:schemeClr val="accent2"/>
-          </a:lnRef>
-          <a:fillRef idx="0">
-            <a:schemeClr val="accent2"/>
-          </a:fillRef>
-          <a:effectRef idx="2">
-            <a:schemeClr val="accent2"/>
-          </a:effectRef>
-          <a:fontRef idx="minor">
-            <a:schemeClr val="tx1"/>
-          </a:fontRef>
-        </p:style>
-      </p:cxnSp>
-      <p:sp>
-        <p:nvSpPr>
-          <p:cNvPr id="68" name="TextBox 67"/>
-          <p:cNvSpPr txBox="1"/>
-          <p:nvPr/>
-        </p:nvSpPr>
-        <p:spPr>
-          <a:xfrm>
-            <a:off x="4354031" y="4081415"/>
-            <a:ext cx="3179240" cy="169277"/>
-          </a:xfrm>
-          <a:prstGeom prst="rect">
-            <a:avLst/>
-          </a:prstGeom>
-          <a:noFill/>
-        </p:spPr>
-        <p:txBody>
-          <a:bodyPr wrap="square" lIns="0" tIns="0" rIns="0" bIns="0" rtlCol="0">
-            <a:spAutoFit/>
-          </a:bodyPr>
-          <a:lstStyle/>
-          <a:p>
-            <a:pPr algn="ctr"/>
-            <a:r>
-              <a:rPr lang="da-DK" sz="1100" b="1" dirty="0">
-                <a:solidFill>
-                  <a:schemeClr val="accent4"/>
-                </a:solidFill>
-              </a:rPr>
-              <a:t>Check-in</a:t>
-            </a:r>
-            <a:endParaRPr lang="en-GB" sz="1100" b="1" dirty="0">
-              <a:solidFill>
-                <a:schemeClr val="accent4"/>
-              </a:solidFill>
-            </a:endParaRPr>
-          </a:p>
-        </p:txBody>
-      </p:sp>
-      <p:sp>
-        <p:nvSpPr>
-          <p:cNvPr id="69" name="TextBox 68"/>
-          <p:cNvSpPr txBox="1"/>
-          <p:nvPr/>
-        </p:nvSpPr>
-        <p:spPr>
-          <a:xfrm>
-            <a:off x="7615656" y="3935157"/>
-            <a:ext cx="3125243" cy="169277"/>
-          </a:xfrm>
-          <a:prstGeom prst="rect">
-            <a:avLst/>
-          </a:prstGeom>
-          <a:noFill/>
-        </p:spPr>
-        <p:txBody>
-          <a:bodyPr wrap="square" lIns="0" tIns="0" rIns="0" bIns="0" rtlCol="0">
-            <a:spAutoFit/>
-          </a:bodyPr>
-          <a:lstStyle/>
-          <a:p>
-            <a:pPr algn="ctr"/>
-            <a:r>
-              <a:rPr lang="da-DK" sz="1100" b="1" dirty="0">
-                <a:solidFill>
-                  <a:schemeClr val="accent4"/>
-                </a:solidFill>
-              </a:rPr>
-              <a:t>Connect (</a:t>
-            </a:r>
-            <a:r>
-              <a:rPr lang="da-DK" sz="1100" b="1" dirty="0" err="1">
-                <a:solidFill>
-                  <a:schemeClr val="accent4"/>
-                </a:solidFill>
-              </a:rPr>
-              <a:t>QR</a:t>
-            </a:r>
-            <a:r>
-              <a:rPr lang="da-DK" sz="1100" b="1" dirty="0">
-                <a:solidFill>
-                  <a:schemeClr val="accent4"/>
-                </a:solidFill>
-              </a:rPr>
-              <a:t> or Bluetooth)</a:t>
-            </a:r>
-            <a:endParaRPr lang="en-GB" sz="1100" b="1" dirty="0">
-              <a:solidFill>
-                <a:schemeClr val="accent4"/>
-              </a:solidFill>
-            </a:endParaRPr>
-          </a:p>
-        </p:txBody>
-      </p:sp>
-      <p:sp>
-        <p:nvSpPr>
-          <p:cNvPr id="70" name="TextBox 69"/>
-          <p:cNvSpPr txBox="1"/>
-          <p:nvPr/>
-        </p:nvSpPr>
-        <p:spPr>
-          <a:xfrm>
-            <a:off x="4321377" y="4479306"/>
-            <a:ext cx="3240280" cy="169277"/>
-          </a:xfrm>
-          <a:prstGeom prst="rect">
-            <a:avLst/>
-          </a:prstGeom>
-          <a:noFill/>
-        </p:spPr>
-        <p:txBody>
-          <a:bodyPr wrap="square" lIns="0" tIns="0" rIns="0" bIns="0" rtlCol="0">
-            <a:spAutoFit/>
-          </a:bodyPr>
-          <a:lstStyle/>
-          <a:p>
-            <a:pPr algn="ctr"/>
-            <a:r>
-              <a:rPr lang="da-DK" sz="1100" b="1" dirty="0">
-                <a:solidFill>
-                  <a:schemeClr val="accent4"/>
-                </a:solidFill>
-              </a:rPr>
-              <a:t>Store information</a:t>
-            </a:r>
-            <a:endParaRPr lang="en-GB" sz="1100" b="1" dirty="0">
-              <a:solidFill>
-                <a:schemeClr val="accent4"/>
-              </a:solidFill>
-            </a:endParaRPr>
-          </a:p>
-        </p:txBody>
-      </p:sp>
-      <p:sp>
-        <p:nvSpPr>
-          <p:cNvPr id="71" name="TextBox 70"/>
-          <p:cNvSpPr txBox="1"/>
-          <p:nvPr/>
-        </p:nvSpPr>
-        <p:spPr>
-          <a:xfrm>
-            <a:off x="1077083" y="1937746"/>
-            <a:ext cx="3248562" cy="169277"/>
-          </a:xfrm>
-          <a:prstGeom prst="rect">
-            <a:avLst/>
-          </a:prstGeom>
-          <a:noFill/>
-        </p:spPr>
-        <p:txBody>
-          <a:bodyPr wrap="square" lIns="0" tIns="0" rIns="0" bIns="0" rtlCol="0">
-            <a:spAutoFit/>
-          </a:bodyPr>
-          <a:lstStyle/>
-          <a:p>
-            <a:pPr algn="ctr"/>
-            <a:r>
-              <a:rPr lang="da-DK" sz="1100" b="1" dirty="0">
-                <a:solidFill>
-                  <a:schemeClr val="accent4"/>
-                </a:solidFill>
-              </a:rPr>
-              <a:t>POST /</a:t>
-            </a:r>
-            <a:r>
-              <a:rPr lang="da-DK" sz="1100" b="1" dirty="0" err="1">
-                <a:solidFill>
-                  <a:schemeClr val="accent4"/>
-                </a:solidFill>
-              </a:rPr>
-              <a:t>payments</a:t>
-            </a:r>
-            <a:r>
-              <a:rPr lang="da-DK" sz="1100" b="1" dirty="0">
-                <a:solidFill>
-                  <a:schemeClr val="accent4"/>
-                </a:solidFill>
-              </a:rPr>
-              <a:t>/</a:t>
-            </a:r>
-            <a:r>
-              <a:rPr lang="da-DK" sz="1100" b="1" dirty="0" err="1">
-                <a:solidFill>
-                  <a:schemeClr val="accent4"/>
-                </a:solidFill>
-              </a:rPr>
-              <a:t>prepare</a:t>
-            </a:r>
-            <a:endParaRPr lang="en-GB" sz="1100" b="1" dirty="0">
-              <a:solidFill>
-                <a:schemeClr val="accent4"/>
-              </a:solidFill>
-            </a:endParaRPr>
-          </a:p>
-        </p:txBody>
-      </p:sp>
-      <p:sp>
-        <p:nvSpPr>
-          <p:cNvPr id="72" name="TextBox 71"/>
-          <p:cNvSpPr txBox="1"/>
-          <p:nvPr/>
-        </p:nvSpPr>
-        <p:spPr>
-          <a:xfrm>
-            <a:off x="1077084" y="2378132"/>
-            <a:ext cx="3252828" cy="169277"/>
-          </a:xfrm>
-          <a:prstGeom prst="rect">
-            <a:avLst/>
-          </a:prstGeom>
-          <a:noFill/>
-        </p:spPr>
-        <p:txBody>
-          <a:bodyPr wrap="square" lIns="0" tIns="0" rIns="0" bIns="0" rtlCol="0">
-            <a:spAutoFit/>
-          </a:bodyPr>
-          <a:lstStyle/>
-          <a:p>
-            <a:pPr algn="ctr"/>
-            <a:r>
-              <a:rPr lang="da-DK" sz="1100" b="1" dirty="0">
-                <a:solidFill>
-                  <a:schemeClr val="accent4"/>
-                </a:solidFill>
-              </a:rPr>
-              <a:t>Payment ID</a:t>
-            </a:r>
-            <a:endParaRPr lang="en-GB" sz="1100" b="1" dirty="0">
-              <a:solidFill>
-                <a:schemeClr val="accent4"/>
-              </a:solidFill>
-            </a:endParaRPr>
-          </a:p>
-        </p:txBody>
-      </p:sp>
-      <p:sp>
-        <p:nvSpPr>
-          <p:cNvPr id="73" name="TextBox 72"/>
-          <p:cNvSpPr txBox="1"/>
-          <p:nvPr/>
-        </p:nvSpPr>
-        <p:spPr>
-          <a:xfrm>
-            <a:off x="1077083" y="3054163"/>
-            <a:ext cx="3244294" cy="169277"/>
-          </a:xfrm>
-          <a:prstGeom prst="rect">
-            <a:avLst/>
-          </a:prstGeom>
-          <a:noFill/>
-        </p:spPr>
-        <p:txBody>
-          <a:bodyPr wrap="square" lIns="0" tIns="0" rIns="0" bIns="0" rtlCol="0">
-            <a:spAutoFit/>
-          </a:bodyPr>
-          <a:lstStyle/>
-          <a:p>
-            <a:pPr algn="ctr"/>
-            <a:r>
-              <a:rPr lang="da-DK" sz="1100" b="1" dirty="0">
-                <a:solidFill>
-                  <a:schemeClr val="accent4"/>
-                </a:solidFill>
-              </a:rPr>
-              <a:t>GET /</a:t>
-            </a:r>
-            <a:r>
-              <a:rPr lang="da-DK" sz="1100" b="1" dirty="0" err="1">
-                <a:solidFill>
-                  <a:schemeClr val="accent4"/>
-                </a:solidFill>
-              </a:rPr>
-              <a:t>payments</a:t>
-            </a:r>
-            <a:r>
-              <a:rPr lang="da-DK" sz="1100" b="1" dirty="0">
-                <a:solidFill>
-                  <a:schemeClr val="accent4"/>
-                </a:solidFill>
-              </a:rPr>
-              <a:t>/{paymentId}</a:t>
-            </a:r>
-            <a:endParaRPr lang="en-GB" sz="1100" b="1" dirty="0">
-              <a:solidFill>
-                <a:schemeClr val="accent4"/>
-              </a:solidFill>
-            </a:endParaRPr>
-          </a:p>
-        </p:txBody>
-      </p:sp>
-      <p:sp>
-        <p:nvSpPr>
-          <p:cNvPr id="74" name="TextBox 73"/>
-          <p:cNvSpPr txBox="1"/>
-          <p:nvPr/>
-        </p:nvSpPr>
-        <p:spPr>
-          <a:xfrm>
-            <a:off x="1081353" y="3506046"/>
-            <a:ext cx="3240025" cy="169277"/>
-          </a:xfrm>
-          <a:prstGeom prst="rect">
-            <a:avLst/>
-          </a:prstGeom>
-          <a:noFill/>
-        </p:spPr>
-        <p:txBody>
-          <a:bodyPr wrap="square" lIns="0" tIns="0" rIns="0" bIns="0" rtlCol="0">
-            <a:spAutoFit/>
-          </a:bodyPr>
-          <a:lstStyle/>
-          <a:p>
-            <a:pPr algn="ctr"/>
-            <a:r>
-              <a:rPr lang="da-DK" sz="1100" b="1" dirty="0">
-                <a:solidFill>
-                  <a:schemeClr val="accent4"/>
-                </a:solidFill>
-              </a:rPr>
-              <a:t>Payment, status = </a:t>
-            </a:r>
-            <a:r>
-              <a:rPr lang="da-DK" sz="1100" b="1" dirty="0" err="1">
-                <a:solidFill>
-                  <a:schemeClr val="accent4"/>
-                </a:solidFill>
-              </a:rPr>
-              <a:t>Prepared</a:t>
-            </a:r>
-            <a:endParaRPr lang="en-GB" sz="1100" b="1" dirty="0">
-              <a:solidFill>
-                <a:schemeClr val="accent4"/>
-              </a:solidFill>
-            </a:endParaRPr>
-          </a:p>
-        </p:txBody>
-      </p:sp>
-      <p:sp>
-        <p:nvSpPr>
-          <p:cNvPr id="75" name="TextBox 74"/>
-          <p:cNvSpPr txBox="1"/>
-          <p:nvPr/>
-        </p:nvSpPr>
-        <p:spPr>
-          <a:xfrm>
-            <a:off x="4452144" y="5796393"/>
-            <a:ext cx="3002287" cy="169277"/>
-          </a:xfrm>
-          <a:prstGeom prst="rect">
-            <a:avLst/>
-          </a:prstGeom>
-          <a:noFill/>
-        </p:spPr>
-        <p:txBody>
-          <a:bodyPr wrap="square" lIns="0" tIns="0" rIns="0" bIns="0" rtlCol="0">
-            <a:spAutoFit/>
-          </a:bodyPr>
-          <a:lstStyle/>
-          <a:p>
-            <a:pPr algn="ctr"/>
-            <a:r>
-              <a:rPr lang="da-DK" sz="1100" b="1" dirty="0">
-                <a:solidFill>
-                  <a:schemeClr val="accent4"/>
-                </a:solidFill>
-              </a:rPr>
-              <a:t>Payment request</a:t>
-            </a:r>
-            <a:endParaRPr lang="en-GB" sz="1100" b="1" dirty="0">
-              <a:solidFill>
-                <a:schemeClr val="accent4"/>
-              </a:solidFill>
-            </a:endParaRPr>
-          </a:p>
-        </p:txBody>
-      </p:sp>
-      <p:sp>
-        <p:nvSpPr>
-          <p:cNvPr id="76" name="TextBox 75"/>
-          <p:cNvSpPr txBox="1"/>
-          <p:nvPr/>
-        </p:nvSpPr>
-        <p:spPr>
-          <a:xfrm>
-            <a:off x="7674794" y="7100869"/>
-            <a:ext cx="3002287" cy="169277"/>
-          </a:xfrm>
-          <a:prstGeom prst="rect">
-            <a:avLst/>
-          </a:prstGeom>
-          <a:noFill/>
-        </p:spPr>
-        <p:txBody>
-          <a:bodyPr wrap="square" lIns="0" tIns="0" rIns="0" bIns="0" rtlCol="0">
-            <a:spAutoFit/>
-          </a:bodyPr>
-          <a:lstStyle/>
-          <a:p>
-            <a:pPr algn="ctr"/>
-            <a:r>
-              <a:rPr lang="da-DK" sz="1100" b="1" dirty="0" err="1">
-                <a:solidFill>
-                  <a:schemeClr val="accent4"/>
-                </a:solidFill>
-              </a:rPr>
-              <a:t>Swipe</a:t>
-            </a:r>
-            <a:r>
-              <a:rPr lang="da-DK" sz="1100" b="1" dirty="0">
-                <a:solidFill>
-                  <a:schemeClr val="accent4"/>
-                </a:solidFill>
-              </a:rPr>
-              <a:t> to accept payment</a:t>
-            </a:r>
-            <a:endParaRPr lang="en-GB" sz="1100" b="1" dirty="0">
-              <a:solidFill>
-                <a:schemeClr val="accent4"/>
-              </a:solidFill>
-            </a:endParaRPr>
-          </a:p>
-        </p:txBody>
-      </p:sp>
-      <p:sp>
-        <p:nvSpPr>
-          <p:cNvPr id="77" name="TextBox 76"/>
-          <p:cNvSpPr txBox="1"/>
-          <p:nvPr/>
-        </p:nvSpPr>
-        <p:spPr>
-          <a:xfrm>
-            <a:off x="4405855" y="7449878"/>
-            <a:ext cx="3002287" cy="169277"/>
-          </a:xfrm>
-          <a:prstGeom prst="rect">
-            <a:avLst/>
-          </a:prstGeom>
-          <a:noFill/>
-        </p:spPr>
-        <p:txBody>
-          <a:bodyPr wrap="square" lIns="0" tIns="0" rIns="0" bIns="0" rtlCol="0">
-            <a:spAutoFit/>
-          </a:bodyPr>
-          <a:lstStyle/>
-          <a:p>
-            <a:pPr algn="ctr"/>
-            <a:r>
-              <a:rPr lang="da-DK" sz="1100" b="1" dirty="0">
-                <a:solidFill>
-                  <a:schemeClr val="accent4"/>
-                </a:solidFill>
-              </a:rPr>
-              <a:t>Accept payment request</a:t>
-            </a:r>
-            <a:endParaRPr lang="en-GB" sz="1100" b="1" dirty="0">
-              <a:solidFill>
-                <a:schemeClr val="accent4"/>
-              </a:solidFill>
-            </a:endParaRPr>
-          </a:p>
-        </p:txBody>
-      </p:sp>
-      <p:sp>
-        <p:nvSpPr>
-          <p:cNvPr id="79" name="TextBox 78"/>
-          <p:cNvSpPr txBox="1"/>
-          <p:nvPr/>
-        </p:nvSpPr>
-        <p:spPr>
-          <a:xfrm>
-            <a:off x="4746092" y="8056168"/>
-            <a:ext cx="2404191" cy="169277"/>
-          </a:xfrm>
-          <a:prstGeom prst="rect">
-            <a:avLst/>
-          </a:prstGeom>
-          <a:noFill/>
-        </p:spPr>
-        <p:txBody>
-          <a:bodyPr wrap="square" lIns="0" tIns="0" rIns="0" bIns="0" rtlCol="0">
-            <a:spAutoFit/>
-          </a:bodyPr>
-          <a:lstStyle/>
-          <a:p>
-            <a:r>
-              <a:rPr lang="da-DK" sz="1100" b="1" dirty="0">
-                <a:solidFill>
-                  <a:schemeClr val="accent4"/>
-                </a:solidFill>
-              </a:rPr>
-              <a:t>Reserve Payment</a:t>
-            </a:r>
-            <a:endParaRPr lang="en-GB" sz="1100" b="1" dirty="0">
-              <a:solidFill>
-                <a:schemeClr val="accent4"/>
-              </a:solidFill>
-            </a:endParaRPr>
-          </a:p>
-        </p:txBody>
-      </p:sp>
-      <p:sp>
-        <p:nvSpPr>
-          <p:cNvPr id="80" name="TextBox 79"/>
-          <p:cNvSpPr txBox="1"/>
-          <p:nvPr/>
-        </p:nvSpPr>
-        <p:spPr>
-          <a:xfrm>
-            <a:off x="4444651" y="8591038"/>
-            <a:ext cx="3002287" cy="169277"/>
-          </a:xfrm>
-          <a:prstGeom prst="rect">
-            <a:avLst/>
-          </a:prstGeom>
-          <a:noFill/>
-        </p:spPr>
-        <p:txBody>
-          <a:bodyPr wrap="square" lIns="0" tIns="0" rIns="0" bIns="0" rtlCol="0">
-            <a:spAutoFit/>
-          </a:bodyPr>
-          <a:lstStyle/>
-          <a:p>
-            <a:pPr algn="ctr"/>
-            <a:r>
-              <a:rPr lang="da-DK" sz="1100" b="1" dirty="0">
-                <a:solidFill>
-                  <a:schemeClr val="accent4"/>
-                </a:solidFill>
-              </a:rPr>
-              <a:t>App receipt</a:t>
-            </a:r>
-            <a:endParaRPr lang="en-GB" sz="1100" b="1" dirty="0">
-              <a:solidFill>
-                <a:schemeClr val="accent4"/>
-              </a:solidFill>
-            </a:endParaRPr>
-          </a:p>
-        </p:txBody>
-      </p:sp>
-      <p:sp>
-        <p:nvSpPr>
-          <p:cNvPr id="82" name="TextBox 81"/>
-          <p:cNvSpPr txBox="1"/>
-          <p:nvPr/>
-        </p:nvSpPr>
-        <p:spPr>
-          <a:xfrm>
-            <a:off x="1178838" y="8577955"/>
-            <a:ext cx="3002287" cy="169277"/>
-          </a:xfrm>
-          <a:prstGeom prst="rect">
-            <a:avLst/>
-          </a:prstGeom>
-          <a:noFill/>
-        </p:spPr>
-        <p:txBody>
-          <a:bodyPr wrap="square" lIns="0" tIns="0" rIns="0" bIns="0" rtlCol="0">
-            <a:spAutoFit/>
-          </a:bodyPr>
-          <a:lstStyle/>
-          <a:p>
-            <a:pPr algn="ctr"/>
-            <a:r>
-              <a:rPr lang="da-DK" sz="1100" b="1" dirty="0">
-                <a:solidFill>
-                  <a:schemeClr val="accent4"/>
-                </a:solidFill>
-              </a:rPr>
-              <a:t>GET /</a:t>
-            </a:r>
-            <a:r>
-              <a:rPr lang="da-DK" sz="1100" b="1" dirty="0" err="1">
-                <a:solidFill>
-                  <a:schemeClr val="accent4"/>
-                </a:solidFill>
-              </a:rPr>
-              <a:t>payments</a:t>
-            </a:r>
-            <a:r>
-              <a:rPr lang="da-DK" sz="1100" b="1" dirty="0">
-                <a:solidFill>
-                  <a:schemeClr val="accent4"/>
-                </a:solidFill>
-              </a:rPr>
-              <a:t>/{paymentId}</a:t>
-            </a:r>
-            <a:endParaRPr lang="en-GB" sz="1100" b="1" dirty="0">
-              <a:solidFill>
-                <a:schemeClr val="accent4"/>
-              </a:solidFill>
-            </a:endParaRPr>
-          </a:p>
-        </p:txBody>
-      </p:sp>
-      <p:sp>
-        <p:nvSpPr>
-          <p:cNvPr id="84" name="TextBox 83"/>
-          <p:cNvSpPr txBox="1"/>
-          <p:nvPr/>
-        </p:nvSpPr>
-        <p:spPr>
-          <a:xfrm>
-            <a:off x="1197867" y="9030614"/>
-            <a:ext cx="3002287" cy="169277"/>
-          </a:xfrm>
-          <a:prstGeom prst="rect">
-            <a:avLst/>
-          </a:prstGeom>
-          <a:noFill/>
-        </p:spPr>
-        <p:txBody>
-          <a:bodyPr wrap="square" lIns="0" tIns="0" rIns="0" bIns="0" rtlCol="0">
-            <a:spAutoFit/>
-          </a:bodyPr>
-          <a:lstStyle/>
-          <a:p>
-            <a:pPr algn="ctr"/>
-            <a:r>
-              <a:rPr lang="da-DK" sz="1100" b="1" dirty="0">
-                <a:solidFill>
-                  <a:schemeClr val="accent4"/>
-                </a:solidFill>
-              </a:rPr>
-              <a:t>Payment, status = </a:t>
-            </a:r>
-            <a:r>
-              <a:rPr lang="da-DK" sz="1100" b="1" dirty="0" err="1">
-                <a:solidFill>
-                  <a:schemeClr val="accent4"/>
-                </a:solidFill>
-              </a:rPr>
-              <a:t>Reserved</a:t>
-            </a:r>
-            <a:endParaRPr lang="en-GB" sz="1100" b="1" dirty="0">
-              <a:solidFill>
-                <a:schemeClr val="accent4"/>
-              </a:solidFill>
-            </a:endParaRPr>
-          </a:p>
-        </p:txBody>
-      </p:sp>
-      <p:cxnSp>
-        <p:nvCxnSpPr>
-          <p:cNvPr id="44" name="Straight Arrow Connector 43"/>
-          <p:cNvCxnSpPr/>
-          <p:nvPr/>
-        </p:nvCxnSpPr>
-        <p:spPr>
-          <a:xfrm>
-            <a:off x="1197363" y="5868434"/>
-            <a:ext cx="3016482" cy="0"/>
-          </a:xfrm>
-          <a:prstGeom prst="straightConnector1">
-            <a:avLst/>
-          </a:prstGeom>
-          <a:ln w="28575">
-            <a:headEnd type="none" w="med" len="med"/>
-            <a:tailEnd type="triangle" w="med" len="med"/>
-          </a:ln>
-        </p:spPr>
-        <p:style>
-          <a:lnRef idx="3">
-            <a:schemeClr val="accent2"/>
-          </a:lnRef>
-          <a:fillRef idx="0">
-            <a:schemeClr val="accent2"/>
-          </a:fillRef>
-          <a:effectRef idx="2">
-            <a:schemeClr val="accent2"/>
-          </a:effectRef>
-          <a:fontRef idx="minor">
-            <a:schemeClr val="tx1"/>
-          </a:fontRef>
-        </p:style>
-      </p:cxnSp>
-      <p:sp>
-        <p:nvSpPr>
-          <p:cNvPr id="45" name="TextBox 44"/>
-          <p:cNvSpPr txBox="1"/>
-          <p:nvPr/>
-        </p:nvSpPr>
-        <p:spPr>
-          <a:xfrm>
-            <a:off x="1077077" y="5666991"/>
-            <a:ext cx="3248562" cy="169277"/>
-          </a:xfrm>
-          <a:prstGeom prst="rect">
-            <a:avLst/>
-          </a:prstGeom>
-          <a:noFill/>
-        </p:spPr>
-        <p:txBody>
-          <a:bodyPr wrap="square" lIns="0" tIns="0" rIns="0" bIns="0" rtlCol="0">
-            <a:spAutoFit/>
-          </a:bodyPr>
-          <a:lstStyle/>
-          <a:p>
-            <a:pPr algn="ctr"/>
-            <a:r>
-              <a:rPr lang="da-DK" sz="1100" b="1" dirty="0">
-                <a:solidFill>
-                  <a:schemeClr val="accent4"/>
-                </a:solidFill>
-              </a:rPr>
-              <a:t>POST /</a:t>
-            </a:r>
-            <a:r>
-              <a:rPr lang="da-DK" sz="1100" b="1" dirty="0" err="1">
-                <a:solidFill>
-                  <a:schemeClr val="accent4"/>
-                </a:solidFill>
-              </a:rPr>
-              <a:t>payments</a:t>
-            </a:r>
-            <a:r>
-              <a:rPr lang="da-DK" sz="1100" b="1" dirty="0">
-                <a:solidFill>
-                  <a:schemeClr val="accent4"/>
-                </a:solidFill>
-              </a:rPr>
-              <a:t>/{</a:t>
-            </a:r>
-            <a:r>
-              <a:rPr lang="da-DK" sz="1100" b="1" dirty="0" err="1">
-                <a:solidFill>
-                  <a:schemeClr val="accent4"/>
-                </a:solidFill>
-              </a:rPr>
-              <a:t>paymentId</a:t>
-            </a:r>
-            <a:r>
-              <a:rPr lang="da-DK" sz="1100" b="1" dirty="0">
-                <a:solidFill>
-                  <a:schemeClr val="accent4"/>
-                </a:solidFill>
-              </a:rPr>
-              <a:t>}/</a:t>
-            </a:r>
-            <a:r>
-              <a:rPr lang="da-DK" sz="1100" b="1" dirty="0" err="1">
-                <a:solidFill>
-                  <a:schemeClr val="accent4"/>
-                </a:solidFill>
-              </a:rPr>
-              <a:t>ready</a:t>
-            </a:r>
-            <a:endParaRPr lang="en-GB" sz="1100" b="1" dirty="0">
-              <a:solidFill>
-                <a:schemeClr val="accent4"/>
-              </a:solidFill>
-            </a:endParaRPr>
-          </a:p>
-        </p:txBody>
-      </p:sp>
-      <p:sp>
-        <p:nvSpPr>
-          <p:cNvPr id="52" name="TextBox 51"/>
-          <p:cNvSpPr txBox="1"/>
-          <p:nvPr/>
-        </p:nvSpPr>
-        <p:spPr>
-          <a:xfrm>
-            <a:off x="544160" y="6388876"/>
-            <a:ext cx="4135395" cy="846386"/>
-          </a:xfrm>
-          <a:prstGeom prst="rect">
-            <a:avLst/>
-          </a:prstGeom>
-          <a:noFill/>
-          <a:ln w="38100">
-            <a:prstDash val="sysDash"/>
-          </a:ln>
-        </p:spPr>
-        <p:style>
-          <a:lnRef idx="2">
-            <a:schemeClr val="accent6"/>
-          </a:lnRef>
-          <a:fillRef idx="1">
-            <a:schemeClr val="lt1"/>
-          </a:fillRef>
-          <a:effectRef idx="0">
-            <a:schemeClr val="accent6"/>
-          </a:effectRef>
-          <a:fontRef idx="minor">
-            <a:schemeClr val="dk1"/>
-          </a:fontRef>
-        </p:style>
-        <p:txBody>
-          <a:bodyPr wrap="square" lIns="0" tIns="0" rIns="0" bIns="0" rtlCol="0">
-            <a:spAutoFit/>
-          </a:bodyPr>
-          <a:lstStyle/>
-          <a:p>
-            <a:r>
-              <a:rPr lang="da-DK" sz="1100" b="1" dirty="0">
-                <a:solidFill>
-                  <a:schemeClr val="accent6"/>
-                </a:solidFill>
-              </a:rPr>
-              <a:t> LOOP</a:t>
-            </a:r>
-          </a:p>
-          <a:p>
-            <a:endParaRPr lang="da-DK" sz="1100" dirty="0"/>
-          </a:p>
-          <a:p>
-            <a:endParaRPr lang="da-DK" sz="1100" dirty="0"/>
-          </a:p>
-          <a:p>
-            <a:endParaRPr lang="da-DK" sz="1100" dirty="0"/>
-          </a:p>
-          <a:p>
-            <a:endParaRPr lang="en-GB" sz="1100" dirty="0"/>
-          </a:p>
-        </p:txBody>
-      </p:sp>
-      <p:cxnSp>
-        <p:nvCxnSpPr>
-          <p:cNvPr id="53" name="Straight Arrow Connector 52"/>
-          <p:cNvCxnSpPr/>
-          <p:nvPr/>
-        </p:nvCxnSpPr>
-        <p:spPr>
-          <a:xfrm>
-            <a:off x="1180895" y="6920942"/>
-            <a:ext cx="3016482" cy="0"/>
-          </a:xfrm>
-          <a:prstGeom prst="straightConnector1">
-            <a:avLst/>
-          </a:prstGeom>
-          <a:ln w="28575">
-            <a:prstDash val="sysDash"/>
-            <a:headEnd type="triangle" w="med" len="med"/>
-            <a:tailEnd type="none" w="med" len="med"/>
-          </a:ln>
-        </p:spPr>
-        <p:style>
-          <a:lnRef idx="3">
-            <a:schemeClr val="accent2"/>
-          </a:lnRef>
-          <a:fillRef idx="0">
-            <a:schemeClr val="accent2"/>
-          </a:fillRef>
-          <a:effectRef idx="2">
-            <a:schemeClr val="accent2"/>
-          </a:effectRef>
-          <a:fontRef idx="minor">
-            <a:schemeClr val="tx1"/>
-          </a:fontRef>
-        </p:style>
-      </p:cxnSp>
-      <p:cxnSp>
-        <p:nvCxnSpPr>
-          <p:cNvPr id="54" name="Straight Arrow Connector 53"/>
-          <p:cNvCxnSpPr/>
-          <p:nvPr/>
-        </p:nvCxnSpPr>
-        <p:spPr>
-          <a:xfrm>
-            <a:off x="1197371" y="6710877"/>
-            <a:ext cx="3016482" cy="0"/>
-          </a:xfrm>
-          <a:prstGeom prst="straightConnector1">
-            <a:avLst/>
-          </a:prstGeom>
-          <a:ln w="28575">
-            <a:headEnd type="none" w="med" len="med"/>
-            <a:tailEnd type="triangle" w="med" len="med"/>
-          </a:ln>
-        </p:spPr>
-        <p:style>
-          <a:lnRef idx="3">
-            <a:schemeClr val="accent2"/>
-          </a:lnRef>
-          <a:fillRef idx="0">
-            <a:schemeClr val="accent2"/>
-          </a:fillRef>
-          <a:effectRef idx="2">
-            <a:schemeClr val="accent2"/>
-          </a:effectRef>
-          <a:fontRef idx="minor">
-            <a:schemeClr val="tx1"/>
-          </a:fontRef>
-        </p:style>
-      </p:cxnSp>
-      <p:sp>
-        <p:nvSpPr>
-          <p:cNvPr id="55" name="TextBox 54"/>
-          <p:cNvSpPr txBox="1"/>
-          <p:nvPr/>
-        </p:nvSpPr>
-        <p:spPr>
-          <a:xfrm>
-            <a:off x="1077085" y="6499457"/>
-            <a:ext cx="3244294" cy="169277"/>
-          </a:xfrm>
-          <a:prstGeom prst="rect">
-            <a:avLst/>
-          </a:prstGeom>
-          <a:noFill/>
-        </p:spPr>
-        <p:txBody>
-          <a:bodyPr wrap="square" lIns="0" tIns="0" rIns="0" bIns="0" rtlCol="0">
-            <a:spAutoFit/>
-          </a:bodyPr>
-          <a:lstStyle/>
-          <a:p>
-            <a:pPr algn="ctr"/>
-            <a:r>
-              <a:rPr lang="da-DK" sz="1100" b="1" dirty="0">
-                <a:solidFill>
-                  <a:schemeClr val="accent4"/>
-                </a:solidFill>
-              </a:rPr>
-              <a:t>GET /</a:t>
-            </a:r>
-            <a:r>
-              <a:rPr lang="da-DK" sz="1100" b="1" dirty="0" err="1">
-                <a:solidFill>
-                  <a:schemeClr val="accent4"/>
-                </a:solidFill>
-              </a:rPr>
-              <a:t>payments</a:t>
-            </a:r>
-            <a:r>
-              <a:rPr lang="da-DK" sz="1100" b="1" dirty="0">
-                <a:solidFill>
-                  <a:schemeClr val="accent4"/>
-                </a:solidFill>
-              </a:rPr>
-              <a:t>/{paymentId}</a:t>
-            </a:r>
-            <a:endParaRPr lang="en-GB" sz="1100" b="1" dirty="0">
-              <a:solidFill>
-                <a:schemeClr val="accent4"/>
-              </a:solidFill>
-            </a:endParaRPr>
-          </a:p>
-        </p:txBody>
-      </p:sp>
-      <p:sp>
-        <p:nvSpPr>
-          <p:cNvPr id="56" name="TextBox 55"/>
-          <p:cNvSpPr txBox="1"/>
-          <p:nvPr/>
-        </p:nvSpPr>
-        <p:spPr>
-          <a:xfrm>
-            <a:off x="1081355" y="6951340"/>
-            <a:ext cx="3240025" cy="169277"/>
-          </a:xfrm>
-          <a:prstGeom prst="rect">
-            <a:avLst/>
-          </a:prstGeom>
-          <a:noFill/>
-        </p:spPr>
-        <p:txBody>
-          <a:bodyPr wrap="square" lIns="0" tIns="0" rIns="0" bIns="0" rtlCol="0">
-            <a:spAutoFit/>
-          </a:bodyPr>
-          <a:lstStyle/>
-          <a:p>
-            <a:pPr algn="ctr"/>
-            <a:r>
-              <a:rPr lang="da-DK" sz="1100" b="1" dirty="0">
-                <a:solidFill>
-                  <a:schemeClr val="accent4"/>
-                </a:solidFill>
-              </a:rPr>
-              <a:t>Payment, status = </a:t>
-            </a:r>
-            <a:r>
-              <a:rPr lang="da-DK" sz="1100" b="1" dirty="0" err="1">
-                <a:solidFill>
-                  <a:schemeClr val="accent4"/>
-                </a:solidFill>
-              </a:rPr>
-              <a:t>IssuedToUser</a:t>
-            </a:r>
-            <a:endParaRPr lang="en-GB" sz="1100" b="1" dirty="0">
-              <a:solidFill>
-                <a:schemeClr val="accent4"/>
-              </a:solidFill>
-            </a:endParaRPr>
-          </a:p>
-        </p:txBody>
-      </p:sp>
-      <p:cxnSp>
-        <p:nvCxnSpPr>
-          <p:cNvPr id="57" name="Straight Arrow Connector 56"/>
-          <p:cNvCxnSpPr/>
-          <p:nvPr/>
-        </p:nvCxnSpPr>
-        <p:spPr>
-          <a:xfrm>
-            <a:off x="1180894" y="5058913"/>
-            <a:ext cx="3016482" cy="0"/>
-          </a:xfrm>
-          <a:prstGeom prst="straightConnector1">
-            <a:avLst/>
-          </a:prstGeom>
-          <a:ln w="28575">
-            <a:prstDash val="sysDash"/>
-            <a:headEnd type="triangle" w="med" len="med"/>
-            <a:tailEnd type="none" w="med" len="med"/>
-          </a:ln>
-        </p:spPr>
-        <p:style>
-          <a:lnRef idx="3">
-            <a:schemeClr val="accent2"/>
-          </a:lnRef>
-          <a:fillRef idx="0">
-            <a:schemeClr val="accent2"/>
-          </a:fillRef>
-          <a:effectRef idx="2">
-            <a:schemeClr val="accent2"/>
-          </a:effectRef>
-          <a:fontRef idx="minor">
-            <a:schemeClr val="tx1"/>
-          </a:fontRef>
-        </p:style>
-      </p:cxnSp>
-      <p:cxnSp>
-        <p:nvCxnSpPr>
-          <p:cNvPr id="58" name="Straight Arrow Connector 57"/>
-          <p:cNvCxnSpPr/>
-          <p:nvPr/>
-        </p:nvCxnSpPr>
-        <p:spPr>
-          <a:xfrm>
-            <a:off x="1197370" y="4848848"/>
-            <a:ext cx="3016482" cy="0"/>
-          </a:xfrm>
-          <a:prstGeom prst="straightConnector1">
-            <a:avLst/>
-          </a:prstGeom>
-          <a:ln w="28575">
-            <a:headEnd type="none" w="med" len="med"/>
-            <a:tailEnd type="triangle" w="med" len="med"/>
-          </a:ln>
-        </p:spPr>
-        <p:style>
-          <a:lnRef idx="3">
-            <a:schemeClr val="accent2"/>
-          </a:lnRef>
-          <a:fillRef idx="0">
-            <a:schemeClr val="accent2"/>
-          </a:fillRef>
-          <a:effectRef idx="2">
-            <a:schemeClr val="accent2"/>
-          </a:effectRef>
-          <a:fontRef idx="minor">
-            <a:schemeClr val="tx1"/>
-          </a:fontRef>
-        </p:style>
-      </p:cxnSp>
-      <p:sp>
-        <p:nvSpPr>
-          <p:cNvPr id="59" name="TextBox 58"/>
-          <p:cNvSpPr txBox="1"/>
-          <p:nvPr/>
-        </p:nvSpPr>
-        <p:spPr>
-          <a:xfrm>
-            <a:off x="1077084" y="4637428"/>
-            <a:ext cx="3244294" cy="169277"/>
-          </a:xfrm>
-          <a:prstGeom prst="rect">
-            <a:avLst/>
-          </a:prstGeom>
-          <a:noFill/>
-        </p:spPr>
-        <p:txBody>
-          <a:bodyPr wrap="square" lIns="0" tIns="0" rIns="0" bIns="0" rtlCol="0">
-            <a:spAutoFit/>
-          </a:bodyPr>
-          <a:lstStyle/>
-          <a:p>
-            <a:pPr algn="ctr"/>
-            <a:r>
-              <a:rPr lang="da-DK" sz="1100" b="1" dirty="0">
-                <a:solidFill>
-                  <a:schemeClr val="accent4"/>
-                </a:solidFill>
-              </a:rPr>
-              <a:t>GET /</a:t>
-            </a:r>
-            <a:r>
-              <a:rPr lang="da-DK" sz="1100" b="1" dirty="0" err="1">
-                <a:solidFill>
-                  <a:schemeClr val="accent4"/>
-                </a:solidFill>
-              </a:rPr>
-              <a:t>payments</a:t>
-            </a:r>
-            <a:r>
-              <a:rPr lang="da-DK" sz="1100" b="1" dirty="0">
-                <a:solidFill>
-                  <a:schemeClr val="accent4"/>
-                </a:solidFill>
-              </a:rPr>
-              <a:t>/{paymentId}</a:t>
-            </a:r>
-            <a:endParaRPr lang="en-GB" sz="1100" b="1" dirty="0">
-              <a:solidFill>
-                <a:schemeClr val="accent4"/>
-              </a:solidFill>
-            </a:endParaRPr>
-          </a:p>
-        </p:txBody>
-      </p:sp>
-      <p:sp>
-        <p:nvSpPr>
-          <p:cNvPr id="60" name="TextBox 59"/>
-          <p:cNvSpPr txBox="1"/>
-          <p:nvPr/>
-        </p:nvSpPr>
-        <p:spPr>
-          <a:xfrm>
-            <a:off x="1081354" y="5089311"/>
-            <a:ext cx="3240025" cy="169277"/>
-          </a:xfrm>
-          <a:prstGeom prst="rect">
-            <a:avLst/>
-          </a:prstGeom>
-          <a:noFill/>
-        </p:spPr>
-        <p:txBody>
-          <a:bodyPr wrap="square" lIns="0" tIns="0" rIns="0" bIns="0" rtlCol="0">
-            <a:spAutoFit/>
-          </a:bodyPr>
-          <a:lstStyle/>
-          <a:p>
-            <a:pPr algn="ctr"/>
-            <a:r>
-              <a:rPr lang="da-DK" sz="1100" b="1" dirty="0">
-                <a:solidFill>
-                  <a:schemeClr val="accent4"/>
-                </a:solidFill>
-              </a:rPr>
-              <a:t>Payment, status = </a:t>
-            </a:r>
-            <a:r>
-              <a:rPr lang="da-DK" sz="1100" b="1" dirty="0" err="1">
-                <a:solidFill>
-                  <a:schemeClr val="accent4"/>
-                </a:solidFill>
-              </a:rPr>
-              <a:t>Paired</a:t>
-            </a:r>
-            <a:r>
-              <a:rPr lang="da-DK" sz="1100" b="1" dirty="0">
-                <a:solidFill>
-                  <a:schemeClr val="accent4"/>
-                </a:solidFill>
-              </a:rPr>
-              <a:t>, </a:t>
-            </a:r>
-            <a:r>
-              <a:rPr lang="da-DK" sz="1100" b="1" dirty="0" err="1">
-                <a:solidFill>
-                  <a:schemeClr val="accent4"/>
-                </a:solidFill>
-              </a:rPr>
-              <a:t>loyalty</a:t>
-            </a:r>
-            <a:r>
-              <a:rPr lang="da-DK" sz="1100" b="1" dirty="0">
-                <a:solidFill>
-                  <a:schemeClr val="accent4"/>
-                </a:solidFill>
-              </a:rPr>
-              <a:t> </a:t>
-            </a:r>
-            <a:r>
-              <a:rPr lang="da-DK" sz="1100" b="1" dirty="0" err="1">
-                <a:solidFill>
-                  <a:schemeClr val="accent4"/>
-                </a:solidFill>
-              </a:rPr>
-              <a:t>token</a:t>
-            </a:r>
-            <a:r>
-              <a:rPr lang="da-DK" sz="1100" b="1" dirty="0">
-                <a:solidFill>
-                  <a:schemeClr val="accent4"/>
-                </a:solidFill>
-              </a:rPr>
-              <a:t> = …</a:t>
-            </a:r>
-            <a:endParaRPr lang="en-GB" sz="1100" b="1" dirty="0">
-              <a:solidFill>
-                <a:schemeClr val="accent4"/>
-              </a:solidFill>
-            </a:endParaRPr>
-          </a:p>
-        </p:txBody>
-      </p:sp>
-      <p:cxnSp>
-        <p:nvCxnSpPr>
-          <p:cNvPr id="64" name="Straight Arrow Connector 63"/>
-          <p:cNvCxnSpPr/>
-          <p:nvPr/>
-        </p:nvCxnSpPr>
-        <p:spPr>
-          <a:xfrm>
-            <a:off x="1180436" y="10009156"/>
-            <a:ext cx="3016482" cy="0"/>
-          </a:xfrm>
-          <a:prstGeom prst="straightConnector1">
-            <a:avLst/>
-          </a:prstGeom>
-          <a:ln w="28575">
-            <a:headEnd type="none" w="med" len="med"/>
-            <a:tailEnd type="triangle" w="med" len="med"/>
-          </a:ln>
-        </p:spPr>
-        <p:style>
-          <a:lnRef idx="3">
-            <a:schemeClr val="accent2"/>
-          </a:lnRef>
-          <a:fillRef idx="0">
-            <a:schemeClr val="accent2"/>
-          </a:fillRef>
-          <a:effectRef idx="2">
-            <a:schemeClr val="accent2"/>
-          </a:effectRef>
-          <a:fontRef idx="minor">
-            <a:schemeClr val="tx1"/>
-          </a:fontRef>
-        </p:style>
-      </p:cxnSp>
-      <p:sp>
-        <p:nvSpPr>
-          <p:cNvPr id="65" name="TextBox 64"/>
-          <p:cNvSpPr txBox="1"/>
-          <p:nvPr/>
-        </p:nvSpPr>
-        <p:spPr>
-          <a:xfrm>
-            <a:off x="1062889" y="9769689"/>
-            <a:ext cx="3248562" cy="169277"/>
-          </a:xfrm>
-          <a:prstGeom prst="rect">
-            <a:avLst/>
-          </a:prstGeom>
-          <a:noFill/>
-        </p:spPr>
-        <p:txBody>
-          <a:bodyPr wrap="square" lIns="0" tIns="0" rIns="0" bIns="0" rtlCol="0">
-            <a:spAutoFit/>
-          </a:bodyPr>
-          <a:lstStyle/>
-          <a:p>
-            <a:pPr algn="ctr"/>
-            <a:r>
-              <a:rPr lang="da-DK" sz="1100" b="1" dirty="0">
-                <a:solidFill>
-                  <a:schemeClr val="accent4"/>
-                </a:solidFill>
-              </a:rPr>
-              <a:t>POST /</a:t>
-            </a:r>
-            <a:r>
-              <a:rPr lang="da-DK" sz="1100" b="1" dirty="0" err="1">
-                <a:solidFill>
-                  <a:schemeClr val="accent4"/>
-                </a:solidFill>
-              </a:rPr>
-              <a:t>payments</a:t>
-            </a:r>
-            <a:r>
-              <a:rPr lang="da-DK" sz="1100" b="1" dirty="0">
-                <a:solidFill>
-                  <a:schemeClr val="accent4"/>
-                </a:solidFill>
-              </a:rPr>
-              <a:t>/{</a:t>
-            </a:r>
-            <a:r>
-              <a:rPr lang="da-DK" sz="1100" b="1" dirty="0" err="1">
-                <a:solidFill>
-                  <a:schemeClr val="accent4"/>
-                </a:solidFill>
-              </a:rPr>
-              <a:t>paymentId</a:t>
-            </a:r>
-            <a:r>
-              <a:rPr lang="da-DK" sz="1100" b="1" dirty="0">
-                <a:solidFill>
-                  <a:schemeClr val="accent4"/>
-                </a:solidFill>
-              </a:rPr>
-              <a:t>}/</a:t>
-            </a:r>
-            <a:r>
-              <a:rPr lang="da-DK" sz="1100" b="1" dirty="0" err="1">
-                <a:solidFill>
-                  <a:schemeClr val="accent4"/>
-                </a:solidFill>
-              </a:rPr>
-              <a:t>capture</a:t>
-            </a:r>
-            <a:endParaRPr lang="en-GB" sz="1100" b="1" dirty="0">
-              <a:solidFill>
-                <a:schemeClr val="accent4"/>
-              </a:solidFill>
-            </a:endParaRPr>
-          </a:p>
-        </p:txBody>
-      </p:sp>
-      <p:sp>
-        <p:nvSpPr>
-          <p:cNvPr id="78" name="Arc 77"/>
-          <p:cNvSpPr/>
-          <p:nvPr/>
-        </p:nvSpPr>
-        <p:spPr>
-          <a:xfrm>
-            <a:off x="4205379" y="10290083"/>
-            <a:ext cx="457238" cy="462999"/>
-          </a:xfrm>
-          <a:prstGeom prst="arc">
-            <a:avLst>
-              <a:gd name="adj1" fmla="val 16200000"/>
-              <a:gd name="adj2" fmla="val 5368770"/>
-            </a:avLst>
-          </a:prstGeom>
-          <a:ln w="28575">
-            <a:headEnd type="none" w="med" len="med"/>
-            <a:tailEnd type="triangle" w="med" len="med"/>
-          </a:ln>
-        </p:spPr>
-        <p:style>
-          <a:lnRef idx="3">
-            <a:schemeClr val="accent2"/>
-          </a:lnRef>
-          <a:fillRef idx="0">
-            <a:schemeClr val="accent2"/>
-          </a:fillRef>
-          <a:effectRef idx="2">
-            <a:schemeClr val="accent2"/>
-          </a:effectRef>
-          <a:fontRef idx="minor">
-            <a:schemeClr val="tx1"/>
-          </a:fontRef>
-        </p:style>
-        <p:txBody>
-          <a:bodyPr rtlCol="0" anchor="ctr"/>
-          <a:lstStyle/>
-          <a:p>
-            <a:pPr algn="ctr"/>
-            <a:endParaRPr lang="en-GB" dirty="0"/>
-          </a:p>
-        </p:txBody>
-      </p:sp>
-      <p:sp>
-        <p:nvSpPr>
-          <p:cNvPr id="81" name="TextBox 80"/>
-          <p:cNvSpPr txBox="1"/>
-          <p:nvPr/>
-        </p:nvSpPr>
-        <p:spPr>
-          <a:xfrm>
-            <a:off x="4729157" y="10436943"/>
-            <a:ext cx="2404191" cy="169277"/>
-          </a:xfrm>
-          <a:prstGeom prst="rect">
-            <a:avLst/>
-          </a:prstGeom>
-          <a:noFill/>
-        </p:spPr>
-        <p:txBody>
-          <a:bodyPr wrap="square" lIns="0" tIns="0" rIns="0" bIns="0" rtlCol="0">
-            <a:spAutoFit/>
-          </a:bodyPr>
-          <a:lstStyle/>
-          <a:p>
-            <a:r>
-              <a:rPr lang="da-DK" sz="1100" b="1" dirty="0" err="1">
-                <a:solidFill>
-                  <a:schemeClr val="accent4"/>
-                </a:solidFill>
-              </a:rPr>
-              <a:t>Capture</a:t>
-            </a:r>
-            <a:r>
-              <a:rPr lang="da-DK" sz="1100" b="1" dirty="0">
-                <a:solidFill>
-                  <a:schemeClr val="accent4"/>
-                </a:solidFill>
-              </a:rPr>
-              <a:t> Payment</a:t>
-            </a:r>
-            <a:endParaRPr lang="en-GB" sz="1100" b="1" dirty="0">
-              <a:solidFill>
-                <a:schemeClr val="accent4"/>
-              </a:solidFill>
-            </a:endParaRPr>
-          </a:p>
-        </p:txBody>
-      </p:sp>
-      <p:cxnSp>
-        <p:nvCxnSpPr>
-          <p:cNvPr id="83" name="Straight Arrow Connector 82"/>
-          <p:cNvCxnSpPr/>
-          <p:nvPr/>
-        </p:nvCxnSpPr>
-        <p:spPr>
-          <a:xfrm>
-            <a:off x="1154118" y="10993769"/>
-            <a:ext cx="3016482" cy="0"/>
-          </a:xfrm>
-          <a:prstGeom prst="straightConnector1">
-            <a:avLst/>
-          </a:prstGeom>
-          <a:ln w="28575">
-            <a:prstDash val="sysDash"/>
-            <a:headEnd type="triangle" w="med" len="med"/>
-            <a:tailEnd type="none" w="med" len="med"/>
-          </a:ln>
-        </p:spPr>
-        <p:style>
-          <a:lnRef idx="3">
-            <a:schemeClr val="accent2"/>
-          </a:lnRef>
-          <a:fillRef idx="0">
-            <a:schemeClr val="accent2"/>
-          </a:fillRef>
-          <a:effectRef idx="2">
-            <a:schemeClr val="accent2"/>
-          </a:effectRef>
-          <a:fontRef idx="minor">
-            <a:schemeClr val="tx1"/>
-          </a:fontRef>
-        </p:style>
-      </p:cxnSp>
-      <p:sp>
-        <p:nvSpPr>
-          <p:cNvPr id="85" name="TextBox 84"/>
-          <p:cNvSpPr txBox="1"/>
-          <p:nvPr/>
-        </p:nvSpPr>
-        <p:spPr>
-          <a:xfrm>
-            <a:off x="1179325" y="11068537"/>
-            <a:ext cx="3002287" cy="169277"/>
-          </a:xfrm>
-          <a:prstGeom prst="rect">
-            <a:avLst/>
-          </a:prstGeom>
-          <a:noFill/>
-        </p:spPr>
-        <p:txBody>
-          <a:bodyPr wrap="square" lIns="0" tIns="0" rIns="0" bIns="0" rtlCol="0">
-            <a:spAutoFit/>
-          </a:bodyPr>
-          <a:lstStyle/>
-          <a:p>
-            <a:pPr algn="ctr"/>
-            <a:r>
-              <a:rPr lang="da-DK" sz="1100" b="1" dirty="0">
-                <a:solidFill>
-                  <a:schemeClr val="accent4"/>
-                </a:solidFill>
-              </a:rPr>
-              <a:t>OK</a:t>
-            </a:r>
-            <a:endParaRPr lang="en-GB" sz="1100" b="1" dirty="0">
-              <a:solidFill>
-                <a:schemeClr val="accent4"/>
-              </a:solidFill>
-            </a:endParaRPr>
-          </a:p>
-        </p:txBody>
-      </p:sp>
     </p:spTree>
     <p:extLst>
       <p:ext uri="{BB962C8B-B14F-4D97-AF65-F5344CB8AC3E}">
@@ -57308,7 +57716,1557 @@
         <p:spPr>
           <a:xfrm>
             <a:off x="1060149" y="1749025"/>
-            <a:ext cx="0" cy="6660000"/>
+            <a:ext cx="0" cy="7636275"/>
+          </a:xfrm>
+          <a:prstGeom prst="straightConnector1">
+            <a:avLst/>
+          </a:prstGeom>
+          <a:ln w="76200">
+            <a:headEnd type="none" w="med" len="med"/>
+            <a:tailEnd type="none" w="med" len="med"/>
+          </a:ln>
+        </p:spPr>
+        <p:style>
+          <a:lnRef idx="3">
+            <a:schemeClr val="dk1"/>
+          </a:lnRef>
+          <a:fillRef idx="0">
+            <a:schemeClr val="dk1"/>
+          </a:fillRef>
+          <a:effectRef idx="2">
+            <a:schemeClr val="dk1"/>
+          </a:effectRef>
+          <a:fontRef idx="minor">
+            <a:schemeClr val="tx1"/>
+          </a:fontRef>
+        </p:style>
+      </p:cxnSp>
+      <p:cxnSp>
+        <p:nvCxnSpPr>
+          <p:cNvPr id="83" name="Straight Arrow Connector 82"/>
+          <p:cNvCxnSpPr/>
+          <p:nvPr/>
+        </p:nvCxnSpPr>
+        <p:spPr>
+          <a:xfrm flipH="1">
+            <a:off x="10723964" y="1752982"/>
+            <a:ext cx="28386" cy="7632318"/>
+          </a:xfrm>
+          <a:prstGeom prst="straightConnector1">
+            <a:avLst/>
+          </a:prstGeom>
+          <a:ln w="76200">
+            <a:headEnd type="none" w="med" len="med"/>
+            <a:tailEnd type="none" w="med" len="med"/>
+          </a:ln>
+        </p:spPr>
+        <p:style>
+          <a:lnRef idx="3">
+            <a:schemeClr val="dk1"/>
+          </a:lnRef>
+          <a:fillRef idx="0">
+            <a:schemeClr val="dk1"/>
+          </a:fillRef>
+          <a:effectRef idx="2">
+            <a:schemeClr val="dk1"/>
+          </a:effectRef>
+          <a:fontRef idx="minor">
+            <a:schemeClr val="tx1"/>
+          </a:fontRef>
+        </p:style>
+      </p:cxnSp>
+      <p:cxnSp>
+        <p:nvCxnSpPr>
+          <p:cNvPr id="85" name="Straight Arrow Connector 84"/>
+          <p:cNvCxnSpPr/>
+          <p:nvPr/>
+        </p:nvCxnSpPr>
+        <p:spPr>
+          <a:xfrm>
+            <a:off x="7636472" y="1922224"/>
+            <a:ext cx="3024000" cy="430"/>
+          </a:xfrm>
+          <a:prstGeom prst="straightConnector1">
+            <a:avLst/>
+          </a:prstGeom>
+          <a:ln w="28575">
+            <a:headEnd type="triangle" w="med" len="med"/>
+            <a:tailEnd type="none" w="med" len="med"/>
+          </a:ln>
+        </p:spPr>
+        <p:style>
+          <a:lnRef idx="3">
+            <a:schemeClr val="accent2"/>
+          </a:lnRef>
+          <a:fillRef idx="0">
+            <a:schemeClr val="accent2"/>
+          </a:fillRef>
+          <a:effectRef idx="2">
+            <a:schemeClr val="accent2"/>
+          </a:effectRef>
+          <a:fontRef idx="minor">
+            <a:schemeClr val="tx1"/>
+          </a:fontRef>
+        </p:style>
+      </p:cxnSp>
+      <p:cxnSp>
+        <p:nvCxnSpPr>
+          <p:cNvPr id="86" name="Straight Arrow Connector 85"/>
+          <p:cNvCxnSpPr/>
+          <p:nvPr/>
+        </p:nvCxnSpPr>
+        <p:spPr>
+          <a:xfrm>
+            <a:off x="7637729" y="4504781"/>
+            <a:ext cx="3024000" cy="430"/>
+          </a:xfrm>
+          <a:prstGeom prst="straightConnector1">
+            <a:avLst/>
+          </a:prstGeom>
+          <a:ln w="28575">
+            <a:headEnd type="triangle" w="med" len="med"/>
+            <a:tailEnd type="none" w="med" len="med"/>
+          </a:ln>
+        </p:spPr>
+        <p:style>
+          <a:lnRef idx="3">
+            <a:schemeClr val="accent2"/>
+          </a:lnRef>
+          <a:fillRef idx="0">
+            <a:schemeClr val="accent2"/>
+          </a:fillRef>
+          <a:effectRef idx="2">
+            <a:schemeClr val="accent2"/>
+          </a:effectRef>
+          <a:fontRef idx="minor">
+            <a:schemeClr val="tx1"/>
+          </a:fontRef>
+        </p:style>
+      </p:cxnSp>
+      <p:cxnSp>
+        <p:nvCxnSpPr>
+          <p:cNvPr id="87" name="Straight Arrow Connector 86"/>
+          <p:cNvCxnSpPr/>
+          <p:nvPr/>
+        </p:nvCxnSpPr>
+        <p:spPr>
+          <a:xfrm flipV="1">
+            <a:off x="4415834" y="2659941"/>
+            <a:ext cx="3024000" cy="3688"/>
+          </a:xfrm>
+          <a:prstGeom prst="straightConnector1">
+            <a:avLst/>
+          </a:prstGeom>
+          <a:ln w="28575">
+            <a:headEnd type="none" w="med" len="med"/>
+            <a:tailEnd type="triangle" w="med" len="med"/>
+          </a:ln>
+        </p:spPr>
+        <p:style>
+          <a:lnRef idx="3">
+            <a:schemeClr val="accent2"/>
+          </a:lnRef>
+          <a:fillRef idx="0">
+            <a:schemeClr val="accent2"/>
+          </a:fillRef>
+          <a:effectRef idx="2">
+            <a:schemeClr val="accent2"/>
+          </a:effectRef>
+          <a:fontRef idx="minor">
+            <a:schemeClr val="tx1"/>
+          </a:fontRef>
+        </p:style>
+      </p:cxnSp>
+      <p:cxnSp>
+        <p:nvCxnSpPr>
+          <p:cNvPr id="88" name="Straight Arrow Connector 87"/>
+          <p:cNvCxnSpPr/>
+          <p:nvPr/>
+        </p:nvCxnSpPr>
+        <p:spPr>
+          <a:xfrm>
+            <a:off x="4414077" y="2067815"/>
+            <a:ext cx="3024000" cy="0"/>
+          </a:xfrm>
+          <a:prstGeom prst="straightConnector1">
+            <a:avLst/>
+          </a:prstGeom>
+          <a:ln w="28575">
+            <a:headEnd type="triangle" w="med" len="med"/>
+            <a:tailEnd type="none" w="med" len="med"/>
+          </a:ln>
+        </p:spPr>
+        <p:style>
+          <a:lnRef idx="3">
+            <a:schemeClr val="accent2"/>
+          </a:lnRef>
+          <a:fillRef idx="0">
+            <a:schemeClr val="accent2"/>
+          </a:fillRef>
+          <a:effectRef idx="2">
+            <a:schemeClr val="accent2"/>
+          </a:effectRef>
+          <a:fontRef idx="minor">
+            <a:schemeClr val="tx1"/>
+          </a:fontRef>
+        </p:style>
+      </p:cxnSp>
+      <p:cxnSp>
+        <p:nvCxnSpPr>
+          <p:cNvPr id="89" name="Straight Arrow Connector 88"/>
+          <p:cNvCxnSpPr/>
+          <p:nvPr/>
+        </p:nvCxnSpPr>
+        <p:spPr>
+          <a:xfrm>
+            <a:off x="4418193" y="2236691"/>
+            <a:ext cx="3024000" cy="0"/>
+          </a:xfrm>
+          <a:prstGeom prst="straightConnector1">
+            <a:avLst/>
+          </a:prstGeom>
+          <a:ln w="28575">
+            <a:prstDash val="sysDash"/>
+            <a:headEnd type="none" w="med" len="med"/>
+            <a:tailEnd type="triangle" w="med" len="med"/>
+          </a:ln>
+        </p:spPr>
+        <p:style>
+          <a:lnRef idx="3">
+            <a:schemeClr val="accent2"/>
+          </a:lnRef>
+          <a:fillRef idx="0">
+            <a:schemeClr val="accent2"/>
+          </a:fillRef>
+          <a:effectRef idx="2">
+            <a:schemeClr val="accent2"/>
+          </a:effectRef>
+          <a:fontRef idx="minor">
+            <a:schemeClr val="tx1"/>
+          </a:fontRef>
+        </p:style>
+      </p:cxnSp>
+      <p:cxnSp>
+        <p:nvCxnSpPr>
+          <p:cNvPr id="90" name="Straight Arrow Connector 89"/>
+          <p:cNvCxnSpPr/>
+          <p:nvPr/>
+        </p:nvCxnSpPr>
+        <p:spPr>
+          <a:xfrm>
+            <a:off x="1172197" y="2780388"/>
+            <a:ext cx="3016482" cy="0"/>
+          </a:xfrm>
+          <a:prstGeom prst="straightConnector1">
+            <a:avLst/>
+          </a:prstGeom>
+          <a:ln w="28575">
+            <a:prstDash val="sysDash"/>
+            <a:headEnd type="triangle" w="med" len="med"/>
+            <a:tailEnd type="none" w="med" len="med"/>
+          </a:ln>
+        </p:spPr>
+        <p:style>
+          <a:lnRef idx="3">
+            <a:schemeClr val="accent2"/>
+          </a:lnRef>
+          <a:fillRef idx="0">
+            <a:schemeClr val="accent2"/>
+          </a:fillRef>
+          <a:effectRef idx="2">
+            <a:schemeClr val="accent2"/>
+          </a:effectRef>
+          <a:fontRef idx="minor">
+            <a:schemeClr val="tx1"/>
+          </a:fontRef>
+        </p:style>
+      </p:cxnSp>
+      <p:cxnSp>
+        <p:nvCxnSpPr>
+          <p:cNvPr id="91" name="Straight Arrow Connector 90"/>
+          <p:cNvCxnSpPr/>
+          <p:nvPr/>
+        </p:nvCxnSpPr>
+        <p:spPr>
+          <a:xfrm>
+            <a:off x="1180435" y="2570323"/>
+            <a:ext cx="3016482" cy="0"/>
+          </a:xfrm>
+          <a:prstGeom prst="straightConnector1">
+            <a:avLst/>
+          </a:prstGeom>
+          <a:ln w="28575">
+            <a:headEnd type="none" w="med" len="med"/>
+            <a:tailEnd type="triangle" w="med" len="med"/>
+          </a:ln>
+        </p:spPr>
+        <p:style>
+          <a:lnRef idx="3">
+            <a:schemeClr val="accent2"/>
+          </a:lnRef>
+          <a:fillRef idx="0">
+            <a:schemeClr val="accent2"/>
+          </a:fillRef>
+          <a:effectRef idx="2">
+            <a:schemeClr val="accent2"/>
+          </a:effectRef>
+          <a:fontRef idx="minor">
+            <a:schemeClr val="tx1"/>
+          </a:fontRef>
+        </p:style>
+      </p:cxnSp>
+      <p:cxnSp>
+        <p:nvCxnSpPr>
+          <p:cNvPr id="92" name="Straight Arrow Connector 91"/>
+          <p:cNvCxnSpPr/>
+          <p:nvPr/>
+        </p:nvCxnSpPr>
+        <p:spPr>
+          <a:xfrm>
+            <a:off x="1163959" y="3929566"/>
+            <a:ext cx="3016482" cy="0"/>
+          </a:xfrm>
+          <a:prstGeom prst="straightConnector1">
+            <a:avLst/>
+          </a:prstGeom>
+          <a:ln w="28575">
+            <a:prstDash val="sysDash"/>
+            <a:headEnd type="triangle" w="med" len="med"/>
+            <a:tailEnd type="none" w="med" len="med"/>
+          </a:ln>
+        </p:spPr>
+        <p:style>
+          <a:lnRef idx="3">
+            <a:schemeClr val="accent2"/>
+          </a:lnRef>
+          <a:fillRef idx="0">
+            <a:schemeClr val="accent2"/>
+          </a:fillRef>
+          <a:effectRef idx="2">
+            <a:schemeClr val="accent2"/>
+          </a:effectRef>
+          <a:fontRef idx="minor">
+            <a:schemeClr val="tx1"/>
+          </a:fontRef>
+        </p:style>
+      </p:cxnSp>
+      <p:cxnSp>
+        <p:nvCxnSpPr>
+          <p:cNvPr id="93" name="Straight Arrow Connector 92"/>
+          <p:cNvCxnSpPr/>
+          <p:nvPr/>
+        </p:nvCxnSpPr>
+        <p:spPr>
+          <a:xfrm>
+            <a:off x="1180435" y="3719501"/>
+            <a:ext cx="3016482" cy="0"/>
+          </a:xfrm>
+          <a:prstGeom prst="straightConnector1">
+            <a:avLst/>
+          </a:prstGeom>
+          <a:ln w="28575">
+            <a:headEnd type="none" w="med" len="med"/>
+            <a:tailEnd type="triangle" w="med" len="med"/>
+          </a:ln>
+        </p:spPr>
+        <p:style>
+          <a:lnRef idx="3">
+            <a:schemeClr val="accent2"/>
+          </a:lnRef>
+          <a:fillRef idx="0">
+            <a:schemeClr val="accent2"/>
+          </a:fillRef>
+          <a:effectRef idx="2">
+            <a:schemeClr val="accent2"/>
+          </a:effectRef>
+          <a:fontRef idx="minor">
+            <a:schemeClr val="tx1"/>
+          </a:fontRef>
+        </p:style>
+      </p:cxnSp>
+      <p:cxnSp>
+        <p:nvCxnSpPr>
+          <p:cNvPr id="94" name="Straight Arrow Connector 93"/>
+          <p:cNvCxnSpPr/>
+          <p:nvPr/>
+        </p:nvCxnSpPr>
+        <p:spPr>
+          <a:xfrm>
+            <a:off x="1155721" y="6096113"/>
+            <a:ext cx="3016482" cy="0"/>
+          </a:xfrm>
+          <a:prstGeom prst="straightConnector1">
+            <a:avLst/>
+          </a:prstGeom>
+          <a:ln w="28575">
+            <a:prstDash val="sysDash"/>
+            <a:headEnd type="triangle" w="med" len="med"/>
+            <a:tailEnd type="none" w="med" len="med"/>
+          </a:ln>
+        </p:spPr>
+        <p:style>
+          <a:lnRef idx="3">
+            <a:schemeClr val="accent2"/>
+          </a:lnRef>
+          <a:fillRef idx="0">
+            <a:schemeClr val="accent2"/>
+          </a:fillRef>
+          <a:effectRef idx="2">
+            <a:schemeClr val="accent2"/>
+          </a:effectRef>
+          <a:fontRef idx="minor">
+            <a:schemeClr val="tx1"/>
+          </a:fontRef>
+        </p:style>
+      </p:cxnSp>
+      <p:cxnSp>
+        <p:nvCxnSpPr>
+          <p:cNvPr id="95" name="Straight Arrow Connector 94"/>
+          <p:cNvCxnSpPr/>
+          <p:nvPr/>
+        </p:nvCxnSpPr>
+        <p:spPr>
+          <a:xfrm>
+            <a:off x="1172197" y="5886048"/>
+            <a:ext cx="3016482" cy="0"/>
+          </a:xfrm>
+          <a:prstGeom prst="straightConnector1">
+            <a:avLst/>
+          </a:prstGeom>
+          <a:ln w="28575">
+            <a:headEnd type="none" w="med" len="med"/>
+            <a:tailEnd type="triangle" w="med" len="med"/>
+          </a:ln>
+        </p:spPr>
+        <p:style>
+          <a:lnRef idx="3">
+            <a:schemeClr val="accent2"/>
+          </a:lnRef>
+          <a:fillRef idx="0">
+            <a:schemeClr val="accent2"/>
+          </a:fillRef>
+          <a:effectRef idx="2">
+            <a:schemeClr val="accent2"/>
+          </a:effectRef>
+          <a:fontRef idx="minor">
+            <a:schemeClr val="tx1"/>
+          </a:fontRef>
+        </p:style>
+      </p:cxnSp>
+      <p:sp>
+        <p:nvSpPr>
+          <p:cNvPr id="96" name="TextBox 95"/>
+          <p:cNvSpPr txBox="1"/>
+          <p:nvPr/>
+        </p:nvSpPr>
+        <p:spPr>
+          <a:xfrm>
+            <a:off x="527223" y="3397500"/>
+            <a:ext cx="4135395" cy="846386"/>
+          </a:xfrm>
+          <a:prstGeom prst="rect">
+            <a:avLst/>
+          </a:prstGeom>
+          <a:noFill/>
+          <a:ln w="38100">
+            <a:prstDash val="sysDash"/>
+          </a:ln>
+        </p:spPr>
+        <p:style>
+          <a:lnRef idx="2">
+            <a:schemeClr val="accent6"/>
+          </a:lnRef>
+          <a:fillRef idx="1">
+            <a:schemeClr val="lt1"/>
+          </a:fillRef>
+          <a:effectRef idx="0">
+            <a:schemeClr val="accent6"/>
+          </a:effectRef>
+          <a:fontRef idx="minor">
+            <a:schemeClr val="dk1"/>
+          </a:fontRef>
+        </p:style>
+        <p:txBody>
+          <a:bodyPr wrap="square" lIns="0" tIns="0" rIns="0" bIns="0" rtlCol="0">
+            <a:spAutoFit/>
+          </a:bodyPr>
+          <a:lstStyle/>
+          <a:p>
+            <a:r>
+              <a:rPr lang="da-DK" sz="1100" b="1" dirty="0">
+                <a:solidFill>
+                  <a:schemeClr val="accent6"/>
+                </a:solidFill>
+              </a:rPr>
+              <a:t> LOOP</a:t>
+            </a:r>
+          </a:p>
+          <a:p>
+            <a:endParaRPr lang="da-DK" sz="1100" dirty="0"/>
+          </a:p>
+          <a:p>
+            <a:endParaRPr lang="da-DK" sz="1100" dirty="0"/>
+          </a:p>
+          <a:p>
+            <a:endParaRPr lang="da-DK" sz="1100" dirty="0"/>
+          </a:p>
+          <a:p>
+            <a:endParaRPr lang="en-GB" sz="1100" dirty="0"/>
+          </a:p>
+        </p:txBody>
+      </p:sp>
+      <p:cxnSp>
+        <p:nvCxnSpPr>
+          <p:cNvPr id="97" name="Straight Arrow Connector 96"/>
+          <p:cNvCxnSpPr/>
+          <p:nvPr/>
+        </p:nvCxnSpPr>
+        <p:spPr>
+          <a:xfrm>
+            <a:off x="4414077" y="4611875"/>
+            <a:ext cx="3024000" cy="0"/>
+          </a:xfrm>
+          <a:prstGeom prst="straightConnector1">
+            <a:avLst/>
+          </a:prstGeom>
+          <a:ln w="28575">
+            <a:headEnd type="triangle" w="med" len="med"/>
+            <a:tailEnd type="none" w="med" len="med"/>
+          </a:ln>
+        </p:spPr>
+        <p:style>
+          <a:lnRef idx="3">
+            <a:schemeClr val="accent2"/>
+          </a:lnRef>
+          <a:fillRef idx="0">
+            <a:schemeClr val="accent2"/>
+          </a:fillRef>
+          <a:effectRef idx="2">
+            <a:schemeClr val="accent2"/>
+          </a:effectRef>
+          <a:fontRef idx="minor">
+            <a:schemeClr val="tx1"/>
+          </a:fontRef>
+        </p:style>
+      </p:cxnSp>
+      <p:sp>
+        <p:nvSpPr>
+          <p:cNvPr id="98" name="Arc 97"/>
+          <p:cNvSpPr/>
+          <p:nvPr/>
+        </p:nvSpPr>
+        <p:spPr>
+          <a:xfrm>
+            <a:off x="4205379" y="4929874"/>
+            <a:ext cx="457238" cy="462999"/>
+          </a:xfrm>
+          <a:prstGeom prst="arc">
+            <a:avLst>
+              <a:gd name="adj1" fmla="val 16200000"/>
+              <a:gd name="adj2" fmla="val 5368770"/>
+            </a:avLst>
+          </a:prstGeom>
+          <a:ln w="28575">
+            <a:headEnd type="none" w="med" len="med"/>
+            <a:tailEnd type="triangle" w="med" len="med"/>
+          </a:ln>
+        </p:spPr>
+        <p:style>
+          <a:lnRef idx="3">
+            <a:schemeClr val="accent2"/>
+          </a:lnRef>
+          <a:fillRef idx="0">
+            <a:schemeClr val="accent2"/>
+          </a:fillRef>
+          <a:effectRef idx="2">
+            <a:schemeClr val="accent2"/>
+          </a:effectRef>
+          <a:fontRef idx="minor">
+            <a:schemeClr val="tx1"/>
+          </a:fontRef>
+        </p:style>
+        <p:txBody>
+          <a:bodyPr rtlCol="0" anchor="ctr"/>
+          <a:lstStyle/>
+          <a:p>
+            <a:pPr algn="ctr"/>
+            <a:endParaRPr lang="en-GB" dirty="0"/>
+          </a:p>
+        </p:txBody>
+      </p:sp>
+      <p:cxnSp>
+        <p:nvCxnSpPr>
+          <p:cNvPr id="99" name="Straight Arrow Connector 98"/>
+          <p:cNvCxnSpPr/>
+          <p:nvPr/>
+        </p:nvCxnSpPr>
+        <p:spPr>
+          <a:xfrm flipV="1">
+            <a:off x="4418476" y="5687612"/>
+            <a:ext cx="3024000" cy="3688"/>
+          </a:xfrm>
+          <a:prstGeom prst="straightConnector1">
+            <a:avLst/>
+          </a:prstGeom>
+          <a:ln w="28575">
+            <a:headEnd type="none" w="med" len="med"/>
+            <a:tailEnd type="triangle" w="med" len="med"/>
+          </a:ln>
+        </p:spPr>
+        <p:style>
+          <a:lnRef idx="3">
+            <a:schemeClr val="accent2"/>
+          </a:lnRef>
+          <a:fillRef idx="0">
+            <a:schemeClr val="accent2"/>
+          </a:fillRef>
+          <a:effectRef idx="2">
+            <a:schemeClr val="accent2"/>
+          </a:effectRef>
+          <a:fontRef idx="minor">
+            <a:schemeClr val="tx1"/>
+          </a:fontRef>
+        </p:style>
+      </p:cxnSp>
+      <p:sp>
+        <p:nvSpPr>
+          <p:cNvPr id="100" name="TextBox 99"/>
+          <p:cNvSpPr txBox="1"/>
+          <p:nvPr/>
+        </p:nvSpPr>
+        <p:spPr>
+          <a:xfrm>
+            <a:off x="4337097" y="1868312"/>
+            <a:ext cx="3179240" cy="169277"/>
+          </a:xfrm>
+          <a:prstGeom prst="rect">
+            <a:avLst/>
+          </a:prstGeom>
+          <a:noFill/>
+        </p:spPr>
+        <p:txBody>
+          <a:bodyPr wrap="square" lIns="0" tIns="0" rIns="0" bIns="0" rtlCol="0">
+            <a:spAutoFit/>
+          </a:bodyPr>
+          <a:lstStyle/>
+          <a:p>
+            <a:pPr algn="ctr"/>
+            <a:r>
+              <a:rPr lang="da-DK" sz="1100" b="1" dirty="0">
+                <a:solidFill>
+                  <a:schemeClr val="accent4"/>
+                </a:solidFill>
+              </a:rPr>
+              <a:t>Check-in</a:t>
+            </a:r>
+            <a:endParaRPr lang="en-GB" sz="1100" b="1" dirty="0">
+              <a:solidFill>
+                <a:schemeClr val="accent4"/>
+              </a:solidFill>
+            </a:endParaRPr>
+          </a:p>
+        </p:txBody>
+      </p:sp>
+      <p:sp>
+        <p:nvSpPr>
+          <p:cNvPr id="101" name="TextBox 100"/>
+          <p:cNvSpPr txBox="1"/>
+          <p:nvPr/>
+        </p:nvSpPr>
+        <p:spPr>
+          <a:xfrm>
+            <a:off x="7598721" y="1722054"/>
+            <a:ext cx="3125243" cy="169277"/>
+          </a:xfrm>
+          <a:prstGeom prst="rect">
+            <a:avLst/>
+          </a:prstGeom>
+          <a:noFill/>
+        </p:spPr>
+        <p:txBody>
+          <a:bodyPr wrap="square" lIns="0" tIns="0" rIns="0" bIns="0" rtlCol="0">
+            <a:spAutoFit/>
+          </a:bodyPr>
+          <a:lstStyle/>
+          <a:p>
+            <a:pPr algn="ctr"/>
+            <a:r>
+              <a:rPr lang="da-DK" sz="1100" b="1" dirty="0">
+                <a:solidFill>
+                  <a:schemeClr val="accent4"/>
+                </a:solidFill>
+              </a:rPr>
+              <a:t>Connect (</a:t>
+            </a:r>
+            <a:r>
+              <a:rPr lang="da-DK" sz="1100" b="1" dirty="0" err="1">
+                <a:solidFill>
+                  <a:schemeClr val="accent4"/>
+                </a:solidFill>
+              </a:rPr>
+              <a:t>QR</a:t>
+            </a:r>
+            <a:r>
+              <a:rPr lang="da-DK" sz="1100" b="1" dirty="0">
+                <a:solidFill>
+                  <a:schemeClr val="accent4"/>
+                </a:solidFill>
+              </a:rPr>
+              <a:t> or Bluetooth)</a:t>
+            </a:r>
+            <a:endParaRPr lang="en-GB" sz="1100" b="1" dirty="0">
+              <a:solidFill>
+                <a:schemeClr val="accent4"/>
+              </a:solidFill>
+            </a:endParaRPr>
+          </a:p>
+        </p:txBody>
+      </p:sp>
+      <p:sp>
+        <p:nvSpPr>
+          <p:cNvPr id="102" name="TextBox 101"/>
+          <p:cNvSpPr txBox="1"/>
+          <p:nvPr/>
+        </p:nvSpPr>
+        <p:spPr>
+          <a:xfrm>
+            <a:off x="4304443" y="2266203"/>
+            <a:ext cx="3240280" cy="169277"/>
+          </a:xfrm>
+          <a:prstGeom prst="rect">
+            <a:avLst/>
+          </a:prstGeom>
+          <a:noFill/>
+        </p:spPr>
+        <p:txBody>
+          <a:bodyPr wrap="square" lIns="0" tIns="0" rIns="0" bIns="0" rtlCol="0">
+            <a:spAutoFit/>
+          </a:bodyPr>
+          <a:lstStyle/>
+          <a:p>
+            <a:pPr algn="ctr"/>
+            <a:r>
+              <a:rPr lang="da-DK" sz="1100" b="1" dirty="0">
+                <a:solidFill>
+                  <a:schemeClr val="accent4"/>
+                </a:solidFill>
+              </a:rPr>
+              <a:t>Store information</a:t>
+            </a:r>
+            <a:endParaRPr lang="en-GB" sz="1100" b="1" dirty="0">
+              <a:solidFill>
+                <a:schemeClr val="accent4"/>
+              </a:solidFill>
+            </a:endParaRPr>
+          </a:p>
+        </p:txBody>
+      </p:sp>
+      <p:sp>
+        <p:nvSpPr>
+          <p:cNvPr id="103" name="TextBox 102"/>
+          <p:cNvSpPr txBox="1"/>
+          <p:nvPr/>
+        </p:nvSpPr>
+        <p:spPr>
+          <a:xfrm>
+            <a:off x="1060149" y="2368879"/>
+            <a:ext cx="3248562" cy="169277"/>
+          </a:xfrm>
+          <a:prstGeom prst="rect">
+            <a:avLst/>
+          </a:prstGeom>
+          <a:noFill/>
+        </p:spPr>
+        <p:txBody>
+          <a:bodyPr wrap="square" lIns="0" tIns="0" rIns="0" bIns="0" rtlCol="0">
+            <a:spAutoFit/>
+          </a:bodyPr>
+          <a:lstStyle/>
+          <a:p>
+            <a:pPr algn="ctr"/>
+            <a:r>
+              <a:rPr lang="da-DK" sz="1100" b="1" dirty="0">
+                <a:solidFill>
+                  <a:schemeClr val="accent4"/>
+                </a:solidFill>
+              </a:rPr>
+              <a:t>POST /</a:t>
+            </a:r>
+            <a:r>
+              <a:rPr lang="da-DK" sz="1100" b="1" dirty="0" err="1">
+                <a:solidFill>
+                  <a:schemeClr val="accent4"/>
+                </a:solidFill>
+              </a:rPr>
+              <a:t>payments</a:t>
+            </a:r>
+            <a:endParaRPr lang="en-GB" sz="1100" b="1" dirty="0">
+              <a:solidFill>
+                <a:schemeClr val="accent4"/>
+              </a:solidFill>
+            </a:endParaRPr>
+          </a:p>
+        </p:txBody>
+      </p:sp>
+      <p:sp>
+        <p:nvSpPr>
+          <p:cNvPr id="104" name="TextBox 103"/>
+          <p:cNvSpPr txBox="1"/>
+          <p:nvPr/>
+        </p:nvSpPr>
+        <p:spPr>
+          <a:xfrm>
+            <a:off x="1060150" y="2809265"/>
+            <a:ext cx="3252828" cy="169277"/>
+          </a:xfrm>
+          <a:prstGeom prst="rect">
+            <a:avLst/>
+          </a:prstGeom>
+          <a:noFill/>
+        </p:spPr>
+        <p:txBody>
+          <a:bodyPr wrap="square" lIns="0" tIns="0" rIns="0" bIns="0" rtlCol="0">
+            <a:spAutoFit/>
+          </a:bodyPr>
+          <a:lstStyle/>
+          <a:p>
+            <a:pPr algn="ctr"/>
+            <a:r>
+              <a:rPr lang="da-DK" sz="1100" b="1" dirty="0">
+                <a:solidFill>
+                  <a:schemeClr val="accent4"/>
+                </a:solidFill>
+              </a:rPr>
+              <a:t>Payment ID</a:t>
+            </a:r>
+            <a:endParaRPr lang="en-GB" sz="1100" b="1" dirty="0">
+              <a:solidFill>
+                <a:schemeClr val="accent4"/>
+              </a:solidFill>
+            </a:endParaRPr>
+          </a:p>
+        </p:txBody>
+      </p:sp>
+      <p:sp>
+        <p:nvSpPr>
+          <p:cNvPr id="105" name="TextBox 104"/>
+          <p:cNvSpPr txBox="1"/>
+          <p:nvPr/>
+        </p:nvSpPr>
+        <p:spPr>
+          <a:xfrm>
+            <a:off x="1060149" y="3513942"/>
+            <a:ext cx="3244294" cy="169277"/>
+          </a:xfrm>
+          <a:prstGeom prst="rect">
+            <a:avLst/>
+          </a:prstGeom>
+          <a:noFill/>
+        </p:spPr>
+        <p:txBody>
+          <a:bodyPr wrap="square" lIns="0" tIns="0" rIns="0" bIns="0" rtlCol="0">
+            <a:spAutoFit/>
+          </a:bodyPr>
+          <a:lstStyle/>
+          <a:p>
+            <a:pPr algn="ctr"/>
+            <a:r>
+              <a:rPr lang="da-DK" sz="1100" b="1" dirty="0">
+                <a:solidFill>
+                  <a:schemeClr val="accent4"/>
+                </a:solidFill>
+              </a:rPr>
+              <a:t>GET /</a:t>
+            </a:r>
+            <a:r>
+              <a:rPr lang="da-DK" sz="1100" b="1" dirty="0" err="1">
+                <a:solidFill>
+                  <a:schemeClr val="accent4"/>
+                </a:solidFill>
+              </a:rPr>
+              <a:t>payments</a:t>
+            </a:r>
+            <a:r>
+              <a:rPr lang="da-DK" sz="1100" b="1" dirty="0">
+                <a:solidFill>
+                  <a:schemeClr val="accent4"/>
+                </a:solidFill>
+              </a:rPr>
+              <a:t>/{paymentId}</a:t>
+            </a:r>
+            <a:endParaRPr lang="en-GB" sz="1100" b="1" dirty="0">
+              <a:solidFill>
+                <a:schemeClr val="accent4"/>
+              </a:solidFill>
+            </a:endParaRPr>
+          </a:p>
+        </p:txBody>
+      </p:sp>
+      <p:sp>
+        <p:nvSpPr>
+          <p:cNvPr id="106" name="TextBox 105"/>
+          <p:cNvSpPr txBox="1"/>
+          <p:nvPr/>
+        </p:nvSpPr>
+        <p:spPr>
+          <a:xfrm>
+            <a:off x="1064418" y="3965825"/>
+            <a:ext cx="3240025" cy="169277"/>
+          </a:xfrm>
+          <a:prstGeom prst="rect">
+            <a:avLst/>
+          </a:prstGeom>
+          <a:noFill/>
+        </p:spPr>
+        <p:txBody>
+          <a:bodyPr wrap="square" lIns="0" tIns="0" rIns="0" bIns="0" rtlCol="0">
+            <a:spAutoFit/>
+          </a:bodyPr>
+          <a:lstStyle/>
+          <a:p>
+            <a:pPr algn="ctr"/>
+            <a:r>
+              <a:rPr lang="da-DK" sz="1100" b="1" dirty="0">
+                <a:solidFill>
+                  <a:schemeClr val="accent4"/>
+                </a:solidFill>
+              </a:rPr>
+              <a:t>Payment, status = IssuedToUser</a:t>
+            </a:r>
+            <a:endParaRPr lang="en-GB" sz="1100" b="1" dirty="0">
+              <a:solidFill>
+                <a:schemeClr val="accent4"/>
+              </a:solidFill>
+            </a:endParaRPr>
+          </a:p>
+        </p:txBody>
+      </p:sp>
+      <p:sp>
+        <p:nvSpPr>
+          <p:cNvPr id="107" name="TextBox 106"/>
+          <p:cNvSpPr txBox="1"/>
+          <p:nvPr/>
+        </p:nvSpPr>
+        <p:spPr>
+          <a:xfrm>
+            <a:off x="4435209" y="2692997"/>
+            <a:ext cx="3002287" cy="169277"/>
+          </a:xfrm>
+          <a:prstGeom prst="rect">
+            <a:avLst/>
+          </a:prstGeom>
+          <a:noFill/>
+        </p:spPr>
+        <p:txBody>
+          <a:bodyPr wrap="square" lIns="0" tIns="0" rIns="0" bIns="0" rtlCol="0">
+            <a:spAutoFit/>
+          </a:bodyPr>
+          <a:lstStyle/>
+          <a:p>
+            <a:pPr algn="ctr"/>
+            <a:r>
+              <a:rPr lang="da-DK" sz="1100" b="1" dirty="0">
+                <a:solidFill>
+                  <a:schemeClr val="accent4"/>
+                </a:solidFill>
+              </a:rPr>
+              <a:t>Payment request</a:t>
+            </a:r>
+            <a:endParaRPr lang="en-GB" sz="1100" b="1" dirty="0">
+              <a:solidFill>
+                <a:schemeClr val="accent4"/>
+              </a:solidFill>
+            </a:endParaRPr>
+          </a:p>
+        </p:txBody>
+      </p:sp>
+      <p:sp>
+        <p:nvSpPr>
+          <p:cNvPr id="108" name="TextBox 107"/>
+          <p:cNvSpPr txBox="1"/>
+          <p:nvPr/>
+        </p:nvSpPr>
+        <p:spPr>
+          <a:xfrm>
+            <a:off x="7657859" y="4294459"/>
+            <a:ext cx="3002287" cy="169277"/>
+          </a:xfrm>
+          <a:prstGeom prst="rect">
+            <a:avLst/>
+          </a:prstGeom>
+          <a:noFill/>
+        </p:spPr>
+        <p:txBody>
+          <a:bodyPr wrap="square" lIns="0" tIns="0" rIns="0" bIns="0" rtlCol="0">
+            <a:spAutoFit/>
+          </a:bodyPr>
+          <a:lstStyle/>
+          <a:p>
+            <a:pPr algn="ctr"/>
+            <a:r>
+              <a:rPr lang="da-DK" sz="1100" b="1" dirty="0" err="1">
+                <a:solidFill>
+                  <a:schemeClr val="accent4"/>
+                </a:solidFill>
+              </a:rPr>
+              <a:t>Swipe</a:t>
+            </a:r>
+            <a:r>
+              <a:rPr lang="da-DK" sz="1100" b="1" dirty="0">
+                <a:solidFill>
+                  <a:schemeClr val="accent4"/>
+                </a:solidFill>
+              </a:rPr>
+              <a:t> to accept payment</a:t>
+            </a:r>
+            <a:endParaRPr lang="en-GB" sz="1100" b="1" dirty="0">
+              <a:solidFill>
+                <a:schemeClr val="accent4"/>
+              </a:solidFill>
+            </a:endParaRPr>
+          </a:p>
+        </p:txBody>
+      </p:sp>
+      <p:sp>
+        <p:nvSpPr>
+          <p:cNvPr id="109" name="TextBox 108"/>
+          <p:cNvSpPr txBox="1"/>
+          <p:nvPr/>
+        </p:nvSpPr>
+        <p:spPr>
+          <a:xfrm>
+            <a:off x="4388920" y="4403799"/>
+            <a:ext cx="3002287" cy="169277"/>
+          </a:xfrm>
+          <a:prstGeom prst="rect">
+            <a:avLst/>
+          </a:prstGeom>
+          <a:noFill/>
+        </p:spPr>
+        <p:txBody>
+          <a:bodyPr wrap="square" lIns="0" tIns="0" rIns="0" bIns="0" rtlCol="0">
+            <a:spAutoFit/>
+          </a:bodyPr>
+          <a:lstStyle/>
+          <a:p>
+            <a:pPr algn="ctr"/>
+            <a:r>
+              <a:rPr lang="da-DK" sz="1100" b="1" dirty="0">
+                <a:solidFill>
+                  <a:schemeClr val="accent4"/>
+                </a:solidFill>
+              </a:rPr>
+              <a:t>Accept payment request</a:t>
+            </a:r>
+            <a:endParaRPr lang="en-GB" sz="1100" b="1" dirty="0">
+              <a:solidFill>
+                <a:schemeClr val="accent4"/>
+              </a:solidFill>
+            </a:endParaRPr>
+          </a:p>
+        </p:txBody>
+      </p:sp>
+      <p:sp>
+        <p:nvSpPr>
+          <p:cNvPr id="110" name="TextBox 109"/>
+          <p:cNvSpPr txBox="1"/>
+          <p:nvPr/>
+        </p:nvSpPr>
+        <p:spPr>
+          <a:xfrm>
+            <a:off x="4729157" y="5076734"/>
+            <a:ext cx="2404191" cy="169277"/>
+          </a:xfrm>
+          <a:prstGeom prst="rect">
+            <a:avLst/>
+          </a:prstGeom>
+          <a:noFill/>
+        </p:spPr>
+        <p:txBody>
+          <a:bodyPr wrap="square" lIns="0" tIns="0" rIns="0" bIns="0" rtlCol="0">
+            <a:spAutoFit/>
+          </a:bodyPr>
+          <a:lstStyle/>
+          <a:p>
+            <a:r>
+              <a:rPr lang="da-DK" sz="1100" b="1" dirty="0">
+                <a:solidFill>
+                  <a:schemeClr val="accent4"/>
+                </a:solidFill>
+              </a:rPr>
+              <a:t>Reserve Payment</a:t>
+            </a:r>
+            <a:endParaRPr lang="en-GB" sz="1100" b="1" dirty="0">
+              <a:solidFill>
+                <a:schemeClr val="accent4"/>
+              </a:solidFill>
+            </a:endParaRPr>
+          </a:p>
+        </p:txBody>
+      </p:sp>
+      <p:sp>
+        <p:nvSpPr>
+          <p:cNvPr id="111" name="TextBox 110"/>
+          <p:cNvSpPr txBox="1"/>
+          <p:nvPr/>
+        </p:nvSpPr>
+        <p:spPr>
+          <a:xfrm>
+            <a:off x="4427716" y="5718201"/>
+            <a:ext cx="3002287" cy="169277"/>
+          </a:xfrm>
+          <a:prstGeom prst="rect">
+            <a:avLst/>
+          </a:prstGeom>
+          <a:noFill/>
+        </p:spPr>
+        <p:txBody>
+          <a:bodyPr wrap="square" lIns="0" tIns="0" rIns="0" bIns="0" rtlCol="0">
+            <a:spAutoFit/>
+          </a:bodyPr>
+          <a:lstStyle/>
+          <a:p>
+            <a:pPr algn="ctr"/>
+            <a:r>
+              <a:rPr lang="da-DK" sz="1100" b="1" dirty="0">
+                <a:solidFill>
+                  <a:schemeClr val="accent4"/>
+                </a:solidFill>
+              </a:rPr>
+              <a:t>App receipt</a:t>
+            </a:r>
+            <a:endParaRPr lang="en-GB" sz="1100" b="1" dirty="0">
+              <a:solidFill>
+                <a:schemeClr val="accent4"/>
+              </a:solidFill>
+            </a:endParaRPr>
+          </a:p>
+        </p:txBody>
+      </p:sp>
+      <p:sp>
+        <p:nvSpPr>
+          <p:cNvPr id="112" name="TextBox 111"/>
+          <p:cNvSpPr txBox="1"/>
+          <p:nvPr/>
+        </p:nvSpPr>
+        <p:spPr>
+          <a:xfrm>
+            <a:off x="1161903" y="5679719"/>
+            <a:ext cx="3002287" cy="169277"/>
+          </a:xfrm>
+          <a:prstGeom prst="rect">
+            <a:avLst/>
+          </a:prstGeom>
+          <a:noFill/>
+        </p:spPr>
+        <p:txBody>
+          <a:bodyPr wrap="square" lIns="0" tIns="0" rIns="0" bIns="0" rtlCol="0">
+            <a:spAutoFit/>
+          </a:bodyPr>
+          <a:lstStyle/>
+          <a:p>
+            <a:pPr algn="ctr"/>
+            <a:r>
+              <a:rPr lang="da-DK" sz="1100" b="1" dirty="0">
+                <a:solidFill>
+                  <a:schemeClr val="accent4"/>
+                </a:solidFill>
+              </a:rPr>
+              <a:t>GET /</a:t>
+            </a:r>
+            <a:r>
+              <a:rPr lang="da-DK" sz="1100" b="1" dirty="0" err="1">
+                <a:solidFill>
+                  <a:schemeClr val="accent4"/>
+                </a:solidFill>
+              </a:rPr>
+              <a:t>payments</a:t>
+            </a:r>
+            <a:r>
+              <a:rPr lang="da-DK" sz="1100" b="1" dirty="0">
+                <a:solidFill>
+                  <a:schemeClr val="accent4"/>
+                </a:solidFill>
+              </a:rPr>
+              <a:t>/{paymentId}</a:t>
+            </a:r>
+            <a:endParaRPr lang="en-GB" sz="1100" b="1" dirty="0">
+              <a:solidFill>
+                <a:schemeClr val="accent4"/>
+              </a:solidFill>
+            </a:endParaRPr>
+          </a:p>
+        </p:txBody>
+      </p:sp>
+      <p:sp>
+        <p:nvSpPr>
+          <p:cNvPr id="113" name="TextBox 112"/>
+          <p:cNvSpPr txBox="1"/>
+          <p:nvPr/>
+        </p:nvSpPr>
+        <p:spPr>
+          <a:xfrm>
+            <a:off x="1180932" y="6132378"/>
+            <a:ext cx="3002287" cy="169277"/>
+          </a:xfrm>
+          <a:prstGeom prst="rect">
+            <a:avLst/>
+          </a:prstGeom>
+          <a:noFill/>
+        </p:spPr>
+        <p:txBody>
+          <a:bodyPr wrap="square" lIns="0" tIns="0" rIns="0" bIns="0" rtlCol="0">
+            <a:spAutoFit/>
+          </a:bodyPr>
+          <a:lstStyle/>
+          <a:p>
+            <a:pPr algn="ctr"/>
+            <a:r>
+              <a:rPr lang="da-DK" sz="1100" b="1" dirty="0">
+                <a:solidFill>
+                  <a:schemeClr val="accent4"/>
+                </a:solidFill>
+              </a:rPr>
+              <a:t>Payment, status = </a:t>
+            </a:r>
+            <a:r>
+              <a:rPr lang="da-DK" sz="1100" b="1" dirty="0" err="1">
+                <a:solidFill>
+                  <a:schemeClr val="accent4"/>
+                </a:solidFill>
+              </a:rPr>
+              <a:t>Reserved</a:t>
+            </a:r>
+            <a:endParaRPr lang="en-GB" sz="1100" b="1" dirty="0">
+              <a:solidFill>
+                <a:schemeClr val="accent4"/>
+              </a:solidFill>
+            </a:endParaRPr>
+          </a:p>
+        </p:txBody>
+      </p:sp>
+      <p:cxnSp>
+        <p:nvCxnSpPr>
+          <p:cNvPr id="116" name="Straight Arrow Connector 115"/>
+          <p:cNvCxnSpPr/>
+          <p:nvPr/>
+        </p:nvCxnSpPr>
+        <p:spPr>
+          <a:xfrm>
+            <a:off x="1181546" y="7971110"/>
+            <a:ext cx="3016482" cy="0"/>
+          </a:xfrm>
+          <a:prstGeom prst="straightConnector1">
+            <a:avLst/>
+          </a:prstGeom>
+          <a:ln w="28575">
+            <a:headEnd type="none" w="med" len="med"/>
+            <a:tailEnd type="triangle" w="med" len="med"/>
+          </a:ln>
+        </p:spPr>
+        <p:style>
+          <a:lnRef idx="3">
+            <a:schemeClr val="accent2"/>
+          </a:lnRef>
+          <a:fillRef idx="0">
+            <a:schemeClr val="accent2"/>
+          </a:fillRef>
+          <a:effectRef idx="2">
+            <a:schemeClr val="accent2"/>
+          </a:effectRef>
+          <a:fontRef idx="minor">
+            <a:schemeClr val="tx1"/>
+          </a:fontRef>
+        </p:style>
+      </p:cxnSp>
+      <p:sp>
+        <p:nvSpPr>
+          <p:cNvPr id="117" name="TextBox 116"/>
+          <p:cNvSpPr txBox="1"/>
+          <p:nvPr/>
+        </p:nvSpPr>
+        <p:spPr>
+          <a:xfrm>
+            <a:off x="1001243" y="7727066"/>
+            <a:ext cx="3248562" cy="169277"/>
+          </a:xfrm>
+          <a:prstGeom prst="rect">
+            <a:avLst/>
+          </a:prstGeom>
+          <a:noFill/>
+        </p:spPr>
+        <p:txBody>
+          <a:bodyPr wrap="square" lIns="0" tIns="0" rIns="0" bIns="0" rtlCol="0">
+            <a:spAutoFit/>
+          </a:bodyPr>
+          <a:lstStyle/>
+          <a:p>
+            <a:pPr algn="ctr"/>
+            <a:r>
+              <a:rPr lang="da-DK" sz="1100" b="1" dirty="0">
+                <a:solidFill>
+                  <a:schemeClr val="accent4"/>
+                </a:solidFill>
+              </a:rPr>
+              <a:t>POST /</a:t>
+            </a:r>
+            <a:r>
+              <a:rPr lang="da-DK" sz="1100" b="1" dirty="0" err="1">
+                <a:solidFill>
+                  <a:schemeClr val="accent4"/>
+                </a:solidFill>
+              </a:rPr>
+              <a:t>payments</a:t>
+            </a:r>
+            <a:r>
+              <a:rPr lang="da-DK" sz="1100" b="1" dirty="0">
+                <a:solidFill>
+                  <a:schemeClr val="accent4"/>
+                </a:solidFill>
+              </a:rPr>
+              <a:t>/{</a:t>
+            </a:r>
+            <a:r>
+              <a:rPr lang="da-DK" sz="1100" b="1" dirty="0" err="1">
+                <a:solidFill>
+                  <a:schemeClr val="accent4"/>
+                </a:solidFill>
+              </a:rPr>
+              <a:t>paymentId</a:t>
+            </a:r>
+            <a:r>
+              <a:rPr lang="da-DK" sz="1100" b="1" dirty="0">
+                <a:solidFill>
+                  <a:schemeClr val="accent4"/>
+                </a:solidFill>
+              </a:rPr>
+              <a:t>}/</a:t>
+            </a:r>
+            <a:r>
+              <a:rPr lang="da-DK" sz="1100" b="1" dirty="0" err="1">
+                <a:solidFill>
+                  <a:schemeClr val="accent4"/>
+                </a:solidFill>
+              </a:rPr>
+              <a:t>capture</a:t>
+            </a:r>
+            <a:endParaRPr lang="en-GB" sz="1100" b="1" dirty="0">
+              <a:solidFill>
+                <a:schemeClr val="accent4"/>
+              </a:solidFill>
+            </a:endParaRPr>
+          </a:p>
+        </p:txBody>
+      </p:sp>
+      <p:sp>
+        <p:nvSpPr>
+          <p:cNvPr id="118" name="Arc 117"/>
+          <p:cNvSpPr/>
+          <p:nvPr/>
+        </p:nvSpPr>
+        <p:spPr>
+          <a:xfrm>
+            <a:off x="4205379" y="8302824"/>
+            <a:ext cx="457238" cy="462999"/>
+          </a:xfrm>
+          <a:prstGeom prst="arc">
+            <a:avLst>
+              <a:gd name="adj1" fmla="val 16200000"/>
+              <a:gd name="adj2" fmla="val 5368770"/>
+            </a:avLst>
+          </a:prstGeom>
+          <a:ln w="28575">
+            <a:headEnd type="none" w="med" len="med"/>
+            <a:tailEnd type="triangle" w="med" len="med"/>
+          </a:ln>
+        </p:spPr>
+        <p:style>
+          <a:lnRef idx="3">
+            <a:schemeClr val="accent2"/>
+          </a:lnRef>
+          <a:fillRef idx="0">
+            <a:schemeClr val="accent2"/>
+          </a:fillRef>
+          <a:effectRef idx="2">
+            <a:schemeClr val="accent2"/>
+          </a:effectRef>
+          <a:fontRef idx="minor">
+            <a:schemeClr val="tx1"/>
+          </a:fontRef>
+        </p:style>
+        <p:txBody>
+          <a:bodyPr rtlCol="0" anchor="ctr"/>
+          <a:lstStyle/>
+          <a:p>
+            <a:pPr algn="ctr"/>
+            <a:endParaRPr lang="en-GB" dirty="0"/>
+          </a:p>
+        </p:txBody>
+      </p:sp>
+      <p:sp>
+        <p:nvSpPr>
+          <p:cNvPr id="119" name="TextBox 118"/>
+          <p:cNvSpPr txBox="1"/>
+          <p:nvPr/>
+        </p:nvSpPr>
+        <p:spPr>
+          <a:xfrm>
+            <a:off x="4729157" y="8449684"/>
+            <a:ext cx="2404191" cy="169277"/>
+          </a:xfrm>
+          <a:prstGeom prst="rect">
+            <a:avLst/>
+          </a:prstGeom>
+          <a:noFill/>
+        </p:spPr>
+        <p:txBody>
+          <a:bodyPr wrap="square" lIns="0" tIns="0" rIns="0" bIns="0" rtlCol="0">
+            <a:spAutoFit/>
+          </a:bodyPr>
+          <a:lstStyle/>
+          <a:p>
+            <a:r>
+              <a:rPr lang="da-DK" sz="1100" b="1" dirty="0" err="1">
+                <a:solidFill>
+                  <a:schemeClr val="accent4"/>
+                </a:solidFill>
+              </a:rPr>
+              <a:t>Capture</a:t>
+            </a:r>
+            <a:r>
+              <a:rPr lang="da-DK" sz="1100" b="1" dirty="0">
+                <a:solidFill>
+                  <a:schemeClr val="accent4"/>
+                </a:solidFill>
+              </a:rPr>
+              <a:t> Payment</a:t>
+            </a:r>
+            <a:endParaRPr lang="en-GB" sz="1100" b="1" dirty="0">
+              <a:solidFill>
+                <a:schemeClr val="accent4"/>
+              </a:solidFill>
+            </a:endParaRPr>
+          </a:p>
+        </p:txBody>
+      </p:sp>
+      <p:cxnSp>
+        <p:nvCxnSpPr>
+          <p:cNvPr id="122" name="Straight Arrow Connector 121"/>
+          <p:cNvCxnSpPr/>
+          <p:nvPr/>
+        </p:nvCxnSpPr>
+        <p:spPr>
+          <a:xfrm>
+            <a:off x="1155228" y="8955723"/>
+            <a:ext cx="3016482" cy="0"/>
+          </a:xfrm>
+          <a:prstGeom prst="straightConnector1">
+            <a:avLst/>
+          </a:prstGeom>
+          <a:ln w="28575">
+            <a:prstDash val="sysDash"/>
+            <a:headEnd type="triangle" w="med" len="med"/>
+            <a:tailEnd type="none" w="med" len="med"/>
+          </a:ln>
+        </p:spPr>
+        <p:style>
+          <a:lnRef idx="3">
+            <a:schemeClr val="accent2"/>
+          </a:lnRef>
+          <a:fillRef idx="0">
+            <a:schemeClr val="accent2"/>
+          </a:fillRef>
+          <a:effectRef idx="2">
+            <a:schemeClr val="accent2"/>
+          </a:effectRef>
+          <a:fontRef idx="minor">
+            <a:schemeClr val="tx1"/>
+          </a:fontRef>
+        </p:style>
+      </p:cxnSp>
+      <p:sp>
+        <p:nvSpPr>
+          <p:cNvPr id="125" name="TextBox 124"/>
+          <p:cNvSpPr txBox="1"/>
+          <p:nvPr/>
+        </p:nvSpPr>
+        <p:spPr>
+          <a:xfrm>
+            <a:off x="1180435" y="9030491"/>
+            <a:ext cx="3002287" cy="169277"/>
+          </a:xfrm>
+          <a:prstGeom prst="rect">
+            <a:avLst/>
+          </a:prstGeom>
+          <a:noFill/>
+        </p:spPr>
+        <p:txBody>
+          <a:bodyPr wrap="square" lIns="0" tIns="0" rIns="0" bIns="0" rtlCol="0">
+            <a:spAutoFit/>
+          </a:bodyPr>
+          <a:lstStyle/>
+          <a:p>
+            <a:pPr algn="ctr"/>
+            <a:r>
+              <a:rPr lang="da-DK" sz="1100" b="1" dirty="0">
+                <a:solidFill>
+                  <a:schemeClr val="accent4"/>
+                </a:solidFill>
+              </a:rPr>
+              <a:t>OK</a:t>
+            </a:r>
+            <a:endParaRPr lang="en-GB" sz="1100" b="1" dirty="0">
+              <a:solidFill>
+                <a:schemeClr val="accent4"/>
+              </a:solidFill>
+            </a:endParaRPr>
+          </a:p>
+        </p:txBody>
+      </p:sp>
+      <p:cxnSp>
+        <p:nvCxnSpPr>
+          <p:cNvPr id="52" name="Straight Arrow Connector 51"/>
+          <p:cNvCxnSpPr/>
+          <p:nvPr/>
+        </p:nvCxnSpPr>
+        <p:spPr>
+          <a:xfrm>
+            <a:off x="1117283" y="6802710"/>
+            <a:ext cx="9542863" cy="4490"/>
+          </a:xfrm>
+          <a:prstGeom prst="straightConnector1">
+            <a:avLst/>
+          </a:prstGeom>
+          <a:ln w="28575">
+            <a:headEnd type="none" w="med" len="med"/>
+            <a:tailEnd type="triangle" w="med" len="med"/>
+          </a:ln>
+        </p:spPr>
+        <p:style>
+          <a:lnRef idx="3">
+            <a:schemeClr val="accent2"/>
+          </a:lnRef>
+          <a:fillRef idx="0">
+            <a:schemeClr val="accent2"/>
+          </a:fillRef>
+          <a:effectRef idx="2">
+            <a:schemeClr val="accent2"/>
+          </a:effectRef>
+          <a:fontRef idx="minor">
+            <a:schemeClr val="tx1"/>
+          </a:fontRef>
+        </p:style>
+      </p:cxnSp>
+      <p:cxnSp>
+        <p:nvCxnSpPr>
+          <p:cNvPr id="81" name="Straight Arrow Connector 80"/>
+          <p:cNvCxnSpPr/>
+          <p:nvPr/>
+        </p:nvCxnSpPr>
+        <p:spPr>
+          <a:xfrm flipH="1">
+            <a:off x="7516337" y="1749025"/>
+            <a:ext cx="28386" cy="7636275"/>
           </a:xfrm>
           <a:prstGeom prst="straightConnector1">
             <a:avLst/>
@@ -57340,9 +59298,9 @@
           <p:nvPr/>
         </p:nvCxnSpPr>
         <p:spPr>
-          <a:xfrm>
-            <a:off x="4308710" y="1749025"/>
-            <a:ext cx="0" cy="6660000"/>
+          <a:xfrm flipH="1">
+            <a:off x="4249805" y="1749025"/>
+            <a:ext cx="58905" cy="7636275"/>
           </a:xfrm>
           <a:prstGeom prst="straightConnector1">
             <a:avLst/>
@@ -57367,557 +59325,78 @@
           </a:fontRef>
         </p:style>
       </p:cxnSp>
-      <p:cxnSp>
-        <p:nvCxnSpPr>
-          <p:cNvPr id="81" name="Straight Arrow Connector 80"/>
-          <p:cNvCxnSpPr/>
-          <p:nvPr/>
-        </p:nvCxnSpPr>
-        <p:spPr>
-          <a:xfrm>
-            <a:off x="7544723" y="1749025"/>
-            <a:ext cx="0" cy="6660000"/>
-          </a:xfrm>
-          <a:prstGeom prst="straightConnector1">
-            <a:avLst/>
-          </a:prstGeom>
-          <a:ln w="76200">
-            <a:headEnd type="none" w="med" len="med"/>
-            <a:tailEnd type="none" w="med" len="med"/>
-          </a:ln>
-        </p:spPr>
-        <p:style>
-          <a:lnRef idx="3">
-            <a:schemeClr val="dk1"/>
-          </a:lnRef>
-          <a:fillRef idx="0">
-            <a:schemeClr val="dk1"/>
-          </a:fillRef>
-          <a:effectRef idx="2">
-            <a:schemeClr val="dk1"/>
-          </a:effectRef>
-          <a:fontRef idx="minor">
-            <a:schemeClr val="tx1"/>
-          </a:fontRef>
-        </p:style>
-      </p:cxnSp>
-      <p:cxnSp>
-        <p:nvCxnSpPr>
-          <p:cNvPr id="83" name="Straight Arrow Connector 82"/>
-          <p:cNvCxnSpPr/>
-          <p:nvPr/>
-        </p:nvCxnSpPr>
-        <p:spPr>
-          <a:xfrm>
-            <a:off x="10752350" y="1752982"/>
-            <a:ext cx="0" cy="6660000"/>
-          </a:xfrm>
-          <a:prstGeom prst="straightConnector1">
-            <a:avLst/>
-          </a:prstGeom>
-          <a:ln w="76200">
-            <a:headEnd type="none" w="med" len="med"/>
-            <a:tailEnd type="none" w="med" len="med"/>
-          </a:ln>
-        </p:spPr>
-        <p:style>
-          <a:lnRef idx="3">
-            <a:schemeClr val="dk1"/>
-          </a:lnRef>
-          <a:fillRef idx="0">
-            <a:schemeClr val="dk1"/>
-          </a:fillRef>
-          <a:effectRef idx="2">
-            <a:schemeClr val="dk1"/>
-          </a:effectRef>
-          <a:fontRef idx="minor">
-            <a:schemeClr val="tx1"/>
-          </a:fontRef>
-        </p:style>
-      </p:cxnSp>
-      <p:cxnSp>
-        <p:nvCxnSpPr>
-          <p:cNvPr id="85" name="Straight Arrow Connector 84"/>
-          <p:cNvCxnSpPr/>
-          <p:nvPr/>
-        </p:nvCxnSpPr>
-        <p:spPr>
-          <a:xfrm>
-            <a:off x="7636472" y="1922224"/>
-            <a:ext cx="3024000" cy="430"/>
-          </a:xfrm>
-          <a:prstGeom prst="straightConnector1">
-            <a:avLst/>
-          </a:prstGeom>
-          <a:ln w="28575">
-            <a:headEnd type="triangle" w="med" len="med"/>
-            <a:tailEnd type="none" w="med" len="med"/>
-          </a:ln>
-        </p:spPr>
-        <p:style>
-          <a:lnRef idx="3">
-            <a:schemeClr val="accent2"/>
-          </a:lnRef>
-          <a:fillRef idx="0">
-            <a:schemeClr val="accent2"/>
-          </a:fillRef>
-          <a:effectRef idx="2">
-            <a:schemeClr val="accent2"/>
-          </a:effectRef>
-          <a:fontRef idx="minor">
-            <a:schemeClr val="tx1"/>
-          </a:fontRef>
-        </p:style>
-      </p:cxnSp>
-      <p:cxnSp>
-        <p:nvCxnSpPr>
-          <p:cNvPr id="86" name="Straight Arrow Connector 85"/>
-          <p:cNvCxnSpPr/>
-          <p:nvPr/>
-        </p:nvCxnSpPr>
-        <p:spPr>
-          <a:xfrm>
-            <a:off x="7637729" y="4504781"/>
-            <a:ext cx="3024000" cy="430"/>
-          </a:xfrm>
-          <a:prstGeom prst="straightConnector1">
-            <a:avLst/>
-          </a:prstGeom>
-          <a:ln w="28575">
-            <a:headEnd type="triangle" w="med" len="med"/>
-            <a:tailEnd type="none" w="med" len="med"/>
-          </a:ln>
-        </p:spPr>
-        <p:style>
-          <a:lnRef idx="3">
-            <a:schemeClr val="accent2"/>
-          </a:lnRef>
-          <a:fillRef idx="0">
-            <a:schemeClr val="accent2"/>
-          </a:fillRef>
-          <a:effectRef idx="2">
-            <a:schemeClr val="accent2"/>
-          </a:effectRef>
-          <a:fontRef idx="minor">
-            <a:schemeClr val="tx1"/>
-          </a:fontRef>
-        </p:style>
-      </p:cxnSp>
-      <p:cxnSp>
-        <p:nvCxnSpPr>
-          <p:cNvPr id="87" name="Straight Arrow Connector 86"/>
-          <p:cNvCxnSpPr/>
-          <p:nvPr/>
-        </p:nvCxnSpPr>
-        <p:spPr>
-          <a:xfrm flipV="1">
-            <a:off x="4415834" y="2659941"/>
-            <a:ext cx="3024000" cy="3688"/>
-          </a:xfrm>
-          <a:prstGeom prst="straightConnector1">
-            <a:avLst/>
-          </a:prstGeom>
-          <a:ln w="28575">
-            <a:headEnd type="none" w="med" len="med"/>
-            <a:tailEnd type="triangle" w="med" len="med"/>
-          </a:ln>
-        </p:spPr>
-        <p:style>
-          <a:lnRef idx="3">
-            <a:schemeClr val="accent2"/>
-          </a:lnRef>
-          <a:fillRef idx="0">
-            <a:schemeClr val="accent2"/>
-          </a:fillRef>
-          <a:effectRef idx="2">
-            <a:schemeClr val="accent2"/>
-          </a:effectRef>
-          <a:fontRef idx="minor">
-            <a:schemeClr val="tx1"/>
-          </a:fontRef>
-        </p:style>
-      </p:cxnSp>
-      <p:cxnSp>
-        <p:nvCxnSpPr>
-          <p:cNvPr id="88" name="Straight Arrow Connector 87"/>
-          <p:cNvCxnSpPr/>
-          <p:nvPr/>
-        </p:nvCxnSpPr>
-        <p:spPr>
-          <a:xfrm>
-            <a:off x="4414077" y="2067815"/>
-            <a:ext cx="3024000" cy="0"/>
-          </a:xfrm>
-          <a:prstGeom prst="straightConnector1">
-            <a:avLst/>
-          </a:prstGeom>
-          <a:ln w="28575">
-            <a:headEnd type="triangle" w="med" len="med"/>
-            <a:tailEnd type="none" w="med" len="med"/>
-          </a:ln>
-        </p:spPr>
-        <p:style>
-          <a:lnRef idx="3">
-            <a:schemeClr val="accent2"/>
-          </a:lnRef>
-          <a:fillRef idx="0">
-            <a:schemeClr val="accent2"/>
-          </a:fillRef>
-          <a:effectRef idx="2">
-            <a:schemeClr val="accent2"/>
-          </a:effectRef>
-          <a:fontRef idx="minor">
-            <a:schemeClr val="tx1"/>
-          </a:fontRef>
-        </p:style>
-      </p:cxnSp>
-      <p:cxnSp>
-        <p:nvCxnSpPr>
-          <p:cNvPr id="89" name="Straight Arrow Connector 88"/>
-          <p:cNvCxnSpPr/>
-          <p:nvPr/>
-        </p:nvCxnSpPr>
-        <p:spPr>
-          <a:xfrm>
-            <a:off x="4418193" y="2236691"/>
-            <a:ext cx="3024000" cy="0"/>
-          </a:xfrm>
-          <a:prstGeom prst="straightConnector1">
-            <a:avLst/>
-          </a:prstGeom>
-          <a:ln w="28575">
-            <a:prstDash val="sysDash"/>
-            <a:headEnd type="none" w="med" len="med"/>
-            <a:tailEnd type="triangle" w="med" len="med"/>
-          </a:ln>
-        </p:spPr>
-        <p:style>
-          <a:lnRef idx="3">
-            <a:schemeClr val="accent2"/>
-          </a:lnRef>
-          <a:fillRef idx="0">
-            <a:schemeClr val="accent2"/>
-          </a:fillRef>
-          <a:effectRef idx="2">
-            <a:schemeClr val="accent2"/>
-          </a:effectRef>
-          <a:fontRef idx="minor">
-            <a:schemeClr val="tx1"/>
-          </a:fontRef>
-        </p:style>
-      </p:cxnSp>
-      <p:cxnSp>
-        <p:nvCxnSpPr>
-          <p:cNvPr id="90" name="Straight Arrow Connector 89"/>
-          <p:cNvCxnSpPr/>
-          <p:nvPr/>
-        </p:nvCxnSpPr>
-        <p:spPr>
-          <a:xfrm>
-            <a:off x="1172197" y="2780388"/>
-            <a:ext cx="3016482" cy="0"/>
-          </a:xfrm>
-          <a:prstGeom prst="straightConnector1">
-            <a:avLst/>
-          </a:prstGeom>
-          <a:ln w="28575">
-            <a:prstDash val="sysDash"/>
-            <a:headEnd type="triangle" w="med" len="med"/>
-            <a:tailEnd type="none" w="med" len="med"/>
-          </a:ln>
-        </p:spPr>
-        <p:style>
-          <a:lnRef idx="3">
-            <a:schemeClr val="accent2"/>
-          </a:lnRef>
-          <a:fillRef idx="0">
-            <a:schemeClr val="accent2"/>
-          </a:fillRef>
-          <a:effectRef idx="2">
-            <a:schemeClr val="accent2"/>
-          </a:effectRef>
-          <a:fontRef idx="minor">
-            <a:schemeClr val="tx1"/>
-          </a:fontRef>
-        </p:style>
-      </p:cxnSp>
-      <p:cxnSp>
-        <p:nvCxnSpPr>
-          <p:cNvPr id="91" name="Straight Arrow Connector 90"/>
-          <p:cNvCxnSpPr/>
-          <p:nvPr/>
-        </p:nvCxnSpPr>
-        <p:spPr>
-          <a:xfrm>
-            <a:off x="1180435" y="2570323"/>
-            <a:ext cx="3016482" cy="0"/>
-          </a:xfrm>
-          <a:prstGeom prst="straightConnector1">
-            <a:avLst/>
-          </a:prstGeom>
-          <a:ln w="28575">
-            <a:headEnd type="none" w="med" len="med"/>
-            <a:tailEnd type="triangle" w="med" len="med"/>
-          </a:ln>
-        </p:spPr>
-        <p:style>
-          <a:lnRef idx="3">
-            <a:schemeClr val="accent2"/>
-          </a:lnRef>
-          <a:fillRef idx="0">
-            <a:schemeClr val="accent2"/>
-          </a:fillRef>
-          <a:effectRef idx="2">
-            <a:schemeClr val="accent2"/>
-          </a:effectRef>
-          <a:fontRef idx="minor">
-            <a:schemeClr val="tx1"/>
-          </a:fontRef>
-        </p:style>
-      </p:cxnSp>
-      <p:cxnSp>
-        <p:nvCxnSpPr>
-          <p:cNvPr id="92" name="Straight Arrow Connector 91"/>
-          <p:cNvCxnSpPr/>
-          <p:nvPr/>
-        </p:nvCxnSpPr>
-        <p:spPr>
-          <a:xfrm>
-            <a:off x="1163959" y="3929566"/>
-            <a:ext cx="3016482" cy="0"/>
-          </a:xfrm>
-          <a:prstGeom prst="straightConnector1">
-            <a:avLst/>
-          </a:prstGeom>
-          <a:ln w="28575">
-            <a:prstDash val="sysDash"/>
-            <a:headEnd type="triangle" w="med" len="med"/>
-            <a:tailEnd type="none" w="med" len="med"/>
-          </a:ln>
-        </p:spPr>
-        <p:style>
-          <a:lnRef idx="3">
-            <a:schemeClr val="accent2"/>
-          </a:lnRef>
-          <a:fillRef idx="0">
-            <a:schemeClr val="accent2"/>
-          </a:fillRef>
-          <a:effectRef idx="2">
-            <a:schemeClr val="accent2"/>
-          </a:effectRef>
-          <a:fontRef idx="minor">
-            <a:schemeClr val="tx1"/>
-          </a:fontRef>
-        </p:style>
-      </p:cxnSp>
-      <p:cxnSp>
-        <p:nvCxnSpPr>
-          <p:cNvPr id="93" name="Straight Arrow Connector 92"/>
-          <p:cNvCxnSpPr/>
-          <p:nvPr/>
-        </p:nvCxnSpPr>
-        <p:spPr>
-          <a:xfrm>
-            <a:off x="1180435" y="3719501"/>
-            <a:ext cx="3016482" cy="0"/>
-          </a:xfrm>
-          <a:prstGeom prst="straightConnector1">
-            <a:avLst/>
-          </a:prstGeom>
-          <a:ln w="28575">
-            <a:headEnd type="none" w="med" len="med"/>
-            <a:tailEnd type="triangle" w="med" len="med"/>
-          </a:ln>
-        </p:spPr>
-        <p:style>
-          <a:lnRef idx="3">
-            <a:schemeClr val="accent2"/>
-          </a:lnRef>
-          <a:fillRef idx="0">
-            <a:schemeClr val="accent2"/>
-          </a:fillRef>
-          <a:effectRef idx="2">
-            <a:schemeClr val="accent2"/>
-          </a:effectRef>
-          <a:fontRef idx="minor">
-            <a:schemeClr val="tx1"/>
-          </a:fontRef>
-        </p:style>
-      </p:cxnSp>
-      <p:cxnSp>
-        <p:nvCxnSpPr>
-          <p:cNvPr id="94" name="Straight Arrow Connector 93"/>
-          <p:cNvCxnSpPr/>
-          <p:nvPr/>
-        </p:nvCxnSpPr>
-        <p:spPr>
-          <a:xfrm>
-            <a:off x="1155721" y="6096113"/>
-            <a:ext cx="3016482" cy="0"/>
-          </a:xfrm>
-          <a:prstGeom prst="straightConnector1">
-            <a:avLst/>
-          </a:prstGeom>
-          <a:ln w="28575">
-            <a:prstDash val="sysDash"/>
-            <a:headEnd type="triangle" w="med" len="med"/>
-            <a:tailEnd type="none" w="med" len="med"/>
-          </a:ln>
-        </p:spPr>
-        <p:style>
-          <a:lnRef idx="3">
-            <a:schemeClr val="accent2"/>
-          </a:lnRef>
-          <a:fillRef idx="0">
-            <a:schemeClr val="accent2"/>
-          </a:fillRef>
-          <a:effectRef idx="2">
-            <a:schemeClr val="accent2"/>
-          </a:effectRef>
-          <a:fontRef idx="minor">
-            <a:schemeClr val="tx1"/>
-          </a:fontRef>
-        </p:style>
-      </p:cxnSp>
-      <p:cxnSp>
-        <p:nvCxnSpPr>
-          <p:cNvPr id="95" name="Straight Arrow Connector 94"/>
-          <p:cNvCxnSpPr/>
-          <p:nvPr/>
-        </p:nvCxnSpPr>
-        <p:spPr>
-          <a:xfrm>
-            <a:off x="1172197" y="5886048"/>
-            <a:ext cx="3016482" cy="0"/>
-          </a:xfrm>
-          <a:prstGeom prst="straightConnector1">
-            <a:avLst/>
-          </a:prstGeom>
-          <a:ln w="28575">
-            <a:headEnd type="none" w="med" len="med"/>
-            <a:tailEnd type="triangle" w="med" len="med"/>
-          </a:ln>
-        </p:spPr>
-        <p:style>
-          <a:lnRef idx="3">
-            <a:schemeClr val="accent2"/>
-          </a:lnRef>
-          <a:fillRef idx="0">
-            <a:schemeClr val="accent2"/>
-          </a:fillRef>
-          <a:effectRef idx="2">
-            <a:schemeClr val="accent2"/>
-          </a:effectRef>
-          <a:fontRef idx="minor">
-            <a:schemeClr val="tx1"/>
-          </a:fontRef>
-        </p:style>
-      </p:cxnSp>
       <p:sp>
         <p:nvSpPr>
-          <p:cNvPr id="96" name="TextBox 95"/>
+          <p:cNvPr id="53" name="TextBox 52"/>
           <p:cNvSpPr txBox="1"/>
           <p:nvPr/>
         </p:nvSpPr>
         <p:spPr>
           <a:xfrm>
-            <a:off x="527223" y="3397500"/>
-            <a:ext cx="4135395" cy="846386"/>
+            <a:off x="4482141" y="6541385"/>
+            <a:ext cx="3002287" cy="169277"/>
           </a:xfrm>
           <a:prstGeom prst="rect">
             <a:avLst/>
           </a:prstGeom>
           <a:noFill/>
-          <a:ln w="38100">
-            <a:prstDash val="sysDash"/>
-          </a:ln>
-        </p:spPr>
-        <p:style>
-          <a:lnRef idx="2">
-            <a:schemeClr val="accent6"/>
-          </a:lnRef>
-          <a:fillRef idx="1">
-            <a:schemeClr val="lt1"/>
-          </a:fillRef>
-          <a:effectRef idx="0">
-            <a:schemeClr val="accent6"/>
-          </a:effectRef>
-          <a:fontRef idx="minor">
-            <a:schemeClr val="dk1"/>
-          </a:fontRef>
-        </p:style>
+        </p:spPr>
         <p:txBody>
           <a:bodyPr wrap="square" lIns="0" tIns="0" rIns="0" bIns="0" rtlCol="0">
             <a:spAutoFit/>
           </a:bodyPr>
           <a:lstStyle/>
           <a:p>
-            <a:r>
-              <a:rPr lang="da-DK" sz="1100" b="1" dirty="0">
-                <a:solidFill>
-                  <a:schemeClr val="accent6"/>
+            <a:pPr algn="ctr"/>
+            <a:r>
+              <a:rPr lang="da-DK" sz="1100" b="1" dirty="0" smtClean="0">
+                <a:solidFill>
+                  <a:schemeClr val="accent4"/>
                 </a:solidFill>
               </a:rPr>
-              <a:t> LOOP</a:t>
-            </a:r>
-          </a:p>
-          <a:p>
-            <a:endParaRPr lang="da-DK" sz="1100" dirty="0"/>
-          </a:p>
-          <a:p>
-            <a:endParaRPr lang="da-DK" sz="1100" dirty="0"/>
-          </a:p>
-          <a:p>
-            <a:endParaRPr lang="da-DK" sz="1100" dirty="0"/>
-          </a:p>
-          <a:p>
-            <a:endParaRPr lang="en-GB" sz="1100" dirty="0"/>
+              <a:t>Displays </a:t>
+            </a:r>
+            <a:r>
+              <a:rPr lang="da-DK" sz="1100" b="1" dirty="0" err="1" smtClean="0">
+                <a:solidFill>
+                  <a:schemeClr val="accent4"/>
+                </a:solidFill>
+              </a:rPr>
+              <a:t>payment</a:t>
+            </a:r>
+            <a:r>
+              <a:rPr lang="da-DK" sz="1100" b="1" dirty="0" smtClean="0">
+                <a:solidFill>
+                  <a:schemeClr val="accent4"/>
+                </a:solidFill>
+              </a:rPr>
+              <a:t> </a:t>
+            </a:r>
+            <a:r>
+              <a:rPr lang="da-DK" sz="1100" b="1" dirty="0" err="1" smtClean="0">
+                <a:solidFill>
+                  <a:schemeClr val="accent4"/>
+                </a:solidFill>
+              </a:rPr>
+              <a:t>completed</a:t>
+            </a:r>
+            <a:endParaRPr lang="en-GB" sz="1100" b="1" dirty="0">
+              <a:solidFill>
+                <a:schemeClr val="accent4"/>
+              </a:solidFill>
+            </a:endParaRPr>
           </a:p>
         </p:txBody>
       </p:sp>
-      <p:cxnSp>
-        <p:nvCxnSpPr>
-          <p:cNvPr id="97" name="Straight Arrow Connector 96"/>
-          <p:cNvCxnSpPr/>
-          <p:nvPr/>
-        </p:nvCxnSpPr>
-        <p:spPr>
-          <a:xfrm>
-            <a:off x="4414077" y="4611875"/>
-            <a:ext cx="3024000" cy="0"/>
-          </a:xfrm>
-          <a:prstGeom prst="straightConnector1">
-            <a:avLst/>
-          </a:prstGeom>
-          <a:ln w="28575">
-            <a:headEnd type="triangle" w="med" len="med"/>
-            <a:tailEnd type="none" w="med" len="med"/>
-          </a:ln>
-        </p:spPr>
-        <p:style>
-          <a:lnRef idx="3">
-            <a:schemeClr val="accent2"/>
-          </a:lnRef>
-          <a:fillRef idx="0">
-            <a:schemeClr val="accent2"/>
-          </a:fillRef>
-          <a:effectRef idx="2">
-            <a:schemeClr val="accent2"/>
-          </a:effectRef>
-          <a:fontRef idx="minor">
-            <a:schemeClr val="tx1"/>
-          </a:fontRef>
-        </p:style>
-      </p:cxnSp>
       <p:sp>
         <p:nvSpPr>
-          <p:cNvPr id="98" name="Arc 97"/>
+          <p:cNvPr id="54" name="Arc 53"/>
           <p:cNvSpPr/>
           <p:nvPr/>
         </p:nvSpPr>
         <p:spPr>
           <a:xfrm>
-            <a:off x="4205379" y="4929874"/>
+            <a:off x="967928" y="7043068"/>
             <a:ext cx="457238" cy="462999"/>
           </a:xfrm>
           <a:prstGeom prst="arc">
@@ -57954,50 +59433,16 @@
           </a:p>
         </p:txBody>
       </p:sp>
-      <p:cxnSp>
-        <p:nvCxnSpPr>
-          <p:cNvPr id="99" name="Straight Arrow Connector 98"/>
-          <p:cNvCxnSpPr/>
-          <p:nvPr/>
-        </p:nvCxnSpPr>
-        <p:spPr>
-          <a:xfrm flipV="1">
-            <a:off x="4418476" y="5687612"/>
-            <a:ext cx="3024000" cy="3688"/>
-          </a:xfrm>
-          <a:prstGeom prst="straightConnector1">
-            <a:avLst/>
-          </a:prstGeom>
-          <a:ln w="28575">
-            <a:headEnd type="none" w="med" len="med"/>
-            <a:tailEnd type="triangle" w="med" len="med"/>
-          </a:ln>
-        </p:spPr>
-        <p:style>
-          <a:lnRef idx="3">
-            <a:schemeClr val="accent2"/>
-          </a:lnRef>
-          <a:fillRef idx="0">
-            <a:schemeClr val="accent2"/>
-          </a:fillRef>
-          <a:effectRef idx="2">
-            <a:schemeClr val="accent2"/>
-          </a:effectRef>
-          <a:fontRef idx="minor">
-            <a:schemeClr val="tx1"/>
-          </a:fontRef>
-        </p:style>
-      </p:cxnSp>
       <p:sp>
         <p:nvSpPr>
-          <p:cNvPr id="100" name="TextBox 99"/>
+          <p:cNvPr id="55" name="TextBox 54"/>
           <p:cNvSpPr txBox="1"/>
           <p:nvPr/>
         </p:nvSpPr>
         <p:spPr>
           <a:xfrm>
-            <a:off x="4337097" y="1868312"/>
-            <a:ext cx="3179240" cy="169277"/>
+            <a:off x="1491706" y="7189928"/>
+            <a:ext cx="2404191" cy="169277"/>
           </a:xfrm>
           <a:prstGeom prst="rect">
             <a:avLst/>
@@ -58010,870 +59455,37 @@
           </a:bodyPr>
           <a:lstStyle/>
           <a:p>
-            <a:pPr algn="ctr"/>
-            <a:r>
-              <a:rPr lang="da-DK" sz="1100" b="1" dirty="0">
+            <a:r>
+              <a:rPr lang="da-DK" sz="1100" b="1" dirty="0" smtClean="0">
                 <a:solidFill>
                   <a:schemeClr val="accent4"/>
                 </a:solidFill>
               </a:rPr>
-              <a:t>Check-in</a:t>
-            </a:r>
-            <a:endParaRPr lang="en-GB" sz="1100" b="1" dirty="0">
-              <a:solidFill>
-                <a:schemeClr val="accent4"/>
-              </a:solidFill>
-            </a:endParaRPr>
-          </a:p>
-        </p:txBody>
-      </p:sp>
-      <p:sp>
-        <p:nvSpPr>
-          <p:cNvPr id="101" name="TextBox 100"/>
-          <p:cNvSpPr txBox="1"/>
-          <p:nvPr/>
-        </p:nvSpPr>
-        <p:spPr>
-          <a:xfrm>
-            <a:off x="7598721" y="1722054"/>
-            <a:ext cx="3125243" cy="169277"/>
-          </a:xfrm>
-          <a:prstGeom prst="rect">
-            <a:avLst/>
-          </a:prstGeom>
-          <a:noFill/>
-        </p:spPr>
-        <p:txBody>
-          <a:bodyPr wrap="square" lIns="0" tIns="0" rIns="0" bIns="0" rtlCol="0">
-            <a:spAutoFit/>
-          </a:bodyPr>
-          <a:lstStyle/>
-          <a:p>
-            <a:pPr algn="ctr"/>
-            <a:r>
-              <a:rPr lang="da-DK" sz="1100" b="1" dirty="0">
+              <a:t>Release </a:t>
+            </a:r>
+            <a:r>
+              <a:rPr lang="da-DK" sz="1100" b="1" dirty="0" err="1" smtClean="0">
                 <a:solidFill>
                   <a:schemeClr val="accent4"/>
                 </a:solidFill>
               </a:rPr>
-              <a:t>Connect (</a:t>
-            </a:r>
-            <a:r>
-              <a:rPr lang="da-DK" sz="1100" b="1" dirty="0" err="1">
+              <a:t>goods</a:t>
+            </a:r>
+            <a:r>
+              <a:rPr lang="da-DK" sz="1100" b="1" dirty="0" smtClean="0">
                 <a:solidFill>
                   <a:schemeClr val="accent4"/>
                 </a:solidFill>
               </a:rPr>
-              <a:t>QR</a:t>
-            </a:r>
-            <a:r>
-              <a:rPr lang="da-DK" sz="1100" b="1" dirty="0">
+              <a:t> to </a:t>
+            </a:r>
+            <a:r>
+              <a:rPr lang="da-DK" sz="1100" b="1" dirty="0" err="1" smtClean="0">
                 <a:solidFill>
                   <a:schemeClr val="accent4"/>
                 </a:solidFill>
               </a:rPr>
-              <a:t> or Bluetooth)</a:t>
-            </a:r>
-            <a:endParaRPr lang="en-GB" sz="1100" b="1" dirty="0">
-              <a:solidFill>
-                <a:schemeClr val="accent4"/>
-              </a:solidFill>
-            </a:endParaRPr>
-          </a:p>
-        </p:txBody>
-      </p:sp>
-      <p:sp>
-        <p:nvSpPr>
-          <p:cNvPr id="102" name="TextBox 101"/>
-          <p:cNvSpPr txBox="1"/>
-          <p:nvPr/>
-        </p:nvSpPr>
-        <p:spPr>
-          <a:xfrm>
-            <a:off x="4304443" y="2266203"/>
-            <a:ext cx="3240280" cy="169277"/>
-          </a:xfrm>
-          <a:prstGeom prst="rect">
-            <a:avLst/>
-          </a:prstGeom>
-          <a:noFill/>
-        </p:spPr>
-        <p:txBody>
-          <a:bodyPr wrap="square" lIns="0" tIns="0" rIns="0" bIns="0" rtlCol="0">
-            <a:spAutoFit/>
-          </a:bodyPr>
-          <a:lstStyle/>
-          <a:p>
-            <a:pPr algn="ctr"/>
-            <a:r>
-              <a:rPr lang="da-DK" sz="1100" b="1" dirty="0">
-                <a:solidFill>
-                  <a:schemeClr val="accent4"/>
-                </a:solidFill>
-              </a:rPr>
-              <a:t>Store information</a:t>
-            </a:r>
-            <a:endParaRPr lang="en-GB" sz="1100" b="1" dirty="0">
-              <a:solidFill>
-                <a:schemeClr val="accent4"/>
-              </a:solidFill>
-            </a:endParaRPr>
-          </a:p>
-        </p:txBody>
-      </p:sp>
-      <p:sp>
-        <p:nvSpPr>
-          <p:cNvPr id="103" name="TextBox 102"/>
-          <p:cNvSpPr txBox="1"/>
-          <p:nvPr/>
-        </p:nvSpPr>
-        <p:spPr>
-          <a:xfrm>
-            <a:off x="1060149" y="2368879"/>
-            <a:ext cx="3248562" cy="169277"/>
-          </a:xfrm>
-          <a:prstGeom prst="rect">
-            <a:avLst/>
-          </a:prstGeom>
-          <a:noFill/>
-        </p:spPr>
-        <p:txBody>
-          <a:bodyPr wrap="square" lIns="0" tIns="0" rIns="0" bIns="0" rtlCol="0">
-            <a:spAutoFit/>
-          </a:bodyPr>
-          <a:lstStyle/>
-          <a:p>
-            <a:pPr algn="ctr"/>
-            <a:r>
-              <a:rPr lang="da-DK" sz="1100" b="1" dirty="0">
-                <a:solidFill>
-                  <a:schemeClr val="accent4"/>
-                </a:solidFill>
-              </a:rPr>
-              <a:t>POST /</a:t>
-            </a:r>
-            <a:r>
-              <a:rPr lang="da-DK" sz="1100" b="1" dirty="0" err="1">
-                <a:solidFill>
-                  <a:schemeClr val="accent4"/>
-                </a:solidFill>
-              </a:rPr>
-              <a:t>payments</a:t>
-            </a:r>
-            <a:endParaRPr lang="en-GB" sz="1100" b="1" dirty="0">
-              <a:solidFill>
-                <a:schemeClr val="accent4"/>
-              </a:solidFill>
-            </a:endParaRPr>
-          </a:p>
-        </p:txBody>
-      </p:sp>
-      <p:sp>
-        <p:nvSpPr>
-          <p:cNvPr id="104" name="TextBox 103"/>
-          <p:cNvSpPr txBox="1"/>
-          <p:nvPr/>
-        </p:nvSpPr>
-        <p:spPr>
-          <a:xfrm>
-            <a:off x="1060150" y="2809265"/>
-            <a:ext cx="3252828" cy="169277"/>
-          </a:xfrm>
-          <a:prstGeom prst="rect">
-            <a:avLst/>
-          </a:prstGeom>
-          <a:noFill/>
-        </p:spPr>
-        <p:txBody>
-          <a:bodyPr wrap="square" lIns="0" tIns="0" rIns="0" bIns="0" rtlCol="0">
-            <a:spAutoFit/>
-          </a:bodyPr>
-          <a:lstStyle/>
-          <a:p>
-            <a:pPr algn="ctr"/>
-            <a:r>
-              <a:rPr lang="da-DK" sz="1100" b="1" dirty="0">
-                <a:solidFill>
-                  <a:schemeClr val="accent4"/>
-                </a:solidFill>
-              </a:rPr>
-              <a:t>Payment ID</a:t>
-            </a:r>
-            <a:endParaRPr lang="en-GB" sz="1100" b="1" dirty="0">
-              <a:solidFill>
-                <a:schemeClr val="accent4"/>
-              </a:solidFill>
-            </a:endParaRPr>
-          </a:p>
-        </p:txBody>
-      </p:sp>
-      <p:sp>
-        <p:nvSpPr>
-          <p:cNvPr id="105" name="TextBox 104"/>
-          <p:cNvSpPr txBox="1"/>
-          <p:nvPr/>
-        </p:nvSpPr>
-        <p:spPr>
-          <a:xfrm>
-            <a:off x="1060149" y="3513942"/>
-            <a:ext cx="3244294" cy="169277"/>
-          </a:xfrm>
-          <a:prstGeom prst="rect">
-            <a:avLst/>
-          </a:prstGeom>
-          <a:noFill/>
-        </p:spPr>
-        <p:txBody>
-          <a:bodyPr wrap="square" lIns="0" tIns="0" rIns="0" bIns="0" rtlCol="0">
-            <a:spAutoFit/>
-          </a:bodyPr>
-          <a:lstStyle/>
-          <a:p>
-            <a:pPr algn="ctr"/>
-            <a:r>
-              <a:rPr lang="da-DK" sz="1100" b="1" dirty="0">
-                <a:solidFill>
-                  <a:schemeClr val="accent4"/>
-                </a:solidFill>
-              </a:rPr>
-              <a:t>GET /</a:t>
-            </a:r>
-            <a:r>
-              <a:rPr lang="da-DK" sz="1100" b="1" dirty="0" err="1">
-                <a:solidFill>
-                  <a:schemeClr val="accent4"/>
-                </a:solidFill>
-              </a:rPr>
-              <a:t>payments</a:t>
-            </a:r>
-            <a:r>
-              <a:rPr lang="da-DK" sz="1100" b="1" dirty="0">
-                <a:solidFill>
-                  <a:schemeClr val="accent4"/>
-                </a:solidFill>
-              </a:rPr>
-              <a:t>/{paymentId}</a:t>
-            </a:r>
-            <a:endParaRPr lang="en-GB" sz="1100" b="1" dirty="0">
-              <a:solidFill>
-                <a:schemeClr val="accent4"/>
-              </a:solidFill>
-            </a:endParaRPr>
-          </a:p>
-        </p:txBody>
-      </p:sp>
-      <p:sp>
-        <p:nvSpPr>
-          <p:cNvPr id="106" name="TextBox 105"/>
-          <p:cNvSpPr txBox="1"/>
-          <p:nvPr/>
-        </p:nvSpPr>
-        <p:spPr>
-          <a:xfrm>
-            <a:off x="1064418" y="3965825"/>
-            <a:ext cx="3240025" cy="169277"/>
-          </a:xfrm>
-          <a:prstGeom prst="rect">
-            <a:avLst/>
-          </a:prstGeom>
-          <a:noFill/>
-        </p:spPr>
-        <p:txBody>
-          <a:bodyPr wrap="square" lIns="0" tIns="0" rIns="0" bIns="0" rtlCol="0">
-            <a:spAutoFit/>
-          </a:bodyPr>
-          <a:lstStyle/>
-          <a:p>
-            <a:pPr algn="ctr"/>
-            <a:r>
-              <a:rPr lang="da-DK" sz="1100" b="1" dirty="0">
-                <a:solidFill>
-                  <a:schemeClr val="accent4"/>
-                </a:solidFill>
-              </a:rPr>
-              <a:t>Payment, status = IssuedToUser</a:t>
-            </a:r>
-            <a:endParaRPr lang="en-GB" sz="1100" b="1" dirty="0">
-              <a:solidFill>
-                <a:schemeClr val="accent4"/>
-              </a:solidFill>
-            </a:endParaRPr>
-          </a:p>
-        </p:txBody>
-      </p:sp>
-      <p:sp>
-        <p:nvSpPr>
-          <p:cNvPr id="107" name="TextBox 106"/>
-          <p:cNvSpPr txBox="1"/>
-          <p:nvPr/>
-        </p:nvSpPr>
-        <p:spPr>
-          <a:xfrm>
-            <a:off x="4435209" y="2692997"/>
-            <a:ext cx="3002287" cy="169277"/>
-          </a:xfrm>
-          <a:prstGeom prst="rect">
-            <a:avLst/>
-          </a:prstGeom>
-          <a:noFill/>
-        </p:spPr>
-        <p:txBody>
-          <a:bodyPr wrap="square" lIns="0" tIns="0" rIns="0" bIns="0" rtlCol="0">
-            <a:spAutoFit/>
-          </a:bodyPr>
-          <a:lstStyle/>
-          <a:p>
-            <a:pPr algn="ctr"/>
-            <a:r>
-              <a:rPr lang="da-DK" sz="1100" b="1" dirty="0">
-                <a:solidFill>
-                  <a:schemeClr val="accent4"/>
-                </a:solidFill>
-              </a:rPr>
-              <a:t>Payment request</a:t>
-            </a:r>
-            <a:endParaRPr lang="en-GB" sz="1100" b="1" dirty="0">
-              <a:solidFill>
-                <a:schemeClr val="accent4"/>
-              </a:solidFill>
-            </a:endParaRPr>
-          </a:p>
-        </p:txBody>
-      </p:sp>
-      <p:sp>
-        <p:nvSpPr>
-          <p:cNvPr id="108" name="TextBox 107"/>
-          <p:cNvSpPr txBox="1"/>
-          <p:nvPr/>
-        </p:nvSpPr>
-        <p:spPr>
-          <a:xfrm>
-            <a:off x="7657859" y="4294459"/>
-            <a:ext cx="3002287" cy="169277"/>
-          </a:xfrm>
-          <a:prstGeom prst="rect">
-            <a:avLst/>
-          </a:prstGeom>
-          <a:noFill/>
-        </p:spPr>
-        <p:txBody>
-          <a:bodyPr wrap="square" lIns="0" tIns="0" rIns="0" bIns="0" rtlCol="0">
-            <a:spAutoFit/>
-          </a:bodyPr>
-          <a:lstStyle/>
-          <a:p>
-            <a:pPr algn="ctr"/>
-            <a:r>
-              <a:rPr lang="da-DK" sz="1100" b="1" dirty="0" err="1">
-                <a:solidFill>
-                  <a:schemeClr val="accent4"/>
-                </a:solidFill>
-              </a:rPr>
-              <a:t>Swipe</a:t>
-            </a:r>
-            <a:r>
-              <a:rPr lang="da-DK" sz="1100" b="1" dirty="0">
-                <a:solidFill>
-                  <a:schemeClr val="accent4"/>
-                </a:solidFill>
-              </a:rPr>
-              <a:t> to accept payment</a:t>
-            </a:r>
-            <a:endParaRPr lang="en-GB" sz="1100" b="1" dirty="0">
-              <a:solidFill>
-                <a:schemeClr val="accent4"/>
-              </a:solidFill>
-            </a:endParaRPr>
-          </a:p>
-        </p:txBody>
-      </p:sp>
-      <p:sp>
-        <p:nvSpPr>
-          <p:cNvPr id="109" name="TextBox 108"/>
-          <p:cNvSpPr txBox="1"/>
-          <p:nvPr/>
-        </p:nvSpPr>
-        <p:spPr>
-          <a:xfrm>
-            <a:off x="4388920" y="4403799"/>
-            <a:ext cx="3002287" cy="169277"/>
-          </a:xfrm>
-          <a:prstGeom prst="rect">
-            <a:avLst/>
-          </a:prstGeom>
-          <a:noFill/>
-        </p:spPr>
-        <p:txBody>
-          <a:bodyPr wrap="square" lIns="0" tIns="0" rIns="0" bIns="0" rtlCol="0">
-            <a:spAutoFit/>
-          </a:bodyPr>
-          <a:lstStyle/>
-          <a:p>
-            <a:pPr algn="ctr"/>
-            <a:r>
-              <a:rPr lang="da-DK" sz="1100" b="1" dirty="0">
-                <a:solidFill>
-                  <a:schemeClr val="accent4"/>
-                </a:solidFill>
-              </a:rPr>
-              <a:t>Accept payment request</a:t>
-            </a:r>
-            <a:endParaRPr lang="en-GB" sz="1100" b="1" dirty="0">
-              <a:solidFill>
-                <a:schemeClr val="accent4"/>
-              </a:solidFill>
-            </a:endParaRPr>
-          </a:p>
-        </p:txBody>
-      </p:sp>
-      <p:sp>
-        <p:nvSpPr>
-          <p:cNvPr id="110" name="TextBox 109"/>
-          <p:cNvSpPr txBox="1"/>
-          <p:nvPr/>
-        </p:nvSpPr>
-        <p:spPr>
-          <a:xfrm>
-            <a:off x="4729157" y="5076734"/>
-            <a:ext cx="2404191" cy="169277"/>
-          </a:xfrm>
-          <a:prstGeom prst="rect">
-            <a:avLst/>
-          </a:prstGeom>
-          <a:noFill/>
-        </p:spPr>
-        <p:txBody>
-          <a:bodyPr wrap="square" lIns="0" tIns="0" rIns="0" bIns="0" rtlCol="0">
-            <a:spAutoFit/>
-          </a:bodyPr>
-          <a:lstStyle/>
-          <a:p>
-            <a:r>
-              <a:rPr lang="da-DK" sz="1100" b="1" dirty="0">
-                <a:solidFill>
-                  <a:schemeClr val="accent4"/>
-                </a:solidFill>
-              </a:rPr>
-              <a:t>Reserve Payment</a:t>
-            </a:r>
-            <a:endParaRPr lang="en-GB" sz="1100" b="1" dirty="0">
-              <a:solidFill>
-                <a:schemeClr val="accent4"/>
-              </a:solidFill>
-            </a:endParaRPr>
-          </a:p>
-        </p:txBody>
-      </p:sp>
-      <p:sp>
-        <p:nvSpPr>
-          <p:cNvPr id="111" name="TextBox 110"/>
-          <p:cNvSpPr txBox="1"/>
-          <p:nvPr/>
-        </p:nvSpPr>
-        <p:spPr>
-          <a:xfrm>
-            <a:off x="4427716" y="5718201"/>
-            <a:ext cx="3002287" cy="169277"/>
-          </a:xfrm>
-          <a:prstGeom prst="rect">
-            <a:avLst/>
-          </a:prstGeom>
-          <a:noFill/>
-        </p:spPr>
-        <p:txBody>
-          <a:bodyPr wrap="square" lIns="0" tIns="0" rIns="0" bIns="0" rtlCol="0">
-            <a:spAutoFit/>
-          </a:bodyPr>
-          <a:lstStyle/>
-          <a:p>
-            <a:pPr algn="ctr"/>
-            <a:r>
-              <a:rPr lang="da-DK" sz="1100" b="1" dirty="0">
-                <a:solidFill>
-                  <a:schemeClr val="accent4"/>
-                </a:solidFill>
-              </a:rPr>
-              <a:t>App receipt</a:t>
-            </a:r>
-            <a:endParaRPr lang="en-GB" sz="1100" b="1" dirty="0">
-              <a:solidFill>
-                <a:schemeClr val="accent4"/>
-              </a:solidFill>
-            </a:endParaRPr>
-          </a:p>
-        </p:txBody>
-      </p:sp>
-      <p:sp>
-        <p:nvSpPr>
-          <p:cNvPr id="112" name="TextBox 111"/>
-          <p:cNvSpPr txBox="1"/>
-          <p:nvPr/>
-        </p:nvSpPr>
-        <p:spPr>
-          <a:xfrm>
-            <a:off x="1161903" y="5679719"/>
-            <a:ext cx="3002287" cy="169277"/>
-          </a:xfrm>
-          <a:prstGeom prst="rect">
-            <a:avLst/>
-          </a:prstGeom>
-          <a:noFill/>
-        </p:spPr>
-        <p:txBody>
-          <a:bodyPr wrap="square" lIns="0" tIns="0" rIns="0" bIns="0" rtlCol="0">
-            <a:spAutoFit/>
-          </a:bodyPr>
-          <a:lstStyle/>
-          <a:p>
-            <a:pPr algn="ctr"/>
-            <a:r>
-              <a:rPr lang="da-DK" sz="1100" b="1" dirty="0">
-                <a:solidFill>
-                  <a:schemeClr val="accent4"/>
-                </a:solidFill>
-              </a:rPr>
-              <a:t>GET /</a:t>
-            </a:r>
-            <a:r>
-              <a:rPr lang="da-DK" sz="1100" b="1" dirty="0" err="1">
-                <a:solidFill>
-                  <a:schemeClr val="accent4"/>
-                </a:solidFill>
-              </a:rPr>
-              <a:t>payments</a:t>
-            </a:r>
-            <a:r>
-              <a:rPr lang="da-DK" sz="1100" b="1" dirty="0">
-                <a:solidFill>
-                  <a:schemeClr val="accent4"/>
-                </a:solidFill>
-              </a:rPr>
-              <a:t>/{paymentId}</a:t>
-            </a:r>
-            <a:endParaRPr lang="en-GB" sz="1100" b="1" dirty="0">
-              <a:solidFill>
-                <a:schemeClr val="accent4"/>
-              </a:solidFill>
-            </a:endParaRPr>
-          </a:p>
-        </p:txBody>
-      </p:sp>
-      <p:sp>
-        <p:nvSpPr>
-          <p:cNvPr id="113" name="TextBox 112"/>
-          <p:cNvSpPr txBox="1"/>
-          <p:nvPr/>
-        </p:nvSpPr>
-        <p:spPr>
-          <a:xfrm>
-            <a:off x="1180932" y="6132378"/>
-            <a:ext cx="3002287" cy="169277"/>
-          </a:xfrm>
-          <a:prstGeom prst="rect">
-            <a:avLst/>
-          </a:prstGeom>
-          <a:noFill/>
-        </p:spPr>
-        <p:txBody>
-          <a:bodyPr wrap="square" lIns="0" tIns="0" rIns="0" bIns="0" rtlCol="0">
-            <a:spAutoFit/>
-          </a:bodyPr>
-          <a:lstStyle/>
-          <a:p>
-            <a:pPr algn="ctr"/>
-            <a:r>
-              <a:rPr lang="da-DK" sz="1100" b="1" dirty="0">
-                <a:solidFill>
-                  <a:schemeClr val="accent4"/>
-                </a:solidFill>
-              </a:rPr>
-              <a:t>Payment, status = </a:t>
-            </a:r>
-            <a:r>
-              <a:rPr lang="da-DK" sz="1100" b="1" dirty="0" err="1">
-                <a:solidFill>
-                  <a:schemeClr val="accent4"/>
-                </a:solidFill>
-              </a:rPr>
-              <a:t>Reserved</a:t>
-            </a:r>
-            <a:endParaRPr lang="en-GB" sz="1100" b="1" dirty="0">
-              <a:solidFill>
-                <a:schemeClr val="accent4"/>
-              </a:solidFill>
-            </a:endParaRPr>
-          </a:p>
-        </p:txBody>
-      </p:sp>
-      <p:cxnSp>
-        <p:nvCxnSpPr>
-          <p:cNvPr id="116" name="Straight Arrow Connector 115"/>
-          <p:cNvCxnSpPr/>
-          <p:nvPr/>
-        </p:nvCxnSpPr>
-        <p:spPr>
-          <a:xfrm>
-            <a:off x="1180436" y="7083073"/>
-            <a:ext cx="3016482" cy="0"/>
-          </a:xfrm>
-          <a:prstGeom prst="straightConnector1">
-            <a:avLst/>
-          </a:prstGeom>
-          <a:ln w="28575">
-            <a:headEnd type="none" w="med" len="med"/>
-            <a:tailEnd type="triangle" w="med" len="med"/>
-          </a:ln>
-        </p:spPr>
-        <p:style>
-          <a:lnRef idx="3">
-            <a:schemeClr val="accent2"/>
-          </a:lnRef>
-          <a:fillRef idx="0">
-            <a:schemeClr val="accent2"/>
-          </a:fillRef>
-          <a:effectRef idx="2">
-            <a:schemeClr val="accent2"/>
-          </a:effectRef>
-          <a:fontRef idx="minor">
-            <a:schemeClr val="tx1"/>
-          </a:fontRef>
-        </p:style>
-      </p:cxnSp>
-      <p:sp>
-        <p:nvSpPr>
-          <p:cNvPr id="117" name="TextBox 116"/>
-          <p:cNvSpPr txBox="1"/>
-          <p:nvPr/>
-        </p:nvSpPr>
-        <p:spPr>
-          <a:xfrm>
-            <a:off x="1000133" y="6839029"/>
-            <a:ext cx="3248562" cy="169277"/>
-          </a:xfrm>
-          <a:prstGeom prst="rect">
-            <a:avLst/>
-          </a:prstGeom>
-          <a:noFill/>
-        </p:spPr>
-        <p:txBody>
-          <a:bodyPr wrap="square" lIns="0" tIns="0" rIns="0" bIns="0" rtlCol="0">
-            <a:spAutoFit/>
-          </a:bodyPr>
-          <a:lstStyle/>
-          <a:p>
-            <a:pPr algn="ctr"/>
-            <a:r>
-              <a:rPr lang="da-DK" sz="1100" b="1" dirty="0">
-                <a:solidFill>
-                  <a:schemeClr val="accent4"/>
-                </a:solidFill>
-              </a:rPr>
-              <a:t>POST /</a:t>
-            </a:r>
-            <a:r>
-              <a:rPr lang="da-DK" sz="1100" b="1" dirty="0" err="1">
-                <a:solidFill>
-                  <a:schemeClr val="accent4"/>
-                </a:solidFill>
-              </a:rPr>
-              <a:t>payments</a:t>
-            </a:r>
-            <a:r>
-              <a:rPr lang="da-DK" sz="1100" b="1" dirty="0">
-                <a:solidFill>
-                  <a:schemeClr val="accent4"/>
-                </a:solidFill>
-              </a:rPr>
-              <a:t>/{</a:t>
-            </a:r>
-            <a:r>
-              <a:rPr lang="da-DK" sz="1100" b="1" dirty="0" err="1">
-                <a:solidFill>
-                  <a:schemeClr val="accent4"/>
-                </a:solidFill>
-              </a:rPr>
-              <a:t>paymentId</a:t>
-            </a:r>
-            <a:r>
-              <a:rPr lang="da-DK" sz="1100" b="1" dirty="0">
-                <a:solidFill>
-                  <a:schemeClr val="accent4"/>
-                </a:solidFill>
-              </a:rPr>
-              <a:t>}/</a:t>
-            </a:r>
-            <a:r>
-              <a:rPr lang="da-DK" sz="1100" b="1" dirty="0" err="1">
-                <a:solidFill>
-                  <a:schemeClr val="accent4"/>
-                </a:solidFill>
-              </a:rPr>
-              <a:t>capture</a:t>
-            </a:r>
-            <a:endParaRPr lang="en-GB" sz="1100" b="1" dirty="0">
-              <a:solidFill>
-                <a:schemeClr val="accent4"/>
-              </a:solidFill>
-            </a:endParaRPr>
-          </a:p>
-        </p:txBody>
-      </p:sp>
-      <p:sp>
-        <p:nvSpPr>
-          <p:cNvPr id="118" name="Arc 117"/>
-          <p:cNvSpPr/>
-          <p:nvPr/>
-        </p:nvSpPr>
-        <p:spPr>
-          <a:xfrm>
-            <a:off x="4205379" y="7364000"/>
-            <a:ext cx="457238" cy="462999"/>
-          </a:xfrm>
-          <a:prstGeom prst="arc">
-            <a:avLst>
-              <a:gd name="adj1" fmla="val 16200000"/>
-              <a:gd name="adj2" fmla="val 5368770"/>
-            </a:avLst>
-          </a:prstGeom>
-          <a:ln w="28575">
-            <a:headEnd type="none" w="med" len="med"/>
-            <a:tailEnd type="triangle" w="med" len="med"/>
-          </a:ln>
-        </p:spPr>
-        <p:style>
-          <a:lnRef idx="3">
-            <a:schemeClr val="accent2"/>
-          </a:lnRef>
-          <a:fillRef idx="0">
-            <a:schemeClr val="accent2"/>
-          </a:fillRef>
-          <a:effectRef idx="2">
-            <a:schemeClr val="accent2"/>
-          </a:effectRef>
-          <a:fontRef idx="minor">
-            <a:schemeClr val="tx1"/>
-          </a:fontRef>
-        </p:style>
-        <p:txBody>
-          <a:bodyPr rtlCol="0" anchor="ctr"/>
-          <a:lstStyle/>
-          <a:p>
-            <a:pPr algn="ctr"/>
-            <a:endParaRPr lang="en-GB" dirty="0"/>
-          </a:p>
-        </p:txBody>
-      </p:sp>
-      <p:sp>
-        <p:nvSpPr>
-          <p:cNvPr id="119" name="TextBox 118"/>
-          <p:cNvSpPr txBox="1"/>
-          <p:nvPr/>
-        </p:nvSpPr>
-        <p:spPr>
-          <a:xfrm>
-            <a:off x="4729157" y="7510860"/>
-            <a:ext cx="2404191" cy="169277"/>
-          </a:xfrm>
-          <a:prstGeom prst="rect">
-            <a:avLst/>
-          </a:prstGeom>
-          <a:noFill/>
-        </p:spPr>
-        <p:txBody>
-          <a:bodyPr wrap="square" lIns="0" tIns="0" rIns="0" bIns="0" rtlCol="0">
-            <a:spAutoFit/>
-          </a:bodyPr>
-          <a:lstStyle/>
-          <a:p>
-            <a:r>
-              <a:rPr lang="da-DK" sz="1100" b="1" dirty="0" err="1">
-                <a:solidFill>
-                  <a:schemeClr val="accent4"/>
-                </a:solidFill>
-              </a:rPr>
-              <a:t>Capture</a:t>
-            </a:r>
-            <a:r>
-              <a:rPr lang="da-DK" sz="1100" b="1" dirty="0">
-                <a:solidFill>
-                  <a:schemeClr val="accent4"/>
-                </a:solidFill>
-              </a:rPr>
-              <a:t> Payment</a:t>
-            </a:r>
-            <a:endParaRPr lang="en-GB" sz="1100" b="1" dirty="0">
-              <a:solidFill>
-                <a:schemeClr val="accent4"/>
-              </a:solidFill>
-            </a:endParaRPr>
-          </a:p>
-        </p:txBody>
-      </p:sp>
-      <p:cxnSp>
-        <p:nvCxnSpPr>
-          <p:cNvPr id="122" name="Straight Arrow Connector 121"/>
-          <p:cNvCxnSpPr/>
-          <p:nvPr/>
-        </p:nvCxnSpPr>
-        <p:spPr>
-          <a:xfrm>
-            <a:off x="1154118" y="8067686"/>
-            <a:ext cx="3016482" cy="0"/>
-          </a:xfrm>
-          <a:prstGeom prst="straightConnector1">
-            <a:avLst/>
-          </a:prstGeom>
-          <a:ln w="28575">
-            <a:prstDash val="sysDash"/>
-            <a:headEnd type="triangle" w="med" len="med"/>
-            <a:tailEnd type="none" w="med" len="med"/>
-          </a:ln>
-        </p:spPr>
-        <p:style>
-          <a:lnRef idx="3">
-            <a:schemeClr val="accent2"/>
-          </a:lnRef>
-          <a:fillRef idx="0">
-            <a:schemeClr val="accent2"/>
-          </a:fillRef>
-          <a:effectRef idx="2">
-            <a:schemeClr val="accent2"/>
-          </a:effectRef>
-          <a:fontRef idx="minor">
-            <a:schemeClr val="tx1"/>
-          </a:fontRef>
-        </p:style>
-      </p:cxnSp>
-      <p:sp>
-        <p:nvSpPr>
-          <p:cNvPr id="125" name="TextBox 124"/>
-          <p:cNvSpPr txBox="1"/>
-          <p:nvPr/>
-        </p:nvSpPr>
-        <p:spPr>
-          <a:xfrm>
-            <a:off x="1179325" y="8142454"/>
-            <a:ext cx="3002287" cy="169277"/>
-          </a:xfrm>
-          <a:prstGeom prst="rect">
-            <a:avLst/>
-          </a:prstGeom>
-          <a:noFill/>
-        </p:spPr>
-        <p:txBody>
-          <a:bodyPr wrap="square" lIns="0" tIns="0" rIns="0" bIns="0" rtlCol="0">
-            <a:spAutoFit/>
-          </a:bodyPr>
-          <a:lstStyle/>
-          <a:p>
-            <a:pPr algn="ctr"/>
-            <a:r>
-              <a:rPr lang="da-DK" sz="1100" b="1" dirty="0">
-                <a:solidFill>
-                  <a:schemeClr val="accent4"/>
-                </a:solidFill>
-              </a:rPr>
-              <a:t>OK</a:t>
+              <a:t>costumer</a:t>
             </a:r>
             <a:endParaRPr lang="en-GB" sz="1100" b="1" dirty="0">
               <a:solidFill>
